--- a/docs/design/figures/fs-design.pptx
+++ b/docs/design/figures/fs-design.pptx
@@ -9,6 +9,8 @@
     <p:sldId id="257" r:id="rId3"/>
     <p:sldId id="258" r:id="rId4"/>
     <p:sldId id="259" r:id="rId5"/>
+    <p:sldId id="260" r:id="rId6"/>
+    <p:sldId id="261" r:id="rId7"/>
   </p:sldIdLst>
   <p:sldSz cx="6858000" cy="4572000"/>
   <p:notesSz cx="9144000" cy="6858000"/>
@@ -246,7 +248,7 @@
           <a:p>
             <a:fld id="{305C3DB1-8177-46AD-AF81-2EEE95D844A8}" type="datetimeFigureOut">
               <a:rPr lang="en-US" smtClean="0"/>
-              <a:t>3/2/2017</a:t>
+              <a:t>3/3/2017</a:t>
             </a:fld>
             <a:endParaRPr lang="en-US"/>
           </a:p>
@@ -416,7 +418,7 @@
           <a:p>
             <a:fld id="{305C3DB1-8177-46AD-AF81-2EEE95D844A8}" type="datetimeFigureOut">
               <a:rPr lang="en-US" smtClean="0"/>
-              <a:t>3/2/2017</a:t>
+              <a:t>3/3/2017</a:t>
             </a:fld>
             <a:endParaRPr lang="en-US"/>
           </a:p>
@@ -596,7 +598,7 @@
           <a:p>
             <a:fld id="{305C3DB1-8177-46AD-AF81-2EEE95D844A8}" type="datetimeFigureOut">
               <a:rPr lang="en-US" smtClean="0"/>
-              <a:t>3/2/2017</a:t>
+              <a:t>3/3/2017</a:t>
             </a:fld>
             <a:endParaRPr lang="en-US"/>
           </a:p>
@@ -766,7 +768,7 @@
           <a:p>
             <a:fld id="{305C3DB1-8177-46AD-AF81-2EEE95D844A8}" type="datetimeFigureOut">
               <a:rPr lang="en-US" smtClean="0"/>
-              <a:t>3/2/2017</a:t>
+              <a:t>3/3/2017</a:t>
             </a:fld>
             <a:endParaRPr lang="en-US"/>
           </a:p>
@@ -1010,7 +1012,7 @@
           <a:p>
             <a:fld id="{305C3DB1-8177-46AD-AF81-2EEE95D844A8}" type="datetimeFigureOut">
               <a:rPr lang="en-US" smtClean="0"/>
-              <a:t>3/2/2017</a:t>
+              <a:t>3/3/2017</a:t>
             </a:fld>
             <a:endParaRPr lang="en-US"/>
           </a:p>
@@ -1242,7 +1244,7 @@
           <a:p>
             <a:fld id="{305C3DB1-8177-46AD-AF81-2EEE95D844A8}" type="datetimeFigureOut">
               <a:rPr lang="en-US" smtClean="0"/>
-              <a:t>3/2/2017</a:t>
+              <a:t>3/3/2017</a:t>
             </a:fld>
             <a:endParaRPr lang="en-US"/>
           </a:p>
@@ -1609,7 +1611,7 @@
           <a:p>
             <a:fld id="{305C3DB1-8177-46AD-AF81-2EEE95D844A8}" type="datetimeFigureOut">
               <a:rPr lang="en-US" smtClean="0"/>
-              <a:t>3/2/2017</a:t>
+              <a:t>3/3/2017</a:t>
             </a:fld>
             <a:endParaRPr lang="en-US"/>
           </a:p>
@@ -1727,7 +1729,7 @@
           <a:p>
             <a:fld id="{305C3DB1-8177-46AD-AF81-2EEE95D844A8}" type="datetimeFigureOut">
               <a:rPr lang="en-US" smtClean="0"/>
-              <a:t>3/2/2017</a:t>
+              <a:t>3/3/2017</a:t>
             </a:fld>
             <a:endParaRPr lang="en-US"/>
           </a:p>
@@ -1822,7 +1824,7 @@
           <a:p>
             <a:fld id="{305C3DB1-8177-46AD-AF81-2EEE95D844A8}" type="datetimeFigureOut">
               <a:rPr lang="en-US" smtClean="0"/>
-              <a:t>3/2/2017</a:t>
+              <a:t>3/3/2017</a:t>
             </a:fld>
             <a:endParaRPr lang="en-US"/>
           </a:p>
@@ -2099,7 +2101,7 @@
           <a:p>
             <a:fld id="{305C3DB1-8177-46AD-AF81-2EEE95D844A8}" type="datetimeFigureOut">
               <a:rPr lang="en-US" smtClean="0"/>
-              <a:t>3/2/2017</a:t>
+              <a:t>3/3/2017</a:t>
             </a:fld>
             <a:endParaRPr lang="en-US"/>
           </a:p>
@@ -2356,7 +2358,7 @@
           <a:p>
             <a:fld id="{305C3DB1-8177-46AD-AF81-2EEE95D844A8}" type="datetimeFigureOut">
               <a:rPr lang="en-US" smtClean="0"/>
-              <a:t>3/2/2017</a:t>
+              <a:t>3/3/2017</a:t>
             </a:fld>
             <a:endParaRPr lang="en-US"/>
           </a:p>
@@ -2569,7 +2571,7 @@
           <a:p>
             <a:fld id="{305C3DB1-8177-46AD-AF81-2EEE95D844A8}" type="datetimeFigureOut">
               <a:rPr lang="en-US" smtClean="0"/>
-              <a:t>3/2/2017</a:t>
+              <a:t>3/3/2017</a:t>
             </a:fld>
             <a:endParaRPr lang="en-US"/>
           </a:p>
@@ -3056,13 +3058,6 @@
                   </a:rPr>
                   <a:t>File name</a:t>
                 </a:r>
-                <a:endParaRPr lang="en-US" sz="1000" dirty="0">
-                  <a:solidFill>
-                    <a:schemeClr val="tx1"/>
-                  </a:solidFill>
-                  <a:latin typeface="Times New Roman" panose="02020603050405020304" pitchFamily="18" charset="0"/>
-                  <a:cs typeface="Times New Roman" panose="02020603050405020304" pitchFamily="18" charset="0"/>
-                </a:endParaRPr>
               </a:p>
             </p:txBody>
           </p:sp>
@@ -3120,13 +3115,6 @@
                   </a:rPr>
                   <a:t>File Directory</a:t>
                 </a:r>
-                <a:endParaRPr lang="en-US" sz="1000" b="1" dirty="0">
-                  <a:solidFill>
-                    <a:schemeClr val="tx1"/>
-                  </a:solidFill>
-                  <a:latin typeface="Times New Roman" panose="02020603050405020304" pitchFamily="18" charset="0"/>
-                  <a:cs typeface="Times New Roman" panose="02020603050405020304" pitchFamily="18" charset="0"/>
-                </a:endParaRPr>
               </a:p>
             </p:txBody>
           </p:sp>
@@ -3248,13 +3236,6 @@
                   </a:rPr>
                   <a:t>“/home/file1”</a:t>
                 </a:r>
-                <a:endParaRPr lang="en-US" sz="1000" dirty="0">
-                  <a:solidFill>
-                    <a:schemeClr val="tx1"/>
-                  </a:solidFill>
-                  <a:latin typeface="Times New Roman" panose="02020603050405020304" pitchFamily="18" charset="0"/>
-                  <a:cs typeface="Times New Roman" panose="02020603050405020304" pitchFamily="18" charset="0"/>
-                </a:endParaRPr>
               </a:p>
             </p:txBody>
           </p:sp>
@@ -3312,13 +3293,6 @@
                   </a:rPr>
                   <a:t>1</a:t>
                 </a:r>
-                <a:endParaRPr lang="en-US" sz="1000" dirty="0">
-                  <a:solidFill>
-                    <a:schemeClr val="tx1"/>
-                  </a:solidFill>
-                  <a:latin typeface="Times New Roman" panose="02020603050405020304" pitchFamily="18" charset="0"/>
-                  <a:cs typeface="Times New Roman" panose="02020603050405020304" pitchFamily="18" charset="0"/>
-                </a:endParaRPr>
               </a:p>
             </p:txBody>
           </p:sp>
@@ -3376,13 +3350,6 @@
                   </a:rPr>
                   <a:t>“/home/file2”</a:t>
                 </a:r>
-                <a:endParaRPr lang="en-US" sz="1000" dirty="0">
-                  <a:solidFill>
-                    <a:schemeClr val="tx1"/>
-                  </a:solidFill>
-                  <a:latin typeface="Times New Roman" panose="02020603050405020304" pitchFamily="18" charset="0"/>
-                  <a:cs typeface="Times New Roman" panose="02020603050405020304" pitchFamily="18" charset="0"/>
-                </a:endParaRPr>
               </a:p>
             </p:txBody>
           </p:sp>
@@ -3440,13 +3407,6 @@
                   </a:rPr>
                   <a:t>2</a:t>
                 </a:r>
-                <a:endParaRPr lang="en-US" sz="1000" dirty="0">
-                  <a:solidFill>
-                    <a:schemeClr val="tx1"/>
-                  </a:solidFill>
-                  <a:latin typeface="Times New Roman" panose="02020603050405020304" pitchFamily="18" charset="0"/>
-                  <a:cs typeface="Times New Roman" panose="02020603050405020304" pitchFamily="18" charset="0"/>
-                </a:endParaRPr>
               </a:p>
             </p:txBody>
           </p:sp>
@@ -3504,13 +3464,6 @@
                   </a:rPr>
                   <a:t>…</a:t>
                 </a:r>
-                <a:endParaRPr lang="en-US" sz="1000" dirty="0">
-                  <a:solidFill>
-                    <a:schemeClr val="tx1"/>
-                  </a:solidFill>
-                  <a:latin typeface="Times New Roman" panose="02020603050405020304" pitchFamily="18" charset="0"/>
-                  <a:cs typeface="Times New Roman" panose="02020603050405020304" pitchFamily="18" charset="0"/>
-                </a:endParaRPr>
               </a:p>
             </p:txBody>
           </p:sp>
@@ -3568,13 +3521,6 @@
                   </a:rPr>
                   <a:t>…</a:t>
                 </a:r>
-                <a:endParaRPr lang="en-US" sz="1000" dirty="0">
-                  <a:solidFill>
-                    <a:schemeClr val="tx1"/>
-                  </a:solidFill>
-                  <a:latin typeface="Times New Roman" panose="02020603050405020304" pitchFamily="18" charset="0"/>
-                  <a:cs typeface="Times New Roman" panose="02020603050405020304" pitchFamily="18" charset="0"/>
-                </a:endParaRPr>
               </a:p>
             </p:txBody>
           </p:sp>
@@ -3688,13 +3634,6 @@
                   </a:rPr>
                   <a:t>List of UUIDs, append times of N data blocks</a:t>
                 </a:r>
-                <a:endParaRPr lang="en-US" sz="1000" dirty="0">
-                  <a:solidFill>
-                    <a:schemeClr val="tx1"/>
-                  </a:solidFill>
-                  <a:latin typeface="Times New Roman" panose="02020603050405020304" pitchFamily="18" charset="0"/>
-                  <a:cs typeface="Times New Roman" panose="02020603050405020304" pitchFamily="18" charset="0"/>
-                </a:endParaRPr>
               </a:p>
             </p:txBody>
           </p:sp>
@@ -3752,13 +3691,6 @@
                   </a:rPr>
                   <a:t>Indirect Block</a:t>
                 </a:r>
-                <a:endParaRPr lang="en-US" sz="1000" b="1" dirty="0">
-                  <a:solidFill>
-                    <a:schemeClr val="tx1"/>
-                  </a:solidFill>
-                  <a:latin typeface="Times New Roman" panose="02020603050405020304" pitchFamily="18" charset="0"/>
-                  <a:cs typeface="Times New Roman" panose="02020603050405020304" pitchFamily="18" charset="0"/>
-                </a:endParaRPr>
               </a:p>
             </p:txBody>
           </p:sp>
@@ -3939,13 +3871,6 @@
                   </a:rPr>
                   <a:t>Data blocks</a:t>
                 </a:r>
-                <a:endParaRPr lang="en-US" sz="1000" dirty="0">
-                  <a:solidFill>
-                    <a:schemeClr val="tx1"/>
-                  </a:solidFill>
-                  <a:latin typeface="Times New Roman" panose="02020603050405020304" pitchFamily="18" charset="0"/>
-                  <a:cs typeface="Times New Roman" panose="02020603050405020304" pitchFamily="18" charset="0"/>
-                </a:endParaRPr>
               </a:p>
             </p:txBody>
           </p:sp>
@@ -4126,13 +4051,6 @@
                   </a:rPr>
                   <a:t>Data blocks</a:t>
                 </a:r>
-                <a:endParaRPr lang="en-US" sz="1000" dirty="0">
-                  <a:solidFill>
-                    <a:schemeClr val="tx1"/>
-                  </a:solidFill>
-                  <a:latin typeface="Times New Roman" panose="02020603050405020304" pitchFamily="18" charset="0"/>
-                  <a:cs typeface="Times New Roman" panose="02020603050405020304" pitchFamily="18" charset="0"/>
-                </a:endParaRPr>
               </a:p>
             </p:txBody>
           </p:sp>
@@ -4326,13 +4244,6 @@
                   </a:rPr>
                   <a:t>N Indirect Blocks</a:t>
                 </a:r>
-                <a:endParaRPr lang="en-US" sz="1000" dirty="0">
-                  <a:solidFill>
-                    <a:schemeClr val="tx1"/>
-                  </a:solidFill>
-                  <a:latin typeface="Times New Roman" panose="02020603050405020304" pitchFamily="18" charset="0"/>
-                  <a:cs typeface="Times New Roman" panose="02020603050405020304" pitchFamily="18" charset="0"/>
-                </a:endParaRPr>
               </a:p>
             </p:txBody>
           </p:sp>
@@ -4390,13 +4301,6 @@
                   </a:rPr>
                   <a:t>Double Indirect Block</a:t>
                 </a:r>
-                <a:endParaRPr lang="en-US" sz="1000" b="1" dirty="0">
-                  <a:solidFill>
-                    <a:schemeClr val="tx1"/>
-                  </a:solidFill>
-                  <a:latin typeface="Times New Roman" panose="02020603050405020304" pitchFamily="18" charset="0"/>
-                  <a:cs typeface="Times New Roman" panose="02020603050405020304" pitchFamily="18" charset="0"/>
-                </a:endParaRPr>
               </a:p>
             </p:txBody>
           </p:sp>
@@ -4616,25 +4520,8 @@
                     <a:latin typeface="Times New Roman" panose="02020603050405020304" pitchFamily="18" charset="0"/>
                     <a:cs typeface="Times New Roman" panose="02020603050405020304" pitchFamily="18" charset="0"/>
                   </a:rPr>
-                  <a:t>Data </a:t>
+                  <a:t>Data blocks</a:t>
                 </a:r>
-                <a:r>
-                  <a:rPr lang="en-US" sz="1000" dirty="0">
-                    <a:solidFill>
-                      <a:schemeClr val="tx1"/>
-                    </a:solidFill>
-                    <a:latin typeface="Times New Roman" panose="02020603050405020304" pitchFamily="18" charset="0"/>
-                    <a:cs typeface="Times New Roman" panose="02020603050405020304" pitchFamily="18" charset="0"/>
-                  </a:rPr>
-                  <a:t>blocks</a:t>
-                </a:r>
-                <a:endParaRPr lang="en-US" sz="1000" dirty="0">
-                  <a:solidFill>
-                    <a:schemeClr val="tx1"/>
-                  </a:solidFill>
-                  <a:latin typeface="Times New Roman" panose="02020603050405020304" pitchFamily="18" charset="0"/>
-                  <a:cs typeface="Times New Roman" panose="02020603050405020304" pitchFamily="18" charset="0"/>
-                </a:endParaRPr>
               </a:p>
             </p:txBody>
           </p:sp>
@@ -4721,13 +4608,6 @@
                     </a:rPr>
                     <a:t>N data blocks</a:t>
                   </a:r>
-                  <a:endParaRPr lang="en-US" sz="1000" dirty="0">
-                    <a:solidFill>
-                      <a:schemeClr val="tx1"/>
-                    </a:solidFill>
-                    <a:latin typeface="Times New Roman" panose="02020603050405020304" pitchFamily="18" charset="0"/>
-                    <a:cs typeface="Times New Roman" panose="02020603050405020304" pitchFamily="18" charset="0"/>
-                  </a:endParaRPr>
                 </a:p>
               </p:txBody>
             </p:sp>
@@ -4785,13 +4665,6 @@
                     </a:rPr>
                     <a:t>Indirect Block</a:t>
                   </a:r>
-                  <a:endParaRPr lang="en-US" sz="1000" b="1" dirty="0">
-                    <a:solidFill>
-                      <a:schemeClr val="tx1"/>
-                    </a:solidFill>
-                    <a:latin typeface="Times New Roman" panose="02020603050405020304" pitchFamily="18" charset="0"/>
-                    <a:cs typeface="Times New Roman" panose="02020603050405020304" pitchFamily="18" charset="0"/>
-                  </a:endParaRPr>
                 </a:p>
               </p:txBody>
             </p:sp>
@@ -4864,13 +4737,6 @@
                     </a:rPr>
                     <a:t>N data blocks</a:t>
                   </a:r>
-                  <a:endParaRPr lang="en-US" sz="1000" dirty="0">
-                    <a:solidFill>
-                      <a:schemeClr val="tx1"/>
-                    </a:solidFill>
-                    <a:latin typeface="Times New Roman" panose="02020603050405020304" pitchFamily="18" charset="0"/>
-                    <a:cs typeface="Times New Roman" panose="02020603050405020304" pitchFamily="18" charset="0"/>
-                  </a:endParaRPr>
                 </a:p>
               </p:txBody>
             </p:sp>
@@ -4928,13 +4794,6 @@
                     </a:rPr>
                     <a:t>Indirect Block</a:t>
                   </a:r>
-                  <a:endParaRPr lang="en-US" sz="1000" b="1" dirty="0">
-                    <a:solidFill>
-                      <a:schemeClr val="tx1"/>
-                    </a:solidFill>
-                    <a:latin typeface="Times New Roman" panose="02020603050405020304" pitchFamily="18" charset="0"/>
-                    <a:cs typeface="Times New Roman" panose="02020603050405020304" pitchFamily="18" charset="0"/>
-                  </a:endParaRPr>
                 </a:p>
               </p:txBody>
             </p:sp>
@@ -5007,13 +4866,6 @@
                     </a:rPr>
                     <a:t>N data blocks</a:t>
                   </a:r>
-                  <a:endParaRPr lang="en-US" sz="1000" dirty="0">
-                    <a:solidFill>
-                      <a:schemeClr val="tx1"/>
-                    </a:solidFill>
-                    <a:latin typeface="Times New Roman" panose="02020603050405020304" pitchFamily="18" charset="0"/>
-                    <a:cs typeface="Times New Roman" panose="02020603050405020304" pitchFamily="18" charset="0"/>
-                  </a:endParaRPr>
                 </a:p>
               </p:txBody>
             </p:sp>
@@ -5071,13 +4923,6 @@
                     </a:rPr>
                     <a:t>Indirect Block</a:t>
                   </a:r>
-                  <a:endParaRPr lang="en-US" sz="1000" b="1" dirty="0">
-                    <a:solidFill>
-                      <a:schemeClr val="tx1"/>
-                    </a:solidFill>
-                    <a:latin typeface="Times New Roman" panose="02020603050405020304" pitchFamily="18" charset="0"/>
-                    <a:cs typeface="Times New Roman" panose="02020603050405020304" pitchFamily="18" charset="0"/>
-                  </a:endParaRPr>
                 </a:p>
               </p:txBody>
             </p:sp>
@@ -5254,13 +5099,6 @@
                   </a:rPr>
                   <a:t>Index Node</a:t>
                 </a:r>
-                <a:endParaRPr lang="en-US" sz="1000" b="1" dirty="0">
-                  <a:solidFill>
-                    <a:schemeClr val="tx1"/>
-                  </a:solidFill>
-                  <a:latin typeface="Times New Roman" panose="02020603050405020304" pitchFamily="18" charset="0"/>
-                  <a:cs typeface="Times New Roman" panose="02020603050405020304" pitchFamily="18" charset="0"/>
-                </a:endParaRPr>
               </a:p>
             </p:txBody>
           </p:sp>
@@ -5318,13 +5156,6 @@
                   </a:rPr>
                   <a:t>File metadata (e.g., creation time)</a:t>
                 </a:r>
-                <a:endParaRPr lang="en-US" sz="1000" dirty="0">
-                  <a:solidFill>
-                    <a:schemeClr val="tx1"/>
-                  </a:solidFill>
-                  <a:latin typeface="Times New Roman" panose="02020603050405020304" pitchFamily="18" charset="0"/>
-                  <a:cs typeface="Times New Roman" panose="02020603050405020304" pitchFamily="18" charset="0"/>
-                </a:endParaRPr>
               </a:p>
             </p:txBody>
           </p:sp>
@@ -5382,13 +5213,6 @@
                   </a:rPr>
                   <a:t>List of UUIDs, first and last append time of first N data blocks</a:t>
                 </a:r>
-                <a:endParaRPr lang="en-US" sz="1000" dirty="0">
-                  <a:solidFill>
-                    <a:schemeClr val="tx1"/>
-                  </a:solidFill>
-                  <a:latin typeface="Times New Roman" panose="02020603050405020304" pitchFamily="18" charset="0"/>
-                  <a:cs typeface="Times New Roman" panose="02020603050405020304" pitchFamily="18" charset="0"/>
-                </a:endParaRPr>
               </a:p>
             </p:txBody>
           </p:sp>
@@ -5446,13 +5270,6 @@
                   </a:rPr>
                   <a:t>UUID, first and last append time of an indirect block</a:t>
                 </a:r>
-                <a:endParaRPr lang="en-US" sz="1000" dirty="0">
-                  <a:solidFill>
-                    <a:schemeClr val="tx1"/>
-                  </a:solidFill>
-                  <a:latin typeface="Times New Roman" panose="02020603050405020304" pitchFamily="18" charset="0"/>
-                  <a:cs typeface="Times New Roman" panose="02020603050405020304" pitchFamily="18" charset="0"/>
-                </a:endParaRPr>
               </a:p>
             </p:txBody>
           </p:sp>
@@ -5510,13 +5327,6 @@
                   </a:rPr>
                   <a:t>UUID of a double Indirect Block</a:t>
                 </a:r>
-                <a:endParaRPr lang="en-US" sz="1000" dirty="0">
-                  <a:solidFill>
-                    <a:schemeClr val="tx1"/>
-                  </a:solidFill>
-                  <a:latin typeface="Times New Roman" panose="02020603050405020304" pitchFamily="18" charset="0"/>
-                  <a:cs typeface="Times New Roman" panose="02020603050405020304" pitchFamily="18" charset="0"/>
-                </a:endParaRPr>
               </a:p>
             </p:txBody>
           </p:sp>
@@ -5574,13 +5384,6 @@
                   </a:rPr>
                   <a:t>UUID of a triple double Indirect Block</a:t>
                 </a:r>
-                <a:endParaRPr lang="en-US" sz="1000" dirty="0">
-                  <a:solidFill>
-                    <a:schemeClr val="tx1"/>
-                  </a:solidFill>
-                  <a:latin typeface="Times New Roman" panose="02020603050405020304" pitchFamily="18" charset="0"/>
-                  <a:cs typeface="Times New Roman" panose="02020603050405020304" pitchFamily="18" charset="0"/>
-                </a:endParaRPr>
               </a:p>
             </p:txBody>
           </p:sp>
@@ -5707,13 +5510,6 @@
                     </a:rPr>
                     <a:t>N data blocks</a:t>
                   </a:r>
-                  <a:endParaRPr lang="en-US" sz="1000" dirty="0">
-                    <a:solidFill>
-                      <a:schemeClr val="tx1"/>
-                    </a:solidFill>
-                    <a:latin typeface="Times New Roman" panose="02020603050405020304" pitchFamily="18" charset="0"/>
-                    <a:cs typeface="Times New Roman" panose="02020603050405020304" pitchFamily="18" charset="0"/>
-                  </a:endParaRPr>
                 </a:p>
               </p:txBody>
             </p:sp>
@@ -5771,13 +5567,6 @@
                     </a:rPr>
                     <a:t>Indirect Block</a:t>
                   </a:r>
-                  <a:endParaRPr lang="en-US" sz="1000" b="1" dirty="0">
-                    <a:solidFill>
-                      <a:schemeClr val="tx1"/>
-                    </a:solidFill>
-                    <a:latin typeface="Times New Roman" panose="02020603050405020304" pitchFamily="18" charset="0"/>
-                    <a:cs typeface="Times New Roman" panose="02020603050405020304" pitchFamily="18" charset="0"/>
-                  </a:endParaRPr>
                 </a:p>
               </p:txBody>
             </p:sp>
@@ -5850,13 +5639,6 @@
                     </a:rPr>
                     <a:t>N data blocks</a:t>
                   </a:r>
-                  <a:endParaRPr lang="en-US" sz="1000" dirty="0">
-                    <a:solidFill>
-                      <a:schemeClr val="tx1"/>
-                    </a:solidFill>
-                    <a:latin typeface="Times New Roman" panose="02020603050405020304" pitchFamily="18" charset="0"/>
-                    <a:cs typeface="Times New Roman" panose="02020603050405020304" pitchFamily="18" charset="0"/>
-                  </a:endParaRPr>
                 </a:p>
               </p:txBody>
             </p:sp>
@@ -5914,13 +5696,6 @@
                     </a:rPr>
                     <a:t>Indirect Block</a:t>
                   </a:r>
-                  <a:endParaRPr lang="en-US" sz="1000" b="1" dirty="0">
-                    <a:solidFill>
-                      <a:schemeClr val="tx1"/>
-                    </a:solidFill>
-                    <a:latin typeface="Times New Roman" panose="02020603050405020304" pitchFamily="18" charset="0"/>
-                    <a:cs typeface="Times New Roman" panose="02020603050405020304" pitchFamily="18" charset="0"/>
-                  </a:endParaRPr>
                 </a:p>
               </p:txBody>
             </p:sp>
@@ -5993,13 +5768,6 @@
                     </a:rPr>
                     <a:t>N data blocks</a:t>
                   </a:r>
-                  <a:endParaRPr lang="en-US" sz="1000" dirty="0">
-                    <a:solidFill>
-                      <a:schemeClr val="tx1"/>
-                    </a:solidFill>
-                    <a:latin typeface="Times New Roman" panose="02020603050405020304" pitchFamily="18" charset="0"/>
-                    <a:cs typeface="Times New Roman" panose="02020603050405020304" pitchFamily="18" charset="0"/>
-                  </a:endParaRPr>
                 </a:p>
               </p:txBody>
             </p:sp>
@@ -6057,13 +5825,6 @@
                     </a:rPr>
                     <a:t>Indirect Block</a:t>
                   </a:r>
-                  <a:endParaRPr lang="en-US" sz="1000" b="1" dirty="0">
-                    <a:solidFill>
-                      <a:schemeClr val="tx1"/>
-                    </a:solidFill>
-                    <a:latin typeface="Times New Roman" panose="02020603050405020304" pitchFamily="18" charset="0"/>
-                    <a:cs typeface="Times New Roman" panose="02020603050405020304" pitchFamily="18" charset="0"/>
-                  </a:endParaRPr>
                 </a:p>
               </p:txBody>
             </p:sp>
@@ -6243,25 +6004,8 @@
                     <a:latin typeface="Times New Roman" panose="02020603050405020304" pitchFamily="18" charset="0"/>
                     <a:cs typeface="Times New Roman" panose="02020603050405020304" pitchFamily="18" charset="0"/>
                   </a:rPr>
-                  <a:t>Data </a:t>
+                  <a:t>Data blocks</a:t>
                 </a:r>
-                <a:r>
-                  <a:rPr lang="en-US" sz="1000" dirty="0">
-                    <a:solidFill>
-                      <a:schemeClr val="tx1"/>
-                    </a:solidFill>
-                    <a:latin typeface="Times New Roman" panose="02020603050405020304" pitchFamily="18" charset="0"/>
-                    <a:cs typeface="Times New Roman" panose="02020603050405020304" pitchFamily="18" charset="0"/>
-                  </a:rPr>
-                  <a:t>blocks</a:t>
-                </a:r>
-                <a:endParaRPr lang="en-US" sz="1000" dirty="0">
-                  <a:solidFill>
-                    <a:schemeClr val="tx1"/>
-                  </a:solidFill>
-                  <a:latin typeface="Times New Roman" panose="02020603050405020304" pitchFamily="18" charset="0"/>
-                  <a:cs typeface="Times New Roman" panose="02020603050405020304" pitchFamily="18" charset="0"/>
-                </a:endParaRPr>
               </a:p>
             </p:txBody>
           </p:sp>
@@ -6334,13 +6078,6 @@
                   </a:rPr>
                   <a:t>N Indirect Blocks</a:t>
                 </a:r>
-                <a:endParaRPr lang="en-US" sz="1000" dirty="0">
-                  <a:solidFill>
-                    <a:schemeClr val="tx1"/>
-                  </a:solidFill>
-                  <a:latin typeface="Times New Roman" panose="02020603050405020304" pitchFamily="18" charset="0"/>
-                  <a:cs typeface="Times New Roman" panose="02020603050405020304" pitchFamily="18" charset="0"/>
-                </a:endParaRPr>
               </a:p>
             </p:txBody>
           </p:sp>
@@ -6398,13 +6135,6 @@
                   </a:rPr>
                   <a:t>Double Indirect Block</a:t>
                 </a:r>
-                <a:endParaRPr lang="en-US" sz="1000" b="1" dirty="0">
-                  <a:solidFill>
-                    <a:schemeClr val="tx1"/>
-                  </a:solidFill>
-                  <a:latin typeface="Times New Roman" panose="02020603050405020304" pitchFamily="18" charset="0"/>
-                  <a:cs typeface="Times New Roman" panose="02020603050405020304" pitchFamily="18" charset="0"/>
-                </a:endParaRPr>
               </a:p>
             </p:txBody>
           </p:sp>
@@ -6462,13 +6192,6 @@
                   </a:rPr>
                   <a:t>N Indirect Blocks</a:t>
                 </a:r>
-                <a:endParaRPr lang="en-US" sz="1000" dirty="0">
-                  <a:solidFill>
-                    <a:schemeClr val="tx1"/>
-                  </a:solidFill>
-                  <a:latin typeface="Times New Roman" panose="02020603050405020304" pitchFamily="18" charset="0"/>
-                  <a:cs typeface="Times New Roman" panose="02020603050405020304" pitchFamily="18" charset="0"/>
-                </a:endParaRPr>
               </a:p>
             </p:txBody>
           </p:sp>
@@ -6526,13 +6249,6 @@
                   </a:rPr>
                   <a:t>Double Indirect Block</a:t>
                 </a:r>
-                <a:endParaRPr lang="en-US" sz="1000" b="1" dirty="0">
-                  <a:solidFill>
-                    <a:schemeClr val="tx1"/>
-                  </a:solidFill>
-                  <a:latin typeface="Times New Roman" panose="02020603050405020304" pitchFamily="18" charset="0"/>
-                  <a:cs typeface="Times New Roman" panose="02020603050405020304" pitchFamily="18" charset="0"/>
-                </a:endParaRPr>
               </a:p>
             </p:txBody>
           </p:sp>
@@ -6590,13 +6306,6 @@
                   </a:rPr>
                   <a:t>N indirect blocks</a:t>
                 </a:r>
-                <a:endParaRPr lang="en-US" sz="1000" dirty="0">
-                  <a:solidFill>
-                    <a:schemeClr val="tx1"/>
-                  </a:solidFill>
-                  <a:latin typeface="Times New Roman" panose="02020603050405020304" pitchFamily="18" charset="0"/>
-                  <a:cs typeface="Times New Roman" panose="02020603050405020304" pitchFamily="18" charset="0"/>
-                </a:endParaRPr>
               </a:p>
             </p:txBody>
           </p:sp>
@@ -6654,13 +6363,6 @@
                   </a:rPr>
                   <a:t>Double Indirect Block</a:t>
                 </a:r>
-                <a:endParaRPr lang="en-US" sz="1000" b="1" dirty="0">
-                  <a:solidFill>
-                    <a:schemeClr val="tx1"/>
-                  </a:solidFill>
-                  <a:latin typeface="Times New Roman" panose="02020603050405020304" pitchFamily="18" charset="0"/>
-                  <a:cs typeface="Times New Roman" panose="02020603050405020304" pitchFamily="18" charset="0"/>
-                </a:endParaRPr>
               </a:p>
             </p:txBody>
           </p:sp>
@@ -6733,13 +6435,6 @@
                   </a:rPr>
                   <a:t>N double indirect Blocks</a:t>
                 </a:r>
-                <a:endParaRPr lang="en-US" sz="1000" dirty="0">
-                  <a:solidFill>
-                    <a:schemeClr val="tx1"/>
-                  </a:solidFill>
-                  <a:latin typeface="Times New Roman" panose="02020603050405020304" pitchFamily="18" charset="0"/>
-                  <a:cs typeface="Times New Roman" panose="02020603050405020304" pitchFamily="18" charset="0"/>
-                </a:endParaRPr>
               </a:p>
             </p:txBody>
           </p:sp>
@@ -6797,13 +6492,6 @@
                   </a:rPr>
                   <a:t>Triple Indirect Block</a:t>
                 </a:r>
-                <a:endParaRPr lang="en-US" sz="1000" b="1" dirty="0">
-                  <a:solidFill>
-                    <a:schemeClr val="tx1"/>
-                  </a:solidFill>
-                  <a:latin typeface="Times New Roman" panose="02020603050405020304" pitchFamily="18" charset="0"/>
-                  <a:cs typeface="Times New Roman" panose="02020603050405020304" pitchFamily="18" charset="0"/>
-                </a:endParaRPr>
               </a:p>
             </p:txBody>
           </p:sp>
@@ -7052,13 +6740,6 @@
               </a:rPr>
               <a:t>1</a:t>
             </a:r>
-            <a:endParaRPr lang="en-US" sz="667" dirty="0">
-              <a:solidFill>
-                <a:schemeClr val="tx1"/>
-              </a:solidFill>
-              <a:latin typeface="Times New Roman" panose="02020603050405020304" pitchFamily="18" charset="0"/>
-              <a:cs typeface="Times New Roman" panose="02020603050405020304" pitchFamily="18" charset="0"/>
-            </a:endParaRPr>
           </a:p>
         </p:txBody>
       </p:sp>
@@ -7116,13 +6797,6 @@
               </a:rPr>
               <a:t>2</a:t>
             </a:r>
-            <a:endParaRPr lang="en-US" sz="667" dirty="0">
-              <a:solidFill>
-                <a:schemeClr val="tx1"/>
-              </a:solidFill>
-              <a:latin typeface="Times New Roman" panose="02020603050405020304" pitchFamily="18" charset="0"/>
-              <a:cs typeface="Times New Roman" panose="02020603050405020304" pitchFamily="18" charset="0"/>
-            </a:endParaRPr>
           </a:p>
         </p:txBody>
       </p:sp>
@@ -7180,13 +6854,6 @@
               </a:rPr>
               <a:t>…</a:t>
             </a:r>
-            <a:endParaRPr lang="en-US" sz="667" dirty="0">
-              <a:solidFill>
-                <a:schemeClr val="tx1"/>
-              </a:solidFill>
-              <a:latin typeface="Times New Roman" panose="02020603050405020304" pitchFamily="18" charset="0"/>
-              <a:cs typeface="Times New Roman" panose="02020603050405020304" pitchFamily="18" charset="0"/>
-            </a:endParaRPr>
           </a:p>
         </p:txBody>
       </p:sp>
@@ -7301,13 +6968,6 @@
               </a:rPr>
               <a:t>N+1</a:t>
             </a:r>
-            <a:endParaRPr lang="en-US" sz="667" dirty="0">
-              <a:solidFill>
-                <a:schemeClr val="tx1"/>
-              </a:solidFill>
-              <a:latin typeface="Times New Roman" panose="02020603050405020304" pitchFamily="18" charset="0"/>
-              <a:cs typeface="Times New Roman" panose="02020603050405020304" pitchFamily="18" charset="0"/>
-            </a:endParaRPr>
           </a:p>
         </p:txBody>
       </p:sp>
@@ -7379,13 +7039,6 @@
                 </a:rPr>
                 <a:t>File Index Number</a:t>
               </a:r>
-              <a:endParaRPr lang="en-US" sz="600" dirty="0">
-                <a:solidFill>
-                  <a:schemeClr val="tx1"/>
-                </a:solidFill>
-                <a:latin typeface="Times New Roman" panose="02020603050405020304" pitchFamily="18" charset="0"/>
-                <a:cs typeface="Times New Roman" panose="02020603050405020304" pitchFamily="18" charset="0"/>
-              </a:endParaRPr>
             </a:p>
           </p:txBody>
         </p:sp>
@@ -7443,13 +7096,6 @@
                 </a:rPr>
                 <a:t>File Index</a:t>
               </a:r>
-              <a:endParaRPr lang="en-US" sz="667" b="1" dirty="0">
-                <a:solidFill>
-                  <a:schemeClr val="tx1"/>
-                </a:solidFill>
-                <a:latin typeface="Times New Roman" panose="02020603050405020304" pitchFamily="18" charset="0"/>
-                <a:cs typeface="Times New Roman" panose="02020603050405020304" pitchFamily="18" charset="0"/>
-              </a:endParaRPr>
             </a:p>
           </p:txBody>
         </p:sp>
@@ -7507,13 +7153,6 @@
                 </a:rPr>
                 <a:t>File metadata (e.g., creation time)</a:t>
               </a:r>
-              <a:endParaRPr lang="en-US" sz="533" dirty="0">
-                <a:solidFill>
-                  <a:schemeClr val="tx1"/>
-                </a:solidFill>
-                <a:latin typeface="Times New Roman" panose="02020603050405020304" pitchFamily="18" charset="0"/>
-                <a:cs typeface="Times New Roman" panose="02020603050405020304" pitchFamily="18" charset="0"/>
-              </a:endParaRPr>
             </a:p>
           </p:txBody>
         </p:sp>
@@ -7571,13 +7210,6 @@
                 </a:rPr>
                 <a:t>Block 1</a:t>
               </a:r>
-              <a:endParaRPr lang="en-US" sz="667" dirty="0">
-                <a:solidFill>
-                  <a:schemeClr val="tx1"/>
-                </a:solidFill>
-                <a:latin typeface="Times New Roman" panose="02020603050405020304" pitchFamily="18" charset="0"/>
-                <a:cs typeface="Times New Roman" panose="02020603050405020304" pitchFamily="18" charset="0"/>
-              </a:endParaRPr>
             </a:p>
           </p:txBody>
         </p:sp>
@@ -7635,13 +7267,6 @@
                 </a:rPr>
                 <a:t>Block 2</a:t>
               </a:r>
-              <a:endParaRPr lang="en-US" sz="667" dirty="0">
-                <a:solidFill>
-                  <a:schemeClr val="tx1"/>
-                </a:solidFill>
-                <a:latin typeface="Times New Roman" panose="02020603050405020304" pitchFamily="18" charset="0"/>
-                <a:cs typeface="Times New Roman" panose="02020603050405020304" pitchFamily="18" charset="0"/>
-              </a:endParaRPr>
             </a:p>
           </p:txBody>
         </p:sp>
@@ -7699,13 +7324,6 @@
                 </a:rPr>
                 <a:t>…</a:t>
               </a:r>
-              <a:endParaRPr lang="en-US" sz="667" dirty="0">
-                <a:solidFill>
-                  <a:schemeClr val="tx1"/>
-                </a:solidFill>
-                <a:latin typeface="Times New Roman" panose="02020603050405020304" pitchFamily="18" charset="0"/>
-                <a:cs typeface="Times New Roman" panose="02020603050405020304" pitchFamily="18" charset="0"/>
-              </a:endParaRPr>
             </a:p>
           </p:txBody>
         </p:sp>
@@ -7763,13 +7381,6 @@
                 </a:rPr>
                 <a:t>Block N</a:t>
               </a:r>
-              <a:endParaRPr lang="en-US" sz="667" dirty="0">
-                <a:solidFill>
-                  <a:schemeClr val="tx1"/>
-                </a:solidFill>
-                <a:latin typeface="Times New Roman" panose="02020603050405020304" pitchFamily="18" charset="0"/>
-                <a:cs typeface="Times New Roman" panose="02020603050405020304" pitchFamily="18" charset="0"/>
-              </a:endParaRPr>
             </a:p>
           </p:txBody>
         </p:sp>
@@ -7827,13 +7438,6 @@
                 </a:rPr>
                 <a:t>Indirect block 1</a:t>
               </a:r>
-              <a:endParaRPr lang="en-US" sz="600" dirty="0">
-                <a:solidFill>
-                  <a:schemeClr val="tx1"/>
-                </a:solidFill>
-                <a:latin typeface="Times New Roman" panose="02020603050405020304" pitchFamily="18" charset="0"/>
-                <a:cs typeface="Times New Roman" panose="02020603050405020304" pitchFamily="18" charset="0"/>
-              </a:endParaRPr>
             </a:p>
           </p:txBody>
         </p:sp>
@@ -7891,13 +7495,6 @@
                 </a:rPr>
                 <a:t>Double Indirect block</a:t>
               </a:r>
-              <a:endParaRPr lang="en-US" sz="667" dirty="0">
-                <a:solidFill>
-                  <a:schemeClr val="tx1"/>
-                </a:solidFill>
-                <a:latin typeface="Times New Roman" panose="02020603050405020304" pitchFamily="18" charset="0"/>
-                <a:cs typeface="Times New Roman" panose="02020603050405020304" pitchFamily="18" charset="0"/>
-              </a:endParaRPr>
             </a:p>
           </p:txBody>
         </p:sp>
@@ -7984,13 +7581,6 @@
                   </a:rPr>
                   <a:t>Block N+1</a:t>
                 </a:r>
-                <a:endParaRPr lang="en-US" sz="667" dirty="0">
-                  <a:solidFill>
-                    <a:schemeClr val="tx1"/>
-                  </a:solidFill>
-                  <a:latin typeface="Times New Roman" panose="02020603050405020304" pitchFamily="18" charset="0"/>
-                  <a:cs typeface="Times New Roman" panose="02020603050405020304" pitchFamily="18" charset="0"/>
-                </a:endParaRPr>
               </a:p>
             </p:txBody>
           </p:sp>
@@ -8048,13 +7638,6 @@
                   </a:rPr>
                   <a:t>Block N+2</a:t>
                 </a:r>
-                <a:endParaRPr lang="en-US" sz="667" dirty="0">
-                  <a:solidFill>
-                    <a:schemeClr val="tx1"/>
-                  </a:solidFill>
-                  <a:latin typeface="Times New Roman" panose="02020603050405020304" pitchFamily="18" charset="0"/>
-                  <a:cs typeface="Times New Roman" panose="02020603050405020304" pitchFamily="18" charset="0"/>
-                </a:endParaRPr>
               </a:p>
             </p:txBody>
           </p:sp>
@@ -8112,13 +7695,6 @@
                   </a:rPr>
                   <a:t>…</a:t>
                 </a:r>
-                <a:endParaRPr lang="en-US" sz="667" dirty="0">
-                  <a:solidFill>
-                    <a:schemeClr val="tx1"/>
-                  </a:solidFill>
-                  <a:latin typeface="Times New Roman" panose="02020603050405020304" pitchFamily="18" charset="0"/>
-                  <a:cs typeface="Times New Roman" panose="02020603050405020304" pitchFamily="18" charset="0"/>
-                </a:endParaRPr>
               </a:p>
             </p:txBody>
           </p:sp>
@@ -8176,13 +7752,6 @@
                   </a:rPr>
                   <a:t>Block M</a:t>
                 </a:r>
-                <a:endParaRPr lang="en-US" sz="667" dirty="0">
-                  <a:solidFill>
-                    <a:schemeClr val="tx1"/>
-                  </a:solidFill>
-                  <a:latin typeface="Times New Roman" panose="02020603050405020304" pitchFamily="18" charset="0"/>
-                  <a:cs typeface="Times New Roman" panose="02020603050405020304" pitchFamily="18" charset="0"/>
-                </a:endParaRPr>
               </a:p>
             </p:txBody>
           </p:sp>
@@ -8281,13 +7850,6 @@
               </a:rPr>
               <a:t>N+2</a:t>
             </a:r>
-            <a:endParaRPr lang="en-US" sz="667" dirty="0">
-              <a:solidFill>
-                <a:schemeClr val="tx1"/>
-              </a:solidFill>
-              <a:latin typeface="Times New Roman" panose="02020603050405020304" pitchFamily="18" charset="0"/>
-              <a:cs typeface="Times New Roman" panose="02020603050405020304" pitchFamily="18" charset="0"/>
-            </a:endParaRPr>
           </a:p>
         </p:txBody>
       </p:sp>
@@ -8345,13 +7907,6 @@
               </a:rPr>
               <a:t>…</a:t>
             </a:r>
-            <a:endParaRPr lang="en-US" sz="667" dirty="0">
-              <a:solidFill>
-                <a:schemeClr val="tx1"/>
-              </a:solidFill>
-              <a:latin typeface="Times New Roman" panose="02020603050405020304" pitchFamily="18" charset="0"/>
-              <a:cs typeface="Times New Roman" panose="02020603050405020304" pitchFamily="18" charset="0"/>
-            </a:endParaRPr>
           </a:p>
         </p:txBody>
       </p:sp>
@@ -8409,13 +7964,6 @@
               </a:rPr>
               <a:t>M</a:t>
             </a:r>
-            <a:endParaRPr lang="en-US" sz="667" dirty="0">
-              <a:solidFill>
-                <a:schemeClr val="tx1"/>
-              </a:solidFill>
-              <a:latin typeface="Times New Roman" panose="02020603050405020304" pitchFamily="18" charset="0"/>
-              <a:cs typeface="Times New Roman" panose="02020603050405020304" pitchFamily="18" charset="0"/>
-            </a:endParaRPr>
           </a:p>
         </p:txBody>
       </p:sp>
@@ -8569,10 +8117,6 @@
               </a:rPr>
               <a:t>Data Blocks</a:t>
             </a:r>
-            <a:endParaRPr lang="en-US" sz="667" dirty="0">
-              <a:latin typeface="Times New Roman" panose="02020603050405020304" pitchFamily="18" charset="0"/>
-              <a:cs typeface="Times New Roman" panose="02020603050405020304" pitchFamily="18" charset="0"/>
-            </a:endParaRPr>
           </a:p>
         </p:txBody>
       </p:sp>
@@ -8644,13 +8188,6 @@
                 </a:rPr>
                 <a:t>Indirect block 2</a:t>
               </a:r>
-              <a:endParaRPr lang="en-US" sz="600" dirty="0">
-                <a:solidFill>
-                  <a:schemeClr val="tx1"/>
-                </a:solidFill>
-                <a:latin typeface="Times New Roman" panose="02020603050405020304" pitchFamily="18" charset="0"/>
-                <a:cs typeface="Times New Roman" panose="02020603050405020304" pitchFamily="18" charset="0"/>
-              </a:endParaRPr>
             </a:p>
           </p:txBody>
         </p:sp>
@@ -8765,13 +8302,6 @@
                 </a:rPr>
                 <a:t>…</a:t>
               </a:r>
-              <a:endParaRPr lang="en-US" sz="667" dirty="0">
-                <a:solidFill>
-                  <a:schemeClr val="tx1"/>
-                </a:solidFill>
-                <a:latin typeface="Times New Roman" panose="02020603050405020304" pitchFamily="18" charset="0"/>
-                <a:cs typeface="Times New Roman" panose="02020603050405020304" pitchFamily="18" charset="0"/>
-              </a:endParaRPr>
             </a:p>
           </p:txBody>
         </p:sp>
@@ -8901,13 +8431,6 @@
                 </a:rPr>
                 <a:t>Block M+1</a:t>
               </a:r>
-              <a:endParaRPr lang="en-US" sz="667" dirty="0">
-                <a:solidFill>
-                  <a:schemeClr val="tx1"/>
-                </a:solidFill>
-                <a:latin typeface="Times New Roman" panose="02020603050405020304" pitchFamily="18" charset="0"/>
-                <a:cs typeface="Times New Roman" panose="02020603050405020304" pitchFamily="18" charset="0"/>
-              </a:endParaRPr>
             </a:p>
           </p:txBody>
         </p:sp>
@@ -8965,13 +8488,6 @@
                 </a:rPr>
                 <a:t>Block N+2</a:t>
               </a:r>
-              <a:endParaRPr lang="en-US" sz="667" dirty="0">
-                <a:solidFill>
-                  <a:schemeClr val="tx1"/>
-                </a:solidFill>
-                <a:latin typeface="Times New Roman" panose="02020603050405020304" pitchFamily="18" charset="0"/>
-                <a:cs typeface="Times New Roman" panose="02020603050405020304" pitchFamily="18" charset="0"/>
-              </a:endParaRPr>
             </a:p>
           </p:txBody>
         </p:sp>
@@ -9029,13 +8545,6 @@
                 </a:rPr>
                 <a:t>…</a:t>
               </a:r>
-              <a:endParaRPr lang="en-US" sz="667" dirty="0">
-                <a:solidFill>
-                  <a:schemeClr val="tx1"/>
-                </a:solidFill>
-                <a:latin typeface="Times New Roman" panose="02020603050405020304" pitchFamily="18" charset="0"/>
-                <a:cs typeface="Times New Roman" panose="02020603050405020304" pitchFamily="18" charset="0"/>
-              </a:endParaRPr>
             </a:p>
           </p:txBody>
         </p:sp>
@@ -9093,13 +8602,6 @@
                 </a:rPr>
                 <a:t>Block K</a:t>
               </a:r>
-              <a:endParaRPr lang="en-US" sz="667" dirty="0">
-                <a:solidFill>
-                  <a:schemeClr val="tx1"/>
-                </a:solidFill>
-                <a:latin typeface="Times New Roman" panose="02020603050405020304" pitchFamily="18" charset="0"/>
-                <a:cs typeface="Times New Roman" panose="02020603050405020304" pitchFamily="18" charset="0"/>
-              </a:endParaRPr>
             </a:p>
           </p:txBody>
         </p:sp>
@@ -10191,7 +9693,7 @@
       </p:grpSpPr>
       <p:grpSp>
         <p:nvGrpSpPr>
-          <p:cNvPr id="218" name="Group 217"/>
+          <p:cNvPr id="3" name="Group 2"/>
           <p:cNvGrpSpPr/>
           <p:nvPr/>
         </p:nvGrpSpPr>
@@ -13744,17 +13246,19 @@
               </a:prstGeom>
             </p:spPr>
             <p:style>
-              <a:lnRef idx="1">
-                <a:schemeClr val="accent2"/>
+              <a:lnRef idx="2">
+                <a:schemeClr val="accent2">
+                  <a:shade val="50000"/>
+                </a:schemeClr>
               </a:lnRef>
-              <a:fillRef idx="2">
+              <a:fillRef idx="1">
                 <a:schemeClr val="accent2"/>
               </a:fillRef>
-              <a:effectRef idx="1">
+              <a:effectRef idx="0">
                 <a:schemeClr val="accent2"/>
               </a:effectRef>
               <a:fontRef idx="minor">
-                <a:schemeClr val="dk1"/>
+                <a:schemeClr val="lt1"/>
               </a:fontRef>
             </p:style>
             <p:txBody>
@@ -13763,13 +13267,19 @@
               <a:p>
                 <a:pPr algn="ctr"/>
                 <a:r>
-                  <a:rPr lang="en-US" sz="1000" dirty="0" smtClean="0">
+                  <a:rPr lang="en-US" sz="1000" dirty="0">
+                    <a:solidFill>
+                      <a:schemeClr val="lt1"/>
+                    </a:solidFill>
                     <a:latin typeface="Times New Roman" panose="02020603050405020304" pitchFamily="18" charset="0"/>
                     <a:cs typeface="Times New Roman" panose="02020603050405020304" pitchFamily="18" charset="0"/>
                   </a:rPr>
                   <a:t>21</a:t>
                 </a:r>
                 <a:endParaRPr lang="en-US" sz="1000" dirty="0">
+                  <a:solidFill>
+                    <a:schemeClr val="lt1"/>
+                  </a:solidFill>
                   <a:latin typeface="Times New Roman" panose="02020603050405020304" pitchFamily="18" charset="0"/>
                   <a:cs typeface="Times New Roman" panose="02020603050405020304" pitchFamily="18" charset="0"/>
                 </a:endParaRPr>
@@ -14285,8 +13795,8 @@
           </p:nvSpPr>
           <p:spPr>
             <a:xfrm>
-              <a:off x="2072640" y="868680"/>
-              <a:ext cx="257816" cy="1288970"/>
+              <a:off x="2070100" y="868680"/>
+              <a:ext cx="236220" cy="1288970"/>
             </a:xfrm>
             <a:custGeom>
               <a:avLst/>
@@ -14296,6 +13806,18 @@
                 <a:gd name="connsiteX1" fmla="*/ 228600 w 257816"/>
                 <a:gd name="connsiteY1" fmla="*/ 297180 h 1234440"/>
                 <a:gd name="connsiteX2" fmla="*/ 251460 w 257816"/>
+                <a:gd name="connsiteY2" fmla="*/ 1234440 h 1234440"/>
+                <a:gd name="connsiteX0" fmla="*/ 2540 w 235587"/>
+                <a:gd name="connsiteY0" fmla="*/ 0 h 1234440"/>
+                <a:gd name="connsiteX1" fmla="*/ 231140 w 235587"/>
+                <a:gd name="connsiteY1" fmla="*/ 297180 h 1234440"/>
+                <a:gd name="connsiteX2" fmla="*/ 0 w 235587"/>
+                <a:gd name="connsiteY2" fmla="*/ 1234440 h 1234440"/>
+                <a:gd name="connsiteX0" fmla="*/ 2540 w 236220"/>
+                <a:gd name="connsiteY0" fmla="*/ 0 h 1234440"/>
+                <a:gd name="connsiteX1" fmla="*/ 231140 w 236220"/>
+                <a:gd name="connsiteY1" fmla="*/ 297180 h 1234440"/>
+                <a:gd name="connsiteX2" fmla="*/ 0 w 236220"/>
                 <a:gd name="connsiteY2" fmla="*/ 1234440 h 1234440"/>
               </a:gdLst>
               <a:ahLst/>
@@ -14312,19 +13834,19 @@
               </a:cxnLst>
               <a:rect l="l" t="t" r="r" b="b"/>
               <a:pathLst>
-                <a:path w="257816" h="1234440">
+                <a:path w="236220" h="1234440">
                   <a:moveTo>
-                    <a:pt x="0" y="0"/>
+                    <a:pt x="2540" y="0"/>
                   </a:moveTo>
                   <a:cubicBezTo>
-                    <a:pt x="93345" y="45720"/>
-                    <a:pt x="186690" y="91440"/>
-                    <a:pt x="228600" y="297180"/>
+                    <a:pt x="95885" y="45720"/>
+                    <a:pt x="189230" y="91440"/>
+                    <a:pt x="231140" y="297180"/>
                   </a:cubicBezTo>
                   <a:cubicBezTo>
-                    <a:pt x="270510" y="502920"/>
-                    <a:pt x="256540" y="1064260"/>
-                    <a:pt x="251460" y="1234440"/>
+                    <a:pt x="273050" y="502920"/>
+                    <a:pt x="43180" y="1064260"/>
+                    <a:pt x="0" y="1234440"/>
                   </a:cubicBezTo>
                 </a:path>
               </a:pathLst>
@@ -15486,7 +15008,14 @@
                   <a:latin typeface="Times New Roman" panose="02020603050405020304" pitchFamily="18" charset="0"/>
                   <a:cs typeface="Times New Roman" panose="02020603050405020304" pitchFamily="18" charset="0"/>
                 </a:rPr>
-                <a:t> 21</a:t>
+                <a:t> </a:t>
+              </a:r>
+              <a:r>
+                <a:rPr lang="en-US" sz="1000" dirty="0" smtClean="0">
+                  <a:latin typeface="Times New Roman" panose="02020603050405020304" pitchFamily="18" charset="0"/>
+                  <a:cs typeface="Times New Roman" panose="02020603050405020304" pitchFamily="18" charset="0"/>
+                </a:rPr>
+                <a:t>20</a:t>
               </a:r>
               <a:endParaRPr lang="en-US" sz="1000" dirty="0">
                 <a:latin typeface="Times New Roman" panose="02020603050405020304" pitchFamily="18" charset="0"/>
@@ -15834,7 +15363,7 @@
           <p:nvCxnSpPr>
             <p:cNvPr id="204" name="Straight Arrow Connector 203"/>
             <p:cNvCxnSpPr>
-              <a:stCxn id="97" idx="2"/>
+              <a:stCxn id="100" idx="0"/>
               <a:endCxn id="168" idx="3"/>
             </p:cNvCxnSpPr>
             <p:nvPr/>
@@ -15842,7 +15371,7 @@
           <p:spPr>
             <a:xfrm flipH="1">
               <a:off x="1566406" y="2348865"/>
-              <a:ext cx="682583" cy="812483"/>
+              <a:ext cx="419955" cy="812483"/>
             </a:xfrm>
             <a:prstGeom prst="straightConnector1">
               <a:avLst/>
@@ -16126,6 +15655,1250 @@
 </p:sld>
 </file>
 
+<file path=ppt/slides/slide5.xml><?xml version="1.0" encoding="utf-8"?>
+<p:sld xmlns:a="http://schemas.openxmlformats.org/drawingml/2006/main" xmlns:r="http://schemas.openxmlformats.org/officeDocument/2006/relationships" xmlns:p="http://schemas.openxmlformats.org/presentationml/2006/main">
+  <p:cSld>
+    <p:spTree>
+      <p:nvGrpSpPr>
+        <p:cNvPr id="1" name=""/>
+        <p:cNvGrpSpPr/>
+        <p:nvPr/>
+      </p:nvGrpSpPr>
+      <p:grpSpPr>
+        <a:xfrm>
+          <a:off x="0" y="0"/>
+          <a:ext cx="0" cy="0"/>
+          <a:chOff x="0" y="0"/>
+          <a:chExt cx="0" cy="0"/>
+        </a:xfrm>
+      </p:grpSpPr>
+      <p:grpSp>
+        <p:nvGrpSpPr>
+          <p:cNvPr id="53" name="Group 52"/>
+          <p:cNvGrpSpPr/>
+          <p:nvPr/>
+        </p:nvGrpSpPr>
+        <p:grpSpPr>
+          <a:xfrm>
+            <a:off x="1884218" y="176643"/>
+            <a:ext cx="3193474" cy="4221739"/>
+            <a:chOff x="1884218" y="176643"/>
+            <a:chExt cx="3193474" cy="4221739"/>
+          </a:xfrm>
+        </p:grpSpPr>
+        <p:sp>
+          <p:nvSpPr>
+            <p:cNvPr id="4" name="Rounded Rectangle 3"/>
+            <p:cNvSpPr/>
+            <p:nvPr/>
+          </p:nvSpPr>
+          <p:spPr>
+            <a:xfrm>
+              <a:off x="1884218" y="1496289"/>
+              <a:ext cx="3193474" cy="346364"/>
+            </a:xfrm>
+            <a:prstGeom prst="roundRect">
+              <a:avLst/>
+            </a:prstGeom>
+          </p:spPr>
+          <p:style>
+            <a:lnRef idx="2">
+              <a:schemeClr val="accent1"/>
+            </a:lnRef>
+            <a:fillRef idx="1">
+              <a:schemeClr val="lt1"/>
+            </a:fillRef>
+            <a:effectRef idx="0">
+              <a:schemeClr val="accent1"/>
+            </a:effectRef>
+            <a:fontRef idx="minor">
+              <a:schemeClr val="dk1"/>
+            </a:fontRef>
+          </p:style>
+          <p:txBody>
+            <a:bodyPr rtlCol="0" anchor="ctr"/>
+            <a:lstStyle/>
+            <a:p>
+              <a:pPr algn="ctr"/>
+              <a:r>
+                <a:rPr lang="en-US" sz="1000" b="1" dirty="0" smtClean="0">
+                  <a:latin typeface="Times New Roman" panose="02020603050405020304" pitchFamily="18" charset="0"/>
+                  <a:cs typeface="Times New Roman" panose="02020603050405020304" pitchFamily="18" charset="0"/>
+                </a:rPr>
+                <a:t>API</a:t>
+              </a:r>
+              <a:endParaRPr lang="en-US" sz="1000" b="1" dirty="0">
+                <a:latin typeface="Times New Roman" panose="02020603050405020304" pitchFamily="18" charset="0"/>
+                <a:cs typeface="Times New Roman" panose="02020603050405020304" pitchFamily="18" charset="0"/>
+              </a:endParaRPr>
+            </a:p>
+          </p:txBody>
+        </p:sp>
+        <p:sp>
+          <p:nvSpPr>
+            <p:cNvPr id="5" name="Rounded Rectangle 4"/>
+            <p:cNvSpPr/>
+            <p:nvPr/>
+          </p:nvSpPr>
+          <p:spPr>
+            <a:xfrm>
+              <a:off x="1884218" y="1911925"/>
+              <a:ext cx="3193474" cy="626042"/>
+            </a:xfrm>
+            <a:prstGeom prst="roundRect">
+              <a:avLst>
+                <a:gd name="adj" fmla="val 4740"/>
+              </a:avLst>
+            </a:prstGeom>
+          </p:spPr>
+          <p:style>
+            <a:lnRef idx="2">
+              <a:schemeClr val="accent1"/>
+            </a:lnRef>
+            <a:fillRef idx="1">
+              <a:schemeClr val="lt1"/>
+            </a:fillRef>
+            <a:effectRef idx="0">
+              <a:schemeClr val="accent1"/>
+            </a:effectRef>
+            <a:fontRef idx="minor">
+              <a:schemeClr val="dk1"/>
+            </a:fontRef>
+          </p:style>
+          <p:txBody>
+            <a:bodyPr rtlCol="0" anchor="t"/>
+            <a:lstStyle/>
+            <a:p>
+              <a:r>
+                <a:rPr lang="en-US" sz="1000" b="1" dirty="0" smtClean="0">
+                  <a:latin typeface="Times New Roman" panose="02020603050405020304" pitchFamily="18" charset="0"/>
+                  <a:cs typeface="Times New Roman" panose="02020603050405020304" pitchFamily="18" charset="0"/>
+                </a:rPr>
+                <a:t>Core</a:t>
+              </a:r>
+              <a:endParaRPr lang="en-US" sz="1000" b="1" dirty="0">
+                <a:latin typeface="Times New Roman" panose="02020603050405020304" pitchFamily="18" charset="0"/>
+                <a:cs typeface="Times New Roman" panose="02020603050405020304" pitchFamily="18" charset="0"/>
+              </a:endParaRPr>
+            </a:p>
+          </p:txBody>
+        </p:sp>
+        <p:sp>
+          <p:nvSpPr>
+            <p:cNvPr id="6" name="Rounded Rectangle 5"/>
+            <p:cNvSpPr/>
+            <p:nvPr/>
+          </p:nvSpPr>
+          <p:spPr>
+            <a:xfrm>
+              <a:off x="2175163" y="831271"/>
+              <a:ext cx="914400" cy="401782"/>
+            </a:xfrm>
+            <a:prstGeom prst="roundRect">
+              <a:avLst/>
+            </a:prstGeom>
+          </p:spPr>
+          <p:style>
+            <a:lnRef idx="2">
+              <a:schemeClr val="accent1"/>
+            </a:lnRef>
+            <a:fillRef idx="1">
+              <a:schemeClr val="lt1"/>
+            </a:fillRef>
+            <a:effectRef idx="0">
+              <a:schemeClr val="accent1"/>
+            </a:effectRef>
+            <a:fontRef idx="minor">
+              <a:schemeClr val="dk1"/>
+            </a:fontRef>
+          </p:style>
+          <p:txBody>
+            <a:bodyPr rtlCol="0" anchor="ctr"/>
+            <a:lstStyle/>
+            <a:p>
+              <a:pPr algn="ctr"/>
+              <a:r>
+                <a:rPr lang="en-US" sz="1000" dirty="0" smtClean="0">
+                  <a:latin typeface="Times New Roman" panose="02020603050405020304" pitchFamily="18" charset="0"/>
+                  <a:cs typeface="Times New Roman" panose="02020603050405020304" pitchFamily="18" charset="0"/>
+                </a:rPr>
+                <a:t>Client Program</a:t>
+              </a:r>
+              <a:endParaRPr lang="en-US" sz="1000" dirty="0">
+                <a:latin typeface="Times New Roman" panose="02020603050405020304" pitchFamily="18" charset="0"/>
+                <a:cs typeface="Times New Roman" panose="02020603050405020304" pitchFamily="18" charset="0"/>
+              </a:endParaRPr>
+            </a:p>
+          </p:txBody>
+        </p:sp>
+        <p:sp>
+          <p:nvSpPr>
+            <p:cNvPr id="7" name="Rounded Rectangle 6"/>
+            <p:cNvSpPr/>
+            <p:nvPr/>
+          </p:nvSpPr>
+          <p:spPr>
+            <a:xfrm>
+              <a:off x="3269672" y="176643"/>
+              <a:ext cx="914400" cy="401782"/>
+            </a:xfrm>
+            <a:prstGeom prst="roundRect">
+              <a:avLst/>
+            </a:prstGeom>
+          </p:spPr>
+          <p:style>
+            <a:lnRef idx="2">
+              <a:schemeClr val="accent1"/>
+            </a:lnRef>
+            <a:fillRef idx="1">
+              <a:schemeClr val="lt1"/>
+            </a:fillRef>
+            <a:effectRef idx="0">
+              <a:schemeClr val="accent1"/>
+            </a:effectRef>
+            <a:fontRef idx="minor">
+              <a:schemeClr val="dk1"/>
+            </a:fontRef>
+          </p:style>
+          <p:txBody>
+            <a:bodyPr rtlCol="0" anchor="ctr"/>
+            <a:lstStyle/>
+            <a:p>
+              <a:pPr algn="ctr"/>
+              <a:r>
+                <a:rPr lang="en-US" sz="1000" dirty="0" smtClean="0">
+                  <a:latin typeface="Times New Roman" panose="02020603050405020304" pitchFamily="18" charset="0"/>
+                  <a:cs typeface="Times New Roman" panose="02020603050405020304" pitchFamily="18" charset="0"/>
+                </a:rPr>
+                <a:t>Client Program</a:t>
+              </a:r>
+              <a:endParaRPr lang="en-US" sz="1000" dirty="0">
+                <a:latin typeface="Times New Roman" panose="02020603050405020304" pitchFamily="18" charset="0"/>
+                <a:cs typeface="Times New Roman" panose="02020603050405020304" pitchFamily="18" charset="0"/>
+              </a:endParaRPr>
+            </a:p>
+          </p:txBody>
+        </p:sp>
+        <p:sp>
+          <p:nvSpPr>
+            <p:cNvPr id="8" name="Rounded Rectangle 7"/>
+            <p:cNvSpPr/>
+            <p:nvPr/>
+          </p:nvSpPr>
+          <p:spPr>
+            <a:xfrm>
+              <a:off x="3269672" y="831271"/>
+              <a:ext cx="914400" cy="401782"/>
+            </a:xfrm>
+            <a:prstGeom prst="roundRect">
+              <a:avLst/>
+            </a:prstGeom>
+          </p:spPr>
+          <p:style>
+            <a:lnRef idx="2">
+              <a:schemeClr val="accent1"/>
+            </a:lnRef>
+            <a:fillRef idx="1">
+              <a:schemeClr val="lt1"/>
+            </a:fillRef>
+            <a:effectRef idx="0">
+              <a:schemeClr val="accent1"/>
+            </a:effectRef>
+            <a:fontRef idx="minor">
+              <a:schemeClr val="dk1"/>
+            </a:fontRef>
+          </p:style>
+          <p:txBody>
+            <a:bodyPr rtlCol="0" anchor="ctr"/>
+            <a:lstStyle/>
+            <a:p>
+              <a:pPr algn="ctr"/>
+              <a:r>
+                <a:rPr lang="en-US" sz="1000" dirty="0" smtClean="0">
+                  <a:latin typeface="Times New Roman" panose="02020603050405020304" pitchFamily="18" charset="0"/>
+                  <a:cs typeface="Times New Roman" panose="02020603050405020304" pitchFamily="18" charset="0"/>
+                </a:rPr>
+                <a:t>RPC Framework</a:t>
+              </a:r>
+              <a:endParaRPr lang="en-US" sz="1000" dirty="0">
+                <a:latin typeface="Times New Roman" panose="02020603050405020304" pitchFamily="18" charset="0"/>
+                <a:cs typeface="Times New Roman" panose="02020603050405020304" pitchFamily="18" charset="0"/>
+              </a:endParaRPr>
+            </a:p>
+          </p:txBody>
+        </p:sp>
+        <p:cxnSp>
+          <p:nvCxnSpPr>
+            <p:cNvPr id="10" name="Straight Arrow Connector 9"/>
+            <p:cNvCxnSpPr>
+              <a:stCxn id="6" idx="2"/>
+            </p:cNvCxnSpPr>
+            <p:nvPr/>
+          </p:nvCxnSpPr>
+          <p:spPr>
+            <a:xfrm>
+              <a:off x="2632363" y="1233053"/>
+              <a:ext cx="0" cy="256309"/>
+            </a:xfrm>
+            <a:prstGeom prst="straightConnector1">
+              <a:avLst/>
+            </a:prstGeom>
+            <a:ln w="12700">
+              <a:solidFill>
+                <a:schemeClr val="tx1"/>
+              </a:solidFill>
+              <a:headEnd type="triangle" w="med" len="med"/>
+              <a:tailEnd type="triangle" w="med" len="med"/>
+            </a:ln>
+          </p:spPr>
+          <p:style>
+            <a:lnRef idx="1">
+              <a:schemeClr val="accent1"/>
+            </a:lnRef>
+            <a:fillRef idx="0">
+              <a:schemeClr val="accent1"/>
+            </a:fillRef>
+            <a:effectRef idx="0">
+              <a:schemeClr val="accent1"/>
+            </a:effectRef>
+            <a:fontRef idx="minor">
+              <a:schemeClr val="tx1"/>
+            </a:fontRef>
+          </p:style>
+        </p:cxnSp>
+        <p:cxnSp>
+          <p:nvCxnSpPr>
+            <p:cNvPr id="11" name="Straight Arrow Connector 10"/>
+            <p:cNvCxnSpPr/>
+            <p:nvPr/>
+          </p:nvCxnSpPr>
+          <p:spPr>
+            <a:xfrm>
+              <a:off x="3726872" y="1233053"/>
+              <a:ext cx="0" cy="256309"/>
+            </a:xfrm>
+            <a:prstGeom prst="straightConnector1">
+              <a:avLst/>
+            </a:prstGeom>
+            <a:ln w="12700">
+              <a:solidFill>
+                <a:schemeClr val="tx1"/>
+              </a:solidFill>
+              <a:headEnd type="triangle" w="med" len="med"/>
+              <a:tailEnd type="triangle" w="med" len="med"/>
+            </a:ln>
+          </p:spPr>
+          <p:style>
+            <a:lnRef idx="1">
+              <a:schemeClr val="accent1"/>
+            </a:lnRef>
+            <a:fillRef idx="0">
+              <a:schemeClr val="accent1"/>
+            </a:fillRef>
+            <a:effectRef idx="0">
+              <a:schemeClr val="accent1"/>
+            </a:effectRef>
+            <a:fontRef idx="minor">
+              <a:schemeClr val="tx1"/>
+            </a:fontRef>
+          </p:style>
+        </p:cxnSp>
+        <p:cxnSp>
+          <p:nvCxnSpPr>
+            <p:cNvPr id="12" name="Straight Arrow Connector 11"/>
+            <p:cNvCxnSpPr/>
+            <p:nvPr/>
+          </p:nvCxnSpPr>
+          <p:spPr>
+            <a:xfrm>
+              <a:off x="3726872" y="574962"/>
+              <a:ext cx="0" cy="256309"/>
+            </a:xfrm>
+            <a:prstGeom prst="straightConnector1">
+              <a:avLst/>
+            </a:prstGeom>
+            <a:ln w="12700">
+              <a:solidFill>
+                <a:schemeClr val="tx1"/>
+              </a:solidFill>
+              <a:headEnd type="triangle" w="med" len="med"/>
+              <a:tailEnd type="triangle" w="med" len="med"/>
+            </a:ln>
+          </p:spPr>
+          <p:style>
+            <a:lnRef idx="1">
+              <a:schemeClr val="accent1"/>
+            </a:lnRef>
+            <a:fillRef idx="0">
+              <a:schemeClr val="accent1"/>
+            </a:fillRef>
+            <a:effectRef idx="0">
+              <a:schemeClr val="accent1"/>
+            </a:effectRef>
+            <a:fontRef idx="minor">
+              <a:schemeClr val="tx1"/>
+            </a:fontRef>
+          </p:style>
+        </p:cxnSp>
+        <p:sp>
+          <p:nvSpPr>
+            <p:cNvPr id="16" name="Rounded Rectangle 15"/>
+            <p:cNvSpPr/>
+            <p:nvPr/>
+          </p:nvSpPr>
+          <p:spPr>
+            <a:xfrm>
+              <a:off x="1884218" y="2590784"/>
+              <a:ext cx="3193474" cy="1087598"/>
+            </a:xfrm>
+            <a:prstGeom prst="roundRect">
+              <a:avLst>
+                <a:gd name="adj" fmla="val 4740"/>
+              </a:avLst>
+            </a:prstGeom>
+          </p:spPr>
+          <p:style>
+            <a:lnRef idx="2">
+              <a:schemeClr val="accent1"/>
+            </a:lnRef>
+            <a:fillRef idx="1">
+              <a:schemeClr val="lt1"/>
+            </a:fillRef>
+            <a:effectRef idx="0">
+              <a:schemeClr val="accent1"/>
+            </a:effectRef>
+            <a:fontRef idx="minor">
+              <a:schemeClr val="dk1"/>
+            </a:fontRef>
+          </p:style>
+          <p:txBody>
+            <a:bodyPr rtlCol="0" anchor="t"/>
+            <a:lstStyle/>
+            <a:p>
+              <a:r>
+                <a:rPr lang="en-US" sz="1000" b="1" dirty="0" smtClean="0">
+                  <a:latin typeface="Times New Roman" panose="02020603050405020304" pitchFamily="18" charset="0"/>
+                  <a:cs typeface="Times New Roman" panose="02020603050405020304" pitchFamily="18" charset="0"/>
+                </a:rPr>
+                <a:t>Persistence</a:t>
+              </a:r>
+              <a:endParaRPr lang="en-US" sz="1000" b="1" dirty="0">
+                <a:latin typeface="Times New Roman" panose="02020603050405020304" pitchFamily="18" charset="0"/>
+                <a:cs typeface="Times New Roman" panose="02020603050405020304" pitchFamily="18" charset="0"/>
+              </a:endParaRPr>
+            </a:p>
+          </p:txBody>
+        </p:sp>
+        <p:sp>
+          <p:nvSpPr>
+            <p:cNvPr id="20" name="Rectangle 19"/>
+            <p:cNvSpPr/>
+            <p:nvPr/>
+          </p:nvSpPr>
+          <p:spPr>
+            <a:xfrm>
+              <a:off x="1999934" y="2920281"/>
+              <a:ext cx="2980775" cy="263237"/>
+            </a:xfrm>
+            <a:prstGeom prst="rect">
+              <a:avLst/>
+            </a:prstGeom>
+          </p:spPr>
+          <p:style>
+            <a:lnRef idx="2">
+              <a:schemeClr val="accent2"/>
+            </a:lnRef>
+            <a:fillRef idx="1">
+              <a:schemeClr val="lt1"/>
+            </a:fillRef>
+            <a:effectRef idx="0">
+              <a:schemeClr val="accent2"/>
+            </a:effectRef>
+            <a:fontRef idx="minor">
+              <a:schemeClr val="dk1"/>
+            </a:fontRef>
+          </p:style>
+          <p:txBody>
+            <a:bodyPr rtlCol="0" anchor="ctr"/>
+            <a:lstStyle/>
+            <a:p>
+              <a:pPr algn="ctr"/>
+              <a:r>
+                <a:rPr lang="en-US" sz="1000" dirty="0" smtClean="0">
+                  <a:latin typeface="Times New Roman" panose="02020603050405020304" pitchFamily="18" charset="0"/>
+                  <a:cs typeface="Times New Roman" panose="02020603050405020304" pitchFamily="18" charset="0"/>
+                </a:rPr>
+                <a:t>Caching</a:t>
+              </a:r>
+              <a:endParaRPr lang="en-US" sz="1000" dirty="0">
+                <a:latin typeface="Times New Roman" panose="02020603050405020304" pitchFamily="18" charset="0"/>
+                <a:cs typeface="Times New Roman" panose="02020603050405020304" pitchFamily="18" charset="0"/>
+              </a:endParaRPr>
+            </a:p>
+          </p:txBody>
+        </p:sp>
+        <p:sp>
+          <p:nvSpPr>
+            <p:cNvPr id="21" name="Flowchart: Magnetic Disk 20"/>
+            <p:cNvSpPr/>
+            <p:nvPr/>
+          </p:nvSpPr>
+          <p:spPr>
+            <a:xfrm>
+              <a:off x="2101797" y="3878837"/>
+              <a:ext cx="710675" cy="519545"/>
+            </a:xfrm>
+            <a:prstGeom prst="flowChartMagneticDisk">
+              <a:avLst/>
+            </a:prstGeom>
+          </p:spPr>
+          <p:style>
+            <a:lnRef idx="2">
+              <a:schemeClr val="accent1">
+                <a:shade val="50000"/>
+              </a:schemeClr>
+            </a:lnRef>
+            <a:fillRef idx="1">
+              <a:schemeClr val="accent1"/>
+            </a:fillRef>
+            <a:effectRef idx="0">
+              <a:schemeClr val="accent1"/>
+            </a:effectRef>
+            <a:fontRef idx="minor">
+              <a:schemeClr val="lt1"/>
+            </a:fontRef>
+          </p:style>
+          <p:txBody>
+            <a:bodyPr rtlCol="0" anchor="ctr"/>
+            <a:lstStyle/>
+            <a:p>
+              <a:pPr algn="ctr"/>
+              <a:r>
+                <a:rPr lang="en-US" sz="1000" dirty="0" smtClean="0">
+                  <a:latin typeface="Times New Roman" panose="02020603050405020304" pitchFamily="18" charset="0"/>
+                  <a:cs typeface="Times New Roman" panose="02020603050405020304" pitchFamily="18" charset="0"/>
+                </a:rPr>
+                <a:t>KV Store</a:t>
+              </a:r>
+              <a:endParaRPr lang="en-US" sz="1000" dirty="0">
+                <a:latin typeface="Times New Roman" panose="02020603050405020304" pitchFamily="18" charset="0"/>
+                <a:cs typeface="Times New Roman" panose="02020603050405020304" pitchFamily="18" charset="0"/>
+              </a:endParaRPr>
+            </a:p>
+          </p:txBody>
+        </p:sp>
+        <p:sp>
+          <p:nvSpPr>
+            <p:cNvPr id="22" name="Flowchart: Magnetic Disk 21"/>
+            <p:cNvSpPr/>
+            <p:nvPr/>
+          </p:nvSpPr>
+          <p:spPr>
+            <a:xfrm>
+              <a:off x="3161932" y="3878837"/>
+              <a:ext cx="710675" cy="519545"/>
+            </a:xfrm>
+            <a:prstGeom prst="flowChartMagneticDisk">
+              <a:avLst/>
+            </a:prstGeom>
+          </p:spPr>
+          <p:style>
+            <a:lnRef idx="2">
+              <a:schemeClr val="accent1">
+                <a:shade val="50000"/>
+              </a:schemeClr>
+            </a:lnRef>
+            <a:fillRef idx="1">
+              <a:schemeClr val="accent1"/>
+            </a:fillRef>
+            <a:effectRef idx="0">
+              <a:schemeClr val="accent1"/>
+            </a:effectRef>
+            <a:fontRef idx="minor">
+              <a:schemeClr val="lt1"/>
+            </a:fontRef>
+          </p:style>
+          <p:txBody>
+            <a:bodyPr rtlCol="0" anchor="ctr"/>
+            <a:lstStyle/>
+            <a:p>
+              <a:pPr algn="ctr"/>
+              <a:r>
+                <a:rPr lang="en-US" sz="1000" dirty="0" smtClean="0">
+                  <a:latin typeface="Times New Roman" panose="02020603050405020304" pitchFamily="18" charset="0"/>
+                  <a:cs typeface="Times New Roman" panose="02020603050405020304" pitchFamily="18" charset="0"/>
+                </a:rPr>
+                <a:t>Local Storage</a:t>
+              </a:r>
+              <a:endParaRPr lang="en-US" sz="1000" dirty="0">
+                <a:latin typeface="Times New Roman" panose="02020603050405020304" pitchFamily="18" charset="0"/>
+                <a:cs typeface="Times New Roman" panose="02020603050405020304" pitchFamily="18" charset="0"/>
+              </a:endParaRPr>
+            </a:p>
+          </p:txBody>
+        </p:sp>
+        <p:sp>
+          <p:nvSpPr>
+            <p:cNvPr id="23" name="Flowchart: Magnetic Disk 22"/>
+            <p:cNvSpPr/>
+            <p:nvPr/>
+          </p:nvSpPr>
+          <p:spPr>
+            <a:xfrm>
+              <a:off x="4222067" y="3878837"/>
+              <a:ext cx="710675" cy="519545"/>
+            </a:xfrm>
+            <a:prstGeom prst="flowChartMagneticDisk">
+              <a:avLst/>
+            </a:prstGeom>
+          </p:spPr>
+          <p:style>
+            <a:lnRef idx="2">
+              <a:schemeClr val="accent1">
+                <a:shade val="50000"/>
+              </a:schemeClr>
+            </a:lnRef>
+            <a:fillRef idx="1">
+              <a:schemeClr val="accent1"/>
+            </a:fillRef>
+            <a:effectRef idx="0">
+              <a:schemeClr val="accent1"/>
+            </a:effectRef>
+            <a:fontRef idx="minor">
+              <a:schemeClr val="lt1"/>
+            </a:fontRef>
+          </p:style>
+          <p:txBody>
+            <a:bodyPr rtlCol="0" anchor="ctr"/>
+            <a:lstStyle/>
+            <a:p>
+              <a:pPr algn="ctr"/>
+              <a:r>
+                <a:rPr lang="en-US" sz="1000" dirty="0" smtClean="0">
+                  <a:latin typeface="Times New Roman" panose="02020603050405020304" pitchFamily="18" charset="0"/>
+                  <a:cs typeface="Times New Roman" panose="02020603050405020304" pitchFamily="18" charset="0"/>
+                </a:rPr>
+                <a:t>Remote Storage</a:t>
+              </a:r>
+              <a:endParaRPr lang="en-US" sz="1000" dirty="0">
+                <a:latin typeface="Times New Roman" panose="02020603050405020304" pitchFamily="18" charset="0"/>
+                <a:cs typeface="Times New Roman" panose="02020603050405020304" pitchFamily="18" charset="0"/>
+              </a:endParaRPr>
+            </a:p>
+          </p:txBody>
+        </p:sp>
+        <p:sp>
+          <p:nvSpPr>
+            <p:cNvPr id="13" name="Rectangle 12"/>
+            <p:cNvSpPr/>
+            <p:nvPr/>
+          </p:nvSpPr>
+          <p:spPr>
+            <a:xfrm>
+              <a:off x="1999934" y="3277897"/>
+              <a:ext cx="914400" cy="263237"/>
+            </a:xfrm>
+            <a:prstGeom prst="rect">
+              <a:avLst/>
+            </a:prstGeom>
+          </p:spPr>
+          <p:style>
+            <a:lnRef idx="2">
+              <a:schemeClr val="accent2"/>
+            </a:lnRef>
+            <a:fillRef idx="1">
+              <a:schemeClr val="lt1"/>
+            </a:fillRef>
+            <a:effectRef idx="0">
+              <a:schemeClr val="accent2"/>
+            </a:effectRef>
+            <a:fontRef idx="minor">
+              <a:schemeClr val="dk1"/>
+            </a:fontRef>
+          </p:style>
+          <p:txBody>
+            <a:bodyPr rtlCol="0" anchor="ctr"/>
+            <a:lstStyle/>
+            <a:p>
+              <a:pPr algn="ctr"/>
+              <a:r>
+                <a:rPr lang="en-US" sz="1000" dirty="0" smtClean="0">
+                  <a:latin typeface="Times New Roman" panose="02020603050405020304" pitchFamily="18" charset="0"/>
+                  <a:cs typeface="Times New Roman" panose="02020603050405020304" pitchFamily="18" charset="0"/>
+                </a:rPr>
+                <a:t>File Directory</a:t>
+              </a:r>
+              <a:endParaRPr lang="en-US" sz="1000" dirty="0">
+                <a:latin typeface="Times New Roman" panose="02020603050405020304" pitchFamily="18" charset="0"/>
+                <a:cs typeface="Times New Roman" panose="02020603050405020304" pitchFamily="18" charset="0"/>
+              </a:endParaRPr>
+            </a:p>
+          </p:txBody>
+        </p:sp>
+        <p:sp>
+          <p:nvSpPr>
+            <p:cNvPr id="17" name="Rectangle 16"/>
+            <p:cNvSpPr/>
+            <p:nvPr/>
+          </p:nvSpPr>
+          <p:spPr>
+            <a:xfrm>
+              <a:off x="3572635" y="3277897"/>
+              <a:ext cx="543791" cy="263237"/>
+            </a:xfrm>
+            <a:prstGeom prst="rect">
+              <a:avLst/>
+            </a:prstGeom>
+          </p:spPr>
+          <p:style>
+            <a:lnRef idx="2">
+              <a:schemeClr val="accent2"/>
+            </a:lnRef>
+            <a:fillRef idx="1">
+              <a:schemeClr val="lt1"/>
+            </a:fillRef>
+            <a:effectRef idx="0">
+              <a:schemeClr val="accent2"/>
+            </a:effectRef>
+            <a:fontRef idx="minor">
+              <a:schemeClr val="dk1"/>
+            </a:fontRef>
+          </p:style>
+          <p:txBody>
+            <a:bodyPr rtlCol="0" anchor="ctr"/>
+            <a:lstStyle/>
+            <a:p>
+              <a:pPr algn="ctr"/>
+              <a:r>
+                <a:rPr lang="en-US" sz="1000" dirty="0" err="1" smtClean="0">
+                  <a:latin typeface="Times New Roman" panose="02020603050405020304" pitchFamily="18" charset="0"/>
+                  <a:cs typeface="Times New Roman" panose="02020603050405020304" pitchFamily="18" charset="0"/>
+                </a:rPr>
+                <a:t>inodes</a:t>
+              </a:r>
+              <a:endParaRPr lang="en-US" sz="1000" dirty="0">
+                <a:latin typeface="Times New Roman" panose="02020603050405020304" pitchFamily="18" charset="0"/>
+                <a:cs typeface="Times New Roman" panose="02020603050405020304" pitchFamily="18" charset="0"/>
+              </a:endParaRPr>
+            </a:p>
+          </p:txBody>
+        </p:sp>
+        <p:sp>
+          <p:nvSpPr>
+            <p:cNvPr id="18" name="Rectangle 17"/>
+            <p:cNvSpPr/>
+            <p:nvPr/>
+          </p:nvSpPr>
+          <p:spPr>
+            <a:xfrm>
+              <a:off x="4184071" y="3277897"/>
+              <a:ext cx="796637" cy="263237"/>
+            </a:xfrm>
+            <a:prstGeom prst="rect">
+              <a:avLst/>
+            </a:prstGeom>
+          </p:spPr>
+          <p:style>
+            <a:lnRef idx="2">
+              <a:schemeClr val="accent2"/>
+            </a:lnRef>
+            <a:fillRef idx="1">
+              <a:schemeClr val="lt1"/>
+            </a:fillRef>
+            <a:effectRef idx="0">
+              <a:schemeClr val="accent2"/>
+            </a:effectRef>
+            <a:fontRef idx="minor">
+              <a:schemeClr val="dk1"/>
+            </a:fontRef>
+          </p:style>
+          <p:txBody>
+            <a:bodyPr rtlCol="0" anchor="ctr"/>
+            <a:lstStyle/>
+            <a:p>
+              <a:pPr algn="ctr"/>
+              <a:r>
+                <a:rPr lang="en-US" sz="1000" dirty="0" smtClean="0">
+                  <a:latin typeface="Times New Roman" panose="02020603050405020304" pitchFamily="18" charset="0"/>
+                  <a:cs typeface="Times New Roman" panose="02020603050405020304" pitchFamily="18" charset="0"/>
+                </a:rPr>
+                <a:t>blocks</a:t>
+              </a:r>
+              <a:endParaRPr lang="en-US" sz="1000" dirty="0">
+                <a:latin typeface="Times New Roman" panose="02020603050405020304" pitchFamily="18" charset="0"/>
+                <a:cs typeface="Times New Roman" panose="02020603050405020304" pitchFamily="18" charset="0"/>
+              </a:endParaRPr>
+            </a:p>
+          </p:txBody>
+        </p:sp>
+        <p:sp>
+          <p:nvSpPr>
+            <p:cNvPr id="19" name="Rectangle 18"/>
+            <p:cNvSpPr/>
+            <p:nvPr/>
+          </p:nvSpPr>
+          <p:spPr>
+            <a:xfrm>
+              <a:off x="2981980" y="3273564"/>
+              <a:ext cx="523009" cy="263237"/>
+            </a:xfrm>
+            <a:prstGeom prst="rect">
+              <a:avLst/>
+            </a:prstGeom>
+          </p:spPr>
+          <p:style>
+            <a:lnRef idx="2">
+              <a:schemeClr val="accent2"/>
+            </a:lnRef>
+            <a:fillRef idx="1">
+              <a:schemeClr val="lt1"/>
+            </a:fillRef>
+            <a:effectRef idx="0">
+              <a:schemeClr val="accent2"/>
+            </a:effectRef>
+            <a:fontRef idx="minor">
+              <a:schemeClr val="dk1"/>
+            </a:fontRef>
+          </p:style>
+          <p:txBody>
+            <a:bodyPr rtlCol="0" anchor="ctr"/>
+            <a:lstStyle/>
+            <a:p>
+              <a:pPr algn="ctr"/>
+              <a:r>
+                <a:rPr lang="en-US" sz="1000" dirty="0" err="1" smtClean="0">
+                  <a:latin typeface="Times New Roman" panose="02020603050405020304" pitchFamily="18" charset="0"/>
+                  <a:cs typeface="Times New Roman" panose="02020603050405020304" pitchFamily="18" charset="0"/>
+                </a:rPr>
+                <a:t>ibmap</a:t>
+              </a:r>
+              <a:endParaRPr lang="en-US" sz="1000" dirty="0">
+                <a:latin typeface="Times New Roman" panose="02020603050405020304" pitchFamily="18" charset="0"/>
+                <a:cs typeface="Times New Roman" panose="02020603050405020304" pitchFamily="18" charset="0"/>
+              </a:endParaRPr>
+            </a:p>
+          </p:txBody>
+        </p:sp>
+        <p:sp>
+          <p:nvSpPr>
+            <p:cNvPr id="25" name="Rectangle 24"/>
+            <p:cNvSpPr/>
+            <p:nvPr/>
+          </p:nvSpPr>
+          <p:spPr>
+            <a:xfrm>
+              <a:off x="1999935" y="2161298"/>
+              <a:ext cx="2980774" cy="263237"/>
+            </a:xfrm>
+            <a:prstGeom prst="rect">
+              <a:avLst/>
+            </a:prstGeom>
+          </p:spPr>
+          <p:style>
+            <a:lnRef idx="2">
+              <a:schemeClr val="accent2"/>
+            </a:lnRef>
+            <a:fillRef idx="1">
+              <a:schemeClr val="lt1"/>
+            </a:fillRef>
+            <a:effectRef idx="0">
+              <a:schemeClr val="accent2"/>
+            </a:effectRef>
+            <a:fontRef idx="minor">
+              <a:schemeClr val="dk1"/>
+            </a:fontRef>
+          </p:style>
+          <p:txBody>
+            <a:bodyPr rtlCol="0" anchor="ctr"/>
+            <a:lstStyle/>
+            <a:p>
+              <a:pPr algn="ctr"/>
+              <a:r>
+                <a:rPr lang="en-US" sz="1000" dirty="0" smtClean="0">
+                  <a:latin typeface="Times New Roman" panose="02020603050405020304" pitchFamily="18" charset="0"/>
+                  <a:cs typeface="Times New Roman" panose="02020603050405020304" pitchFamily="18" charset="0"/>
+                </a:rPr>
+                <a:t>Driver</a:t>
+              </a:r>
+              <a:endParaRPr lang="en-US" sz="1000" dirty="0">
+                <a:latin typeface="Times New Roman" panose="02020603050405020304" pitchFamily="18" charset="0"/>
+                <a:cs typeface="Times New Roman" panose="02020603050405020304" pitchFamily="18" charset="0"/>
+              </a:endParaRPr>
+            </a:p>
+          </p:txBody>
+        </p:sp>
+        <p:cxnSp>
+          <p:nvCxnSpPr>
+            <p:cNvPr id="28" name="Straight Connector 27"/>
+            <p:cNvCxnSpPr>
+              <a:stCxn id="21" idx="1"/>
+              <a:endCxn id="13" idx="2"/>
+            </p:cNvCxnSpPr>
+            <p:nvPr/>
+          </p:nvCxnSpPr>
+          <p:spPr>
+            <a:xfrm flipH="1" flipV="1">
+              <a:off x="2457134" y="3541134"/>
+              <a:ext cx="1" cy="337703"/>
+            </a:xfrm>
+            <a:prstGeom prst="line">
+              <a:avLst/>
+            </a:prstGeom>
+            <a:ln w="9525">
+              <a:solidFill>
+                <a:schemeClr val="tx1"/>
+              </a:solidFill>
+              <a:prstDash val="dash"/>
+              <a:headEnd type="triangle" w="med" len="med"/>
+              <a:tailEnd type="triangle" w="med" len="med"/>
+            </a:ln>
+          </p:spPr>
+          <p:style>
+            <a:lnRef idx="1">
+              <a:schemeClr val="accent1"/>
+            </a:lnRef>
+            <a:fillRef idx="0">
+              <a:schemeClr val="accent1"/>
+            </a:fillRef>
+            <a:effectRef idx="0">
+              <a:schemeClr val="accent1"/>
+            </a:effectRef>
+            <a:fontRef idx="minor">
+              <a:schemeClr val="tx1"/>
+            </a:fontRef>
+          </p:style>
+        </p:cxnSp>
+        <p:cxnSp>
+          <p:nvCxnSpPr>
+            <p:cNvPr id="30" name="Straight Connector 29"/>
+            <p:cNvCxnSpPr>
+              <a:stCxn id="19" idx="2"/>
+              <a:endCxn id="22" idx="1"/>
+            </p:cNvCxnSpPr>
+            <p:nvPr/>
+          </p:nvCxnSpPr>
+          <p:spPr>
+            <a:xfrm>
+              <a:off x="3243485" y="3536801"/>
+              <a:ext cx="273785" cy="342036"/>
+            </a:xfrm>
+            <a:prstGeom prst="line">
+              <a:avLst/>
+            </a:prstGeom>
+            <a:ln w="9525">
+              <a:solidFill>
+                <a:schemeClr val="tx1"/>
+              </a:solidFill>
+              <a:prstDash val="dash"/>
+              <a:headEnd type="triangle" w="med" len="med"/>
+              <a:tailEnd type="triangle" w="med" len="med"/>
+            </a:ln>
+          </p:spPr>
+          <p:style>
+            <a:lnRef idx="1">
+              <a:schemeClr val="accent1"/>
+            </a:lnRef>
+            <a:fillRef idx="0">
+              <a:schemeClr val="accent1"/>
+            </a:fillRef>
+            <a:effectRef idx="0">
+              <a:schemeClr val="accent1"/>
+            </a:effectRef>
+            <a:fontRef idx="minor">
+              <a:schemeClr val="tx1"/>
+            </a:fontRef>
+          </p:style>
+        </p:cxnSp>
+        <p:cxnSp>
+          <p:nvCxnSpPr>
+            <p:cNvPr id="32" name="Straight Connector 31"/>
+            <p:cNvCxnSpPr>
+              <a:stCxn id="19" idx="2"/>
+              <a:endCxn id="23" idx="1"/>
+            </p:cNvCxnSpPr>
+            <p:nvPr/>
+          </p:nvCxnSpPr>
+          <p:spPr>
+            <a:xfrm>
+              <a:off x="3243485" y="3536801"/>
+              <a:ext cx="1333920" cy="342036"/>
+            </a:xfrm>
+            <a:prstGeom prst="line">
+              <a:avLst/>
+            </a:prstGeom>
+            <a:ln w="9525">
+              <a:solidFill>
+                <a:schemeClr val="tx1"/>
+              </a:solidFill>
+              <a:prstDash val="dash"/>
+              <a:headEnd type="triangle" w="med" len="med"/>
+              <a:tailEnd type="triangle" w="med" len="med"/>
+            </a:ln>
+          </p:spPr>
+          <p:style>
+            <a:lnRef idx="1">
+              <a:schemeClr val="accent1"/>
+            </a:lnRef>
+            <a:fillRef idx="0">
+              <a:schemeClr val="accent1"/>
+            </a:fillRef>
+            <a:effectRef idx="0">
+              <a:schemeClr val="accent1"/>
+            </a:effectRef>
+            <a:fontRef idx="minor">
+              <a:schemeClr val="tx1"/>
+            </a:fontRef>
+          </p:style>
+        </p:cxnSp>
+        <p:cxnSp>
+          <p:nvCxnSpPr>
+            <p:cNvPr id="34" name="Straight Connector 33"/>
+            <p:cNvCxnSpPr>
+              <a:stCxn id="17" idx="2"/>
+              <a:endCxn id="22" idx="1"/>
+            </p:cNvCxnSpPr>
+            <p:nvPr/>
+          </p:nvCxnSpPr>
+          <p:spPr>
+            <a:xfrm flipH="1">
+              <a:off x="3517270" y="3541134"/>
+              <a:ext cx="327261" cy="337703"/>
+            </a:xfrm>
+            <a:prstGeom prst="line">
+              <a:avLst/>
+            </a:prstGeom>
+            <a:ln w="9525">
+              <a:solidFill>
+                <a:schemeClr val="tx1"/>
+              </a:solidFill>
+              <a:prstDash val="dash"/>
+              <a:headEnd type="triangle" w="med" len="med"/>
+              <a:tailEnd type="triangle" w="med" len="med"/>
+            </a:ln>
+          </p:spPr>
+          <p:style>
+            <a:lnRef idx="1">
+              <a:schemeClr val="accent1"/>
+            </a:lnRef>
+            <a:fillRef idx="0">
+              <a:schemeClr val="accent1"/>
+            </a:fillRef>
+            <a:effectRef idx="0">
+              <a:schemeClr val="accent1"/>
+            </a:effectRef>
+            <a:fontRef idx="minor">
+              <a:schemeClr val="tx1"/>
+            </a:fontRef>
+          </p:style>
+        </p:cxnSp>
+        <p:cxnSp>
+          <p:nvCxnSpPr>
+            <p:cNvPr id="36" name="Straight Connector 35"/>
+            <p:cNvCxnSpPr>
+              <a:stCxn id="17" idx="2"/>
+              <a:endCxn id="23" idx="1"/>
+            </p:cNvCxnSpPr>
+            <p:nvPr/>
+          </p:nvCxnSpPr>
+          <p:spPr>
+            <a:xfrm>
+              <a:off x="3844531" y="3541134"/>
+              <a:ext cx="732874" cy="337703"/>
+            </a:xfrm>
+            <a:prstGeom prst="line">
+              <a:avLst/>
+            </a:prstGeom>
+            <a:ln w="9525">
+              <a:solidFill>
+                <a:schemeClr val="tx1"/>
+              </a:solidFill>
+              <a:prstDash val="dash"/>
+              <a:headEnd type="triangle" w="med" len="med"/>
+              <a:tailEnd type="triangle" w="med" len="med"/>
+            </a:ln>
+          </p:spPr>
+          <p:style>
+            <a:lnRef idx="1">
+              <a:schemeClr val="accent1"/>
+            </a:lnRef>
+            <a:fillRef idx="0">
+              <a:schemeClr val="accent1"/>
+            </a:fillRef>
+            <a:effectRef idx="0">
+              <a:schemeClr val="accent1"/>
+            </a:effectRef>
+            <a:fontRef idx="minor">
+              <a:schemeClr val="tx1"/>
+            </a:fontRef>
+          </p:style>
+        </p:cxnSp>
+        <p:cxnSp>
+          <p:nvCxnSpPr>
+            <p:cNvPr id="38" name="Straight Connector 37"/>
+            <p:cNvCxnSpPr>
+              <a:stCxn id="18" idx="2"/>
+              <a:endCxn id="22" idx="1"/>
+            </p:cNvCxnSpPr>
+            <p:nvPr/>
+          </p:nvCxnSpPr>
+          <p:spPr>
+            <a:xfrm flipH="1">
+              <a:off x="3517270" y="3541134"/>
+              <a:ext cx="1065120" cy="337703"/>
+            </a:xfrm>
+            <a:prstGeom prst="line">
+              <a:avLst/>
+            </a:prstGeom>
+            <a:ln w="9525">
+              <a:solidFill>
+                <a:schemeClr val="tx1"/>
+              </a:solidFill>
+              <a:prstDash val="dash"/>
+              <a:headEnd type="triangle" w="med" len="med"/>
+              <a:tailEnd type="triangle" w="med" len="med"/>
+            </a:ln>
+          </p:spPr>
+          <p:style>
+            <a:lnRef idx="1">
+              <a:schemeClr val="accent1"/>
+            </a:lnRef>
+            <a:fillRef idx="0">
+              <a:schemeClr val="accent1"/>
+            </a:fillRef>
+            <a:effectRef idx="0">
+              <a:schemeClr val="accent1"/>
+            </a:effectRef>
+            <a:fontRef idx="minor">
+              <a:schemeClr val="tx1"/>
+            </a:fontRef>
+          </p:style>
+        </p:cxnSp>
+        <p:cxnSp>
+          <p:nvCxnSpPr>
+            <p:cNvPr id="40" name="Straight Connector 39"/>
+            <p:cNvCxnSpPr>
+              <a:stCxn id="18" idx="2"/>
+              <a:endCxn id="23" idx="1"/>
+            </p:cNvCxnSpPr>
+            <p:nvPr/>
+          </p:nvCxnSpPr>
+          <p:spPr>
+            <a:xfrm flipH="1">
+              <a:off x="4577405" y="3541134"/>
+              <a:ext cx="4985" cy="337703"/>
+            </a:xfrm>
+            <a:prstGeom prst="line">
+              <a:avLst/>
+            </a:prstGeom>
+            <a:ln w="9525">
+              <a:solidFill>
+                <a:schemeClr val="tx1"/>
+              </a:solidFill>
+              <a:prstDash val="dash"/>
+              <a:headEnd type="triangle" w="med" len="med"/>
+              <a:tailEnd type="triangle" w="med" len="med"/>
+            </a:ln>
+          </p:spPr>
+          <p:style>
+            <a:lnRef idx="1">
+              <a:schemeClr val="accent1"/>
+            </a:lnRef>
+            <a:fillRef idx="0">
+              <a:schemeClr val="accent1"/>
+            </a:fillRef>
+            <a:effectRef idx="0">
+              <a:schemeClr val="accent1"/>
+            </a:effectRef>
+            <a:fontRef idx="minor">
+              <a:schemeClr val="tx1"/>
+            </a:fontRef>
+          </p:style>
+        </p:cxnSp>
+        <p:cxnSp>
+          <p:nvCxnSpPr>
+            <p:cNvPr id="42" name="Straight Arrow Connector 41"/>
+            <p:cNvCxnSpPr>
+              <a:stCxn id="25" idx="2"/>
+              <a:endCxn id="20" idx="0"/>
+            </p:cNvCxnSpPr>
+            <p:nvPr/>
+          </p:nvCxnSpPr>
+          <p:spPr>
+            <a:xfrm>
+              <a:off x="3490322" y="2424535"/>
+              <a:ext cx="0" cy="495746"/>
+            </a:xfrm>
+            <a:prstGeom prst="straightConnector1">
+              <a:avLst/>
+            </a:prstGeom>
+            <a:ln w="9525">
+              <a:solidFill>
+                <a:schemeClr val="tx1"/>
+              </a:solidFill>
+              <a:prstDash val="dash"/>
+              <a:headEnd type="triangle" w="med" len="med"/>
+              <a:tailEnd type="triangle" w="med" len="med"/>
+            </a:ln>
+          </p:spPr>
+          <p:style>
+            <a:lnRef idx="1">
+              <a:schemeClr val="accent1"/>
+            </a:lnRef>
+            <a:fillRef idx="0">
+              <a:schemeClr val="accent1"/>
+            </a:fillRef>
+            <a:effectRef idx="0">
+              <a:schemeClr val="accent1"/>
+            </a:effectRef>
+            <a:fontRef idx="minor">
+              <a:schemeClr val="tx1"/>
+            </a:fontRef>
+          </p:style>
+        </p:cxnSp>
+      </p:grpSp>
+    </p:spTree>
+    <p:extLst>
+      <p:ext uri="{BB962C8B-B14F-4D97-AF65-F5344CB8AC3E}">
+        <p14:creationId xmlns:p14="http://schemas.microsoft.com/office/powerpoint/2010/main" val="3717228138"/>
+      </p:ext>
+    </p:extLst>
+  </p:cSld>
+  <p:clrMapOvr>
+    <a:masterClrMapping/>
+  </p:clrMapOvr>
+</p:sld>
+</file>
+
+<file path=ppt/slides/slide6.xml><?xml version="1.0" encoding="utf-8"?>
+<p:sld xmlns:a="http://schemas.openxmlformats.org/drawingml/2006/main" xmlns:r="http://schemas.openxmlformats.org/officeDocument/2006/relationships" xmlns:p="http://schemas.openxmlformats.org/presentationml/2006/main">
+  <p:cSld>
+    <p:spTree>
+      <p:nvGrpSpPr>
+        <p:cNvPr id="1" name=""/>
+        <p:cNvGrpSpPr/>
+        <p:nvPr/>
+      </p:nvGrpSpPr>
+      <p:grpSpPr>
+        <a:xfrm>
+          <a:off x="0" y="0"/>
+          <a:ext cx="0" cy="0"/>
+          <a:chOff x="0" y="0"/>
+          <a:chExt cx="0" cy="0"/>
+        </a:xfrm>
+      </p:grpSpPr>
+    </p:spTree>
+    <p:extLst>
+      <p:ext uri="{BB962C8B-B14F-4D97-AF65-F5344CB8AC3E}">
+        <p14:creationId xmlns:p14="http://schemas.microsoft.com/office/powerpoint/2010/main" val="3911456309"/>
+      </p:ext>
+    </p:extLst>
+  </p:cSld>
+  <p:clrMapOvr>
+    <a:masterClrMapping/>
+  </p:clrMapOvr>
+</p:sld>
+</file>
+
 <file path=ppt/theme/theme1.xml><?xml version="1.0" encoding="utf-8"?>
 <a:theme xmlns:a="http://schemas.openxmlformats.org/drawingml/2006/main" name="Office Theme">
   <a:themeElements>

--- a/docs/design/figures/fs-design.pptx
+++ b/docs/design/figures/fs-design.pptx
@@ -248,7 +248,7 @@
           <a:p>
             <a:fld id="{305C3DB1-8177-46AD-AF81-2EEE95D844A8}" type="datetimeFigureOut">
               <a:rPr lang="en-US" smtClean="0"/>
-              <a:t>3/3/2017</a:t>
+              <a:t>3/9/2017</a:t>
             </a:fld>
             <a:endParaRPr lang="en-US"/>
           </a:p>
@@ -418,7 +418,7 @@
           <a:p>
             <a:fld id="{305C3DB1-8177-46AD-AF81-2EEE95D844A8}" type="datetimeFigureOut">
               <a:rPr lang="en-US" smtClean="0"/>
-              <a:t>3/3/2017</a:t>
+              <a:t>3/9/2017</a:t>
             </a:fld>
             <a:endParaRPr lang="en-US"/>
           </a:p>
@@ -598,7 +598,7 @@
           <a:p>
             <a:fld id="{305C3DB1-8177-46AD-AF81-2EEE95D844A8}" type="datetimeFigureOut">
               <a:rPr lang="en-US" smtClean="0"/>
-              <a:t>3/3/2017</a:t>
+              <a:t>3/9/2017</a:t>
             </a:fld>
             <a:endParaRPr lang="en-US"/>
           </a:p>
@@ -768,7 +768,7 @@
           <a:p>
             <a:fld id="{305C3DB1-8177-46AD-AF81-2EEE95D844A8}" type="datetimeFigureOut">
               <a:rPr lang="en-US" smtClean="0"/>
-              <a:t>3/3/2017</a:t>
+              <a:t>3/9/2017</a:t>
             </a:fld>
             <a:endParaRPr lang="en-US"/>
           </a:p>
@@ -1012,7 +1012,7 @@
           <a:p>
             <a:fld id="{305C3DB1-8177-46AD-AF81-2EEE95D844A8}" type="datetimeFigureOut">
               <a:rPr lang="en-US" smtClean="0"/>
-              <a:t>3/3/2017</a:t>
+              <a:t>3/9/2017</a:t>
             </a:fld>
             <a:endParaRPr lang="en-US"/>
           </a:p>
@@ -1244,7 +1244,7 @@
           <a:p>
             <a:fld id="{305C3DB1-8177-46AD-AF81-2EEE95D844A8}" type="datetimeFigureOut">
               <a:rPr lang="en-US" smtClean="0"/>
-              <a:t>3/3/2017</a:t>
+              <a:t>3/9/2017</a:t>
             </a:fld>
             <a:endParaRPr lang="en-US"/>
           </a:p>
@@ -1611,7 +1611,7 @@
           <a:p>
             <a:fld id="{305C3DB1-8177-46AD-AF81-2EEE95D844A8}" type="datetimeFigureOut">
               <a:rPr lang="en-US" smtClean="0"/>
-              <a:t>3/3/2017</a:t>
+              <a:t>3/9/2017</a:t>
             </a:fld>
             <a:endParaRPr lang="en-US"/>
           </a:p>
@@ -1729,7 +1729,7 @@
           <a:p>
             <a:fld id="{305C3DB1-8177-46AD-AF81-2EEE95D844A8}" type="datetimeFigureOut">
               <a:rPr lang="en-US" smtClean="0"/>
-              <a:t>3/3/2017</a:t>
+              <a:t>3/9/2017</a:t>
             </a:fld>
             <a:endParaRPr lang="en-US"/>
           </a:p>
@@ -1824,7 +1824,7 @@
           <a:p>
             <a:fld id="{305C3DB1-8177-46AD-AF81-2EEE95D844A8}" type="datetimeFigureOut">
               <a:rPr lang="en-US" smtClean="0"/>
-              <a:t>3/3/2017</a:t>
+              <a:t>3/9/2017</a:t>
             </a:fld>
             <a:endParaRPr lang="en-US"/>
           </a:p>
@@ -2101,7 +2101,7 @@
           <a:p>
             <a:fld id="{305C3DB1-8177-46AD-AF81-2EEE95D844A8}" type="datetimeFigureOut">
               <a:rPr lang="en-US" smtClean="0"/>
-              <a:t>3/3/2017</a:t>
+              <a:t>3/9/2017</a:t>
             </a:fld>
             <a:endParaRPr lang="en-US"/>
           </a:p>
@@ -2358,7 +2358,7 @@
           <a:p>
             <a:fld id="{305C3DB1-8177-46AD-AF81-2EEE95D844A8}" type="datetimeFigureOut">
               <a:rPr lang="en-US" smtClean="0"/>
-              <a:t>3/3/2017</a:t>
+              <a:t>3/9/2017</a:t>
             </a:fld>
             <a:endParaRPr lang="en-US"/>
           </a:p>
@@ -2571,7 +2571,7 @@
           <a:p>
             <a:fld id="{305C3DB1-8177-46AD-AF81-2EEE95D844A8}" type="datetimeFigureOut">
               <a:rPr lang="en-US" smtClean="0"/>
-              <a:t>3/3/2017</a:t>
+              <a:t>3/9/2017</a:t>
             </a:fld>
             <a:endParaRPr lang="en-US"/>
           </a:p>
@@ -13276,13 +13276,6 @@
                   </a:rPr>
                   <a:t>21</a:t>
                 </a:r>
-                <a:endParaRPr lang="en-US" sz="1000" dirty="0">
-                  <a:solidFill>
-                    <a:schemeClr val="lt1"/>
-                  </a:solidFill>
-                  <a:latin typeface="Times New Roman" panose="02020603050405020304" pitchFamily="18" charset="0"/>
-                  <a:cs typeface="Times New Roman" panose="02020603050405020304" pitchFamily="18" charset="0"/>
-                </a:endParaRPr>
               </a:p>
             </p:txBody>
           </p:sp>
@@ -15008,14 +15001,7 @@
                   <a:latin typeface="Times New Roman" panose="02020603050405020304" pitchFamily="18" charset="0"/>
                   <a:cs typeface="Times New Roman" panose="02020603050405020304" pitchFamily="18" charset="0"/>
                 </a:rPr>
-                <a:t> </a:t>
-              </a:r>
-              <a:r>
-                <a:rPr lang="en-US" sz="1000" dirty="0" smtClean="0">
-                  <a:latin typeface="Times New Roman" panose="02020603050405020304" pitchFamily="18" charset="0"/>
-                  <a:cs typeface="Times New Roman" panose="02020603050405020304" pitchFamily="18" charset="0"/>
-                </a:rPr>
-                <a:t>20</a:t>
+                <a:t> 20</a:t>
               </a:r>
               <a:endParaRPr lang="en-US" sz="1000" dirty="0">
                 <a:latin typeface="Times New Roman" panose="02020603050405020304" pitchFamily="18" charset="0"/>
@@ -15674,115 +15660,18 @@
       </p:grpSpPr>
       <p:grpSp>
         <p:nvGrpSpPr>
-          <p:cNvPr id="53" name="Group 52"/>
+          <p:cNvPr id="104" name="Group 103"/>
           <p:cNvGrpSpPr/>
           <p:nvPr/>
         </p:nvGrpSpPr>
         <p:grpSpPr>
           <a:xfrm>
-            <a:off x="1884218" y="176643"/>
-            <a:ext cx="3193474" cy="4221739"/>
-            <a:chOff x="1884218" y="176643"/>
-            <a:chExt cx="3193474" cy="4221739"/>
+            <a:off x="976123" y="50519"/>
+            <a:ext cx="4415684" cy="4423538"/>
+            <a:chOff x="976123" y="50519"/>
+            <a:chExt cx="4415684" cy="4423538"/>
           </a:xfrm>
         </p:grpSpPr>
-        <p:sp>
-          <p:nvSpPr>
-            <p:cNvPr id="4" name="Rounded Rectangle 3"/>
-            <p:cNvSpPr/>
-            <p:nvPr/>
-          </p:nvSpPr>
-          <p:spPr>
-            <a:xfrm>
-              <a:off x="1884218" y="1496289"/>
-              <a:ext cx="3193474" cy="346364"/>
-            </a:xfrm>
-            <a:prstGeom prst="roundRect">
-              <a:avLst/>
-            </a:prstGeom>
-          </p:spPr>
-          <p:style>
-            <a:lnRef idx="2">
-              <a:schemeClr val="accent1"/>
-            </a:lnRef>
-            <a:fillRef idx="1">
-              <a:schemeClr val="lt1"/>
-            </a:fillRef>
-            <a:effectRef idx="0">
-              <a:schemeClr val="accent1"/>
-            </a:effectRef>
-            <a:fontRef idx="minor">
-              <a:schemeClr val="dk1"/>
-            </a:fontRef>
-          </p:style>
-          <p:txBody>
-            <a:bodyPr rtlCol="0" anchor="ctr"/>
-            <a:lstStyle/>
-            <a:p>
-              <a:pPr algn="ctr"/>
-              <a:r>
-                <a:rPr lang="en-US" sz="1000" b="1" dirty="0" smtClean="0">
-                  <a:latin typeface="Times New Roman" panose="02020603050405020304" pitchFamily="18" charset="0"/>
-                  <a:cs typeface="Times New Roman" panose="02020603050405020304" pitchFamily="18" charset="0"/>
-                </a:rPr>
-                <a:t>API</a:t>
-              </a:r>
-              <a:endParaRPr lang="en-US" sz="1000" b="1" dirty="0">
-                <a:latin typeface="Times New Roman" panose="02020603050405020304" pitchFamily="18" charset="0"/>
-                <a:cs typeface="Times New Roman" panose="02020603050405020304" pitchFamily="18" charset="0"/>
-              </a:endParaRPr>
-            </a:p>
-          </p:txBody>
-        </p:sp>
-        <p:sp>
-          <p:nvSpPr>
-            <p:cNvPr id="5" name="Rounded Rectangle 4"/>
-            <p:cNvSpPr/>
-            <p:nvPr/>
-          </p:nvSpPr>
-          <p:spPr>
-            <a:xfrm>
-              <a:off x="1884218" y="1911925"/>
-              <a:ext cx="3193474" cy="626042"/>
-            </a:xfrm>
-            <a:prstGeom prst="roundRect">
-              <a:avLst>
-                <a:gd name="adj" fmla="val 4740"/>
-              </a:avLst>
-            </a:prstGeom>
-          </p:spPr>
-          <p:style>
-            <a:lnRef idx="2">
-              <a:schemeClr val="accent1"/>
-            </a:lnRef>
-            <a:fillRef idx="1">
-              <a:schemeClr val="lt1"/>
-            </a:fillRef>
-            <a:effectRef idx="0">
-              <a:schemeClr val="accent1"/>
-            </a:effectRef>
-            <a:fontRef idx="minor">
-              <a:schemeClr val="dk1"/>
-            </a:fontRef>
-          </p:style>
-          <p:txBody>
-            <a:bodyPr rtlCol="0" anchor="t"/>
-            <a:lstStyle/>
-            <a:p>
-              <a:r>
-                <a:rPr lang="en-US" sz="1000" b="1" dirty="0" smtClean="0">
-                  <a:latin typeface="Times New Roman" panose="02020603050405020304" pitchFamily="18" charset="0"/>
-                  <a:cs typeface="Times New Roman" panose="02020603050405020304" pitchFamily="18" charset="0"/>
-                </a:rPr>
-                <a:t>Core</a:t>
-              </a:r>
-              <a:endParaRPr lang="en-US" sz="1000" b="1" dirty="0">
-                <a:latin typeface="Times New Roman" panose="02020603050405020304" pitchFamily="18" charset="0"/>
-                <a:cs typeface="Times New Roman" panose="02020603050405020304" pitchFamily="18" charset="0"/>
-              </a:endParaRPr>
-            </a:p>
-          </p:txBody>
-        </p:sp>
         <p:sp>
           <p:nvSpPr>
             <p:cNvPr id="6" name="Rounded Rectangle 5"/>
@@ -15791,8 +15680,8 @@
           </p:nvSpPr>
           <p:spPr>
             <a:xfrm>
-              <a:off x="2175163" y="831271"/>
-              <a:ext cx="914400" cy="401782"/>
+              <a:off x="1308325" y="705147"/>
+              <a:ext cx="1044067" cy="401782"/>
             </a:xfrm>
             <a:prstGeom prst="roundRect">
               <a:avLst/>
@@ -15839,8 +15728,8 @@
           </p:nvSpPr>
           <p:spPr>
             <a:xfrm>
-              <a:off x="3269672" y="176643"/>
-              <a:ext cx="914400" cy="401782"/>
+              <a:off x="2558041" y="50519"/>
+              <a:ext cx="1044067" cy="401782"/>
             </a:xfrm>
             <a:prstGeom prst="roundRect">
               <a:avLst/>
@@ -15887,8 +15776,8 @@
           </p:nvSpPr>
           <p:spPr>
             <a:xfrm>
-              <a:off x="3269672" y="831271"/>
-              <a:ext cx="914400" cy="401782"/>
+              <a:off x="2558041" y="705147"/>
+              <a:ext cx="1044067" cy="401782"/>
             </a:xfrm>
             <a:prstGeom prst="roundRect">
               <a:avLst/>
@@ -15937,7 +15826,7 @@
           </p:nvCxnSpPr>
           <p:spPr>
             <a:xfrm>
-              <a:off x="2632363" y="1233053"/>
+              <a:off x="1830359" y="1106929"/>
               <a:ext cx="0" cy="256309"/>
             </a:xfrm>
             <a:prstGeom prst="straightConnector1">
@@ -15974,7 +15863,7 @@
           </p:nvCxnSpPr>
           <p:spPr>
             <a:xfrm>
-              <a:off x="3726872" y="1233053"/>
+              <a:off x="3080075" y="1106929"/>
               <a:ext cx="0" cy="256309"/>
             </a:xfrm>
             <a:prstGeom prst="straightConnector1">
@@ -16011,7 +15900,7 @@
           </p:nvCxnSpPr>
           <p:spPr>
             <a:xfrm>
-              <a:off x="3726872" y="574962"/>
+              <a:off x="3080075" y="448838"/>
               <a:ext cx="0" cy="256309"/>
             </a:xfrm>
             <a:prstGeom prst="straightConnector1">
@@ -16042,14 +15931,111 @@
         </p:cxnSp>
         <p:sp>
           <p:nvSpPr>
+            <p:cNvPr id="4" name="Rounded Rectangle 3"/>
+            <p:cNvSpPr/>
+            <p:nvPr/>
+          </p:nvSpPr>
+          <p:spPr>
+            <a:xfrm>
+              <a:off x="976123" y="1370165"/>
+              <a:ext cx="4415684" cy="346364"/>
+            </a:xfrm>
+            <a:prstGeom prst="roundRect">
+              <a:avLst/>
+            </a:prstGeom>
+          </p:spPr>
+          <p:style>
+            <a:lnRef idx="2">
+              <a:schemeClr val="accent1"/>
+            </a:lnRef>
+            <a:fillRef idx="1">
+              <a:schemeClr val="lt1"/>
+            </a:fillRef>
+            <a:effectRef idx="0">
+              <a:schemeClr val="accent1"/>
+            </a:effectRef>
+            <a:fontRef idx="minor">
+              <a:schemeClr val="dk1"/>
+            </a:fontRef>
+          </p:style>
+          <p:txBody>
+            <a:bodyPr rtlCol="0" anchor="ctr"/>
+            <a:lstStyle/>
+            <a:p>
+              <a:pPr algn="ctr"/>
+              <a:r>
+                <a:rPr lang="en-US" sz="1000" b="1" dirty="0" smtClean="0">
+                  <a:latin typeface="Times New Roman" panose="02020603050405020304" pitchFamily="18" charset="0"/>
+                  <a:cs typeface="Times New Roman" panose="02020603050405020304" pitchFamily="18" charset="0"/>
+                </a:rPr>
+                <a:t>API</a:t>
+              </a:r>
+              <a:endParaRPr lang="en-US" sz="1000" b="1" dirty="0">
+                <a:latin typeface="Times New Roman" panose="02020603050405020304" pitchFamily="18" charset="0"/>
+                <a:cs typeface="Times New Roman" panose="02020603050405020304" pitchFamily="18" charset="0"/>
+              </a:endParaRPr>
+            </a:p>
+          </p:txBody>
+        </p:sp>
+        <p:sp>
+          <p:nvSpPr>
+            <p:cNvPr id="5" name="Rounded Rectangle 4"/>
+            <p:cNvSpPr/>
+            <p:nvPr/>
+          </p:nvSpPr>
+          <p:spPr>
+            <a:xfrm>
+              <a:off x="976123" y="1785801"/>
+              <a:ext cx="4415684" cy="615676"/>
+            </a:xfrm>
+            <a:prstGeom prst="roundRect">
+              <a:avLst>
+                <a:gd name="adj" fmla="val 4740"/>
+              </a:avLst>
+            </a:prstGeom>
+          </p:spPr>
+          <p:style>
+            <a:lnRef idx="2">
+              <a:schemeClr val="accent1"/>
+            </a:lnRef>
+            <a:fillRef idx="1">
+              <a:schemeClr val="lt1"/>
+            </a:fillRef>
+            <a:effectRef idx="0">
+              <a:schemeClr val="accent1"/>
+            </a:effectRef>
+            <a:fontRef idx="minor">
+              <a:schemeClr val="dk1"/>
+            </a:fontRef>
+          </p:style>
+          <p:txBody>
+            <a:bodyPr rtlCol="0" anchor="t"/>
+            <a:lstStyle/>
+            <a:p>
+              <a:r>
+                <a:rPr lang="en-US" sz="1000" b="1" dirty="0" smtClean="0">
+                  <a:latin typeface="Times New Roman" panose="02020603050405020304" pitchFamily="18" charset="0"/>
+                  <a:cs typeface="Times New Roman" panose="02020603050405020304" pitchFamily="18" charset="0"/>
+                </a:rPr>
+                <a:t>Core</a:t>
+              </a:r>
+              <a:endParaRPr lang="en-US" sz="1000" b="1" dirty="0">
+                <a:latin typeface="Times New Roman" panose="02020603050405020304" pitchFamily="18" charset="0"/>
+                <a:cs typeface="Times New Roman" panose="02020603050405020304" pitchFamily="18" charset="0"/>
+              </a:endParaRPr>
+            </a:p>
+          </p:txBody>
+        </p:sp>
+        <p:sp>
+          <p:nvSpPr>
             <p:cNvPr id="16" name="Rounded Rectangle 15"/>
             <p:cNvSpPr/>
             <p:nvPr/>
           </p:nvSpPr>
           <p:spPr>
             <a:xfrm>
-              <a:off x="1884218" y="2590784"/>
-              <a:ext cx="3193474" cy="1087598"/>
+              <a:off x="976123" y="2464659"/>
+              <a:ext cx="4415684" cy="1205553"/>
             </a:xfrm>
             <a:prstGeom prst="roundRect">
               <a:avLst>
@@ -16097,8 +16083,8 @@
           </p:nvSpPr>
           <p:spPr>
             <a:xfrm>
-              <a:off x="1999934" y="2920281"/>
-              <a:ext cx="2980775" cy="263237"/>
+              <a:off x="1136127" y="2794157"/>
+              <a:ext cx="4121579" cy="263237"/>
             </a:xfrm>
             <a:prstGeom prst="rect">
               <a:avLst/>
@@ -16145,27 +16131,25 @@
           </p:nvSpPr>
           <p:spPr>
             <a:xfrm>
-              <a:off x="2101797" y="3878837"/>
-              <a:ext cx="710675" cy="519545"/>
+              <a:off x="1136127" y="3954512"/>
+              <a:ext cx="982665" cy="519545"/>
             </a:xfrm>
             <a:prstGeom prst="flowChartMagneticDisk">
               <a:avLst/>
             </a:prstGeom>
           </p:spPr>
           <p:style>
-            <a:lnRef idx="2">
-              <a:schemeClr val="accent1">
-                <a:shade val="50000"/>
-              </a:schemeClr>
+            <a:lnRef idx="1">
+              <a:schemeClr val="accent1"/>
             </a:lnRef>
-            <a:fillRef idx="1">
+            <a:fillRef idx="2">
               <a:schemeClr val="accent1"/>
             </a:fillRef>
-            <a:effectRef idx="0">
+            <a:effectRef idx="1">
               <a:schemeClr val="accent1"/>
             </a:effectRef>
             <a:fontRef idx="minor">
-              <a:schemeClr val="lt1"/>
+              <a:schemeClr val="dk1"/>
             </a:fontRef>
           </p:style>
           <p:txBody>
@@ -16174,11 +16158,11 @@
             <a:p>
               <a:pPr algn="ctr"/>
               <a:r>
-                <a:rPr lang="en-US" sz="1000" dirty="0" smtClean="0">
+                <a:rPr lang="en-US" sz="1000" dirty="0" err="1" smtClean="0">
                   <a:latin typeface="Times New Roman" panose="02020603050405020304" pitchFamily="18" charset="0"/>
                   <a:cs typeface="Times New Roman" panose="02020603050405020304" pitchFamily="18" charset="0"/>
                 </a:rPr>
-                <a:t>KV Store</a:t>
+                <a:t>ZooKeeper</a:t>
               </a:r>
               <a:endParaRPr lang="en-US" sz="1000" dirty="0">
                 <a:latin typeface="Times New Roman" panose="02020603050405020304" pitchFamily="18" charset="0"/>
@@ -16195,27 +16179,25 @@
           </p:nvSpPr>
           <p:spPr>
             <a:xfrm>
-              <a:off x="3161932" y="3878837"/>
-              <a:ext cx="710675" cy="519545"/>
+              <a:off x="3372232" y="3954512"/>
+              <a:ext cx="982665" cy="519545"/>
             </a:xfrm>
             <a:prstGeom prst="flowChartMagneticDisk">
               <a:avLst/>
             </a:prstGeom>
           </p:spPr>
           <p:style>
-            <a:lnRef idx="2">
-              <a:schemeClr val="accent1">
-                <a:shade val="50000"/>
-              </a:schemeClr>
+            <a:lnRef idx="1">
+              <a:schemeClr val="accent1"/>
             </a:lnRef>
-            <a:fillRef idx="1">
+            <a:fillRef idx="2">
               <a:schemeClr val="accent1"/>
             </a:fillRef>
-            <a:effectRef idx="0">
+            <a:effectRef idx="1">
               <a:schemeClr val="accent1"/>
             </a:effectRef>
             <a:fontRef idx="minor">
-              <a:schemeClr val="lt1"/>
+              <a:schemeClr val="dk1"/>
             </a:fontRef>
           </p:style>
           <p:txBody>
@@ -16245,27 +16227,25 @@
           </p:nvSpPr>
           <p:spPr>
             <a:xfrm>
-              <a:off x="4222067" y="3878837"/>
-              <a:ext cx="710675" cy="519545"/>
+              <a:off x="4409142" y="3954512"/>
+              <a:ext cx="982665" cy="519545"/>
             </a:xfrm>
             <a:prstGeom prst="flowChartMagneticDisk">
               <a:avLst/>
             </a:prstGeom>
           </p:spPr>
           <p:style>
-            <a:lnRef idx="2">
-              <a:schemeClr val="accent1">
-                <a:shade val="50000"/>
-              </a:schemeClr>
+            <a:lnRef idx="1">
+              <a:schemeClr val="accent1"/>
             </a:lnRef>
-            <a:fillRef idx="1">
+            <a:fillRef idx="2">
               <a:schemeClr val="accent1"/>
             </a:fillRef>
-            <a:effectRef idx="0">
+            <a:effectRef idx="1">
               <a:schemeClr val="accent1"/>
             </a:effectRef>
             <a:fontRef idx="minor">
-              <a:schemeClr val="lt1"/>
+              <a:schemeClr val="dk1"/>
             </a:fontRef>
           </p:style>
           <p:txBody>
@@ -16295,8 +16275,8 @@
           </p:nvSpPr>
           <p:spPr>
             <a:xfrm>
-              <a:off x="1999934" y="3277897"/>
-              <a:ext cx="914400" cy="263237"/>
+              <a:off x="1136127" y="3149607"/>
+              <a:ext cx="675077" cy="438625"/>
             </a:xfrm>
             <a:prstGeom prst="rect">
               <a:avLst/>
@@ -16343,8 +16323,8 @@
           </p:nvSpPr>
           <p:spPr>
             <a:xfrm>
-              <a:off x="3572635" y="3277897"/>
-              <a:ext cx="543791" cy="263237"/>
+              <a:off x="3412731" y="3149607"/>
+              <a:ext cx="515030" cy="438625"/>
             </a:xfrm>
             <a:prstGeom prst="rect">
               <a:avLst/>
@@ -16391,8 +16371,8 @@
           </p:nvSpPr>
           <p:spPr>
             <a:xfrm>
-              <a:off x="4184071" y="3277897"/>
-              <a:ext cx="796637" cy="263237"/>
+              <a:off x="4342765" y="3149607"/>
+              <a:ext cx="922013" cy="438625"/>
             </a:xfrm>
             <a:prstGeom prst="rect">
               <a:avLst/>
@@ -16422,7 +16402,7 @@
                   <a:latin typeface="Times New Roman" panose="02020603050405020304" pitchFamily="18" charset="0"/>
                   <a:cs typeface="Times New Roman" panose="02020603050405020304" pitchFamily="18" charset="0"/>
                 </a:rPr>
-                <a:t>blocks</a:t>
+                <a:t>Data blocks</a:t>
               </a:r>
               <a:endParaRPr lang="en-US" sz="1000" dirty="0">
                 <a:latin typeface="Times New Roman" panose="02020603050405020304" pitchFamily="18" charset="0"/>
@@ -16439,8 +16419,8 @@
           </p:nvSpPr>
           <p:spPr>
             <a:xfrm>
-              <a:off x="2981980" y="3273564"/>
-              <a:ext cx="523009" cy="263237"/>
+              <a:off x="1867989" y="3149607"/>
+              <a:ext cx="723175" cy="438625"/>
             </a:xfrm>
             <a:prstGeom prst="rect">
               <a:avLst/>
@@ -16470,7 +16450,14 @@
                   <a:latin typeface="Times New Roman" panose="02020603050405020304" pitchFamily="18" charset="0"/>
                   <a:cs typeface="Times New Roman" panose="02020603050405020304" pitchFamily="18" charset="0"/>
                 </a:rPr>
-                <a:t>ibmap</a:t>
+                <a:t>Ibmap</a:t>
+              </a:r>
+              <a:r>
+                <a:rPr lang="en-US" sz="1000" dirty="0" smtClean="0">
+                  <a:latin typeface="Times New Roman" panose="02020603050405020304" pitchFamily="18" charset="0"/>
+                  <a:cs typeface="Times New Roman" panose="02020603050405020304" pitchFamily="18" charset="0"/>
+                </a:rPr>
+                <a:t> blocks</a:t>
               </a:r>
               <a:endParaRPr lang="en-US" sz="1000" dirty="0">
                 <a:latin typeface="Times New Roman" panose="02020603050405020304" pitchFamily="18" charset="0"/>
@@ -16487,8 +16474,8 @@
           </p:nvSpPr>
           <p:spPr>
             <a:xfrm>
-              <a:off x="1999935" y="2161298"/>
-              <a:ext cx="2980774" cy="263237"/>
+              <a:off x="1136127" y="2016124"/>
+              <a:ext cx="4121579" cy="263237"/>
             </a:xfrm>
             <a:prstGeom prst="rect">
               <a:avLst/>
@@ -16518,7 +16505,7 @@
                   <a:latin typeface="Times New Roman" panose="02020603050405020304" pitchFamily="18" charset="0"/>
                   <a:cs typeface="Times New Roman" panose="02020603050405020304" pitchFamily="18" charset="0"/>
                 </a:rPr>
-                <a:t>Driver</a:t>
+                <a:t>Driver, File Handles</a:t>
               </a:r>
               <a:endParaRPr lang="en-US" sz="1000" dirty="0">
                 <a:latin typeface="Times New Roman" panose="02020603050405020304" pitchFamily="18" charset="0"/>
@@ -16538,8 +16525,8 @@
           </p:nvCxnSpPr>
           <p:spPr>
             <a:xfrm flipH="1" flipV="1">
-              <a:off x="2457134" y="3541134"/>
-              <a:ext cx="1" cy="337703"/>
+              <a:off x="1473666" y="3588232"/>
+              <a:ext cx="153794" cy="366280"/>
             </a:xfrm>
             <a:prstGeom prst="line">
               <a:avLst/>
@@ -16573,55 +16560,14 @@
             <p:cNvPr id="30" name="Straight Connector 29"/>
             <p:cNvCxnSpPr>
               <a:stCxn id="19" idx="2"/>
-              <a:endCxn id="22" idx="1"/>
+              <a:endCxn id="21" idx="1"/>
             </p:cNvCxnSpPr>
             <p:nvPr/>
           </p:nvCxnSpPr>
           <p:spPr>
-            <a:xfrm>
-              <a:off x="3243485" y="3536801"/>
-              <a:ext cx="273785" cy="342036"/>
-            </a:xfrm>
-            <a:prstGeom prst="line">
-              <a:avLst/>
-            </a:prstGeom>
-            <a:ln w="9525">
-              <a:solidFill>
-                <a:schemeClr val="tx1"/>
-              </a:solidFill>
-              <a:prstDash val="dash"/>
-              <a:headEnd type="triangle" w="med" len="med"/>
-              <a:tailEnd type="triangle" w="med" len="med"/>
-            </a:ln>
-          </p:spPr>
-          <p:style>
-            <a:lnRef idx="1">
-              <a:schemeClr val="accent1"/>
-            </a:lnRef>
-            <a:fillRef idx="0">
-              <a:schemeClr val="accent1"/>
-            </a:fillRef>
-            <a:effectRef idx="0">
-              <a:schemeClr val="accent1"/>
-            </a:effectRef>
-            <a:fontRef idx="minor">
-              <a:schemeClr val="tx1"/>
-            </a:fontRef>
-          </p:style>
-        </p:cxnSp>
-        <p:cxnSp>
-          <p:nvCxnSpPr>
-            <p:cNvPr id="32" name="Straight Connector 31"/>
-            <p:cNvCxnSpPr>
-              <a:stCxn id="19" idx="2"/>
-              <a:endCxn id="23" idx="1"/>
-            </p:cNvCxnSpPr>
-            <p:nvPr/>
-          </p:nvCxnSpPr>
-          <p:spPr>
-            <a:xfrm>
-              <a:off x="3243485" y="3536801"/>
-              <a:ext cx="1333920" cy="342036"/>
+            <a:xfrm flipH="1">
+              <a:off x="1627460" y="3588232"/>
+              <a:ext cx="602117" cy="366280"/>
             </a:xfrm>
             <a:prstGeom prst="line">
               <a:avLst/>
@@ -16655,55 +16601,14 @@
             <p:cNvPr id="34" name="Straight Connector 33"/>
             <p:cNvCxnSpPr>
               <a:stCxn id="17" idx="2"/>
-              <a:endCxn id="22" idx="1"/>
+              <a:endCxn id="21" idx="1"/>
             </p:cNvCxnSpPr>
             <p:nvPr/>
           </p:nvCxnSpPr>
           <p:spPr>
             <a:xfrm flipH="1">
-              <a:off x="3517270" y="3541134"/>
-              <a:ext cx="327261" cy="337703"/>
-            </a:xfrm>
-            <a:prstGeom prst="line">
-              <a:avLst/>
-            </a:prstGeom>
-            <a:ln w="9525">
-              <a:solidFill>
-                <a:schemeClr val="tx1"/>
-              </a:solidFill>
-              <a:prstDash val="dash"/>
-              <a:headEnd type="triangle" w="med" len="med"/>
-              <a:tailEnd type="triangle" w="med" len="med"/>
-            </a:ln>
-          </p:spPr>
-          <p:style>
-            <a:lnRef idx="1">
-              <a:schemeClr val="accent1"/>
-            </a:lnRef>
-            <a:fillRef idx="0">
-              <a:schemeClr val="accent1"/>
-            </a:fillRef>
-            <a:effectRef idx="0">
-              <a:schemeClr val="accent1"/>
-            </a:effectRef>
-            <a:fontRef idx="minor">
-              <a:schemeClr val="tx1"/>
-            </a:fontRef>
-          </p:style>
-        </p:cxnSp>
-        <p:cxnSp>
-          <p:nvCxnSpPr>
-            <p:cNvPr id="36" name="Straight Connector 35"/>
-            <p:cNvCxnSpPr>
-              <a:stCxn id="17" idx="2"/>
-              <a:endCxn id="23" idx="1"/>
-            </p:cNvCxnSpPr>
-            <p:nvPr/>
-          </p:nvCxnSpPr>
-          <p:spPr>
-            <a:xfrm>
-              <a:off x="3844531" y="3541134"/>
-              <a:ext cx="732874" cy="337703"/>
+              <a:off x="1627460" y="3588232"/>
+              <a:ext cx="2042786" cy="366280"/>
             </a:xfrm>
             <a:prstGeom prst="line">
               <a:avLst/>
@@ -16743,8 +16648,8 @@
           </p:nvCxnSpPr>
           <p:spPr>
             <a:xfrm flipH="1">
-              <a:off x="3517270" y="3541134"/>
-              <a:ext cx="1065120" cy="337703"/>
+              <a:off x="3863565" y="3588232"/>
+              <a:ext cx="940207" cy="366280"/>
             </a:xfrm>
             <a:prstGeom prst="line">
               <a:avLst/>
@@ -16783,9 +16688,9 @@
             <p:nvPr/>
           </p:nvCxnSpPr>
           <p:spPr>
-            <a:xfrm flipH="1">
-              <a:off x="4577405" y="3541134"/>
-              <a:ext cx="4985" cy="337703"/>
+            <a:xfrm>
+              <a:off x="4803772" y="3588232"/>
+              <a:ext cx="96703" cy="366280"/>
             </a:xfrm>
             <a:prstGeom prst="line">
               <a:avLst/>
@@ -16825,8 +16730,104 @@
           </p:nvCxnSpPr>
           <p:spPr>
             <a:xfrm>
-              <a:off x="3490322" y="2424535"/>
-              <a:ext cx="0" cy="495746"/>
+              <a:off x="3196917" y="2279361"/>
+              <a:ext cx="0" cy="514796"/>
+            </a:xfrm>
+            <a:prstGeom prst="straightConnector1">
+              <a:avLst/>
+            </a:prstGeom>
+            <a:ln w="9525">
+              <a:solidFill>
+                <a:schemeClr val="tx1"/>
+              </a:solidFill>
+              <a:prstDash val="dash"/>
+              <a:headEnd type="triangle" w="med" len="med"/>
+              <a:tailEnd type="triangle" w="med" len="med"/>
+            </a:ln>
+          </p:spPr>
+          <p:style>
+            <a:lnRef idx="1">
+              <a:schemeClr val="accent1"/>
+            </a:lnRef>
+            <a:fillRef idx="0">
+              <a:schemeClr val="accent1"/>
+            </a:fillRef>
+            <a:effectRef idx="0">
+              <a:schemeClr val="accent1"/>
+            </a:effectRef>
+            <a:fontRef idx="minor">
+              <a:schemeClr val="tx1"/>
+            </a:fontRef>
+          </p:style>
+        </p:cxnSp>
+        <p:sp>
+          <p:nvSpPr>
+            <p:cNvPr id="43" name="Rectangle 42"/>
+            <p:cNvSpPr/>
+            <p:nvPr/>
+          </p:nvSpPr>
+          <p:spPr>
+            <a:xfrm>
+              <a:off x="2636925" y="3149607"/>
+              <a:ext cx="723175" cy="438625"/>
+            </a:xfrm>
+            <a:prstGeom prst="rect">
+              <a:avLst/>
+            </a:prstGeom>
+          </p:spPr>
+          <p:style>
+            <a:lnRef idx="2">
+              <a:schemeClr val="accent2"/>
+            </a:lnRef>
+            <a:fillRef idx="1">
+              <a:schemeClr val="lt1"/>
+            </a:fillRef>
+            <a:effectRef idx="0">
+              <a:schemeClr val="accent2"/>
+            </a:effectRef>
+            <a:fontRef idx="minor">
+              <a:schemeClr val="dk1"/>
+            </a:fontRef>
+          </p:style>
+          <p:txBody>
+            <a:bodyPr rtlCol="0" anchor="ctr"/>
+            <a:lstStyle/>
+            <a:p>
+              <a:pPr algn="ctr"/>
+              <a:r>
+                <a:rPr lang="en-US" sz="1000" dirty="0" err="1" smtClean="0">
+                  <a:latin typeface="Times New Roman" panose="02020603050405020304" pitchFamily="18" charset="0"/>
+                  <a:cs typeface="Times New Roman" panose="02020603050405020304" pitchFamily="18" charset="0"/>
+                </a:rPr>
+                <a:t>Inode</a:t>
+              </a:r>
+              <a:r>
+                <a:rPr lang="en-US" sz="1000" dirty="0" smtClean="0">
+                  <a:latin typeface="Times New Roman" panose="02020603050405020304" pitchFamily="18" charset="0"/>
+                  <a:cs typeface="Times New Roman" panose="02020603050405020304" pitchFamily="18" charset="0"/>
+                </a:rPr>
+                <a:t> blocks</a:t>
+              </a:r>
+              <a:endParaRPr lang="en-US" sz="1000" dirty="0">
+                <a:latin typeface="Times New Roman" panose="02020603050405020304" pitchFamily="18" charset="0"/>
+                <a:cs typeface="Times New Roman" panose="02020603050405020304" pitchFamily="18" charset="0"/>
+              </a:endParaRPr>
+            </a:p>
+          </p:txBody>
+        </p:sp>
+        <p:cxnSp>
+          <p:nvCxnSpPr>
+            <p:cNvPr id="92" name="Straight Arrow Connector 91"/>
+            <p:cNvCxnSpPr>
+              <a:stCxn id="43" idx="2"/>
+              <a:endCxn id="21" idx="1"/>
+            </p:cNvCxnSpPr>
+            <p:nvPr/>
+          </p:nvCxnSpPr>
+          <p:spPr>
+            <a:xfrm flipH="1">
+              <a:off x="1627460" y="3588232"/>
+              <a:ext cx="1371053" cy="366280"/>
             </a:xfrm>
             <a:prstGeom prst="straightConnector1">
               <a:avLst/>

--- a/docs/design/figures/fs-design.pptx
+++ b/docs/design/figures/fs-design.pptx
@@ -248,7 +248,7 @@
           <a:p>
             <a:fld id="{305C3DB1-8177-46AD-AF81-2EEE95D844A8}" type="datetimeFigureOut">
               <a:rPr lang="en-US" smtClean="0"/>
-              <a:t>3/9/2017</a:t>
+              <a:t>3/10/2017</a:t>
             </a:fld>
             <a:endParaRPr lang="en-US"/>
           </a:p>
@@ -418,7 +418,7 @@
           <a:p>
             <a:fld id="{305C3DB1-8177-46AD-AF81-2EEE95D844A8}" type="datetimeFigureOut">
               <a:rPr lang="en-US" smtClean="0"/>
-              <a:t>3/9/2017</a:t>
+              <a:t>3/10/2017</a:t>
             </a:fld>
             <a:endParaRPr lang="en-US"/>
           </a:p>
@@ -598,7 +598,7 @@
           <a:p>
             <a:fld id="{305C3DB1-8177-46AD-AF81-2EEE95D844A8}" type="datetimeFigureOut">
               <a:rPr lang="en-US" smtClean="0"/>
-              <a:t>3/9/2017</a:t>
+              <a:t>3/10/2017</a:t>
             </a:fld>
             <a:endParaRPr lang="en-US"/>
           </a:p>
@@ -768,7 +768,7 @@
           <a:p>
             <a:fld id="{305C3DB1-8177-46AD-AF81-2EEE95D844A8}" type="datetimeFigureOut">
               <a:rPr lang="en-US" smtClean="0"/>
-              <a:t>3/9/2017</a:t>
+              <a:t>3/10/2017</a:t>
             </a:fld>
             <a:endParaRPr lang="en-US"/>
           </a:p>
@@ -1012,7 +1012,7 @@
           <a:p>
             <a:fld id="{305C3DB1-8177-46AD-AF81-2EEE95D844A8}" type="datetimeFigureOut">
               <a:rPr lang="en-US" smtClean="0"/>
-              <a:t>3/9/2017</a:t>
+              <a:t>3/10/2017</a:t>
             </a:fld>
             <a:endParaRPr lang="en-US"/>
           </a:p>
@@ -1244,7 +1244,7 @@
           <a:p>
             <a:fld id="{305C3DB1-8177-46AD-AF81-2EEE95D844A8}" type="datetimeFigureOut">
               <a:rPr lang="en-US" smtClean="0"/>
-              <a:t>3/9/2017</a:t>
+              <a:t>3/10/2017</a:t>
             </a:fld>
             <a:endParaRPr lang="en-US"/>
           </a:p>
@@ -1611,7 +1611,7 @@
           <a:p>
             <a:fld id="{305C3DB1-8177-46AD-AF81-2EEE95D844A8}" type="datetimeFigureOut">
               <a:rPr lang="en-US" smtClean="0"/>
-              <a:t>3/9/2017</a:t>
+              <a:t>3/10/2017</a:t>
             </a:fld>
             <a:endParaRPr lang="en-US"/>
           </a:p>
@@ -1729,7 +1729,7 @@
           <a:p>
             <a:fld id="{305C3DB1-8177-46AD-AF81-2EEE95D844A8}" type="datetimeFigureOut">
               <a:rPr lang="en-US" smtClean="0"/>
-              <a:t>3/9/2017</a:t>
+              <a:t>3/10/2017</a:t>
             </a:fld>
             <a:endParaRPr lang="en-US"/>
           </a:p>
@@ -1824,7 +1824,7 @@
           <a:p>
             <a:fld id="{305C3DB1-8177-46AD-AF81-2EEE95D844A8}" type="datetimeFigureOut">
               <a:rPr lang="en-US" smtClean="0"/>
-              <a:t>3/9/2017</a:t>
+              <a:t>3/10/2017</a:t>
             </a:fld>
             <a:endParaRPr lang="en-US"/>
           </a:p>
@@ -2101,7 +2101,7 @@
           <a:p>
             <a:fld id="{305C3DB1-8177-46AD-AF81-2EEE95D844A8}" type="datetimeFigureOut">
               <a:rPr lang="en-US" smtClean="0"/>
-              <a:t>3/9/2017</a:t>
+              <a:t>3/10/2017</a:t>
             </a:fld>
             <a:endParaRPr lang="en-US"/>
           </a:p>
@@ -2358,7 +2358,7 @@
           <a:p>
             <a:fld id="{305C3DB1-8177-46AD-AF81-2EEE95D844A8}" type="datetimeFigureOut">
               <a:rPr lang="en-US" smtClean="0"/>
-              <a:t>3/9/2017</a:t>
+              <a:t>3/10/2017</a:t>
             </a:fld>
             <a:endParaRPr lang="en-US"/>
           </a:p>
@@ -2571,7 +2571,7 @@
           <a:p>
             <a:fld id="{305C3DB1-8177-46AD-AF81-2EEE95D844A8}" type="datetimeFigureOut">
               <a:rPr lang="en-US" smtClean="0"/>
-              <a:t>3/9/2017</a:t>
+              <a:t>3/10/2017</a:t>
             </a:fld>
             <a:endParaRPr lang="en-US"/>
           </a:p>
@@ -15658,1205 +15658,1442 @@
           <a:chExt cx="0" cy="0"/>
         </a:xfrm>
       </p:grpSpPr>
-      <p:grpSp>
-        <p:nvGrpSpPr>
-          <p:cNvPr id="104" name="Group 103"/>
-          <p:cNvGrpSpPr/>
+      <p:sp>
+        <p:nvSpPr>
+          <p:cNvPr id="6" name="Rounded Rectangle 5"/>
+          <p:cNvSpPr/>
           <p:nvPr/>
-        </p:nvGrpSpPr>
-        <p:grpSpPr>
+        </p:nvSpPr>
+        <p:spPr>
           <a:xfrm>
-            <a:off x="976123" y="50519"/>
-            <a:ext cx="4415684" cy="4423538"/>
-            <a:chOff x="976123" y="50519"/>
-            <a:chExt cx="4415684" cy="4423538"/>
+            <a:off x="2048982" y="705147"/>
+            <a:ext cx="1044067" cy="401782"/>
           </a:xfrm>
-        </p:grpSpPr>
-        <p:sp>
-          <p:nvSpPr>
-            <p:cNvPr id="6" name="Rounded Rectangle 5"/>
-            <p:cNvSpPr/>
-            <p:nvPr/>
-          </p:nvSpPr>
-          <p:spPr>
-            <a:xfrm>
-              <a:off x="1308325" y="705147"/>
-              <a:ext cx="1044067" cy="401782"/>
-            </a:xfrm>
-            <a:prstGeom prst="roundRect">
-              <a:avLst/>
-            </a:prstGeom>
-          </p:spPr>
-          <p:style>
-            <a:lnRef idx="2">
-              <a:schemeClr val="accent1"/>
-            </a:lnRef>
-            <a:fillRef idx="1">
-              <a:schemeClr val="lt1"/>
-            </a:fillRef>
-            <a:effectRef idx="0">
-              <a:schemeClr val="accent1"/>
-            </a:effectRef>
-            <a:fontRef idx="minor">
-              <a:schemeClr val="dk1"/>
-            </a:fontRef>
-          </p:style>
-          <p:txBody>
-            <a:bodyPr rtlCol="0" anchor="ctr"/>
-            <a:lstStyle/>
-            <a:p>
-              <a:pPr algn="ctr"/>
-              <a:r>
-                <a:rPr lang="en-US" sz="1000" dirty="0" smtClean="0">
-                  <a:latin typeface="Times New Roman" panose="02020603050405020304" pitchFamily="18" charset="0"/>
-                  <a:cs typeface="Times New Roman" panose="02020603050405020304" pitchFamily="18" charset="0"/>
-                </a:rPr>
-                <a:t>Client Program</a:t>
-              </a:r>
-              <a:endParaRPr lang="en-US" sz="1000" dirty="0">
+          <a:prstGeom prst="roundRect">
+            <a:avLst/>
+          </a:prstGeom>
+        </p:spPr>
+        <p:style>
+          <a:lnRef idx="2">
+            <a:schemeClr val="accent1"/>
+          </a:lnRef>
+          <a:fillRef idx="1">
+            <a:schemeClr val="lt1"/>
+          </a:fillRef>
+          <a:effectRef idx="0">
+            <a:schemeClr val="accent1"/>
+          </a:effectRef>
+          <a:fontRef idx="minor">
+            <a:schemeClr val="dk1"/>
+          </a:fontRef>
+        </p:style>
+        <p:txBody>
+          <a:bodyPr rtlCol="0" anchor="ctr"/>
+          <a:lstStyle/>
+          <a:p>
+            <a:pPr algn="ctr"/>
+            <a:r>
+              <a:rPr lang="en-US" sz="1000" dirty="0" smtClean="0">
                 <a:latin typeface="Times New Roman" panose="02020603050405020304" pitchFamily="18" charset="0"/>
                 <a:cs typeface="Times New Roman" panose="02020603050405020304" pitchFamily="18" charset="0"/>
-              </a:endParaRPr>
-            </a:p>
-          </p:txBody>
-        </p:sp>
-        <p:sp>
-          <p:nvSpPr>
-            <p:cNvPr id="7" name="Rounded Rectangle 6"/>
-            <p:cNvSpPr/>
-            <p:nvPr/>
-          </p:nvSpPr>
-          <p:spPr>
-            <a:xfrm>
-              <a:off x="2558041" y="50519"/>
-              <a:ext cx="1044067" cy="401782"/>
-            </a:xfrm>
-            <a:prstGeom prst="roundRect">
-              <a:avLst/>
-            </a:prstGeom>
-          </p:spPr>
-          <p:style>
-            <a:lnRef idx="2">
-              <a:schemeClr val="accent1"/>
-            </a:lnRef>
-            <a:fillRef idx="1">
-              <a:schemeClr val="lt1"/>
-            </a:fillRef>
-            <a:effectRef idx="0">
-              <a:schemeClr val="accent1"/>
-            </a:effectRef>
-            <a:fontRef idx="minor">
-              <a:schemeClr val="dk1"/>
-            </a:fontRef>
-          </p:style>
-          <p:txBody>
-            <a:bodyPr rtlCol="0" anchor="ctr"/>
-            <a:lstStyle/>
-            <a:p>
-              <a:pPr algn="ctr"/>
-              <a:r>
-                <a:rPr lang="en-US" sz="1000" dirty="0" smtClean="0">
-                  <a:latin typeface="Times New Roman" panose="02020603050405020304" pitchFamily="18" charset="0"/>
-                  <a:cs typeface="Times New Roman" panose="02020603050405020304" pitchFamily="18" charset="0"/>
-                </a:rPr>
-                <a:t>Client Program</a:t>
-              </a:r>
-              <a:endParaRPr lang="en-US" sz="1000" dirty="0">
+              </a:rPr>
+              <a:t>Client Program</a:t>
+            </a:r>
+            <a:endParaRPr lang="en-US" sz="1000" dirty="0">
+              <a:latin typeface="Times New Roman" panose="02020603050405020304" pitchFamily="18" charset="0"/>
+              <a:cs typeface="Times New Roman" panose="02020603050405020304" pitchFamily="18" charset="0"/>
+            </a:endParaRPr>
+          </a:p>
+        </p:txBody>
+      </p:sp>
+      <p:sp>
+        <p:nvSpPr>
+          <p:cNvPr id="7" name="Rounded Rectangle 6"/>
+          <p:cNvSpPr/>
+          <p:nvPr/>
+        </p:nvSpPr>
+        <p:spPr>
+          <a:xfrm>
+            <a:off x="3298698" y="50519"/>
+            <a:ext cx="1044067" cy="401782"/>
+          </a:xfrm>
+          <a:prstGeom prst="roundRect">
+            <a:avLst/>
+          </a:prstGeom>
+        </p:spPr>
+        <p:style>
+          <a:lnRef idx="2">
+            <a:schemeClr val="accent1"/>
+          </a:lnRef>
+          <a:fillRef idx="1">
+            <a:schemeClr val="lt1"/>
+          </a:fillRef>
+          <a:effectRef idx="0">
+            <a:schemeClr val="accent1"/>
+          </a:effectRef>
+          <a:fontRef idx="minor">
+            <a:schemeClr val="dk1"/>
+          </a:fontRef>
+        </p:style>
+        <p:txBody>
+          <a:bodyPr rtlCol="0" anchor="ctr"/>
+          <a:lstStyle/>
+          <a:p>
+            <a:pPr algn="ctr"/>
+            <a:r>
+              <a:rPr lang="en-US" sz="1000" dirty="0" smtClean="0">
                 <a:latin typeface="Times New Roman" panose="02020603050405020304" pitchFamily="18" charset="0"/>
                 <a:cs typeface="Times New Roman" panose="02020603050405020304" pitchFamily="18" charset="0"/>
-              </a:endParaRPr>
-            </a:p>
-          </p:txBody>
-        </p:sp>
-        <p:sp>
-          <p:nvSpPr>
-            <p:cNvPr id="8" name="Rounded Rectangle 7"/>
-            <p:cNvSpPr/>
-            <p:nvPr/>
-          </p:nvSpPr>
-          <p:spPr>
-            <a:xfrm>
-              <a:off x="2558041" y="705147"/>
-              <a:ext cx="1044067" cy="401782"/>
-            </a:xfrm>
-            <a:prstGeom prst="roundRect">
-              <a:avLst/>
-            </a:prstGeom>
-          </p:spPr>
-          <p:style>
-            <a:lnRef idx="2">
-              <a:schemeClr val="accent1"/>
-            </a:lnRef>
-            <a:fillRef idx="1">
-              <a:schemeClr val="lt1"/>
-            </a:fillRef>
-            <a:effectRef idx="0">
-              <a:schemeClr val="accent1"/>
-            </a:effectRef>
-            <a:fontRef idx="minor">
-              <a:schemeClr val="dk1"/>
-            </a:fontRef>
-          </p:style>
-          <p:txBody>
-            <a:bodyPr rtlCol="0" anchor="ctr"/>
-            <a:lstStyle/>
-            <a:p>
-              <a:pPr algn="ctr"/>
-              <a:r>
-                <a:rPr lang="en-US" sz="1000" dirty="0" smtClean="0">
-                  <a:latin typeface="Times New Roman" panose="02020603050405020304" pitchFamily="18" charset="0"/>
-                  <a:cs typeface="Times New Roman" panose="02020603050405020304" pitchFamily="18" charset="0"/>
-                </a:rPr>
-                <a:t>RPC Framework</a:t>
-              </a:r>
-              <a:endParaRPr lang="en-US" sz="1000" dirty="0">
+              </a:rPr>
+              <a:t>Client Program</a:t>
+            </a:r>
+            <a:endParaRPr lang="en-US" sz="1000" dirty="0">
+              <a:latin typeface="Times New Roman" panose="02020603050405020304" pitchFamily="18" charset="0"/>
+              <a:cs typeface="Times New Roman" panose="02020603050405020304" pitchFamily="18" charset="0"/>
+            </a:endParaRPr>
+          </a:p>
+        </p:txBody>
+      </p:sp>
+      <p:sp>
+        <p:nvSpPr>
+          <p:cNvPr id="8" name="Rounded Rectangle 7"/>
+          <p:cNvSpPr/>
+          <p:nvPr/>
+        </p:nvSpPr>
+        <p:spPr>
+          <a:xfrm>
+            <a:off x="3298698" y="705147"/>
+            <a:ext cx="1044067" cy="401782"/>
+          </a:xfrm>
+          <a:prstGeom prst="roundRect">
+            <a:avLst/>
+          </a:prstGeom>
+        </p:spPr>
+        <p:style>
+          <a:lnRef idx="2">
+            <a:schemeClr val="accent1"/>
+          </a:lnRef>
+          <a:fillRef idx="1">
+            <a:schemeClr val="lt1"/>
+          </a:fillRef>
+          <a:effectRef idx="0">
+            <a:schemeClr val="accent1"/>
+          </a:effectRef>
+          <a:fontRef idx="minor">
+            <a:schemeClr val="dk1"/>
+          </a:fontRef>
+        </p:style>
+        <p:txBody>
+          <a:bodyPr rtlCol="0" anchor="ctr"/>
+          <a:lstStyle/>
+          <a:p>
+            <a:pPr algn="ctr"/>
+            <a:r>
+              <a:rPr lang="en-US" sz="1000" dirty="0" smtClean="0">
                 <a:latin typeface="Times New Roman" panose="02020603050405020304" pitchFamily="18" charset="0"/>
                 <a:cs typeface="Times New Roman" panose="02020603050405020304" pitchFamily="18" charset="0"/>
-              </a:endParaRPr>
-            </a:p>
-          </p:txBody>
-        </p:sp>
-        <p:cxnSp>
-          <p:nvCxnSpPr>
-            <p:cNvPr id="10" name="Straight Arrow Connector 9"/>
-            <p:cNvCxnSpPr>
-              <a:stCxn id="6" idx="2"/>
-            </p:cNvCxnSpPr>
-            <p:nvPr/>
-          </p:nvCxnSpPr>
-          <p:spPr>
-            <a:xfrm>
-              <a:off x="1830359" y="1106929"/>
-              <a:ext cx="0" cy="256309"/>
-            </a:xfrm>
-            <a:prstGeom prst="straightConnector1">
-              <a:avLst/>
-            </a:prstGeom>
-            <a:ln w="12700">
-              <a:solidFill>
-                <a:schemeClr val="tx1"/>
-              </a:solidFill>
-              <a:headEnd type="triangle" w="med" len="med"/>
-              <a:tailEnd type="triangle" w="med" len="med"/>
-            </a:ln>
-          </p:spPr>
-          <p:style>
-            <a:lnRef idx="1">
-              <a:schemeClr val="accent1"/>
-            </a:lnRef>
-            <a:fillRef idx="0">
-              <a:schemeClr val="accent1"/>
-            </a:fillRef>
-            <a:effectRef idx="0">
-              <a:schemeClr val="accent1"/>
-            </a:effectRef>
-            <a:fontRef idx="minor">
+              </a:rPr>
+              <a:t>RPC Framework</a:t>
+            </a:r>
+            <a:endParaRPr lang="en-US" sz="1000" dirty="0">
+              <a:latin typeface="Times New Roman" panose="02020603050405020304" pitchFamily="18" charset="0"/>
+              <a:cs typeface="Times New Roman" panose="02020603050405020304" pitchFamily="18" charset="0"/>
+            </a:endParaRPr>
+          </a:p>
+        </p:txBody>
+      </p:sp>
+      <p:cxnSp>
+        <p:nvCxnSpPr>
+          <p:cNvPr id="10" name="Straight Arrow Connector 9"/>
+          <p:cNvCxnSpPr>
+            <a:stCxn id="6" idx="2"/>
+          </p:cNvCxnSpPr>
+          <p:nvPr/>
+        </p:nvCxnSpPr>
+        <p:spPr>
+          <a:xfrm>
+            <a:off x="2571016" y="1106929"/>
+            <a:ext cx="0" cy="256309"/>
+          </a:xfrm>
+          <a:prstGeom prst="straightConnector1">
+            <a:avLst/>
+          </a:prstGeom>
+          <a:ln w="12700">
+            <a:solidFill>
               <a:schemeClr val="tx1"/>
-            </a:fontRef>
-          </p:style>
-        </p:cxnSp>
-        <p:cxnSp>
-          <p:nvCxnSpPr>
-            <p:cNvPr id="11" name="Straight Arrow Connector 10"/>
-            <p:cNvCxnSpPr/>
-            <p:nvPr/>
-          </p:nvCxnSpPr>
-          <p:spPr>
-            <a:xfrm>
-              <a:off x="3080075" y="1106929"/>
-              <a:ext cx="0" cy="256309"/>
-            </a:xfrm>
-            <a:prstGeom prst="straightConnector1">
-              <a:avLst/>
-            </a:prstGeom>
-            <a:ln w="12700">
-              <a:solidFill>
-                <a:schemeClr val="tx1"/>
-              </a:solidFill>
-              <a:headEnd type="triangle" w="med" len="med"/>
-              <a:tailEnd type="triangle" w="med" len="med"/>
-            </a:ln>
-          </p:spPr>
-          <p:style>
-            <a:lnRef idx="1">
-              <a:schemeClr val="accent1"/>
-            </a:lnRef>
-            <a:fillRef idx="0">
-              <a:schemeClr val="accent1"/>
-            </a:fillRef>
-            <a:effectRef idx="0">
-              <a:schemeClr val="accent1"/>
-            </a:effectRef>
-            <a:fontRef idx="minor">
+            </a:solidFill>
+            <a:headEnd type="triangle" w="med" len="med"/>
+            <a:tailEnd type="triangle" w="med" len="med"/>
+          </a:ln>
+        </p:spPr>
+        <p:style>
+          <a:lnRef idx="1">
+            <a:schemeClr val="accent1"/>
+          </a:lnRef>
+          <a:fillRef idx="0">
+            <a:schemeClr val="accent1"/>
+          </a:fillRef>
+          <a:effectRef idx="0">
+            <a:schemeClr val="accent1"/>
+          </a:effectRef>
+          <a:fontRef idx="minor">
+            <a:schemeClr val="tx1"/>
+          </a:fontRef>
+        </p:style>
+      </p:cxnSp>
+      <p:cxnSp>
+        <p:nvCxnSpPr>
+          <p:cNvPr id="11" name="Straight Arrow Connector 10"/>
+          <p:cNvCxnSpPr/>
+          <p:nvPr/>
+        </p:nvCxnSpPr>
+        <p:spPr>
+          <a:xfrm>
+            <a:off x="3820732" y="1106929"/>
+            <a:ext cx="0" cy="256309"/>
+          </a:xfrm>
+          <a:prstGeom prst="straightConnector1">
+            <a:avLst/>
+          </a:prstGeom>
+          <a:ln w="12700">
+            <a:solidFill>
               <a:schemeClr val="tx1"/>
-            </a:fontRef>
-          </p:style>
-        </p:cxnSp>
-        <p:cxnSp>
-          <p:nvCxnSpPr>
-            <p:cNvPr id="12" name="Straight Arrow Connector 11"/>
-            <p:cNvCxnSpPr/>
-            <p:nvPr/>
-          </p:nvCxnSpPr>
-          <p:spPr>
-            <a:xfrm>
-              <a:off x="3080075" y="448838"/>
-              <a:ext cx="0" cy="256309"/>
-            </a:xfrm>
-            <a:prstGeom prst="straightConnector1">
-              <a:avLst/>
-            </a:prstGeom>
-            <a:ln w="12700">
-              <a:solidFill>
-                <a:schemeClr val="tx1"/>
-              </a:solidFill>
-              <a:headEnd type="triangle" w="med" len="med"/>
-              <a:tailEnd type="triangle" w="med" len="med"/>
-            </a:ln>
-          </p:spPr>
-          <p:style>
-            <a:lnRef idx="1">
-              <a:schemeClr val="accent1"/>
-            </a:lnRef>
-            <a:fillRef idx="0">
-              <a:schemeClr val="accent1"/>
-            </a:fillRef>
-            <a:effectRef idx="0">
-              <a:schemeClr val="accent1"/>
-            </a:effectRef>
-            <a:fontRef idx="minor">
+            </a:solidFill>
+            <a:headEnd type="triangle" w="med" len="med"/>
+            <a:tailEnd type="triangle" w="med" len="med"/>
+          </a:ln>
+        </p:spPr>
+        <p:style>
+          <a:lnRef idx="1">
+            <a:schemeClr val="accent1"/>
+          </a:lnRef>
+          <a:fillRef idx="0">
+            <a:schemeClr val="accent1"/>
+          </a:fillRef>
+          <a:effectRef idx="0">
+            <a:schemeClr val="accent1"/>
+          </a:effectRef>
+          <a:fontRef idx="minor">
+            <a:schemeClr val="tx1"/>
+          </a:fontRef>
+        </p:style>
+      </p:cxnSp>
+      <p:cxnSp>
+        <p:nvCxnSpPr>
+          <p:cNvPr id="12" name="Straight Arrow Connector 11"/>
+          <p:cNvCxnSpPr/>
+          <p:nvPr/>
+        </p:nvCxnSpPr>
+        <p:spPr>
+          <a:xfrm>
+            <a:off x="3820732" y="448838"/>
+            <a:ext cx="0" cy="256309"/>
+          </a:xfrm>
+          <a:prstGeom prst="straightConnector1">
+            <a:avLst/>
+          </a:prstGeom>
+          <a:ln w="12700">
+            <a:solidFill>
               <a:schemeClr val="tx1"/>
-            </a:fontRef>
-          </p:style>
-        </p:cxnSp>
-        <p:sp>
-          <p:nvSpPr>
-            <p:cNvPr id="4" name="Rounded Rectangle 3"/>
-            <p:cNvSpPr/>
-            <p:nvPr/>
-          </p:nvSpPr>
-          <p:spPr>
-            <a:xfrm>
-              <a:off x="976123" y="1370165"/>
-              <a:ext cx="4415684" cy="346364"/>
-            </a:xfrm>
-            <a:prstGeom prst="roundRect">
-              <a:avLst/>
-            </a:prstGeom>
-          </p:spPr>
-          <p:style>
-            <a:lnRef idx="2">
-              <a:schemeClr val="accent1"/>
-            </a:lnRef>
-            <a:fillRef idx="1">
-              <a:schemeClr val="lt1"/>
-            </a:fillRef>
-            <a:effectRef idx="0">
-              <a:schemeClr val="accent1"/>
-            </a:effectRef>
-            <a:fontRef idx="minor">
-              <a:schemeClr val="dk1"/>
-            </a:fontRef>
-          </p:style>
-          <p:txBody>
-            <a:bodyPr rtlCol="0" anchor="ctr"/>
-            <a:lstStyle/>
-            <a:p>
-              <a:pPr algn="ctr"/>
-              <a:r>
-                <a:rPr lang="en-US" sz="1000" b="1" dirty="0" smtClean="0">
-                  <a:latin typeface="Times New Roman" panose="02020603050405020304" pitchFamily="18" charset="0"/>
-                  <a:cs typeface="Times New Roman" panose="02020603050405020304" pitchFamily="18" charset="0"/>
-                </a:rPr>
-                <a:t>API</a:t>
-              </a:r>
-              <a:endParaRPr lang="en-US" sz="1000" b="1" dirty="0">
+            </a:solidFill>
+            <a:headEnd type="triangle" w="med" len="med"/>
+            <a:tailEnd type="triangle" w="med" len="med"/>
+          </a:ln>
+        </p:spPr>
+        <p:style>
+          <a:lnRef idx="1">
+            <a:schemeClr val="accent1"/>
+          </a:lnRef>
+          <a:fillRef idx="0">
+            <a:schemeClr val="accent1"/>
+          </a:fillRef>
+          <a:effectRef idx="0">
+            <a:schemeClr val="accent1"/>
+          </a:effectRef>
+          <a:fontRef idx="minor">
+            <a:schemeClr val="tx1"/>
+          </a:fontRef>
+        </p:style>
+      </p:cxnSp>
+      <p:sp>
+        <p:nvSpPr>
+          <p:cNvPr id="4" name="Rounded Rectangle 3"/>
+          <p:cNvSpPr/>
+          <p:nvPr/>
+        </p:nvSpPr>
+        <p:spPr>
+          <a:xfrm>
+            <a:off x="1072055" y="1370165"/>
+            <a:ext cx="4262996" cy="346364"/>
+          </a:xfrm>
+          <a:prstGeom prst="roundRect">
+            <a:avLst/>
+          </a:prstGeom>
+        </p:spPr>
+        <p:style>
+          <a:lnRef idx="2">
+            <a:schemeClr val="accent1"/>
+          </a:lnRef>
+          <a:fillRef idx="1">
+            <a:schemeClr val="lt1"/>
+          </a:fillRef>
+          <a:effectRef idx="0">
+            <a:schemeClr val="accent1"/>
+          </a:effectRef>
+          <a:fontRef idx="minor">
+            <a:schemeClr val="dk1"/>
+          </a:fontRef>
+        </p:style>
+        <p:txBody>
+          <a:bodyPr rtlCol="0" anchor="ctr"/>
+          <a:lstStyle/>
+          <a:p>
+            <a:pPr algn="ctr"/>
+            <a:r>
+              <a:rPr lang="en-US" sz="1000" b="1" dirty="0" smtClean="0">
                 <a:latin typeface="Times New Roman" panose="02020603050405020304" pitchFamily="18" charset="0"/>
                 <a:cs typeface="Times New Roman" panose="02020603050405020304" pitchFamily="18" charset="0"/>
-              </a:endParaRPr>
-            </a:p>
-          </p:txBody>
-        </p:sp>
-        <p:sp>
-          <p:nvSpPr>
-            <p:cNvPr id="5" name="Rounded Rectangle 4"/>
-            <p:cNvSpPr/>
-            <p:nvPr/>
-          </p:nvSpPr>
-          <p:spPr>
-            <a:xfrm>
-              <a:off x="976123" y="1785801"/>
-              <a:ext cx="4415684" cy="615676"/>
-            </a:xfrm>
-            <a:prstGeom prst="roundRect">
-              <a:avLst>
-                <a:gd name="adj" fmla="val 4740"/>
-              </a:avLst>
-            </a:prstGeom>
-          </p:spPr>
-          <p:style>
-            <a:lnRef idx="2">
-              <a:schemeClr val="accent1"/>
-            </a:lnRef>
-            <a:fillRef idx="1">
-              <a:schemeClr val="lt1"/>
-            </a:fillRef>
-            <a:effectRef idx="0">
-              <a:schemeClr val="accent1"/>
-            </a:effectRef>
-            <a:fontRef idx="minor">
-              <a:schemeClr val="dk1"/>
-            </a:fontRef>
-          </p:style>
-          <p:txBody>
-            <a:bodyPr rtlCol="0" anchor="t"/>
-            <a:lstStyle/>
-            <a:p>
-              <a:r>
-                <a:rPr lang="en-US" sz="1000" b="1" dirty="0" smtClean="0">
-                  <a:latin typeface="Times New Roman" panose="02020603050405020304" pitchFamily="18" charset="0"/>
-                  <a:cs typeface="Times New Roman" panose="02020603050405020304" pitchFamily="18" charset="0"/>
-                </a:rPr>
-                <a:t>Core</a:t>
-              </a:r>
-              <a:endParaRPr lang="en-US" sz="1000" b="1" dirty="0">
+              </a:rPr>
+              <a:t>API</a:t>
+            </a:r>
+            <a:endParaRPr lang="en-US" sz="1000" b="1" dirty="0">
+              <a:latin typeface="Times New Roman" panose="02020603050405020304" pitchFamily="18" charset="0"/>
+              <a:cs typeface="Times New Roman" panose="02020603050405020304" pitchFamily="18" charset="0"/>
+            </a:endParaRPr>
+          </a:p>
+        </p:txBody>
+      </p:sp>
+      <p:sp>
+        <p:nvSpPr>
+          <p:cNvPr id="5" name="Rounded Rectangle 4"/>
+          <p:cNvSpPr/>
+          <p:nvPr/>
+        </p:nvSpPr>
+        <p:spPr>
+          <a:xfrm>
+            <a:off x="1072055" y="1785801"/>
+            <a:ext cx="4262996" cy="615676"/>
+          </a:xfrm>
+          <a:prstGeom prst="roundRect">
+            <a:avLst>
+              <a:gd name="adj" fmla="val 4740"/>
+            </a:avLst>
+          </a:prstGeom>
+        </p:spPr>
+        <p:style>
+          <a:lnRef idx="2">
+            <a:schemeClr val="accent1"/>
+          </a:lnRef>
+          <a:fillRef idx="1">
+            <a:schemeClr val="lt1"/>
+          </a:fillRef>
+          <a:effectRef idx="0">
+            <a:schemeClr val="accent1"/>
+          </a:effectRef>
+          <a:fontRef idx="minor">
+            <a:schemeClr val="dk1"/>
+          </a:fontRef>
+        </p:style>
+        <p:txBody>
+          <a:bodyPr rtlCol="0" anchor="t"/>
+          <a:lstStyle/>
+          <a:p>
+            <a:r>
+              <a:rPr lang="en-US" sz="1000" b="1" dirty="0" smtClean="0">
                 <a:latin typeface="Times New Roman" panose="02020603050405020304" pitchFamily="18" charset="0"/>
                 <a:cs typeface="Times New Roman" panose="02020603050405020304" pitchFamily="18" charset="0"/>
-              </a:endParaRPr>
-            </a:p>
-          </p:txBody>
-        </p:sp>
-        <p:sp>
-          <p:nvSpPr>
-            <p:cNvPr id="16" name="Rounded Rectangle 15"/>
-            <p:cNvSpPr/>
-            <p:nvPr/>
-          </p:nvSpPr>
-          <p:spPr>
-            <a:xfrm>
-              <a:off x="976123" y="2464659"/>
-              <a:ext cx="4415684" cy="1205553"/>
-            </a:xfrm>
-            <a:prstGeom prst="roundRect">
-              <a:avLst>
-                <a:gd name="adj" fmla="val 4740"/>
-              </a:avLst>
-            </a:prstGeom>
-          </p:spPr>
-          <p:style>
-            <a:lnRef idx="2">
-              <a:schemeClr val="accent1"/>
-            </a:lnRef>
-            <a:fillRef idx="1">
-              <a:schemeClr val="lt1"/>
-            </a:fillRef>
-            <a:effectRef idx="0">
-              <a:schemeClr val="accent1"/>
-            </a:effectRef>
-            <a:fontRef idx="minor">
-              <a:schemeClr val="dk1"/>
-            </a:fontRef>
-          </p:style>
-          <p:txBody>
-            <a:bodyPr rtlCol="0" anchor="t"/>
-            <a:lstStyle/>
-            <a:p>
-              <a:r>
-                <a:rPr lang="en-US" sz="1000" b="1" dirty="0" smtClean="0">
-                  <a:latin typeface="Times New Roman" panose="02020603050405020304" pitchFamily="18" charset="0"/>
-                  <a:cs typeface="Times New Roman" panose="02020603050405020304" pitchFamily="18" charset="0"/>
-                </a:rPr>
-                <a:t>Persistence</a:t>
-              </a:r>
-              <a:endParaRPr lang="en-US" sz="1000" b="1" dirty="0">
+              </a:rPr>
+              <a:t>Core</a:t>
+            </a:r>
+            <a:endParaRPr lang="en-US" sz="1000" b="1" dirty="0">
+              <a:latin typeface="Times New Roman" panose="02020603050405020304" pitchFamily="18" charset="0"/>
+              <a:cs typeface="Times New Roman" panose="02020603050405020304" pitchFamily="18" charset="0"/>
+            </a:endParaRPr>
+          </a:p>
+        </p:txBody>
+      </p:sp>
+      <p:sp>
+        <p:nvSpPr>
+          <p:cNvPr id="16" name="Rounded Rectangle 15"/>
+          <p:cNvSpPr/>
+          <p:nvPr/>
+        </p:nvSpPr>
+        <p:spPr>
+          <a:xfrm>
+            <a:off x="1072055" y="2464659"/>
+            <a:ext cx="4262996" cy="1205553"/>
+          </a:xfrm>
+          <a:prstGeom prst="roundRect">
+            <a:avLst>
+              <a:gd name="adj" fmla="val 4740"/>
+            </a:avLst>
+          </a:prstGeom>
+        </p:spPr>
+        <p:style>
+          <a:lnRef idx="2">
+            <a:schemeClr val="accent1"/>
+          </a:lnRef>
+          <a:fillRef idx="1">
+            <a:schemeClr val="lt1"/>
+          </a:fillRef>
+          <a:effectRef idx="0">
+            <a:schemeClr val="accent1"/>
+          </a:effectRef>
+          <a:fontRef idx="minor">
+            <a:schemeClr val="dk1"/>
+          </a:fontRef>
+        </p:style>
+        <p:txBody>
+          <a:bodyPr rtlCol="0" anchor="t"/>
+          <a:lstStyle/>
+          <a:p>
+            <a:r>
+              <a:rPr lang="en-US" sz="1000" b="1" dirty="0" smtClean="0">
                 <a:latin typeface="Times New Roman" panose="02020603050405020304" pitchFamily="18" charset="0"/>
                 <a:cs typeface="Times New Roman" panose="02020603050405020304" pitchFamily="18" charset="0"/>
-              </a:endParaRPr>
-            </a:p>
-          </p:txBody>
-        </p:sp>
-        <p:sp>
-          <p:nvSpPr>
-            <p:cNvPr id="20" name="Rectangle 19"/>
-            <p:cNvSpPr/>
-            <p:nvPr/>
-          </p:nvSpPr>
-          <p:spPr>
-            <a:xfrm>
-              <a:off x="1136127" y="2794157"/>
-              <a:ext cx="4121579" cy="263237"/>
-            </a:xfrm>
-            <a:prstGeom prst="rect">
-              <a:avLst/>
-            </a:prstGeom>
-          </p:spPr>
-          <p:style>
-            <a:lnRef idx="2">
-              <a:schemeClr val="accent2"/>
-            </a:lnRef>
-            <a:fillRef idx="1">
-              <a:schemeClr val="lt1"/>
-            </a:fillRef>
-            <a:effectRef idx="0">
-              <a:schemeClr val="accent2"/>
-            </a:effectRef>
-            <a:fontRef idx="minor">
-              <a:schemeClr val="dk1"/>
-            </a:fontRef>
-          </p:style>
-          <p:txBody>
-            <a:bodyPr rtlCol="0" anchor="ctr"/>
-            <a:lstStyle/>
-            <a:p>
-              <a:pPr algn="ctr"/>
-              <a:r>
-                <a:rPr lang="en-US" sz="1000" dirty="0" smtClean="0">
-                  <a:latin typeface="Times New Roman" panose="02020603050405020304" pitchFamily="18" charset="0"/>
-                  <a:cs typeface="Times New Roman" panose="02020603050405020304" pitchFamily="18" charset="0"/>
-                </a:rPr>
-                <a:t>Caching</a:t>
-              </a:r>
-              <a:endParaRPr lang="en-US" sz="1000" dirty="0">
+              </a:rPr>
+              <a:t>Persistence</a:t>
+            </a:r>
+            <a:endParaRPr lang="en-US" sz="1000" b="1" dirty="0">
+              <a:latin typeface="Times New Roman" panose="02020603050405020304" pitchFamily="18" charset="0"/>
+              <a:cs typeface="Times New Roman" panose="02020603050405020304" pitchFamily="18" charset="0"/>
+            </a:endParaRPr>
+          </a:p>
+        </p:txBody>
+      </p:sp>
+      <p:sp>
+        <p:nvSpPr>
+          <p:cNvPr id="20" name="Rectangle 19"/>
+          <p:cNvSpPr/>
+          <p:nvPr/>
+        </p:nvSpPr>
+        <p:spPr>
+          <a:xfrm>
+            <a:off x="1136127" y="2794157"/>
+            <a:ext cx="4121579" cy="263237"/>
+          </a:xfrm>
+          <a:prstGeom prst="rect">
+            <a:avLst/>
+          </a:prstGeom>
+        </p:spPr>
+        <p:style>
+          <a:lnRef idx="2">
+            <a:schemeClr val="accent2"/>
+          </a:lnRef>
+          <a:fillRef idx="1">
+            <a:schemeClr val="lt1"/>
+          </a:fillRef>
+          <a:effectRef idx="0">
+            <a:schemeClr val="accent2"/>
+          </a:effectRef>
+          <a:fontRef idx="minor">
+            <a:schemeClr val="dk1"/>
+          </a:fontRef>
+        </p:style>
+        <p:txBody>
+          <a:bodyPr rtlCol="0" anchor="ctr"/>
+          <a:lstStyle/>
+          <a:p>
+            <a:pPr algn="ctr"/>
+            <a:r>
+              <a:rPr lang="en-US" sz="1000" dirty="0" smtClean="0">
                 <a:latin typeface="Times New Roman" panose="02020603050405020304" pitchFamily="18" charset="0"/>
                 <a:cs typeface="Times New Roman" panose="02020603050405020304" pitchFamily="18" charset="0"/>
-              </a:endParaRPr>
-            </a:p>
-          </p:txBody>
-        </p:sp>
-        <p:sp>
-          <p:nvSpPr>
-            <p:cNvPr id="21" name="Flowchart: Magnetic Disk 20"/>
-            <p:cNvSpPr/>
-            <p:nvPr/>
-          </p:nvSpPr>
-          <p:spPr>
-            <a:xfrm>
-              <a:off x="1136127" y="3954512"/>
-              <a:ext cx="982665" cy="519545"/>
-            </a:xfrm>
-            <a:prstGeom prst="flowChartMagneticDisk">
-              <a:avLst/>
-            </a:prstGeom>
-          </p:spPr>
-          <p:style>
-            <a:lnRef idx="1">
-              <a:schemeClr val="accent1"/>
-            </a:lnRef>
-            <a:fillRef idx="2">
-              <a:schemeClr val="accent1"/>
-            </a:fillRef>
-            <a:effectRef idx="1">
-              <a:schemeClr val="accent1"/>
-            </a:effectRef>
-            <a:fontRef idx="minor">
-              <a:schemeClr val="dk1"/>
-            </a:fontRef>
-          </p:style>
-          <p:txBody>
-            <a:bodyPr rtlCol="0" anchor="ctr"/>
-            <a:lstStyle/>
-            <a:p>
-              <a:pPr algn="ctr"/>
-              <a:r>
-                <a:rPr lang="en-US" sz="1000" dirty="0" err="1" smtClean="0">
-                  <a:latin typeface="Times New Roman" panose="02020603050405020304" pitchFamily="18" charset="0"/>
-                  <a:cs typeface="Times New Roman" panose="02020603050405020304" pitchFamily="18" charset="0"/>
-                </a:rPr>
-                <a:t>ZooKeeper</a:t>
-              </a:r>
-              <a:endParaRPr lang="en-US" sz="1000" dirty="0">
+              </a:rPr>
+              <a:t>In-memory Cache</a:t>
+            </a:r>
+            <a:endParaRPr lang="en-US" sz="1000" dirty="0">
+              <a:latin typeface="Times New Roman" panose="02020603050405020304" pitchFamily="18" charset="0"/>
+              <a:cs typeface="Times New Roman" panose="02020603050405020304" pitchFamily="18" charset="0"/>
+            </a:endParaRPr>
+          </a:p>
+        </p:txBody>
+      </p:sp>
+      <p:sp>
+        <p:nvSpPr>
+          <p:cNvPr id="21" name="Flowchart: Magnetic Disk 20"/>
+          <p:cNvSpPr/>
+          <p:nvPr/>
+        </p:nvSpPr>
+        <p:spPr>
+          <a:xfrm>
+            <a:off x="1236018" y="3954512"/>
+            <a:ext cx="782884" cy="519545"/>
+          </a:xfrm>
+          <a:prstGeom prst="flowChartMagneticDisk">
+            <a:avLst/>
+          </a:prstGeom>
+        </p:spPr>
+        <p:style>
+          <a:lnRef idx="1">
+            <a:schemeClr val="accent1"/>
+          </a:lnRef>
+          <a:fillRef idx="2">
+            <a:schemeClr val="accent1"/>
+          </a:fillRef>
+          <a:effectRef idx="1">
+            <a:schemeClr val="accent1"/>
+          </a:effectRef>
+          <a:fontRef idx="minor">
+            <a:schemeClr val="dk1"/>
+          </a:fontRef>
+        </p:style>
+        <p:txBody>
+          <a:bodyPr rtlCol="0" anchor="ctr"/>
+          <a:lstStyle/>
+          <a:p>
+            <a:pPr algn="ctr"/>
+            <a:r>
+              <a:rPr lang="en-US" sz="1000" dirty="0" err="1" smtClean="0">
                 <a:latin typeface="Times New Roman" panose="02020603050405020304" pitchFamily="18" charset="0"/>
                 <a:cs typeface="Times New Roman" panose="02020603050405020304" pitchFamily="18" charset="0"/>
-              </a:endParaRPr>
-            </a:p>
-          </p:txBody>
-        </p:sp>
-        <p:sp>
-          <p:nvSpPr>
-            <p:cNvPr id="22" name="Flowchart: Magnetic Disk 21"/>
-            <p:cNvSpPr/>
-            <p:nvPr/>
-          </p:nvSpPr>
-          <p:spPr>
-            <a:xfrm>
-              <a:off x="3372232" y="3954512"/>
-              <a:ext cx="982665" cy="519545"/>
-            </a:xfrm>
-            <a:prstGeom prst="flowChartMagneticDisk">
-              <a:avLst/>
-            </a:prstGeom>
-          </p:spPr>
-          <p:style>
-            <a:lnRef idx="1">
-              <a:schemeClr val="accent1"/>
-            </a:lnRef>
-            <a:fillRef idx="2">
-              <a:schemeClr val="accent1"/>
-            </a:fillRef>
-            <a:effectRef idx="1">
-              <a:schemeClr val="accent1"/>
-            </a:effectRef>
-            <a:fontRef idx="minor">
-              <a:schemeClr val="dk1"/>
-            </a:fontRef>
-          </p:style>
-          <p:txBody>
-            <a:bodyPr rtlCol="0" anchor="ctr"/>
-            <a:lstStyle/>
-            <a:p>
-              <a:pPr algn="ctr"/>
-              <a:r>
-                <a:rPr lang="en-US" sz="1000" dirty="0" smtClean="0">
-                  <a:latin typeface="Times New Roman" panose="02020603050405020304" pitchFamily="18" charset="0"/>
-                  <a:cs typeface="Times New Roman" panose="02020603050405020304" pitchFamily="18" charset="0"/>
-                </a:rPr>
-                <a:t>Local Storage</a:t>
-              </a:r>
-              <a:endParaRPr lang="en-US" sz="1000" dirty="0">
+              </a:rPr>
+              <a:t>ZooKeeper</a:t>
+            </a:r>
+            <a:endParaRPr lang="en-US" sz="1000" dirty="0">
+              <a:latin typeface="Times New Roman" panose="02020603050405020304" pitchFamily="18" charset="0"/>
+              <a:cs typeface="Times New Roman" panose="02020603050405020304" pitchFamily="18" charset="0"/>
+            </a:endParaRPr>
+          </a:p>
+        </p:txBody>
+      </p:sp>
+      <p:sp>
+        <p:nvSpPr>
+          <p:cNvPr id="22" name="Flowchart: Magnetic Disk 21"/>
+          <p:cNvSpPr/>
+          <p:nvPr/>
+        </p:nvSpPr>
+        <p:spPr>
+          <a:xfrm>
+            <a:off x="3351050" y="3954512"/>
+            <a:ext cx="782884" cy="519545"/>
+          </a:xfrm>
+          <a:prstGeom prst="flowChartMagneticDisk">
+            <a:avLst/>
+          </a:prstGeom>
+        </p:spPr>
+        <p:style>
+          <a:lnRef idx="1">
+            <a:schemeClr val="accent1"/>
+          </a:lnRef>
+          <a:fillRef idx="2">
+            <a:schemeClr val="accent1"/>
+          </a:fillRef>
+          <a:effectRef idx="1">
+            <a:schemeClr val="accent1"/>
+          </a:effectRef>
+          <a:fontRef idx="minor">
+            <a:schemeClr val="dk1"/>
+          </a:fontRef>
+        </p:style>
+        <p:txBody>
+          <a:bodyPr rtlCol="0" anchor="ctr"/>
+          <a:lstStyle/>
+          <a:p>
+            <a:pPr algn="ctr"/>
+            <a:r>
+              <a:rPr lang="en-US" sz="1000" dirty="0" smtClean="0">
                 <a:latin typeface="Times New Roman" panose="02020603050405020304" pitchFamily="18" charset="0"/>
                 <a:cs typeface="Times New Roman" panose="02020603050405020304" pitchFamily="18" charset="0"/>
-              </a:endParaRPr>
-            </a:p>
-          </p:txBody>
-        </p:sp>
-        <p:sp>
-          <p:nvSpPr>
-            <p:cNvPr id="23" name="Flowchart: Magnetic Disk 22"/>
-            <p:cNvSpPr/>
-            <p:nvPr/>
-          </p:nvSpPr>
-          <p:spPr>
-            <a:xfrm>
-              <a:off x="4409142" y="3954512"/>
-              <a:ext cx="982665" cy="519545"/>
-            </a:xfrm>
-            <a:prstGeom prst="flowChartMagneticDisk">
-              <a:avLst/>
-            </a:prstGeom>
-          </p:spPr>
-          <p:style>
-            <a:lnRef idx="1">
-              <a:schemeClr val="accent1"/>
-            </a:lnRef>
-            <a:fillRef idx="2">
-              <a:schemeClr val="accent1"/>
-            </a:fillRef>
-            <a:effectRef idx="1">
-              <a:schemeClr val="accent1"/>
-            </a:effectRef>
-            <a:fontRef idx="minor">
-              <a:schemeClr val="dk1"/>
-            </a:fontRef>
-          </p:style>
-          <p:txBody>
-            <a:bodyPr rtlCol="0" anchor="ctr"/>
-            <a:lstStyle/>
-            <a:p>
-              <a:pPr algn="ctr"/>
-              <a:r>
-                <a:rPr lang="en-US" sz="1000" dirty="0" smtClean="0">
-                  <a:latin typeface="Times New Roman" panose="02020603050405020304" pitchFamily="18" charset="0"/>
-                  <a:cs typeface="Times New Roman" panose="02020603050405020304" pitchFamily="18" charset="0"/>
-                </a:rPr>
-                <a:t>Remote Storage</a:t>
-              </a:r>
-              <a:endParaRPr lang="en-US" sz="1000" dirty="0">
+              </a:rPr>
+              <a:t>Local Storage</a:t>
+            </a:r>
+            <a:endParaRPr lang="en-US" sz="1000" dirty="0">
+              <a:latin typeface="Times New Roman" panose="02020603050405020304" pitchFamily="18" charset="0"/>
+              <a:cs typeface="Times New Roman" panose="02020603050405020304" pitchFamily="18" charset="0"/>
+            </a:endParaRPr>
+          </a:p>
+        </p:txBody>
+      </p:sp>
+      <p:sp>
+        <p:nvSpPr>
+          <p:cNvPr id="23" name="Flowchart: Magnetic Disk 22"/>
+          <p:cNvSpPr/>
+          <p:nvPr/>
+        </p:nvSpPr>
+        <p:spPr>
+          <a:xfrm>
+            <a:off x="4387960" y="3954512"/>
+            <a:ext cx="782884" cy="519545"/>
+          </a:xfrm>
+          <a:prstGeom prst="flowChartMagneticDisk">
+            <a:avLst/>
+          </a:prstGeom>
+        </p:spPr>
+        <p:style>
+          <a:lnRef idx="1">
+            <a:schemeClr val="accent1"/>
+          </a:lnRef>
+          <a:fillRef idx="2">
+            <a:schemeClr val="accent1"/>
+          </a:fillRef>
+          <a:effectRef idx="1">
+            <a:schemeClr val="accent1"/>
+          </a:effectRef>
+          <a:fontRef idx="minor">
+            <a:schemeClr val="dk1"/>
+          </a:fontRef>
+        </p:style>
+        <p:txBody>
+          <a:bodyPr rtlCol="0" anchor="ctr"/>
+          <a:lstStyle/>
+          <a:p>
+            <a:pPr algn="ctr"/>
+            <a:r>
+              <a:rPr lang="en-US" sz="1000" dirty="0" smtClean="0">
                 <a:latin typeface="Times New Roman" panose="02020603050405020304" pitchFamily="18" charset="0"/>
                 <a:cs typeface="Times New Roman" panose="02020603050405020304" pitchFamily="18" charset="0"/>
-              </a:endParaRPr>
-            </a:p>
-          </p:txBody>
-        </p:sp>
-        <p:sp>
-          <p:nvSpPr>
-            <p:cNvPr id="13" name="Rectangle 12"/>
-            <p:cNvSpPr/>
-            <p:nvPr/>
-          </p:nvSpPr>
-          <p:spPr>
-            <a:xfrm>
-              <a:off x="1136127" y="3149607"/>
-              <a:ext cx="675077" cy="438625"/>
-            </a:xfrm>
-            <a:prstGeom prst="rect">
-              <a:avLst/>
-            </a:prstGeom>
-          </p:spPr>
-          <p:style>
-            <a:lnRef idx="2">
-              <a:schemeClr val="accent2"/>
-            </a:lnRef>
-            <a:fillRef idx="1">
-              <a:schemeClr val="lt1"/>
-            </a:fillRef>
-            <a:effectRef idx="0">
-              <a:schemeClr val="accent2"/>
-            </a:effectRef>
-            <a:fontRef idx="minor">
-              <a:schemeClr val="dk1"/>
-            </a:fontRef>
-          </p:style>
-          <p:txBody>
-            <a:bodyPr rtlCol="0" anchor="ctr"/>
-            <a:lstStyle/>
-            <a:p>
-              <a:pPr algn="ctr"/>
-              <a:r>
-                <a:rPr lang="en-US" sz="1000" dirty="0" smtClean="0">
-                  <a:latin typeface="Times New Roman" panose="02020603050405020304" pitchFamily="18" charset="0"/>
-                  <a:cs typeface="Times New Roman" panose="02020603050405020304" pitchFamily="18" charset="0"/>
-                </a:rPr>
-                <a:t>File Directory</a:t>
-              </a:r>
-              <a:endParaRPr lang="en-US" sz="1000" dirty="0">
+              </a:rPr>
+              <a:t>Cloud Storage</a:t>
+            </a:r>
+            <a:endParaRPr lang="en-US" sz="1000" dirty="0">
+              <a:latin typeface="Times New Roman" panose="02020603050405020304" pitchFamily="18" charset="0"/>
+              <a:cs typeface="Times New Roman" panose="02020603050405020304" pitchFamily="18" charset="0"/>
+            </a:endParaRPr>
+          </a:p>
+        </p:txBody>
+      </p:sp>
+      <p:sp>
+        <p:nvSpPr>
+          <p:cNvPr id="13" name="Rectangle 12"/>
+          <p:cNvSpPr/>
+          <p:nvPr/>
+        </p:nvSpPr>
+        <p:spPr>
+          <a:xfrm>
+            <a:off x="1136127" y="3149607"/>
+            <a:ext cx="982665" cy="438625"/>
+          </a:xfrm>
+          <a:prstGeom prst="rect">
+            <a:avLst/>
+          </a:prstGeom>
+        </p:spPr>
+        <p:style>
+          <a:lnRef idx="2">
+            <a:schemeClr val="accent2"/>
+          </a:lnRef>
+          <a:fillRef idx="1">
+            <a:schemeClr val="lt1"/>
+          </a:fillRef>
+          <a:effectRef idx="0">
+            <a:schemeClr val="accent2"/>
+          </a:effectRef>
+          <a:fontRef idx="minor">
+            <a:schemeClr val="dk1"/>
+          </a:fontRef>
+        </p:style>
+        <p:txBody>
+          <a:bodyPr rtlCol="0" anchor="ctr"/>
+          <a:lstStyle/>
+          <a:p>
+            <a:pPr algn="ctr"/>
+            <a:r>
+              <a:rPr lang="en-US" sz="1000" dirty="0" smtClean="0">
                 <a:latin typeface="Times New Roman" panose="02020603050405020304" pitchFamily="18" charset="0"/>
                 <a:cs typeface="Times New Roman" panose="02020603050405020304" pitchFamily="18" charset="0"/>
-              </a:endParaRPr>
-            </a:p>
-          </p:txBody>
-        </p:sp>
-        <p:sp>
-          <p:nvSpPr>
-            <p:cNvPr id="17" name="Rectangle 16"/>
-            <p:cNvSpPr/>
-            <p:nvPr/>
-          </p:nvSpPr>
-          <p:spPr>
-            <a:xfrm>
-              <a:off x="3412731" y="3149607"/>
-              <a:ext cx="515030" cy="438625"/>
-            </a:xfrm>
-            <a:prstGeom prst="rect">
-              <a:avLst/>
-            </a:prstGeom>
-          </p:spPr>
-          <p:style>
-            <a:lnRef idx="2">
-              <a:schemeClr val="accent2"/>
-            </a:lnRef>
-            <a:fillRef idx="1">
-              <a:schemeClr val="lt1"/>
-            </a:fillRef>
-            <a:effectRef idx="0">
-              <a:schemeClr val="accent2"/>
-            </a:effectRef>
-            <a:fontRef idx="minor">
-              <a:schemeClr val="dk1"/>
-            </a:fontRef>
-          </p:style>
-          <p:txBody>
-            <a:bodyPr rtlCol="0" anchor="ctr"/>
-            <a:lstStyle/>
-            <a:p>
-              <a:pPr algn="ctr"/>
-              <a:r>
-                <a:rPr lang="en-US" sz="1000" dirty="0" err="1" smtClean="0">
-                  <a:latin typeface="Times New Roman" panose="02020603050405020304" pitchFamily="18" charset="0"/>
-                  <a:cs typeface="Times New Roman" panose="02020603050405020304" pitchFamily="18" charset="0"/>
-                </a:rPr>
-                <a:t>inodes</a:t>
-              </a:r>
-              <a:endParaRPr lang="en-US" sz="1000" dirty="0">
+              </a:rPr>
+              <a:t>File Directory</a:t>
+            </a:r>
+            <a:endParaRPr lang="en-US" sz="1000" dirty="0">
+              <a:latin typeface="Times New Roman" panose="02020603050405020304" pitchFamily="18" charset="0"/>
+              <a:cs typeface="Times New Roman" panose="02020603050405020304" pitchFamily="18" charset="0"/>
+            </a:endParaRPr>
+          </a:p>
+        </p:txBody>
+      </p:sp>
+      <p:sp>
+        <p:nvSpPr>
+          <p:cNvPr id="17" name="Rectangle 16"/>
+          <p:cNvSpPr/>
+          <p:nvPr/>
+        </p:nvSpPr>
+        <p:spPr>
+          <a:xfrm>
+            <a:off x="3773039" y="3149607"/>
+            <a:ext cx="515030" cy="438625"/>
+          </a:xfrm>
+          <a:prstGeom prst="rect">
+            <a:avLst/>
+          </a:prstGeom>
+        </p:spPr>
+        <p:style>
+          <a:lnRef idx="2">
+            <a:schemeClr val="accent2"/>
+          </a:lnRef>
+          <a:fillRef idx="1">
+            <a:schemeClr val="lt1"/>
+          </a:fillRef>
+          <a:effectRef idx="0">
+            <a:schemeClr val="accent2"/>
+          </a:effectRef>
+          <a:fontRef idx="minor">
+            <a:schemeClr val="dk1"/>
+          </a:fontRef>
+        </p:style>
+        <p:txBody>
+          <a:bodyPr rtlCol="0" anchor="ctr"/>
+          <a:lstStyle/>
+          <a:p>
+            <a:pPr algn="ctr"/>
+            <a:r>
+              <a:rPr lang="en-US" sz="1000" dirty="0" err="1" smtClean="0">
                 <a:latin typeface="Times New Roman" panose="02020603050405020304" pitchFamily="18" charset="0"/>
                 <a:cs typeface="Times New Roman" panose="02020603050405020304" pitchFamily="18" charset="0"/>
-              </a:endParaRPr>
-            </a:p>
-          </p:txBody>
-        </p:sp>
-        <p:sp>
-          <p:nvSpPr>
-            <p:cNvPr id="18" name="Rectangle 17"/>
-            <p:cNvSpPr/>
-            <p:nvPr/>
-          </p:nvSpPr>
-          <p:spPr>
-            <a:xfrm>
-              <a:off x="4342765" y="3149607"/>
-              <a:ext cx="922013" cy="438625"/>
-            </a:xfrm>
-            <a:prstGeom prst="rect">
-              <a:avLst/>
-            </a:prstGeom>
-          </p:spPr>
-          <p:style>
-            <a:lnRef idx="2">
-              <a:schemeClr val="accent2"/>
-            </a:lnRef>
-            <a:fillRef idx="1">
-              <a:schemeClr val="lt1"/>
-            </a:fillRef>
-            <a:effectRef idx="0">
-              <a:schemeClr val="accent2"/>
-            </a:effectRef>
-            <a:fontRef idx="minor">
-              <a:schemeClr val="dk1"/>
-            </a:fontRef>
-          </p:style>
-          <p:txBody>
-            <a:bodyPr rtlCol="0" anchor="ctr"/>
-            <a:lstStyle/>
-            <a:p>
-              <a:pPr algn="ctr"/>
-              <a:r>
-                <a:rPr lang="en-US" sz="1000" dirty="0" smtClean="0">
-                  <a:latin typeface="Times New Roman" panose="02020603050405020304" pitchFamily="18" charset="0"/>
-                  <a:cs typeface="Times New Roman" panose="02020603050405020304" pitchFamily="18" charset="0"/>
-                </a:rPr>
-                <a:t>Data blocks</a:t>
-              </a:r>
-              <a:endParaRPr lang="en-US" sz="1000" dirty="0">
+              </a:rPr>
+              <a:t>inodes</a:t>
+            </a:r>
+            <a:endParaRPr lang="en-US" sz="1000" dirty="0">
+              <a:latin typeface="Times New Roman" panose="02020603050405020304" pitchFamily="18" charset="0"/>
+              <a:cs typeface="Times New Roman" panose="02020603050405020304" pitchFamily="18" charset="0"/>
+            </a:endParaRPr>
+          </a:p>
+        </p:txBody>
+      </p:sp>
+      <p:sp>
+        <p:nvSpPr>
+          <p:cNvPr id="18" name="Rectangle 17"/>
+          <p:cNvSpPr/>
+          <p:nvPr/>
+        </p:nvSpPr>
+        <p:spPr>
+          <a:xfrm>
+            <a:off x="4342765" y="3149607"/>
+            <a:ext cx="922013" cy="438625"/>
+          </a:xfrm>
+          <a:prstGeom prst="rect">
+            <a:avLst/>
+          </a:prstGeom>
+        </p:spPr>
+        <p:style>
+          <a:lnRef idx="2">
+            <a:schemeClr val="accent2"/>
+          </a:lnRef>
+          <a:fillRef idx="1">
+            <a:schemeClr val="lt1"/>
+          </a:fillRef>
+          <a:effectRef idx="0">
+            <a:schemeClr val="accent2"/>
+          </a:effectRef>
+          <a:fontRef idx="minor">
+            <a:schemeClr val="dk1"/>
+          </a:fontRef>
+        </p:style>
+        <p:txBody>
+          <a:bodyPr rtlCol="0" anchor="ctr"/>
+          <a:lstStyle/>
+          <a:p>
+            <a:pPr algn="ctr"/>
+            <a:r>
+              <a:rPr lang="en-US" sz="1000" dirty="0" smtClean="0">
                 <a:latin typeface="Times New Roman" panose="02020603050405020304" pitchFamily="18" charset="0"/>
                 <a:cs typeface="Times New Roman" panose="02020603050405020304" pitchFamily="18" charset="0"/>
-              </a:endParaRPr>
-            </a:p>
-          </p:txBody>
-        </p:sp>
-        <p:sp>
-          <p:nvSpPr>
-            <p:cNvPr id="19" name="Rectangle 18"/>
-            <p:cNvSpPr/>
-            <p:nvPr/>
-          </p:nvSpPr>
-          <p:spPr>
-            <a:xfrm>
-              <a:off x="1867989" y="3149607"/>
-              <a:ext cx="723175" cy="438625"/>
-            </a:xfrm>
-            <a:prstGeom prst="rect">
-              <a:avLst/>
-            </a:prstGeom>
-          </p:spPr>
-          <p:style>
-            <a:lnRef idx="2">
-              <a:schemeClr val="accent2"/>
-            </a:lnRef>
-            <a:fillRef idx="1">
-              <a:schemeClr val="lt1"/>
-            </a:fillRef>
-            <a:effectRef idx="0">
-              <a:schemeClr val="accent2"/>
-            </a:effectRef>
-            <a:fontRef idx="minor">
-              <a:schemeClr val="dk1"/>
-            </a:fontRef>
-          </p:style>
-          <p:txBody>
-            <a:bodyPr rtlCol="0" anchor="ctr"/>
-            <a:lstStyle/>
-            <a:p>
-              <a:pPr algn="ctr"/>
-              <a:r>
-                <a:rPr lang="en-US" sz="1000" dirty="0" err="1" smtClean="0">
-                  <a:latin typeface="Times New Roman" panose="02020603050405020304" pitchFamily="18" charset="0"/>
-                  <a:cs typeface="Times New Roman" panose="02020603050405020304" pitchFamily="18" charset="0"/>
-                </a:rPr>
-                <a:t>Ibmap</a:t>
-              </a:r>
-              <a:r>
-                <a:rPr lang="en-US" sz="1000" dirty="0" smtClean="0">
-                  <a:latin typeface="Times New Roman" panose="02020603050405020304" pitchFamily="18" charset="0"/>
-                  <a:cs typeface="Times New Roman" panose="02020603050405020304" pitchFamily="18" charset="0"/>
-                </a:rPr>
-                <a:t> blocks</a:t>
-              </a:r>
-              <a:endParaRPr lang="en-US" sz="1000" dirty="0">
+              </a:rPr>
+              <a:t>Data blocks</a:t>
+            </a:r>
+            <a:endParaRPr lang="en-US" sz="1000" dirty="0">
+              <a:latin typeface="Times New Roman" panose="02020603050405020304" pitchFamily="18" charset="0"/>
+              <a:cs typeface="Times New Roman" panose="02020603050405020304" pitchFamily="18" charset="0"/>
+            </a:endParaRPr>
+          </a:p>
+        </p:txBody>
+      </p:sp>
+      <p:sp>
+        <p:nvSpPr>
+          <p:cNvPr id="19" name="Rectangle 18"/>
+          <p:cNvSpPr/>
+          <p:nvPr/>
+        </p:nvSpPr>
+        <p:spPr>
+          <a:xfrm>
+            <a:off x="2217295" y="3149607"/>
+            <a:ext cx="723175" cy="438625"/>
+          </a:xfrm>
+          <a:prstGeom prst="rect">
+            <a:avLst/>
+          </a:prstGeom>
+        </p:spPr>
+        <p:style>
+          <a:lnRef idx="2">
+            <a:schemeClr val="accent2"/>
+          </a:lnRef>
+          <a:fillRef idx="1">
+            <a:schemeClr val="lt1"/>
+          </a:fillRef>
+          <a:effectRef idx="0">
+            <a:schemeClr val="accent2"/>
+          </a:effectRef>
+          <a:fontRef idx="minor">
+            <a:schemeClr val="dk1"/>
+          </a:fontRef>
+        </p:style>
+        <p:txBody>
+          <a:bodyPr rtlCol="0" anchor="ctr"/>
+          <a:lstStyle/>
+          <a:p>
+            <a:pPr algn="ctr"/>
+            <a:r>
+              <a:rPr lang="en-US" sz="1000" dirty="0" err="1" smtClean="0">
                 <a:latin typeface="Times New Roman" panose="02020603050405020304" pitchFamily="18" charset="0"/>
                 <a:cs typeface="Times New Roman" panose="02020603050405020304" pitchFamily="18" charset="0"/>
-              </a:endParaRPr>
-            </a:p>
-          </p:txBody>
-        </p:sp>
-        <p:sp>
-          <p:nvSpPr>
-            <p:cNvPr id="25" name="Rectangle 24"/>
-            <p:cNvSpPr/>
-            <p:nvPr/>
-          </p:nvSpPr>
-          <p:spPr>
-            <a:xfrm>
-              <a:off x="1136127" y="2016124"/>
-              <a:ext cx="4121579" cy="263237"/>
-            </a:xfrm>
-            <a:prstGeom prst="rect">
-              <a:avLst/>
-            </a:prstGeom>
-          </p:spPr>
-          <p:style>
-            <a:lnRef idx="2">
-              <a:schemeClr val="accent2"/>
-            </a:lnRef>
-            <a:fillRef idx="1">
-              <a:schemeClr val="lt1"/>
-            </a:fillRef>
-            <a:effectRef idx="0">
-              <a:schemeClr val="accent2"/>
-            </a:effectRef>
-            <a:fontRef idx="minor">
-              <a:schemeClr val="dk1"/>
-            </a:fontRef>
-          </p:style>
-          <p:txBody>
-            <a:bodyPr rtlCol="0" anchor="ctr"/>
-            <a:lstStyle/>
-            <a:p>
-              <a:pPr algn="ctr"/>
-              <a:r>
-                <a:rPr lang="en-US" sz="1000" dirty="0" smtClean="0">
-                  <a:latin typeface="Times New Roman" panose="02020603050405020304" pitchFamily="18" charset="0"/>
-                  <a:cs typeface="Times New Roman" panose="02020603050405020304" pitchFamily="18" charset="0"/>
-                </a:rPr>
-                <a:t>Driver, File Handles</a:t>
-              </a:r>
-              <a:endParaRPr lang="en-US" sz="1000" dirty="0">
+              </a:rPr>
+              <a:t>Ibmap</a:t>
+            </a:r>
+            <a:r>
+              <a:rPr lang="en-US" sz="1000" dirty="0" smtClean="0">
                 <a:latin typeface="Times New Roman" panose="02020603050405020304" pitchFamily="18" charset="0"/>
                 <a:cs typeface="Times New Roman" panose="02020603050405020304" pitchFamily="18" charset="0"/>
-              </a:endParaRPr>
-            </a:p>
-          </p:txBody>
-        </p:sp>
-        <p:cxnSp>
-          <p:nvCxnSpPr>
-            <p:cNvPr id="28" name="Straight Connector 27"/>
-            <p:cNvCxnSpPr>
-              <a:stCxn id="21" idx="1"/>
-              <a:endCxn id="13" idx="2"/>
-            </p:cNvCxnSpPr>
-            <p:nvPr/>
-          </p:nvCxnSpPr>
-          <p:spPr>
-            <a:xfrm flipH="1" flipV="1">
-              <a:off x="1473666" y="3588232"/>
-              <a:ext cx="153794" cy="366280"/>
-            </a:xfrm>
-            <a:prstGeom prst="line">
-              <a:avLst/>
-            </a:prstGeom>
-            <a:ln w="9525">
-              <a:solidFill>
-                <a:schemeClr val="tx1"/>
-              </a:solidFill>
-              <a:prstDash val="dash"/>
-              <a:headEnd type="triangle" w="med" len="med"/>
-              <a:tailEnd type="triangle" w="med" len="med"/>
-            </a:ln>
-          </p:spPr>
-          <p:style>
-            <a:lnRef idx="1">
-              <a:schemeClr val="accent1"/>
-            </a:lnRef>
-            <a:fillRef idx="0">
-              <a:schemeClr val="accent1"/>
-            </a:fillRef>
-            <a:effectRef idx="0">
-              <a:schemeClr val="accent1"/>
-            </a:effectRef>
-            <a:fontRef idx="minor">
-              <a:schemeClr val="tx1"/>
-            </a:fontRef>
-          </p:style>
-        </p:cxnSp>
-        <p:cxnSp>
-          <p:nvCxnSpPr>
-            <p:cNvPr id="30" name="Straight Connector 29"/>
-            <p:cNvCxnSpPr>
-              <a:stCxn id="19" idx="2"/>
-              <a:endCxn id="21" idx="1"/>
-            </p:cNvCxnSpPr>
-            <p:nvPr/>
-          </p:nvCxnSpPr>
-          <p:spPr>
-            <a:xfrm flipH="1">
-              <a:off x="1627460" y="3588232"/>
-              <a:ext cx="602117" cy="366280"/>
-            </a:xfrm>
-            <a:prstGeom prst="line">
-              <a:avLst/>
-            </a:prstGeom>
-            <a:ln w="9525">
-              <a:solidFill>
-                <a:schemeClr val="tx1"/>
-              </a:solidFill>
-              <a:prstDash val="dash"/>
-              <a:headEnd type="triangle" w="med" len="med"/>
-              <a:tailEnd type="triangle" w="med" len="med"/>
-            </a:ln>
-          </p:spPr>
-          <p:style>
-            <a:lnRef idx="1">
-              <a:schemeClr val="accent1"/>
-            </a:lnRef>
-            <a:fillRef idx="0">
-              <a:schemeClr val="accent1"/>
-            </a:fillRef>
-            <a:effectRef idx="0">
-              <a:schemeClr val="accent1"/>
-            </a:effectRef>
-            <a:fontRef idx="minor">
-              <a:schemeClr val="tx1"/>
-            </a:fontRef>
-          </p:style>
-        </p:cxnSp>
-        <p:cxnSp>
-          <p:nvCxnSpPr>
-            <p:cNvPr id="34" name="Straight Connector 33"/>
-            <p:cNvCxnSpPr>
-              <a:stCxn id="17" idx="2"/>
-              <a:endCxn id="21" idx="1"/>
-            </p:cNvCxnSpPr>
-            <p:nvPr/>
-          </p:nvCxnSpPr>
-          <p:spPr>
-            <a:xfrm flipH="1">
-              <a:off x="1627460" y="3588232"/>
-              <a:ext cx="2042786" cy="366280"/>
-            </a:xfrm>
-            <a:prstGeom prst="line">
-              <a:avLst/>
-            </a:prstGeom>
-            <a:ln w="9525">
-              <a:solidFill>
-                <a:schemeClr val="tx1"/>
-              </a:solidFill>
-              <a:prstDash val="dash"/>
-              <a:headEnd type="triangle" w="med" len="med"/>
-              <a:tailEnd type="triangle" w="med" len="med"/>
-            </a:ln>
-          </p:spPr>
-          <p:style>
-            <a:lnRef idx="1">
-              <a:schemeClr val="accent1"/>
-            </a:lnRef>
-            <a:fillRef idx="0">
-              <a:schemeClr val="accent1"/>
-            </a:fillRef>
-            <a:effectRef idx="0">
-              <a:schemeClr val="accent1"/>
-            </a:effectRef>
-            <a:fontRef idx="minor">
-              <a:schemeClr val="tx1"/>
-            </a:fontRef>
-          </p:style>
-        </p:cxnSp>
-        <p:cxnSp>
-          <p:nvCxnSpPr>
-            <p:cNvPr id="38" name="Straight Connector 37"/>
-            <p:cNvCxnSpPr>
-              <a:stCxn id="18" idx="2"/>
-              <a:endCxn id="22" idx="1"/>
-            </p:cNvCxnSpPr>
-            <p:nvPr/>
-          </p:nvCxnSpPr>
-          <p:spPr>
-            <a:xfrm flipH="1">
-              <a:off x="3863565" y="3588232"/>
-              <a:ext cx="940207" cy="366280"/>
-            </a:xfrm>
-            <a:prstGeom prst="line">
-              <a:avLst/>
-            </a:prstGeom>
-            <a:ln w="9525">
-              <a:solidFill>
-                <a:schemeClr val="tx1"/>
-              </a:solidFill>
-              <a:prstDash val="dash"/>
-              <a:headEnd type="triangle" w="med" len="med"/>
-              <a:tailEnd type="triangle" w="med" len="med"/>
-            </a:ln>
-          </p:spPr>
-          <p:style>
-            <a:lnRef idx="1">
-              <a:schemeClr val="accent1"/>
-            </a:lnRef>
-            <a:fillRef idx="0">
-              <a:schemeClr val="accent1"/>
-            </a:fillRef>
-            <a:effectRef idx="0">
-              <a:schemeClr val="accent1"/>
-            </a:effectRef>
-            <a:fontRef idx="minor">
-              <a:schemeClr val="tx1"/>
-            </a:fontRef>
-          </p:style>
-        </p:cxnSp>
-        <p:cxnSp>
-          <p:nvCxnSpPr>
-            <p:cNvPr id="40" name="Straight Connector 39"/>
-            <p:cNvCxnSpPr>
-              <a:stCxn id="18" idx="2"/>
-              <a:endCxn id="23" idx="1"/>
-            </p:cNvCxnSpPr>
-            <p:nvPr/>
-          </p:nvCxnSpPr>
-          <p:spPr>
-            <a:xfrm>
-              <a:off x="4803772" y="3588232"/>
-              <a:ext cx="96703" cy="366280"/>
-            </a:xfrm>
-            <a:prstGeom prst="line">
-              <a:avLst/>
-            </a:prstGeom>
-            <a:ln w="9525">
-              <a:solidFill>
-                <a:schemeClr val="tx1"/>
-              </a:solidFill>
-              <a:prstDash val="dash"/>
-              <a:headEnd type="triangle" w="med" len="med"/>
-              <a:tailEnd type="triangle" w="med" len="med"/>
-            </a:ln>
-          </p:spPr>
-          <p:style>
-            <a:lnRef idx="1">
-              <a:schemeClr val="accent1"/>
-            </a:lnRef>
-            <a:fillRef idx="0">
-              <a:schemeClr val="accent1"/>
-            </a:fillRef>
-            <a:effectRef idx="0">
-              <a:schemeClr val="accent1"/>
-            </a:effectRef>
-            <a:fontRef idx="minor">
-              <a:schemeClr val="tx1"/>
-            </a:fontRef>
-          </p:style>
-        </p:cxnSp>
-        <p:cxnSp>
-          <p:nvCxnSpPr>
-            <p:cNvPr id="42" name="Straight Arrow Connector 41"/>
-            <p:cNvCxnSpPr>
-              <a:stCxn id="25" idx="2"/>
-              <a:endCxn id="20" idx="0"/>
-            </p:cNvCxnSpPr>
-            <p:nvPr/>
-          </p:nvCxnSpPr>
-          <p:spPr>
-            <a:xfrm>
-              <a:off x="3196917" y="2279361"/>
-              <a:ext cx="0" cy="514796"/>
-            </a:xfrm>
-            <a:prstGeom prst="straightConnector1">
-              <a:avLst/>
-            </a:prstGeom>
-            <a:ln w="9525">
-              <a:solidFill>
-                <a:schemeClr val="tx1"/>
-              </a:solidFill>
-              <a:prstDash val="dash"/>
-              <a:headEnd type="triangle" w="med" len="med"/>
-              <a:tailEnd type="triangle" w="med" len="med"/>
-            </a:ln>
-          </p:spPr>
-          <p:style>
-            <a:lnRef idx="1">
-              <a:schemeClr val="accent1"/>
-            </a:lnRef>
-            <a:fillRef idx="0">
-              <a:schemeClr val="accent1"/>
-            </a:fillRef>
-            <a:effectRef idx="0">
-              <a:schemeClr val="accent1"/>
-            </a:effectRef>
-            <a:fontRef idx="minor">
-              <a:schemeClr val="tx1"/>
-            </a:fontRef>
-          </p:style>
-        </p:cxnSp>
-        <p:sp>
-          <p:nvSpPr>
-            <p:cNvPr id="43" name="Rectangle 42"/>
-            <p:cNvSpPr/>
-            <p:nvPr/>
-          </p:nvSpPr>
-          <p:spPr>
-            <a:xfrm>
-              <a:off x="2636925" y="3149607"/>
-              <a:ext cx="723175" cy="438625"/>
-            </a:xfrm>
-            <a:prstGeom prst="rect">
-              <a:avLst/>
-            </a:prstGeom>
-          </p:spPr>
-          <p:style>
-            <a:lnRef idx="2">
-              <a:schemeClr val="accent2"/>
-            </a:lnRef>
-            <a:fillRef idx="1">
-              <a:schemeClr val="lt1"/>
-            </a:fillRef>
-            <a:effectRef idx="0">
-              <a:schemeClr val="accent2"/>
-            </a:effectRef>
-            <a:fontRef idx="minor">
-              <a:schemeClr val="dk1"/>
-            </a:fontRef>
-          </p:style>
-          <p:txBody>
-            <a:bodyPr rtlCol="0" anchor="ctr"/>
-            <a:lstStyle/>
-            <a:p>
-              <a:pPr algn="ctr"/>
-              <a:r>
-                <a:rPr lang="en-US" sz="1000" dirty="0" err="1" smtClean="0">
-                  <a:latin typeface="Times New Roman" panose="02020603050405020304" pitchFamily="18" charset="0"/>
-                  <a:cs typeface="Times New Roman" panose="02020603050405020304" pitchFamily="18" charset="0"/>
-                </a:rPr>
-                <a:t>Inode</a:t>
-              </a:r>
-              <a:r>
-                <a:rPr lang="en-US" sz="1000" dirty="0" smtClean="0">
-                  <a:latin typeface="Times New Roman" panose="02020603050405020304" pitchFamily="18" charset="0"/>
-                  <a:cs typeface="Times New Roman" panose="02020603050405020304" pitchFamily="18" charset="0"/>
-                </a:rPr>
-                <a:t> blocks</a:t>
-              </a:r>
-              <a:endParaRPr lang="en-US" sz="1000" dirty="0">
+              </a:rPr>
+              <a:t> blocks</a:t>
+            </a:r>
+            <a:endParaRPr lang="en-US" sz="1000" dirty="0">
+              <a:latin typeface="Times New Roman" panose="02020603050405020304" pitchFamily="18" charset="0"/>
+              <a:cs typeface="Times New Roman" panose="02020603050405020304" pitchFamily="18" charset="0"/>
+            </a:endParaRPr>
+          </a:p>
+        </p:txBody>
+      </p:sp>
+      <p:sp>
+        <p:nvSpPr>
+          <p:cNvPr id="25" name="Rectangle 24"/>
+          <p:cNvSpPr/>
+          <p:nvPr/>
+        </p:nvSpPr>
+        <p:spPr>
+          <a:xfrm>
+            <a:off x="1136127" y="2016124"/>
+            <a:ext cx="4121579" cy="263237"/>
+          </a:xfrm>
+          <a:prstGeom prst="rect">
+            <a:avLst/>
+          </a:prstGeom>
+        </p:spPr>
+        <p:style>
+          <a:lnRef idx="2">
+            <a:schemeClr val="accent2"/>
+          </a:lnRef>
+          <a:fillRef idx="1">
+            <a:schemeClr val="lt1"/>
+          </a:fillRef>
+          <a:effectRef idx="0">
+            <a:schemeClr val="accent2"/>
+          </a:effectRef>
+          <a:fontRef idx="minor">
+            <a:schemeClr val="dk1"/>
+          </a:fontRef>
+        </p:style>
+        <p:txBody>
+          <a:bodyPr rtlCol="0" anchor="ctr"/>
+          <a:lstStyle/>
+          <a:p>
+            <a:pPr algn="ctr"/>
+            <a:r>
+              <a:rPr lang="en-US" sz="1000" dirty="0" smtClean="0">
                 <a:latin typeface="Times New Roman" panose="02020603050405020304" pitchFamily="18" charset="0"/>
                 <a:cs typeface="Times New Roman" panose="02020603050405020304" pitchFamily="18" charset="0"/>
-              </a:endParaRPr>
-            </a:p>
-          </p:txBody>
-        </p:sp>
-        <p:cxnSp>
-          <p:nvCxnSpPr>
-            <p:cNvPr id="92" name="Straight Arrow Connector 91"/>
-            <p:cNvCxnSpPr>
-              <a:stCxn id="43" idx="2"/>
-              <a:endCxn id="21" idx="1"/>
-            </p:cNvCxnSpPr>
-            <p:nvPr/>
-          </p:nvCxnSpPr>
-          <p:spPr>
-            <a:xfrm flipH="1">
-              <a:off x="1627460" y="3588232"/>
-              <a:ext cx="1371053" cy="366280"/>
-            </a:xfrm>
-            <a:prstGeom prst="straightConnector1">
-              <a:avLst/>
-            </a:prstGeom>
-            <a:ln w="9525">
-              <a:solidFill>
-                <a:schemeClr val="tx1"/>
-              </a:solidFill>
-              <a:prstDash val="dash"/>
-              <a:headEnd type="triangle" w="med" len="med"/>
-              <a:tailEnd type="triangle" w="med" len="med"/>
-            </a:ln>
-          </p:spPr>
-          <p:style>
-            <a:lnRef idx="1">
-              <a:schemeClr val="accent1"/>
-            </a:lnRef>
-            <a:fillRef idx="0">
-              <a:schemeClr val="accent1"/>
-            </a:fillRef>
-            <a:effectRef idx="0">
-              <a:schemeClr val="accent1"/>
-            </a:effectRef>
-            <a:fontRef idx="minor">
+              </a:rPr>
+              <a:t>Driver, File Handles</a:t>
+            </a:r>
+            <a:endParaRPr lang="en-US" sz="1000" dirty="0">
+              <a:latin typeface="Times New Roman" panose="02020603050405020304" pitchFamily="18" charset="0"/>
+              <a:cs typeface="Times New Roman" panose="02020603050405020304" pitchFamily="18" charset="0"/>
+            </a:endParaRPr>
+          </a:p>
+        </p:txBody>
+      </p:sp>
+      <p:cxnSp>
+        <p:nvCxnSpPr>
+          <p:cNvPr id="28" name="Straight Connector 27"/>
+          <p:cNvCxnSpPr>
+            <a:stCxn id="21" idx="1"/>
+            <a:endCxn id="13" idx="2"/>
+          </p:cNvCxnSpPr>
+          <p:nvPr/>
+        </p:nvCxnSpPr>
+        <p:spPr>
+          <a:xfrm flipV="1">
+            <a:off x="1627460" y="3588232"/>
+            <a:ext cx="0" cy="366280"/>
+          </a:xfrm>
+          <a:prstGeom prst="line">
+            <a:avLst/>
+          </a:prstGeom>
+          <a:ln w="9525">
+            <a:solidFill>
               <a:schemeClr val="tx1"/>
-            </a:fontRef>
-          </p:style>
-        </p:cxnSp>
-      </p:grpSp>
+            </a:solidFill>
+            <a:prstDash val="dash"/>
+            <a:headEnd type="triangle" w="med" len="med"/>
+            <a:tailEnd type="triangle" w="med" len="med"/>
+          </a:ln>
+        </p:spPr>
+        <p:style>
+          <a:lnRef idx="1">
+            <a:schemeClr val="accent1"/>
+          </a:lnRef>
+          <a:fillRef idx="0">
+            <a:schemeClr val="accent1"/>
+          </a:fillRef>
+          <a:effectRef idx="0">
+            <a:schemeClr val="accent1"/>
+          </a:effectRef>
+          <a:fontRef idx="minor">
+            <a:schemeClr val="tx1"/>
+          </a:fontRef>
+        </p:style>
+      </p:cxnSp>
+      <p:cxnSp>
+        <p:nvCxnSpPr>
+          <p:cNvPr id="30" name="Straight Connector 29"/>
+          <p:cNvCxnSpPr>
+            <a:stCxn id="19" idx="2"/>
+            <a:endCxn id="23" idx="1"/>
+          </p:cNvCxnSpPr>
+          <p:nvPr/>
+        </p:nvCxnSpPr>
+        <p:spPr>
+          <a:xfrm>
+            <a:off x="2578883" y="3588232"/>
+            <a:ext cx="2200519" cy="366280"/>
+          </a:xfrm>
+          <a:prstGeom prst="line">
+            <a:avLst/>
+          </a:prstGeom>
+          <a:ln w="9525">
+            <a:solidFill>
+              <a:schemeClr val="tx1"/>
+            </a:solidFill>
+            <a:prstDash val="dash"/>
+            <a:headEnd type="triangle" w="med" len="med"/>
+            <a:tailEnd type="triangle" w="med" len="med"/>
+          </a:ln>
+        </p:spPr>
+        <p:style>
+          <a:lnRef idx="1">
+            <a:schemeClr val="accent1"/>
+          </a:lnRef>
+          <a:fillRef idx="0">
+            <a:schemeClr val="accent1"/>
+          </a:fillRef>
+          <a:effectRef idx="0">
+            <a:schemeClr val="accent1"/>
+          </a:effectRef>
+          <a:fontRef idx="minor">
+            <a:schemeClr val="tx1"/>
+          </a:fontRef>
+        </p:style>
+      </p:cxnSp>
+      <p:cxnSp>
+        <p:nvCxnSpPr>
+          <p:cNvPr id="34" name="Straight Connector 33"/>
+          <p:cNvCxnSpPr>
+            <a:stCxn id="17" idx="2"/>
+            <a:endCxn id="23" idx="1"/>
+          </p:cNvCxnSpPr>
+          <p:nvPr/>
+        </p:nvCxnSpPr>
+        <p:spPr>
+          <a:xfrm>
+            <a:off x="4030554" y="3588232"/>
+            <a:ext cx="748848" cy="366280"/>
+          </a:xfrm>
+          <a:prstGeom prst="line">
+            <a:avLst/>
+          </a:prstGeom>
+          <a:ln w="9525">
+            <a:solidFill>
+              <a:schemeClr val="tx1"/>
+            </a:solidFill>
+            <a:prstDash val="dash"/>
+            <a:headEnd type="triangle" w="med" len="med"/>
+            <a:tailEnd type="triangle" w="med" len="med"/>
+          </a:ln>
+        </p:spPr>
+        <p:style>
+          <a:lnRef idx="1">
+            <a:schemeClr val="accent1"/>
+          </a:lnRef>
+          <a:fillRef idx="0">
+            <a:schemeClr val="accent1"/>
+          </a:fillRef>
+          <a:effectRef idx="0">
+            <a:schemeClr val="accent1"/>
+          </a:effectRef>
+          <a:fontRef idx="minor">
+            <a:schemeClr val="tx1"/>
+          </a:fontRef>
+        </p:style>
+      </p:cxnSp>
+      <p:cxnSp>
+        <p:nvCxnSpPr>
+          <p:cNvPr id="38" name="Straight Connector 37"/>
+          <p:cNvCxnSpPr>
+            <a:stCxn id="18" idx="2"/>
+            <a:endCxn id="22" idx="1"/>
+          </p:cNvCxnSpPr>
+          <p:nvPr/>
+        </p:nvCxnSpPr>
+        <p:spPr>
+          <a:xfrm flipH="1">
+            <a:off x="3742492" y="3588232"/>
+            <a:ext cx="1061280" cy="366280"/>
+          </a:xfrm>
+          <a:prstGeom prst="line">
+            <a:avLst/>
+          </a:prstGeom>
+          <a:ln w="9525">
+            <a:solidFill>
+              <a:schemeClr val="tx1"/>
+            </a:solidFill>
+            <a:prstDash val="dash"/>
+            <a:headEnd type="triangle" w="med" len="med"/>
+            <a:tailEnd type="triangle" w="med" len="med"/>
+          </a:ln>
+        </p:spPr>
+        <p:style>
+          <a:lnRef idx="1">
+            <a:schemeClr val="accent1"/>
+          </a:lnRef>
+          <a:fillRef idx="0">
+            <a:schemeClr val="accent1"/>
+          </a:fillRef>
+          <a:effectRef idx="0">
+            <a:schemeClr val="accent1"/>
+          </a:effectRef>
+          <a:fontRef idx="minor">
+            <a:schemeClr val="tx1"/>
+          </a:fontRef>
+        </p:style>
+      </p:cxnSp>
+      <p:cxnSp>
+        <p:nvCxnSpPr>
+          <p:cNvPr id="40" name="Straight Connector 39"/>
+          <p:cNvCxnSpPr>
+            <a:stCxn id="18" idx="2"/>
+            <a:endCxn id="23" idx="1"/>
+          </p:cNvCxnSpPr>
+          <p:nvPr/>
+        </p:nvCxnSpPr>
+        <p:spPr>
+          <a:xfrm flipH="1">
+            <a:off x="4779402" y="3588232"/>
+            <a:ext cx="24370" cy="366280"/>
+          </a:xfrm>
+          <a:prstGeom prst="line">
+            <a:avLst/>
+          </a:prstGeom>
+          <a:ln w="9525">
+            <a:solidFill>
+              <a:schemeClr val="tx1"/>
+            </a:solidFill>
+            <a:prstDash val="dash"/>
+            <a:headEnd type="triangle" w="med" len="med"/>
+            <a:tailEnd type="triangle" w="med" len="med"/>
+          </a:ln>
+        </p:spPr>
+        <p:style>
+          <a:lnRef idx="1">
+            <a:schemeClr val="accent1"/>
+          </a:lnRef>
+          <a:fillRef idx="0">
+            <a:schemeClr val="accent1"/>
+          </a:fillRef>
+          <a:effectRef idx="0">
+            <a:schemeClr val="accent1"/>
+          </a:effectRef>
+          <a:fontRef idx="minor">
+            <a:schemeClr val="tx1"/>
+          </a:fontRef>
+        </p:style>
+      </p:cxnSp>
+      <p:cxnSp>
+        <p:nvCxnSpPr>
+          <p:cNvPr id="42" name="Straight Arrow Connector 41"/>
+          <p:cNvCxnSpPr>
+            <a:stCxn id="25" idx="2"/>
+            <a:endCxn id="20" idx="0"/>
+          </p:cNvCxnSpPr>
+          <p:nvPr/>
+        </p:nvCxnSpPr>
+        <p:spPr>
+          <a:xfrm>
+            <a:off x="3196917" y="2279361"/>
+            <a:ext cx="0" cy="514796"/>
+          </a:xfrm>
+          <a:prstGeom prst="straightConnector1">
+            <a:avLst/>
+          </a:prstGeom>
+          <a:ln w="9525">
+            <a:solidFill>
+              <a:schemeClr val="tx1"/>
+            </a:solidFill>
+            <a:prstDash val="dash"/>
+            <a:headEnd type="triangle" w="med" len="med"/>
+            <a:tailEnd type="triangle" w="med" len="med"/>
+          </a:ln>
+        </p:spPr>
+        <p:style>
+          <a:lnRef idx="1">
+            <a:schemeClr val="accent1"/>
+          </a:lnRef>
+          <a:fillRef idx="0">
+            <a:schemeClr val="accent1"/>
+          </a:fillRef>
+          <a:effectRef idx="0">
+            <a:schemeClr val="accent1"/>
+          </a:effectRef>
+          <a:fontRef idx="minor">
+            <a:schemeClr val="tx1"/>
+          </a:fontRef>
+        </p:style>
+      </p:cxnSp>
+      <p:sp>
+        <p:nvSpPr>
+          <p:cNvPr id="43" name="Rectangle 42"/>
+          <p:cNvSpPr/>
+          <p:nvPr/>
+        </p:nvSpPr>
+        <p:spPr>
+          <a:xfrm>
+            <a:off x="2995167" y="3149607"/>
+            <a:ext cx="723175" cy="438625"/>
+          </a:xfrm>
+          <a:prstGeom prst="rect">
+            <a:avLst/>
+          </a:prstGeom>
+        </p:spPr>
+        <p:style>
+          <a:lnRef idx="2">
+            <a:schemeClr val="accent2"/>
+          </a:lnRef>
+          <a:fillRef idx="1">
+            <a:schemeClr val="lt1"/>
+          </a:fillRef>
+          <a:effectRef idx="0">
+            <a:schemeClr val="accent2"/>
+          </a:effectRef>
+          <a:fontRef idx="minor">
+            <a:schemeClr val="dk1"/>
+          </a:fontRef>
+        </p:style>
+        <p:txBody>
+          <a:bodyPr rtlCol="0" anchor="ctr"/>
+          <a:lstStyle/>
+          <a:p>
+            <a:pPr algn="ctr"/>
+            <a:r>
+              <a:rPr lang="en-US" sz="1000" dirty="0" err="1" smtClean="0">
+                <a:latin typeface="Times New Roman" panose="02020603050405020304" pitchFamily="18" charset="0"/>
+                <a:cs typeface="Times New Roman" panose="02020603050405020304" pitchFamily="18" charset="0"/>
+              </a:rPr>
+              <a:t>Inode</a:t>
+            </a:r>
+            <a:r>
+              <a:rPr lang="en-US" sz="1000" dirty="0" smtClean="0">
+                <a:latin typeface="Times New Roman" panose="02020603050405020304" pitchFamily="18" charset="0"/>
+                <a:cs typeface="Times New Roman" panose="02020603050405020304" pitchFamily="18" charset="0"/>
+              </a:rPr>
+              <a:t> blocks</a:t>
+            </a:r>
+            <a:endParaRPr lang="en-US" sz="1000" dirty="0">
+              <a:latin typeface="Times New Roman" panose="02020603050405020304" pitchFamily="18" charset="0"/>
+              <a:cs typeface="Times New Roman" panose="02020603050405020304" pitchFamily="18" charset="0"/>
+            </a:endParaRPr>
+          </a:p>
+        </p:txBody>
+      </p:sp>
+      <p:cxnSp>
+        <p:nvCxnSpPr>
+          <p:cNvPr id="92" name="Straight Arrow Connector 91"/>
+          <p:cNvCxnSpPr>
+            <a:stCxn id="43" idx="2"/>
+            <a:endCxn id="23" idx="1"/>
+          </p:cNvCxnSpPr>
+          <p:nvPr/>
+        </p:nvCxnSpPr>
+        <p:spPr>
+          <a:xfrm>
+            <a:off x="3356755" y="3588232"/>
+            <a:ext cx="1422647" cy="366280"/>
+          </a:xfrm>
+          <a:prstGeom prst="straightConnector1">
+            <a:avLst/>
+          </a:prstGeom>
+          <a:ln w="9525">
+            <a:solidFill>
+              <a:schemeClr val="tx1"/>
+            </a:solidFill>
+            <a:prstDash val="dash"/>
+            <a:headEnd type="triangle" w="med" len="med"/>
+            <a:tailEnd type="triangle" w="med" len="med"/>
+          </a:ln>
+        </p:spPr>
+        <p:style>
+          <a:lnRef idx="1">
+            <a:schemeClr val="accent1"/>
+          </a:lnRef>
+          <a:fillRef idx="0">
+            <a:schemeClr val="accent1"/>
+          </a:fillRef>
+          <a:effectRef idx="0">
+            <a:schemeClr val="accent1"/>
+          </a:effectRef>
+          <a:fontRef idx="minor">
+            <a:schemeClr val="tx1"/>
+          </a:fontRef>
+        </p:style>
+      </p:cxnSp>
+      <p:cxnSp>
+        <p:nvCxnSpPr>
+          <p:cNvPr id="27" name="Straight Arrow Connector 26"/>
+          <p:cNvCxnSpPr>
+            <a:stCxn id="19" idx="2"/>
+            <a:endCxn id="22" idx="1"/>
+          </p:cNvCxnSpPr>
+          <p:nvPr/>
+        </p:nvCxnSpPr>
+        <p:spPr>
+          <a:xfrm>
+            <a:off x="2578883" y="3588232"/>
+            <a:ext cx="1163609" cy="366280"/>
+          </a:xfrm>
+          <a:prstGeom prst="straightConnector1">
+            <a:avLst/>
+          </a:prstGeom>
+          <a:ln w="9525">
+            <a:solidFill>
+              <a:schemeClr val="tx1"/>
+            </a:solidFill>
+            <a:prstDash val="dash"/>
+            <a:headEnd type="triangle" w="med" len="med"/>
+            <a:tailEnd type="triangle" w="med" len="med"/>
+          </a:ln>
+        </p:spPr>
+        <p:style>
+          <a:lnRef idx="1">
+            <a:schemeClr val="accent1"/>
+          </a:lnRef>
+          <a:fillRef idx="0">
+            <a:schemeClr val="accent1"/>
+          </a:fillRef>
+          <a:effectRef idx="0">
+            <a:schemeClr val="accent1"/>
+          </a:effectRef>
+          <a:fontRef idx="minor">
+            <a:schemeClr val="tx1"/>
+          </a:fontRef>
+        </p:style>
+      </p:cxnSp>
+      <p:cxnSp>
+        <p:nvCxnSpPr>
+          <p:cNvPr id="32" name="Straight Arrow Connector 31"/>
+          <p:cNvCxnSpPr>
+            <a:endCxn id="22" idx="1"/>
+          </p:cNvCxnSpPr>
+          <p:nvPr/>
+        </p:nvCxnSpPr>
+        <p:spPr>
+          <a:xfrm>
+            <a:off x="3243932" y="3588232"/>
+            <a:ext cx="498560" cy="366280"/>
+          </a:xfrm>
+          <a:prstGeom prst="straightConnector1">
+            <a:avLst/>
+          </a:prstGeom>
+          <a:ln w="9525">
+            <a:solidFill>
+              <a:schemeClr val="tx1"/>
+            </a:solidFill>
+            <a:prstDash val="dash"/>
+            <a:headEnd type="triangle" w="med" len="med"/>
+            <a:tailEnd type="triangle" w="med" len="med"/>
+          </a:ln>
+        </p:spPr>
+        <p:style>
+          <a:lnRef idx="1">
+            <a:schemeClr val="accent1"/>
+          </a:lnRef>
+          <a:fillRef idx="0">
+            <a:schemeClr val="accent1"/>
+          </a:fillRef>
+          <a:effectRef idx="0">
+            <a:schemeClr val="accent1"/>
+          </a:effectRef>
+          <a:fontRef idx="minor">
+            <a:schemeClr val="tx1"/>
+          </a:fontRef>
+        </p:style>
+      </p:cxnSp>
+      <p:cxnSp>
+        <p:nvCxnSpPr>
+          <p:cNvPr id="35" name="Straight Arrow Connector 34"/>
+          <p:cNvCxnSpPr>
+            <a:endCxn id="22" idx="1"/>
+          </p:cNvCxnSpPr>
+          <p:nvPr/>
+        </p:nvCxnSpPr>
+        <p:spPr>
+          <a:xfrm flipH="1">
+            <a:off x="3742492" y="3588232"/>
+            <a:ext cx="155988" cy="366280"/>
+          </a:xfrm>
+          <a:prstGeom prst="straightConnector1">
+            <a:avLst/>
+          </a:prstGeom>
+          <a:ln w="9525">
+            <a:solidFill>
+              <a:schemeClr val="tx1"/>
+            </a:solidFill>
+            <a:prstDash val="dash"/>
+            <a:headEnd type="triangle" w="med" len="med"/>
+            <a:tailEnd type="triangle" w="med" len="med"/>
+          </a:ln>
+        </p:spPr>
+        <p:style>
+          <a:lnRef idx="1">
+            <a:schemeClr val="accent1"/>
+          </a:lnRef>
+          <a:fillRef idx="0">
+            <a:schemeClr val="accent1"/>
+          </a:fillRef>
+          <a:effectRef idx="0">
+            <a:schemeClr val="accent1"/>
+          </a:effectRef>
+          <a:fontRef idx="minor">
+            <a:schemeClr val="tx1"/>
+          </a:fontRef>
+        </p:style>
+      </p:cxnSp>
+      <p:sp>
+        <p:nvSpPr>
+          <p:cNvPr id="63" name="Rounded Rectangle 62"/>
+          <p:cNvSpPr/>
+          <p:nvPr/>
+        </p:nvSpPr>
+        <p:spPr>
+          <a:xfrm>
+            <a:off x="2227776" y="3999710"/>
+            <a:ext cx="914400" cy="395533"/>
+          </a:xfrm>
+          <a:prstGeom prst="roundRect">
+            <a:avLst>
+              <a:gd name="adj" fmla="val 7702"/>
+            </a:avLst>
+          </a:prstGeom>
+        </p:spPr>
+        <p:style>
+          <a:lnRef idx="1">
+            <a:schemeClr val="accent2"/>
+          </a:lnRef>
+          <a:fillRef idx="2">
+            <a:schemeClr val="accent2"/>
+          </a:fillRef>
+          <a:effectRef idx="1">
+            <a:schemeClr val="accent2"/>
+          </a:effectRef>
+          <a:fontRef idx="minor">
+            <a:schemeClr val="dk1"/>
+          </a:fontRef>
+        </p:style>
+        <p:txBody>
+          <a:bodyPr rtlCol="0" anchor="ctr"/>
+          <a:lstStyle/>
+          <a:p>
+            <a:pPr algn="ctr"/>
+            <a:r>
+              <a:rPr lang="en-US" sz="1000" dirty="0">
+                <a:solidFill>
+                  <a:schemeClr val="dk1"/>
+                </a:solidFill>
+                <a:latin typeface="Times New Roman" panose="02020603050405020304" pitchFamily="18" charset="0"/>
+                <a:cs typeface="Times New Roman" panose="02020603050405020304" pitchFamily="18" charset="0"/>
+              </a:rPr>
+              <a:t>pub-sub channels</a:t>
+            </a:r>
+          </a:p>
+        </p:txBody>
+      </p:sp>
+      <p:cxnSp>
+        <p:nvCxnSpPr>
+          <p:cNvPr id="65" name="Straight Arrow Connector 64"/>
+          <p:cNvCxnSpPr>
+            <a:stCxn id="19" idx="2"/>
+            <a:endCxn id="63" idx="0"/>
+          </p:cNvCxnSpPr>
+          <p:nvPr/>
+        </p:nvCxnSpPr>
+        <p:spPr>
+          <a:xfrm>
+            <a:off x="2578883" y="3588232"/>
+            <a:ext cx="106093" cy="411478"/>
+          </a:xfrm>
+          <a:prstGeom prst="straightConnector1">
+            <a:avLst/>
+          </a:prstGeom>
+          <a:ln w="9525">
+            <a:solidFill>
+              <a:schemeClr val="tx1"/>
+            </a:solidFill>
+            <a:prstDash val="dash"/>
+            <a:headEnd type="triangle" w="med" len="med"/>
+            <a:tailEnd type="triangle" w="med" len="med"/>
+          </a:ln>
+        </p:spPr>
+        <p:style>
+          <a:lnRef idx="1">
+            <a:schemeClr val="accent1"/>
+          </a:lnRef>
+          <a:fillRef idx="0">
+            <a:schemeClr val="accent1"/>
+          </a:fillRef>
+          <a:effectRef idx="0">
+            <a:schemeClr val="accent1"/>
+          </a:effectRef>
+          <a:fontRef idx="minor">
+            <a:schemeClr val="tx1"/>
+          </a:fontRef>
+        </p:style>
+      </p:cxnSp>
+      <p:cxnSp>
+        <p:nvCxnSpPr>
+          <p:cNvPr id="67" name="Straight Arrow Connector 66"/>
+          <p:cNvCxnSpPr>
+            <a:stCxn id="43" idx="2"/>
+            <a:endCxn id="63" idx="0"/>
+          </p:cNvCxnSpPr>
+          <p:nvPr/>
+        </p:nvCxnSpPr>
+        <p:spPr>
+          <a:xfrm flipH="1">
+            <a:off x="2684976" y="3588232"/>
+            <a:ext cx="671779" cy="411478"/>
+          </a:xfrm>
+          <a:prstGeom prst="straightConnector1">
+            <a:avLst/>
+          </a:prstGeom>
+          <a:ln w="9525">
+            <a:solidFill>
+              <a:schemeClr val="tx1"/>
+            </a:solidFill>
+            <a:prstDash val="dash"/>
+            <a:headEnd type="triangle" w="med" len="med"/>
+            <a:tailEnd type="triangle" w="med" len="med"/>
+          </a:ln>
+        </p:spPr>
+        <p:style>
+          <a:lnRef idx="1">
+            <a:schemeClr val="accent1"/>
+          </a:lnRef>
+          <a:fillRef idx="0">
+            <a:schemeClr val="accent1"/>
+          </a:fillRef>
+          <a:effectRef idx="0">
+            <a:schemeClr val="accent1"/>
+          </a:effectRef>
+          <a:fontRef idx="minor">
+            <a:schemeClr val="tx1"/>
+          </a:fontRef>
+        </p:style>
+      </p:cxnSp>
     </p:spTree>
     <p:extLst>
       <p:ext uri="{BB962C8B-B14F-4D97-AF65-F5344CB8AC3E}">

--- a/docs/design/figures/fs-design.pptx
+++ b/docs/design/figures/fs-design.pptx
@@ -10,7 +10,9 @@
     <p:sldId id="258" r:id="rId4"/>
     <p:sldId id="259" r:id="rId5"/>
     <p:sldId id="260" r:id="rId6"/>
-    <p:sldId id="261" r:id="rId7"/>
+    <p:sldId id="262" r:id="rId7"/>
+    <p:sldId id="263" r:id="rId8"/>
+    <p:sldId id="261" r:id="rId9"/>
   </p:sldIdLst>
   <p:sldSz cx="6858000" cy="4572000"/>
   <p:notesSz cx="9144000" cy="6858000"/>
@@ -248,7 +250,7 @@
           <a:p>
             <a:fld id="{305C3DB1-8177-46AD-AF81-2EEE95D844A8}" type="datetimeFigureOut">
               <a:rPr lang="en-US" smtClean="0"/>
-              <a:t>3/10/2017</a:t>
+              <a:t>7/25/2017</a:t>
             </a:fld>
             <a:endParaRPr lang="en-US"/>
           </a:p>
@@ -418,7 +420,7 @@
           <a:p>
             <a:fld id="{305C3DB1-8177-46AD-AF81-2EEE95D844A8}" type="datetimeFigureOut">
               <a:rPr lang="en-US" smtClean="0"/>
-              <a:t>3/10/2017</a:t>
+              <a:t>7/25/2017</a:t>
             </a:fld>
             <a:endParaRPr lang="en-US"/>
           </a:p>
@@ -598,7 +600,7 @@
           <a:p>
             <a:fld id="{305C3DB1-8177-46AD-AF81-2EEE95D844A8}" type="datetimeFigureOut">
               <a:rPr lang="en-US" smtClean="0"/>
-              <a:t>3/10/2017</a:t>
+              <a:t>7/25/2017</a:t>
             </a:fld>
             <a:endParaRPr lang="en-US"/>
           </a:p>
@@ -768,7 +770,7 @@
           <a:p>
             <a:fld id="{305C3DB1-8177-46AD-AF81-2EEE95D844A8}" type="datetimeFigureOut">
               <a:rPr lang="en-US" smtClean="0"/>
-              <a:t>3/10/2017</a:t>
+              <a:t>7/25/2017</a:t>
             </a:fld>
             <a:endParaRPr lang="en-US"/>
           </a:p>
@@ -1012,7 +1014,7 @@
           <a:p>
             <a:fld id="{305C3DB1-8177-46AD-AF81-2EEE95D844A8}" type="datetimeFigureOut">
               <a:rPr lang="en-US" smtClean="0"/>
-              <a:t>3/10/2017</a:t>
+              <a:t>7/25/2017</a:t>
             </a:fld>
             <a:endParaRPr lang="en-US"/>
           </a:p>
@@ -1244,7 +1246,7 @@
           <a:p>
             <a:fld id="{305C3DB1-8177-46AD-AF81-2EEE95D844A8}" type="datetimeFigureOut">
               <a:rPr lang="en-US" smtClean="0"/>
-              <a:t>3/10/2017</a:t>
+              <a:t>7/25/2017</a:t>
             </a:fld>
             <a:endParaRPr lang="en-US"/>
           </a:p>
@@ -1611,7 +1613,7 @@
           <a:p>
             <a:fld id="{305C3DB1-8177-46AD-AF81-2EEE95D844A8}" type="datetimeFigureOut">
               <a:rPr lang="en-US" smtClean="0"/>
-              <a:t>3/10/2017</a:t>
+              <a:t>7/25/2017</a:t>
             </a:fld>
             <a:endParaRPr lang="en-US"/>
           </a:p>
@@ -1729,7 +1731,7 @@
           <a:p>
             <a:fld id="{305C3DB1-8177-46AD-AF81-2EEE95D844A8}" type="datetimeFigureOut">
               <a:rPr lang="en-US" smtClean="0"/>
-              <a:t>3/10/2017</a:t>
+              <a:t>7/25/2017</a:t>
             </a:fld>
             <a:endParaRPr lang="en-US"/>
           </a:p>
@@ -1824,7 +1826,7 @@
           <a:p>
             <a:fld id="{305C3DB1-8177-46AD-AF81-2EEE95D844A8}" type="datetimeFigureOut">
               <a:rPr lang="en-US" smtClean="0"/>
-              <a:t>3/10/2017</a:t>
+              <a:t>7/25/2017</a:t>
             </a:fld>
             <a:endParaRPr lang="en-US"/>
           </a:p>
@@ -2101,7 +2103,7 @@
           <a:p>
             <a:fld id="{305C3DB1-8177-46AD-AF81-2EEE95D844A8}" type="datetimeFigureOut">
               <a:rPr lang="en-US" smtClean="0"/>
-              <a:t>3/10/2017</a:t>
+              <a:t>7/25/2017</a:t>
             </a:fld>
             <a:endParaRPr lang="en-US"/>
           </a:p>
@@ -2358,7 +2360,7 @@
           <a:p>
             <a:fld id="{305C3DB1-8177-46AD-AF81-2EEE95D844A8}" type="datetimeFigureOut">
               <a:rPr lang="en-US" smtClean="0"/>
-              <a:t>3/10/2017</a:t>
+              <a:t>7/25/2017</a:t>
             </a:fld>
             <a:endParaRPr lang="en-US"/>
           </a:p>
@@ -2571,7 +2573,7 @@
           <a:p>
             <a:fld id="{305C3DB1-8177-46AD-AF81-2EEE95D844A8}" type="datetimeFigureOut">
               <a:rPr lang="en-US" smtClean="0"/>
-              <a:t>3/10/2017</a:t>
+              <a:t>7/25/2017</a:t>
             </a:fld>
             <a:endParaRPr lang="en-US"/>
           </a:p>
@@ -16303,54 +16305,6 @@
       </p:sp>
       <p:sp>
         <p:nvSpPr>
-          <p:cNvPr id="17" name="Rectangle 16"/>
-          <p:cNvSpPr/>
-          <p:nvPr/>
-        </p:nvSpPr>
-        <p:spPr>
-          <a:xfrm>
-            <a:off x="3773039" y="3149607"/>
-            <a:ext cx="515030" cy="438625"/>
-          </a:xfrm>
-          <a:prstGeom prst="rect">
-            <a:avLst/>
-          </a:prstGeom>
-        </p:spPr>
-        <p:style>
-          <a:lnRef idx="2">
-            <a:schemeClr val="accent2"/>
-          </a:lnRef>
-          <a:fillRef idx="1">
-            <a:schemeClr val="lt1"/>
-          </a:fillRef>
-          <a:effectRef idx="0">
-            <a:schemeClr val="accent2"/>
-          </a:effectRef>
-          <a:fontRef idx="minor">
-            <a:schemeClr val="dk1"/>
-          </a:fontRef>
-        </p:style>
-        <p:txBody>
-          <a:bodyPr rtlCol="0" anchor="ctr"/>
-          <a:lstStyle/>
-          <a:p>
-            <a:pPr algn="ctr"/>
-            <a:r>
-              <a:rPr lang="en-US" sz="1000" dirty="0" err="1" smtClean="0">
-                <a:latin typeface="Times New Roman" panose="02020603050405020304" pitchFamily="18" charset="0"/>
-                <a:cs typeface="Times New Roman" panose="02020603050405020304" pitchFamily="18" charset="0"/>
-              </a:rPr>
-              <a:t>inodes</a:t>
-            </a:r>
-            <a:endParaRPr lang="en-US" sz="1000" dirty="0">
-              <a:latin typeface="Times New Roman" panose="02020603050405020304" pitchFamily="18" charset="0"/>
-              <a:cs typeface="Times New Roman" panose="02020603050405020304" pitchFamily="18" charset="0"/>
-            </a:endParaRPr>
-          </a:p>
-        </p:txBody>
-      </p:sp>
-      <p:sp>
-        <p:nvSpPr>
           <p:cNvPr id="18" name="Rectangle 17"/>
           <p:cNvSpPr/>
           <p:nvPr/>
@@ -16405,8 +16359,8 @@
         </p:nvSpPr>
         <p:spPr>
           <a:xfrm>
-            <a:off x="2217295" y="3149607"/>
-            <a:ext cx="723175" cy="438625"/>
+            <a:off x="2223000" y="3149607"/>
+            <a:ext cx="959012" cy="438625"/>
           </a:xfrm>
           <a:prstGeom prst="rect">
             <a:avLst/>
@@ -16461,7 +16415,7 @@
         <p:spPr>
           <a:xfrm>
             <a:off x="1136127" y="2016124"/>
-            <a:ext cx="4121579" cy="263237"/>
+            <a:ext cx="4121579" cy="287021"/>
           </a:xfrm>
           <a:prstGeom prst="rect">
             <a:avLst/>
@@ -16552,8 +16506,8 @@
         </p:nvCxnSpPr>
         <p:spPr>
           <a:xfrm>
-            <a:off x="2578883" y="3588232"/>
-            <a:ext cx="2200519" cy="366280"/>
+            <a:off x="2702506" y="3588232"/>
+            <a:ext cx="2076896" cy="366280"/>
           </a:xfrm>
           <a:prstGeom prst="line">
             <a:avLst/>
@@ -16586,15 +16540,15 @@
         <p:nvCxnSpPr>
           <p:cNvPr id="34" name="Straight Connector 33"/>
           <p:cNvCxnSpPr>
-            <a:stCxn id="17" idx="2"/>
+            <a:stCxn id="43" idx="2"/>
             <a:endCxn id="23" idx="1"/>
           </p:cNvCxnSpPr>
           <p:nvPr/>
         </p:nvCxnSpPr>
         <p:spPr>
           <a:xfrm>
-            <a:off x="4030554" y="3588232"/>
-            <a:ext cx="748848" cy="366280"/>
+            <a:off x="3762389" y="3588232"/>
+            <a:ext cx="1017013" cy="366280"/>
           </a:xfrm>
           <a:prstGeom prst="line">
             <a:avLst/>
@@ -16716,8 +16670,8 @@
         </p:nvCxnSpPr>
         <p:spPr>
           <a:xfrm>
-            <a:off x="3196917" y="2279361"/>
-            <a:ext cx="0" cy="514796"/>
+            <a:off x="3196917" y="2303145"/>
+            <a:ext cx="0" cy="491012"/>
           </a:xfrm>
           <a:prstGeom prst="straightConnector1">
             <a:avLst/>
@@ -16754,8 +16708,8 @@
         </p:nvSpPr>
         <p:spPr>
           <a:xfrm>
-            <a:off x="2995167" y="3149607"/>
-            <a:ext cx="723175" cy="438625"/>
+            <a:off x="3286220" y="3149607"/>
+            <a:ext cx="952337" cy="438625"/>
           </a:xfrm>
           <a:prstGeom prst="rect">
             <a:avLst/>
@@ -16803,47 +16757,6 @@
       </p:sp>
       <p:cxnSp>
         <p:nvCxnSpPr>
-          <p:cNvPr id="92" name="Straight Arrow Connector 91"/>
-          <p:cNvCxnSpPr>
-            <a:stCxn id="43" idx="2"/>
-            <a:endCxn id="23" idx="1"/>
-          </p:cNvCxnSpPr>
-          <p:nvPr/>
-        </p:nvCxnSpPr>
-        <p:spPr>
-          <a:xfrm>
-            <a:off x="3356755" y="3588232"/>
-            <a:ext cx="1422647" cy="366280"/>
-          </a:xfrm>
-          <a:prstGeom prst="straightConnector1">
-            <a:avLst/>
-          </a:prstGeom>
-          <a:ln w="9525">
-            <a:solidFill>
-              <a:schemeClr val="tx1"/>
-            </a:solidFill>
-            <a:prstDash val="dash"/>
-            <a:headEnd type="triangle" w="med" len="med"/>
-            <a:tailEnd type="triangle" w="med" len="med"/>
-          </a:ln>
-        </p:spPr>
-        <p:style>
-          <a:lnRef idx="1">
-            <a:schemeClr val="accent1"/>
-          </a:lnRef>
-          <a:fillRef idx="0">
-            <a:schemeClr val="accent1"/>
-          </a:fillRef>
-          <a:effectRef idx="0">
-            <a:schemeClr val="accent1"/>
-          </a:effectRef>
-          <a:fontRef idx="minor">
-            <a:schemeClr val="tx1"/>
-          </a:fontRef>
-        </p:style>
-      </p:cxnSp>
-      <p:cxnSp>
-        <p:nvCxnSpPr>
           <p:cNvPr id="27" name="Straight Arrow Connector 26"/>
           <p:cNvCxnSpPr>
             <a:stCxn id="19" idx="2"/>
@@ -16853,48 +16766,8 @@
         </p:nvCxnSpPr>
         <p:spPr>
           <a:xfrm>
-            <a:off x="2578883" y="3588232"/>
-            <a:ext cx="1163609" cy="366280"/>
-          </a:xfrm>
-          <a:prstGeom prst="straightConnector1">
-            <a:avLst/>
-          </a:prstGeom>
-          <a:ln w="9525">
-            <a:solidFill>
-              <a:schemeClr val="tx1"/>
-            </a:solidFill>
-            <a:prstDash val="dash"/>
-            <a:headEnd type="triangle" w="med" len="med"/>
-            <a:tailEnd type="triangle" w="med" len="med"/>
-          </a:ln>
-        </p:spPr>
-        <p:style>
-          <a:lnRef idx="1">
-            <a:schemeClr val="accent1"/>
-          </a:lnRef>
-          <a:fillRef idx="0">
-            <a:schemeClr val="accent1"/>
-          </a:fillRef>
-          <a:effectRef idx="0">
-            <a:schemeClr val="accent1"/>
-          </a:effectRef>
-          <a:fontRef idx="minor">
-            <a:schemeClr val="tx1"/>
-          </a:fontRef>
-        </p:style>
-      </p:cxnSp>
-      <p:cxnSp>
-        <p:nvCxnSpPr>
-          <p:cNvPr id="32" name="Straight Arrow Connector 31"/>
-          <p:cNvCxnSpPr>
-            <a:endCxn id="22" idx="1"/>
-          </p:cNvCxnSpPr>
-          <p:nvPr/>
-        </p:nvCxnSpPr>
-        <p:spPr>
-          <a:xfrm>
-            <a:off x="3243932" y="3588232"/>
-            <a:ext cx="498560" cy="366280"/>
+            <a:off x="2702506" y="3588232"/>
+            <a:ext cx="1039986" cy="366280"/>
           </a:xfrm>
           <a:prstGeom prst="straightConnector1">
             <a:avLst/>
@@ -16927,6 +16800,7 @@
         <p:nvCxnSpPr>
           <p:cNvPr id="35" name="Straight Arrow Connector 34"/>
           <p:cNvCxnSpPr>
+            <a:stCxn id="43" idx="2"/>
             <a:endCxn id="22" idx="1"/>
           </p:cNvCxnSpPr>
           <p:nvPr/>
@@ -16934,7 +16808,7 @@
         <p:spPr>
           <a:xfrm flipH="1">
             <a:off x="3742492" y="3588232"/>
-            <a:ext cx="155988" cy="366280"/>
+            <a:ext cx="19897" cy="366280"/>
           </a:xfrm>
           <a:prstGeom prst="straightConnector1">
             <a:avLst/>
@@ -17022,9 +16896,9 @@
           <p:nvPr/>
         </p:nvCxnSpPr>
         <p:spPr>
-          <a:xfrm>
-            <a:off x="2578883" y="3588232"/>
-            <a:ext cx="106093" cy="411478"/>
+          <a:xfrm flipH="1">
+            <a:off x="2684976" y="3588232"/>
+            <a:ext cx="17530" cy="411478"/>
           </a:xfrm>
           <a:prstGeom prst="straightConnector1">
             <a:avLst/>
@@ -17065,7 +16939,7 @@
         <p:spPr>
           <a:xfrm flipH="1">
             <a:off x="2684976" y="3588232"/>
-            <a:ext cx="671779" cy="411478"/>
+            <a:ext cx="1077413" cy="411478"/>
           </a:xfrm>
           <a:prstGeom prst="straightConnector1">
             <a:avLst/>
@@ -17108,6 +16982,2683 @@
 </file>
 
 <file path=ppt/slides/slide6.xml><?xml version="1.0" encoding="utf-8"?>
+<p:sld xmlns:a="http://schemas.openxmlformats.org/drawingml/2006/main" xmlns:r="http://schemas.openxmlformats.org/officeDocument/2006/relationships" xmlns:p="http://schemas.openxmlformats.org/presentationml/2006/main">
+  <p:cSld>
+    <p:spTree>
+      <p:nvGrpSpPr>
+        <p:cNvPr id="1" name=""/>
+        <p:cNvGrpSpPr/>
+        <p:nvPr/>
+      </p:nvGrpSpPr>
+      <p:grpSpPr>
+        <a:xfrm>
+          <a:off x="0" y="0"/>
+          <a:ext cx="0" cy="0"/>
+          <a:chOff x="0" y="0"/>
+          <a:chExt cx="0" cy="0"/>
+        </a:xfrm>
+      </p:grpSpPr>
+      <p:grpSp>
+        <p:nvGrpSpPr>
+          <p:cNvPr id="24" name="Group 23"/>
+          <p:cNvGrpSpPr/>
+          <p:nvPr/>
+        </p:nvGrpSpPr>
+        <p:grpSpPr>
+          <a:xfrm>
+            <a:off x="884839" y="1234843"/>
+            <a:ext cx="2006699" cy="1063767"/>
+            <a:chOff x="226870" y="239331"/>
+            <a:chExt cx="2767790" cy="1535710"/>
+          </a:xfrm>
+        </p:grpSpPr>
+        <p:sp>
+          <p:nvSpPr>
+            <p:cNvPr id="4" name="Rectangle 3"/>
+            <p:cNvSpPr/>
+            <p:nvPr/>
+          </p:nvSpPr>
+          <p:spPr>
+            <a:xfrm>
+              <a:off x="226870" y="574891"/>
+              <a:ext cx="1342850" cy="301409"/>
+            </a:xfrm>
+            <a:prstGeom prst="rect">
+              <a:avLst/>
+            </a:prstGeom>
+            <a:solidFill>
+              <a:schemeClr val="bg1"/>
+            </a:solidFill>
+            <a:ln>
+              <a:solidFill>
+                <a:schemeClr val="tx1"/>
+              </a:solidFill>
+            </a:ln>
+          </p:spPr>
+          <p:style>
+            <a:lnRef idx="2">
+              <a:schemeClr val="accent1">
+                <a:shade val="50000"/>
+              </a:schemeClr>
+            </a:lnRef>
+            <a:fillRef idx="1">
+              <a:schemeClr val="accent1"/>
+            </a:fillRef>
+            <a:effectRef idx="0">
+              <a:schemeClr val="accent1"/>
+            </a:effectRef>
+            <a:fontRef idx="minor">
+              <a:schemeClr val="lt1"/>
+            </a:fontRef>
+          </p:style>
+          <p:txBody>
+            <a:bodyPr rtlCol="0" anchor="ctr"/>
+            <a:lstStyle/>
+            <a:p>
+              <a:pPr algn="ctr"/>
+              <a:r>
+                <a:rPr lang="en-US" sz="1000" dirty="0">
+                  <a:solidFill>
+                    <a:schemeClr val="tx1"/>
+                  </a:solidFill>
+                  <a:latin typeface="Times New Roman" panose="02020603050405020304" pitchFamily="18" charset="0"/>
+                  <a:cs typeface="Times New Roman" panose="02020603050405020304" pitchFamily="18" charset="0"/>
+                </a:rPr>
+                <a:t>File name</a:t>
+              </a:r>
+            </a:p>
+          </p:txBody>
+        </p:sp>
+        <p:sp>
+          <p:nvSpPr>
+            <p:cNvPr id="5" name="Rectangle 4"/>
+            <p:cNvSpPr/>
+            <p:nvPr/>
+          </p:nvSpPr>
+          <p:spPr>
+            <a:xfrm>
+              <a:off x="226870" y="239331"/>
+              <a:ext cx="2767790" cy="335560"/>
+            </a:xfrm>
+            <a:prstGeom prst="rect">
+              <a:avLst/>
+            </a:prstGeom>
+            <a:solidFill>
+              <a:schemeClr val="bg1"/>
+            </a:solidFill>
+            <a:ln>
+              <a:solidFill>
+                <a:schemeClr val="tx1"/>
+              </a:solidFill>
+            </a:ln>
+          </p:spPr>
+          <p:style>
+            <a:lnRef idx="2">
+              <a:schemeClr val="accent1">
+                <a:shade val="50000"/>
+              </a:schemeClr>
+            </a:lnRef>
+            <a:fillRef idx="1">
+              <a:schemeClr val="accent1"/>
+            </a:fillRef>
+            <a:effectRef idx="0">
+              <a:schemeClr val="accent1"/>
+            </a:effectRef>
+            <a:fontRef idx="minor">
+              <a:schemeClr val="lt1"/>
+            </a:fontRef>
+          </p:style>
+          <p:txBody>
+            <a:bodyPr rtlCol="0" anchor="ctr"/>
+            <a:lstStyle/>
+            <a:p>
+              <a:pPr algn="ctr"/>
+              <a:r>
+                <a:rPr lang="en-US" sz="1000" b="1" dirty="0">
+                  <a:solidFill>
+                    <a:schemeClr val="tx1"/>
+                  </a:solidFill>
+                  <a:latin typeface="Times New Roman" panose="02020603050405020304" pitchFamily="18" charset="0"/>
+                  <a:cs typeface="Times New Roman" panose="02020603050405020304" pitchFamily="18" charset="0"/>
+                </a:rPr>
+                <a:t>File Directory</a:t>
+              </a:r>
+            </a:p>
+          </p:txBody>
+        </p:sp>
+        <p:sp>
+          <p:nvSpPr>
+            <p:cNvPr id="8" name="Rectangle 7"/>
+            <p:cNvSpPr/>
+            <p:nvPr/>
+          </p:nvSpPr>
+          <p:spPr>
+            <a:xfrm>
+              <a:off x="1569720" y="574891"/>
+              <a:ext cx="1424940" cy="301409"/>
+            </a:xfrm>
+            <a:prstGeom prst="rect">
+              <a:avLst/>
+            </a:prstGeom>
+            <a:solidFill>
+              <a:schemeClr val="bg1"/>
+            </a:solidFill>
+            <a:ln>
+              <a:solidFill>
+                <a:schemeClr val="tx1"/>
+              </a:solidFill>
+            </a:ln>
+          </p:spPr>
+          <p:style>
+            <a:lnRef idx="2">
+              <a:schemeClr val="accent1">
+                <a:shade val="50000"/>
+              </a:schemeClr>
+            </a:lnRef>
+            <a:fillRef idx="1">
+              <a:schemeClr val="accent1"/>
+            </a:fillRef>
+            <a:effectRef idx="0">
+              <a:schemeClr val="accent1"/>
+            </a:effectRef>
+            <a:fontRef idx="minor">
+              <a:schemeClr val="lt1"/>
+            </a:fontRef>
+          </p:style>
+          <p:txBody>
+            <a:bodyPr rtlCol="0" anchor="ctr"/>
+            <a:lstStyle/>
+            <a:p>
+              <a:pPr algn="ctr"/>
+              <a:r>
+                <a:rPr lang="en-US" sz="1000" dirty="0" err="1">
+                  <a:solidFill>
+                    <a:schemeClr val="tx1"/>
+                  </a:solidFill>
+                  <a:latin typeface="Times New Roman" panose="02020603050405020304" pitchFamily="18" charset="0"/>
+                  <a:cs typeface="Times New Roman" panose="02020603050405020304" pitchFamily="18" charset="0"/>
+                </a:rPr>
+                <a:t>inumber</a:t>
+              </a:r>
+              <a:endParaRPr lang="en-US" sz="1000" dirty="0">
+                <a:solidFill>
+                  <a:schemeClr val="tx1"/>
+                </a:solidFill>
+                <a:latin typeface="Times New Roman" panose="02020603050405020304" pitchFamily="18" charset="0"/>
+                <a:cs typeface="Times New Roman" panose="02020603050405020304" pitchFamily="18" charset="0"/>
+              </a:endParaRPr>
+            </a:p>
+          </p:txBody>
+        </p:sp>
+        <p:sp>
+          <p:nvSpPr>
+            <p:cNvPr id="9" name="Rectangle 8"/>
+            <p:cNvSpPr/>
+            <p:nvPr/>
+          </p:nvSpPr>
+          <p:spPr>
+            <a:xfrm>
+              <a:off x="226870" y="876300"/>
+              <a:ext cx="1342850" cy="301409"/>
+            </a:xfrm>
+            <a:prstGeom prst="rect">
+              <a:avLst/>
+            </a:prstGeom>
+            <a:solidFill>
+              <a:schemeClr val="bg1"/>
+            </a:solidFill>
+            <a:ln>
+              <a:solidFill>
+                <a:schemeClr val="tx1"/>
+              </a:solidFill>
+            </a:ln>
+          </p:spPr>
+          <p:style>
+            <a:lnRef idx="2">
+              <a:schemeClr val="accent1">
+                <a:shade val="50000"/>
+              </a:schemeClr>
+            </a:lnRef>
+            <a:fillRef idx="1">
+              <a:schemeClr val="accent1"/>
+            </a:fillRef>
+            <a:effectRef idx="0">
+              <a:schemeClr val="accent1"/>
+            </a:effectRef>
+            <a:fontRef idx="minor">
+              <a:schemeClr val="lt1"/>
+            </a:fontRef>
+          </p:style>
+          <p:txBody>
+            <a:bodyPr rtlCol="0" anchor="ctr"/>
+            <a:lstStyle/>
+            <a:p>
+              <a:pPr algn="ctr"/>
+              <a:r>
+                <a:rPr lang="en-US" sz="1000" dirty="0">
+                  <a:solidFill>
+                    <a:schemeClr val="tx1"/>
+                  </a:solidFill>
+                  <a:latin typeface="Times New Roman" panose="02020603050405020304" pitchFamily="18" charset="0"/>
+                  <a:cs typeface="Times New Roman" panose="02020603050405020304" pitchFamily="18" charset="0"/>
+                </a:rPr>
+                <a:t>“/home/file1”</a:t>
+              </a:r>
+            </a:p>
+          </p:txBody>
+        </p:sp>
+        <p:sp>
+          <p:nvSpPr>
+            <p:cNvPr id="10" name="Rectangle 9"/>
+            <p:cNvSpPr/>
+            <p:nvPr/>
+          </p:nvSpPr>
+          <p:spPr>
+            <a:xfrm>
+              <a:off x="1569720" y="876300"/>
+              <a:ext cx="1424940" cy="301409"/>
+            </a:xfrm>
+            <a:prstGeom prst="rect">
+              <a:avLst/>
+            </a:prstGeom>
+            <a:solidFill>
+              <a:schemeClr val="bg1"/>
+            </a:solidFill>
+            <a:ln>
+              <a:solidFill>
+                <a:schemeClr val="tx1"/>
+              </a:solidFill>
+            </a:ln>
+          </p:spPr>
+          <p:style>
+            <a:lnRef idx="2">
+              <a:schemeClr val="accent1">
+                <a:shade val="50000"/>
+              </a:schemeClr>
+            </a:lnRef>
+            <a:fillRef idx="1">
+              <a:schemeClr val="accent1"/>
+            </a:fillRef>
+            <a:effectRef idx="0">
+              <a:schemeClr val="accent1"/>
+            </a:effectRef>
+            <a:fontRef idx="minor">
+              <a:schemeClr val="lt1"/>
+            </a:fontRef>
+          </p:style>
+          <p:txBody>
+            <a:bodyPr rtlCol="0" anchor="ctr"/>
+            <a:lstStyle/>
+            <a:p>
+              <a:pPr algn="ctr"/>
+              <a:r>
+                <a:rPr lang="en-US" sz="1000" dirty="0">
+                  <a:solidFill>
+                    <a:schemeClr val="tx1"/>
+                  </a:solidFill>
+                  <a:latin typeface="Times New Roman" panose="02020603050405020304" pitchFamily="18" charset="0"/>
+                  <a:cs typeface="Times New Roman" panose="02020603050405020304" pitchFamily="18" charset="0"/>
+                </a:rPr>
+                <a:t>1</a:t>
+              </a:r>
+            </a:p>
+          </p:txBody>
+        </p:sp>
+        <p:sp>
+          <p:nvSpPr>
+            <p:cNvPr id="11" name="Rectangle 10"/>
+            <p:cNvSpPr/>
+            <p:nvPr/>
+          </p:nvSpPr>
+          <p:spPr>
+            <a:xfrm>
+              <a:off x="226870" y="1177709"/>
+              <a:ext cx="1342850" cy="301409"/>
+            </a:xfrm>
+            <a:prstGeom prst="rect">
+              <a:avLst/>
+            </a:prstGeom>
+            <a:solidFill>
+              <a:schemeClr val="bg1"/>
+            </a:solidFill>
+            <a:ln>
+              <a:solidFill>
+                <a:schemeClr val="tx1"/>
+              </a:solidFill>
+            </a:ln>
+          </p:spPr>
+          <p:style>
+            <a:lnRef idx="2">
+              <a:schemeClr val="accent1">
+                <a:shade val="50000"/>
+              </a:schemeClr>
+            </a:lnRef>
+            <a:fillRef idx="1">
+              <a:schemeClr val="accent1"/>
+            </a:fillRef>
+            <a:effectRef idx="0">
+              <a:schemeClr val="accent1"/>
+            </a:effectRef>
+            <a:fontRef idx="minor">
+              <a:schemeClr val="lt1"/>
+            </a:fontRef>
+          </p:style>
+          <p:txBody>
+            <a:bodyPr rtlCol="0" anchor="ctr"/>
+            <a:lstStyle/>
+            <a:p>
+              <a:pPr algn="ctr"/>
+              <a:r>
+                <a:rPr lang="en-US" sz="1000" dirty="0">
+                  <a:solidFill>
+                    <a:schemeClr val="tx1"/>
+                  </a:solidFill>
+                  <a:latin typeface="Times New Roman" panose="02020603050405020304" pitchFamily="18" charset="0"/>
+                  <a:cs typeface="Times New Roman" panose="02020603050405020304" pitchFamily="18" charset="0"/>
+                </a:rPr>
+                <a:t>“/home/file2”</a:t>
+              </a:r>
+            </a:p>
+          </p:txBody>
+        </p:sp>
+        <p:sp>
+          <p:nvSpPr>
+            <p:cNvPr id="12" name="Rectangle 11"/>
+            <p:cNvSpPr/>
+            <p:nvPr/>
+          </p:nvSpPr>
+          <p:spPr>
+            <a:xfrm>
+              <a:off x="1569720" y="1177709"/>
+              <a:ext cx="1424940" cy="301409"/>
+            </a:xfrm>
+            <a:prstGeom prst="rect">
+              <a:avLst/>
+            </a:prstGeom>
+            <a:solidFill>
+              <a:schemeClr val="bg1"/>
+            </a:solidFill>
+            <a:ln>
+              <a:solidFill>
+                <a:schemeClr val="tx1"/>
+              </a:solidFill>
+            </a:ln>
+          </p:spPr>
+          <p:style>
+            <a:lnRef idx="2">
+              <a:schemeClr val="accent1">
+                <a:shade val="50000"/>
+              </a:schemeClr>
+            </a:lnRef>
+            <a:fillRef idx="1">
+              <a:schemeClr val="accent1"/>
+            </a:fillRef>
+            <a:effectRef idx="0">
+              <a:schemeClr val="accent1"/>
+            </a:effectRef>
+            <a:fontRef idx="minor">
+              <a:schemeClr val="lt1"/>
+            </a:fontRef>
+          </p:style>
+          <p:txBody>
+            <a:bodyPr rtlCol="0" anchor="ctr"/>
+            <a:lstStyle/>
+            <a:p>
+              <a:pPr algn="ctr"/>
+              <a:r>
+                <a:rPr lang="en-US" sz="1000" dirty="0">
+                  <a:solidFill>
+                    <a:schemeClr val="tx1"/>
+                  </a:solidFill>
+                  <a:latin typeface="Times New Roman" panose="02020603050405020304" pitchFamily="18" charset="0"/>
+                  <a:cs typeface="Times New Roman" panose="02020603050405020304" pitchFamily="18" charset="0"/>
+                </a:rPr>
+                <a:t>2</a:t>
+              </a:r>
+            </a:p>
+          </p:txBody>
+        </p:sp>
+        <p:sp>
+          <p:nvSpPr>
+            <p:cNvPr id="22" name="Rectangle 21"/>
+            <p:cNvSpPr/>
+            <p:nvPr/>
+          </p:nvSpPr>
+          <p:spPr>
+            <a:xfrm>
+              <a:off x="226870" y="1473632"/>
+              <a:ext cx="1342850" cy="301409"/>
+            </a:xfrm>
+            <a:prstGeom prst="rect">
+              <a:avLst/>
+            </a:prstGeom>
+            <a:solidFill>
+              <a:schemeClr val="bg1"/>
+            </a:solidFill>
+            <a:ln>
+              <a:solidFill>
+                <a:schemeClr val="tx1"/>
+              </a:solidFill>
+            </a:ln>
+          </p:spPr>
+          <p:style>
+            <a:lnRef idx="2">
+              <a:schemeClr val="accent1">
+                <a:shade val="50000"/>
+              </a:schemeClr>
+            </a:lnRef>
+            <a:fillRef idx="1">
+              <a:schemeClr val="accent1"/>
+            </a:fillRef>
+            <a:effectRef idx="0">
+              <a:schemeClr val="accent1"/>
+            </a:effectRef>
+            <a:fontRef idx="minor">
+              <a:schemeClr val="lt1"/>
+            </a:fontRef>
+          </p:style>
+          <p:txBody>
+            <a:bodyPr rtlCol="0" anchor="ctr"/>
+            <a:lstStyle/>
+            <a:p>
+              <a:pPr algn="ctr"/>
+              <a:r>
+                <a:rPr lang="en-US" sz="1000" dirty="0">
+                  <a:solidFill>
+                    <a:schemeClr val="tx1"/>
+                  </a:solidFill>
+                  <a:latin typeface="Times New Roman" panose="02020603050405020304" pitchFamily="18" charset="0"/>
+                  <a:cs typeface="Times New Roman" panose="02020603050405020304" pitchFamily="18" charset="0"/>
+                </a:rPr>
+                <a:t>…</a:t>
+              </a:r>
+            </a:p>
+          </p:txBody>
+        </p:sp>
+        <p:sp>
+          <p:nvSpPr>
+            <p:cNvPr id="23" name="Rectangle 22"/>
+            <p:cNvSpPr/>
+            <p:nvPr/>
+          </p:nvSpPr>
+          <p:spPr>
+            <a:xfrm>
+              <a:off x="1569720" y="1473632"/>
+              <a:ext cx="1424940" cy="301409"/>
+            </a:xfrm>
+            <a:prstGeom prst="rect">
+              <a:avLst/>
+            </a:prstGeom>
+            <a:solidFill>
+              <a:schemeClr val="bg1"/>
+            </a:solidFill>
+            <a:ln>
+              <a:solidFill>
+                <a:schemeClr val="tx1"/>
+              </a:solidFill>
+            </a:ln>
+          </p:spPr>
+          <p:style>
+            <a:lnRef idx="2">
+              <a:schemeClr val="accent1">
+                <a:shade val="50000"/>
+              </a:schemeClr>
+            </a:lnRef>
+            <a:fillRef idx="1">
+              <a:schemeClr val="accent1"/>
+            </a:fillRef>
+            <a:effectRef idx="0">
+              <a:schemeClr val="accent1"/>
+            </a:effectRef>
+            <a:fontRef idx="minor">
+              <a:schemeClr val="lt1"/>
+            </a:fontRef>
+          </p:style>
+          <p:txBody>
+            <a:bodyPr rtlCol="0" anchor="ctr"/>
+            <a:lstStyle/>
+            <a:p>
+              <a:pPr algn="ctr"/>
+              <a:r>
+                <a:rPr lang="en-US" sz="1000" dirty="0">
+                  <a:solidFill>
+                    <a:schemeClr val="tx1"/>
+                  </a:solidFill>
+                  <a:latin typeface="Times New Roman" panose="02020603050405020304" pitchFamily="18" charset="0"/>
+                  <a:cs typeface="Times New Roman" panose="02020603050405020304" pitchFamily="18" charset="0"/>
+                </a:rPr>
+                <a:t>…</a:t>
+              </a:r>
+            </a:p>
+          </p:txBody>
+        </p:sp>
+      </p:grpSp>
+      <p:cxnSp>
+        <p:nvCxnSpPr>
+          <p:cNvPr id="27" name="Elbow Connector 26"/>
+          <p:cNvCxnSpPr>
+            <a:stCxn id="12" idx="3"/>
+            <a:endCxn id="15" idx="1"/>
+          </p:cNvCxnSpPr>
+          <p:nvPr/>
+        </p:nvCxnSpPr>
+        <p:spPr>
+          <a:xfrm flipV="1">
+            <a:off x="2891538" y="1754810"/>
+            <a:ext cx="696836" cy="234427"/>
+          </a:xfrm>
+          <a:prstGeom prst="bentConnector3">
+            <a:avLst>
+              <a:gd name="adj1" fmla="val 50000"/>
+            </a:avLst>
+          </a:prstGeom>
+          <a:ln w="12700">
+            <a:solidFill>
+              <a:schemeClr val="tx1"/>
+            </a:solidFill>
+            <a:tailEnd type="triangle"/>
+          </a:ln>
+        </p:spPr>
+        <p:style>
+          <a:lnRef idx="1">
+            <a:schemeClr val="accent1"/>
+          </a:lnRef>
+          <a:fillRef idx="0">
+            <a:schemeClr val="accent1"/>
+          </a:fillRef>
+          <a:effectRef idx="0">
+            <a:schemeClr val="accent1"/>
+          </a:effectRef>
+          <a:fontRef idx="minor">
+            <a:schemeClr val="tx1"/>
+          </a:fontRef>
+        </p:style>
+      </p:cxnSp>
+      <p:grpSp>
+        <p:nvGrpSpPr>
+          <p:cNvPr id="38" name="Group 37"/>
+          <p:cNvGrpSpPr/>
+          <p:nvPr/>
+        </p:nvGrpSpPr>
+        <p:grpSpPr>
+          <a:xfrm>
+            <a:off x="4112455" y="2212676"/>
+            <a:ext cx="640819" cy="364380"/>
+            <a:chOff x="2989984" y="2880081"/>
+            <a:chExt cx="987656" cy="705547"/>
+          </a:xfrm>
+        </p:grpSpPr>
+        <p:sp>
+          <p:nvSpPr>
+            <p:cNvPr id="35" name="Rectangle 34"/>
+            <p:cNvSpPr/>
+            <p:nvPr/>
+          </p:nvSpPr>
+          <p:spPr>
+            <a:xfrm>
+              <a:off x="3063240" y="2954864"/>
+              <a:ext cx="914400" cy="630764"/>
+            </a:xfrm>
+            <a:prstGeom prst="rect">
+              <a:avLst/>
+            </a:prstGeom>
+            <a:solidFill>
+              <a:schemeClr val="bg1"/>
+            </a:solidFill>
+            <a:ln>
+              <a:solidFill>
+                <a:schemeClr val="tx1"/>
+              </a:solidFill>
+            </a:ln>
+          </p:spPr>
+          <p:style>
+            <a:lnRef idx="2">
+              <a:schemeClr val="accent1">
+                <a:shade val="50000"/>
+              </a:schemeClr>
+            </a:lnRef>
+            <a:fillRef idx="1">
+              <a:schemeClr val="accent1"/>
+            </a:fillRef>
+            <a:effectRef idx="0">
+              <a:schemeClr val="accent1"/>
+            </a:effectRef>
+            <a:fontRef idx="minor">
+              <a:schemeClr val="lt1"/>
+            </a:fontRef>
+          </p:style>
+          <p:txBody>
+            <a:bodyPr rtlCol="0" anchor="ctr"/>
+            <a:lstStyle/>
+            <a:p>
+              <a:pPr algn="ctr"/>
+              <a:endParaRPr lang="en-US" sz="1000" dirty="0">
+                <a:solidFill>
+                  <a:schemeClr val="tx1"/>
+                </a:solidFill>
+                <a:latin typeface="Times New Roman" panose="02020603050405020304" pitchFamily="18" charset="0"/>
+                <a:cs typeface="Times New Roman" panose="02020603050405020304" pitchFamily="18" charset="0"/>
+              </a:endParaRPr>
+            </a:p>
+          </p:txBody>
+        </p:sp>
+        <p:sp>
+          <p:nvSpPr>
+            <p:cNvPr id="36" name="Rectangle 35"/>
+            <p:cNvSpPr/>
+            <p:nvPr/>
+          </p:nvSpPr>
+          <p:spPr>
+            <a:xfrm>
+              <a:off x="3022802" y="2922978"/>
+              <a:ext cx="914400" cy="630764"/>
+            </a:xfrm>
+            <a:prstGeom prst="rect">
+              <a:avLst/>
+            </a:prstGeom>
+            <a:solidFill>
+              <a:schemeClr val="bg1"/>
+            </a:solidFill>
+            <a:ln>
+              <a:solidFill>
+                <a:schemeClr val="tx1"/>
+              </a:solidFill>
+            </a:ln>
+          </p:spPr>
+          <p:style>
+            <a:lnRef idx="2">
+              <a:schemeClr val="accent1">
+                <a:shade val="50000"/>
+              </a:schemeClr>
+            </a:lnRef>
+            <a:fillRef idx="1">
+              <a:schemeClr val="accent1"/>
+            </a:fillRef>
+            <a:effectRef idx="0">
+              <a:schemeClr val="accent1"/>
+            </a:effectRef>
+            <a:fontRef idx="minor">
+              <a:schemeClr val="lt1"/>
+            </a:fontRef>
+          </p:style>
+          <p:txBody>
+            <a:bodyPr rtlCol="0" anchor="ctr"/>
+            <a:lstStyle/>
+            <a:p>
+              <a:pPr algn="ctr"/>
+              <a:endParaRPr lang="en-US" sz="1000" dirty="0">
+                <a:solidFill>
+                  <a:schemeClr val="tx1"/>
+                </a:solidFill>
+                <a:latin typeface="Times New Roman" panose="02020603050405020304" pitchFamily="18" charset="0"/>
+                <a:cs typeface="Times New Roman" panose="02020603050405020304" pitchFamily="18" charset="0"/>
+              </a:endParaRPr>
+            </a:p>
+          </p:txBody>
+        </p:sp>
+        <p:sp>
+          <p:nvSpPr>
+            <p:cNvPr id="37" name="Rectangle 36"/>
+            <p:cNvSpPr/>
+            <p:nvPr/>
+          </p:nvSpPr>
+          <p:spPr>
+            <a:xfrm>
+              <a:off x="2989984" y="2880081"/>
+              <a:ext cx="914400" cy="630764"/>
+            </a:xfrm>
+            <a:prstGeom prst="rect">
+              <a:avLst/>
+            </a:prstGeom>
+            <a:solidFill>
+              <a:schemeClr val="bg1"/>
+            </a:solidFill>
+            <a:ln>
+              <a:solidFill>
+                <a:schemeClr val="tx1"/>
+              </a:solidFill>
+            </a:ln>
+          </p:spPr>
+          <p:style>
+            <a:lnRef idx="2">
+              <a:schemeClr val="accent1">
+                <a:shade val="50000"/>
+              </a:schemeClr>
+            </a:lnRef>
+            <a:fillRef idx="1">
+              <a:schemeClr val="accent1"/>
+            </a:fillRef>
+            <a:effectRef idx="0">
+              <a:schemeClr val="accent1"/>
+            </a:effectRef>
+            <a:fontRef idx="minor">
+              <a:schemeClr val="lt1"/>
+            </a:fontRef>
+          </p:style>
+          <p:txBody>
+            <a:bodyPr rtlCol="0" anchor="ctr"/>
+            <a:lstStyle/>
+            <a:p>
+              <a:pPr algn="ctr"/>
+              <a:r>
+                <a:rPr lang="en-US" sz="1000" dirty="0">
+                  <a:solidFill>
+                    <a:schemeClr val="tx1"/>
+                  </a:solidFill>
+                  <a:latin typeface="Times New Roman" panose="02020603050405020304" pitchFamily="18" charset="0"/>
+                  <a:cs typeface="Times New Roman" panose="02020603050405020304" pitchFamily="18" charset="0"/>
+                </a:rPr>
+                <a:t>Data blocks</a:t>
+              </a:r>
+            </a:p>
+          </p:txBody>
+        </p:sp>
+      </p:grpSp>
+      <p:sp>
+        <p:nvSpPr>
+          <p:cNvPr id="15" name="Rectangle 14"/>
+          <p:cNvSpPr/>
+          <p:nvPr/>
+        </p:nvSpPr>
+        <p:spPr>
+          <a:xfrm>
+            <a:off x="3588374" y="1647630"/>
+            <a:ext cx="836939" cy="214360"/>
+          </a:xfrm>
+          <a:prstGeom prst="rect">
+            <a:avLst/>
+          </a:prstGeom>
+          <a:solidFill>
+            <a:schemeClr val="bg1"/>
+          </a:solidFill>
+          <a:ln>
+            <a:solidFill>
+              <a:schemeClr val="tx1"/>
+            </a:solidFill>
+          </a:ln>
+        </p:spPr>
+        <p:style>
+          <a:lnRef idx="2">
+            <a:schemeClr val="accent1">
+              <a:shade val="50000"/>
+            </a:schemeClr>
+          </a:lnRef>
+          <a:fillRef idx="1">
+            <a:schemeClr val="accent1"/>
+          </a:fillRef>
+          <a:effectRef idx="0">
+            <a:schemeClr val="accent1"/>
+          </a:effectRef>
+          <a:fontRef idx="minor">
+            <a:schemeClr val="lt1"/>
+          </a:fontRef>
+        </p:style>
+        <p:txBody>
+          <a:bodyPr rtlCol="0" anchor="ctr"/>
+          <a:lstStyle/>
+          <a:p>
+            <a:pPr algn="ctr"/>
+            <a:r>
+              <a:rPr lang="en-US" sz="1000" dirty="0" err="1">
+                <a:solidFill>
+                  <a:schemeClr val="tx1"/>
+                </a:solidFill>
+                <a:latin typeface="Times New Roman" panose="02020603050405020304" pitchFamily="18" charset="0"/>
+                <a:cs typeface="Times New Roman" panose="02020603050405020304" pitchFamily="18" charset="0"/>
+              </a:rPr>
+              <a:t>inumber</a:t>
+            </a:r>
+            <a:endParaRPr lang="en-US" sz="1000" dirty="0">
+              <a:solidFill>
+                <a:schemeClr val="tx1"/>
+              </a:solidFill>
+              <a:latin typeface="Times New Roman" panose="02020603050405020304" pitchFamily="18" charset="0"/>
+              <a:cs typeface="Times New Roman" panose="02020603050405020304" pitchFamily="18" charset="0"/>
+            </a:endParaRPr>
+          </a:p>
+        </p:txBody>
+      </p:sp>
+      <p:sp>
+        <p:nvSpPr>
+          <p:cNvPr id="16" name="Rectangle 15"/>
+          <p:cNvSpPr/>
+          <p:nvPr/>
+        </p:nvSpPr>
+        <p:spPr>
+          <a:xfrm>
+            <a:off x="3588374" y="1408982"/>
+            <a:ext cx="1598043" cy="238648"/>
+          </a:xfrm>
+          <a:prstGeom prst="rect">
+            <a:avLst/>
+          </a:prstGeom>
+          <a:solidFill>
+            <a:schemeClr val="bg1"/>
+          </a:solidFill>
+          <a:ln>
+            <a:solidFill>
+              <a:schemeClr val="tx1"/>
+            </a:solidFill>
+          </a:ln>
+        </p:spPr>
+        <p:style>
+          <a:lnRef idx="2">
+            <a:schemeClr val="accent1">
+              <a:shade val="50000"/>
+            </a:schemeClr>
+          </a:lnRef>
+          <a:fillRef idx="1">
+            <a:schemeClr val="accent1"/>
+          </a:fillRef>
+          <a:effectRef idx="0">
+            <a:schemeClr val="accent1"/>
+          </a:effectRef>
+          <a:fontRef idx="minor">
+            <a:schemeClr val="lt1"/>
+          </a:fontRef>
+        </p:style>
+        <p:txBody>
+          <a:bodyPr rtlCol="0" anchor="ctr"/>
+          <a:lstStyle/>
+          <a:p>
+            <a:pPr algn="ctr"/>
+            <a:r>
+              <a:rPr lang="en-US" sz="1000" b="1" dirty="0">
+                <a:solidFill>
+                  <a:schemeClr val="tx1"/>
+                </a:solidFill>
+                <a:latin typeface="Times New Roman" panose="02020603050405020304" pitchFamily="18" charset="0"/>
+                <a:cs typeface="Times New Roman" panose="02020603050405020304" pitchFamily="18" charset="0"/>
+              </a:rPr>
+              <a:t>Index Node</a:t>
+            </a:r>
+          </a:p>
+        </p:txBody>
+      </p:sp>
+      <p:sp>
+        <p:nvSpPr>
+          <p:cNvPr id="18" name="Rectangle 17"/>
+          <p:cNvSpPr/>
+          <p:nvPr/>
+        </p:nvSpPr>
+        <p:spPr>
+          <a:xfrm>
+            <a:off x="4425314" y="1647630"/>
+            <a:ext cx="761103" cy="214360"/>
+          </a:xfrm>
+          <a:prstGeom prst="rect">
+            <a:avLst/>
+          </a:prstGeom>
+          <a:solidFill>
+            <a:schemeClr val="bg1"/>
+          </a:solidFill>
+          <a:ln>
+            <a:solidFill>
+              <a:schemeClr val="tx1"/>
+            </a:solidFill>
+          </a:ln>
+        </p:spPr>
+        <p:style>
+          <a:lnRef idx="2">
+            <a:schemeClr val="accent1">
+              <a:shade val="50000"/>
+            </a:schemeClr>
+          </a:lnRef>
+          <a:fillRef idx="1">
+            <a:schemeClr val="accent1"/>
+          </a:fillRef>
+          <a:effectRef idx="0">
+            <a:schemeClr val="accent1"/>
+          </a:effectRef>
+          <a:fontRef idx="minor">
+            <a:schemeClr val="lt1"/>
+          </a:fontRef>
+        </p:style>
+        <p:txBody>
+          <a:bodyPr rtlCol="0" anchor="ctr"/>
+          <a:lstStyle/>
+          <a:p>
+            <a:pPr algn="ctr"/>
+            <a:r>
+              <a:rPr lang="en-US" sz="1000" dirty="0" smtClean="0">
+                <a:solidFill>
+                  <a:schemeClr val="tx1"/>
+                </a:solidFill>
+                <a:latin typeface="Times New Roman" panose="02020603050405020304" pitchFamily="18" charset="0"/>
+                <a:cs typeface="Times New Roman" panose="02020603050405020304" pitchFamily="18" charset="0"/>
+              </a:rPr>
+              <a:t>File size</a:t>
+            </a:r>
+            <a:endParaRPr lang="en-US" sz="1000" dirty="0">
+              <a:solidFill>
+                <a:schemeClr val="tx1"/>
+              </a:solidFill>
+              <a:latin typeface="Times New Roman" panose="02020603050405020304" pitchFamily="18" charset="0"/>
+              <a:cs typeface="Times New Roman" panose="02020603050405020304" pitchFamily="18" charset="0"/>
+            </a:endParaRPr>
+          </a:p>
+        </p:txBody>
+      </p:sp>
+      <p:sp>
+        <p:nvSpPr>
+          <p:cNvPr id="2" name="Right Brace 1"/>
+          <p:cNvSpPr/>
+          <p:nvPr/>
+        </p:nvSpPr>
+        <p:spPr>
+          <a:xfrm rot="5400000">
+            <a:off x="4356733" y="1579286"/>
+            <a:ext cx="137160" cy="883924"/>
+          </a:xfrm>
+          <a:prstGeom prst="rightBrace">
+            <a:avLst>
+              <a:gd name="adj1" fmla="val 81250"/>
+              <a:gd name="adj2" fmla="val 50000"/>
+            </a:avLst>
+          </a:prstGeom>
+          <a:solidFill>
+            <a:schemeClr val="bg1"/>
+          </a:solidFill>
+          <a:ln>
+            <a:solidFill>
+              <a:schemeClr val="tx1"/>
+            </a:solidFill>
+          </a:ln>
+        </p:spPr>
+        <p:style>
+          <a:lnRef idx="2">
+            <a:schemeClr val="accent1">
+              <a:shade val="50000"/>
+            </a:schemeClr>
+          </a:lnRef>
+          <a:fillRef idx="1">
+            <a:schemeClr val="accent1"/>
+          </a:fillRef>
+          <a:effectRef idx="0">
+            <a:schemeClr val="accent1"/>
+          </a:effectRef>
+          <a:fontRef idx="minor">
+            <a:schemeClr val="lt1"/>
+          </a:fontRef>
+        </p:style>
+        <p:txBody>
+          <a:bodyPr rtlCol="0" anchor="ctr"/>
+          <a:lstStyle/>
+          <a:p>
+            <a:pPr algn="ctr"/>
+            <a:endParaRPr lang="en-US" sz="1000" dirty="0">
+              <a:latin typeface="Times New Roman" panose="02020603050405020304" pitchFamily="18" charset="0"/>
+              <a:cs typeface="Times New Roman" panose="02020603050405020304" pitchFamily="18" charset="0"/>
+            </a:endParaRPr>
+          </a:p>
+        </p:txBody>
+      </p:sp>
+      <p:sp>
+        <p:nvSpPr>
+          <p:cNvPr id="3" name="TextBox 2"/>
+          <p:cNvSpPr txBox="1"/>
+          <p:nvPr/>
+        </p:nvSpPr>
+        <p:spPr>
+          <a:xfrm>
+            <a:off x="3346526" y="2681924"/>
+            <a:ext cx="2125145" cy="320633"/>
+          </a:xfrm>
+          <a:prstGeom prst="rect">
+            <a:avLst/>
+          </a:prstGeom>
+          <a:noFill/>
+          <a:ln>
+            <a:noFill/>
+          </a:ln>
+        </p:spPr>
+        <p:style>
+          <a:lnRef idx="2">
+            <a:schemeClr val="accent1">
+              <a:shade val="50000"/>
+            </a:schemeClr>
+          </a:lnRef>
+          <a:fillRef idx="1">
+            <a:schemeClr val="accent1"/>
+          </a:fillRef>
+          <a:effectRef idx="0">
+            <a:schemeClr val="accent1"/>
+          </a:effectRef>
+          <a:fontRef idx="minor">
+            <a:schemeClr val="lt1"/>
+          </a:fontRef>
+        </p:style>
+        <p:txBody>
+          <a:bodyPr rtlCol="0" anchor="ctr"/>
+          <a:lstStyle>
+            <a:defPPr>
+              <a:defRPr lang="en-US"/>
+            </a:defPPr>
+            <a:lvl1pPr algn="ctr">
+              <a:defRPr sz="1000">
+                <a:latin typeface="Times New Roman" panose="02020603050405020304" pitchFamily="18" charset="0"/>
+                <a:cs typeface="Times New Roman" panose="02020603050405020304" pitchFamily="18" charset="0"/>
+              </a:defRPr>
+            </a:lvl1pPr>
+            <a:lvl2pPr>
+              <a:defRPr>
+                <a:solidFill>
+                  <a:schemeClr val="lt1"/>
+                </a:solidFill>
+              </a:defRPr>
+            </a:lvl2pPr>
+            <a:lvl3pPr>
+              <a:defRPr>
+                <a:solidFill>
+                  <a:schemeClr val="lt1"/>
+                </a:solidFill>
+              </a:defRPr>
+            </a:lvl3pPr>
+            <a:lvl4pPr>
+              <a:defRPr>
+                <a:solidFill>
+                  <a:schemeClr val="lt1"/>
+                </a:solidFill>
+              </a:defRPr>
+            </a:lvl4pPr>
+            <a:lvl5pPr>
+              <a:defRPr>
+                <a:solidFill>
+                  <a:schemeClr val="lt1"/>
+                </a:solidFill>
+              </a:defRPr>
+            </a:lvl5pPr>
+            <a:lvl6pPr>
+              <a:defRPr>
+                <a:solidFill>
+                  <a:schemeClr val="lt1"/>
+                </a:solidFill>
+              </a:defRPr>
+            </a:lvl6pPr>
+            <a:lvl7pPr>
+              <a:defRPr>
+                <a:solidFill>
+                  <a:schemeClr val="lt1"/>
+                </a:solidFill>
+              </a:defRPr>
+            </a:lvl7pPr>
+            <a:lvl8pPr>
+              <a:defRPr>
+                <a:solidFill>
+                  <a:schemeClr val="lt1"/>
+                </a:solidFill>
+              </a:defRPr>
+            </a:lvl8pPr>
+            <a:lvl9pPr>
+              <a:defRPr>
+                <a:solidFill>
+                  <a:schemeClr val="lt1"/>
+                </a:solidFill>
+              </a:defRPr>
+            </a:lvl9pPr>
+          </a:lstStyle>
+          <a:p>
+            <a:r>
+              <a:rPr lang="en-US" dirty="0" err="1" smtClean="0">
+                <a:solidFill>
+                  <a:schemeClr val="tx1"/>
+                </a:solidFill>
+              </a:rPr>
+              <a:t>BlockID</a:t>
+            </a:r>
+            <a:r>
+              <a:rPr lang="en-US" dirty="0" smtClean="0">
+                <a:solidFill>
+                  <a:schemeClr val="tx1"/>
+                </a:solidFill>
+              </a:rPr>
+              <a:t>:</a:t>
+            </a:r>
+          </a:p>
+          <a:p>
+            <a:r>
+              <a:rPr lang="en-US" dirty="0" err="1" smtClean="0">
+                <a:solidFill>
+                  <a:schemeClr val="tx1"/>
+                </a:solidFill>
+              </a:rPr>
+              <a:t>inumber-blockInFile-segmentInBlock</a:t>
+            </a:r>
+            <a:endParaRPr lang="en-US" dirty="0">
+              <a:solidFill>
+                <a:schemeClr val="tx1"/>
+              </a:solidFill>
+            </a:endParaRPr>
+          </a:p>
+        </p:txBody>
+      </p:sp>
+      <p:sp>
+        <p:nvSpPr>
+          <p:cNvPr id="54" name="Right Brace 53"/>
+          <p:cNvSpPr/>
+          <p:nvPr/>
+        </p:nvSpPr>
+        <p:spPr>
+          <a:xfrm rot="5400000">
+            <a:off x="4569942" y="2678942"/>
+            <a:ext cx="111527" cy="857789"/>
+          </a:xfrm>
+          <a:prstGeom prst="rightBrace">
+            <a:avLst>
+              <a:gd name="adj1" fmla="val 58076"/>
+              <a:gd name="adj2" fmla="val 50000"/>
+            </a:avLst>
+          </a:prstGeom>
+          <a:solidFill>
+            <a:schemeClr val="bg1"/>
+          </a:solidFill>
+          <a:ln>
+            <a:solidFill>
+              <a:schemeClr val="tx1"/>
+            </a:solidFill>
+          </a:ln>
+        </p:spPr>
+        <p:style>
+          <a:lnRef idx="2">
+            <a:schemeClr val="accent1">
+              <a:shade val="50000"/>
+            </a:schemeClr>
+          </a:lnRef>
+          <a:fillRef idx="1">
+            <a:schemeClr val="accent1"/>
+          </a:fillRef>
+          <a:effectRef idx="0">
+            <a:schemeClr val="accent1"/>
+          </a:effectRef>
+          <a:fontRef idx="minor">
+            <a:schemeClr val="lt1"/>
+          </a:fontRef>
+        </p:style>
+        <p:txBody>
+          <a:bodyPr rtlCol="0" anchor="ctr"/>
+          <a:lstStyle/>
+          <a:p>
+            <a:pPr algn="ctr"/>
+            <a:endParaRPr lang="en-US" sz="1000">
+              <a:latin typeface="Times New Roman" panose="02020603050405020304" pitchFamily="18" charset="0"/>
+              <a:cs typeface="Times New Roman" panose="02020603050405020304" pitchFamily="18" charset="0"/>
+            </a:endParaRPr>
+          </a:p>
+        </p:txBody>
+      </p:sp>
+      <p:sp>
+        <p:nvSpPr>
+          <p:cNvPr id="102" name="TextBox 101"/>
+          <p:cNvSpPr txBox="1"/>
+          <p:nvPr/>
+        </p:nvSpPr>
+        <p:spPr>
+          <a:xfrm>
+            <a:off x="4107630" y="3231121"/>
+            <a:ext cx="1078787" cy="320633"/>
+          </a:xfrm>
+          <a:prstGeom prst="rect">
+            <a:avLst/>
+          </a:prstGeom>
+          <a:noFill/>
+          <a:ln>
+            <a:noFill/>
+          </a:ln>
+        </p:spPr>
+        <p:style>
+          <a:lnRef idx="2">
+            <a:schemeClr val="accent1">
+              <a:shade val="50000"/>
+            </a:schemeClr>
+          </a:lnRef>
+          <a:fillRef idx="1">
+            <a:schemeClr val="accent1"/>
+          </a:fillRef>
+          <a:effectRef idx="0">
+            <a:schemeClr val="accent1"/>
+          </a:effectRef>
+          <a:fontRef idx="minor">
+            <a:schemeClr val="lt1"/>
+          </a:fontRef>
+        </p:style>
+        <p:txBody>
+          <a:bodyPr rtlCol="0" anchor="ctr"/>
+          <a:lstStyle>
+            <a:defPPr>
+              <a:defRPr lang="en-US"/>
+            </a:defPPr>
+            <a:lvl1pPr algn="ctr">
+              <a:defRPr sz="1000">
+                <a:latin typeface="Times New Roman" panose="02020603050405020304" pitchFamily="18" charset="0"/>
+                <a:cs typeface="Times New Roman" panose="02020603050405020304" pitchFamily="18" charset="0"/>
+              </a:defRPr>
+            </a:lvl1pPr>
+            <a:lvl2pPr>
+              <a:defRPr>
+                <a:solidFill>
+                  <a:schemeClr val="lt1"/>
+                </a:solidFill>
+              </a:defRPr>
+            </a:lvl2pPr>
+            <a:lvl3pPr>
+              <a:defRPr>
+                <a:solidFill>
+                  <a:schemeClr val="lt1"/>
+                </a:solidFill>
+              </a:defRPr>
+            </a:lvl3pPr>
+            <a:lvl4pPr>
+              <a:defRPr>
+                <a:solidFill>
+                  <a:schemeClr val="lt1"/>
+                </a:solidFill>
+              </a:defRPr>
+            </a:lvl4pPr>
+            <a:lvl5pPr>
+              <a:defRPr>
+                <a:solidFill>
+                  <a:schemeClr val="lt1"/>
+                </a:solidFill>
+              </a:defRPr>
+            </a:lvl5pPr>
+            <a:lvl6pPr>
+              <a:defRPr>
+                <a:solidFill>
+                  <a:schemeClr val="lt1"/>
+                </a:solidFill>
+              </a:defRPr>
+            </a:lvl6pPr>
+            <a:lvl7pPr>
+              <a:defRPr>
+                <a:solidFill>
+                  <a:schemeClr val="lt1"/>
+                </a:solidFill>
+              </a:defRPr>
+            </a:lvl7pPr>
+            <a:lvl8pPr>
+              <a:defRPr>
+                <a:solidFill>
+                  <a:schemeClr val="lt1"/>
+                </a:solidFill>
+              </a:defRPr>
+            </a:lvl8pPr>
+            <a:lvl9pPr>
+              <a:defRPr>
+                <a:solidFill>
+                  <a:schemeClr val="lt1"/>
+                </a:solidFill>
+              </a:defRPr>
+            </a:lvl9pPr>
+          </a:lstStyle>
+          <a:p>
+            <a:r>
+              <a:rPr lang="en-US" sz="900" dirty="0" smtClean="0">
+                <a:solidFill>
+                  <a:schemeClr val="tx1"/>
+                </a:solidFill>
+              </a:rPr>
+              <a:t>Calculated from given byte offset</a:t>
+            </a:r>
+            <a:endParaRPr lang="en-US" sz="900" dirty="0">
+              <a:solidFill>
+                <a:schemeClr val="tx1"/>
+              </a:solidFill>
+            </a:endParaRPr>
+          </a:p>
+        </p:txBody>
+      </p:sp>
+    </p:spTree>
+    <p:extLst>
+      <p:ext uri="{BB962C8B-B14F-4D97-AF65-F5344CB8AC3E}">
+        <p14:creationId xmlns:p14="http://schemas.microsoft.com/office/powerpoint/2010/main" val="34073122"/>
+      </p:ext>
+    </p:extLst>
+  </p:cSld>
+  <p:clrMapOvr>
+    <a:masterClrMapping/>
+  </p:clrMapOvr>
+</p:sld>
+</file>
+
+<file path=ppt/slides/slide7.xml><?xml version="1.0" encoding="utf-8"?>
+<p:sld xmlns:a="http://schemas.openxmlformats.org/drawingml/2006/main" xmlns:r="http://schemas.openxmlformats.org/officeDocument/2006/relationships" xmlns:p="http://schemas.openxmlformats.org/presentationml/2006/main">
+  <p:cSld>
+    <p:spTree>
+      <p:nvGrpSpPr>
+        <p:cNvPr id="1" name=""/>
+        <p:cNvGrpSpPr/>
+        <p:nvPr/>
+      </p:nvGrpSpPr>
+      <p:grpSpPr>
+        <a:xfrm>
+          <a:off x="0" y="0"/>
+          <a:ext cx="0" cy="0"/>
+          <a:chOff x="0" y="0"/>
+          <a:chExt cx="0" cy="0"/>
+        </a:xfrm>
+      </p:grpSpPr>
+      <p:sp>
+        <p:nvSpPr>
+          <p:cNvPr id="6" name="Rounded Rectangle 5"/>
+          <p:cNvSpPr/>
+          <p:nvPr/>
+        </p:nvSpPr>
+        <p:spPr>
+          <a:xfrm>
+            <a:off x="2048982" y="705147"/>
+            <a:ext cx="1044067" cy="401782"/>
+          </a:xfrm>
+          <a:prstGeom prst="roundRect">
+            <a:avLst/>
+          </a:prstGeom>
+        </p:spPr>
+        <p:style>
+          <a:lnRef idx="2">
+            <a:schemeClr val="accent1"/>
+          </a:lnRef>
+          <a:fillRef idx="1">
+            <a:schemeClr val="lt1"/>
+          </a:fillRef>
+          <a:effectRef idx="0">
+            <a:schemeClr val="accent1"/>
+          </a:effectRef>
+          <a:fontRef idx="minor">
+            <a:schemeClr val="dk1"/>
+          </a:fontRef>
+        </p:style>
+        <p:txBody>
+          <a:bodyPr rtlCol="0" anchor="ctr"/>
+          <a:lstStyle/>
+          <a:p>
+            <a:pPr algn="ctr"/>
+            <a:r>
+              <a:rPr lang="en-US" sz="1000" dirty="0" smtClean="0">
+                <a:latin typeface="Times New Roman" panose="02020603050405020304" pitchFamily="18" charset="0"/>
+                <a:cs typeface="Times New Roman" panose="02020603050405020304" pitchFamily="18" charset="0"/>
+              </a:rPr>
+              <a:t>Client Program</a:t>
+            </a:r>
+            <a:endParaRPr lang="en-US" sz="1000" dirty="0">
+              <a:latin typeface="Times New Roman" panose="02020603050405020304" pitchFamily="18" charset="0"/>
+              <a:cs typeface="Times New Roman" panose="02020603050405020304" pitchFamily="18" charset="0"/>
+            </a:endParaRPr>
+          </a:p>
+        </p:txBody>
+      </p:sp>
+      <p:sp>
+        <p:nvSpPr>
+          <p:cNvPr id="7" name="Rounded Rectangle 6"/>
+          <p:cNvSpPr/>
+          <p:nvPr/>
+        </p:nvSpPr>
+        <p:spPr>
+          <a:xfrm>
+            <a:off x="3298698" y="50519"/>
+            <a:ext cx="1044067" cy="401782"/>
+          </a:xfrm>
+          <a:prstGeom prst="roundRect">
+            <a:avLst/>
+          </a:prstGeom>
+        </p:spPr>
+        <p:style>
+          <a:lnRef idx="2">
+            <a:schemeClr val="accent1"/>
+          </a:lnRef>
+          <a:fillRef idx="1">
+            <a:schemeClr val="lt1"/>
+          </a:fillRef>
+          <a:effectRef idx="0">
+            <a:schemeClr val="accent1"/>
+          </a:effectRef>
+          <a:fontRef idx="minor">
+            <a:schemeClr val="dk1"/>
+          </a:fontRef>
+        </p:style>
+        <p:txBody>
+          <a:bodyPr rtlCol="0" anchor="ctr"/>
+          <a:lstStyle/>
+          <a:p>
+            <a:pPr algn="ctr"/>
+            <a:r>
+              <a:rPr lang="en-US" sz="1000" dirty="0" smtClean="0">
+                <a:latin typeface="Times New Roman" panose="02020603050405020304" pitchFamily="18" charset="0"/>
+                <a:cs typeface="Times New Roman" panose="02020603050405020304" pitchFamily="18" charset="0"/>
+              </a:rPr>
+              <a:t>Client Program</a:t>
+            </a:r>
+            <a:endParaRPr lang="en-US" sz="1000" dirty="0">
+              <a:latin typeface="Times New Roman" panose="02020603050405020304" pitchFamily="18" charset="0"/>
+              <a:cs typeface="Times New Roman" panose="02020603050405020304" pitchFamily="18" charset="0"/>
+            </a:endParaRPr>
+          </a:p>
+        </p:txBody>
+      </p:sp>
+      <p:sp>
+        <p:nvSpPr>
+          <p:cNvPr id="8" name="Rounded Rectangle 7"/>
+          <p:cNvSpPr/>
+          <p:nvPr/>
+        </p:nvSpPr>
+        <p:spPr>
+          <a:xfrm>
+            <a:off x="3298698" y="705147"/>
+            <a:ext cx="1044067" cy="401782"/>
+          </a:xfrm>
+          <a:prstGeom prst="roundRect">
+            <a:avLst/>
+          </a:prstGeom>
+        </p:spPr>
+        <p:style>
+          <a:lnRef idx="2">
+            <a:schemeClr val="accent1"/>
+          </a:lnRef>
+          <a:fillRef idx="1">
+            <a:schemeClr val="lt1"/>
+          </a:fillRef>
+          <a:effectRef idx="0">
+            <a:schemeClr val="accent1"/>
+          </a:effectRef>
+          <a:fontRef idx="minor">
+            <a:schemeClr val="dk1"/>
+          </a:fontRef>
+        </p:style>
+        <p:txBody>
+          <a:bodyPr rtlCol="0" anchor="ctr"/>
+          <a:lstStyle/>
+          <a:p>
+            <a:pPr algn="ctr"/>
+            <a:r>
+              <a:rPr lang="en-US" sz="1000" dirty="0" smtClean="0">
+                <a:latin typeface="Times New Roman" panose="02020603050405020304" pitchFamily="18" charset="0"/>
+                <a:cs typeface="Times New Roman" panose="02020603050405020304" pitchFamily="18" charset="0"/>
+              </a:rPr>
+              <a:t>RPC Framework</a:t>
+            </a:r>
+            <a:endParaRPr lang="en-US" sz="1000" dirty="0">
+              <a:latin typeface="Times New Roman" panose="02020603050405020304" pitchFamily="18" charset="0"/>
+              <a:cs typeface="Times New Roman" panose="02020603050405020304" pitchFamily="18" charset="0"/>
+            </a:endParaRPr>
+          </a:p>
+        </p:txBody>
+      </p:sp>
+      <p:cxnSp>
+        <p:nvCxnSpPr>
+          <p:cNvPr id="10" name="Straight Arrow Connector 9"/>
+          <p:cNvCxnSpPr>
+            <a:stCxn id="6" idx="2"/>
+          </p:cNvCxnSpPr>
+          <p:nvPr/>
+        </p:nvCxnSpPr>
+        <p:spPr>
+          <a:xfrm>
+            <a:off x="2571016" y="1106929"/>
+            <a:ext cx="0" cy="256309"/>
+          </a:xfrm>
+          <a:prstGeom prst="straightConnector1">
+            <a:avLst/>
+          </a:prstGeom>
+          <a:ln w="12700">
+            <a:solidFill>
+              <a:schemeClr val="tx1"/>
+            </a:solidFill>
+            <a:headEnd type="triangle" w="med" len="med"/>
+            <a:tailEnd type="triangle" w="med" len="med"/>
+          </a:ln>
+        </p:spPr>
+        <p:style>
+          <a:lnRef idx="1">
+            <a:schemeClr val="accent1"/>
+          </a:lnRef>
+          <a:fillRef idx="0">
+            <a:schemeClr val="accent1"/>
+          </a:fillRef>
+          <a:effectRef idx="0">
+            <a:schemeClr val="accent1"/>
+          </a:effectRef>
+          <a:fontRef idx="minor">
+            <a:schemeClr val="tx1"/>
+          </a:fontRef>
+        </p:style>
+      </p:cxnSp>
+      <p:cxnSp>
+        <p:nvCxnSpPr>
+          <p:cNvPr id="11" name="Straight Arrow Connector 10"/>
+          <p:cNvCxnSpPr/>
+          <p:nvPr/>
+        </p:nvCxnSpPr>
+        <p:spPr>
+          <a:xfrm>
+            <a:off x="3820732" y="1106929"/>
+            <a:ext cx="0" cy="256309"/>
+          </a:xfrm>
+          <a:prstGeom prst="straightConnector1">
+            <a:avLst/>
+          </a:prstGeom>
+          <a:ln w="12700">
+            <a:solidFill>
+              <a:schemeClr val="tx1"/>
+            </a:solidFill>
+            <a:headEnd type="triangle" w="med" len="med"/>
+            <a:tailEnd type="triangle" w="med" len="med"/>
+          </a:ln>
+        </p:spPr>
+        <p:style>
+          <a:lnRef idx="1">
+            <a:schemeClr val="accent1"/>
+          </a:lnRef>
+          <a:fillRef idx="0">
+            <a:schemeClr val="accent1"/>
+          </a:fillRef>
+          <a:effectRef idx="0">
+            <a:schemeClr val="accent1"/>
+          </a:effectRef>
+          <a:fontRef idx="minor">
+            <a:schemeClr val="tx1"/>
+          </a:fontRef>
+        </p:style>
+      </p:cxnSp>
+      <p:cxnSp>
+        <p:nvCxnSpPr>
+          <p:cNvPr id="12" name="Straight Arrow Connector 11"/>
+          <p:cNvCxnSpPr/>
+          <p:nvPr/>
+        </p:nvCxnSpPr>
+        <p:spPr>
+          <a:xfrm>
+            <a:off x="3820732" y="448838"/>
+            <a:ext cx="0" cy="256309"/>
+          </a:xfrm>
+          <a:prstGeom prst="straightConnector1">
+            <a:avLst/>
+          </a:prstGeom>
+          <a:ln w="12700">
+            <a:solidFill>
+              <a:schemeClr val="tx1"/>
+            </a:solidFill>
+            <a:headEnd type="triangle" w="med" len="med"/>
+            <a:tailEnd type="triangle" w="med" len="med"/>
+          </a:ln>
+        </p:spPr>
+        <p:style>
+          <a:lnRef idx="1">
+            <a:schemeClr val="accent1"/>
+          </a:lnRef>
+          <a:fillRef idx="0">
+            <a:schemeClr val="accent1"/>
+          </a:fillRef>
+          <a:effectRef idx="0">
+            <a:schemeClr val="accent1"/>
+          </a:effectRef>
+          <a:fontRef idx="minor">
+            <a:schemeClr val="tx1"/>
+          </a:fontRef>
+        </p:style>
+      </p:cxnSp>
+      <p:sp>
+        <p:nvSpPr>
+          <p:cNvPr id="4" name="Rounded Rectangle 3"/>
+          <p:cNvSpPr/>
+          <p:nvPr/>
+        </p:nvSpPr>
+        <p:spPr>
+          <a:xfrm>
+            <a:off x="1072055" y="1370165"/>
+            <a:ext cx="4262996" cy="346364"/>
+          </a:xfrm>
+          <a:prstGeom prst="roundRect">
+            <a:avLst/>
+          </a:prstGeom>
+        </p:spPr>
+        <p:style>
+          <a:lnRef idx="2">
+            <a:schemeClr val="accent1"/>
+          </a:lnRef>
+          <a:fillRef idx="1">
+            <a:schemeClr val="lt1"/>
+          </a:fillRef>
+          <a:effectRef idx="0">
+            <a:schemeClr val="accent1"/>
+          </a:effectRef>
+          <a:fontRef idx="minor">
+            <a:schemeClr val="dk1"/>
+          </a:fontRef>
+        </p:style>
+        <p:txBody>
+          <a:bodyPr rtlCol="0" anchor="ctr"/>
+          <a:lstStyle/>
+          <a:p>
+            <a:pPr algn="ctr"/>
+            <a:r>
+              <a:rPr lang="en-US" sz="1000" b="1" dirty="0" smtClean="0">
+                <a:latin typeface="Times New Roman" panose="02020603050405020304" pitchFamily="18" charset="0"/>
+                <a:cs typeface="Times New Roman" panose="02020603050405020304" pitchFamily="18" charset="0"/>
+              </a:rPr>
+              <a:t>API</a:t>
+            </a:r>
+            <a:endParaRPr lang="en-US" sz="1000" b="1" dirty="0">
+              <a:latin typeface="Times New Roman" panose="02020603050405020304" pitchFamily="18" charset="0"/>
+              <a:cs typeface="Times New Roman" panose="02020603050405020304" pitchFamily="18" charset="0"/>
+            </a:endParaRPr>
+          </a:p>
+        </p:txBody>
+      </p:sp>
+      <p:sp>
+        <p:nvSpPr>
+          <p:cNvPr id="5" name="Rounded Rectangle 4"/>
+          <p:cNvSpPr/>
+          <p:nvPr/>
+        </p:nvSpPr>
+        <p:spPr>
+          <a:xfrm>
+            <a:off x="1072055" y="1785801"/>
+            <a:ext cx="4262996" cy="615676"/>
+          </a:xfrm>
+          <a:prstGeom prst="roundRect">
+            <a:avLst>
+              <a:gd name="adj" fmla="val 4740"/>
+            </a:avLst>
+          </a:prstGeom>
+        </p:spPr>
+        <p:style>
+          <a:lnRef idx="2">
+            <a:schemeClr val="accent1"/>
+          </a:lnRef>
+          <a:fillRef idx="1">
+            <a:schemeClr val="lt1"/>
+          </a:fillRef>
+          <a:effectRef idx="0">
+            <a:schemeClr val="accent1"/>
+          </a:effectRef>
+          <a:fontRef idx="minor">
+            <a:schemeClr val="dk1"/>
+          </a:fontRef>
+        </p:style>
+        <p:txBody>
+          <a:bodyPr rtlCol="0" anchor="t"/>
+          <a:lstStyle/>
+          <a:p>
+            <a:r>
+              <a:rPr lang="en-US" sz="1000" b="1" dirty="0" smtClean="0">
+                <a:latin typeface="Times New Roman" panose="02020603050405020304" pitchFamily="18" charset="0"/>
+                <a:cs typeface="Times New Roman" panose="02020603050405020304" pitchFamily="18" charset="0"/>
+              </a:rPr>
+              <a:t>Core</a:t>
+            </a:r>
+            <a:endParaRPr lang="en-US" sz="1000" b="1" dirty="0">
+              <a:latin typeface="Times New Roman" panose="02020603050405020304" pitchFamily="18" charset="0"/>
+              <a:cs typeface="Times New Roman" panose="02020603050405020304" pitchFamily="18" charset="0"/>
+            </a:endParaRPr>
+          </a:p>
+        </p:txBody>
+      </p:sp>
+      <p:sp>
+        <p:nvSpPr>
+          <p:cNvPr id="16" name="Rounded Rectangle 15"/>
+          <p:cNvSpPr/>
+          <p:nvPr/>
+        </p:nvSpPr>
+        <p:spPr>
+          <a:xfrm>
+            <a:off x="1072055" y="2464659"/>
+            <a:ext cx="4262996" cy="1205553"/>
+          </a:xfrm>
+          <a:prstGeom prst="roundRect">
+            <a:avLst>
+              <a:gd name="adj" fmla="val 4740"/>
+            </a:avLst>
+          </a:prstGeom>
+        </p:spPr>
+        <p:style>
+          <a:lnRef idx="2">
+            <a:schemeClr val="accent1"/>
+          </a:lnRef>
+          <a:fillRef idx="1">
+            <a:schemeClr val="lt1"/>
+          </a:fillRef>
+          <a:effectRef idx="0">
+            <a:schemeClr val="accent1"/>
+          </a:effectRef>
+          <a:fontRef idx="minor">
+            <a:schemeClr val="dk1"/>
+          </a:fontRef>
+        </p:style>
+        <p:txBody>
+          <a:bodyPr rtlCol="0" anchor="t"/>
+          <a:lstStyle/>
+          <a:p>
+            <a:r>
+              <a:rPr lang="en-US" sz="1000" b="1" dirty="0" smtClean="0">
+                <a:latin typeface="Times New Roman" panose="02020603050405020304" pitchFamily="18" charset="0"/>
+                <a:cs typeface="Times New Roman" panose="02020603050405020304" pitchFamily="18" charset="0"/>
+              </a:rPr>
+              <a:t>Persistence</a:t>
+            </a:r>
+            <a:endParaRPr lang="en-US" sz="1000" b="1" dirty="0">
+              <a:latin typeface="Times New Roman" panose="02020603050405020304" pitchFamily="18" charset="0"/>
+              <a:cs typeface="Times New Roman" panose="02020603050405020304" pitchFamily="18" charset="0"/>
+            </a:endParaRPr>
+          </a:p>
+        </p:txBody>
+      </p:sp>
+      <p:sp>
+        <p:nvSpPr>
+          <p:cNvPr id="20" name="Rectangle 19"/>
+          <p:cNvSpPr/>
+          <p:nvPr/>
+        </p:nvSpPr>
+        <p:spPr>
+          <a:xfrm>
+            <a:off x="1136127" y="2730975"/>
+            <a:ext cx="4121579" cy="326419"/>
+          </a:xfrm>
+          <a:prstGeom prst="rect">
+            <a:avLst/>
+          </a:prstGeom>
+        </p:spPr>
+        <p:style>
+          <a:lnRef idx="2">
+            <a:schemeClr val="accent2"/>
+          </a:lnRef>
+          <a:fillRef idx="1">
+            <a:schemeClr val="lt1"/>
+          </a:fillRef>
+          <a:effectRef idx="0">
+            <a:schemeClr val="accent2"/>
+          </a:effectRef>
+          <a:fontRef idx="minor">
+            <a:schemeClr val="dk1"/>
+          </a:fontRef>
+        </p:style>
+        <p:txBody>
+          <a:bodyPr rtlCol="0" anchor="ctr"/>
+          <a:lstStyle/>
+          <a:p>
+            <a:pPr algn="ctr"/>
+            <a:r>
+              <a:rPr lang="en-US" sz="1000" dirty="0" smtClean="0">
+                <a:latin typeface="Times New Roman" panose="02020603050405020304" pitchFamily="18" charset="0"/>
+                <a:cs typeface="Times New Roman" panose="02020603050405020304" pitchFamily="18" charset="0"/>
+              </a:rPr>
+              <a:t>In-memory Cache</a:t>
+            </a:r>
+            <a:endParaRPr lang="en-US" sz="1000" dirty="0">
+              <a:latin typeface="Times New Roman" panose="02020603050405020304" pitchFamily="18" charset="0"/>
+              <a:cs typeface="Times New Roman" panose="02020603050405020304" pitchFamily="18" charset="0"/>
+            </a:endParaRPr>
+          </a:p>
+        </p:txBody>
+      </p:sp>
+      <p:sp>
+        <p:nvSpPr>
+          <p:cNvPr id="21" name="Flowchart: Magnetic Disk 20"/>
+          <p:cNvSpPr/>
+          <p:nvPr/>
+        </p:nvSpPr>
+        <p:spPr>
+          <a:xfrm>
+            <a:off x="1236018" y="3954512"/>
+            <a:ext cx="782884" cy="519545"/>
+          </a:xfrm>
+          <a:prstGeom prst="flowChartMagneticDisk">
+            <a:avLst/>
+          </a:prstGeom>
+        </p:spPr>
+        <p:style>
+          <a:lnRef idx="1">
+            <a:schemeClr val="accent1"/>
+          </a:lnRef>
+          <a:fillRef idx="2">
+            <a:schemeClr val="accent1"/>
+          </a:fillRef>
+          <a:effectRef idx="1">
+            <a:schemeClr val="accent1"/>
+          </a:effectRef>
+          <a:fontRef idx="minor">
+            <a:schemeClr val="dk1"/>
+          </a:fontRef>
+        </p:style>
+        <p:txBody>
+          <a:bodyPr rtlCol="0" anchor="ctr"/>
+          <a:lstStyle/>
+          <a:p>
+            <a:pPr algn="ctr"/>
+            <a:r>
+              <a:rPr lang="en-US" sz="1000" dirty="0" err="1" smtClean="0">
+                <a:latin typeface="Times New Roman" panose="02020603050405020304" pitchFamily="18" charset="0"/>
+                <a:cs typeface="Times New Roman" panose="02020603050405020304" pitchFamily="18" charset="0"/>
+              </a:rPr>
+              <a:t>ZooKeeper</a:t>
+            </a:r>
+            <a:endParaRPr lang="en-US" sz="1000" dirty="0">
+              <a:latin typeface="Times New Roman" panose="02020603050405020304" pitchFamily="18" charset="0"/>
+              <a:cs typeface="Times New Roman" panose="02020603050405020304" pitchFamily="18" charset="0"/>
+            </a:endParaRPr>
+          </a:p>
+        </p:txBody>
+      </p:sp>
+      <p:sp>
+        <p:nvSpPr>
+          <p:cNvPr id="22" name="Flowchart: Magnetic Disk 21"/>
+          <p:cNvSpPr/>
+          <p:nvPr/>
+        </p:nvSpPr>
+        <p:spPr>
+          <a:xfrm>
+            <a:off x="3351050" y="3954512"/>
+            <a:ext cx="782884" cy="519545"/>
+          </a:xfrm>
+          <a:prstGeom prst="flowChartMagneticDisk">
+            <a:avLst/>
+          </a:prstGeom>
+        </p:spPr>
+        <p:style>
+          <a:lnRef idx="1">
+            <a:schemeClr val="accent1"/>
+          </a:lnRef>
+          <a:fillRef idx="2">
+            <a:schemeClr val="accent1"/>
+          </a:fillRef>
+          <a:effectRef idx="1">
+            <a:schemeClr val="accent1"/>
+          </a:effectRef>
+          <a:fontRef idx="minor">
+            <a:schemeClr val="dk1"/>
+          </a:fontRef>
+        </p:style>
+        <p:txBody>
+          <a:bodyPr rtlCol="0" anchor="ctr"/>
+          <a:lstStyle/>
+          <a:p>
+            <a:pPr algn="ctr"/>
+            <a:r>
+              <a:rPr lang="en-US" sz="1000" dirty="0" smtClean="0">
+                <a:latin typeface="Times New Roman" panose="02020603050405020304" pitchFamily="18" charset="0"/>
+                <a:cs typeface="Times New Roman" panose="02020603050405020304" pitchFamily="18" charset="0"/>
+              </a:rPr>
+              <a:t>Local Storage</a:t>
+            </a:r>
+            <a:endParaRPr lang="en-US" sz="1000" dirty="0">
+              <a:latin typeface="Times New Roman" panose="02020603050405020304" pitchFamily="18" charset="0"/>
+              <a:cs typeface="Times New Roman" panose="02020603050405020304" pitchFamily="18" charset="0"/>
+            </a:endParaRPr>
+          </a:p>
+        </p:txBody>
+      </p:sp>
+      <p:sp>
+        <p:nvSpPr>
+          <p:cNvPr id="23" name="Flowchart: Magnetic Disk 22"/>
+          <p:cNvSpPr/>
+          <p:nvPr/>
+        </p:nvSpPr>
+        <p:spPr>
+          <a:xfrm>
+            <a:off x="4387960" y="3954512"/>
+            <a:ext cx="782884" cy="519545"/>
+          </a:xfrm>
+          <a:prstGeom prst="flowChartMagneticDisk">
+            <a:avLst/>
+          </a:prstGeom>
+        </p:spPr>
+        <p:style>
+          <a:lnRef idx="1">
+            <a:schemeClr val="accent1"/>
+          </a:lnRef>
+          <a:fillRef idx="2">
+            <a:schemeClr val="accent1"/>
+          </a:fillRef>
+          <a:effectRef idx="1">
+            <a:schemeClr val="accent1"/>
+          </a:effectRef>
+          <a:fontRef idx="minor">
+            <a:schemeClr val="dk1"/>
+          </a:fontRef>
+        </p:style>
+        <p:txBody>
+          <a:bodyPr rtlCol="0" anchor="ctr"/>
+          <a:lstStyle/>
+          <a:p>
+            <a:pPr algn="ctr"/>
+            <a:r>
+              <a:rPr lang="en-US" sz="1000" dirty="0" smtClean="0">
+                <a:latin typeface="Times New Roman" panose="02020603050405020304" pitchFamily="18" charset="0"/>
+                <a:cs typeface="Times New Roman" panose="02020603050405020304" pitchFamily="18" charset="0"/>
+              </a:rPr>
+              <a:t>Cloud Storage</a:t>
+            </a:r>
+            <a:endParaRPr lang="en-US" sz="1000" dirty="0">
+              <a:latin typeface="Times New Roman" panose="02020603050405020304" pitchFamily="18" charset="0"/>
+              <a:cs typeface="Times New Roman" panose="02020603050405020304" pitchFamily="18" charset="0"/>
+            </a:endParaRPr>
+          </a:p>
+        </p:txBody>
+      </p:sp>
+      <p:sp>
+        <p:nvSpPr>
+          <p:cNvPr id="13" name="Rectangle 12"/>
+          <p:cNvSpPr/>
+          <p:nvPr/>
+        </p:nvSpPr>
+        <p:spPr>
+          <a:xfrm>
+            <a:off x="1136127" y="3149607"/>
+            <a:ext cx="982665" cy="438625"/>
+          </a:xfrm>
+          <a:prstGeom prst="rect">
+            <a:avLst/>
+          </a:prstGeom>
+        </p:spPr>
+        <p:style>
+          <a:lnRef idx="2">
+            <a:schemeClr val="accent2"/>
+          </a:lnRef>
+          <a:fillRef idx="1">
+            <a:schemeClr val="lt1"/>
+          </a:fillRef>
+          <a:effectRef idx="0">
+            <a:schemeClr val="accent2"/>
+          </a:effectRef>
+          <a:fontRef idx="minor">
+            <a:schemeClr val="dk1"/>
+          </a:fontRef>
+        </p:style>
+        <p:txBody>
+          <a:bodyPr rtlCol="0" anchor="ctr"/>
+          <a:lstStyle/>
+          <a:p>
+            <a:pPr algn="ctr"/>
+            <a:r>
+              <a:rPr lang="en-US" sz="1000" dirty="0" smtClean="0">
+                <a:latin typeface="Times New Roman" panose="02020603050405020304" pitchFamily="18" charset="0"/>
+                <a:cs typeface="Times New Roman" panose="02020603050405020304" pitchFamily="18" charset="0"/>
+              </a:rPr>
+              <a:t>File Directory</a:t>
+            </a:r>
+            <a:endParaRPr lang="en-US" sz="1000" dirty="0">
+              <a:latin typeface="Times New Roman" panose="02020603050405020304" pitchFamily="18" charset="0"/>
+              <a:cs typeface="Times New Roman" panose="02020603050405020304" pitchFamily="18" charset="0"/>
+            </a:endParaRPr>
+          </a:p>
+        </p:txBody>
+      </p:sp>
+      <p:sp>
+        <p:nvSpPr>
+          <p:cNvPr id="18" name="Rectangle 17"/>
+          <p:cNvSpPr/>
+          <p:nvPr/>
+        </p:nvSpPr>
+        <p:spPr>
+          <a:xfrm>
+            <a:off x="4342765" y="3149607"/>
+            <a:ext cx="922013" cy="438625"/>
+          </a:xfrm>
+          <a:prstGeom prst="rect">
+            <a:avLst/>
+          </a:prstGeom>
+        </p:spPr>
+        <p:style>
+          <a:lnRef idx="2">
+            <a:schemeClr val="accent2"/>
+          </a:lnRef>
+          <a:fillRef idx="1">
+            <a:schemeClr val="lt1"/>
+          </a:fillRef>
+          <a:effectRef idx="0">
+            <a:schemeClr val="accent2"/>
+          </a:effectRef>
+          <a:fontRef idx="minor">
+            <a:schemeClr val="dk1"/>
+          </a:fontRef>
+        </p:style>
+        <p:txBody>
+          <a:bodyPr rtlCol="0" anchor="ctr"/>
+          <a:lstStyle/>
+          <a:p>
+            <a:pPr algn="ctr"/>
+            <a:r>
+              <a:rPr lang="en-US" sz="1000" dirty="0" smtClean="0">
+                <a:latin typeface="Times New Roman" panose="02020603050405020304" pitchFamily="18" charset="0"/>
+                <a:cs typeface="Times New Roman" panose="02020603050405020304" pitchFamily="18" charset="0"/>
+              </a:rPr>
+              <a:t>Data blocks</a:t>
+            </a:r>
+            <a:endParaRPr lang="en-US" sz="1000" dirty="0">
+              <a:latin typeface="Times New Roman" panose="02020603050405020304" pitchFamily="18" charset="0"/>
+              <a:cs typeface="Times New Roman" panose="02020603050405020304" pitchFamily="18" charset="0"/>
+            </a:endParaRPr>
+          </a:p>
+        </p:txBody>
+      </p:sp>
+      <p:sp>
+        <p:nvSpPr>
+          <p:cNvPr id="19" name="Rectangle 18"/>
+          <p:cNvSpPr/>
+          <p:nvPr/>
+        </p:nvSpPr>
+        <p:spPr>
+          <a:xfrm>
+            <a:off x="2223000" y="3149607"/>
+            <a:ext cx="959012" cy="438625"/>
+          </a:xfrm>
+          <a:prstGeom prst="rect">
+            <a:avLst/>
+          </a:prstGeom>
+        </p:spPr>
+        <p:style>
+          <a:lnRef idx="2">
+            <a:schemeClr val="accent2"/>
+          </a:lnRef>
+          <a:fillRef idx="1">
+            <a:schemeClr val="lt1"/>
+          </a:fillRef>
+          <a:effectRef idx="0">
+            <a:schemeClr val="accent2"/>
+          </a:effectRef>
+          <a:fontRef idx="minor">
+            <a:schemeClr val="dk1"/>
+          </a:fontRef>
+        </p:style>
+        <p:txBody>
+          <a:bodyPr rtlCol="0" anchor="ctr"/>
+          <a:lstStyle/>
+          <a:p>
+            <a:pPr algn="ctr"/>
+            <a:r>
+              <a:rPr lang="en-US" sz="1000" dirty="0" err="1" smtClean="0">
+                <a:latin typeface="Times New Roman" panose="02020603050405020304" pitchFamily="18" charset="0"/>
+                <a:cs typeface="Times New Roman" panose="02020603050405020304" pitchFamily="18" charset="0"/>
+              </a:rPr>
+              <a:t>Ibmap</a:t>
+            </a:r>
+            <a:r>
+              <a:rPr lang="en-US" sz="1000" dirty="0" smtClean="0">
+                <a:latin typeface="Times New Roman" panose="02020603050405020304" pitchFamily="18" charset="0"/>
+                <a:cs typeface="Times New Roman" panose="02020603050405020304" pitchFamily="18" charset="0"/>
+              </a:rPr>
+              <a:t> blocks</a:t>
+            </a:r>
+            <a:endParaRPr lang="en-US" sz="1000" dirty="0">
+              <a:latin typeface="Times New Roman" panose="02020603050405020304" pitchFamily="18" charset="0"/>
+              <a:cs typeface="Times New Roman" panose="02020603050405020304" pitchFamily="18" charset="0"/>
+            </a:endParaRPr>
+          </a:p>
+        </p:txBody>
+      </p:sp>
+      <p:sp>
+        <p:nvSpPr>
+          <p:cNvPr id="25" name="Rectangle 24"/>
+          <p:cNvSpPr/>
+          <p:nvPr/>
+        </p:nvSpPr>
+        <p:spPr>
+          <a:xfrm>
+            <a:off x="1136127" y="2016124"/>
+            <a:ext cx="4121579" cy="287021"/>
+          </a:xfrm>
+          <a:prstGeom prst="rect">
+            <a:avLst/>
+          </a:prstGeom>
+        </p:spPr>
+        <p:style>
+          <a:lnRef idx="2">
+            <a:schemeClr val="accent2"/>
+          </a:lnRef>
+          <a:fillRef idx="1">
+            <a:schemeClr val="lt1"/>
+          </a:fillRef>
+          <a:effectRef idx="0">
+            <a:schemeClr val="accent2"/>
+          </a:effectRef>
+          <a:fontRef idx="minor">
+            <a:schemeClr val="dk1"/>
+          </a:fontRef>
+        </p:style>
+        <p:txBody>
+          <a:bodyPr rtlCol="0" anchor="ctr"/>
+          <a:lstStyle/>
+          <a:p>
+            <a:pPr algn="ctr"/>
+            <a:r>
+              <a:rPr lang="en-US" sz="1000" dirty="0" smtClean="0">
+                <a:latin typeface="Times New Roman" panose="02020603050405020304" pitchFamily="18" charset="0"/>
+                <a:cs typeface="Times New Roman" panose="02020603050405020304" pitchFamily="18" charset="0"/>
+              </a:rPr>
+              <a:t>Driver, File Handles</a:t>
+            </a:r>
+            <a:endParaRPr lang="en-US" sz="1000" dirty="0">
+              <a:latin typeface="Times New Roman" panose="02020603050405020304" pitchFamily="18" charset="0"/>
+              <a:cs typeface="Times New Roman" panose="02020603050405020304" pitchFamily="18" charset="0"/>
+            </a:endParaRPr>
+          </a:p>
+        </p:txBody>
+      </p:sp>
+      <p:cxnSp>
+        <p:nvCxnSpPr>
+          <p:cNvPr id="28" name="Straight Connector 27"/>
+          <p:cNvCxnSpPr>
+            <a:stCxn id="21" idx="1"/>
+            <a:endCxn id="13" idx="2"/>
+          </p:cNvCxnSpPr>
+          <p:nvPr/>
+        </p:nvCxnSpPr>
+        <p:spPr>
+          <a:xfrm flipV="1">
+            <a:off x="1627460" y="3588232"/>
+            <a:ext cx="0" cy="366280"/>
+          </a:xfrm>
+          <a:prstGeom prst="line">
+            <a:avLst/>
+          </a:prstGeom>
+          <a:ln w="9525">
+            <a:solidFill>
+              <a:schemeClr val="tx1"/>
+            </a:solidFill>
+            <a:prstDash val="dash"/>
+            <a:headEnd type="triangle" w="med" len="med"/>
+            <a:tailEnd type="triangle" w="med" len="med"/>
+          </a:ln>
+        </p:spPr>
+        <p:style>
+          <a:lnRef idx="1">
+            <a:schemeClr val="accent1"/>
+          </a:lnRef>
+          <a:fillRef idx="0">
+            <a:schemeClr val="accent1"/>
+          </a:fillRef>
+          <a:effectRef idx="0">
+            <a:schemeClr val="accent1"/>
+          </a:effectRef>
+          <a:fontRef idx="minor">
+            <a:schemeClr val="tx1"/>
+          </a:fontRef>
+        </p:style>
+      </p:cxnSp>
+      <p:cxnSp>
+        <p:nvCxnSpPr>
+          <p:cNvPr id="30" name="Straight Connector 29"/>
+          <p:cNvCxnSpPr>
+            <a:stCxn id="19" idx="2"/>
+            <a:endCxn id="23" idx="1"/>
+          </p:cNvCxnSpPr>
+          <p:nvPr/>
+        </p:nvCxnSpPr>
+        <p:spPr>
+          <a:xfrm>
+            <a:off x="2702506" y="3588232"/>
+            <a:ext cx="2076896" cy="366280"/>
+          </a:xfrm>
+          <a:prstGeom prst="line">
+            <a:avLst/>
+          </a:prstGeom>
+          <a:ln w="9525">
+            <a:solidFill>
+              <a:schemeClr val="tx1"/>
+            </a:solidFill>
+            <a:prstDash val="dash"/>
+            <a:headEnd type="triangle" w="med" len="med"/>
+            <a:tailEnd type="triangle" w="med" len="med"/>
+          </a:ln>
+        </p:spPr>
+        <p:style>
+          <a:lnRef idx="1">
+            <a:schemeClr val="accent1"/>
+          </a:lnRef>
+          <a:fillRef idx="0">
+            <a:schemeClr val="accent1"/>
+          </a:fillRef>
+          <a:effectRef idx="0">
+            <a:schemeClr val="accent1"/>
+          </a:effectRef>
+          <a:fontRef idx="minor">
+            <a:schemeClr val="tx1"/>
+          </a:fontRef>
+        </p:style>
+      </p:cxnSp>
+      <p:cxnSp>
+        <p:nvCxnSpPr>
+          <p:cNvPr id="34" name="Straight Connector 33"/>
+          <p:cNvCxnSpPr>
+            <a:stCxn id="43" idx="2"/>
+            <a:endCxn id="23" idx="1"/>
+          </p:cNvCxnSpPr>
+          <p:nvPr/>
+        </p:nvCxnSpPr>
+        <p:spPr>
+          <a:xfrm>
+            <a:off x="3762389" y="3588232"/>
+            <a:ext cx="1017013" cy="366280"/>
+          </a:xfrm>
+          <a:prstGeom prst="line">
+            <a:avLst/>
+          </a:prstGeom>
+          <a:ln w="9525">
+            <a:solidFill>
+              <a:schemeClr val="tx1"/>
+            </a:solidFill>
+            <a:prstDash val="dash"/>
+            <a:headEnd type="triangle" w="med" len="med"/>
+            <a:tailEnd type="triangle" w="med" len="med"/>
+          </a:ln>
+        </p:spPr>
+        <p:style>
+          <a:lnRef idx="1">
+            <a:schemeClr val="accent1"/>
+          </a:lnRef>
+          <a:fillRef idx="0">
+            <a:schemeClr val="accent1"/>
+          </a:fillRef>
+          <a:effectRef idx="0">
+            <a:schemeClr val="accent1"/>
+          </a:effectRef>
+          <a:fontRef idx="minor">
+            <a:schemeClr val="tx1"/>
+          </a:fontRef>
+        </p:style>
+      </p:cxnSp>
+      <p:cxnSp>
+        <p:nvCxnSpPr>
+          <p:cNvPr id="38" name="Straight Connector 37"/>
+          <p:cNvCxnSpPr>
+            <a:stCxn id="18" idx="2"/>
+            <a:endCxn id="22" idx="1"/>
+          </p:cNvCxnSpPr>
+          <p:nvPr/>
+        </p:nvCxnSpPr>
+        <p:spPr>
+          <a:xfrm flipH="1">
+            <a:off x="3742492" y="3588232"/>
+            <a:ext cx="1061280" cy="366280"/>
+          </a:xfrm>
+          <a:prstGeom prst="line">
+            <a:avLst/>
+          </a:prstGeom>
+          <a:ln w="9525">
+            <a:solidFill>
+              <a:schemeClr val="tx1"/>
+            </a:solidFill>
+            <a:prstDash val="dash"/>
+            <a:headEnd type="triangle" w="med" len="med"/>
+            <a:tailEnd type="triangle" w="med" len="med"/>
+          </a:ln>
+        </p:spPr>
+        <p:style>
+          <a:lnRef idx="1">
+            <a:schemeClr val="accent1"/>
+          </a:lnRef>
+          <a:fillRef idx="0">
+            <a:schemeClr val="accent1"/>
+          </a:fillRef>
+          <a:effectRef idx="0">
+            <a:schemeClr val="accent1"/>
+          </a:effectRef>
+          <a:fontRef idx="minor">
+            <a:schemeClr val="tx1"/>
+          </a:fontRef>
+        </p:style>
+      </p:cxnSp>
+      <p:cxnSp>
+        <p:nvCxnSpPr>
+          <p:cNvPr id="40" name="Straight Connector 39"/>
+          <p:cNvCxnSpPr>
+            <a:stCxn id="18" idx="2"/>
+            <a:endCxn id="23" idx="1"/>
+          </p:cNvCxnSpPr>
+          <p:nvPr/>
+        </p:nvCxnSpPr>
+        <p:spPr>
+          <a:xfrm flipH="1">
+            <a:off x="4779402" y="3588232"/>
+            <a:ext cx="24370" cy="366280"/>
+          </a:xfrm>
+          <a:prstGeom prst="line">
+            <a:avLst/>
+          </a:prstGeom>
+          <a:ln w="9525">
+            <a:solidFill>
+              <a:schemeClr val="tx1"/>
+            </a:solidFill>
+            <a:prstDash val="dash"/>
+            <a:headEnd type="triangle" w="med" len="med"/>
+            <a:tailEnd type="triangle" w="med" len="med"/>
+          </a:ln>
+        </p:spPr>
+        <p:style>
+          <a:lnRef idx="1">
+            <a:schemeClr val="accent1"/>
+          </a:lnRef>
+          <a:fillRef idx="0">
+            <a:schemeClr val="accent1"/>
+          </a:fillRef>
+          <a:effectRef idx="0">
+            <a:schemeClr val="accent1"/>
+          </a:effectRef>
+          <a:fontRef idx="minor">
+            <a:schemeClr val="tx1"/>
+          </a:fontRef>
+        </p:style>
+      </p:cxnSp>
+      <p:cxnSp>
+        <p:nvCxnSpPr>
+          <p:cNvPr id="42" name="Straight Arrow Connector 41"/>
+          <p:cNvCxnSpPr>
+            <a:stCxn id="25" idx="2"/>
+            <a:endCxn id="20" idx="0"/>
+          </p:cNvCxnSpPr>
+          <p:nvPr/>
+        </p:nvCxnSpPr>
+        <p:spPr>
+          <a:xfrm>
+            <a:off x="3196917" y="2303145"/>
+            <a:ext cx="0" cy="491012"/>
+          </a:xfrm>
+          <a:prstGeom prst="straightConnector1">
+            <a:avLst/>
+          </a:prstGeom>
+          <a:ln w="9525">
+            <a:solidFill>
+              <a:schemeClr val="tx1"/>
+            </a:solidFill>
+            <a:prstDash val="dash"/>
+            <a:headEnd type="triangle" w="med" len="med"/>
+            <a:tailEnd type="triangle" w="med" len="med"/>
+          </a:ln>
+        </p:spPr>
+        <p:style>
+          <a:lnRef idx="1">
+            <a:schemeClr val="accent1"/>
+          </a:lnRef>
+          <a:fillRef idx="0">
+            <a:schemeClr val="accent1"/>
+          </a:fillRef>
+          <a:effectRef idx="0">
+            <a:schemeClr val="accent1"/>
+          </a:effectRef>
+          <a:fontRef idx="minor">
+            <a:schemeClr val="tx1"/>
+          </a:fontRef>
+        </p:style>
+      </p:cxnSp>
+      <p:sp>
+        <p:nvSpPr>
+          <p:cNvPr id="43" name="Rectangle 42"/>
+          <p:cNvSpPr/>
+          <p:nvPr/>
+        </p:nvSpPr>
+        <p:spPr>
+          <a:xfrm>
+            <a:off x="3286220" y="3149607"/>
+            <a:ext cx="952337" cy="438625"/>
+          </a:xfrm>
+          <a:prstGeom prst="rect">
+            <a:avLst/>
+          </a:prstGeom>
+        </p:spPr>
+        <p:style>
+          <a:lnRef idx="2">
+            <a:schemeClr val="accent2"/>
+          </a:lnRef>
+          <a:fillRef idx="1">
+            <a:schemeClr val="lt1"/>
+          </a:fillRef>
+          <a:effectRef idx="0">
+            <a:schemeClr val="accent2"/>
+          </a:effectRef>
+          <a:fontRef idx="minor">
+            <a:schemeClr val="dk1"/>
+          </a:fontRef>
+        </p:style>
+        <p:txBody>
+          <a:bodyPr rtlCol="0" anchor="ctr"/>
+          <a:lstStyle/>
+          <a:p>
+            <a:pPr algn="ctr"/>
+            <a:r>
+              <a:rPr lang="en-US" sz="1000" dirty="0" err="1" smtClean="0">
+                <a:latin typeface="Times New Roman" panose="02020603050405020304" pitchFamily="18" charset="0"/>
+                <a:cs typeface="Times New Roman" panose="02020603050405020304" pitchFamily="18" charset="0"/>
+              </a:rPr>
+              <a:t>Inode</a:t>
+            </a:r>
+            <a:r>
+              <a:rPr lang="en-US" sz="1000" dirty="0" smtClean="0">
+                <a:latin typeface="Times New Roman" panose="02020603050405020304" pitchFamily="18" charset="0"/>
+                <a:cs typeface="Times New Roman" panose="02020603050405020304" pitchFamily="18" charset="0"/>
+              </a:rPr>
+              <a:t> blocks</a:t>
+            </a:r>
+            <a:endParaRPr lang="en-US" sz="1000" dirty="0">
+              <a:latin typeface="Times New Roman" panose="02020603050405020304" pitchFamily="18" charset="0"/>
+              <a:cs typeface="Times New Roman" panose="02020603050405020304" pitchFamily="18" charset="0"/>
+            </a:endParaRPr>
+          </a:p>
+        </p:txBody>
+      </p:sp>
+      <p:cxnSp>
+        <p:nvCxnSpPr>
+          <p:cNvPr id="27" name="Straight Arrow Connector 26"/>
+          <p:cNvCxnSpPr>
+            <a:stCxn id="19" idx="2"/>
+            <a:endCxn id="22" idx="1"/>
+          </p:cNvCxnSpPr>
+          <p:nvPr/>
+        </p:nvCxnSpPr>
+        <p:spPr>
+          <a:xfrm>
+            <a:off x="2702506" y="3588232"/>
+            <a:ext cx="1039986" cy="366280"/>
+          </a:xfrm>
+          <a:prstGeom prst="straightConnector1">
+            <a:avLst/>
+          </a:prstGeom>
+          <a:ln w="9525">
+            <a:solidFill>
+              <a:schemeClr val="tx1"/>
+            </a:solidFill>
+            <a:prstDash val="dash"/>
+            <a:headEnd type="triangle" w="med" len="med"/>
+            <a:tailEnd type="triangle" w="med" len="med"/>
+          </a:ln>
+        </p:spPr>
+        <p:style>
+          <a:lnRef idx="1">
+            <a:schemeClr val="accent1"/>
+          </a:lnRef>
+          <a:fillRef idx="0">
+            <a:schemeClr val="accent1"/>
+          </a:fillRef>
+          <a:effectRef idx="0">
+            <a:schemeClr val="accent1"/>
+          </a:effectRef>
+          <a:fontRef idx="minor">
+            <a:schemeClr val="tx1"/>
+          </a:fontRef>
+        </p:style>
+      </p:cxnSp>
+      <p:cxnSp>
+        <p:nvCxnSpPr>
+          <p:cNvPr id="35" name="Straight Arrow Connector 34"/>
+          <p:cNvCxnSpPr>
+            <a:stCxn id="43" idx="2"/>
+            <a:endCxn id="22" idx="1"/>
+          </p:cNvCxnSpPr>
+          <p:nvPr/>
+        </p:nvCxnSpPr>
+        <p:spPr>
+          <a:xfrm flipH="1">
+            <a:off x="3742492" y="3588232"/>
+            <a:ext cx="19897" cy="366280"/>
+          </a:xfrm>
+          <a:prstGeom prst="straightConnector1">
+            <a:avLst/>
+          </a:prstGeom>
+          <a:ln w="9525">
+            <a:solidFill>
+              <a:schemeClr val="tx1"/>
+            </a:solidFill>
+            <a:prstDash val="dash"/>
+            <a:headEnd type="triangle" w="med" len="med"/>
+            <a:tailEnd type="triangle" w="med" len="med"/>
+          </a:ln>
+        </p:spPr>
+        <p:style>
+          <a:lnRef idx="1">
+            <a:schemeClr val="accent1"/>
+          </a:lnRef>
+          <a:fillRef idx="0">
+            <a:schemeClr val="accent1"/>
+          </a:fillRef>
+          <a:effectRef idx="0">
+            <a:schemeClr val="accent1"/>
+          </a:effectRef>
+          <a:fontRef idx="minor">
+            <a:schemeClr val="tx1"/>
+          </a:fontRef>
+        </p:style>
+      </p:cxnSp>
+      <p:sp>
+        <p:nvSpPr>
+          <p:cNvPr id="63" name="Rounded Rectangle 62"/>
+          <p:cNvSpPr/>
+          <p:nvPr/>
+        </p:nvSpPr>
+        <p:spPr>
+          <a:xfrm>
+            <a:off x="2227776" y="3999710"/>
+            <a:ext cx="914400" cy="395533"/>
+          </a:xfrm>
+          <a:prstGeom prst="roundRect">
+            <a:avLst>
+              <a:gd name="adj" fmla="val 7702"/>
+            </a:avLst>
+          </a:prstGeom>
+        </p:spPr>
+        <p:style>
+          <a:lnRef idx="1">
+            <a:schemeClr val="accent2"/>
+          </a:lnRef>
+          <a:fillRef idx="2">
+            <a:schemeClr val="accent2"/>
+          </a:fillRef>
+          <a:effectRef idx="1">
+            <a:schemeClr val="accent2"/>
+          </a:effectRef>
+          <a:fontRef idx="minor">
+            <a:schemeClr val="dk1"/>
+          </a:fontRef>
+        </p:style>
+        <p:txBody>
+          <a:bodyPr rtlCol="0" anchor="ctr"/>
+          <a:lstStyle/>
+          <a:p>
+            <a:pPr algn="ctr"/>
+            <a:r>
+              <a:rPr lang="en-US" sz="1000" dirty="0">
+                <a:solidFill>
+                  <a:schemeClr val="dk1"/>
+                </a:solidFill>
+                <a:latin typeface="Times New Roman" panose="02020603050405020304" pitchFamily="18" charset="0"/>
+                <a:cs typeface="Times New Roman" panose="02020603050405020304" pitchFamily="18" charset="0"/>
+              </a:rPr>
+              <a:t>pub-sub channels</a:t>
+            </a:r>
+          </a:p>
+        </p:txBody>
+      </p:sp>
+      <p:cxnSp>
+        <p:nvCxnSpPr>
+          <p:cNvPr id="65" name="Straight Arrow Connector 64"/>
+          <p:cNvCxnSpPr>
+            <a:stCxn id="19" idx="2"/>
+            <a:endCxn id="63" idx="0"/>
+          </p:cNvCxnSpPr>
+          <p:nvPr/>
+        </p:nvCxnSpPr>
+        <p:spPr>
+          <a:xfrm flipH="1">
+            <a:off x="2684976" y="3588232"/>
+            <a:ext cx="17530" cy="411478"/>
+          </a:xfrm>
+          <a:prstGeom prst="straightConnector1">
+            <a:avLst/>
+          </a:prstGeom>
+          <a:ln w="9525">
+            <a:solidFill>
+              <a:schemeClr val="tx1"/>
+            </a:solidFill>
+            <a:prstDash val="dash"/>
+            <a:headEnd type="triangle" w="med" len="med"/>
+            <a:tailEnd type="triangle" w="med" len="med"/>
+          </a:ln>
+        </p:spPr>
+        <p:style>
+          <a:lnRef idx="1">
+            <a:schemeClr val="accent1"/>
+          </a:lnRef>
+          <a:fillRef idx="0">
+            <a:schemeClr val="accent1"/>
+          </a:fillRef>
+          <a:effectRef idx="0">
+            <a:schemeClr val="accent1"/>
+          </a:effectRef>
+          <a:fontRef idx="minor">
+            <a:schemeClr val="tx1"/>
+          </a:fontRef>
+        </p:style>
+      </p:cxnSp>
+      <p:cxnSp>
+        <p:nvCxnSpPr>
+          <p:cNvPr id="67" name="Straight Arrow Connector 66"/>
+          <p:cNvCxnSpPr>
+            <a:stCxn id="43" idx="2"/>
+            <a:endCxn id="63" idx="0"/>
+          </p:cNvCxnSpPr>
+          <p:nvPr/>
+        </p:nvCxnSpPr>
+        <p:spPr>
+          <a:xfrm flipH="1">
+            <a:off x="2684976" y="3588232"/>
+            <a:ext cx="1077413" cy="411478"/>
+          </a:xfrm>
+          <a:prstGeom prst="straightConnector1">
+            <a:avLst/>
+          </a:prstGeom>
+          <a:ln w="9525">
+            <a:solidFill>
+              <a:schemeClr val="tx1"/>
+            </a:solidFill>
+            <a:prstDash val="dash"/>
+            <a:headEnd type="triangle" w="med" len="med"/>
+            <a:tailEnd type="triangle" w="med" len="med"/>
+          </a:ln>
+        </p:spPr>
+        <p:style>
+          <a:lnRef idx="1">
+            <a:schemeClr val="accent1"/>
+          </a:lnRef>
+          <a:fillRef idx="0">
+            <a:schemeClr val="accent1"/>
+          </a:fillRef>
+          <a:effectRef idx="0">
+            <a:schemeClr val="accent1"/>
+          </a:effectRef>
+          <a:fontRef idx="minor">
+            <a:schemeClr val="tx1"/>
+          </a:fontRef>
+        </p:style>
+      </p:cxnSp>
+    </p:spTree>
+    <p:extLst>
+      <p:ext uri="{BB962C8B-B14F-4D97-AF65-F5344CB8AC3E}">
+        <p14:creationId xmlns:p14="http://schemas.microsoft.com/office/powerpoint/2010/main" val="1810633373"/>
+      </p:ext>
+    </p:extLst>
+  </p:cSld>
+  <p:clrMapOvr>
+    <a:masterClrMapping/>
+  </p:clrMapOvr>
+</p:sld>
+</file>
+
+<file path=ppt/slides/slide8.xml><?xml version="1.0" encoding="utf-8"?>
 <p:sld xmlns:a="http://schemas.openxmlformats.org/drawingml/2006/main" xmlns:r="http://schemas.openxmlformats.org/officeDocument/2006/relationships" xmlns:p="http://schemas.openxmlformats.org/presentationml/2006/main">
   <p:cSld>
     <p:spTree>

--- a/docs/design/figures/fs-design.pptx
+++ b/docs/design/figures/fs-design.pptx
@@ -13,6 +13,8 @@
     <p:sldId id="262" r:id="rId7"/>
     <p:sldId id="263" r:id="rId8"/>
     <p:sldId id="261" r:id="rId9"/>
+    <p:sldId id="265" r:id="rId10"/>
+    <p:sldId id="264" r:id="rId11"/>
   </p:sldIdLst>
   <p:sldSz cx="6858000" cy="4572000"/>
   <p:notesSz cx="9144000" cy="6858000"/>
@@ -250,7 +252,7 @@
           <a:p>
             <a:fld id="{305C3DB1-8177-46AD-AF81-2EEE95D844A8}" type="datetimeFigureOut">
               <a:rPr lang="en-US" smtClean="0"/>
-              <a:t>7/25/2017</a:t>
+              <a:t>8/3/2017</a:t>
             </a:fld>
             <a:endParaRPr lang="en-US"/>
           </a:p>
@@ -420,7 +422,7 @@
           <a:p>
             <a:fld id="{305C3DB1-8177-46AD-AF81-2EEE95D844A8}" type="datetimeFigureOut">
               <a:rPr lang="en-US" smtClean="0"/>
-              <a:t>7/25/2017</a:t>
+              <a:t>8/3/2017</a:t>
             </a:fld>
             <a:endParaRPr lang="en-US"/>
           </a:p>
@@ -600,7 +602,7 @@
           <a:p>
             <a:fld id="{305C3DB1-8177-46AD-AF81-2EEE95D844A8}" type="datetimeFigureOut">
               <a:rPr lang="en-US" smtClean="0"/>
-              <a:t>7/25/2017</a:t>
+              <a:t>8/3/2017</a:t>
             </a:fld>
             <a:endParaRPr lang="en-US"/>
           </a:p>
@@ -770,7 +772,7 @@
           <a:p>
             <a:fld id="{305C3DB1-8177-46AD-AF81-2EEE95D844A8}" type="datetimeFigureOut">
               <a:rPr lang="en-US" smtClean="0"/>
-              <a:t>7/25/2017</a:t>
+              <a:t>8/3/2017</a:t>
             </a:fld>
             <a:endParaRPr lang="en-US"/>
           </a:p>
@@ -1014,7 +1016,7 @@
           <a:p>
             <a:fld id="{305C3DB1-8177-46AD-AF81-2EEE95D844A8}" type="datetimeFigureOut">
               <a:rPr lang="en-US" smtClean="0"/>
-              <a:t>7/25/2017</a:t>
+              <a:t>8/3/2017</a:t>
             </a:fld>
             <a:endParaRPr lang="en-US"/>
           </a:p>
@@ -1246,7 +1248,7 @@
           <a:p>
             <a:fld id="{305C3DB1-8177-46AD-AF81-2EEE95D844A8}" type="datetimeFigureOut">
               <a:rPr lang="en-US" smtClean="0"/>
-              <a:t>7/25/2017</a:t>
+              <a:t>8/3/2017</a:t>
             </a:fld>
             <a:endParaRPr lang="en-US"/>
           </a:p>
@@ -1613,7 +1615,7 @@
           <a:p>
             <a:fld id="{305C3DB1-8177-46AD-AF81-2EEE95D844A8}" type="datetimeFigureOut">
               <a:rPr lang="en-US" smtClean="0"/>
-              <a:t>7/25/2017</a:t>
+              <a:t>8/3/2017</a:t>
             </a:fld>
             <a:endParaRPr lang="en-US"/>
           </a:p>
@@ -1731,7 +1733,7 @@
           <a:p>
             <a:fld id="{305C3DB1-8177-46AD-AF81-2EEE95D844A8}" type="datetimeFigureOut">
               <a:rPr lang="en-US" smtClean="0"/>
-              <a:t>7/25/2017</a:t>
+              <a:t>8/3/2017</a:t>
             </a:fld>
             <a:endParaRPr lang="en-US"/>
           </a:p>
@@ -1826,7 +1828,7 @@
           <a:p>
             <a:fld id="{305C3DB1-8177-46AD-AF81-2EEE95D844A8}" type="datetimeFigureOut">
               <a:rPr lang="en-US" smtClean="0"/>
-              <a:t>7/25/2017</a:t>
+              <a:t>8/3/2017</a:t>
             </a:fld>
             <a:endParaRPr lang="en-US"/>
           </a:p>
@@ -2103,7 +2105,7 @@
           <a:p>
             <a:fld id="{305C3DB1-8177-46AD-AF81-2EEE95D844A8}" type="datetimeFigureOut">
               <a:rPr lang="en-US" smtClean="0"/>
-              <a:t>7/25/2017</a:t>
+              <a:t>8/3/2017</a:t>
             </a:fld>
             <a:endParaRPr lang="en-US"/>
           </a:p>
@@ -2360,7 +2362,7 @@
           <a:p>
             <a:fld id="{305C3DB1-8177-46AD-AF81-2EEE95D844A8}" type="datetimeFigureOut">
               <a:rPr lang="en-US" smtClean="0"/>
-              <a:t>7/25/2017</a:t>
+              <a:t>8/3/2017</a:t>
             </a:fld>
             <a:endParaRPr lang="en-US"/>
           </a:p>
@@ -2573,7 +2575,7 @@
           <a:p>
             <a:fld id="{305C3DB1-8177-46AD-AF81-2EEE95D844A8}" type="datetimeFigureOut">
               <a:rPr lang="en-US" smtClean="0"/>
-              <a:t>7/25/2017</a:t>
+              <a:t>8/3/2017</a:t>
             </a:fld>
             <a:endParaRPr lang="en-US"/>
           </a:p>
@@ -6662,6 +6664,647 @@
     <p:extLst>
       <p:ext uri="{BB962C8B-B14F-4D97-AF65-F5344CB8AC3E}">
         <p14:creationId xmlns:p14="http://schemas.microsoft.com/office/powerpoint/2010/main" val="321975158"/>
+      </p:ext>
+    </p:extLst>
+  </p:cSld>
+  <p:clrMapOvr>
+    <a:masterClrMapping/>
+  </p:clrMapOvr>
+</p:sld>
+</file>
+
+<file path=ppt/slides/slide10.xml><?xml version="1.0" encoding="utf-8"?>
+<p:sld xmlns:a="http://schemas.openxmlformats.org/drawingml/2006/main" xmlns:r="http://schemas.openxmlformats.org/officeDocument/2006/relationships" xmlns:p="http://schemas.openxmlformats.org/presentationml/2006/main">
+  <p:cSld>
+    <p:spTree>
+      <p:nvGrpSpPr>
+        <p:cNvPr id="1" name=""/>
+        <p:cNvGrpSpPr/>
+        <p:nvPr/>
+      </p:nvGrpSpPr>
+      <p:grpSpPr>
+        <a:xfrm>
+          <a:off x="0" y="0"/>
+          <a:ext cx="0" cy="0"/>
+          <a:chOff x="0" y="0"/>
+          <a:chExt cx="0" cy="0"/>
+        </a:xfrm>
+      </p:grpSpPr>
+      <p:sp>
+        <p:nvSpPr>
+          <p:cNvPr id="4" name="Rounded Rectangle 3"/>
+          <p:cNvSpPr/>
+          <p:nvPr/>
+        </p:nvSpPr>
+        <p:spPr>
+          <a:xfrm>
+            <a:off x="393700" y="0"/>
+            <a:ext cx="774700" cy="323850"/>
+          </a:xfrm>
+          <a:prstGeom prst="roundRect">
+            <a:avLst/>
+          </a:prstGeom>
+          <a:ln w="12700">
+            <a:solidFill>
+              <a:schemeClr val="tx1">
+                <a:lumMod val="50000"/>
+                <a:lumOff val="50000"/>
+              </a:schemeClr>
+            </a:solidFill>
+            <a:headEnd type="triangle" w="med" len="med"/>
+            <a:tailEnd type="triangle" w="med" len="med"/>
+          </a:ln>
+        </p:spPr>
+        <p:style>
+          <a:lnRef idx="1">
+            <a:schemeClr val="accent1"/>
+          </a:lnRef>
+          <a:fillRef idx="0">
+            <a:schemeClr val="accent1"/>
+          </a:fillRef>
+          <a:effectRef idx="0">
+            <a:schemeClr val="accent1"/>
+          </a:effectRef>
+          <a:fontRef idx="minor">
+            <a:schemeClr val="tx1"/>
+          </a:fontRef>
+        </p:style>
+        <p:txBody>
+          <a:bodyPr rtlCol="0" anchor="ctr"/>
+          <a:lstStyle/>
+          <a:p>
+            <a:pPr algn="ctr"/>
+            <a:r>
+              <a:rPr lang="en-US" sz="1000" dirty="0" smtClean="0">
+                <a:latin typeface="Times New Roman" panose="02020603050405020304" pitchFamily="18" charset="0"/>
+                <a:cs typeface="Times New Roman" panose="02020603050405020304" pitchFamily="18" charset="0"/>
+              </a:rPr>
+              <a:t>API</a:t>
+            </a:r>
+            <a:endParaRPr lang="en-US" sz="1000" dirty="0">
+              <a:latin typeface="Times New Roman" panose="02020603050405020304" pitchFamily="18" charset="0"/>
+              <a:cs typeface="Times New Roman" panose="02020603050405020304" pitchFamily="18" charset="0"/>
+            </a:endParaRPr>
+          </a:p>
+        </p:txBody>
+      </p:sp>
+      <p:sp>
+        <p:nvSpPr>
+          <p:cNvPr id="5" name="Rounded Rectangle 4"/>
+          <p:cNvSpPr/>
+          <p:nvPr/>
+        </p:nvSpPr>
+        <p:spPr>
+          <a:xfrm>
+            <a:off x="1685925" y="0"/>
+            <a:ext cx="774700" cy="323850"/>
+          </a:xfrm>
+          <a:prstGeom prst="roundRect">
+            <a:avLst/>
+          </a:prstGeom>
+          <a:ln w="12700">
+            <a:solidFill>
+              <a:schemeClr val="tx1">
+                <a:lumMod val="50000"/>
+                <a:lumOff val="50000"/>
+              </a:schemeClr>
+            </a:solidFill>
+            <a:headEnd type="triangle" w="med" len="med"/>
+            <a:tailEnd type="triangle" w="med" len="med"/>
+          </a:ln>
+        </p:spPr>
+        <p:style>
+          <a:lnRef idx="1">
+            <a:schemeClr val="accent1"/>
+          </a:lnRef>
+          <a:fillRef idx="0">
+            <a:schemeClr val="accent1"/>
+          </a:fillRef>
+          <a:effectRef idx="0">
+            <a:schemeClr val="accent1"/>
+          </a:effectRef>
+          <a:fontRef idx="minor">
+            <a:schemeClr val="tx1"/>
+          </a:fontRef>
+        </p:style>
+        <p:txBody>
+          <a:bodyPr rtlCol="0" anchor="ctr"/>
+          <a:lstStyle/>
+          <a:p>
+            <a:pPr algn="ctr"/>
+            <a:r>
+              <a:rPr lang="en-US" sz="1000" dirty="0" smtClean="0">
+                <a:latin typeface="Times New Roman" panose="02020603050405020304" pitchFamily="18" charset="0"/>
+                <a:cs typeface="Times New Roman" panose="02020603050405020304" pitchFamily="18" charset="0"/>
+              </a:rPr>
+              <a:t>Cache</a:t>
+            </a:r>
+            <a:endParaRPr lang="en-US" sz="1000" dirty="0">
+              <a:latin typeface="Times New Roman" panose="02020603050405020304" pitchFamily="18" charset="0"/>
+              <a:cs typeface="Times New Roman" panose="02020603050405020304" pitchFamily="18" charset="0"/>
+            </a:endParaRPr>
+          </a:p>
+        </p:txBody>
+      </p:sp>
+      <p:sp>
+        <p:nvSpPr>
+          <p:cNvPr id="6" name="Rounded Rectangle 5"/>
+          <p:cNvSpPr/>
+          <p:nvPr/>
+        </p:nvSpPr>
+        <p:spPr>
+          <a:xfrm>
+            <a:off x="2978150" y="0"/>
+            <a:ext cx="774700" cy="323850"/>
+          </a:xfrm>
+          <a:prstGeom prst="roundRect">
+            <a:avLst/>
+          </a:prstGeom>
+          <a:ln w="12700">
+            <a:solidFill>
+              <a:schemeClr val="tx1">
+                <a:lumMod val="50000"/>
+                <a:lumOff val="50000"/>
+              </a:schemeClr>
+            </a:solidFill>
+            <a:headEnd type="triangle" w="med" len="med"/>
+            <a:tailEnd type="triangle" w="med" len="med"/>
+          </a:ln>
+        </p:spPr>
+        <p:style>
+          <a:lnRef idx="1">
+            <a:schemeClr val="accent1"/>
+          </a:lnRef>
+          <a:fillRef idx="0">
+            <a:schemeClr val="accent1"/>
+          </a:fillRef>
+          <a:effectRef idx="0">
+            <a:schemeClr val="accent1"/>
+          </a:effectRef>
+          <a:fontRef idx="minor">
+            <a:schemeClr val="tx1"/>
+          </a:fontRef>
+        </p:style>
+        <p:txBody>
+          <a:bodyPr rtlCol="0" anchor="ctr"/>
+          <a:lstStyle/>
+          <a:p>
+            <a:pPr algn="ctr"/>
+            <a:r>
+              <a:rPr lang="en-US" sz="1000" dirty="0" smtClean="0">
+                <a:latin typeface="Times New Roman" panose="02020603050405020304" pitchFamily="18" charset="0"/>
+                <a:cs typeface="Times New Roman" panose="02020603050405020304" pitchFamily="18" charset="0"/>
+              </a:rPr>
+              <a:t>Data Segment</a:t>
+            </a:r>
+            <a:endParaRPr lang="en-US" sz="1000" dirty="0">
+              <a:latin typeface="Times New Roman" panose="02020603050405020304" pitchFamily="18" charset="0"/>
+              <a:cs typeface="Times New Roman" panose="02020603050405020304" pitchFamily="18" charset="0"/>
+            </a:endParaRPr>
+          </a:p>
+        </p:txBody>
+      </p:sp>
+      <p:sp>
+        <p:nvSpPr>
+          <p:cNvPr id="7" name="Rounded Rectangle 6"/>
+          <p:cNvSpPr/>
+          <p:nvPr/>
+        </p:nvSpPr>
+        <p:spPr>
+          <a:xfrm>
+            <a:off x="4270375" y="0"/>
+            <a:ext cx="774700" cy="323850"/>
+          </a:xfrm>
+          <a:prstGeom prst="roundRect">
+            <a:avLst/>
+          </a:prstGeom>
+          <a:ln w="12700">
+            <a:solidFill>
+              <a:schemeClr val="tx1">
+                <a:lumMod val="50000"/>
+                <a:lumOff val="50000"/>
+              </a:schemeClr>
+            </a:solidFill>
+            <a:headEnd type="triangle" w="med" len="med"/>
+            <a:tailEnd type="triangle" w="med" len="med"/>
+          </a:ln>
+        </p:spPr>
+        <p:style>
+          <a:lnRef idx="1">
+            <a:schemeClr val="accent1"/>
+          </a:lnRef>
+          <a:fillRef idx="0">
+            <a:schemeClr val="accent1"/>
+          </a:fillRef>
+          <a:effectRef idx="0">
+            <a:schemeClr val="accent1"/>
+          </a:effectRef>
+          <a:fontRef idx="minor">
+            <a:schemeClr val="tx1"/>
+          </a:fontRef>
+        </p:style>
+        <p:txBody>
+          <a:bodyPr rtlCol="0" anchor="ctr"/>
+          <a:lstStyle/>
+          <a:p>
+            <a:pPr algn="ctr"/>
+            <a:r>
+              <a:rPr lang="en-US" sz="1000" dirty="0" smtClean="0">
+                <a:latin typeface="Times New Roman" panose="02020603050405020304" pitchFamily="18" charset="0"/>
+                <a:cs typeface="Times New Roman" panose="02020603050405020304" pitchFamily="18" charset="0"/>
+              </a:rPr>
+              <a:t>Local </a:t>
+            </a:r>
+            <a:r>
+              <a:rPr lang="en-US" sz="1000" dirty="0" smtClean="0">
+                <a:latin typeface="Times New Roman" panose="02020603050405020304" pitchFamily="18" charset="0"/>
+                <a:cs typeface="Times New Roman" panose="02020603050405020304" pitchFamily="18" charset="0"/>
+              </a:rPr>
+              <a:t>Processor</a:t>
+            </a:r>
+            <a:endParaRPr lang="en-US" sz="1000" dirty="0">
+              <a:latin typeface="Times New Roman" panose="02020603050405020304" pitchFamily="18" charset="0"/>
+              <a:cs typeface="Times New Roman" panose="02020603050405020304" pitchFamily="18" charset="0"/>
+            </a:endParaRPr>
+          </a:p>
+        </p:txBody>
+      </p:sp>
+      <p:sp>
+        <p:nvSpPr>
+          <p:cNvPr id="8" name="Rounded Rectangle 7"/>
+          <p:cNvSpPr/>
+          <p:nvPr/>
+        </p:nvSpPr>
+        <p:spPr>
+          <a:xfrm>
+            <a:off x="5562600" y="0"/>
+            <a:ext cx="774700" cy="323850"/>
+          </a:xfrm>
+          <a:prstGeom prst="roundRect">
+            <a:avLst/>
+          </a:prstGeom>
+          <a:ln w="12700">
+            <a:solidFill>
+              <a:schemeClr val="tx1">
+                <a:lumMod val="50000"/>
+                <a:lumOff val="50000"/>
+              </a:schemeClr>
+            </a:solidFill>
+            <a:headEnd type="triangle" w="med" len="med"/>
+            <a:tailEnd type="triangle" w="med" len="med"/>
+          </a:ln>
+        </p:spPr>
+        <p:style>
+          <a:lnRef idx="1">
+            <a:schemeClr val="accent1"/>
+          </a:lnRef>
+          <a:fillRef idx="0">
+            <a:schemeClr val="accent1"/>
+          </a:fillRef>
+          <a:effectRef idx="0">
+            <a:schemeClr val="accent1"/>
+          </a:effectRef>
+          <a:fontRef idx="minor">
+            <a:schemeClr val="tx1"/>
+          </a:fontRef>
+        </p:style>
+        <p:txBody>
+          <a:bodyPr rtlCol="0" anchor="ctr"/>
+          <a:lstStyle/>
+          <a:p>
+            <a:pPr algn="ctr"/>
+            <a:r>
+              <a:rPr lang="en-US" sz="1000" dirty="0" smtClean="0">
+                <a:latin typeface="Times New Roman" panose="02020603050405020304" pitchFamily="18" charset="0"/>
+                <a:cs typeface="Times New Roman" panose="02020603050405020304" pitchFamily="18" charset="0"/>
+              </a:rPr>
+              <a:t>Global </a:t>
+            </a:r>
+            <a:r>
+              <a:rPr lang="en-US" sz="1000" dirty="0" smtClean="0">
+                <a:latin typeface="Times New Roman" panose="02020603050405020304" pitchFamily="18" charset="0"/>
+                <a:cs typeface="Times New Roman" panose="02020603050405020304" pitchFamily="18" charset="0"/>
+              </a:rPr>
+              <a:t>Processor</a:t>
+            </a:r>
+            <a:endParaRPr lang="en-US" sz="1000" dirty="0">
+              <a:latin typeface="Times New Roman" panose="02020603050405020304" pitchFamily="18" charset="0"/>
+              <a:cs typeface="Times New Roman" panose="02020603050405020304" pitchFamily="18" charset="0"/>
+            </a:endParaRPr>
+          </a:p>
+        </p:txBody>
+      </p:sp>
+      <p:cxnSp>
+        <p:nvCxnSpPr>
+          <p:cNvPr id="12" name="Straight Connector 11"/>
+          <p:cNvCxnSpPr>
+            <a:stCxn id="4" idx="2"/>
+          </p:cNvCxnSpPr>
+          <p:nvPr/>
+        </p:nvCxnSpPr>
+        <p:spPr>
+          <a:xfrm>
+            <a:off x="781050" y="323850"/>
+            <a:ext cx="13401" cy="4248150"/>
+          </a:xfrm>
+          <a:prstGeom prst="line">
+            <a:avLst/>
+          </a:prstGeom>
+          <a:ln>
+            <a:solidFill>
+              <a:schemeClr val="tx1">
+                <a:lumMod val="50000"/>
+                <a:lumOff val="50000"/>
+              </a:schemeClr>
+            </a:solidFill>
+          </a:ln>
+        </p:spPr>
+        <p:style>
+          <a:lnRef idx="1">
+            <a:schemeClr val="accent1"/>
+          </a:lnRef>
+          <a:fillRef idx="0">
+            <a:schemeClr val="accent1"/>
+          </a:fillRef>
+          <a:effectRef idx="0">
+            <a:schemeClr val="accent1"/>
+          </a:effectRef>
+          <a:fontRef idx="minor">
+            <a:schemeClr val="tx1"/>
+          </a:fontRef>
+        </p:style>
+      </p:cxnSp>
+      <p:cxnSp>
+        <p:nvCxnSpPr>
+          <p:cNvPr id="20" name="Straight Arrow Connector 19"/>
+          <p:cNvCxnSpPr/>
+          <p:nvPr/>
+        </p:nvCxnSpPr>
+        <p:spPr>
+          <a:xfrm>
+            <a:off x="787400" y="781050"/>
+            <a:ext cx="1279525" cy="5715"/>
+          </a:xfrm>
+          <a:prstGeom prst="straightConnector1">
+            <a:avLst/>
+          </a:prstGeom>
+          <a:ln w="9525">
+            <a:solidFill>
+              <a:schemeClr val="tx1">
+                <a:lumMod val="50000"/>
+                <a:lumOff val="50000"/>
+              </a:schemeClr>
+            </a:solidFill>
+            <a:tailEnd type="triangle"/>
+          </a:ln>
+        </p:spPr>
+        <p:style>
+          <a:lnRef idx="1">
+            <a:schemeClr val="accent1"/>
+          </a:lnRef>
+          <a:fillRef idx="0">
+            <a:schemeClr val="accent1"/>
+          </a:fillRef>
+          <a:effectRef idx="0">
+            <a:schemeClr val="accent1"/>
+          </a:effectRef>
+          <a:fontRef idx="minor">
+            <a:schemeClr val="tx1"/>
+          </a:fontRef>
+        </p:style>
+      </p:cxnSp>
+      <p:sp>
+        <p:nvSpPr>
+          <p:cNvPr id="21" name="TextBox 20"/>
+          <p:cNvSpPr txBox="1"/>
+          <p:nvPr/>
+        </p:nvSpPr>
+        <p:spPr>
+          <a:xfrm>
+            <a:off x="768350" y="557689"/>
+            <a:ext cx="1056700" cy="246221"/>
+          </a:xfrm>
+          <a:prstGeom prst="rect">
+            <a:avLst/>
+          </a:prstGeom>
+          <a:noFill/>
+        </p:spPr>
+        <p:txBody>
+          <a:bodyPr wrap="none" rtlCol="0">
+            <a:spAutoFit/>
+          </a:bodyPr>
+          <a:lstStyle/>
+          <a:p>
+            <a:r>
+              <a:rPr lang="en-US" sz="1000" dirty="0" err="1" smtClean="0">
+                <a:latin typeface="Times New Roman" panose="02020603050405020304" pitchFamily="18" charset="0"/>
+                <a:cs typeface="Times New Roman" panose="02020603050405020304" pitchFamily="18" charset="0"/>
+              </a:rPr>
+              <a:t>acquireBlock</a:t>
+            </a:r>
+            <a:r>
+              <a:rPr lang="en-US" sz="1000" dirty="0" smtClean="0">
+                <a:latin typeface="Times New Roman" panose="02020603050405020304" pitchFamily="18" charset="0"/>
+                <a:cs typeface="Times New Roman" panose="02020603050405020304" pitchFamily="18" charset="0"/>
+              </a:rPr>
+              <a:t>(id)</a:t>
+            </a:r>
+            <a:endParaRPr lang="en-US" sz="1000" dirty="0">
+              <a:latin typeface="Times New Roman" panose="02020603050405020304" pitchFamily="18" charset="0"/>
+              <a:cs typeface="Times New Roman" panose="02020603050405020304" pitchFamily="18" charset="0"/>
+            </a:endParaRPr>
+          </a:p>
+        </p:txBody>
+      </p:sp>
+      <p:cxnSp>
+        <p:nvCxnSpPr>
+          <p:cNvPr id="23" name="Straight Arrow Connector 22"/>
+          <p:cNvCxnSpPr/>
+          <p:nvPr/>
+        </p:nvCxnSpPr>
+        <p:spPr>
+          <a:xfrm>
+            <a:off x="2060575" y="918210"/>
+            <a:ext cx="1304925" cy="0"/>
+          </a:xfrm>
+          <a:prstGeom prst="straightConnector1">
+            <a:avLst/>
+          </a:prstGeom>
+          <a:ln>
+            <a:tailEnd type="triangle"/>
+          </a:ln>
+        </p:spPr>
+        <p:style>
+          <a:lnRef idx="1">
+            <a:schemeClr val="accent1"/>
+          </a:lnRef>
+          <a:fillRef idx="0">
+            <a:schemeClr val="accent1"/>
+          </a:fillRef>
+          <a:effectRef idx="0">
+            <a:schemeClr val="accent1"/>
+          </a:effectRef>
+          <a:fontRef idx="minor">
+            <a:schemeClr val="tx1"/>
+          </a:fontRef>
+        </p:style>
+      </p:cxnSp>
+      <p:cxnSp>
+        <p:nvCxnSpPr>
+          <p:cNvPr id="17" name="Straight Connector 16"/>
+          <p:cNvCxnSpPr/>
+          <p:nvPr/>
+        </p:nvCxnSpPr>
+        <p:spPr>
+          <a:xfrm>
+            <a:off x="2073275" y="323850"/>
+            <a:ext cx="13401" cy="4248150"/>
+          </a:xfrm>
+          <a:prstGeom prst="line">
+            <a:avLst/>
+          </a:prstGeom>
+          <a:ln>
+            <a:solidFill>
+              <a:schemeClr val="tx1">
+                <a:lumMod val="50000"/>
+                <a:lumOff val="50000"/>
+              </a:schemeClr>
+            </a:solidFill>
+          </a:ln>
+        </p:spPr>
+        <p:style>
+          <a:lnRef idx="1">
+            <a:schemeClr val="accent1"/>
+          </a:lnRef>
+          <a:fillRef idx="0">
+            <a:schemeClr val="accent1"/>
+          </a:fillRef>
+          <a:effectRef idx="0">
+            <a:schemeClr val="accent1"/>
+          </a:effectRef>
+          <a:fontRef idx="minor">
+            <a:schemeClr val="tx1"/>
+          </a:fontRef>
+        </p:style>
+      </p:cxnSp>
+      <p:cxnSp>
+        <p:nvCxnSpPr>
+          <p:cNvPr id="18" name="Straight Connector 17"/>
+          <p:cNvCxnSpPr/>
+          <p:nvPr/>
+        </p:nvCxnSpPr>
+        <p:spPr>
+          <a:xfrm>
+            <a:off x="3378200" y="323850"/>
+            <a:ext cx="13401" cy="4248150"/>
+          </a:xfrm>
+          <a:prstGeom prst="line">
+            <a:avLst/>
+          </a:prstGeom>
+          <a:ln>
+            <a:solidFill>
+              <a:schemeClr val="tx1">
+                <a:lumMod val="50000"/>
+                <a:lumOff val="50000"/>
+              </a:schemeClr>
+            </a:solidFill>
+          </a:ln>
+        </p:spPr>
+        <p:style>
+          <a:lnRef idx="1">
+            <a:schemeClr val="accent1"/>
+          </a:lnRef>
+          <a:fillRef idx="0">
+            <a:schemeClr val="accent1"/>
+          </a:fillRef>
+          <a:effectRef idx="0">
+            <a:schemeClr val="accent1"/>
+          </a:effectRef>
+          <a:fontRef idx="minor">
+            <a:schemeClr val="tx1"/>
+          </a:fontRef>
+        </p:style>
+      </p:cxnSp>
+      <p:cxnSp>
+        <p:nvCxnSpPr>
+          <p:cNvPr id="19" name="Straight Connector 18"/>
+          <p:cNvCxnSpPr/>
+          <p:nvPr/>
+        </p:nvCxnSpPr>
+        <p:spPr>
+          <a:xfrm>
+            <a:off x="4683125" y="323850"/>
+            <a:ext cx="13401" cy="4248150"/>
+          </a:xfrm>
+          <a:prstGeom prst="line">
+            <a:avLst/>
+          </a:prstGeom>
+          <a:ln>
+            <a:solidFill>
+              <a:schemeClr val="tx1">
+                <a:lumMod val="50000"/>
+                <a:lumOff val="50000"/>
+              </a:schemeClr>
+            </a:solidFill>
+          </a:ln>
+        </p:spPr>
+        <p:style>
+          <a:lnRef idx="1">
+            <a:schemeClr val="accent1"/>
+          </a:lnRef>
+          <a:fillRef idx="0">
+            <a:schemeClr val="accent1"/>
+          </a:fillRef>
+          <a:effectRef idx="0">
+            <a:schemeClr val="accent1"/>
+          </a:effectRef>
+          <a:fontRef idx="minor">
+            <a:schemeClr val="tx1"/>
+          </a:fontRef>
+        </p:style>
+      </p:cxnSp>
+      <p:cxnSp>
+        <p:nvCxnSpPr>
+          <p:cNvPr id="22" name="Straight Connector 21"/>
+          <p:cNvCxnSpPr/>
+          <p:nvPr/>
+        </p:nvCxnSpPr>
+        <p:spPr>
+          <a:xfrm>
+            <a:off x="5988050" y="323850"/>
+            <a:ext cx="13401" cy="4248150"/>
+          </a:xfrm>
+          <a:prstGeom prst="line">
+            <a:avLst/>
+          </a:prstGeom>
+          <a:ln>
+            <a:solidFill>
+              <a:schemeClr val="tx1">
+                <a:lumMod val="50000"/>
+                <a:lumOff val="50000"/>
+              </a:schemeClr>
+            </a:solidFill>
+          </a:ln>
+        </p:spPr>
+        <p:style>
+          <a:lnRef idx="1">
+            <a:schemeClr val="accent1"/>
+          </a:lnRef>
+          <a:fillRef idx="0">
+            <a:schemeClr val="accent1"/>
+          </a:fillRef>
+          <a:effectRef idx="0">
+            <a:schemeClr val="accent1"/>
+          </a:effectRef>
+          <a:fontRef idx="minor">
+            <a:schemeClr val="tx1"/>
+          </a:fontRef>
+        </p:style>
+      </p:cxnSp>
+    </p:spTree>
+    <p:extLst>
+      <p:ext uri="{BB962C8B-B14F-4D97-AF65-F5344CB8AC3E}">
+        <p14:creationId xmlns:p14="http://schemas.microsoft.com/office/powerpoint/2010/main" val="2624007899"/>
       </p:ext>
     </p:extLst>
   </p:cSld>
@@ -17000,142 +17643,784 @@
       </p:grpSpPr>
       <p:grpSp>
         <p:nvGrpSpPr>
-          <p:cNvPr id="24" name="Group 23"/>
+          <p:cNvPr id="6" name="Group 5"/>
           <p:cNvGrpSpPr/>
           <p:nvPr/>
         </p:nvGrpSpPr>
         <p:grpSpPr>
           <a:xfrm>
             <a:off x="884839" y="1234843"/>
-            <a:ext cx="2006699" cy="1063767"/>
-            <a:chOff x="226870" y="239331"/>
-            <a:chExt cx="2767790" cy="1535710"/>
+            <a:ext cx="4586832" cy="2316911"/>
+            <a:chOff x="884839" y="1234843"/>
+            <a:chExt cx="4586832" cy="2316911"/>
           </a:xfrm>
         </p:grpSpPr>
+        <p:grpSp>
+          <p:nvGrpSpPr>
+            <p:cNvPr id="24" name="Group 23"/>
+            <p:cNvGrpSpPr/>
+            <p:nvPr/>
+          </p:nvGrpSpPr>
+          <p:grpSpPr>
+            <a:xfrm>
+              <a:off x="884839" y="1234843"/>
+              <a:ext cx="2006699" cy="1063767"/>
+              <a:chOff x="226870" y="239331"/>
+              <a:chExt cx="2767790" cy="1535710"/>
+            </a:xfrm>
+          </p:grpSpPr>
+          <p:sp>
+            <p:nvSpPr>
+              <p:cNvPr id="4" name="Rectangle 3"/>
+              <p:cNvSpPr/>
+              <p:nvPr/>
+            </p:nvSpPr>
+            <p:spPr>
+              <a:xfrm>
+                <a:off x="226870" y="574891"/>
+                <a:ext cx="1342850" cy="301409"/>
+              </a:xfrm>
+              <a:prstGeom prst="rect">
+                <a:avLst/>
+              </a:prstGeom>
+              <a:solidFill>
+                <a:schemeClr val="bg1"/>
+              </a:solidFill>
+              <a:ln>
+                <a:solidFill>
+                  <a:schemeClr val="tx1"/>
+                </a:solidFill>
+              </a:ln>
+            </p:spPr>
+            <p:style>
+              <a:lnRef idx="2">
+                <a:schemeClr val="accent1">
+                  <a:shade val="50000"/>
+                </a:schemeClr>
+              </a:lnRef>
+              <a:fillRef idx="1">
+                <a:schemeClr val="accent1"/>
+              </a:fillRef>
+              <a:effectRef idx="0">
+                <a:schemeClr val="accent1"/>
+              </a:effectRef>
+              <a:fontRef idx="minor">
+                <a:schemeClr val="lt1"/>
+              </a:fontRef>
+            </p:style>
+            <p:txBody>
+              <a:bodyPr rtlCol="0" anchor="ctr"/>
+              <a:lstStyle/>
+              <a:p>
+                <a:pPr algn="ctr"/>
+                <a:r>
+                  <a:rPr lang="en-US" sz="1000" dirty="0">
+                    <a:solidFill>
+                      <a:schemeClr val="tx1"/>
+                    </a:solidFill>
+                    <a:latin typeface="Times New Roman" panose="02020603050405020304" pitchFamily="18" charset="0"/>
+                    <a:cs typeface="Times New Roman" panose="02020603050405020304" pitchFamily="18" charset="0"/>
+                  </a:rPr>
+                  <a:t>File name</a:t>
+                </a:r>
+              </a:p>
+            </p:txBody>
+          </p:sp>
+          <p:sp>
+            <p:nvSpPr>
+              <p:cNvPr id="5" name="Rectangle 4"/>
+              <p:cNvSpPr/>
+              <p:nvPr/>
+            </p:nvSpPr>
+            <p:spPr>
+              <a:xfrm>
+                <a:off x="226870" y="239331"/>
+                <a:ext cx="2767790" cy="335560"/>
+              </a:xfrm>
+              <a:prstGeom prst="rect">
+                <a:avLst/>
+              </a:prstGeom>
+              <a:solidFill>
+                <a:schemeClr val="bg1"/>
+              </a:solidFill>
+              <a:ln>
+                <a:solidFill>
+                  <a:schemeClr val="tx1"/>
+                </a:solidFill>
+              </a:ln>
+            </p:spPr>
+            <p:style>
+              <a:lnRef idx="2">
+                <a:schemeClr val="accent1">
+                  <a:shade val="50000"/>
+                </a:schemeClr>
+              </a:lnRef>
+              <a:fillRef idx="1">
+                <a:schemeClr val="accent1"/>
+              </a:fillRef>
+              <a:effectRef idx="0">
+                <a:schemeClr val="accent1"/>
+              </a:effectRef>
+              <a:fontRef idx="minor">
+                <a:schemeClr val="lt1"/>
+              </a:fontRef>
+            </p:style>
+            <p:txBody>
+              <a:bodyPr rtlCol="0" anchor="ctr"/>
+              <a:lstStyle/>
+              <a:p>
+                <a:pPr algn="ctr"/>
+                <a:r>
+                  <a:rPr lang="en-US" sz="1000" b="1" dirty="0">
+                    <a:solidFill>
+                      <a:schemeClr val="tx1"/>
+                    </a:solidFill>
+                    <a:latin typeface="Times New Roman" panose="02020603050405020304" pitchFamily="18" charset="0"/>
+                    <a:cs typeface="Times New Roman" panose="02020603050405020304" pitchFamily="18" charset="0"/>
+                  </a:rPr>
+                  <a:t>File Directory</a:t>
+                </a:r>
+              </a:p>
+            </p:txBody>
+          </p:sp>
+          <p:sp>
+            <p:nvSpPr>
+              <p:cNvPr id="8" name="Rectangle 7"/>
+              <p:cNvSpPr/>
+              <p:nvPr/>
+            </p:nvSpPr>
+            <p:spPr>
+              <a:xfrm>
+                <a:off x="1569720" y="574891"/>
+                <a:ext cx="1424940" cy="301409"/>
+              </a:xfrm>
+              <a:prstGeom prst="rect">
+                <a:avLst/>
+              </a:prstGeom>
+              <a:solidFill>
+                <a:schemeClr val="bg1"/>
+              </a:solidFill>
+              <a:ln>
+                <a:solidFill>
+                  <a:schemeClr val="tx1"/>
+                </a:solidFill>
+              </a:ln>
+            </p:spPr>
+            <p:style>
+              <a:lnRef idx="2">
+                <a:schemeClr val="accent1">
+                  <a:shade val="50000"/>
+                </a:schemeClr>
+              </a:lnRef>
+              <a:fillRef idx="1">
+                <a:schemeClr val="accent1"/>
+              </a:fillRef>
+              <a:effectRef idx="0">
+                <a:schemeClr val="accent1"/>
+              </a:effectRef>
+              <a:fontRef idx="minor">
+                <a:schemeClr val="lt1"/>
+              </a:fontRef>
+            </p:style>
+            <p:txBody>
+              <a:bodyPr rtlCol="0" anchor="ctr"/>
+              <a:lstStyle/>
+              <a:p>
+                <a:pPr algn="ctr"/>
+                <a:r>
+                  <a:rPr lang="en-US" sz="1000" dirty="0" err="1">
+                    <a:solidFill>
+                      <a:schemeClr val="tx1"/>
+                    </a:solidFill>
+                    <a:latin typeface="Times New Roman" panose="02020603050405020304" pitchFamily="18" charset="0"/>
+                    <a:cs typeface="Times New Roman" panose="02020603050405020304" pitchFamily="18" charset="0"/>
+                  </a:rPr>
+                  <a:t>inumber</a:t>
+                </a:r>
+                <a:endParaRPr lang="en-US" sz="1000" dirty="0">
+                  <a:solidFill>
+                    <a:schemeClr val="tx1"/>
+                  </a:solidFill>
+                  <a:latin typeface="Times New Roman" panose="02020603050405020304" pitchFamily="18" charset="0"/>
+                  <a:cs typeface="Times New Roman" panose="02020603050405020304" pitchFamily="18" charset="0"/>
+                </a:endParaRPr>
+              </a:p>
+            </p:txBody>
+          </p:sp>
+          <p:sp>
+            <p:nvSpPr>
+              <p:cNvPr id="9" name="Rectangle 8"/>
+              <p:cNvSpPr/>
+              <p:nvPr/>
+            </p:nvSpPr>
+            <p:spPr>
+              <a:xfrm>
+                <a:off x="226870" y="876300"/>
+                <a:ext cx="1342850" cy="301409"/>
+              </a:xfrm>
+              <a:prstGeom prst="rect">
+                <a:avLst/>
+              </a:prstGeom>
+              <a:solidFill>
+                <a:schemeClr val="bg1"/>
+              </a:solidFill>
+              <a:ln>
+                <a:solidFill>
+                  <a:schemeClr val="tx1"/>
+                </a:solidFill>
+              </a:ln>
+            </p:spPr>
+            <p:style>
+              <a:lnRef idx="2">
+                <a:schemeClr val="accent1">
+                  <a:shade val="50000"/>
+                </a:schemeClr>
+              </a:lnRef>
+              <a:fillRef idx="1">
+                <a:schemeClr val="accent1"/>
+              </a:fillRef>
+              <a:effectRef idx="0">
+                <a:schemeClr val="accent1"/>
+              </a:effectRef>
+              <a:fontRef idx="minor">
+                <a:schemeClr val="lt1"/>
+              </a:fontRef>
+            </p:style>
+            <p:txBody>
+              <a:bodyPr rtlCol="0" anchor="ctr"/>
+              <a:lstStyle/>
+              <a:p>
+                <a:pPr algn="ctr"/>
+                <a:r>
+                  <a:rPr lang="en-US" sz="1000" dirty="0">
+                    <a:solidFill>
+                      <a:schemeClr val="tx1"/>
+                    </a:solidFill>
+                    <a:latin typeface="Times New Roman" panose="02020603050405020304" pitchFamily="18" charset="0"/>
+                    <a:cs typeface="Times New Roman" panose="02020603050405020304" pitchFamily="18" charset="0"/>
+                  </a:rPr>
+                  <a:t>“/home/file1”</a:t>
+                </a:r>
+              </a:p>
+            </p:txBody>
+          </p:sp>
+          <p:sp>
+            <p:nvSpPr>
+              <p:cNvPr id="10" name="Rectangle 9"/>
+              <p:cNvSpPr/>
+              <p:nvPr/>
+            </p:nvSpPr>
+            <p:spPr>
+              <a:xfrm>
+                <a:off x="1569720" y="876300"/>
+                <a:ext cx="1424940" cy="301409"/>
+              </a:xfrm>
+              <a:prstGeom prst="rect">
+                <a:avLst/>
+              </a:prstGeom>
+              <a:solidFill>
+                <a:schemeClr val="bg1"/>
+              </a:solidFill>
+              <a:ln>
+                <a:solidFill>
+                  <a:schemeClr val="tx1"/>
+                </a:solidFill>
+              </a:ln>
+            </p:spPr>
+            <p:style>
+              <a:lnRef idx="2">
+                <a:schemeClr val="accent1">
+                  <a:shade val="50000"/>
+                </a:schemeClr>
+              </a:lnRef>
+              <a:fillRef idx="1">
+                <a:schemeClr val="accent1"/>
+              </a:fillRef>
+              <a:effectRef idx="0">
+                <a:schemeClr val="accent1"/>
+              </a:effectRef>
+              <a:fontRef idx="minor">
+                <a:schemeClr val="lt1"/>
+              </a:fontRef>
+            </p:style>
+            <p:txBody>
+              <a:bodyPr rtlCol="0" anchor="ctr"/>
+              <a:lstStyle/>
+              <a:p>
+                <a:pPr algn="ctr"/>
+                <a:r>
+                  <a:rPr lang="en-US" sz="1000" dirty="0">
+                    <a:solidFill>
+                      <a:schemeClr val="tx1"/>
+                    </a:solidFill>
+                    <a:latin typeface="Times New Roman" panose="02020603050405020304" pitchFamily="18" charset="0"/>
+                    <a:cs typeface="Times New Roman" panose="02020603050405020304" pitchFamily="18" charset="0"/>
+                  </a:rPr>
+                  <a:t>1</a:t>
+                </a:r>
+              </a:p>
+            </p:txBody>
+          </p:sp>
+          <p:sp>
+            <p:nvSpPr>
+              <p:cNvPr id="11" name="Rectangle 10"/>
+              <p:cNvSpPr/>
+              <p:nvPr/>
+            </p:nvSpPr>
+            <p:spPr>
+              <a:xfrm>
+                <a:off x="226870" y="1177709"/>
+                <a:ext cx="1342850" cy="301409"/>
+              </a:xfrm>
+              <a:prstGeom prst="rect">
+                <a:avLst/>
+              </a:prstGeom>
+              <a:solidFill>
+                <a:schemeClr val="bg1"/>
+              </a:solidFill>
+              <a:ln>
+                <a:solidFill>
+                  <a:schemeClr val="tx1"/>
+                </a:solidFill>
+              </a:ln>
+            </p:spPr>
+            <p:style>
+              <a:lnRef idx="2">
+                <a:schemeClr val="accent1">
+                  <a:shade val="50000"/>
+                </a:schemeClr>
+              </a:lnRef>
+              <a:fillRef idx="1">
+                <a:schemeClr val="accent1"/>
+              </a:fillRef>
+              <a:effectRef idx="0">
+                <a:schemeClr val="accent1"/>
+              </a:effectRef>
+              <a:fontRef idx="minor">
+                <a:schemeClr val="lt1"/>
+              </a:fontRef>
+            </p:style>
+            <p:txBody>
+              <a:bodyPr rtlCol="0" anchor="ctr"/>
+              <a:lstStyle/>
+              <a:p>
+                <a:pPr algn="ctr"/>
+                <a:r>
+                  <a:rPr lang="en-US" sz="1000" dirty="0">
+                    <a:solidFill>
+                      <a:schemeClr val="tx1"/>
+                    </a:solidFill>
+                    <a:latin typeface="Times New Roman" panose="02020603050405020304" pitchFamily="18" charset="0"/>
+                    <a:cs typeface="Times New Roman" panose="02020603050405020304" pitchFamily="18" charset="0"/>
+                  </a:rPr>
+                  <a:t>“/home/file2”</a:t>
+                </a:r>
+              </a:p>
+            </p:txBody>
+          </p:sp>
+          <p:sp>
+            <p:nvSpPr>
+              <p:cNvPr id="12" name="Rectangle 11"/>
+              <p:cNvSpPr/>
+              <p:nvPr/>
+            </p:nvSpPr>
+            <p:spPr>
+              <a:xfrm>
+                <a:off x="1569720" y="1177709"/>
+                <a:ext cx="1424940" cy="301409"/>
+              </a:xfrm>
+              <a:prstGeom prst="rect">
+                <a:avLst/>
+              </a:prstGeom>
+              <a:solidFill>
+                <a:schemeClr val="bg1"/>
+              </a:solidFill>
+              <a:ln>
+                <a:solidFill>
+                  <a:schemeClr val="tx1"/>
+                </a:solidFill>
+              </a:ln>
+            </p:spPr>
+            <p:style>
+              <a:lnRef idx="2">
+                <a:schemeClr val="accent1">
+                  <a:shade val="50000"/>
+                </a:schemeClr>
+              </a:lnRef>
+              <a:fillRef idx="1">
+                <a:schemeClr val="accent1"/>
+              </a:fillRef>
+              <a:effectRef idx="0">
+                <a:schemeClr val="accent1"/>
+              </a:effectRef>
+              <a:fontRef idx="minor">
+                <a:schemeClr val="lt1"/>
+              </a:fontRef>
+            </p:style>
+            <p:txBody>
+              <a:bodyPr rtlCol="0" anchor="ctr"/>
+              <a:lstStyle/>
+              <a:p>
+                <a:pPr algn="ctr"/>
+                <a:r>
+                  <a:rPr lang="en-US" sz="1000" dirty="0">
+                    <a:solidFill>
+                      <a:schemeClr val="tx1"/>
+                    </a:solidFill>
+                    <a:latin typeface="Times New Roman" panose="02020603050405020304" pitchFamily="18" charset="0"/>
+                    <a:cs typeface="Times New Roman" panose="02020603050405020304" pitchFamily="18" charset="0"/>
+                  </a:rPr>
+                  <a:t>2</a:t>
+                </a:r>
+              </a:p>
+            </p:txBody>
+          </p:sp>
+          <p:sp>
+            <p:nvSpPr>
+              <p:cNvPr id="22" name="Rectangle 21"/>
+              <p:cNvSpPr/>
+              <p:nvPr/>
+            </p:nvSpPr>
+            <p:spPr>
+              <a:xfrm>
+                <a:off x="226870" y="1473632"/>
+                <a:ext cx="1342850" cy="301409"/>
+              </a:xfrm>
+              <a:prstGeom prst="rect">
+                <a:avLst/>
+              </a:prstGeom>
+              <a:solidFill>
+                <a:schemeClr val="bg1"/>
+              </a:solidFill>
+              <a:ln>
+                <a:solidFill>
+                  <a:schemeClr val="tx1"/>
+                </a:solidFill>
+              </a:ln>
+            </p:spPr>
+            <p:style>
+              <a:lnRef idx="2">
+                <a:schemeClr val="accent1">
+                  <a:shade val="50000"/>
+                </a:schemeClr>
+              </a:lnRef>
+              <a:fillRef idx="1">
+                <a:schemeClr val="accent1"/>
+              </a:fillRef>
+              <a:effectRef idx="0">
+                <a:schemeClr val="accent1"/>
+              </a:effectRef>
+              <a:fontRef idx="minor">
+                <a:schemeClr val="lt1"/>
+              </a:fontRef>
+            </p:style>
+            <p:txBody>
+              <a:bodyPr rtlCol="0" anchor="ctr"/>
+              <a:lstStyle/>
+              <a:p>
+                <a:pPr algn="ctr"/>
+                <a:r>
+                  <a:rPr lang="en-US" sz="1000" dirty="0">
+                    <a:solidFill>
+                      <a:schemeClr val="tx1"/>
+                    </a:solidFill>
+                    <a:latin typeface="Times New Roman" panose="02020603050405020304" pitchFamily="18" charset="0"/>
+                    <a:cs typeface="Times New Roman" panose="02020603050405020304" pitchFamily="18" charset="0"/>
+                  </a:rPr>
+                  <a:t>…</a:t>
+                </a:r>
+              </a:p>
+            </p:txBody>
+          </p:sp>
+          <p:sp>
+            <p:nvSpPr>
+              <p:cNvPr id="23" name="Rectangle 22"/>
+              <p:cNvSpPr/>
+              <p:nvPr/>
+            </p:nvSpPr>
+            <p:spPr>
+              <a:xfrm>
+                <a:off x="1569720" y="1473632"/>
+                <a:ext cx="1424940" cy="301409"/>
+              </a:xfrm>
+              <a:prstGeom prst="rect">
+                <a:avLst/>
+              </a:prstGeom>
+              <a:solidFill>
+                <a:schemeClr val="bg1"/>
+              </a:solidFill>
+              <a:ln>
+                <a:solidFill>
+                  <a:schemeClr val="tx1"/>
+                </a:solidFill>
+              </a:ln>
+            </p:spPr>
+            <p:style>
+              <a:lnRef idx="2">
+                <a:schemeClr val="accent1">
+                  <a:shade val="50000"/>
+                </a:schemeClr>
+              </a:lnRef>
+              <a:fillRef idx="1">
+                <a:schemeClr val="accent1"/>
+              </a:fillRef>
+              <a:effectRef idx="0">
+                <a:schemeClr val="accent1"/>
+              </a:effectRef>
+              <a:fontRef idx="minor">
+                <a:schemeClr val="lt1"/>
+              </a:fontRef>
+            </p:style>
+            <p:txBody>
+              <a:bodyPr rtlCol="0" anchor="ctr"/>
+              <a:lstStyle/>
+              <a:p>
+                <a:pPr algn="ctr"/>
+                <a:r>
+                  <a:rPr lang="en-US" sz="1000" dirty="0">
+                    <a:solidFill>
+                      <a:schemeClr val="tx1"/>
+                    </a:solidFill>
+                    <a:latin typeface="Times New Roman" panose="02020603050405020304" pitchFamily="18" charset="0"/>
+                    <a:cs typeface="Times New Roman" panose="02020603050405020304" pitchFamily="18" charset="0"/>
+                  </a:rPr>
+                  <a:t>…</a:t>
+                </a:r>
+              </a:p>
+            </p:txBody>
+          </p:sp>
+        </p:grpSp>
+        <p:cxnSp>
+          <p:nvCxnSpPr>
+            <p:cNvPr id="27" name="Elbow Connector 26"/>
+            <p:cNvCxnSpPr>
+              <a:stCxn id="12" idx="3"/>
+              <a:endCxn id="15" idx="1"/>
+            </p:cNvCxnSpPr>
+            <p:nvPr/>
+          </p:nvCxnSpPr>
+          <p:spPr>
+            <a:xfrm flipV="1">
+              <a:off x="2891538" y="1754810"/>
+              <a:ext cx="696836" cy="234427"/>
+            </a:xfrm>
+            <a:prstGeom prst="bentConnector3">
+              <a:avLst>
+                <a:gd name="adj1" fmla="val 50000"/>
+              </a:avLst>
+            </a:prstGeom>
+            <a:ln w="12700">
+              <a:solidFill>
+                <a:schemeClr val="tx1"/>
+              </a:solidFill>
+              <a:tailEnd type="triangle"/>
+            </a:ln>
+          </p:spPr>
+          <p:style>
+            <a:lnRef idx="1">
+              <a:schemeClr val="accent1"/>
+            </a:lnRef>
+            <a:fillRef idx="0">
+              <a:schemeClr val="accent1"/>
+            </a:fillRef>
+            <a:effectRef idx="0">
+              <a:schemeClr val="accent1"/>
+            </a:effectRef>
+            <a:fontRef idx="minor">
+              <a:schemeClr val="tx1"/>
+            </a:fontRef>
+          </p:style>
+        </p:cxnSp>
+        <p:grpSp>
+          <p:nvGrpSpPr>
+            <p:cNvPr id="38" name="Group 37"/>
+            <p:cNvGrpSpPr/>
+            <p:nvPr/>
+          </p:nvGrpSpPr>
+          <p:grpSpPr>
+            <a:xfrm>
+              <a:off x="4112455" y="2212676"/>
+              <a:ext cx="640819" cy="364380"/>
+              <a:chOff x="2989984" y="2880081"/>
+              <a:chExt cx="987656" cy="705547"/>
+            </a:xfrm>
+          </p:grpSpPr>
+          <p:sp>
+            <p:nvSpPr>
+              <p:cNvPr id="35" name="Rectangle 34"/>
+              <p:cNvSpPr/>
+              <p:nvPr/>
+            </p:nvSpPr>
+            <p:spPr>
+              <a:xfrm>
+                <a:off x="3063240" y="2954864"/>
+                <a:ext cx="914400" cy="630764"/>
+              </a:xfrm>
+              <a:prstGeom prst="rect">
+                <a:avLst/>
+              </a:prstGeom>
+              <a:solidFill>
+                <a:schemeClr val="bg1"/>
+              </a:solidFill>
+              <a:ln>
+                <a:solidFill>
+                  <a:schemeClr val="tx1"/>
+                </a:solidFill>
+              </a:ln>
+            </p:spPr>
+            <p:style>
+              <a:lnRef idx="2">
+                <a:schemeClr val="accent1">
+                  <a:shade val="50000"/>
+                </a:schemeClr>
+              </a:lnRef>
+              <a:fillRef idx="1">
+                <a:schemeClr val="accent1"/>
+              </a:fillRef>
+              <a:effectRef idx="0">
+                <a:schemeClr val="accent1"/>
+              </a:effectRef>
+              <a:fontRef idx="minor">
+                <a:schemeClr val="lt1"/>
+              </a:fontRef>
+            </p:style>
+            <p:txBody>
+              <a:bodyPr rtlCol="0" anchor="ctr"/>
+              <a:lstStyle/>
+              <a:p>
+                <a:pPr algn="ctr"/>
+                <a:endParaRPr lang="en-US" sz="1000" dirty="0">
+                  <a:solidFill>
+                    <a:schemeClr val="tx1"/>
+                  </a:solidFill>
+                  <a:latin typeface="Times New Roman" panose="02020603050405020304" pitchFamily="18" charset="0"/>
+                  <a:cs typeface="Times New Roman" panose="02020603050405020304" pitchFamily="18" charset="0"/>
+                </a:endParaRPr>
+              </a:p>
+            </p:txBody>
+          </p:sp>
+          <p:sp>
+            <p:nvSpPr>
+              <p:cNvPr id="36" name="Rectangle 35"/>
+              <p:cNvSpPr/>
+              <p:nvPr/>
+            </p:nvSpPr>
+            <p:spPr>
+              <a:xfrm>
+                <a:off x="3022802" y="2922978"/>
+                <a:ext cx="914400" cy="630764"/>
+              </a:xfrm>
+              <a:prstGeom prst="rect">
+                <a:avLst/>
+              </a:prstGeom>
+              <a:solidFill>
+                <a:schemeClr val="bg1"/>
+              </a:solidFill>
+              <a:ln>
+                <a:solidFill>
+                  <a:schemeClr val="tx1"/>
+                </a:solidFill>
+              </a:ln>
+            </p:spPr>
+            <p:style>
+              <a:lnRef idx="2">
+                <a:schemeClr val="accent1">
+                  <a:shade val="50000"/>
+                </a:schemeClr>
+              </a:lnRef>
+              <a:fillRef idx="1">
+                <a:schemeClr val="accent1"/>
+              </a:fillRef>
+              <a:effectRef idx="0">
+                <a:schemeClr val="accent1"/>
+              </a:effectRef>
+              <a:fontRef idx="minor">
+                <a:schemeClr val="lt1"/>
+              </a:fontRef>
+            </p:style>
+            <p:txBody>
+              <a:bodyPr rtlCol="0" anchor="ctr"/>
+              <a:lstStyle/>
+              <a:p>
+                <a:pPr algn="ctr"/>
+                <a:endParaRPr lang="en-US" sz="1000" dirty="0">
+                  <a:solidFill>
+                    <a:schemeClr val="tx1"/>
+                  </a:solidFill>
+                  <a:latin typeface="Times New Roman" panose="02020603050405020304" pitchFamily="18" charset="0"/>
+                  <a:cs typeface="Times New Roman" panose="02020603050405020304" pitchFamily="18" charset="0"/>
+                </a:endParaRPr>
+              </a:p>
+            </p:txBody>
+          </p:sp>
+          <p:sp>
+            <p:nvSpPr>
+              <p:cNvPr id="37" name="Rectangle 36"/>
+              <p:cNvSpPr/>
+              <p:nvPr/>
+            </p:nvSpPr>
+            <p:spPr>
+              <a:xfrm>
+                <a:off x="2989984" y="2880081"/>
+                <a:ext cx="914400" cy="630764"/>
+              </a:xfrm>
+              <a:prstGeom prst="rect">
+                <a:avLst/>
+              </a:prstGeom>
+              <a:solidFill>
+                <a:schemeClr val="bg1"/>
+              </a:solidFill>
+              <a:ln>
+                <a:solidFill>
+                  <a:schemeClr val="tx1"/>
+                </a:solidFill>
+              </a:ln>
+            </p:spPr>
+            <p:style>
+              <a:lnRef idx="2">
+                <a:schemeClr val="accent1">
+                  <a:shade val="50000"/>
+                </a:schemeClr>
+              </a:lnRef>
+              <a:fillRef idx="1">
+                <a:schemeClr val="accent1"/>
+              </a:fillRef>
+              <a:effectRef idx="0">
+                <a:schemeClr val="accent1"/>
+              </a:effectRef>
+              <a:fontRef idx="minor">
+                <a:schemeClr val="lt1"/>
+              </a:fontRef>
+            </p:style>
+            <p:txBody>
+              <a:bodyPr rtlCol="0" anchor="ctr"/>
+              <a:lstStyle/>
+              <a:p>
+                <a:pPr algn="ctr"/>
+                <a:r>
+                  <a:rPr lang="en-US" sz="1000" dirty="0">
+                    <a:solidFill>
+                      <a:schemeClr val="tx1"/>
+                    </a:solidFill>
+                    <a:latin typeface="Times New Roman" panose="02020603050405020304" pitchFamily="18" charset="0"/>
+                    <a:cs typeface="Times New Roman" panose="02020603050405020304" pitchFamily="18" charset="0"/>
+                  </a:rPr>
+                  <a:t>Data blocks</a:t>
+                </a:r>
+              </a:p>
+            </p:txBody>
+          </p:sp>
+        </p:grpSp>
         <p:sp>
           <p:nvSpPr>
-            <p:cNvPr id="4" name="Rectangle 3"/>
+            <p:cNvPr id="15" name="Rectangle 14"/>
             <p:cNvSpPr/>
             <p:nvPr/>
           </p:nvSpPr>
           <p:spPr>
             <a:xfrm>
-              <a:off x="226870" y="574891"/>
-              <a:ext cx="1342850" cy="301409"/>
-            </a:xfrm>
-            <a:prstGeom prst="rect">
-              <a:avLst/>
-            </a:prstGeom>
-            <a:solidFill>
-              <a:schemeClr val="bg1"/>
-            </a:solidFill>
-            <a:ln>
-              <a:solidFill>
-                <a:schemeClr val="tx1"/>
-              </a:solidFill>
-            </a:ln>
-          </p:spPr>
-          <p:style>
-            <a:lnRef idx="2">
-              <a:schemeClr val="accent1">
-                <a:shade val="50000"/>
-              </a:schemeClr>
-            </a:lnRef>
-            <a:fillRef idx="1">
-              <a:schemeClr val="accent1"/>
-            </a:fillRef>
-            <a:effectRef idx="0">
-              <a:schemeClr val="accent1"/>
-            </a:effectRef>
-            <a:fontRef idx="minor">
-              <a:schemeClr val="lt1"/>
-            </a:fontRef>
-          </p:style>
-          <p:txBody>
-            <a:bodyPr rtlCol="0" anchor="ctr"/>
-            <a:lstStyle/>
-            <a:p>
-              <a:pPr algn="ctr"/>
-              <a:r>
-                <a:rPr lang="en-US" sz="1000" dirty="0">
-                  <a:solidFill>
-                    <a:schemeClr val="tx1"/>
-                  </a:solidFill>
-                  <a:latin typeface="Times New Roman" panose="02020603050405020304" pitchFamily="18" charset="0"/>
-                  <a:cs typeface="Times New Roman" panose="02020603050405020304" pitchFamily="18" charset="0"/>
-                </a:rPr>
-                <a:t>File name</a:t>
-              </a:r>
-            </a:p>
-          </p:txBody>
-        </p:sp>
-        <p:sp>
-          <p:nvSpPr>
-            <p:cNvPr id="5" name="Rectangle 4"/>
-            <p:cNvSpPr/>
-            <p:nvPr/>
-          </p:nvSpPr>
-          <p:spPr>
-            <a:xfrm>
-              <a:off x="226870" y="239331"/>
-              <a:ext cx="2767790" cy="335560"/>
-            </a:xfrm>
-            <a:prstGeom prst="rect">
-              <a:avLst/>
-            </a:prstGeom>
-            <a:solidFill>
-              <a:schemeClr val="bg1"/>
-            </a:solidFill>
-            <a:ln>
-              <a:solidFill>
-                <a:schemeClr val="tx1"/>
-              </a:solidFill>
-            </a:ln>
-          </p:spPr>
-          <p:style>
-            <a:lnRef idx="2">
-              <a:schemeClr val="accent1">
-                <a:shade val="50000"/>
-              </a:schemeClr>
-            </a:lnRef>
-            <a:fillRef idx="1">
-              <a:schemeClr val="accent1"/>
-            </a:fillRef>
-            <a:effectRef idx="0">
-              <a:schemeClr val="accent1"/>
-            </a:effectRef>
-            <a:fontRef idx="minor">
-              <a:schemeClr val="lt1"/>
-            </a:fontRef>
-          </p:style>
-          <p:txBody>
-            <a:bodyPr rtlCol="0" anchor="ctr"/>
-            <a:lstStyle/>
-            <a:p>
-              <a:pPr algn="ctr"/>
-              <a:r>
-                <a:rPr lang="en-US" sz="1000" b="1" dirty="0">
-                  <a:solidFill>
-                    <a:schemeClr val="tx1"/>
-                  </a:solidFill>
-                  <a:latin typeface="Times New Roman" panose="02020603050405020304" pitchFamily="18" charset="0"/>
-                  <a:cs typeface="Times New Roman" panose="02020603050405020304" pitchFamily="18" charset="0"/>
-                </a:rPr>
-                <a:t>File Directory</a:t>
-              </a:r>
-            </a:p>
-          </p:txBody>
-        </p:sp>
-        <p:sp>
-          <p:nvSpPr>
-            <p:cNvPr id="8" name="Rectangle 7"/>
-            <p:cNvSpPr/>
-            <p:nvPr/>
-          </p:nvSpPr>
-          <p:spPr>
-            <a:xfrm>
-              <a:off x="1569720" y="574891"/>
-              <a:ext cx="1424940" cy="301409"/>
+              <a:off x="3588374" y="1647630"/>
+              <a:ext cx="836939" cy="214360"/>
             </a:xfrm>
             <a:prstGeom prst="rect">
               <a:avLst/>
@@ -17192,14 +18477,14 @@
         </p:sp>
         <p:sp>
           <p:nvSpPr>
-            <p:cNvPr id="9" name="Rectangle 8"/>
+            <p:cNvPr id="16" name="Rectangle 15"/>
             <p:cNvSpPr/>
             <p:nvPr/>
           </p:nvSpPr>
           <p:spPr>
             <a:xfrm>
-              <a:off x="226870" y="876300"/>
-              <a:ext cx="1342850" cy="301409"/>
+              <a:off x="3588374" y="1408982"/>
+              <a:ext cx="1598043" cy="238648"/>
             </a:xfrm>
             <a:prstGeom prst="rect">
               <a:avLst/>
@@ -17235,28 +18520,28 @@
             <a:p>
               <a:pPr algn="ctr"/>
               <a:r>
-                <a:rPr lang="en-US" sz="1000" dirty="0">
+                <a:rPr lang="en-US" sz="1000" b="1" dirty="0">
                   <a:solidFill>
                     <a:schemeClr val="tx1"/>
                   </a:solidFill>
                   <a:latin typeface="Times New Roman" panose="02020603050405020304" pitchFamily="18" charset="0"/>
                   <a:cs typeface="Times New Roman" panose="02020603050405020304" pitchFamily="18" charset="0"/>
                 </a:rPr>
-                <a:t>“/home/file1”</a:t>
+                <a:t>Index Node</a:t>
               </a:r>
             </a:p>
           </p:txBody>
         </p:sp>
         <p:sp>
           <p:nvSpPr>
-            <p:cNvPr id="10" name="Rectangle 9"/>
+            <p:cNvPr id="18" name="Rectangle 17"/>
             <p:cNvSpPr/>
             <p:nvPr/>
           </p:nvSpPr>
           <p:spPr>
             <a:xfrm>
-              <a:off x="1569720" y="876300"/>
-              <a:ext cx="1424940" cy="301409"/>
+              <a:off x="4425314" y="1647630"/>
+              <a:ext cx="761103" cy="214360"/>
             </a:xfrm>
             <a:prstGeom prst="rect">
               <a:avLst/>
@@ -17292,31 +18577,41 @@
             <a:p>
               <a:pPr algn="ctr"/>
               <a:r>
-                <a:rPr lang="en-US" sz="1000" dirty="0">
+                <a:rPr lang="en-US" sz="1000" dirty="0" smtClean="0">
                   <a:solidFill>
                     <a:schemeClr val="tx1"/>
                   </a:solidFill>
                   <a:latin typeface="Times New Roman" panose="02020603050405020304" pitchFamily="18" charset="0"/>
                   <a:cs typeface="Times New Roman" panose="02020603050405020304" pitchFamily="18" charset="0"/>
                 </a:rPr>
-                <a:t>1</a:t>
+                <a:t>File size</a:t>
               </a:r>
+              <a:endParaRPr lang="en-US" sz="1000" dirty="0">
+                <a:solidFill>
+                  <a:schemeClr val="tx1"/>
+                </a:solidFill>
+                <a:latin typeface="Times New Roman" panose="02020603050405020304" pitchFamily="18" charset="0"/>
+                <a:cs typeface="Times New Roman" panose="02020603050405020304" pitchFamily="18" charset="0"/>
+              </a:endParaRPr>
             </a:p>
           </p:txBody>
         </p:sp>
         <p:sp>
           <p:nvSpPr>
-            <p:cNvPr id="11" name="Rectangle 10"/>
+            <p:cNvPr id="2" name="Right Brace 1"/>
             <p:cNvSpPr/>
             <p:nvPr/>
           </p:nvSpPr>
           <p:spPr>
-            <a:xfrm>
-              <a:off x="226870" y="1177709"/>
-              <a:ext cx="1342850" cy="301409"/>
+            <a:xfrm rot="5400000">
+              <a:off x="4356733" y="1579286"/>
+              <a:ext cx="137160" cy="883924"/>
             </a:xfrm>
-            <a:prstGeom prst="rect">
-              <a:avLst/>
+            <a:prstGeom prst="rightBrace">
+              <a:avLst>
+                <a:gd name="adj1" fmla="val 81250"/>
+                <a:gd name="adj2" fmla="val 50000"/>
+              </a:avLst>
             </a:prstGeom>
             <a:solidFill>
               <a:schemeClr val="bg1"/>
@@ -17348,32 +18643,160 @@
             <a:lstStyle/>
             <a:p>
               <a:pPr algn="ctr"/>
-              <a:r>
-                <a:rPr lang="en-US" sz="1000" dirty="0">
-                  <a:solidFill>
-                    <a:schemeClr val="tx1"/>
-                  </a:solidFill>
-                  <a:latin typeface="Times New Roman" panose="02020603050405020304" pitchFamily="18" charset="0"/>
-                  <a:cs typeface="Times New Roman" panose="02020603050405020304" pitchFamily="18" charset="0"/>
-                </a:rPr>
-                <a:t>“/home/file2”</a:t>
-              </a:r>
+              <a:endParaRPr lang="en-US" sz="1000" dirty="0">
+                <a:latin typeface="Times New Roman" panose="02020603050405020304" pitchFamily="18" charset="0"/>
+                <a:cs typeface="Times New Roman" panose="02020603050405020304" pitchFamily="18" charset="0"/>
+              </a:endParaRPr>
             </a:p>
           </p:txBody>
         </p:sp>
         <p:sp>
           <p:nvSpPr>
-            <p:cNvPr id="12" name="Rectangle 11"/>
+            <p:cNvPr id="3" name="TextBox 2"/>
+            <p:cNvSpPr txBox="1"/>
+            <p:nvPr/>
+          </p:nvSpPr>
+          <p:spPr>
+            <a:xfrm>
+              <a:off x="3346526" y="2681924"/>
+              <a:ext cx="2125145" cy="320633"/>
+            </a:xfrm>
+            <a:prstGeom prst="rect">
+              <a:avLst/>
+            </a:prstGeom>
+            <a:noFill/>
+            <a:ln>
+              <a:noFill/>
+            </a:ln>
+          </p:spPr>
+          <p:style>
+            <a:lnRef idx="2">
+              <a:schemeClr val="accent1">
+                <a:shade val="50000"/>
+              </a:schemeClr>
+            </a:lnRef>
+            <a:fillRef idx="1">
+              <a:schemeClr val="accent1"/>
+            </a:fillRef>
+            <a:effectRef idx="0">
+              <a:schemeClr val="accent1"/>
+            </a:effectRef>
+            <a:fontRef idx="minor">
+              <a:schemeClr val="lt1"/>
+            </a:fontRef>
+          </p:style>
+          <p:txBody>
+            <a:bodyPr rtlCol="0" anchor="ctr"/>
+            <a:lstStyle>
+              <a:defPPr>
+                <a:defRPr lang="en-US"/>
+              </a:defPPr>
+              <a:lvl1pPr algn="ctr">
+                <a:defRPr sz="1000">
+                  <a:latin typeface="Times New Roman" panose="02020603050405020304" pitchFamily="18" charset="0"/>
+                  <a:cs typeface="Times New Roman" panose="02020603050405020304" pitchFamily="18" charset="0"/>
+                </a:defRPr>
+              </a:lvl1pPr>
+              <a:lvl2pPr>
+                <a:defRPr>
+                  <a:solidFill>
+                    <a:schemeClr val="lt1"/>
+                  </a:solidFill>
+                </a:defRPr>
+              </a:lvl2pPr>
+              <a:lvl3pPr>
+                <a:defRPr>
+                  <a:solidFill>
+                    <a:schemeClr val="lt1"/>
+                  </a:solidFill>
+                </a:defRPr>
+              </a:lvl3pPr>
+              <a:lvl4pPr>
+                <a:defRPr>
+                  <a:solidFill>
+                    <a:schemeClr val="lt1"/>
+                  </a:solidFill>
+                </a:defRPr>
+              </a:lvl4pPr>
+              <a:lvl5pPr>
+                <a:defRPr>
+                  <a:solidFill>
+                    <a:schemeClr val="lt1"/>
+                  </a:solidFill>
+                </a:defRPr>
+              </a:lvl5pPr>
+              <a:lvl6pPr>
+                <a:defRPr>
+                  <a:solidFill>
+                    <a:schemeClr val="lt1"/>
+                  </a:solidFill>
+                </a:defRPr>
+              </a:lvl6pPr>
+              <a:lvl7pPr>
+                <a:defRPr>
+                  <a:solidFill>
+                    <a:schemeClr val="lt1"/>
+                  </a:solidFill>
+                </a:defRPr>
+              </a:lvl7pPr>
+              <a:lvl8pPr>
+                <a:defRPr>
+                  <a:solidFill>
+                    <a:schemeClr val="lt1"/>
+                  </a:solidFill>
+                </a:defRPr>
+              </a:lvl8pPr>
+              <a:lvl9pPr>
+                <a:defRPr>
+                  <a:solidFill>
+                    <a:schemeClr val="lt1"/>
+                  </a:solidFill>
+                </a:defRPr>
+              </a:lvl9pPr>
+            </a:lstStyle>
+            <a:p>
+              <a:r>
+                <a:rPr lang="en-US" dirty="0" smtClean="0">
+                  <a:solidFill>
+                    <a:schemeClr val="tx1"/>
+                  </a:solidFill>
+                </a:rPr>
+                <a:t>Segment ID:</a:t>
+              </a:r>
+            </a:p>
+            <a:p>
+              <a:r>
+                <a:rPr lang="en-US" dirty="0" err="1" smtClean="0">
+                  <a:solidFill>
+                    <a:schemeClr val="tx1"/>
+                  </a:solidFill>
+                </a:rPr>
+                <a:t>inumber-blockInFile-segmentInBlock</a:t>
+              </a:r>
+              <a:endParaRPr lang="en-US" dirty="0">
+                <a:solidFill>
+                  <a:schemeClr val="tx1"/>
+                </a:solidFill>
+              </a:endParaRPr>
+            </a:p>
+          </p:txBody>
+        </p:sp>
+        <p:sp>
+          <p:nvSpPr>
+            <p:cNvPr id="54" name="Right Brace 53"/>
             <p:cNvSpPr/>
             <p:nvPr/>
           </p:nvSpPr>
           <p:spPr>
-            <a:xfrm>
-              <a:off x="1569720" y="1177709"/>
-              <a:ext cx="1424940" cy="301409"/>
+            <a:xfrm rot="5400000">
+              <a:off x="4569942" y="2678942"/>
+              <a:ext cx="111527" cy="857789"/>
             </a:xfrm>
-            <a:prstGeom prst="rect">
-              <a:avLst/>
+            <a:prstGeom prst="rightBrace">
+              <a:avLst>
+                <a:gd name="adj1" fmla="val 58076"/>
+                <a:gd name="adj2" fmla="val 50000"/>
+              </a:avLst>
             </a:prstGeom>
             <a:solidFill>
               <a:schemeClr val="bg1"/>
@@ -17405,40 +18828,30 @@
             <a:lstStyle/>
             <a:p>
               <a:pPr algn="ctr"/>
-              <a:r>
-                <a:rPr lang="en-US" sz="1000" dirty="0">
-                  <a:solidFill>
-                    <a:schemeClr val="tx1"/>
-                  </a:solidFill>
-                  <a:latin typeface="Times New Roman" panose="02020603050405020304" pitchFamily="18" charset="0"/>
-                  <a:cs typeface="Times New Roman" panose="02020603050405020304" pitchFamily="18" charset="0"/>
-                </a:rPr>
-                <a:t>2</a:t>
-              </a:r>
+              <a:endParaRPr lang="en-US" sz="1000">
+                <a:latin typeface="Times New Roman" panose="02020603050405020304" pitchFamily="18" charset="0"/>
+                <a:cs typeface="Times New Roman" panose="02020603050405020304" pitchFamily="18" charset="0"/>
+              </a:endParaRPr>
             </a:p>
           </p:txBody>
         </p:sp>
         <p:sp>
           <p:nvSpPr>
-            <p:cNvPr id="22" name="Rectangle 21"/>
-            <p:cNvSpPr/>
+            <p:cNvPr id="102" name="TextBox 101"/>
+            <p:cNvSpPr txBox="1"/>
             <p:nvPr/>
           </p:nvSpPr>
           <p:spPr>
             <a:xfrm>
-              <a:off x="226870" y="1473632"/>
-              <a:ext cx="1342850" cy="301409"/>
+              <a:off x="4107630" y="3231121"/>
+              <a:ext cx="1078787" cy="320633"/>
             </a:xfrm>
             <a:prstGeom prst="rect">
               <a:avLst/>
             </a:prstGeom>
-            <a:solidFill>
-              <a:schemeClr val="bg1"/>
-            </a:solidFill>
+            <a:noFill/>
             <a:ln>
-              <a:solidFill>
-                <a:schemeClr val="tx1"/>
-              </a:solidFill>
+              <a:noFill/>
             </a:ln>
           </p:spPr>
           <p:style>
@@ -17459,854 +18872,91 @@
           </p:style>
           <p:txBody>
             <a:bodyPr rtlCol="0" anchor="ctr"/>
-            <a:lstStyle/>
+            <a:lstStyle>
+              <a:defPPr>
+                <a:defRPr lang="en-US"/>
+              </a:defPPr>
+              <a:lvl1pPr algn="ctr">
+                <a:defRPr sz="1000">
+                  <a:latin typeface="Times New Roman" panose="02020603050405020304" pitchFamily="18" charset="0"/>
+                  <a:cs typeface="Times New Roman" panose="02020603050405020304" pitchFamily="18" charset="0"/>
+                </a:defRPr>
+              </a:lvl1pPr>
+              <a:lvl2pPr>
+                <a:defRPr>
+                  <a:solidFill>
+                    <a:schemeClr val="lt1"/>
+                  </a:solidFill>
+                </a:defRPr>
+              </a:lvl2pPr>
+              <a:lvl3pPr>
+                <a:defRPr>
+                  <a:solidFill>
+                    <a:schemeClr val="lt1"/>
+                  </a:solidFill>
+                </a:defRPr>
+              </a:lvl3pPr>
+              <a:lvl4pPr>
+                <a:defRPr>
+                  <a:solidFill>
+                    <a:schemeClr val="lt1"/>
+                  </a:solidFill>
+                </a:defRPr>
+              </a:lvl4pPr>
+              <a:lvl5pPr>
+                <a:defRPr>
+                  <a:solidFill>
+                    <a:schemeClr val="lt1"/>
+                  </a:solidFill>
+                </a:defRPr>
+              </a:lvl5pPr>
+              <a:lvl6pPr>
+                <a:defRPr>
+                  <a:solidFill>
+                    <a:schemeClr val="lt1"/>
+                  </a:solidFill>
+                </a:defRPr>
+              </a:lvl6pPr>
+              <a:lvl7pPr>
+                <a:defRPr>
+                  <a:solidFill>
+                    <a:schemeClr val="lt1"/>
+                  </a:solidFill>
+                </a:defRPr>
+              </a:lvl7pPr>
+              <a:lvl8pPr>
+                <a:defRPr>
+                  <a:solidFill>
+                    <a:schemeClr val="lt1"/>
+                  </a:solidFill>
+                </a:defRPr>
+              </a:lvl8pPr>
+              <a:lvl9pPr>
+                <a:defRPr>
+                  <a:solidFill>
+                    <a:schemeClr val="lt1"/>
+                  </a:solidFill>
+                </a:defRPr>
+              </a:lvl9pPr>
+            </a:lstStyle>
             <a:p>
-              <a:pPr algn="ctr"/>
               <a:r>
-                <a:rPr lang="en-US" sz="1000" dirty="0">
+                <a:rPr lang="en-US" sz="900" dirty="0" smtClean="0">
                   <a:solidFill>
                     <a:schemeClr val="tx1"/>
                   </a:solidFill>
-                  <a:latin typeface="Times New Roman" panose="02020603050405020304" pitchFamily="18" charset="0"/>
-                  <a:cs typeface="Times New Roman" panose="02020603050405020304" pitchFamily="18" charset="0"/>
                 </a:rPr>
-                <a:t>…</a:t>
+                <a:t>Calculated from given byte offset</a:t>
               </a:r>
-            </a:p>
-          </p:txBody>
-        </p:sp>
-        <p:sp>
-          <p:nvSpPr>
-            <p:cNvPr id="23" name="Rectangle 22"/>
-            <p:cNvSpPr/>
-            <p:nvPr/>
-          </p:nvSpPr>
-          <p:spPr>
-            <a:xfrm>
-              <a:off x="1569720" y="1473632"/>
-              <a:ext cx="1424940" cy="301409"/>
-            </a:xfrm>
-            <a:prstGeom prst="rect">
-              <a:avLst/>
-            </a:prstGeom>
-            <a:solidFill>
-              <a:schemeClr val="bg1"/>
-            </a:solidFill>
-            <a:ln>
-              <a:solidFill>
-                <a:schemeClr val="tx1"/>
-              </a:solidFill>
-            </a:ln>
-          </p:spPr>
-          <p:style>
-            <a:lnRef idx="2">
-              <a:schemeClr val="accent1">
-                <a:shade val="50000"/>
-              </a:schemeClr>
-            </a:lnRef>
-            <a:fillRef idx="1">
-              <a:schemeClr val="accent1"/>
-            </a:fillRef>
-            <a:effectRef idx="0">
-              <a:schemeClr val="accent1"/>
-            </a:effectRef>
-            <a:fontRef idx="minor">
-              <a:schemeClr val="lt1"/>
-            </a:fontRef>
-          </p:style>
-          <p:txBody>
-            <a:bodyPr rtlCol="0" anchor="ctr"/>
-            <a:lstStyle/>
-            <a:p>
-              <a:pPr algn="ctr"/>
-              <a:r>
-                <a:rPr lang="en-US" sz="1000" dirty="0">
-                  <a:solidFill>
-                    <a:schemeClr val="tx1"/>
-                  </a:solidFill>
-                  <a:latin typeface="Times New Roman" panose="02020603050405020304" pitchFamily="18" charset="0"/>
-                  <a:cs typeface="Times New Roman" panose="02020603050405020304" pitchFamily="18" charset="0"/>
-                </a:rPr>
-                <a:t>…</a:t>
-              </a:r>
+              <a:endParaRPr lang="en-US" sz="900" dirty="0">
+                <a:solidFill>
+                  <a:schemeClr val="tx1"/>
+                </a:solidFill>
+              </a:endParaRPr>
             </a:p>
           </p:txBody>
         </p:sp>
       </p:grpSp>
-      <p:cxnSp>
-        <p:nvCxnSpPr>
-          <p:cNvPr id="27" name="Elbow Connector 26"/>
-          <p:cNvCxnSpPr>
-            <a:stCxn id="12" idx="3"/>
-            <a:endCxn id="15" idx="1"/>
-          </p:cNvCxnSpPr>
-          <p:nvPr/>
-        </p:nvCxnSpPr>
-        <p:spPr>
-          <a:xfrm flipV="1">
-            <a:off x="2891538" y="1754810"/>
-            <a:ext cx="696836" cy="234427"/>
-          </a:xfrm>
-          <a:prstGeom prst="bentConnector3">
-            <a:avLst>
-              <a:gd name="adj1" fmla="val 50000"/>
-            </a:avLst>
-          </a:prstGeom>
-          <a:ln w="12700">
-            <a:solidFill>
-              <a:schemeClr val="tx1"/>
-            </a:solidFill>
-            <a:tailEnd type="triangle"/>
-          </a:ln>
-        </p:spPr>
-        <p:style>
-          <a:lnRef idx="1">
-            <a:schemeClr val="accent1"/>
-          </a:lnRef>
-          <a:fillRef idx="0">
-            <a:schemeClr val="accent1"/>
-          </a:fillRef>
-          <a:effectRef idx="0">
-            <a:schemeClr val="accent1"/>
-          </a:effectRef>
-          <a:fontRef idx="minor">
-            <a:schemeClr val="tx1"/>
-          </a:fontRef>
-        </p:style>
-      </p:cxnSp>
-      <p:grpSp>
-        <p:nvGrpSpPr>
-          <p:cNvPr id="38" name="Group 37"/>
-          <p:cNvGrpSpPr/>
-          <p:nvPr/>
-        </p:nvGrpSpPr>
-        <p:grpSpPr>
-          <a:xfrm>
-            <a:off x="4112455" y="2212676"/>
-            <a:ext cx="640819" cy="364380"/>
-            <a:chOff x="2989984" y="2880081"/>
-            <a:chExt cx="987656" cy="705547"/>
-          </a:xfrm>
-        </p:grpSpPr>
-        <p:sp>
-          <p:nvSpPr>
-            <p:cNvPr id="35" name="Rectangle 34"/>
-            <p:cNvSpPr/>
-            <p:nvPr/>
-          </p:nvSpPr>
-          <p:spPr>
-            <a:xfrm>
-              <a:off x="3063240" y="2954864"/>
-              <a:ext cx="914400" cy="630764"/>
-            </a:xfrm>
-            <a:prstGeom prst="rect">
-              <a:avLst/>
-            </a:prstGeom>
-            <a:solidFill>
-              <a:schemeClr val="bg1"/>
-            </a:solidFill>
-            <a:ln>
-              <a:solidFill>
-                <a:schemeClr val="tx1"/>
-              </a:solidFill>
-            </a:ln>
-          </p:spPr>
-          <p:style>
-            <a:lnRef idx="2">
-              <a:schemeClr val="accent1">
-                <a:shade val="50000"/>
-              </a:schemeClr>
-            </a:lnRef>
-            <a:fillRef idx="1">
-              <a:schemeClr val="accent1"/>
-            </a:fillRef>
-            <a:effectRef idx="0">
-              <a:schemeClr val="accent1"/>
-            </a:effectRef>
-            <a:fontRef idx="minor">
-              <a:schemeClr val="lt1"/>
-            </a:fontRef>
-          </p:style>
-          <p:txBody>
-            <a:bodyPr rtlCol="0" anchor="ctr"/>
-            <a:lstStyle/>
-            <a:p>
-              <a:pPr algn="ctr"/>
-              <a:endParaRPr lang="en-US" sz="1000" dirty="0">
-                <a:solidFill>
-                  <a:schemeClr val="tx1"/>
-                </a:solidFill>
-                <a:latin typeface="Times New Roman" panose="02020603050405020304" pitchFamily="18" charset="0"/>
-                <a:cs typeface="Times New Roman" panose="02020603050405020304" pitchFamily="18" charset="0"/>
-              </a:endParaRPr>
-            </a:p>
-          </p:txBody>
-        </p:sp>
-        <p:sp>
-          <p:nvSpPr>
-            <p:cNvPr id="36" name="Rectangle 35"/>
-            <p:cNvSpPr/>
-            <p:nvPr/>
-          </p:nvSpPr>
-          <p:spPr>
-            <a:xfrm>
-              <a:off x="3022802" y="2922978"/>
-              <a:ext cx="914400" cy="630764"/>
-            </a:xfrm>
-            <a:prstGeom prst="rect">
-              <a:avLst/>
-            </a:prstGeom>
-            <a:solidFill>
-              <a:schemeClr val="bg1"/>
-            </a:solidFill>
-            <a:ln>
-              <a:solidFill>
-                <a:schemeClr val="tx1"/>
-              </a:solidFill>
-            </a:ln>
-          </p:spPr>
-          <p:style>
-            <a:lnRef idx="2">
-              <a:schemeClr val="accent1">
-                <a:shade val="50000"/>
-              </a:schemeClr>
-            </a:lnRef>
-            <a:fillRef idx="1">
-              <a:schemeClr val="accent1"/>
-            </a:fillRef>
-            <a:effectRef idx="0">
-              <a:schemeClr val="accent1"/>
-            </a:effectRef>
-            <a:fontRef idx="minor">
-              <a:schemeClr val="lt1"/>
-            </a:fontRef>
-          </p:style>
-          <p:txBody>
-            <a:bodyPr rtlCol="0" anchor="ctr"/>
-            <a:lstStyle/>
-            <a:p>
-              <a:pPr algn="ctr"/>
-              <a:endParaRPr lang="en-US" sz="1000" dirty="0">
-                <a:solidFill>
-                  <a:schemeClr val="tx1"/>
-                </a:solidFill>
-                <a:latin typeface="Times New Roman" panose="02020603050405020304" pitchFamily="18" charset="0"/>
-                <a:cs typeface="Times New Roman" panose="02020603050405020304" pitchFamily="18" charset="0"/>
-              </a:endParaRPr>
-            </a:p>
-          </p:txBody>
-        </p:sp>
-        <p:sp>
-          <p:nvSpPr>
-            <p:cNvPr id="37" name="Rectangle 36"/>
-            <p:cNvSpPr/>
-            <p:nvPr/>
-          </p:nvSpPr>
-          <p:spPr>
-            <a:xfrm>
-              <a:off x="2989984" y="2880081"/>
-              <a:ext cx="914400" cy="630764"/>
-            </a:xfrm>
-            <a:prstGeom prst="rect">
-              <a:avLst/>
-            </a:prstGeom>
-            <a:solidFill>
-              <a:schemeClr val="bg1"/>
-            </a:solidFill>
-            <a:ln>
-              <a:solidFill>
-                <a:schemeClr val="tx1"/>
-              </a:solidFill>
-            </a:ln>
-          </p:spPr>
-          <p:style>
-            <a:lnRef idx="2">
-              <a:schemeClr val="accent1">
-                <a:shade val="50000"/>
-              </a:schemeClr>
-            </a:lnRef>
-            <a:fillRef idx="1">
-              <a:schemeClr val="accent1"/>
-            </a:fillRef>
-            <a:effectRef idx="0">
-              <a:schemeClr val="accent1"/>
-            </a:effectRef>
-            <a:fontRef idx="minor">
-              <a:schemeClr val="lt1"/>
-            </a:fontRef>
-          </p:style>
-          <p:txBody>
-            <a:bodyPr rtlCol="0" anchor="ctr"/>
-            <a:lstStyle/>
-            <a:p>
-              <a:pPr algn="ctr"/>
-              <a:r>
-                <a:rPr lang="en-US" sz="1000" dirty="0">
-                  <a:solidFill>
-                    <a:schemeClr val="tx1"/>
-                  </a:solidFill>
-                  <a:latin typeface="Times New Roman" panose="02020603050405020304" pitchFamily="18" charset="0"/>
-                  <a:cs typeface="Times New Roman" panose="02020603050405020304" pitchFamily="18" charset="0"/>
-                </a:rPr>
-                <a:t>Data blocks</a:t>
-              </a:r>
-            </a:p>
-          </p:txBody>
-        </p:sp>
-      </p:grpSp>
-      <p:sp>
-        <p:nvSpPr>
-          <p:cNvPr id="15" name="Rectangle 14"/>
-          <p:cNvSpPr/>
-          <p:nvPr/>
-        </p:nvSpPr>
-        <p:spPr>
-          <a:xfrm>
-            <a:off x="3588374" y="1647630"/>
-            <a:ext cx="836939" cy="214360"/>
-          </a:xfrm>
-          <a:prstGeom prst="rect">
-            <a:avLst/>
-          </a:prstGeom>
-          <a:solidFill>
-            <a:schemeClr val="bg1"/>
-          </a:solidFill>
-          <a:ln>
-            <a:solidFill>
-              <a:schemeClr val="tx1"/>
-            </a:solidFill>
-          </a:ln>
-        </p:spPr>
-        <p:style>
-          <a:lnRef idx="2">
-            <a:schemeClr val="accent1">
-              <a:shade val="50000"/>
-            </a:schemeClr>
-          </a:lnRef>
-          <a:fillRef idx="1">
-            <a:schemeClr val="accent1"/>
-          </a:fillRef>
-          <a:effectRef idx="0">
-            <a:schemeClr val="accent1"/>
-          </a:effectRef>
-          <a:fontRef idx="minor">
-            <a:schemeClr val="lt1"/>
-          </a:fontRef>
-        </p:style>
-        <p:txBody>
-          <a:bodyPr rtlCol="0" anchor="ctr"/>
-          <a:lstStyle/>
-          <a:p>
-            <a:pPr algn="ctr"/>
-            <a:r>
-              <a:rPr lang="en-US" sz="1000" dirty="0" err="1">
-                <a:solidFill>
-                  <a:schemeClr val="tx1"/>
-                </a:solidFill>
-                <a:latin typeface="Times New Roman" panose="02020603050405020304" pitchFamily="18" charset="0"/>
-                <a:cs typeface="Times New Roman" panose="02020603050405020304" pitchFamily="18" charset="0"/>
-              </a:rPr>
-              <a:t>inumber</a:t>
-            </a:r>
-            <a:endParaRPr lang="en-US" sz="1000" dirty="0">
-              <a:solidFill>
-                <a:schemeClr val="tx1"/>
-              </a:solidFill>
-              <a:latin typeface="Times New Roman" panose="02020603050405020304" pitchFamily="18" charset="0"/>
-              <a:cs typeface="Times New Roman" panose="02020603050405020304" pitchFamily="18" charset="0"/>
-            </a:endParaRPr>
-          </a:p>
-        </p:txBody>
-      </p:sp>
-      <p:sp>
-        <p:nvSpPr>
-          <p:cNvPr id="16" name="Rectangle 15"/>
-          <p:cNvSpPr/>
-          <p:nvPr/>
-        </p:nvSpPr>
-        <p:spPr>
-          <a:xfrm>
-            <a:off x="3588374" y="1408982"/>
-            <a:ext cx="1598043" cy="238648"/>
-          </a:xfrm>
-          <a:prstGeom prst="rect">
-            <a:avLst/>
-          </a:prstGeom>
-          <a:solidFill>
-            <a:schemeClr val="bg1"/>
-          </a:solidFill>
-          <a:ln>
-            <a:solidFill>
-              <a:schemeClr val="tx1"/>
-            </a:solidFill>
-          </a:ln>
-        </p:spPr>
-        <p:style>
-          <a:lnRef idx="2">
-            <a:schemeClr val="accent1">
-              <a:shade val="50000"/>
-            </a:schemeClr>
-          </a:lnRef>
-          <a:fillRef idx="1">
-            <a:schemeClr val="accent1"/>
-          </a:fillRef>
-          <a:effectRef idx="0">
-            <a:schemeClr val="accent1"/>
-          </a:effectRef>
-          <a:fontRef idx="minor">
-            <a:schemeClr val="lt1"/>
-          </a:fontRef>
-        </p:style>
-        <p:txBody>
-          <a:bodyPr rtlCol="0" anchor="ctr"/>
-          <a:lstStyle/>
-          <a:p>
-            <a:pPr algn="ctr"/>
-            <a:r>
-              <a:rPr lang="en-US" sz="1000" b="1" dirty="0">
-                <a:solidFill>
-                  <a:schemeClr val="tx1"/>
-                </a:solidFill>
-                <a:latin typeface="Times New Roman" panose="02020603050405020304" pitchFamily="18" charset="0"/>
-                <a:cs typeface="Times New Roman" panose="02020603050405020304" pitchFamily="18" charset="0"/>
-              </a:rPr>
-              <a:t>Index Node</a:t>
-            </a:r>
-          </a:p>
-        </p:txBody>
-      </p:sp>
-      <p:sp>
-        <p:nvSpPr>
-          <p:cNvPr id="18" name="Rectangle 17"/>
-          <p:cNvSpPr/>
-          <p:nvPr/>
-        </p:nvSpPr>
-        <p:spPr>
-          <a:xfrm>
-            <a:off x="4425314" y="1647630"/>
-            <a:ext cx="761103" cy="214360"/>
-          </a:xfrm>
-          <a:prstGeom prst="rect">
-            <a:avLst/>
-          </a:prstGeom>
-          <a:solidFill>
-            <a:schemeClr val="bg1"/>
-          </a:solidFill>
-          <a:ln>
-            <a:solidFill>
-              <a:schemeClr val="tx1"/>
-            </a:solidFill>
-          </a:ln>
-        </p:spPr>
-        <p:style>
-          <a:lnRef idx="2">
-            <a:schemeClr val="accent1">
-              <a:shade val="50000"/>
-            </a:schemeClr>
-          </a:lnRef>
-          <a:fillRef idx="1">
-            <a:schemeClr val="accent1"/>
-          </a:fillRef>
-          <a:effectRef idx="0">
-            <a:schemeClr val="accent1"/>
-          </a:effectRef>
-          <a:fontRef idx="minor">
-            <a:schemeClr val="lt1"/>
-          </a:fontRef>
-        </p:style>
-        <p:txBody>
-          <a:bodyPr rtlCol="0" anchor="ctr"/>
-          <a:lstStyle/>
-          <a:p>
-            <a:pPr algn="ctr"/>
-            <a:r>
-              <a:rPr lang="en-US" sz="1000" dirty="0" smtClean="0">
-                <a:solidFill>
-                  <a:schemeClr val="tx1"/>
-                </a:solidFill>
-                <a:latin typeface="Times New Roman" panose="02020603050405020304" pitchFamily="18" charset="0"/>
-                <a:cs typeface="Times New Roman" panose="02020603050405020304" pitchFamily="18" charset="0"/>
-              </a:rPr>
-              <a:t>File size</a:t>
-            </a:r>
-            <a:endParaRPr lang="en-US" sz="1000" dirty="0">
-              <a:solidFill>
-                <a:schemeClr val="tx1"/>
-              </a:solidFill>
-              <a:latin typeface="Times New Roman" panose="02020603050405020304" pitchFamily="18" charset="0"/>
-              <a:cs typeface="Times New Roman" panose="02020603050405020304" pitchFamily="18" charset="0"/>
-            </a:endParaRPr>
-          </a:p>
-        </p:txBody>
-      </p:sp>
-      <p:sp>
-        <p:nvSpPr>
-          <p:cNvPr id="2" name="Right Brace 1"/>
-          <p:cNvSpPr/>
-          <p:nvPr/>
-        </p:nvSpPr>
-        <p:spPr>
-          <a:xfrm rot="5400000">
-            <a:off x="4356733" y="1579286"/>
-            <a:ext cx="137160" cy="883924"/>
-          </a:xfrm>
-          <a:prstGeom prst="rightBrace">
-            <a:avLst>
-              <a:gd name="adj1" fmla="val 81250"/>
-              <a:gd name="adj2" fmla="val 50000"/>
-            </a:avLst>
-          </a:prstGeom>
-          <a:solidFill>
-            <a:schemeClr val="bg1"/>
-          </a:solidFill>
-          <a:ln>
-            <a:solidFill>
-              <a:schemeClr val="tx1"/>
-            </a:solidFill>
-          </a:ln>
-        </p:spPr>
-        <p:style>
-          <a:lnRef idx="2">
-            <a:schemeClr val="accent1">
-              <a:shade val="50000"/>
-            </a:schemeClr>
-          </a:lnRef>
-          <a:fillRef idx="1">
-            <a:schemeClr val="accent1"/>
-          </a:fillRef>
-          <a:effectRef idx="0">
-            <a:schemeClr val="accent1"/>
-          </a:effectRef>
-          <a:fontRef idx="minor">
-            <a:schemeClr val="lt1"/>
-          </a:fontRef>
-        </p:style>
-        <p:txBody>
-          <a:bodyPr rtlCol="0" anchor="ctr"/>
-          <a:lstStyle/>
-          <a:p>
-            <a:pPr algn="ctr"/>
-            <a:endParaRPr lang="en-US" sz="1000" dirty="0">
-              <a:latin typeface="Times New Roman" panose="02020603050405020304" pitchFamily="18" charset="0"/>
-              <a:cs typeface="Times New Roman" panose="02020603050405020304" pitchFamily="18" charset="0"/>
-            </a:endParaRPr>
-          </a:p>
-        </p:txBody>
-      </p:sp>
-      <p:sp>
-        <p:nvSpPr>
-          <p:cNvPr id="3" name="TextBox 2"/>
-          <p:cNvSpPr txBox="1"/>
-          <p:nvPr/>
-        </p:nvSpPr>
-        <p:spPr>
-          <a:xfrm>
-            <a:off x="3346526" y="2681924"/>
-            <a:ext cx="2125145" cy="320633"/>
-          </a:xfrm>
-          <a:prstGeom prst="rect">
-            <a:avLst/>
-          </a:prstGeom>
-          <a:noFill/>
-          <a:ln>
-            <a:noFill/>
-          </a:ln>
-        </p:spPr>
-        <p:style>
-          <a:lnRef idx="2">
-            <a:schemeClr val="accent1">
-              <a:shade val="50000"/>
-            </a:schemeClr>
-          </a:lnRef>
-          <a:fillRef idx="1">
-            <a:schemeClr val="accent1"/>
-          </a:fillRef>
-          <a:effectRef idx="0">
-            <a:schemeClr val="accent1"/>
-          </a:effectRef>
-          <a:fontRef idx="minor">
-            <a:schemeClr val="lt1"/>
-          </a:fontRef>
-        </p:style>
-        <p:txBody>
-          <a:bodyPr rtlCol="0" anchor="ctr"/>
-          <a:lstStyle>
-            <a:defPPr>
-              <a:defRPr lang="en-US"/>
-            </a:defPPr>
-            <a:lvl1pPr algn="ctr">
-              <a:defRPr sz="1000">
-                <a:latin typeface="Times New Roman" panose="02020603050405020304" pitchFamily="18" charset="0"/>
-                <a:cs typeface="Times New Roman" panose="02020603050405020304" pitchFamily="18" charset="0"/>
-              </a:defRPr>
-            </a:lvl1pPr>
-            <a:lvl2pPr>
-              <a:defRPr>
-                <a:solidFill>
-                  <a:schemeClr val="lt1"/>
-                </a:solidFill>
-              </a:defRPr>
-            </a:lvl2pPr>
-            <a:lvl3pPr>
-              <a:defRPr>
-                <a:solidFill>
-                  <a:schemeClr val="lt1"/>
-                </a:solidFill>
-              </a:defRPr>
-            </a:lvl3pPr>
-            <a:lvl4pPr>
-              <a:defRPr>
-                <a:solidFill>
-                  <a:schemeClr val="lt1"/>
-                </a:solidFill>
-              </a:defRPr>
-            </a:lvl4pPr>
-            <a:lvl5pPr>
-              <a:defRPr>
-                <a:solidFill>
-                  <a:schemeClr val="lt1"/>
-                </a:solidFill>
-              </a:defRPr>
-            </a:lvl5pPr>
-            <a:lvl6pPr>
-              <a:defRPr>
-                <a:solidFill>
-                  <a:schemeClr val="lt1"/>
-                </a:solidFill>
-              </a:defRPr>
-            </a:lvl6pPr>
-            <a:lvl7pPr>
-              <a:defRPr>
-                <a:solidFill>
-                  <a:schemeClr val="lt1"/>
-                </a:solidFill>
-              </a:defRPr>
-            </a:lvl7pPr>
-            <a:lvl8pPr>
-              <a:defRPr>
-                <a:solidFill>
-                  <a:schemeClr val="lt1"/>
-                </a:solidFill>
-              </a:defRPr>
-            </a:lvl8pPr>
-            <a:lvl9pPr>
-              <a:defRPr>
-                <a:solidFill>
-                  <a:schemeClr val="lt1"/>
-                </a:solidFill>
-              </a:defRPr>
-            </a:lvl9pPr>
-          </a:lstStyle>
-          <a:p>
-            <a:r>
-              <a:rPr lang="en-US" dirty="0" err="1" smtClean="0">
-                <a:solidFill>
-                  <a:schemeClr val="tx1"/>
-                </a:solidFill>
-              </a:rPr>
-              <a:t>BlockID</a:t>
-            </a:r>
-            <a:r>
-              <a:rPr lang="en-US" dirty="0" smtClean="0">
-                <a:solidFill>
-                  <a:schemeClr val="tx1"/>
-                </a:solidFill>
-              </a:rPr>
-              <a:t>:</a:t>
-            </a:r>
-          </a:p>
-          <a:p>
-            <a:r>
-              <a:rPr lang="en-US" dirty="0" err="1" smtClean="0">
-                <a:solidFill>
-                  <a:schemeClr val="tx1"/>
-                </a:solidFill>
-              </a:rPr>
-              <a:t>inumber-blockInFile-segmentInBlock</a:t>
-            </a:r>
-            <a:endParaRPr lang="en-US" dirty="0">
-              <a:solidFill>
-                <a:schemeClr val="tx1"/>
-              </a:solidFill>
-            </a:endParaRPr>
-          </a:p>
-        </p:txBody>
-      </p:sp>
-      <p:sp>
-        <p:nvSpPr>
-          <p:cNvPr id="54" name="Right Brace 53"/>
-          <p:cNvSpPr/>
-          <p:nvPr/>
-        </p:nvSpPr>
-        <p:spPr>
-          <a:xfrm rot="5400000">
-            <a:off x="4569942" y="2678942"/>
-            <a:ext cx="111527" cy="857789"/>
-          </a:xfrm>
-          <a:prstGeom prst="rightBrace">
-            <a:avLst>
-              <a:gd name="adj1" fmla="val 58076"/>
-              <a:gd name="adj2" fmla="val 50000"/>
-            </a:avLst>
-          </a:prstGeom>
-          <a:solidFill>
-            <a:schemeClr val="bg1"/>
-          </a:solidFill>
-          <a:ln>
-            <a:solidFill>
-              <a:schemeClr val="tx1"/>
-            </a:solidFill>
-          </a:ln>
-        </p:spPr>
-        <p:style>
-          <a:lnRef idx="2">
-            <a:schemeClr val="accent1">
-              <a:shade val="50000"/>
-            </a:schemeClr>
-          </a:lnRef>
-          <a:fillRef idx="1">
-            <a:schemeClr val="accent1"/>
-          </a:fillRef>
-          <a:effectRef idx="0">
-            <a:schemeClr val="accent1"/>
-          </a:effectRef>
-          <a:fontRef idx="minor">
-            <a:schemeClr val="lt1"/>
-          </a:fontRef>
-        </p:style>
-        <p:txBody>
-          <a:bodyPr rtlCol="0" anchor="ctr"/>
-          <a:lstStyle/>
-          <a:p>
-            <a:pPr algn="ctr"/>
-            <a:endParaRPr lang="en-US" sz="1000">
-              <a:latin typeface="Times New Roman" panose="02020603050405020304" pitchFamily="18" charset="0"/>
-              <a:cs typeface="Times New Roman" panose="02020603050405020304" pitchFamily="18" charset="0"/>
-            </a:endParaRPr>
-          </a:p>
-        </p:txBody>
-      </p:sp>
-      <p:sp>
-        <p:nvSpPr>
-          <p:cNvPr id="102" name="TextBox 101"/>
-          <p:cNvSpPr txBox="1"/>
-          <p:nvPr/>
-        </p:nvSpPr>
-        <p:spPr>
-          <a:xfrm>
-            <a:off x="4107630" y="3231121"/>
-            <a:ext cx="1078787" cy="320633"/>
-          </a:xfrm>
-          <a:prstGeom prst="rect">
-            <a:avLst/>
-          </a:prstGeom>
-          <a:noFill/>
-          <a:ln>
-            <a:noFill/>
-          </a:ln>
-        </p:spPr>
-        <p:style>
-          <a:lnRef idx="2">
-            <a:schemeClr val="accent1">
-              <a:shade val="50000"/>
-            </a:schemeClr>
-          </a:lnRef>
-          <a:fillRef idx="1">
-            <a:schemeClr val="accent1"/>
-          </a:fillRef>
-          <a:effectRef idx="0">
-            <a:schemeClr val="accent1"/>
-          </a:effectRef>
-          <a:fontRef idx="minor">
-            <a:schemeClr val="lt1"/>
-          </a:fontRef>
-        </p:style>
-        <p:txBody>
-          <a:bodyPr rtlCol="0" anchor="ctr"/>
-          <a:lstStyle>
-            <a:defPPr>
-              <a:defRPr lang="en-US"/>
-            </a:defPPr>
-            <a:lvl1pPr algn="ctr">
-              <a:defRPr sz="1000">
-                <a:latin typeface="Times New Roman" panose="02020603050405020304" pitchFamily="18" charset="0"/>
-                <a:cs typeface="Times New Roman" panose="02020603050405020304" pitchFamily="18" charset="0"/>
-              </a:defRPr>
-            </a:lvl1pPr>
-            <a:lvl2pPr>
-              <a:defRPr>
-                <a:solidFill>
-                  <a:schemeClr val="lt1"/>
-                </a:solidFill>
-              </a:defRPr>
-            </a:lvl2pPr>
-            <a:lvl3pPr>
-              <a:defRPr>
-                <a:solidFill>
-                  <a:schemeClr val="lt1"/>
-                </a:solidFill>
-              </a:defRPr>
-            </a:lvl3pPr>
-            <a:lvl4pPr>
-              <a:defRPr>
-                <a:solidFill>
-                  <a:schemeClr val="lt1"/>
-                </a:solidFill>
-              </a:defRPr>
-            </a:lvl4pPr>
-            <a:lvl5pPr>
-              <a:defRPr>
-                <a:solidFill>
-                  <a:schemeClr val="lt1"/>
-                </a:solidFill>
-              </a:defRPr>
-            </a:lvl5pPr>
-            <a:lvl6pPr>
-              <a:defRPr>
-                <a:solidFill>
-                  <a:schemeClr val="lt1"/>
-                </a:solidFill>
-              </a:defRPr>
-            </a:lvl6pPr>
-            <a:lvl7pPr>
-              <a:defRPr>
-                <a:solidFill>
-                  <a:schemeClr val="lt1"/>
-                </a:solidFill>
-              </a:defRPr>
-            </a:lvl7pPr>
-            <a:lvl8pPr>
-              <a:defRPr>
-                <a:solidFill>
-                  <a:schemeClr val="lt1"/>
-                </a:solidFill>
-              </a:defRPr>
-            </a:lvl8pPr>
-            <a:lvl9pPr>
-              <a:defRPr>
-                <a:solidFill>
-                  <a:schemeClr val="lt1"/>
-                </a:solidFill>
-              </a:defRPr>
-            </a:lvl9pPr>
-          </a:lstStyle>
-          <a:p>
-            <a:r>
-              <a:rPr lang="en-US" sz="900" dirty="0" smtClean="0">
-                <a:solidFill>
-                  <a:schemeClr val="tx1"/>
-                </a:solidFill>
-              </a:rPr>
-              <a:t>Calculated from given byte offset</a:t>
-            </a:r>
-            <a:endParaRPr lang="en-US" sz="900" dirty="0">
-              <a:solidFill>
-                <a:schemeClr val="tx1"/>
-              </a:solidFill>
-            </a:endParaRPr>
-          </a:p>
-        </p:txBody>
-      </p:sp>
     </p:spTree>
     <p:extLst>
       <p:ext uri="{BB962C8B-B14F-4D97-AF65-F5344CB8AC3E}">
@@ -18337,1314 +18987,1602 @@
           <a:chExt cx="0" cy="0"/>
         </a:xfrm>
       </p:grpSpPr>
-      <p:sp>
-        <p:nvSpPr>
-          <p:cNvPr id="6" name="Rounded Rectangle 5"/>
-          <p:cNvSpPr/>
+      <p:grpSp>
+        <p:nvGrpSpPr>
+          <p:cNvPr id="162" name="Group 161"/>
+          <p:cNvGrpSpPr/>
           <p:nvPr/>
-        </p:nvSpPr>
-        <p:spPr>
+        </p:nvGrpSpPr>
+        <p:grpSpPr>
           <a:xfrm>
-            <a:off x="2048982" y="705147"/>
-            <a:ext cx="1044067" cy="401782"/>
+            <a:off x="1072055" y="35674"/>
+            <a:ext cx="4626616" cy="4503694"/>
+            <a:chOff x="1072055" y="35674"/>
+            <a:chExt cx="4626616" cy="4503694"/>
           </a:xfrm>
-          <a:prstGeom prst="roundRect">
-            <a:avLst/>
-          </a:prstGeom>
-        </p:spPr>
-        <p:style>
-          <a:lnRef idx="2">
-            <a:schemeClr val="accent1"/>
-          </a:lnRef>
-          <a:fillRef idx="1">
-            <a:schemeClr val="lt1"/>
-          </a:fillRef>
-          <a:effectRef idx="0">
-            <a:schemeClr val="accent1"/>
-          </a:effectRef>
-          <a:fontRef idx="minor">
-            <a:schemeClr val="dk1"/>
-          </a:fontRef>
-        </p:style>
-        <p:txBody>
-          <a:bodyPr rtlCol="0" anchor="ctr"/>
-          <a:lstStyle/>
-          <a:p>
-            <a:pPr algn="ctr"/>
-            <a:r>
-              <a:rPr lang="en-US" sz="1000" dirty="0" smtClean="0">
+        </p:grpSpPr>
+        <p:sp>
+          <p:nvSpPr>
+            <p:cNvPr id="124" name="Rounded Rectangle 123"/>
+            <p:cNvSpPr/>
+            <p:nvPr/>
+          </p:nvSpPr>
+          <p:spPr>
+            <a:xfrm>
+              <a:off x="2664907" y="3063575"/>
+              <a:ext cx="3033763" cy="781805"/>
+            </a:xfrm>
+            <a:prstGeom prst="roundRect">
+              <a:avLst>
+                <a:gd name="adj" fmla="val 4740"/>
+              </a:avLst>
+            </a:prstGeom>
+            <a:ln>
+              <a:solidFill>
+                <a:schemeClr val="accent1">
+                  <a:lumMod val="60000"/>
+                  <a:lumOff val="40000"/>
+                </a:schemeClr>
+              </a:solidFill>
+            </a:ln>
+          </p:spPr>
+          <p:style>
+            <a:lnRef idx="2">
+              <a:schemeClr val="accent1"/>
+            </a:lnRef>
+            <a:fillRef idx="1">
+              <a:schemeClr val="lt1"/>
+            </a:fillRef>
+            <a:effectRef idx="0">
+              <a:schemeClr val="accent1"/>
+            </a:effectRef>
+            <a:fontRef idx="minor">
+              <a:schemeClr val="dk1"/>
+            </a:fontRef>
+          </p:style>
+          <p:txBody>
+            <a:bodyPr rtlCol="0" anchor="t"/>
+            <a:lstStyle/>
+            <a:p>
+              <a:r>
+                <a:rPr lang="en-US" sz="1000" b="1" dirty="0" smtClean="0">
+                  <a:latin typeface="Times New Roman" panose="02020603050405020304" pitchFamily="18" charset="0"/>
+                  <a:cs typeface="Times New Roman" panose="02020603050405020304" pitchFamily="18" charset="0"/>
+                </a:rPr>
+                <a:t>Persistence</a:t>
+              </a:r>
+              <a:endParaRPr lang="en-US" sz="1000" b="1" dirty="0">
                 <a:latin typeface="Times New Roman" panose="02020603050405020304" pitchFamily="18" charset="0"/>
                 <a:cs typeface="Times New Roman" panose="02020603050405020304" pitchFamily="18" charset="0"/>
-              </a:rPr>
-              <a:t>Client Program</a:t>
-            </a:r>
-            <a:endParaRPr lang="en-US" sz="1000" dirty="0">
-              <a:latin typeface="Times New Roman" panose="02020603050405020304" pitchFamily="18" charset="0"/>
-              <a:cs typeface="Times New Roman" panose="02020603050405020304" pitchFamily="18" charset="0"/>
-            </a:endParaRPr>
-          </a:p>
-        </p:txBody>
-      </p:sp>
-      <p:sp>
-        <p:nvSpPr>
-          <p:cNvPr id="7" name="Rounded Rectangle 6"/>
-          <p:cNvSpPr/>
-          <p:nvPr/>
-        </p:nvSpPr>
-        <p:spPr>
-          <a:xfrm>
-            <a:off x="3298698" y="50519"/>
-            <a:ext cx="1044067" cy="401782"/>
-          </a:xfrm>
-          <a:prstGeom prst="roundRect">
-            <a:avLst/>
-          </a:prstGeom>
-        </p:spPr>
-        <p:style>
-          <a:lnRef idx="2">
-            <a:schemeClr val="accent1"/>
-          </a:lnRef>
-          <a:fillRef idx="1">
-            <a:schemeClr val="lt1"/>
-          </a:fillRef>
-          <a:effectRef idx="0">
-            <a:schemeClr val="accent1"/>
-          </a:effectRef>
-          <a:fontRef idx="minor">
-            <a:schemeClr val="dk1"/>
-          </a:fontRef>
-        </p:style>
-        <p:txBody>
-          <a:bodyPr rtlCol="0" anchor="ctr"/>
-          <a:lstStyle/>
-          <a:p>
-            <a:pPr algn="ctr"/>
-            <a:r>
-              <a:rPr lang="en-US" sz="1000" dirty="0" smtClean="0">
+              </a:endParaRPr>
+            </a:p>
+          </p:txBody>
+        </p:sp>
+        <p:sp>
+          <p:nvSpPr>
+            <p:cNvPr id="6" name="Rounded Rectangle 5"/>
+            <p:cNvSpPr/>
+            <p:nvPr/>
+          </p:nvSpPr>
+          <p:spPr>
+            <a:xfrm>
+              <a:off x="2048982" y="35674"/>
+              <a:ext cx="1044067" cy="401782"/>
+            </a:xfrm>
+            <a:prstGeom prst="roundRect">
+              <a:avLst/>
+            </a:prstGeom>
+            <a:ln>
+              <a:solidFill>
+                <a:schemeClr val="accent1">
+                  <a:lumMod val="60000"/>
+                  <a:lumOff val="40000"/>
+                </a:schemeClr>
+              </a:solidFill>
+            </a:ln>
+          </p:spPr>
+          <p:style>
+            <a:lnRef idx="2">
+              <a:schemeClr val="accent1"/>
+            </a:lnRef>
+            <a:fillRef idx="1">
+              <a:schemeClr val="lt1"/>
+            </a:fillRef>
+            <a:effectRef idx="0">
+              <a:schemeClr val="accent1"/>
+            </a:effectRef>
+            <a:fontRef idx="minor">
+              <a:schemeClr val="dk1"/>
+            </a:fontRef>
+          </p:style>
+          <p:txBody>
+            <a:bodyPr rtlCol="0" anchor="ctr"/>
+            <a:lstStyle/>
+            <a:p>
+              <a:pPr algn="ctr"/>
+              <a:r>
+                <a:rPr lang="en-US" sz="1000" dirty="0" smtClean="0">
+                  <a:latin typeface="Times New Roman" panose="02020603050405020304" pitchFamily="18" charset="0"/>
+                  <a:cs typeface="Times New Roman" panose="02020603050405020304" pitchFamily="18" charset="0"/>
+                </a:rPr>
+                <a:t>Client Program</a:t>
+              </a:r>
+              <a:endParaRPr lang="en-US" sz="1000" dirty="0">
                 <a:latin typeface="Times New Roman" panose="02020603050405020304" pitchFamily="18" charset="0"/>
                 <a:cs typeface="Times New Roman" panose="02020603050405020304" pitchFamily="18" charset="0"/>
-              </a:rPr>
-              <a:t>Client Program</a:t>
-            </a:r>
-            <a:endParaRPr lang="en-US" sz="1000" dirty="0">
-              <a:latin typeface="Times New Roman" panose="02020603050405020304" pitchFamily="18" charset="0"/>
-              <a:cs typeface="Times New Roman" panose="02020603050405020304" pitchFamily="18" charset="0"/>
-            </a:endParaRPr>
-          </a:p>
-        </p:txBody>
-      </p:sp>
-      <p:sp>
-        <p:nvSpPr>
-          <p:cNvPr id="8" name="Rounded Rectangle 7"/>
-          <p:cNvSpPr/>
-          <p:nvPr/>
-        </p:nvSpPr>
-        <p:spPr>
-          <a:xfrm>
-            <a:off x="3298698" y="705147"/>
-            <a:ext cx="1044067" cy="401782"/>
-          </a:xfrm>
-          <a:prstGeom prst="roundRect">
-            <a:avLst/>
-          </a:prstGeom>
-        </p:spPr>
-        <p:style>
-          <a:lnRef idx="2">
-            <a:schemeClr val="accent1"/>
-          </a:lnRef>
-          <a:fillRef idx="1">
-            <a:schemeClr val="lt1"/>
-          </a:fillRef>
-          <a:effectRef idx="0">
-            <a:schemeClr val="accent1"/>
-          </a:effectRef>
-          <a:fontRef idx="minor">
-            <a:schemeClr val="dk1"/>
-          </a:fontRef>
-        </p:style>
-        <p:txBody>
-          <a:bodyPr rtlCol="0" anchor="ctr"/>
-          <a:lstStyle/>
-          <a:p>
-            <a:pPr algn="ctr"/>
-            <a:r>
-              <a:rPr lang="en-US" sz="1000" dirty="0" smtClean="0">
+              </a:endParaRPr>
+            </a:p>
+          </p:txBody>
+        </p:sp>
+        <p:sp>
+          <p:nvSpPr>
+            <p:cNvPr id="8" name="Rounded Rectangle 7"/>
+            <p:cNvSpPr/>
+            <p:nvPr/>
+          </p:nvSpPr>
+          <p:spPr>
+            <a:xfrm>
+              <a:off x="3298698" y="35674"/>
+              <a:ext cx="1044067" cy="401782"/>
+            </a:xfrm>
+            <a:prstGeom prst="roundRect">
+              <a:avLst/>
+            </a:prstGeom>
+            <a:ln>
+              <a:solidFill>
+                <a:schemeClr val="accent1">
+                  <a:lumMod val="60000"/>
+                  <a:lumOff val="40000"/>
+                </a:schemeClr>
+              </a:solidFill>
+            </a:ln>
+          </p:spPr>
+          <p:style>
+            <a:lnRef idx="2">
+              <a:schemeClr val="accent1"/>
+            </a:lnRef>
+            <a:fillRef idx="1">
+              <a:schemeClr val="lt1"/>
+            </a:fillRef>
+            <a:effectRef idx="0">
+              <a:schemeClr val="accent1"/>
+            </a:effectRef>
+            <a:fontRef idx="minor">
+              <a:schemeClr val="dk1"/>
+            </a:fontRef>
+          </p:style>
+          <p:txBody>
+            <a:bodyPr rtlCol="0" anchor="ctr"/>
+            <a:lstStyle/>
+            <a:p>
+              <a:pPr algn="ctr"/>
+              <a:r>
+                <a:rPr lang="en-US" sz="1000" dirty="0" smtClean="0">
+                  <a:latin typeface="Times New Roman" panose="02020603050405020304" pitchFamily="18" charset="0"/>
+                  <a:cs typeface="Times New Roman" panose="02020603050405020304" pitchFamily="18" charset="0"/>
+                </a:rPr>
+                <a:t>RPC Framework</a:t>
+              </a:r>
+              <a:endParaRPr lang="en-US" sz="1000" dirty="0">
                 <a:latin typeface="Times New Roman" panose="02020603050405020304" pitchFamily="18" charset="0"/>
                 <a:cs typeface="Times New Roman" panose="02020603050405020304" pitchFamily="18" charset="0"/>
-              </a:rPr>
-              <a:t>RPC Framework</a:t>
-            </a:r>
-            <a:endParaRPr lang="en-US" sz="1000" dirty="0">
-              <a:latin typeface="Times New Roman" panose="02020603050405020304" pitchFamily="18" charset="0"/>
-              <a:cs typeface="Times New Roman" panose="02020603050405020304" pitchFamily="18" charset="0"/>
-            </a:endParaRPr>
-          </a:p>
-        </p:txBody>
-      </p:sp>
-      <p:cxnSp>
-        <p:nvCxnSpPr>
-          <p:cNvPr id="10" name="Straight Arrow Connector 9"/>
-          <p:cNvCxnSpPr>
-            <a:stCxn id="6" idx="2"/>
-          </p:cNvCxnSpPr>
-          <p:nvPr/>
-        </p:nvCxnSpPr>
-        <p:spPr>
-          <a:xfrm>
-            <a:off x="2571016" y="1106929"/>
-            <a:ext cx="0" cy="256309"/>
-          </a:xfrm>
-          <a:prstGeom prst="straightConnector1">
-            <a:avLst/>
-          </a:prstGeom>
-          <a:ln w="12700">
-            <a:solidFill>
+              </a:endParaRPr>
+            </a:p>
+          </p:txBody>
+        </p:sp>
+        <p:cxnSp>
+          <p:nvCxnSpPr>
+            <p:cNvPr id="10" name="Straight Arrow Connector 9"/>
+            <p:cNvCxnSpPr>
+              <a:stCxn id="6" idx="2"/>
+            </p:cNvCxnSpPr>
+            <p:nvPr/>
+          </p:nvCxnSpPr>
+          <p:spPr>
+            <a:xfrm>
+              <a:off x="2571016" y="437456"/>
+              <a:ext cx="0" cy="256309"/>
+            </a:xfrm>
+            <a:prstGeom prst="straightConnector1">
+              <a:avLst/>
+            </a:prstGeom>
+            <a:ln w="12700">
+              <a:solidFill>
+                <a:schemeClr val="tx1"/>
+              </a:solidFill>
+              <a:headEnd type="triangle" w="med" len="med"/>
+              <a:tailEnd type="triangle" w="med" len="med"/>
+            </a:ln>
+          </p:spPr>
+          <p:style>
+            <a:lnRef idx="1">
+              <a:schemeClr val="accent1"/>
+            </a:lnRef>
+            <a:fillRef idx="0">
+              <a:schemeClr val="accent1"/>
+            </a:fillRef>
+            <a:effectRef idx="0">
+              <a:schemeClr val="accent1"/>
+            </a:effectRef>
+            <a:fontRef idx="minor">
               <a:schemeClr val="tx1"/>
-            </a:solidFill>
-            <a:headEnd type="triangle" w="med" len="med"/>
-            <a:tailEnd type="triangle" w="med" len="med"/>
-          </a:ln>
-        </p:spPr>
-        <p:style>
-          <a:lnRef idx="1">
-            <a:schemeClr val="accent1"/>
-          </a:lnRef>
-          <a:fillRef idx="0">
-            <a:schemeClr val="accent1"/>
-          </a:fillRef>
-          <a:effectRef idx="0">
-            <a:schemeClr val="accent1"/>
-          </a:effectRef>
-          <a:fontRef idx="minor">
-            <a:schemeClr val="tx1"/>
-          </a:fontRef>
-        </p:style>
-      </p:cxnSp>
-      <p:cxnSp>
-        <p:nvCxnSpPr>
-          <p:cNvPr id="11" name="Straight Arrow Connector 10"/>
-          <p:cNvCxnSpPr/>
-          <p:nvPr/>
-        </p:nvCxnSpPr>
-        <p:spPr>
-          <a:xfrm>
-            <a:off x="3820732" y="1106929"/>
-            <a:ext cx="0" cy="256309"/>
-          </a:xfrm>
-          <a:prstGeom prst="straightConnector1">
-            <a:avLst/>
-          </a:prstGeom>
-          <a:ln w="12700">
-            <a:solidFill>
+            </a:fontRef>
+          </p:style>
+        </p:cxnSp>
+        <p:cxnSp>
+          <p:nvCxnSpPr>
+            <p:cNvPr id="11" name="Straight Arrow Connector 10"/>
+            <p:cNvCxnSpPr/>
+            <p:nvPr/>
+          </p:nvCxnSpPr>
+          <p:spPr>
+            <a:xfrm>
+              <a:off x="3820732" y="437456"/>
+              <a:ext cx="0" cy="256309"/>
+            </a:xfrm>
+            <a:prstGeom prst="straightConnector1">
+              <a:avLst/>
+            </a:prstGeom>
+            <a:ln w="12700">
+              <a:solidFill>
+                <a:schemeClr val="tx1"/>
+              </a:solidFill>
+              <a:headEnd type="triangle" w="med" len="med"/>
+              <a:tailEnd type="triangle" w="med" len="med"/>
+            </a:ln>
+          </p:spPr>
+          <p:style>
+            <a:lnRef idx="1">
+              <a:schemeClr val="accent1"/>
+            </a:lnRef>
+            <a:fillRef idx="0">
+              <a:schemeClr val="accent1"/>
+            </a:fillRef>
+            <a:effectRef idx="0">
+              <a:schemeClr val="accent1"/>
+            </a:effectRef>
+            <a:fontRef idx="minor">
               <a:schemeClr val="tx1"/>
-            </a:solidFill>
-            <a:headEnd type="triangle" w="med" len="med"/>
-            <a:tailEnd type="triangle" w="med" len="med"/>
-          </a:ln>
-        </p:spPr>
-        <p:style>
-          <a:lnRef idx="1">
-            <a:schemeClr val="accent1"/>
-          </a:lnRef>
-          <a:fillRef idx="0">
-            <a:schemeClr val="accent1"/>
-          </a:fillRef>
-          <a:effectRef idx="0">
-            <a:schemeClr val="accent1"/>
-          </a:effectRef>
-          <a:fontRef idx="minor">
-            <a:schemeClr val="tx1"/>
-          </a:fontRef>
-        </p:style>
-      </p:cxnSp>
-      <p:cxnSp>
-        <p:nvCxnSpPr>
-          <p:cNvPr id="12" name="Straight Arrow Connector 11"/>
-          <p:cNvCxnSpPr/>
-          <p:nvPr/>
-        </p:nvCxnSpPr>
-        <p:spPr>
-          <a:xfrm>
-            <a:off x="3820732" y="448838"/>
-            <a:ext cx="0" cy="256309"/>
-          </a:xfrm>
-          <a:prstGeom prst="straightConnector1">
-            <a:avLst/>
-          </a:prstGeom>
-          <a:ln w="12700">
-            <a:solidFill>
-              <a:schemeClr val="tx1"/>
-            </a:solidFill>
-            <a:headEnd type="triangle" w="med" len="med"/>
-            <a:tailEnd type="triangle" w="med" len="med"/>
-          </a:ln>
-        </p:spPr>
-        <p:style>
-          <a:lnRef idx="1">
-            <a:schemeClr val="accent1"/>
-          </a:lnRef>
-          <a:fillRef idx="0">
-            <a:schemeClr val="accent1"/>
-          </a:fillRef>
-          <a:effectRef idx="0">
-            <a:schemeClr val="accent1"/>
-          </a:effectRef>
-          <a:fontRef idx="minor">
-            <a:schemeClr val="tx1"/>
-          </a:fontRef>
-        </p:style>
-      </p:cxnSp>
-      <p:sp>
-        <p:nvSpPr>
-          <p:cNvPr id="4" name="Rounded Rectangle 3"/>
-          <p:cNvSpPr/>
-          <p:nvPr/>
-        </p:nvSpPr>
-        <p:spPr>
-          <a:xfrm>
-            <a:off x="1072055" y="1370165"/>
-            <a:ext cx="4262996" cy="346364"/>
-          </a:xfrm>
-          <a:prstGeom prst="roundRect">
-            <a:avLst/>
-          </a:prstGeom>
-        </p:spPr>
-        <p:style>
-          <a:lnRef idx="2">
-            <a:schemeClr val="accent1"/>
-          </a:lnRef>
-          <a:fillRef idx="1">
-            <a:schemeClr val="lt1"/>
-          </a:fillRef>
-          <a:effectRef idx="0">
-            <a:schemeClr val="accent1"/>
-          </a:effectRef>
-          <a:fontRef idx="minor">
-            <a:schemeClr val="dk1"/>
-          </a:fontRef>
-        </p:style>
-        <p:txBody>
-          <a:bodyPr rtlCol="0" anchor="ctr"/>
-          <a:lstStyle/>
-          <a:p>
-            <a:pPr algn="ctr"/>
-            <a:r>
-              <a:rPr lang="en-US" sz="1000" b="1" dirty="0" smtClean="0">
+            </a:fontRef>
+          </p:style>
+        </p:cxnSp>
+        <p:sp>
+          <p:nvSpPr>
+            <p:cNvPr id="4" name="Rounded Rectangle 3"/>
+            <p:cNvSpPr/>
+            <p:nvPr/>
+          </p:nvSpPr>
+          <p:spPr>
+            <a:xfrm>
+              <a:off x="1072055" y="700692"/>
+              <a:ext cx="4626616" cy="346364"/>
+            </a:xfrm>
+            <a:prstGeom prst="roundRect">
+              <a:avLst/>
+            </a:prstGeom>
+            <a:ln>
+              <a:solidFill>
+                <a:schemeClr val="accent1">
+                  <a:lumMod val="60000"/>
+                  <a:lumOff val="40000"/>
+                </a:schemeClr>
+              </a:solidFill>
+            </a:ln>
+          </p:spPr>
+          <p:style>
+            <a:lnRef idx="2">
+              <a:schemeClr val="accent1"/>
+            </a:lnRef>
+            <a:fillRef idx="1">
+              <a:schemeClr val="lt1"/>
+            </a:fillRef>
+            <a:effectRef idx="0">
+              <a:schemeClr val="accent1"/>
+            </a:effectRef>
+            <a:fontRef idx="minor">
+              <a:schemeClr val="dk1"/>
+            </a:fontRef>
+          </p:style>
+          <p:txBody>
+            <a:bodyPr rtlCol="0" anchor="ctr"/>
+            <a:lstStyle/>
+            <a:p>
+              <a:pPr algn="ctr"/>
+              <a:r>
+                <a:rPr lang="en-US" sz="1000" b="1" dirty="0" smtClean="0">
+                  <a:latin typeface="Times New Roman" panose="02020603050405020304" pitchFamily="18" charset="0"/>
+                  <a:cs typeface="Times New Roman" panose="02020603050405020304" pitchFamily="18" charset="0"/>
+                </a:rPr>
+                <a:t>API</a:t>
+              </a:r>
+              <a:endParaRPr lang="en-US" sz="1000" b="1" dirty="0">
                 <a:latin typeface="Times New Roman" panose="02020603050405020304" pitchFamily="18" charset="0"/>
                 <a:cs typeface="Times New Roman" panose="02020603050405020304" pitchFamily="18" charset="0"/>
-              </a:rPr>
-              <a:t>API</a:t>
-            </a:r>
-            <a:endParaRPr lang="en-US" sz="1000" b="1" dirty="0">
-              <a:latin typeface="Times New Roman" panose="02020603050405020304" pitchFamily="18" charset="0"/>
-              <a:cs typeface="Times New Roman" panose="02020603050405020304" pitchFamily="18" charset="0"/>
-            </a:endParaRPr>
-          </a:p>
-        </p:txBody>
-      </p:sp>
-      <p:sp>
-        <p:nvSpPr>
-          <p:cNvPr id="5" name="Rounded Rectangle 4"/>
-          <p:cNvSpPr/>
-          <p:nvPr/>
-        </p:nvSpPr>
-        <p:spPr>
-          <a:xfrm>
-            <a:off x="1072055" y="1785801"/>
-            <a:ext cx="4262996" cy="615676"/>
-          </a:xfrm>
-          <a:prstGeom prst="roundRect">
-            <a:avLst>
-              <a:gd name="adj" fmla="val 4740"/>
-            </a:avLst>
-          </a:prstGeom>
-        </p:spPr>
-        <p:style>
-          <a:lnRef idx="2">
-            <a:schemeClr val="accent1"/>
-          </a:lnRef>
-          <a:fillRef idx="1">
-            <a:schemeClr val="lt1"/>
-          </a:fillRef>
-          <a:effectRef idx="0">
-            <a:schemeClr val="accent1"/>
-          </a:effectRef>
-          <a:fontRef idx="minor">
-            <a:schemeClr val="dk1"/>
-          </a:fontRef>
-        </p:style>
-        <p:txBody>
-          <a:bodyPr rtlCol="0" anchor="t"/>
-          <a:lstStyle/>
-          <a:p>
-            <a:r>
-              <a:rPr lang="en-US" sz="1000" b="1" dirty="0" smtClean="0">
+              </a:endParaRPr>
+            </a:p>
+          </p:txBody>
+        </p:sp>
+        <p:sp>
+          <p:nvSpPr>
+            <p:cNvPr id="5" name="Rounded Rectangle 4"/>
+            <p:cNvSpPr/>
+            <p:nvPr/>
+          </p:nvSpPr>
+          <p:spPr>
+            <a:xfrm>
+              <a:off x="1072055" y="1116328"/>
+              <a:ext cx="4626616" cy="615676"/>
+            </a:xfrm>
+            <a:prstGeom prst="roundRect">
+              <a:avLst>
+                <a:gd name="adj" fmla="val 4740"/>
+              </a:avLst>
+            </a:prstGeom>
+            <a:ln>
+              <a:solidFill>
+                <a:schemeClr val="accent1">
+                  <a:lumMod val="60000"/>
+                  <a:lumOff val="40000"/>
+                </a:schemeClr>
+              </a:solidFill>
+            </a:ln>
+          </p:spPr>
+          <p:style>
+            <a:lnRef idx="2">
+              <a:schemeClr val="accent1"/>
+            </a:lnRef>
+            <a:fillRef idx="1">
+              <a:schemeClr val="lt1"/>
+            </a:fillRef>
+            <a:effectRef idx="0">
+              <a:schemeClr val="accent1"/>
+            </a:effectRef>
+            <a:fontRef idx="minor">
+              <a:schemeClr val="dk1"/>
+            </a:fontRef>
+          </p:style>
+          <p:txBody>
+            <a:bodyPr rtlCol="0" anchor="t"/>
+            <a:lstStyle/>
+            <a:p>
+              <a:r>
+                <a:rPr lang="en-US" sz="1000" b="1" dirty="0" smtClean="0">
+                  <a:latin typeface="Times New Roman" panose="02020603050405020304" pitchFamily="18" charset="0"/>
+                  <a:cs typeface="Times New Roman" panose="02020603050405020304" pitchFamily="18" charset="0"/>
+                </a:rPr>
+                <a:t>Core</a:t>
+              </a:r>
+              <a:endParaRPr lang="en-US" sz="1000" b="1" dirty="0">
                 <a:latin typeface="Times New Roman" panose="02020603050405020304" pitchFamily="18" charset="0"/>
                 <a:cs typeface="Times New Roman" panose="02020603050405020304" pitchFamily="18" charset="0"/>
-              </a:rPr>
-              <a:t>Core</a:t>
-            </a:r>
-            <a:endParaRPr lang="en-US" sz="1000" b="1" dirty="0">
-              <a:latin typeface="Times New Roman" panose="02020603050405020304" pitchFamily="18" charset="0"/>
-              <a:cs typeface="Times New Roman" panose="02020603050405020304" pitchFamily="18" charset="0"/>
-            </a:endParaRPr>
-          </a:p>
-        </p:txBody>
-      </p:sp>
-      <p:sp>
-        <p:nvSpPr>
-          <p:cNvPr id="16" name="Rounded Rectangle 15"/>
-          <p:cNvSpPr/>
-          <p:nvPr/>
-        </p:nvSpPr>
-        <p:spPr>
-          <a:xfrm>
-            <a:off x="1072055" y="2464659"/>
-            <a:ext cx="4262996" cy="1205553"/>
-          </a:xfrm>
-          <a:prstGeom prst="roundRect">
-            <a:avLst>
-              <a:gd name="adj" fmla="val 4740"/>
-            </a:avLst>
-          </a:prstGeom>
-        </p:spPr>
-        <p:style>
-          <a:lnRef idx="2">
-            <a:schemeClr val="accent1"/>
-          </a:lnRef>
-          <a:fillRef idx="1">
-            <a:schemeClr val="lt1"/>
-          </a:fillRef>
-          <a:effectRef idx="0">
-            <a:schemeClr val="accent1"/>
-          </a:effectRef>
-          <a:fontRef idx="minor">
-            <a:schemeClr val="dk1"/>
-          </a:fontRef>
-        </p:style>
-        <p:txBody>
-          <a:bodyPr rtlCol="0" anchor="t"/>
-          <a:lstStyle/>
-          <a:p>
-            <a:r>
-              <a:rPr lang="en-US" sz="1000" b="1" dirty="0" smtClean="0">
+              </a:endParaRPr>
+            </a:p>
+          </p:txBody>
+        </p:sp>
+        <p:sp>
+          <p:nvSpPr>
+            <p:cNvPr id="16" name="Rounded Rectangle 15"/>
+            <p:cNvSpPr/>
+            <p:nvPr/>
+          </p:nvSpPr>
+          <p:spPr>
+            <a:xfrm>
+              <a:off x="1072055" y="1920693"/>
+              <a:ext cx="4626616" cy="1058231"/>
+            </a:xfrm>
+            <a:prstGeom prst="roundRect">
+              <a:avLst>
+                <a:gd name="adj" fmla="val 4740"/>
+              </a:avLst>
+            </a:prstGeom>
+            <a:ln>
+              <a:solidFill>
+                <a:schemeClr val="accent1">
+                  <a:lumMod val="60000"/>
+                  <a:lumOff val="40000"/>
+                </a:schemeClr>
+              </a:solidFill>
+            </a:ln>
+          </p:spPr>
+          <p:style>
+            <a:lnRef idx="2">
+              <a:schemeClr val="accent1"/>
+            </a:lnRef>
+            <a:fillRef idx="1">
+              <a:schemeClr val="lt1"/>
+            </a:fillRef>
+            <a:effectRef idx="0">
+              <a:schemeClr val="accent1"/>
+            </a:effectRef>
+            <a:fontRef idx="minor">
+              <a:schemeClr val="dk1"/>
+            </a:fontRef>
+          </p:style>
+          <p:txBody>
+            <a:bodyPr rtlCol="0" anchor="t"/>
+            <a:lstStyle/>
+            <a:p>
+              <a:r>
+                <a:rPr lang="en-US" sz="1000" b="1" dirty="0" smtClean="0">
+                  <a:latin typeface="Times New Roman" panose="02020603050405020304" pitchFamily="18" charset="0"/>
+                  <a:cs typeface="Times New Roman" panose="02020603050405020304" pitchFamily="18" charset="0"/>
+                </a:rPr>
+                <a:t>Main Memory</a:t>
+              </a:r>
+              <a:endParaRPr lang="en-US" sz="1000" b="1" dirty="0">
                 <a:latin typeface="Times New Roman" panose="02020603050405020304" pitchFamily="18" charset="0"/>
                 <a:cs typeface="Times New Roman" panose="02020603050405020304" pitchFamily="18" charset="0"/>
-              </a:rPr>
-              <a:t>Persistence</a:t>
-            </a:r>
-            <a:endParaRPr lang="en-US" sz="1000" b="1" dirty="0">
-              <a:latin typeface="Times New Roman" panose="02020603050405020304" pitchFamily="18" charset="0"/>
-              <a:cs typeface="Times New Roman" panose="02020603050405020304" pitchFamily="18" charset="0"/>
-            </a:endParaRPr>
-          </a:p>
-        </p:txBody>
-      </p:sp>
-      <p:sp>
-        <p:nvSpPr>
-          <p:cNvPr id="20" name="Rectangle 19"/>
-          <p:cNvSpPr/>
-          <p:nvPr/>
-        </p:nvSpPr>
-        <p:spPr>
-          <a:xfrm>
-            <a:off x="1136127" y="2730975"/>
-            <a:ext cx="4121579" cy="326419"/>
-          </a:xfrm>
-          <a:prstGeom prst="rect">
-            <a:avLst/>
-          </a:prstGeom>
-        </p:spPr>
-        <p:style>
-          <a:lnRef idx="2">
-            <a:schemeClr val="accent2"/>
-          </a:lnRef>
-          <a:fillRef idx="1">
-            <a:schemeClr val="lt1"/>
-          </a:fillRef>
-          <a:effectRef idx="0">
-            <a:schemeClr val="accent2"/>
-          </a:effectRef>
-          <a:fontRef idx="minor">
-            <a:schemeClr val="dk1"/>
-          </a:fontRef>
-        </p:style>
-        <p:txBody>
-          <a:bodyPr rtlCol="0" anchor="ctr"/>
-          <a:lstStyle/>
-          <a:p>
-            <a:pPr algn="ctr"/>
-            <a:r>
-              <a:rPr lang="en-US" sz="1000" dirty="0" smtClean="0">
+              </a:endParaRPr>
+            </a:p>
+          </p:txBody>
+        </p:sp>
+        <p:sp>
+          <p:nvSpPr>
+            <p:cNvPr id="21" name="Flowchart: Magnetic Disk 20"/>
+            <p:cNvSpPr/>
+            <p:nvPr/>
+          </p:nvSpPr>
+          <p:spPr>
+            <a:xfrm>
+              <a:off x="2077297" y="4003014"/>
+              <a:ext cx="782884" cy="519545"/>
+            </a:xfrm>
+            <a:prstGeom prst="flowChartMagneticDisk">
+              <a:avLst/>
+            </a:prstGeom>
+          </p:spPr>
+          <p:style>
+            <a:lnRef idx="1">
+              <a:schemeClr val="accent1"/>
+            </a:lnRef>
+            <a:fillRef idx="2">
+              <a:schemeClr val="accent1"/>
+            </a:fillRef>
+            <a:effectRef idx="1">
+              <a:schemeClr val="accent1"/>
+            </a:effectRef>
+            <a:fontRef idx="minor">
+              <a:schemeClr val="dk1"/>
+            </a:fontRef>
+          </p:style>
+          <p:txBody>
+            <a:bodyPr rtlCol="0" anchor="ctr"/>
+            <a:lstStyle/>
+            <a:p>
+              <a:pPr algn="ctr"/>
+              <a:r>
+                <a:rPr lang="en-US" sz="1000" dirty="0" err="1" smtClean="0">
+                  <a:latin typeface="Times New Roman" panose="02020603050405020304" pitchFamily="18" charset="0"/>
+                  <a:cs typeface="Times New Roman" panose="02020603050405020304" pitchFamily="18" charset="0"/>
+                </a:rPr>
+                <a:t>ZooKeeper</a:t>
+              </a:r>
+              <a:endParaRPr lang="en-US" sz="1000" dirty="0">
                 <a:latin typeface="Times New Roman" panose="02020603050405020304" pitchFamily="18" charset="0"/>
                 <a:cs typeface="Times New Roman" panose="02020603050405020304" pitchFamily="18" charset="0"/>
-              </a:rPr>
-              <a:t>In-memory Cache</a:t>
-            </a:r>
-            <a:endParaRPr lang="en-US" sz="1000" dirty="0">
-              <a:latin typeface="Times New Roman" panose="02020603050405020304" pitchFamily="18" charset="0"/>
-              <a:cs typeface="Times New Roman" panose="02020603050405020304" pitchFamily="18" charset="0"/>
-            </a:endParaRPr>
-          </a:p>
-        </p:txBody>
-      </p:sp>
-      <p:sp>
-        <p:nvSpPr>
-          <p:cNvPr id="21" name="Flowchart: Magnetic Disk 20"/>
-          <p:cNvSpPr/>
-          <p:nvPr/>
-        </p:nvSpPr>
-        <p:spPr>
-          <a:xfrm>
-            <a:off x="1236018" y="3954512"/>
-            <a:ext cx="782884" cy="519545"/>
-          </a:xfrm>
-          <a:prstGeom prst="flowChartMagneticDisk">
-            <a:avLst/>
-          </a:prstGeom>
-        </p:spPr>
-        <p:style>
-          <a:lnRef idx="1">
-            <a:schemeClr val="accent1"/>
-          </a:lnRef>
-          <a:fillRef idx="2">
-            <a:schemeClr val="accent1"/>
-          </a:fillRef>
-          <a:effectRef idx="1">
-            <a:schemeClr val="accent1"/>
-          </a:effectRef>
-          <a:fontRef idx="minor">
-            <a:schemeClr val="dk1"/>
-          </a:fontRef>
-        </p:style>
-        <p:txBody>
-          <a:bodyPr rtlCol="0" anchor="ctr"/>
-          <a:lstStyle/>
-          <a:p>
-            <a:pPr algn="ctr"/>
-            <a:r>
-              <a:rPr lang="en-US" sz="1000" dirty="0" err="1" smtClean="0">
+              </a:endParaRPr>
+            </a:p>
+          </p:txBody>
+        </p:sp>
+        <p:sp>
+          <p:nvSpPr>
+            <p:cNvPr id="22" name="Flowchart: Magnetic Disk 21"/>
+            <p:cNvSpPr/>
+            <p:nvPr/>
+          </p:nvSpPr>
+          <p:spPr>
+            <a:xfrm>
+              <a:off x="3044480" y="4019823"/>
+              <a:ext cx="782884" cy="519545"/>
+            </a:xfrm>
+            <a:prstGeom prst="flowChartMagneticDisk">
+              <a:avLst/>
+            </a:prstGeom>
+          </p:spPr>
+          <p:style>
+            <a:lnRef idx="1">
+              <a:schemeClr val="accent1"/>
+            </a:lnRef>
+            <a:fillRef idx="2">
+              <a:schemeClr val="accent1"/>
+            </a:fillRef>
+            <a:effectRef idx="1">
+              <a:schemeClr val="accent1"/>
+            </a:effectRef>
+            <a:fontRef idx="minor">
+              <a:schemeClr val="dk1"/>
+            </a:fontRef>
+          </p:style>
+          <p:txBody>
+            <a:bodyPr rtlCol="0" anchor="ctr"/>
+            <a:lstStyle/>
+            <a:p>
+              <a:pPr algn="ctr"/>
+              <a:r>
+                <a:rPr lang="en-US" sz="1000" dirty="0" smtClean="0">
+                  <a:latin typeface="Times New Roman" panose="02020603050405020304" pitchFamily="18" charset="0"/>
+                  <a:cs typeface="Times New Roman" panose="02020603050405020304" pitchFamily="18" charset="0"/>
+                </a:rPr>
+                <a:t>Local Storage</a:t>
+              </a:r>
+              <a:endParaRPr lang="en-US" sz="1000" dirty="0">
                 <a:latin typeface="Times New Roman" panose="02020603050405020304" pitchFamily="18" charset="0"/>
                 <a:cs typeface="Times New Roman" panose="02020603050405020304" pitchFamily="18" charset="0"/>
-              </a:rPr>
-              <a:t>ZooKeeper</a:t>
-            </a:r>
-            <a:endParaRPr lang="en-US" sz="1000" dirty="0">
-              <a:latin typeface="Times New Roman" panose="02020603050405020304" pitchFamily="18" charset="0"/>
-              <a:cs typeface="Times New Roman" panose="02020603050405020304" pitchFamily="18" charset="0"/>
-            </a:endParaRPr>
-          </a:p>
-        </p:txBody>
-      </p:sp>
-      <p:sp>
-        <p:nvSpPr>
-          <p:cNvPr id="22" name="Flowchart: Magnetic Disk 21"/>
-          <p:cNvSpPr/>
-          <p:nvPr/>
-        </p:nvSpPr>
-        <p:spPr>
-          <a:xfrm>
-            <a:off x="3351050" y="3954512"/>
-            <a:ext cx="782884" cy="519545"/>
-          </a:xfrm>
-          <a:prstGeom prst="flowChartMagneticDisk">
-            <a:avLst/>
-          </a:prstGeom>
-        </p:spPr>
-        <p:style>
-          <a:lnRef idx="1">
-            <a:schemeClr val="accent1"/>
-          </a:lnRef>
-          <a:fillRef idx="2">
-            <a:schemeClr val="accent1"/>
-          </a:fillRef>
-          <a:effectRef idx="1">
-            <a:schemeClr val="accent1"/>
-          </a:effectRef>
-          <a:fontRef idx="minor">
-            <a:schemeClr val="dk1"/>
-          </a:fontRef>
-        </p:style>
-        <p:txBody>
-          <a:bodyPr rtlCol="0" anchor="ctr"/>
-          <a:lstStyle/>
-          <a:p>
-            <a:pPr algn="ctr"/>
-            <a:r>
-              <a:rPr lang="en-US" sz="1000" dirty="0" smtClean="0">
+              </a:endParaRPr>
+            </a:p>
+          </p:txBody>
+        </p:sp>
+        <p:sp>
+          <p:nvSpPr>
+            <p:cNvPr id="23" name="Flowchart: Magnetic Disk 22"/>
+            <p:cNvSpPr/>
+            <p:nvPr/>
+          </p:nvSpPr>
+          <p:spPr>
+            <a:xfrm>
+              <a:off x="4618403" y="4003014"/>
+              <a:ext cx="782884" cy="519545"/>
+            </a:xfrm>
+            <a:prstGeom prst="flowChartMagneticDisk">
+              <a:avLst/>
+            </a:prstGeom>
+          </p:spPr>
+          <p:style>
+            <a:lnRef idx="1">
+              <a:schemeClr val="accent1"/>
+            </a:lnRef>
+            <a:fillRef idx="2">
+              <a:schemeClr val="accent1"/>
+            </a:fillRef>
+            <a:effectRef idx="1">
+              <a:schemeClr val="accent1"/>
+            </a:effectRef>
+            <a:fontRef idx="minor">
+              <a:schemeClr val="dk1"/>
+            </a:fontRef>
+          </p:style>
+          <p:txBody>
+            <a:bodyPr rtlCol="0" anchor="ctr"/>
+            <a:lstStyle/>
+            <a:p>
+              <a:pPr algn="ctr"/>
+              <a:r>
+                <a:rPr lang="en-US" sz="1000" dirty="0" smtClean="0">
+                  <a:latin typeface="Times New Roman" panose="02020603050405020304" pitchFamily="18" charset="0"/>
+                  <a:cs typeface="Times New Roman" panose="02020603050405020304" pitchFamily="18" charset="0"/>
+                </a:rPr>
+                <a:t>Cloud Storage</a:t>
+              </a:r>
+              <a:endParaRPr lang="en-US" sz="1000" dirty="0">
                 <a:latin typeface="Times New Roman" panose="02020603050405020304" pitchFamily="18" charset="0"/>
                 <a:cs typeface="Times New Roman" panose="02020603050405020304" pitchFamily="18" charset="0"/>
-              </a:rPr>
-              <a:t>Local Storage</a:t>
-            </a:r>
-            <a:endParaRPr lang="en-US" sz="1000" dirty="0">
-              <a:latin typeface="Times New Roman" panose="02020603050405020304" pitchFamily="18" charset="0"/>
-              <a:cs typeface="Times New Roman" panose="02020603050405020304" pitchFamily="18" charset="0"/>
-            </a:endParaRPr>
-          </a:p>
-        </p:txBody>
-      </p:sp>
-      <p:sp>
-        <p:nvSpPr>
-          <p:cNvPr id="23" name="Flowchart: Magnetic Disk 22"/>
-          <p:cNvSpPr/>
-          <p:nvPr/>
-        </p:nvSpPr>
-        <p:spPr>
-          <a:xfrm>
-            <a:off x="4387960" y="3954512"/>
-            <a:ext cx="782884" cy="519545"/>
-          </a:xfrm>
-          <a:prstGeom prst="flowChartMagneticDisk">
-            <a:avLst/>
-          </a:prstGeom>
-        </p:spPr>
-        <p:style>
-          <a:lnRef idx="1">
-            <a:schemeClr val="accent1"/>
-          </a:lnRef>
-          <a:fillRef idx="2">
-            <a:schemeClr val="accent1"/>
-          </a:fillRef>
-          <a:effectRef idx="1">
-            <a:schemeClr val="accent1"/>
-          </a:effectRef>
-          <a:fontRef idx="minor">
-            <a:schemeClr val="dk1"/>
-          </a:fontRef>
-        </p:style>
-        <p:txBody>
-          <a:bodyPr rtlCol="0" anchor="ctr"/>
-          <a:lstStyle/>
-          <a:p>
-            <a:pPr algn="ctr"/>
-            <a:r>
-              <a:rPr lang="en-US" sz="1000" dirty="0" smtClean="0">
+              </a:endParaRPr>
+            </a:p>
+          </p:txBody>
+        </p:sp>
+        <p:sp>
+          <p:nvSpPr>
+            <p:cNvPr id="13" name="Rectangle 12"/>
+            <p:cNvSpPr/>
+            <p:nvPr/>
+          </p:nvSpPr>
+          <p:spPr>
+            <a:xfrm>
+              <a:off x="2120212" y="2348523"/>
+              <a:ext cx="723346" cy="438625"/>
+            </a:xfrm>
+            <a:prstGeom prst="rect">
+              <a:avLst/>
+            </a:prstGeom>
+            <a:ln>
+              <a:prstDash val="dash"/>
+            </a:ln>
+          </p:spPr>
+          <p:style>
+            <a:lnRef idx="2">
+              <a:schemeClr val="accent2"/>
+            </a:lnRef>
+            <a:fillRef idx="1">
+              <a:schemeClr val="lt1"/>
+            </a:fillRef>
+            <a:effectRef idx="0">
+              <a:schemeClr val="accent2"/>
+            </a:effectRef>
+            <a:fontRef idx="minor">
+              <a:schemeClr val="dk1"/>
+            </a:fontRef>
+          </p:style>
+          <p:txBody>
+            <a:bodyPr rtlCol="0" anchor="ctr"/>
+            <a:lstStyle/>
+            <a:p>
+              <a:pPr algn="ctr"/>
+              <a:r>
+                <a:rPr lang="en-US" sz="1000" dirty="0" smtClean="0">
+                  <a:latin typeface="Times New Roman" panose="02020603050405020304" pitchFamily="18" charset="0"/>
+                  <a:cs typeface="Times New Roman" panose="02020603050405020304" pitchFamily="18" charset="0"/>
+                </a:rPr>
+                <a:t>File Directory</a:t>
+              </a:r>
+              <a:endParaRPr lang="en-US" sz="1000" dirty="0">
                 <a:latin typeface="Times New Roman" panose="02020603050405020304" pitchFamily="18" charset="0"/>
                 <a:cs typeface="Times New Roman" panose="02020603050405020304" pitchFamily="18" charset="0"/>
-              </a:rPr>
-              <a:t>Cloud Storage</a:t>
-            </a:r>
-            <a:endParaRPr lang="en-US" sz="1000" dirty="0">
-              <a:latin typeface="Times New Roman" panose="02020603050405020304" pitchFamily="18" charset="0"/>
-              <a:cs typeface="Times New Roman" panose="02020603050405020304" pitchFamily="18" charset="0"/>
-            </a:endParaRPr>
-          </a:p>
-        </p:txBody>
-      </p:sp>
-      <p:sp>
-        <p:nvSpPr>
-          <p:cNvPr id="13" name="Rectangle 12"/>
-          <p:cNvSpPr/>
-          <p:nvPr/>
-        </p:nvSpPr>
-        <p:spPr>
-          <a:xfrm>
-            <a:off x="1136127" y="3149607"/>
-            <a:ext cx="982665" cy="438625"/>
-          </a:xfrm>
-          <a:prstGeom prst="rect">
-            <a:avLst/>
-          </a:prstGeom>
-        </p:spPr>
-        <p:style>
-          <a:lnRef idx="2">
-            <a:schemeClr val="accent2"/>
-          </a:lnRef>
-          <a:fillRef idx="1">
-            <a:schemeClr val="lt1"/>
-          </a:fillRef>
-          <a:effectRef idx="0">
-            <a:schemeClr val="accent2"/>
-          </a:effectRef>
-          <a:fontRef idx="minor">
-            <a:schemeClr val="dk1"/>
-          </a:fontRef>
-        </p:style>
-        <p:txBody>
-          <a:bodyPr rtlCol="0" anchor="ctr"/>
-          <a:lstStyle/>
-          <a:p>
-            <a:pPr algn="ctr"/>
-            <a:r>
-              <a:rPr lang="en-US" sz="1000" dirty="0" smtClean="0">
+              </a:endParaRPr>
+            </a:p>
+          </p:txBody>
+        </p:sp>
+        <p:sp>
+          <p:nvSpPr>
+            <p:cNvPr id="18" name="Rectangle 17"/>
+            <p:cNvSpPr/>
+            <p:nvPr/>
+          </p:nvSpPr>
+          <p:spPr>
+            <a:xfrm>
+              <a:off x="4812032" y="2348524"/>
+              <a:ext cx="759952" cy="438625"/>
+            </a:xfrm>
+            <a:prstGeom prst="rect">
+              <a:avLst/>
+            </a:prstGeom>
+            <a:ln>
+              <a:prstDash val="dash"/>
+            </a:ln>
+          </p:spPr>
+          <p:style>
+            <a:lnRef idx="2">
+              <a:schemeClr val="accent2"/>
+            </a:lnRef>
+            <a:fillRef idx="1">
+              <a:schemeClr val="lt1"/>
+            </a:fillRef>
+            <a:effectRef idx="0">
+              <a:schemeClr val="accent2"/>
+            </a:effectRef>
+            <a:fontRef idx="minor">
+              <a:schemeClr val="dk1"/>
+            </a:fontRef>
+          </p:style>
+          <p:txBody>
+            <a:bodyPr rtlCol="0" anchor="ctr"/>
+            <a:lstStyle/>
+            <a:p>
+              <a:pPr algn="ctr"/>
+              <a:r>
+                <a:rPr lang="en-US" sz="1000" dirty="0" smtClean="0">
+                  <a:latin typeface="Times New Roman" panose="02020603050405020304" pitchFamily="18" charset="0"/>
+                  <a:cs typeface="Times New Roman" panose="02020603050405020304" pitchFamily="18" charset="0"/>
+                </a:rPr>
+                <a:t>Data block segments</a:t>
+              </a:r>
+              <a:endParaRPr lang="en-US" sz="1000" dirty="0">
                 <a:latin typeface="Times New Roman" panose="02020603050405020304" pitchFamily="18" charset="0"/>
                 <a:cs typeface="Times New Roman" panose="02020603050405020304" pitchFamily="18" charset="0"/>
-              </a:rPr>
-              <a:t>File Directory</a:t>
-            </a:r>
-            <a:endParaRPr lang="en-US" sz="1000" dirty="0">
-              <a:latin typeface="Times New Roman" panose="02020603050405020304" pitchFamily="18" charset="0"/>
-              <a:cs typeface="Times New Roman" panose="02020603050405020304" pitchFamily="18" charset="0"/>
-            </a:endParaRPr>
-          </a:p>
-        </p:txBody>
-      </p:sp>
-      <p:sp>
-        <p:nvSpPr>
-          <p:cNvPr id="18" name="Rectangle 17"/>
-          <p:cNvSpPr/>
-          <p:nvPr/>
-        </p:nvSpPr>
-        <p:spPr>
-          <a:xfrm>
-            <a:off x="4342765" y="3149607"/>
-            <a:ext cx="922013" cy="438625"/>
-          </a:xfrm>
-          <a:prstGeom prst="rect">
-            <a:avLst/>
-          </a:prstGeom>
-        </p:spPr>
-        <p:style>
-          <a:lnRef idx="2">
-            <a:schemeClr val="accent2"/>
-          </a:lnRef>
-          <a:fillRef idx="1">
-            <a:schemeClr val="lt1"/>
-          </a:fillRef>
-          <a:effectRef idx="0">
-            <a:schemeClr val="accent2"/>
-          </a:effectRef>
-          <a:fontRef idx="minor">
-            <a:schemeClr val="dk1"/>
-          </a:fontRef>
-        </p:style>
-        <p:txBody>
-          <a:bodyPr rtlCol="0" anchor="ctr"/>
-          <a:lstStyle/>
-          <a:p>
-            <a:pPr algn="ctr"/>
-            <a:r>
-              <a:rPr lang="en-US" sz="1000" dirty="0" smtClean="0">
+              </a:endParaRPr>
+            </a:p>
+          </p:txBody>
+        </p:sp>
+        <p:sp>
+          <p:nvSpPr>
+            <p:cNvPr id="19" name="Rectangle 18"/>
+            <p:cNvSpPr/>
+            <p:nvPr/>
+          </p:nvSpPr>
+          <p:spPr>
+            <a:xfrm>
+              <a:off x="2974585" y="2348524"/>
+              <a:ext cx="790448" cy="438625"/>
+            </a:xfrm>
+            <a:prstGeom prst="rect">
+              <a:avLst/>
+            </a:prstGeom>
+            <a:ln>
+              <a:prstDash val="dash"/>
+            </a:ln>
+          </p:spPr>
+          <p:style>
+            <a:lnRef idx="2">
+              <a:schemeClr val="accent2"/>
+            </a:lnRef>
+            <a:fillRef idx="1">
+              <a:schemeClr val="lt1"/>
+            </a:fillRef>
+            <a:effectRef idx="0">
+              <a:schemeClr val="accent2"/>
+            </a:effectRef>
+            <a:fontRef idx="minor">
+              <a:schemeClr val="dk1"/>
+            </a:fontRef>
+          </p:style>
+          <p:txBody>
+            <a:bodyPr rtlCol="0" anchor="ctr"/>
+            <a:lstStyle/>
+            <a:p>
+              <a:pPr algn="ctr"/>
+              <a:r>
+                <a:rPr lang="en-US" sz="1000" dirty="0" err="1" smtClean="0">
+                  <a:latin typeface="Times New Roman" panose="02020603050405020304" pitchFamily="18" charset="0"/>
+                  <a:cs typeface="Times New Roman" panose="02020603050405020304" pitchFamily="18" charset="0"/>
+                </a:rPr>
+                <a:t>Ibmap</a:t>
+              </a:r>
+              <a:r>
+                <a:rPr lang="en-US" sz="1000" dirty="0" smtClean="0">
+                  <a:latin typeface="Times New Roman" panose="02020603050405020304" pitchFamily="18" charset="0"/>
+                  <a:cs typeface="Times New Roman" panose="02020603050405020304" pitchFamily="18" charset="0"/>
+                </a:rPr>
+                <a:t> blocks</a:t>
+              </a:r>
+              <a:endParaRPr lang="en-US" sz="1000" dirty="0">
                 <a:latin typeface="Times New Roman" panose="02020603050405020304" pitchFamily="18" charset="0"/>
                 <a:cs typeface="Times New Roman" panose="02020603050405020304" pitchFamily="18" charset="0"/>
-              </a:rPr>
-              <a:t>Data blocks</a:t>
-            </a:r>
-            <a:endParaRPr lang="en-US" sz="1000" dirty="0">
-              <a:latin typeface="Times New Roman" panose="02020603050405020304" pitchFamily="18" charset="0"/>
-              <a:cs typeface="Times New Roman" panose="02020603050405020304" pitchFamily="18" charset="0"/>
-            </a:endParaRPr>
-          </a:p>
-        </p:txBody>
-      </p:sp>
-      <p:sp>
-        <p:nvSpPr>
-          <p:cNvPr id="19" name="Rectangle 18"/>
-          <p:cNvSpPr/>
-          <p:nvPr/>
-        </p:nvSpPr>
-        <p:spPr>
-          <a:xfrm>
-            <a:off x="2223000" y="3149607"/>
-            <a:ext cx="959012" cy="438625"/>
-          </a:xfrm>
-          <a:prstGeom prst="rect">
-            <a:avLst/>
-          </a:prstGeom>
-        </p:spPr>
-        <p:style>
-          <a:lnRef idx="2">
-            <a:schemeClr val="accent2"/>
-          </a:lnRef>
-          <a:fillRef idx="1">
-            <a:schemeClr val="lt1"/>
-          </a:fillRef>
-          <a:effectRef idx="0">
-            <a:schemeClr val="accent2"/>
-          </a:effectRef>
-          <a:fontRef idx="minor">
-            <a:schemeClr val="dk1"/>
-          </a:fontRef>
-        </p:style>
-        <p:txBody>
-          <a:bodyPr rtlCol="0" anchor="ctr"/>
-          <a:lstStyle/>
-          <a:p>
-            <a:pPr algn="ctr"/>
-            <a:r>
-              <a:rPr lang="en-US" sz="1000" dirty="0" err="1" smtClean="0">
+              </a:endParaRPr>
+            </a:p>
+          </p:txBody>
+        </p:sp>
+        <p:sp>
+          <p:nvSpPr>
+            <p:cNvPr id="25" name="Rectangle 24"/>
+            <p:cNvSpPr/>
+            <p:nvPr/>
+          </p:nvSpPr>
+          <p:spPr>
+            <a:xfrm>
+              <a:off x="1136127" y="1346651"/>
+              <a:ext cx="4497230" cy="287021"/>
+            </a:xfrm>
+            <a:prstGeom prst="rect">
+              <a:avLst/>
+            </a:prstGeom>
+          </p:spPr>
+          <p:style>
+            <a:lnRef idx="2">
+              <a:schemeClr val="accent2"/>
+            </a:lnRef>
+            <a:fillRef idx="1">
+              <a:schemeClr val="lt1"/>
+            </a:fillRef>
+            <a:effectRef idx="0">
+              <a:schemeClr val="accent2"/>
+            </a:effectRef>
+            <a:fontRef idx="minor">
+              <a:schemeClr val="dk1"/>
+            </a:fontRef>
+          </p:style>
+          <p:txBody>
+            <a:bodyPr rtlCol="0" anchor="ctr"/>
+            <a:lstStyle/>
+            <a:p>
+              <a:pPr algn="ctr"/>
+              <a:r>
+                <a:rPr lang="en-US" sz="1000" dirty="0" smtClean="0">
+                  <a:latin typeface="Times New Roman" panose="02020603050405020304" pitchFamily="18" charset="0"/>
+                  <a:cs typeface="Times New Roman" panose="02020603050405020304" pitchFamily="18" charset="0"/>
+                </a:rPr>
+                <a:t>Driver, File Handles</a:t>
+              </a:r>
+              <a:endParaRPr lang="en-US" sz="1000" dirty="0">
                 <a:latin typeface="Times New Roman" panose="02020603050405020304" pitchFamily="18" charset="0"/>
                 <a:cs typeface="Times New Roman" panose="02020603050405020304" pitchFamily="18" charset="0"/>
-              </a:rPr>
-              <a:t>Ibmap</a:t>
-            </a:r>
-            <a:r>
-              <a:rPr lang="en-US" sz="1000" dirty="0" smtClean="0">
+              </a:endParaRPr>
+            </a:p>
+          </p:txBody>
+        </p:sp>
+        <p:cxnSp>
+          <p:nvCxnSpPr>
+            <p:cNvPr id="28" name="Straight Connector 27"/>
+            <p:cNvCxnSpPr>
+              <a:stCxn id="21" idx="1"/>
+              <a:endCxn id="13" idx="2"/>
+            </p:cNvCxnSpPr>
+            <p:nvPr/>
+          </p:nvCxnSpPr>
+          <p:spPr>
+            <a:xfrm flipV="1">
+              <a:off x="2468739" y="2787148"/>
+              <a:ext cx="13146" cy="1215866"/>
+            </a:xfrm>
+            <a:prstGeom prst="line">
+              <a:avLst/>
+            </a:prstGeom>
+            <a:ln w="9525">
+              <a:solidFill>
+                <a:schemeClr val="tx1"/>
+              </a:solidFill>
+              <a:prstDash val="dash"/>
+              <a:headEnd type="triangle" w="med" len="med"/>
+              <a:tailEnd type="triangle" w="med" len="med"/>
+            </a:ln>
+          </p:spPr>
+          <p:style>
+            <a:lnRef idx="1">
+              <a:schemeClr val="accent1"/>
+            </a:lnRef>
+            <a:fillRef idx="0">
+              <a:schemeClr val="accent1"/>
+            </a:fillRef>
+            <a:effectRef idx="0">
+              <a:schemeClr val="accent1"/>
+            </a:effectRef>
+            <a:fontRef idx="minor">
+              <a:schemeClr val="tx1"/>
+            </a:fontRef>
+          </p:style>
+        </p:cxnSp>
+        <p:cxnSp>
+          <p:nvCxnSpPr>
+            <p:cNvPr id="42" name="Straight Arrow Connector 41"/>
+            <p:cNvCxnSpPr>
+              <a:stCxn id="25" idx="2"/>
+            </p:cNvCxnSpPr>
+            <p:nvPr/>
+          </p:nvCxnSpPr>
+          <p:spPr>
+            <a:xfrm>
+              <a:off x="3384742" y="1633672"/>
+              <a:ext cx="0" cy="430465"/>
+            </a:xfrm>
+            <a:prstGeom prst="straightConnector1">
+              <a:avLst/>
+            </a:prstGeom>
+            <a:ln w="9525">
+              <a:solidFill>
+                <a:schemeClr val="tx1"/>
+              </a:solidFill>
+              <a:prstDash val="dash"/>
+              <a:headEnd type="triangle" w="med" len="med"/>
+              <a:tailEnd type="triangle" w="med" len="med"/>
+            </a:ln>
+          </p:spPr>
+          <p:style>
+            <a:lnRef idx="1">
+              <a:schemeClr val="accent1"/>
+            </a:lnRef>
+            <a:fillRef idx="0">
+              <a:schemeClr val="accent1"/>
+            </a:fillRef>
+            <a:effectRef idx="0">
+              <a:schemeClr val="accent1"/>
+            </a:effectRef>
+            <a:fontRef idx="minor">
+              <a:schemeClr val="tx1"/>
+            </a:fontRef>
+          </p:style>
+        </p:cxnSp>
+        <p:sp>
+          <p:nvSpPr>
+            <p:cNvPr id="43" name="Rectangle 42"/>
+            <p:cNvSpPr/>
+            <p:nvPr/>
+          </p:nvSpPr>
+          <p:spPr>
+            <a:xfrm>
+              <a:off x="3896060" y="2348524"/>
+              <a:ext cx="784946" cy="438625"/>
+            </a:xfrm>
+            <a:prstGeom prst="rect">
+              <a:avLst/>
+            </a:prstGeom>
+            <a:ln>
+              <a:prstDash val="dash"/>
+            </a:ln>
+          </p:spPr>
+          <p:style>
+            <a:lnRef idx="2">
+              <a:schemeClr val="accent2"/>
+            </a:lnRef>
+            <a:fillRef idx="1">
+              <a:schemeClr val="lt1"/>
+            </a:fillRef>
+            <a:effectRef idx="0">
+              <a:schemeClr val="accent2"/>
+            </a:effectRef>
+            <a:fontRef idx="minor">
+              <a:schemeClr val="dk1"/>
+            </a:fontRef>
+          </p:style>
+          <p:txBody>
+            <a:bodyPr rtlCol="0" anchor="ctr"/>
+            <a:lstStyle/>
+            <a:p>
+              <a:pPr algn="ctr"/>
+              <a:r>
+                <a:rPr lang="en-US" sz="1000" dirty="0" err="1" smtClean="0">
+                  <a:latin typeface="Times New Roman" panose="02020603050405020304" pitchFamily="18" charset="0"/>
+                  <a:cs typeface="Times New Roman" panose="02020603050405020304" pitchFamily="18" charset="0"/>
+                </a:rPr>
+                <a:t>Inode</a:t>
+              </a:r>
+              <a:r>
+                <a:rPr lang="en-US" sz="1000" dirty="0" smtClean="0">
+                  <a:latin typeface="Times New Roman" panose="02020603050405020304" pitchFamily="18" charset="0"/>
+                  <a:cs typeface="Times New Roman" panose="02020603050405020304" pitchFamily="18" charset="0"/>
+                </a:rPr>
+                <a:t> blocks</a:t>
+              </a:r>
+              <a:endParaRPr lang="en-US" sz="1000" dirty="0">
                 <a:latin typeface="Times New Roman" panose="02020603050405020304" pitchFamily="18" charset="0"/>
                 <a:cs typeface="Times New Roman" panose="02020603050405020304" pitchFamily="18" charset="0"/>
-              </a:rPr>
-              <a:t> blocks</a:t>
-            </a:r>
-            <a:endParaRPr lang="en-US" sz="1000" dirty="0">
-              <a:latin typeface="Times New Roman" panose="02020603050405020304" pitchFamily="18" charset="0"/>
-              <a:cs typeface="Times New Roman" panose="02020603050405020304" pitchFamily="18" charset="0"/>
-            </a:endParaRPr>
-          </a:p>
-        </p:txBody>
-      </p:sp>
-      <p:sp>
-        <p:nvSpPr>
-          <p:cNvPr id="25" name="Rectangle 24"/>
-          <p:cNvSpPr/>
-          <p:nvPr/>
-        </p:nvSpPr>
-        <p:spPr>
-          <a:xfrm>
-            <a:off x="1136127" y="2016124"/>
-            <a:ext cx="4121579" cy="287021"/>
-          </a:xfrm>
-          <a:prstGeom prst="rect">
-            <a:avLst/>
-          </a:prstGeom>
-        </p:spPr>
-        <p:style>
-          <a:lnRef idx="2">
-            <a:schemeClr val="accent2"/>
-          </a:lnRef>
-          <a:fillRef idx="1">
-            <a:schemeClr val="lt1"/>
-          </a:fillRef>
-          <a:effectRef idx="0">
-            <a:schemeClr val="accent2"/>
-          </a:effectRef>
-          <a:fontRef idx="minor">
-            <a:schemeClr val="dk1"/>
-          </a:fontRef>
-        </p:style>
-        <p:txBody>
-          <a:bodyPr rtlCol="0" anchor="ctr"/>
-          <a:lstStyle/>
-          <a:p>
-            <a:pPr algn="ctr"/>
-            <a:r>
-              <a:rPr lang="en-US" sz="1000" dirty="0" smtClean="0">
+              </a:endParaRPr>
+            </a:p>
+          </p:txBody>
+        </p:sp>
+        <p:sp>
+          <p:nvSpPr>
+            <p:cNvPr id="63" name="Rounded Rectangle 62"/>
+            <p:cNvSpPr/>
+            <p:nvPr/>
+          </p:nvSpPr>
+          <p:spPr>
+            <a:xfrm>
+              <a:off x="1109908" y="4065021"/>
+              <a:ext cx="914400" cy="395533"/>
+            </a:xfrm>
+            <a:prstGeom prst="roundRect">
+              <a:avLst>
+                <a:gd name="adj" fmla="val 7702"/>
+              </a:avLst>
+            </a:prstGeom>
+          </p:spPr>
+          <p:style>
+            <a:lnRef idx="1">
+              <a:schemeClr val="accent2"/>
+            </a:lnRef>
+            <a:fillRef idx="2">
+              <a:schemeClr val="accent2"/>
+            </a:fillRef>
+            <a:effectRef idx="1">
+              <a:schemeClr val="accent2"/>
+            </a:effectRef>
+            <a:fontRef idx="minor">
+              <a:schemeClr val="dk1"/>
+            </a:fontRef>
+          </p:style>
+          <p:txBody>
+            <a:bodyPr rtlCol="0" anchor="ctr"/>
+            <a:lstStyle/>
+            <a:p>
+              <a:pPr algn="ctr"/>
+              <a:r>
+                <a:rPr lang="en-US" sz="1000" dirty="0">
+                  <a:solidFill>
+                    <a:schemeClr val="dk1"/>
+                  </a:solidFill>
+                  <a:latin typeface="Times New Roman" panose="02020603050405020304" pitchFamily="18" charset="0"/>
+                  <a:cs typeface="Times New Roman" panose="02020603050405020304" pitchFamily="18" charset="0"/>
+                </a:rPr>
+                <a:t>pub-sub channels</a:t>
+              </a:r>
+            </a:p>
+          </p:txBody>
+        </p:sp>
+        <p:cxnSp>
+          <p:nvCxnSpPr>
+            <p:cNvPr id="65" name="Straight Arrow Connector 64"/>
+            <p:cNvCxnSpPr>
+              <a:stCxn id="33" idx="2"/>
+              <a:endCxn id="63" idx="0"/>
+            </p:cNvCxnSpPr>
+            <p:nvPr/>
+          </p:nvCxnSpPr>
+          <p:spPr>
+            <a:xfrm flipH="1">
+              <a:off x="1567108" y="2889132"/>
+              <a:ext cx="1" cy="1175889"/>
+            </a:xfrm>
+            <a:prstGeom prst="straightConnector1">
+              <a:avLst/>
+            </a:prstGeom>
+            <a:ln w="9525">
+              <a:solidFill>
+                <a:schemeClr val="tx1"/>
+              </a:solidFill>
+              <a:prstDash val="dash"/>
+              <a:headEnd type="triangle" w="med" len="med"/>
+              <a:tailEnd type="triangle" w="med" len="med"/>
+            </a:ln>
+          </p:spPr>
+          <p:style>
+            <a:lnRef idx="1">
+              <a:schemeClr val="accent1"/>
+            </a:lnRef>
+            <a:fillRef idx="0">
+              <a:schemeClr val="accent1"/>
+            </a:fillRef>
+            <a:effectRef idx="0">
+              <a:schemeClr val="accent1"/>
+            </a:effectRef>
+            <a:fontRef idx="minor">
+              <a:schemeClr val="tx1"/>
+            </a:fontRef>
+          </p:style>
+        </p:cxnSp>
+        <p:sp>
+          <p:nvSpPr>
+            <p:cNvPr id="33" name="Rectangle 32"/>
+            <p:cNvSpPr/>
+            <p:nvPr/>
+          </p:nvSpPr>
+          <p:spPr>
+            <a:xfrm>
+              <a:off x="1178462" y="2279390"/>
+              <a:ext cx="777293" cy="609742"/>
+            </a:xfrm>
+            <a:prstGeom prst="rect">
+              <a:avLst/>
+            </a:prstGeom>
+          </p:spPr>
+          <p:style>
+            <a:lnRef idx="2">
+              <a:schemeClr val="accent2"/>
+            </a:lnRef>
+            <a:fillRef idx="1">
+              <a:schemeClr val="lt1"/>
+            </a:fillRef>
+            <a:effectRef idx="0">
+              <a:schemeClr val="accent2"/>
+            </a:effectRef>
+            <a:fontRef idx="minor">
+              <a:schemeClr val="dk1"/>
+            </a:fontRef>
+          </p:style>
+          <p:txBody>
+            <a:bodyPr rtlCol="0" anchor="ctr"/>
+            <a:lstStyle/>
+            <a:p>
+              <a:pPr algn="ctr"/>
+              <a:r>
+                <a:rPr lang="en-US" sz="1000" dirty="0" smtClean="0">
+                  <a:latin typeface="Times New Roman" panose="02020603050405020304" pitchFamily="18" charset="0"/>
+                  <a:cs typeface="Times New Roman" panose="02020603050405020304" pitchFamily="18" charset="0"/>
+                </a:rPr>
+                <a:t>Remote segments buffer</a:t>
+              </a:r>
+              <a:endParaRPr lang="en-US" sz="1000" dirty="0">
                 <a:latin typeface="Times New Roman" panose="02020603050405020304" pitchFamily="18" charset="0"/>
                 <a:cs typeface="Times New Roman" panose="02020603050405020304" pitchFamily="18" charset="0"/>
-              </a:rPr>
-              <a:t>Driver, File Handles</a:t>
-            </a:r>
-            <a:endParaRPr lang="en-US" sz="1000" dirty="0">
-              <a:latin typeface="Times New Roman" panose="02020603050405020304" pitchFamily="18" charset="0"/>
-              <a:cs typeface="Times New Roman" panose="02020603050405020304" pitchFamily="18" charset="0"/>
-            </a:endParaRPr>
-          </a:p>
-        </p:txBody>
-      </p:sp>
-      <p:cxnSp>
-        <p:nvCxnSpPr>
-          <p:cNvPr id="28" name="Straight Connector 27"/>
-          <p:cNvCxnSpPr>
-            <a:stCxn id="21" idx="1"/>
-            <a:endCxn id="13" idx="2"/>
-          </p:cNvCxnSpPr>
-          <p:nvPr/>
-        </p:nvCxnSpPr>
-        <p:spPr>
-          <a:xfrm flipV="1">
-            <a:off x="1627460" y="3588232"/>
-            <a:ext cx="0" cy="366280"/>
-          </a:xfrm>
-          <a:prstGeom prst="line">
-            <a:avLst/>
-          </a:prstGeom>
-          <a:ln w="9525">
+              </a:endParaRPr>
+            </a:p>
+          </p:txBody>
+        </p:sp>
+        <p:sp>
+          <p:nvSpPr>
+            <p:cNvPr id="113" name="Rectangle 112"/>
+            <p:cNvSpPr/>
+            <p:nvPr/>
+          </p:nvSpPr>
+          <p:spPr>
+            <a:xfrm>
+              <a:off x="2048982" y="2064137"/>
+              <a:ext cx="3584375" cy="828505"/>
+            </a:xfrm>
+            <a:prstGeom prst="rect">
+              <a:avLst/>
+            </a:prstGeom>
+            <a:noFill/>
+          </p:spPr>
+          <p:style>
+            <a:lnRef idx="2">
+              <a:schemeClr val="accent2"/>
+            </a:lnRef>
+            <a:fillRef idx="1">
+              <a:schemeClr val="lt1"/>
+            </a:fillRef>
+            <a:effectRef idx="0">
+              <a:schemeClr val="accent2"/>
+            </a:effectRef>
+            <a:fontRef idx="minor">
+              <a:schemeClr val="dk1"/>
+            </a:fontRef>
+          </p:style>
+          <p:txBody>
+            <a:bodyPr rtlCol="0" anchor="t" anchorCtr="0"/>
+            <a:lstStyle/>
+            <a:p>
+              <a:pPr algn="ctr"/>
+              <a:r>
+                <a:rPr lang="en-US" sz="1000" dirty="0">
+                  <a:solidFill>
+                    <a:schemeClr val="dk1"/>
+                  </a:solidFill>
+                  <a:latin typeface="Times New Roman" panose="02020603050405020304" pitchFamily="18" charset="0"/>
+                  <a:cs typeface="Times New Roman" panose="02020603050405020304" pitchFamily="18" charset="0"/>
+                </a:rPr>
+                <a:t>Unified LRU Cache</a:t>
+              </a:r>
+            </a:p>
+          </p:txBody>
+        </p:sp>
+        <p:cxnSp>
+          <p:nvCxnSpPr>
+            <p:cNvPr id="122" name="Straight Arrow Connector 121"/>
+            <p:cNvCxnSpPr/>
+            <p:nvPr/>
+          </p:nvCxnSpPr>
+          <p:spPr>
+            <a:xfrm>
+              <a:off x="1567108" y="1633672"/>
+              <a:ext cx="0" cy="645718"/>
+            </a:xfrm>
+            <a:prstGeom prst="straightConnector1">
+              <a:avLst/>
+            </a:prstGeom>
+            <a:ln w="9525">
+              <a:solidFill>
+                <a:schemeClr val="tx1"/>
+              </a:solidFill>
+              <a:prstDash val="dash"/>
+              <a:headEnd type="triangle" w="med" len="med"/>
+              <a:tailEnd type="triangle" w="med" len="med"/>
+            </a:ln>
+          </p:spPr>
+          <p:style>
+            <a:lnRef idx="1">
+              <a:schemeClr val="accent1"/>
+            </a:lnRef>
+            <a:fillRef idx="0">
+              <a:schemeClr val="accent1"/>
+            </a:fillRef>
+            <a:effectRef idx="0">
+              <a:schemeClr val="accent1"/>
+            </a:effectRef>
+            <a:fontRef idx="minor">
+              <a:schemeClr val="tx1"/>
+            </a:fontRef>
+          </p:style>
+        </p:cxnSp>
+        <p:sp>
+          <p:nvSpPr>
+            <p:cNvPr id="126" name="Rectangle 125"/>
+            <p:cNvSpPr/>
+            <p:nvPr/>
+          </p:nvSpPr>
+          <p:spPr>
+            <a:xfrm>
+              <a:off x="4401953" y="3307415"/>
+              <a:ext cx="1215785" cy="389880"/>
+            </a:xfrm>
+            <a:prstGeom prst="rect">
+              <a:avLst/>
+            </a:prstGeom>
             <a:solidFill>
-              <a:schemeClr val="tx1"/>
+              <a:schemeClr val="bg1"/>
             </a:solidFill>
-            <a:prstDash val="dash"/>
-            <a:headEnd type="triangle" w="med" len="med"/>
-            <a:tailEnd type="triangle" w="med" len="med"/>
-          </a:ln>
-        </p:spPr>
-        <p:style>
-          <a:lnRef idx="1">
-            <a:schemeClr val="accent1"/>
-          </a:lnRef>
-          <a:fillRef idx="0">
-            <a:schemeClr val="accent1"/>
-          </a:fillRef>
-          <a:effectRef idx="0">
-            <a:schemeClr val="accent1"/>
-          </a:effectRef>
-          <a:fontRef idx="minor">
-            <a:schemeClr val="tx1"/>
-          </a:fontRef>
-        </p:style>
-      </p:cxnSp>
-      <p:cxnSp>
-        <p:nvCxnSpPr>
-          <p:cNvPr id="30" name="Straight Connector 29"/>
-          <p:cNvCxnSpPr>
-            <a:stCxn id="19" idx="2"/>
-            <a:endCxn id="23" idx="1"/>
-          </p:cNvCxnSpPr>
-          <p:nvPr/>
-        </p:nvCxnSpPr>
-        <p:spPr>
-          <a:xfrm>
-            <a:off x="2702506" y="3588232"/>
-            <a:ext cx="2076896" cy="366280"/>
-          </a:xfrm>
-          <a:prstGeom prst="line">
-            <a:avLst/>
-          </a:prstGeom>
-          <a:ln w="9525">
-            <a:solidFill>
-              <a:schemeClr val="tx1"/>
-            </a:solidFill>
-            <a:prstDash val="dash"/>
-            <a:headEnd type="triangle" w="med" len="med"/>
-            <a:tailEnd type="triangle" w="med" len="med"/>
-          </a:ln>
-        </p:spPr>
-        <p:style>
-          <a:lnRef idx="1">
-            <a:schemeClr val="accent1"/>
-          </a:lnRef>
-          <a:fillRef idx="0">
-            <a:schemeClr val="accent1"/>
-          </a:fillRef>
-          <a:effectRef idx="0">
-            <a:schemeClr val="accent1"/>
-          </a:effectRef>
-          <a:fontRef idx="minor">
-            <a:schemeClr val="tx1"/>
-          </a:fontRef>
-        </p:style>
-      </p:cxnSp>
-      <p:cxnSp>
-        <p:nvCxnSpPr>
-          <p:cNvPr id="34" name="Straight Connector 33"/>
-          <p:cNvCxnSpPr>
-            <a:stCxn id="43" idx="2"/>
-            <a:endCxn id="23" idx="1"/>
-          </p:cNvCxnSpPr>
-          <p:nvPr/>
-        </p:nvCxnSpPr>
-        <p:spPr>
-          <a:xfrm>
-            <a:off x="3762389" y="3588232"/>
-            <a:ext cx="1017013" cy="366280"/>
-          </a:xfrm>
-          <a:prstGeom prst="line">
-            <a:avLst/>
-          </a:prstGeom>
-          <a:ln w="9525">
-            <a:solidFill>
-              <a:schemeClr val="tx1"/>
-            </a:solidFill>
-            <a:prstDash val="dash"/>
-            <a:headEnd type="triangle" w="med" len="med"/>
-            <a:tailEnd type="triangle" w="med" len="med"/>
-          </a:ln>
-        </p:spPr>
-        <p:style>
-          <a:lnRef idx="1">
-            <a:schemeClr val="accent1"/>
-          </a:lnRef>
-          <a:fillRef idx="0">
-            <a:schemeClr val="accent1"/>
-          </a:fillRef>
-          <a:effectRef idx="0">
-            <a:schemeClr val="accent1"/>
-          </a:effectRef>
-          <a:fontRef idx="minor">
-            <a:schemeClr val="tx1"/>
-          </a:fontRef>
-        </p:style>
-      </p:cxnSp>
-      <p:cxnSp>
-        <p:nvCxnSpPr>
-          <p:cNvPr id="38" name="Straight Connector 37"/>
-          <p:cNvCxnSpPr>
-            <a:stCxn id="18" idx="2"/>
-            <a:endCxn id="22" idx="1"/>
-          </p:cNvCxnSpPr>
-          <p:nvPr/>
-        </p:nvCxnSpPr>
-        <p:spPr>
-          <a:xfrm flipH="1">
-            <a:off x="3742492" y="3588232"/>
-            <a:ext cx="1061280" cy="366280"/>
-          </a:xfrm>
-          <a:prstGeom prst="line">
-            <a:avLst/>
-          </a:prstGeom>
-          <a:ln w="9525">
-            <a:solidFill>
-              <a:schemeClr val="tx1"/>
-            </a:solidFill>
-            <a:prstDash val="dash"/>
-            <a:headEnd type="triangle" w="med" len="med"/>
-            <a:tailEnd type="triangle" w="med" len="med"/>
-          </a:ln>
-        </p:spPr>
-        <p:style>
-          <a:lnRef idx="1">
-            <a:schemeClr val="accent1"/>
-          </a:lnRef>
-          <a:fillRef idx="0">
-            <a:schemeClr val="accent1"/>
-          </a:fillRef>
-          <a:effectRef idx="0">
-            <a:schemeClr val="accent1"/>
-          </a:effectRef>
-          <a:fontRef idx="minor">
-            <a:schemeClr val="tx1"/>
-          </a:fontRef>
-        </p:style>
-      </p:cxnSp>
-      <p:cxnSp>
-        <p:nvCxnSpPr>
-          <p:cNvPr id="40" name="Straight Connector 39"/>
-          <p:cNvCxnSpPr>
-            <a:stCxn id="18" idx="2"/>
-            <a:endCxn id="23" idx="1"/>
-          </p:cNvCxnSpPr>
-          <p:nvPr/>
-        </p:nvCxnSpPr>
-        <p:spPr>
-          <a:xfrm flipH="1">
-            <a:off x="4779402" y="3588232"/>
-            <a:ext cx="24370" cy="366280"/>
-          </a:xfrm>
-          <a:prstGeom prst="line">
-            <a:avLst/>
-          </a:prstGeom>
-          <a:ln w="9525">
-            <a:solidFill>
-              <a:schemeClr val="tx1"/>
-            </a:solidFill>
-            <a:prstDash val="dash"/>
-            <a:headEnd type="triangle" w="med" len="med"/>
-            <a:tailEnd type="triangle" w="med" len="med"/>
-          </a:ln>
-        </p:spPr>
-        <p:style>
-          <a:lnRef idx="1">
-            <a:schemeClr val="accent1"/>
-          </a:lnRef>
-          <a:fillRef idx="0">
-            <a:schemeClr val="accent1"/>
-          </a:fillRef>
-          <a:effectRef idx="0">
-            <a:schemeClr val="accent1"/>
-          </a:effectRef>
-          <a:fontRef idx="minor">
-            <a:schemeClr val="tx1"/>
-          </a:fontRef>
-        </p:style>
-      </p:cxnSp>
-      <p:cxnSp>
-        <p:nvCxnSpPr>
-          <p:cNvPr id="42" name="Straight Arrow Connector 41"/>
-          <p:cNvCxnSpPr>
-            <a:stCxn id="25" idx="2"/>
-            <a:endCxn id="20" idx="0"/>
-          </p:cNvCxnSpPr>
-          <p:nvPr/>
-        </p:nvCxnSpPr>
-        <p:spPr>
-          <a:xfrm>
-            <a:off x="3196917" y="2303145"/>
-            <a:ext cx="0" cy="491012"/>
-          </a:xfrm>
-          <a:prstGeom prst="straightConnector1">
-            <a:avLst/>
-          </a:prstGeom>
-          <a:ln w="9525">
-            <a:solidFill>
-              <a:schemeClr val="tx1"/>
-            </a:solidFill>
-            <a:prstDash val="dash"/>
-            <a:headEnd type="triangle" w="med" len="med"/>
-            <a:tailEnd type="triangle" w="med" len="med"/>
-          </a:ln>
-        </p:spPr>
-        <p:style>
-          <a:lnRef idx="1">
-            <a:schemeClr val="accent1"/>
-          </a:lnRef>
-          <a:fillRef idx="0">
-            <a:schemeClr val="accent1"/>
-          </a:fillRef>
-          <a:effectRef idx="0">
-            <a:schemeClr val="accent1"/>
-          </a:effectRef>
-          <a:fontRef idx="minor">
-            <a:schemeClr val="tx1"/>
-          </a:fontRef>
-        </p:style>
-      </p:cxnSp>
-      <p:sp>
-        <p:nvSpPr>
-          <p:cNvPr id="43" name="Rectangle 42"/>
-          <p:cNvSpPr/>
-          <p:nvPr/>
-        </p:nvSpPr>
-        <p:spPr>
-          <a:xfrm>
-            <a:off x="3286220" y="3149607"/>
-            <a:ext cx="952337" cy="438625"/>
-          </a:xfrm>
-          <a:prstGeom prst="rect">
-            <a:avLst/>
-          </a:prstGeom>
-        </p:spPr>
-        <p:style>
-          <a:lnRef idx="2">
-            <a:schemeClr val="accent2"/>
-          </a:lnRef>
-          <a:fillRef idx="1">
-            <a:schemeClr val="lt1"/>
-          </a:fillRef>
-          <a:effectRef idx="0">
-            <a:schemeClr val="accent2"/>
-          </a:effectRef>
-          <a:fontRef idx="minor">
-            <a:schemeClr val="dk1"/>
-          </a:fontRef>
-        </p:style>
-        <p:txBody>
-          <a:bodyPr rtlCol="0" anchor="ctr"/>
-          <a:lstStyle/>
-          <a:p>
-            <a:pPr algn="ctr"/>
-            <a:r>
-              <a:rPr lang="en-US" sz="1000" dirty="0" err="1" smtClean="0">
-                <a:latin typeface="Times New Roman" panose="02020603050405020304" pitchFamily="18" charset="0"/>
-                <a:cs typeface="Times New Roman" panose="02020603050405020304" pitchFamily="18" charset="0"/>
-              </a:rPr>
-              <a:t>Inode</a:t>
-            </a:r>
-            <a:r>
-              <a:rPr lang="en-US" sz="1000" dirty="0" smtClean="0">
-                <a:latin typeface="Times New Roman" panose="02020603050405020304" pitchFamily="18" charset="0"/>
-                <a:cs typeface="Times New Roman" panose="02020603050405020304" pitchFamily="18" charset="0"/>
-              </a:rPr>
-              <a:t> blocks</a:t>
-            </a:r>
-            <a:endParaRPr lang="en-US" sz="1000" dirty="0">
-              <a:latin typeface="Times New Roman" panose="02020603050405020304" pitchFamily="18" charset="0"/>
-              <a:cs typeface="Times New Roman" panose="02020603050405020304" pitchFamily="18" charset="0"/>
-            </a:endParaRPr>
-          </a:p>
-        </p:txBody>
-      </p:sp>
-      <p:cxnSp>
-        <p:nvCxnSpPr>
-          <p:cNvPr id="27" name="Straight Arrow Connector 26"/>
-          <p:cNvCxnSpPr>
-            <a:stCxn id="19" idx="2"/>
-            <a:endCxn id="22" idx="1"/>
-          </p:cNvCxnSpPr>
-          <p:nvPr/>
-        </p:nvCxnSpPr>
-        <p:spPr>
-          <a:xfrm>
-            <a:off x="2702506" y="3588232"/>
-            <a:ext cx="1039986" cy="366280"/>
-          </a:xfrm>
-          <a:prstGeom prst="straightConnector1">
-            <a:avLst/>
-          </a:prstGeom>
-          <a:ln w="9525">
-            <a:solidFill>
-              <a:schemeClr val="tx1"/>
-            </a:solidFill>
-            <a:prstDash val="dash"/>
-            <a:headEnd type="triangle" w="med" len="med"/>
-            <a:tailEnd type="triangle" w="med" len="med"/>
-          </a:ln>
-        </p:spPr>
-        <p:style>
-          <a:lnRef idx="1">
-            <a:schemeClr val="accent1"/>
-          </a:lnRef>
-          <a:fillRef idx="0">
-            <a:schemeClr val="accent1"/>
-          </a:fillRef>
-          <a:effectRef idx="0">
-            <a:schemeClr val="accent1"/>
-          </a:effectRef>
-          <a:fontRef idx="minor">
-            <a:schemeClr val="tx1"/>
-          </a:fontRef>
-        </p:style>
-      </p:cxnSp>
-      <p:cxnSp>
-        <p:nvCxnSpPr>
-          <p:cNvPr id="35" name="Straight Arrow Connector 34"/>
-          <p:cNvCxnSpPr>
-            <a:stCxn id="43" idx="2"/>
-            <a:endCxn id="22" idx="1"/>
-          </p:cNvCxnSpPr>
-          <p:nvPr/>
-        </p:nvCxnSpPr>
-        <p:spPr>
-          <a:xfrm flipH="1">
-            <a:off x="3742492" y="3588232"/>
-            <a:ext cx="19897" cy="366280"/>
-          </a:xfrm>
-          <a:prstGeom prst="straightConnector1">
-            <a:avLst/>
-          </a:prstGeom>
-          <a:ln w="9525">
-            <a:solidFill>
-              <a:schemeClr val="tx1"/>
-            </a:solidFill>
-            <a:prstDash val="dash"/>
-            <a:headEnd type="triangle" w="med" len="med"/>
-            <a:tailEnd type="triangle" w="med" len="med"/>
-          </a:ln>
-        </p:spPr>
-        <p:style>
-          <a:lnRef idx="1">
-            <a:schemeClr val="accent1"/>
-          </a:lnRef>
-          <a:fillRef idx="0">
-            <a:schemeClr val="accent1"/>
-          </a:fillRef>
-          <a:effectRef idx="0">
-            <a:schemeClr val="accent1"/>
-          </a:effectRef>
-          <a:fontRef idx="minor">
-            <a:schemeClr val="tx1"/>
-          </a:fontRef>
-        </p:style>
-      </p:cxnSp>
-      <p:sp>
-        <p:nvSpPr>
-          <p:cNvPr id="63" name="Rounded Rectangle 62"/>
-          <p:cNvSpPr/>
-          <p:nvPr/>
-        </p:nvSpPr>
-        <p:spPr>
-          <a:xfrm>
-            <a:off x="2227776" y="3999710"/>
-            <a:ext cx="914400" cy="395533"/>
-          </a:xfrm>
-          <a:prstGeom prst="roundRect">
-            <a:avLst>
-              <a:gd name="adj" fmla="val 7702"/>
-            </a:avLst>
-          </a:prstGeom>
-        </p:spPr>
-        <p:style>
-          <a:lnRef idx="1">
-            <a:schemeClr val="accent2"/>
-          </a:lnRef>
-          <a:fillRef idx="2">
-            <a:schemeClr val="accent2"/>
-          </a:fillRef>
-          <a:effectRef idx="1">
-            <a:schemeClr val="accent2"/>
-          </a:effectRef>
-          <a:fontRef idx="minor">
-            <a:schemeClr val="dk1"/>
-          </a:fontRef>
-        </p:style>
-        <p:txBody>
-          <a:bodyPr rtlCol="0" anchor="ctr"/>
-          <a:lstStyle/>
-          <a:p>
-            <a:pPr algn="ctr"/>
-            <a:r>
-              <a:rPr lang="en-US" sz="1000" dirty="0">
+          </p:spPr>
+          <p:style>
+            <a:lnRef idx="2">
+              <a:schemeClr val="accent2"/>
+            </a:lnRef>
+            <a:fillRef idx="1">
+              <a:schemeClr val="lt1"/>
+            </a:fillRef>
+            <a:effectRef idx="0">
+              <a:schemeClr val="accent2"/>
+            </a:effectRef>
+            <a:fontRef idx="minor">
+              <a:schemeClr val="dk1"/>
+            </a:fontRef>
+          </p:style>
+          <p:txBody>
+            <a:bodyPr rtlCol="0" anchor="t" anchorCtr="0"/>
+            <a:lstStyle/>
+            <a:p>
+              <a:pPr algn="ctr"/>
+              <a:r>
+                <a:rPr lang="en-US" sz="1000" dirty="0" smtClean="0">
+                  <a:solidFill>
+                    <a:schemeClr val="dk1"/>
+                  </a:solidFill>
+                  <a:latin typeface="Times New Roman" panose="02020603050405020304" pitchFamily="18" charset="0"/>
+                  <a:cs typeface="Times New Roman" panose="02020603050405020304" pitchFamily="18" charset="0"/>
+                </a:rPr>
+                <a:t>Global Sync Processor</a:t>
+              </a:r>
+              <a:endParaRPr lang="en-US" sz="1000" dirty="0">
                 <a:solidFill>
                   <a:schemeClr val="dk1"/>
                 </a:solidFill>
                 <a:latin typeface="Times New Roman" panose="02020603050405020304" pitchFamily="18" charset="0"/>
                 <a:cs typeface="Times New Roman" panose="02020603050405020304" pitchFamily="18" charset="0"/>
-              </a:rPr>
-              <a:t>pub-sub channels</a:t>
-            </a:r>
-          </a:p>
-        </p:txBody>
-      </p:sp>
-      <p:cxnSp>
-        <p:nvCxnSpPr>
-          <p:cNvPr id="65" name="Straight Arrow Connector 64"/>
-          <p:cNvCxnSpPr>
-            <a:stCxn id="19" idx="2"/>
-            <a:endCxn id="63" idx="0"/>
-          </p:cNvCxnSpPr>
-          <p:nvPr/>
-        </p:nvCxnSpPr>
-        <p:spPr>
-          <a:xfrm flipH="1">
-            <a:off x="2684976" y="3588232"/>
-            <a:ext cx="17530" cy="411478"/>
-          </a:xfrm>
-          <a:prstGeom prst="straightConnector1">
-            <a:avLst/>
-          </a:prstGeom>
-          <a:ln w="9525">
+              </a:endParaRPr>
+            </a:p>
+          </p:txBody>
+        </p:sp>
+        <p:cxnSp>
+          <p:nvCxnSpPr>
+            <p:cNvPr id="131" name="Straight Connector 130"/>
+            <p:cNvCxnSpPr>
+              <a:stCxn id="127" idx="3"/>
+              <a:endCxn id="126" idx="1"/>
+            </p:cNvCxnSpPr>
+            <p:nvPr/>
+          </p:nvCxnSpPr>
+          <p:spPr>
+            <a:xfrm>
+              <a:off x="4043815" y="3502355"/>
+              <a:ext cx="358138" cy="0"/>
+            </a:xfrm>
+            <a:prstGeom prst="line">
+              <a:avLst/>
+            </a:prstGeom>
+            <a:ln w="9525">
+              <a:solidFill>
+                <a:schemeClr val="tx1"/>
+              </a:solidFill>
+              <a:prstDash val="dash"/>
+              <a:headEnd type="triangle" w="med" len="med"/>
+              <a:tailEnd type="triangle" w="med" len="med"/>
+            </a:ln>
+          </p:spPr>
+          <p:style>
+            <a:lnRef idx="1">
+              <a:schemeClr val="accent1"/>
+            </a:lnRef>
+            <a:fillRef idx="0">
+              <a:schemeClr val="accent1"/>
+            </a:fillRef>
+            <a:effectRef idx="0">
+              <a:schemeClr val="accent1"/>
+            </a:effectRef>
+            <a:fontRef idx="minor">
+              <a:schemeClr val="tx1"/>
+            </a:fontRef>
+          </p:style>
+        </p:cxnSp>
+        <p:cxnSp>
+          <p:nvCxnSpPr>
+            <p:cNvPr id="139" name="Straight Connector 138"/>
+            <p:cNvCxnSpPr>
+              <a:stCxn id="127" idx="0"/>
+            </p:cNvCxnSpPr>
+            <p:nvPr/>
+          </p:nvCxnSpPr>
+          <p:spPr>
+            <a:xfrm flipV="1">
+              <a:off x="3435923" y="2889132"/>
+              <a:ext cx="0" cy="418283"/>
+            </a:xfrm>
+            <a:prstGeom prst="line">
+              <a:avLst/>
+            </a:prstGeom>
+            <a:ln w="9525">
+              <a:solidFill>
+                <a:schemeClr val="tx1"/>
+              </a:solidFill>
+              <a:prstDash val="dash"/>
+              <a:headEnd type="triangle" w="med" len="med"/>
+              <a:tailEnd type="triangle" w="med" len="med"/>
+            </a:ln>
+          </p:spPr>
+          <p:style>
+            <a:lnRef idx="1">
+              <a:schemeClr val="accent1"/>
+            </a:lnRef>
+            <a:fillRef idx="0">
+              <a:schemeClr val="accent1"/>
+            </a:fillRef>
+            <a:effectRef idx="0">
+              <a:schemeClr val="accent1"/>
+            </a:effectRef>
+            <a:fontRef idx="minor">
+              <a:schemeClr val="tx1"/>
+            </a:fontRef>
+          </p:style>
+        </p:cxnSp>
+        <p:cxnSp>
+          <p:nvCxnSpPr>
+            <p:cNvPr id="143" name="Straight Connector 142"/>
+            <p:cNvCxnSpPr>
+              <a:stCxn id="126" idx="0"/>
+            </p:cNvCxnSpPr>
+            <p:nvPr/>
+          </p:nvCxnSpPr>
+          <p:spPr>
+            <a:xfrm flipH="1" flipV="1">
+              <a:off x="5009845" y="2889132"/>
+              <a:ext cx="1" cy="418283"/>
+            </a:xfrm>
+            <a:prstGeom prst="line">
+              <a:avLst/>
+            </a:prstGeom>
+            <a:ln w="9525">
+              <a:solidFill>
+                <a:schemeClr val="tx1"/>
+              </a:solidFill>
+              <a:prstDash val="dash"/>
+              <a:headEnd type="none" w="med" len="med"/>
+              <a:tailEnd type="triangle" w="med" len="med"/>
+            </a:ln>
+          </p:spPr>
+          <p:style>
+            <a:lnRef idx="1">
+              <a:schemeClr val="accent1"/>
+            </a:lnRef>
+            <a:fillRef idx="0">
+              <a:schemeClr val="accent1"/>
+            </a:fillRef>
+            <a:effectRef idx="0">
+              <a:schemeClr val="accent1"/>
+            </a:effectRef>
+            <a:fontRef idx="minor">
+              <a:schemeClr val="tx1"/>
+            </a:fontRef>
+          </p:style>
+        </p:cxnSp>
+        <p:cxnSp>
+          <p:nvCxnSpPr>
+            <p:cNvPr id="145" name="Straight Connector 144"/>
+            <p:cNvCxnSpPr>
+              <a:stCxn id="126" idx="2"/>
+              <a:endCxn id="23" idx="1"/>
+            </p:cNvCxnSpPr>
+            <p:nvPr/>
+          </p:nvCxnSpPr>
+          <p:spPr>
+            <a:xfrm flipH="1">
+              <a:off x="5009845" y="3697295"/>
+              <a:ext cx="1" cy="305719"/>
+            </a:xfrm>
+            <a:prstGeom prst="line">
+              <a:avLst/>
+            </a:prstGeom>
+            <a:ln w="9525">
+              <a:solidFill>
+                <a:schemeClr val="tx1"/>
+              </a:solidFill>
+              <a:prstDash val="dash"/>
+              <a:headEnd type="triangle" w="med" len="med"/>
+              <a:tailEnd type="triangle" w="med" len="med"/>
+            </a:ln>
+          </p:spPr>
+          <p:style>
+            <a:lnRef idx="1">
+              <a:schemeClr val="accent1"/>
+            </a:lnRef>
+            <a:fillRef idx="0">
+              <a:schemeClr val="accent1"/>
+            </a:fillRef>
+            <a:effectRef idx="0">
+              <a:schemeClr val="accent1"/>
+            </a:effectRef>
+            <a:fontRef idx="minor">
+              <a:schemeClr val="tx1"/>
+            </a:fontRef>
+          </p:style>
+        </p:cxnSp>
+        <p:cxnSp>
+          <p:nvCxnSpPr>
+            <p:cNvPr id="150" name="Straight Connector 149"/>
+            <p:cNvCxnSpPr>
+              <a:stCxn id="22" idx="1"/>
+            </p:cNvCxnSpPr>
+            <p:nvPr/>
+          </p:nvCxnSpPr>
+          <p:spPr>
+            <a:xfrm flipV="1">
+              <a:off x="3435922" y="3697295"/>
+              <a:ext cx="0" cy="322528"/>
+            </a:xfrm>
+            <a:prstGeom prst="line">
+              <a:avLst/>
+            </a:prstGeom>
+            <a:ln w="9525">
+              <a:solidFill>
+                <a:schemeClr val="tx1"/>
+              </a:solidFill>
+              <a:prstDash val="dash"/>
+              <a:headEnd type="triangle" w="med" len="med"/>
+              <a:tailEnd type="triangle" w="med" len="med"/>
+            </a:ln>
+          </p:spPr>
+          <p:style>
+            <a:lnRef idx="1">
+              <a:schemeClr val="accent1"/>
+            </a:lnRef>
+            <a:fillRef idx="0">
+              <a:schemeClr val="accent1"/>
+            </a:fillRef>
+            <a:effectRef idx="0">
+              <a:schemeClr val="accent1"/>
+            </a:effectRef>
+            <a:fontRef idx="minor">
+              <a:schemeClr val="tx1"/>
+            </a:fontRef>
+          </p:style>
+        </p:cxnSp>
+        <p:sp>
+          <p:nvSpPr>
+            <p:cNvPr id="156" name="Rounded Rectangle 155"/>
+            <p:cNvSpPr/>
+            <p:nvPr/>
+          </p:nvSpPr>
+          <p:spPr>
+            <a:xfrm>
+              <a:off x="1418326" y="3579609"/>
+              <a:ext cx="1097799" cy="260378"/>
+            </a:xfrm>
+            <a:prstGeom prst="roundRect">
+              <a:avLst/>
+            </a:prstGeom>
+          </p:spPr>
+          <p:style>
+            <a:lnRef idx="2">
+              <a:schemeClr val="dk1"/>
+            </a:lnRef>
+            <a:fillRef idx="1">
+              <a:schemeClr val="lt1"/>
+            </a:fillRef>
+            <a:effectRef idx="0">
+              <a:schemeClr val="dk1"/>
+            </a:effectRef>
+            <a:fontRef idx="minor">
+              <a:schemeClr val="dk1"/>
+            </a:fontRef>
+          </p:style>
+          <p:txBody>
+            <a:bodyPr rtlCol="0" anchor="ctr"/>
+            <a:lstStyle/>
+            <a:p>
+              <a:pPr algn="ctr"/>
+              <a:r>
+                <a:rPr lang="en-US" sz="1600" dirty="0" smtClean="0">
+                  <a:solidFill>
+                    <a:srgbClr val="C00000"/>
+                  </a:solidFill>
+                </a:rPr>
+                <a:t>TBD</a:t>
+              </a:r>
+              <a:endParaRPr lang="en-US" sz="1600" dirty="0">
+                <a:solidFill>
+                  <a:srgbClr val="C00000"/>
+                </a:solidFill>
+              </a:endParaRPr>
+            </a:p>
+          </p:txBody>
+        </p:sp>
+        <p:cxnSp>
+          <p:nvCxnSpPr>
+            <p:cNvPr id="158" name="Straight Connector 157"/>
+            <p:cNvCxnSpPr>
+              <a:stCxn id="63" idx="0"/>
+            </p:cNvCxnSpPr>
+            <p:nvPr/>
+          </p:nvCxnSpPr>
+          <p:spPr>
+            <a:xfrm flipV="1">
+              <a:off x="1567108" y="2863419"/>
+              <a:ext cx="2661992" cy="1201602"/>
+            </a:xfrm>
+            <a:prstGeom prst="line">
+              <a:avLst/>
+            </a:prstGeom>
+            <a:ln w="9525">
+              <a:solidFill>
+                <a:schemeClr val="bg1">
+                  <a:lumMod val="65000"/>
+                </a:schemeClr>
+              </a:solidFill>
+              <a:prstDash val="dash"/>
+              <a:headEnd type="triangle" w="med" len="med"/>
+              <a:tailEnd type="triangle" w="med" len="med"/>
+            </a:ln>
+          </p:spPr>
+          <p:style>
+            <a:lnRef idx="1">
+              <a:schemeClr val="accent1"/>
+            </a:lnRef>
+            <a:fillRef idx="0">
+              <a:schemeClr val="accent1"/>
+            </a:fillRef>
+            <a:effectRef idx="0">
+              <a:schemeClr val="accent1"/>
+            </a:effectRef>
+            <a:fontRef idx="minor">
+              <a:schemeClr val="tx1"/>
+            </a:fontRef>
+          </p:style>
+        </p:cxnSp>
+        <p:sp>
+          <p:nvSpPr>
+            <p:cNvPr id="127" name="Rectangle 126"/>
+            <p:cNvSpPr/>
+            <p:nvPr/>
+          </p:nvSpPr>
+          <p:spPr>
+            <a:xfrm>
+              <a:off x="2828030" y="3307415"/>
+              <a:ext cx="1215785" cy="389880"/>
+            </a:xfrm>
+            <a:prstGeom prst="rect">
+              <a:avLst/>
+            </a:prstGeom>
             <a:solidFill>
+              <a:schemeClr val="bg1"/>
+            </a:solidFill>
+          </p:spPr>
+          <p:style>
+            <a:lnRef idx="2">
+              <a:schemeClr val="accent2"/>
+            </a:lnRef>
+            <a:fillRef idx="1">
+              <a:schemeClr val="lt1"/>
+            </a:fillRef>
+            <a:effectRef idx="0">
+              <a:schemeClr val="accent2"/>
+            </a:effectRef>
+            <a:fontRef idx="minor">
+              <a:schemeClr val="dk1"/>
+            </a:fontRef>
+          </p:style>
+          <p:txBody>
+            <a:bodyPr rtlCol="0" anchor="t" anchorCtr="0"/>
+            <a:lstStyle/>
+            <a:p>
+              <a:pPr algn="ctr"/>
+              <a:r>
+                <a:rPr lang="en-US" sz="1000" dirty="0" smtClean="0">
+                  <a:solidFill>
+                    <a:schemeClr val="dk1"/>
+                  </a:solidFill>
+                  <a:latin typeface="Times New Roman" panose="02020603050405020304" pitchFamily="18" charset="0"/>
+                  <a:cs typeface="Times New Roman" panose="02020603050405020304" pitchFamily="18" charset="0"/>
+                </a:rPr>
+                <a:t>Local Sync Processor</a:t>
+              </a:r>
+              <a:endParaRPr lang="en-US" sz="1000" dirty="0">
+                <a:solidFill>
+                  <a:schemeClr val="dk1"/>
+                </a:solidFill>
+                <a:latin typeface="Times New Roman" panose="02020603050405020304" pitchFamily="18" charset="0"/>
+                <a:cs typeface="Times New Roman" panose="02020603050405020304" pitchFamily="18" charset="0"/>
+              </a:endParaRPr>
+            </a:p>
+          </p:txBody>
+        </p:sp>
+        <p:cxnSp>
+          <p:nvCxnSpPr>
+            <p:cNvPr id="160" name="Straight Connector 159"/>
+            <p:cNvCxnSpPr>
+              <a:stCxn id="63" idx="0"/>
+              <a:endCxn id="18" idx="2"/>
+            </p:cNvCxnSpPr>
+            <p:nvPr/>
+          </p:nvCxnSpPr>
+          <p:spPr>
+            <a:xfrm flipV="1">
+              <a:off x="1567108" y="2787149"/>
+              <a:ext cx="3624900" cy="1277872"/>
+            </a:xfrm>
+            <a:prstGeom prst="line">
+              <a:avLst/>
+            </a:prstGeom>
+            <a:ln w="9525">
+              <a:solidFill>
+                <a:schemeClr val="bg1">
+                  <a:lumMod val="65000"/>
+                </a:schemeClr>
+              </a:solidFill>
+              <a:prstDash val="dash"/>
+              <a:headEnd type="triangle" w="med" len="med"/>
+              <a:tailEnd type="triangle" w="med" len="med"/>
+            </a:ln>
+          </p:spPr>
+          <p:style>
+            <a:lnRef idx="1">
+              <a:schemeClr val="accent1"/>
+            </a:lnRef>
+            <a:fillRef idx="0">
+              <a:schemeClr val="accent1"/>
+            </a:fillRef>
+            <a:effectRef idx="0">
+              <a:schemeClr val="accent1"/>
+            </a:effectRef>
+            <a:fontRef idx="minor">
               <a:schemeClr val="tx1"/>
-            </a:solidFill>
-            <a:prstDash val="dash"/>
-            <a:headEnd type="triangle" w="med" len="med"/>
-            <a:tailEnd type="triangle" w="med" len="med"/>
-          </a:ln>
-        </p:spPr>
-        <p:style>
-          <a:lnRef idx="1">
-            <a:schemeClr val="accent1"/>
-          </a:lnRef>
-          <a:fillRef idx="0">
-            <a:schemeClr val="accent1"/>
-          </a:fillRef>
-          <a:effectRef idx="0">
-            <a:schemeClr val="accent1"/>
-          </a:effectRef>
-          <a:fontRef idx="minor">
-            <a:schemeClr val="tx1"/>
-          </a:fontRef>
-        </p:style>
-      </p:cxnSp>
-      <p:cxnSp>
-        <p:nvCxnSpPr>
-          <p:cNvPr id="67" name="Straight Arrow Connector 66"/>
-          <p:cNvCxnSpPr>
-            <a:stCxn id="43" idx="2"/>
-            <a:endCxn id="63" idx="0"/>
-          </p:cNvCxnSpPr>
-          <p:nvPr/>
-        </p:nvCxnSpPr>
-        <p:spPr>
-          <a:xfrm flipH="1">
-            <a:off x="2684976" y="3588232"/>
-            <a:ext cx="1077413" cy="411478"/>
-          </a:xfrm>
-          <a:prstGeom prst="straightConnector1">
-            <a:avLst/>
-          </a:prstGeom>
-          <a:ln w="9525">
-            <a:solidFill>
-              <a:schemeClr val="tx1"/>
-            </a:solidFill>
-            <a:prstDash val="dash"/>
-            <a:headEnd type="triangle" w="med" len="med"/>
-            <a:tailEnd type="triangle" w="med" len="med"/>
-          </a:ln>
-        </p:spPr>
-        <p:style>
-          <a:lnRef idx="1">
-            <a:schemeClr val="accent1"/>
-          </a:lnRef>
-          <a:fillRef idx="0">
-            <a:schemeClr val="accent1"/>
-          </a:fillRef>
-          <a:effectRef idx="0">
-            <a:schemeClr val="accent1"/>
-          </a:effectRef>
-          <a:fontRef idx="minor">
-            <a:schemeClr val="tx1"/>
-          </a:fontRef>
-        </p:style>
-      </p:cxnSp>
+            </a:fontRef>
+          </p:style>
+        </p:cxnSp>
+      </p:grpSp>
     </p:spTree>
     <p:extLst>
       <p:ext uri="{BB962C8B-B14F-4D97-AF65-F5344CB8AC3E}">
@@ -19675,10 +20613,1778 @@
           <a:chExt cx="0" cy="0"/>
         </a:xfrm>
       </p:grpSpPr>
+      <p:grpSp>
+        <p:nvGrpSpPr>
+          <p:cNvPr id="6" name="Group 5"/>
+          <p:cNvGrpSpPr/>
+          <p:nvPr/>
+        </p:nvGrpSpPr>
+        <p:grpSpPr>
+          <a:xfrm>
+            <a:off x="1905000" y="508000"/>
+            <a:ext cx="2641600" cy="2489200"/>
+            <a:chOff x="1905000" y="508000"/>
+            <a:chExt cx="2641600" cy="2489200"/>
+          </a:xfrm>
+        </p:grpSpPr>
+        <p:sp>
+          <p:nvSpPr>
+            <p:cNvPr id="2" name="Rounded Rectangle 1"/>
+            <p:cNvSpPr/>
+            <p:nvPr/>
+          </p:nvSpPr>
+          <p:spPr>
+            <a:xfrm>
+              <a:off x="1905000" y="1816100"/>
+              <a:ext cx="2641600" cy="400050"/>
+            </a:xfrm>
+            <a:prstGeom prst="roundRect">
+              <a:avLst/>
+            </a:prstGeom>
+            <a:solidFill>
+              <a:schemeClr val="accent1">
+                <a:lumMod val="20000"/>
+                <a:lumOff val="80000"/>
+              </a:schemeClr>
+            </a:solidFill>
+          </p:spPr>
+          <p:style>
+            <a:lnRef idx="2">
+              <a:schemeClr val="accent1">
+                <a:shade val="50000"/>
+              </a:schemeClr>
+            </a:lnRef>
+            <a:fillRef idx="1">
+              <a:schemeClr val="accent1"/>
+            </a:fillRef>
+            <a:effectRef idx="0">
+              <a:schemeClr val="accent1"/>
+            </a:effectRef>
+            <a:fontRef idx="minor">
+              <a:schemeClr val="lt1"/>
+            </a:fontRef>
+          </p:style>
+          <p:txBody>
+            <a:bodyPr rtlCol="0" anchor="ctr"/>
+            <a:lstStyle/>
+            <a:p>
+              <a:pPr algn="ctr"/>
+              <a:r>
+                <a:rPr lang="en-US" sz="1000" dirty="0" smtClean="0">
+                  <a:solidFill>
+                    <a:schemeClr val="tx1"/>
+                  </a:solidFill>
+                  <a:latin typeface="Times New Roman" panose="02020603050405020304" pitchFamily="18" charset="0"/>
+                  <a:cs typeface="Times New Roman" panose="02020603050405020304" pitchFamily="18" charset="0"/>
+                </a:rPr>
+                <a:t>Unified LRU Cache</a:t>
+              </a:r>
+            </a:p>
+            <a:p>
+              <a:pPr algn="ctr"/>
+              <a:r>
+                <a:rPr lang="en-US" sz="900" dirty="0" smtClean="0">
+                  <a:solidFill>
+                    <a:schemeClr val="tx1"/>
+                  </a:solidFill>
+                  <a:latin typeface="Times New Roman" panose="02020603050405020304" pitchFamily="18" charset="0"/>
+                  <a:cs typeface="Times New Roman" panose="02020603050405020304" pitchFamily="18" charset="0"/>
+                </a:rPr>
+                <a:t>(Contains </a:t>
+              </a:r>
+              <a:r>
+                <a:rPr lang="en-US" sz="900" dirty="0" err="1" smtClean="0">
+                  <a:solidFill>
+                    <a:schemeClr val="tx1"/>
+                  </a:solidFill>
+                  <a:latin typeface="Times New Roman" panose="02020603050405020304" pitchFamily="18" charset="0"/>
+                  <a:cs typeface="Times New Roman" panose="02020603050405020304" pitchFamily="18" charset="0"/>
+                </a:rPr>
+                <a:t>ibmaps</a:t>
+              </a:r>
+              <a:r>
+                <a:rPr lang="en-US" sz="900" dirty="0" smtClean="0">
+                  <a:solidFill>
+                    <a:schemeClr val="tx1"/>
+                  </a:solidFill>
+                  <a:latin typeface="Times New Roman" panose="02020603050405020304" pitchFamily="18" charset="0"/>
+                  <a:cs typeface="Times New Roman" panose="02020603050405020304" pitchFamily="18" charset="0"/>
+                </a:rPr>
+                <a:t>, </a:t>
+              </a:r>
+              <a:r>
+                <a:rPr lang="en-US" sz="900" dirty="0" err="1" smtClean="0">
+                  <a:solidFill>
+                    <a:schemeClr val="tx1"/>
+                  </a:solidFill>
+                  <a:latin typeface="Times New Roman" panose="02020603050405020304" pitchFamily="18" charset="0"/>
+                  <a:cs typeface="Times New Roman" panose="02020603050405020304" pitchFamily="18" charset="0"/>
+                </a:rPr>
+                <a:t>inodeBlocks</a:t>
+              </a:r>
+              <a:r>
+                <a:rPr lang="en-US" sz="900" dirty="0" smtClean="0">
+                  <a:solidFill>
+                    <a:schemeClr val="tx1"/>
+                  </a:solidFill>
+                  <a:latin typeface="Times New Roman" panose="02020603050405020304" pitchFamily="18" charset="0"/>
+                  <a:cs typeface="Times New Roman" panose="02020603050405020304" pitchFamily="18" charset="0"/>
+                </a:rPr>
+                <a:t>, </a:t>
+              </a:r>
+              <a:r>
+                <a:rPr lang="en-US" sz="900" dirty="0" err="1" smtClean="0">
+                  <a:solidFill>
+                    <a:schemeClr val="tx1"/>
+                  </a:solidFill>
+                  <a:latin typeface="Times New Roman" panose="02020603050405020304" pitchFamily="18" charset="0"/>
+                  <a:cs typeface="Times New Roman" panose="02020603050405020304" pitchFamily="18" charset="0"/>
+                </a:rPr>
+                <a:t>blockSegments</a:t>
+              </a:r>
+              <a:r>
+                <a:rPr lang="en-US" sz="900" dirty="0" smtClean="0">
+                  <a:solidFill>
+                    <a:schemeClr val="tx1"/>
+                  </a:solidFill>
+                  <a:latin typeface="Times New Roman" panose="02020603050405020304" pitchFamily="18" charset="0"/>
+                  <a:cs typeface="Times New Roman" panose="02020603050405020304" pitchFamily="18" charset="0"/>
+                </a:rPr>
+                <a:t>)</a:t>
+              </a:r>
+              <a:endParaRPr lang="en-US" sz="1000" dirty="0">
+                <a:solidFill>
+                  <a:schemeClr val="tx1"/>
+                </a:solidFill>
+                <a:latin typeface="Times New Roman" panose="02020603050405020304" pitchFamily="18" charset="0"/>
+                <a:cs typeface="Times New Roman" panose="02020603050405020304" pitchFamily="18" charset="0"/>
+              </a:endParaRPr>
+            </a:p>
+          </p:txBody>
+        </p:sp>
+        <p:sp>
+          <p:nvSpPr>
+            <p:cNvPr id="3" name="Rounded Rectangle 2"/>
+            <p:cNvSpPr/>
+            <p:nvPr/>
+          </p:nvSpPr>
+          <p:spPr>
+            <a:xfrm>
+              <a:off x="1905000" y="2520950"/>
+              <a:ext cx="1134874" cy="476250"/>
+            </a:xfrm>
+            <a:prstGeom prst="roundRect">
+              <a:avLst/>
+            </a:prstGeom>
+            <a:solidFill>
+              <a:schemeClr val="accent4">
+                <a:lumMod val="20000"/>
+                <a:lumOff val="80000"/>
+              </a:schemeClr>
+            </a:solidFill>
+          </p:spPr>
+          <p:style>
+            <a:lnRef idx="2">
+              <a:schemeClr val="accent1">
+                <a:shade val="50000"/>
+              </a:schemeClr>
+            </a:lnRef>
+            <a:fillRef idx="1">
+              <a:schemeClr val="accent1"/>
+            </a:fillRef>
+            <a:effectRef idx="0">
+              <a:schemeClr val="accent1"/>
+            </a:effectRef>
+            <a:fontRef idx="minor">
+              <a:schemeClr val="lt1"/>
+            </a:fontRef>
+          </p:style>
+          <p:txBody>
+            <a:bodyPr rtlCol="0" anchor="ctr"/>
+            <a:lstStyle/>
+            <a:p>
+              <a:pPr algn="ctr"/>
+              <a:r>
+                <a:rPr lang="en-US" sz="1000" dirty="0" smtClean="0">
+                  <a:solidFill>
+                    <a:schemeClr val="tx1"/>
+                  </a:solidFill>
+                  <a:latin typeface="Times New Roman" panose="02020603050405020304" pitchFamily="18" charset="0"/>
+                  <a:cs typeface="Times New Roman" panose="02020603050405020304" pitchFamily="18" charset="0"/>
+                </a:rPr>
+                <a:t>Local Store</a:t>
+              </a:r>
+            </a:p>
+            <a:p>
+              <a:pPr algn="ctr"/>
+              <a:r>
+                <a:rPr lang="en-US" sz="1000" dirty="0" smtClean="0">
+                  <a:solidFill>
+                    <a:schemeClr val="tx1"/>
+                  </a:solidFill>
+                  <a:latin typeface="Times New Roman" panose="02020603050405020304" pitchFamily="18" charset="0"/>
+                  <a:cs typeface="Times New Roman" panose="02020603050405020304" pitchFamily="18" charset="0"/>
+                </a:rPr>
+                <a:t>(SSDs)</a:t>
+              </a:r>
+              <a:endParaRPr lang="en-US" sz="1000" dirty="0">
+                <a:solidFill>
+                  <a:schemeClr val="tx1"/>
+                </a:solidFill>
+                <a:latin typeface="Times New Roman" panose="02020603050405020304" pitchFamily="18" charset="0"/>
+                <a:cs typeface="Times New Roman" panose="02020603050405020304" pitchFamily="18" charset="0"/>
+              </a:endParaRPr>
+            </a:p>
+          </p:txBody>
+        </p:sp>
+        <p:sp>
+          <p:nvSpPr>
+            <p:cNvPr id="4" name="Rounded Rectangle 3"/>
+            <p:cNvSpPr/>
+            <p:nvPr/>
+          </p:nvSpPr>
+          <p:spPr>
+            <a:xfrm>
+              <a:off x="3427380" y="2520950"/>
+              <a:ext cx="1119220" cy="476250"/>
+            </a:xfrm>
+            <a:prstGeom prst="roundRect">
+              <a:avLst/>
+            </a:prstGeom>
+            <a:solidFill>
+              <a:schemeClr val="accent4">
+                <a:lumMod val="20000"/>
+                <a:lumOff val="80000"/>
+              </a:schemeClr>
+            </a:solidFill>
+          </p:spPr>
+          <p:style>
+            <a:lnRef idx="2">
+              <a:schemeClr val="accent1">
+                <a:shade val="50000"/>
+              </a:schemeClr>
+            </a:lnRef>
+            <a:fillRef idx="1">
+              <a:schemeClr val="accent1"/>
+            </a:fillRef>
+            <a:effectRef idx="0">
+              <a:schemeClr val="accent1"/>
+            </a:effectRef>
+            <a:fontRef idx="minor">
+              <a:schemeClr val="lt1"/>
+            </a:fontRef>
+          </p:style>
+          <p:txBody>
+            <a:bodyPr rtlCol="0" anchor="ctr"/>
+            <a:lstStyle/>
+            <a:p>
+              <a:pPr algn="ctr"/>
+              <a:r>
+                <a:rPr lang="en-US" sz="1000" dirty="0" err="1" smtClean="0">
+                  <a:solidFill>
+                    <a:schemeClr val="tx1"/>
+                  </a:solidFill>
+                  <a:latin typeface="Times New Roman" panose="02020603050405020304" pitchFamily="18" charset="0"/>
+                  <a:cs typeface="Times New Roman" panose="02020603050405020304" pitchFamily="18" charset="0"/>
+                </a:rPr>
+                <a:t>Gloabl</a:t>
+              </a:r>
+              <a:r>
+                <a:rPr lang="en-US" sz="1000" dirty="0" smtClean="0">
+                  <a:solidFill>
+                    <a:schemeClr val="tx1"/>
+                  </a:solidFill>
+                  <a:latin typeface="Times New Roman" panose="02020603050405020304" pitchFamily="18" charset="0"/>
+                  <a:cs typeface="Times New Roman" panose="02020603050405020304" pitchFamily="18" charset="0"/>
+                </a:rPr>
+                <a:t> Store</a:t>
+              </a:r>
+            </a:p>
+            <a:p>
+              <a:pPr algn="ctr"/>
+              <a:r>
+                <a:rPr lang="en-US" sz="1000" dirty="0" smtClean="0">
+                  <a:solidFill>
+                    <a:schemeClr val="tx1"/>
+                  </a:solidFill>
+                  <a:latin typeface="Times New Roman" panose="02020603050405020304" pitchFamily="18" charset="0"/>
+                  <a:cs typeface="Times New Roman" panose="02020603050405020304" pitchFamily="18" charset="0"/>
+                </a:rPr>
+                <a:t>(S3 or Dynamo)</a:t>
+              </a:r>
+              <a:endParaRPr lang="en-US" sz="1000" dirty="0">
+                <a:solidFill>
+                  <a:schemeClr val="tx1"/>
+                </a:solidFill>
+                <a:latin typeface="Times New Roman" panose="02020603050405020304" pitchFamily="18" charset="0"/>
+                <a:cs typeface="Times New Roman" panose="02020603050405020304" pitchFamily="18" charset="0"/>
+              </a:endParaRPr>
+            </a:p>
+          </p:txBody>
+        </p:sp>
+        <p:sp>
+          <p:nvSpPr>
+            <p:cNvPr id="5" name="Rounded Rectangle 4"/>
+            <p:cNvSpPr/>
+            <p:nvPr/>
+          </p:nvSpPr>
+          <p:spPr>
+            <a:xfrm>
+              <a:off x="3545665" y="1162050"/>
+              <a:ext cx="882650" cy="349250"/>
+            </a:xfrm>
+            <a:prstGeom prst="roundRect">
+              <a:avLst/>
+            </a:prstGeom>
+            <a:noFill/>
+          </p:spPr>
+          <p:style>
+            <a:lnRef idx="2">
+              <a:schemeClr val="accent1">
+                <a:shade val="50000"/>
+              </a:schemeClr>
+            </a:lnRef>
+            <a:fillRef idx="1">
+              <a:schemeClr val="accent1"/>
+            </a:fillRef>
+            <a:effectRef idx="0">
+              <a:schemeClr val="accent1"/>
+            </a:effectRef>
+            <a:fontRef idx="minor">
+              <a:schemeClr val="lt1"/>
+            </a:fontRef>
+          </p:style>
+          <p:txBody>
+            <a:bodyPr rtlCol="0" anchor="ctr"/>
+            <a:lstStyle/>
+            <a:p>
+              <a:pPr algn="ctr"/>
+              <a:r>
+                <a:rPr lang="en-US" sz="1000" dirty="0" smtClean="0">
+                  <a:solidFill>
+                    <a:schemeClr val="tx1"/>
+                  </a:solidFill>
+                  <a:latin typeface="Times New Roman" panose="02020603050405020304" pitchFamily="18" charset="0"/>
+                  <a:cs typeface="Times New Roman" panose="02020603050405020304" pitchFamily="18" charset="0"/>
+                </a:rPr>
+                <a:t>File API</a:t>
+              </a:r>
+              <a:endParaRPr lang="en-US" sz="1000" dirty="0">
+                <a:solidFill>
+                  <a:schemeClr val="tx1"/>
+                </a:solidFill>
+                <a:latin typeface="Times New Roman" panose="02020603050405020304" pitchFamily="18" charset="0"/>
+                <a:cs typeface="Times New Roman" panose="02020603050405020304" pitchFamily="18" charset="0"/>
+              </a:endParaRPr>
+            </a:p>
+          </p:txBody>
+        </p:sp>
+        <p:cxnSp>
+          <p:nvCxnSpPr>
+            <p:cNvPr id="7" name="Straight Connector 6"/>
+            <p:cNvCxnSpPr>
+              <a:stCxn id="5" idx="2"/>
+            </p:cNvCxnSpPr>
+            <p:nvPr/>
+          </p:nvCxnSpPr>
+          <p:spPr>
+            <a:xfrm>
+              <a:off x="3986990" y="1511300"/>
+              <a:ext cx="0" cy="304800"/>
+            </a:xfrm>
+            <a:prstGeom prst="line">
+              <a:avLst/>
+            </a:prstGeom>
+            <a:ln w="12700">
+              <a:solidFill>
+                <a:schemeClr val="tx1">
+                  <a:lumMod val="50000"/>
+                  <a:lumOff val="50000"/>
+                </a:schemeClr>
+              </a:solidFill>
+              <a:headEnd type="triangle" w="med" len="med"/>
+              <a:tailEnd type="triangle" w="med" len="med"/>
+            </a:ln>
+          </p:spPr>
+          <p:style>
+            <a:lnRef idx="1">
+              <a:schemeClr val="accent1"/>
+            </a:lnRef>
+            <a:fillRef idx="0">
+              <a:schemeClr val="accent1"/>
+            </a:fillRef>
+            <a:effectRef idx="0">
+              <a:schemeClr val="accent1"/>
+            </a:effectRef>
+            <a:fontRef idx="minor">
+              <a:schemeClr val="tx1"/>
+            </a:fontRef>
+          </p:style>
+        </p:cxnSp>
+        <p:cxnSp>
+          <p:nvCxnSpPr>
+            <p:cNvPr id="9" name="Straight Connector 8"/>
+            <p:cNvCxnSpPr>
+              <a:stCxn id="3" idx="3"/>
+              <a:endCxn id="4" idx="1"/>
+            </p:cNvCxnSpPr>
+            <p:nvPr/>
+          </p:nvCxnSpPr>
+          <p:spPr>
+            <a:xfrm>
+              <a:off x="3039874" y="2759075"/>
+              <a:ext cx="387506" cy="0"/>
+            </a:xfrm>
+            <a:prstGeom prst="line">
+              <a:avLst/>
+            </a:prstGeom>
+            <a:ln w="12700">
+              <a:solidFill>
+                <a:schemeClr val="tx1">
+                  <a:lumMod val="50000"/>
+                  <a:lumOff val="50000"/>
+                </a:schemeClr>
+              </a:solidFill>
+              <a:headEnd type="triangle" w="med" len="med"/>
+              <a:tailEnd type="triangle" w="med" len="med"/>
+            </a:ln>
+          </p:spPr>
+          <p:style>
+            <a:lnRef idx="1">
+              <a:schemeClr val="accent1"/>
+            </a:lnRef>
+            <a:fillRef idx="0">
+              <a:schemeClr val="accent1"/>
+            </a:fillRef>
+            <a:effectRef idx="0">
+              <a:schemeClr val="accent1"/>
+            </a:effectRef>
+            <a:fontRef idx="minor">
+              <a:schemeClr val="tx1"/>
+            </a:fontRef>
+          </p:style>
+        </p:cxnSp>
+        <p:cxnSp>
+          <p:nvCxnSpPr>
+            <p:cNvPr id="11" name="Straight Connector 10"/>
+            <p:cNvCxnSpPr>
+              <a:stCxn id="3" idx="0"/>
+            </p:cNvCxnSpPr>
+            <p:nvPr/>
+          </p:nvCxnSpPr>
+          <p:spPr>
+            <a:xfrm flipV="1">
+              <a:off x="2472437" y="2216150"/>
+              <a:ext cx="2287" cy="304800"/>
+            </a:xfrm>
+            <a:prstGeom prst="line">
+              <a:avLst/>
+            </a:prstGeom>
+            <a:ln w="12700">
+              <a:solidFill>
+                <a:schemeClr val="tx1">
+                  <a:lumMod val="50000"/>
+                  <a:lumOff val="50000"/>
+                </a:schemeClr>
+              </a:solidFill>
+              <a:headEnd type="triangle" w="med" len="med"/>
+              <a:tailEnd type="triangle" w="med" len="med"/>
+            </a:ln>
+          </p:spPr>
+          <p:style>
+            <a:lnRef idx="1">
+              <a:schemeClr val="accent1"/>
+            </a:lnRef>
+            <a:fillRef idx="0">
+              <a:schemeClr val="accent1"/>
+            </a:fillRef>
+            <a:effectRef idx="0">
+              <a:schemeClr val="accent1"/>
+            </a:effectRef>
+            <a:fontRef idx="minor">
+              <a:schemeClr val="tx1"/>
+            </a:fontRef>
+          </p:style>
+        </p:cxnSp>
+        <p:cxnSp>
+          <p:nvCxnSpPr>
+            <p:cNvPr id="12" name="Straight Connector 11"/>
+            <p:cNvCxnSpPr/>
+            <p:nvPr/>
+          </p:nvCxnSpPr>
+          <p:spPr>
+            <a:xfrm flipV="1">
+              <a:off x="3937632" y="2216150"/>
+              <a:ext cx="2287" cy="304800"/>
+            </a:xfrm>
+            <a:prstGeom prst="line">
+              <a:avLst/>
+            </a:prstGeom>
+            <a:ln w="12700">
+              <a:solidFill>
+                <a:schemeClr val="tx1">
+                  <a:lumMod val="50000"/>
+                  <a:lumOff val="50000"/>
+                </a:schemeClr>
+              </a:solidFill>
+              <a:headEnd type="none" w="med" len="med"/>
+              <a:tailEnd type="triangle" w="med" len="med"/>
+            </a:ln>
+          </p:spPr>
+          <p:style>
+            <a:lnRef idx="1">
+              <a:schemeClr val="accent1"/>
+            </a:lnRef>
+            <a:fillRef idx="0">
+              <a:schemeClr val="accent1"/>
+            </a:fillRef>
+            <a:effectRef idx="0">
+              <a:schemeClr val="accent1"/>
+            </a:effectRef>
+            <a:fontRef idx="minor">
+              <a:schemeClr val="tx1"/>
+            </a:fontRef>
+          </p:style>
+        </p:cxnSp>
+        <p:sp>
+          <p:nvSpPr>
+            <p:cNvPr id="28" name="Rounded Rectangle 27"/>
+            <p:cNvSpPr/>
+            <p:nvPr/>
+          </p:nvSpPr>
+          <p:spPr>
+            <a:xfrm>
+              <a:off x="2095421" y="1162050"/>
+              <a:ext cx="1062738" cy="349250"/>
+            </a:xfrm>
+            <a:prstGeom prst="roundRect">
+              <a:avLst/>
+            </a:prstGeom>
+            <a:solidFill>
+              <a:schemeClr val="accent1">
+                <a:lumMod val="20000"/>
+                <a:lumOff val="80000"/>
+              </a:schemeClr>
+            </a:solidFill>
+          </p:spPr>
+          <p:style>
+            <a:lnRef idx="2">
+              <a:schemeClr val="accent1">
+                <a:shade val="50000"/>
+              </a:schemeClr>
+            </a:lnRef>
+            <a:fillRef idx="1">
+              <a:schemeClr val="accent1"/>
+            </a:fillRef>
+            <a:effectRef idx="0">
+              <a:schemeClr val="accent1"/>
+            </a:effectRef>
+            <a:fontRef idx="minor">
+              <a:schemeClr val="lt1"/>
+            </a:fontRef>
+          </p:style>
+          <p:txBody>
+            <a:bodyPr rtlCol="0" anchor="ctr"/>
+            <a:lstStyle/>
+            <a:p>
+              <a:pPr algn="ctr"/>
+              <a:r>
+                <a:rPr lang="en-US" sz="1000" dirty="0" smtClean="0">
+                  <a:solidFill>
+                    <a:schemeClr val="tx1"/>
+                  </a:solidFill>
+                  <a:latin typeface="Times New Roman" panose="02020603050405020304" pitchFamily="18" charset="0"/>
+                  <a:cs typeface="Times New Roman" panose="02020603050405020304" pitchFamily="18" charset="0"/>
+                </a:rPr>
+                <a:t>Remote Blocks Cache</a:t>
+              </a:r>
+              <a:endParaRPr lang="en-US" sz="1000" dirty="0">
+                <a:solidFill>
+                  <a:schemeClr val="tx1"/>
+                </a:solidFill>
+                <a:latin typeface="Times New Roman" panose="02020603050405020304" pitchFamily="18" charset="0"/>
+                <a:cs typeface="Times New Roman" panose="02020603050405020304" pitchFamily="18" charset="0"/>
+              </a:endParaRPr>
+            </a:p>
+          </p:txBody>
+        </p:sp>
+        <p:cxnSp>
+          <p:nvCxnSpPr>
+            <p:cNvPr id="30" name="Straight Connector 29"/>
+            <p:cNvCxnSpPr>
+              <a:stCxn id="28" idx="3"/>
+              <a:endCxn id="5" idx="1"/>
+            </p:cNvCxnSpPr>
+            <p:nvPr/>
+          </p:nvCxnSpPr>
+          <p:spPr>
+            <a:xfrm>
+              <a:off x="3158159" y="1336675"/>
+              <a:ext cx="387506" cy="0"/>
+            </a:xfrm>
+            <a:prstGeom prst="line">
+              <a:avLst/>
+            </a:prstGeom>
+            <a:ln w="12700">
+              <a:solidFill>
+                <a:schemeClr val="tx1">
+                  <a:lumMod val="50000"/>
+                  <a:lumOff val="50000"/>
+                </a:schemeClr>
+              </a:solidFill>
+              <a:headEnd type="triangle" w="med" len="med"/>
+              <a:tailEnd type="triangle" w="med" len="med"/>
+            </a:ln>
+          </p:spPr>
+          <p:style>
+            <a:lnRef idx="1">
+              <a:schemeClr val="accent1"/>
+            </a:lnRef>
+            <a:fillRef idx="0">
+              <a:schemeClr val="accent1"/>
+            </a:fillRef>
+            <a:effectRef idx="0">
+              <a:schemeClr val="accent1"/>
+            </a:effectRef>
+            <a:fontRef idx="minor">
+              <a:schemeClr val="tx1"/>
+            </a:fontRef>
+          </p:style>
+        </p:cxnSp>
+        <p:sp>
+          <p:nvSpPr>
+            <p:cNvPr id="38" name="Rounded Rectangle 37"/>
+            <p:cNvSpPr/>
+            <p:nvPr/>
+          </p:nvSpPr>
+          <p:spPr>
+            <a:xfrm>
+              <a:off x="3545665" y="508000"/>
+              <a:ext cx="882650" cy="349250"/>
+            </a:xfrm>
+            <a:prstGeom prst="roundRect">
+              <a:avLst/>
+            </a:prstGeom>
+            <a:noFill/>
+          </p:spPr>
+          <p:style>
+            <a:lnRef idx="2">
+              <a:schemeClr val="accent1">
+                <a:shade val="50000"/>
+              </a:schemeClr>
+            </a:lnRef>
+            <a:fillRef idx="1">
+              <a:schemeClr val="accent1"/>
+            </a:fillRef>
+            <a:effectRef idx="0">
+              <a:schemeClr val="accent1"/>
+            </a:effectRef>
+            <a:fontRef idx="minor">
+              <a:schemeClr val="lt1"/>
+            </a:fontRef>
+          </p:style>
+          <p:txBody>
+            <a:bodyPr rtlCol="0" anchor="ctr"/>
+            <a:lstStyle/>
+            <a:p>
+              <a:pPr algn="ctr"/>
+              <a:r>
+                <a:rPr lang="en-US" sz="1000" dirty="0" smtClean="0">
+                  <a:solidFill>
+                    <a:schemeClr val="tx1"/>
+                  </a:solidFill>
+                  <a:latin typeface="Times New Roman" panose="02020603050405020304" pitchFamily="18" charset="0"/>
+                  <a:cs typeface="Times New Roman" panose="02020603050405020304" pitchFamily="18" charset="0"/>
+                </a:rPr>
+                <a:t>Clients</a:t>
+              </a:r>
+              <a:endParaRPr lang="en-US" sz="1000" dirty="0">
+                <a:solidFill>
+                  <a:schemeClr val="tx1"/>
+                </a:solidFill>
+                <a:latin typeface="Times New Roman" panose="02020603050405020304" pitchFamily="18" charset="0"/>
+                <a:cs typeface="Times New Roman" panose="02020603050405020304" pitchFamily="18" charset="0"/>
+              </a:endParaRPr>
+            </a:p>
+          </p:txBody>
+        </p:sp>
+        <p:cxnSp>
+          <p:nvCxnSpPr>
+            <p:cNvPr id="39" name="Straight Connector 38"/>
+            <p:cNvCxnSpPr>
+              <a:stCxn id="38" idx="2"/>
+            </p:cNvCxnSpPr>
+            <p:nvPr/>
+          </p:nvCxnSpPr>
+          <p:spPr>
+            <a:xfrm>
+              <a:off x="3986990" y="857250"/>
+              <a:ext cx="0" cy="304800"/>
+            </a:xfrm>
+            <a:prstGeom prst="line">
+              <a:avLst/>
+            </a:prstGeom>
+            <a:ln w="12700">
+              <a:solidFill>
+                <a:schemeClr val="tx1">
+                  <a:lumMod val="50000"/>
+                  <a:lumOff val="50000"/>
+                </a:schemeClr>
+              </a:solidFill>
+              <a:headEnd type="triangle" w="med" len="med"/>
+              <a:tailEnd type="triangle" w="med" len="med"/>
+            </a:ln>
+          </p:spPr>
+          <p:style>
+            <a:lnRef idx="1">
+              <a:schemeClr val="accent1"/>
+            </a:lnRef>
+            <a:fillRef idx="0">
+              <a:schemeClr val="accent1"/>
+            </a:fillRef>
+            <a:effectRef idx="0">
+              <a:schemeClr val="accent1"/>
+            </a:effectRef>
+            <a:fontRef idx="minor">
+              <a:schemeClr val="tx1"/>
+            </a:fontRef>
+          </p:style>
+        </p:cxnSp>
+      </p:grpSp>
     </p:spTree>
     <p:extLst>
       <p:ext uri="{BB962C8B-B14F-4D97-AF65-F5344CB8AC3E}">
         <p14:creationId xmlns:p14="http://schemas.microsoft.com/office/powerpoint/2010/main" val="3911456309"/>
+      </p:ext>
+    </p:extLst>
+  </p:cSld>
+  <p:clrMapOvr>
+    <a:masterClrMapping/>
+  </p:clrMapOvr>
+</p:sld>
+</file>
+
+<file path=ppt/slides/slide9.xml><?xml version="1.0" encoding="utf-8"?>
+<p:sld xmlns:a="http://schemas.openxmlformats.org/drawingml/2006/main" xmlns:r="http://schemas.openxmlformats.org/officeDocument/2006/relationships" xmlns:p="http://schemas.openxmlformats.org/presentationml/2006/main">
+  <p:cSld>
+    <p:spTree>
+      <p:nvGrpSpPr>
+        <p:cNvPr id="1" name=""/>
+        <p:cNvGrpSpPr/>
+        <p:nvPr/>
+      </p:nvGrpSpPr>
+      <p:grpSpPr>
+        <a:xfrm>
+          <a:off x="0" y="0"/>
+          <a:ext cx="0" cy="0"/>
+          <a:chOff x="0" y="0"/>
+          <a:chExt cx="0" cy="0"/>
+        </a:xfrm>
+      </p:grpSpPr>
+      <p:grpSp>
+        <p:nvGrpSpPr>
+          <p:cNvPr id="58" name="Group 57"/>
+          <p:cNvGrpSpPr/>
+          <p:nvPr/>
+        </p:nvGrpSpPr>
+        <p:grpSpPr>
+          <a:xfrm>
+            <a:off x="2030016" y="147072"/>
+            <a:ext cx="3149861" cy="1586976"/>
+            <a:chOff x="2030016" y="147072"/>
+            <a:chExt cx="3149861" cy="1586976"/>
+          </a:xfrm>
+        </p:grpSpPr>
+        <p:sp>
+          <p:nvSpPr>
+            <p:cNvPr id="15" name="Rounded Rectangle 14"/>
+            <p:cNvSpPr/>
+            <p:nvPr/>
+          </p:nvSpPr>
+          <p:spPr>
+            <a:xfrm>
+              <a:off x="2298891" y="147072"/>
+              <a:ext cx="2525050" cy="883658"/>
+            </a:xfrm>
+            <a:prstGeom prst="roundRect">
+              <a:avLst>
+                <a:gd name="adj" fmla="val 7260"/>
+              </a:avLst>
+            </a:prstGeom>
+            <a:noFill/>
+          </p:spPr>
+          <p:style>
+            <a:lnRef idx="2">
+              <a:schemeClr val="accent1">
+                <a:shade val="50000"/>
+              </a:schemeClr>
+            </a:lnRef>
+            <a:fillRef idx="1">
+              <a:schemeClr val="accent1"/>
+            </a:fillRef>
+            <a:effectRef idx="0">
+              <a:schemeClr val="accent1"/>
+            </a:effectRef>
+            <a:fontRef idx="minor">
+              <a:schemeClr val="lt1"/>
+            </a:fontRef>
+          </p:style>
+          <p:txBody>
+            <a:bodyPr rtlCol="0" anchor="t" anchorCtr="0"/>
+            <a:lstStyle/>
+            <a:p>
+              <a:pPr algn="ctr"/>
+              <a:r>
+                <a:rPr lang="en-US" sz="1000" dirty="0" smtClean="0">
+                  <a:solidFill>
+                    <a:schemeClr val="tx1"/>
+                  </a:solidFill>
+                  <a:latin typeface="Times New Roman" panose="02020603050405020304" pitchFamily="18" charset="0"/>
+                  <a:cs typeface="Times New Roman" panose="02020603050405020304" pitchFamily="18" charset="0"/>
+                </a:rPr>
+                <a:t>Block</a:t>
+              </a:r>
+              <a:endParaRPr lang="en-US" sz="1000" dirty="0">
+                <a:solidFill>
+                  <a:schemeClr val="tx1"/>
+                </a:solidFill>
+                <a:latin typeface="Times New Roman" panose="02020603050405020304" pitchFamily="18" charset="0"/>
+                <a:cs typeface="Times New Roman" panose="02020603050405020304" pitchFamily="18" charset="0"/>
+              </a:endParaRPr>
+            </a:p>
+          </p:txBody>
+        </p:sp>
+        <p:cxnSp>
+          <p:nvCxnSpPr>
+            <p:cNvPr id="16" name="Straight Connector 15"/>
+            <p:cNvCxnSpPr>
+              <a:endCxn id="17" idx="0"/>
+            </p:cNvCxnSpPr>
+            <p:nvPr/>
+          </p:nvCxnSpPr>
+          <p:spPr>
+            <a:xfrm flipH="1">
+              <a:off x="2471341" y="1030729"/>
+              <a:ext cx="648750" cy="340151"/>
+            </a:xfrm>
+            <a:prstGeom prst="line">
+              <a:avLst/>
+            </a:prstGeom>
+            <a:ln w="12700">
+              <a:solidFill>
+                <a:schemeClr val="tx1">
+                  <a:lumMod val="50000"/>
+                  <a:lumOff val="50000"/>
+                </a:schemeClr>
+              </a:solidFill>
+              <a:headEnd type="triangle" w="lg" len="med"/>
+              <a:tailEnd type="diamond" w="med" len="med"/>
+            </a:ln>
+          </p:spPr>
+          <p:style>
+            <a:lnRef idx="1">
+              <a:schemeClr val="accent1"/>
+            </a:lnRef>
+            <a:fillRef idx="0">
+              <a:schemeClr val="accent1"/>
+            </a:fillRef>
+            <a:effectRef idx="0">
+              <a:schemeClr val="accent1"/>
+            </a:effectRef>
+            <a:fontRef idx="minor">
+              <a:schemeClr val="tx1"/>
+            </a:fontRef>
+          </p:style>
+        </p:cxnSp>
+        <p:sp>
+          <p:nvSpPr>
+            <p:cNvPr id="17" name="Rounded Rectangle 16"/>
+            <p:cNvSpPr/>
+            <p:nvPr/>
+          </p:nvSpPr>
+          <p:spPr>
+            <a:xfrm>
+              <a:off x="2030016" y="1370880"/>
+              <a:ext cx="882650" cy="349250"/>
+            </a:xfrm>
+            <a:prstGeom prst="roundRect">
+              <a:avLst/>
+            </a:prstGeom>
+            <a:noFill/>
+          </p:spPr>
+          <p:style>
+            <a:lnRef idx="2">
+              <a:schemeClr val="accent1">
+                <a:shade val="50000"/>
+              </a:schemeClr>
+            </a:lnRef>
+            <a:fillRef idx="1">
+              <a:schemeClr val="accent1"/>
+            </a:fillRef>
+            <a:effectRef idx="0">
+              <a:schemeClr val="accent1"/>
+            </a:effectRef>
+            <a:fontRef idx="minor">
+              <a:schemeClr val="lt1"/>
+            </a:fontRef>
+          </p:style>
+          <p:txBody>
+            <a:bodyPr rtlCol="0" anchor="ctr"/>
+            <a:lstStyle/>
+            <a:p>
+              <a:pPr algn="ctr"/>
+              <a:r>
+                <a:rPr lang="en-US" sz="1000" dirty="0" err="1" smtClean="0">
+                  <a:solidFill>
+                    <a:schemeClr val="tx1"/>
+                  </a:solidFill>
+                  <a:latin typeface="Times New Roman" panose="02020603050405020304" pitchFamily="18" charset="0"/>
+                  <a:cs typeface="Times New Roman" panose="02020603050405020304" pitchFamily="18" charset="0"/>
+                </a:rPr>
+                <a:t>IbmapBlock</a:t>
+              </a:r>
+              <a:endParaRPr lang="en-US" sz="1000" dirty="0">
+                <a:solidFill>
+                  <a:schemeClr val="tx1"/>
+                </a:solidFill>
+                <a:latin typeface="Times New Roman" panose="02020603050405020304" pitchFamily="18" charset="0"/>
+                <a:cs typeface="Times New Roman" panose="02020603050405020304" pitchFamily="18" charset="0"/>
+              </a:endParaRPr>
+            </a:p>
+          </p:txBody>
+        </p:sp>
+        <p:sp>
+          <p:nvSpPr>
+            <p:cNvPr id="18" name="Rounded Rectangle 17"/>
+            <p:cNvSpPr/>
+            <p:nvPr/>
+          </p:nvSpPr>
+          <p:spPr>
+            <a:xfrm>
+              <a:off x="3119650" y="1384798"/>
+              <a:ext cx="882650" cy="349250"/>
+            </a:xfrm>
+            <a:prstGeom prst="roundRect">
+              <a:avLst/>
+            </a:prstGeom>
+            <a:noFill/>
+          </p:spPr>
+          <p:style>
+            <a:lnRef idx="2">
+              <a:schemeClr val="accent1">
+                <a:shade val="50000"/>
+              </a:schemeClr>
+            </a:lnRef>
+            <a:fillRef idx="1">
+              <a:schemeClr val="accent1"/>
+            </a:fillRef>
+            <a:effectRef idx="0">
+              <a:schemeClr val="accent1"/>
+            </a:effectRef>
+            <a:fontRef idx="minor">
+              <a:schemeClr val="lt1"/>
+            </a:fontRef>
+          </p:style>
+          <p:txBody>
+            <a:bodyPr rtlCol="0" anchor="ctr"/>
+            <a:lstStyle/>
+            <a:p>
+              <a:pPr algn="ctr"/>
+              <a:r>
+                <a:rPr lang="en-US" sz="1000" dirty="0" err="1" smtClean="0">
+                  <a:solidFill>
+                    <a:schemeClr val="tx1"/>
+                  </a:solidFill>
+                  <a:latin typeface="Times New Roman" panose="02020603050405020304" pitchFamily="18" charset="0"/>
+                  <a:cs typeface="Times New Roman" panose="02020603050405020304" pitchFamily="18" charset="0"/>
+                </a:rPr>
+                <a:t>InodesBlock</a:t>
+              </a:r>
+              <a:endParaRPr lang="en-US" sz="1000" dirty="0">
+                <a:solidFill>
+                  <a:schemeClr val="tx1"/>
+                </a:solidFill>
+                <a:latin typeface="Times New Roman" panose="02020603050405020304" pitchFamily="18" charset="0"/>
+                <a:cs typeface="Times New Roman" panose="02020603050405020304" pitchFamily="18" charset="0"/>
+              </a:endParaRPr>
+            </a:p>
+          </p:txBody>
+        </p:sp>
+        <p:sp>
+          <p:nvSpPr>
+            <p:cNvPr id="19" name="Rounded Rectangle 18"/>
+            <p:cNvSpPr/>
+            <p:nvPr/>
+          </p:nvSpPr>
+          <p:spPr>
+            <a:xfrm>
+              <a:off x="4297227" y="1370880"/>
+              <a:ext cx="882650" cy="349250"/>
+            </a:xfrm>
+            <a:prstGeom prst="roundRect">
+              <a:avLst/>
+            </a:prstGeom>
+            <a:noFill/>
+          </p:spPr>
+          <p:style>
+            <a:lnRef idx="2">
+              <a:schemeClr val="accent1">
+                <a:shade val="50000"/>
+              </a:schemeClr>
+            </a:lnRef>
+            <a:fillRef idx="1">
+              <a:schemeClr val="accent1"/>
+            </a:fillRef>
+            <a:effectRef idx="0">
+              <a:schemeClr val="accent1"/>
+            </a:effectRef>
+            <a:fontRef idx="minor">
+              <a:schemeClr val="lt1"/>
+            </a:fontRef>
+          </p:style>
+          <p:txBody>
+            <a:bodyPr rtlCol="0" anchor="ctr"/>
+            <a:lstStyle/>
+            <a:p>
+              <a:pPr algn="ctr"/>
+              <a:r>
+                <a:rPr lang="en-US" sz="1000" dirty="0" err="1" smtClean="0">
+                  <a:solidFill>
+                    <a:schemeClr val="tx1"/>
+                  </a:solidFill>
+                  <a:latin typeface="Times New Roman" panose="02020603050405020304" pitchFamily="18" charset="0"/>
+                  <a:cs typeface="Times New Roman" panose="02020603050405020304" pitchFamily="18" charset="0"/>
+                </a:rPr>
+                <a:t>DataBlock</a:t>
+              </a:r>
+              <a:endParaRPr lang="en-US" sz="1000" dirty="0">
+                <a:solidFill>
+                  <a:schemeClr val="tx1"/>
+                </a:solidFill>
+                <a:latin typeface="Times New Roman" panose="02020603050405020304" pitchFamily="18" charset="0"/>
+                <a:cs typeface="Times New Roman" panose="02020603050405020304" pitchFamily="18" charset="0"/>
+              </a:endParaRPr>
+            </a:p>
+          </p:txBody>
+        </p:sp>
+        <p:cxnSp>
+          <p:nvCxnSpPr>
+            <p:cNvPr id="22" name="Straight Connector 21"/>
+            <p:cNvCxnSpPr/>
+            <p:nvPr/>
+          </p:nvCxnSpPr>
+          <p:spPr>
+            <a:xfrm>
+              <a:off x="2298891" y="487222"/>
+              <a:ext cx="2525050" cy="0"/>
+            </a:xfrm>
+            <a:prstGeom prst="line">
+              <a:avLst/>
+            </a:prstGeom>
+          </p:spPr>
+          <p:style>
+            <a:lnRef idx="1">
+              <a:schemeClr val="accent1"/>
+            </a:lnRef>
+            <a:fillRef idx="0">
+              <a:schemeClr val="accent1"/>
+            </a:fillRef>
+            <a:effectRef idx="0">
+              <a:schemeClr val="accent1"/>
+            </a:effectRef>
+            <a:fontRef idx="minor">
+              <a:schemeClr val="tx1"/>
+            </a:fontRef>
+          </p:style>
+        </p:cxnSp>
+        <p:sp>
+          <p:nvSpPr>
+            <p:cNvPr id="23" name="TextBox 22"/>
+            <p:cNvSpPr txBox="1"/>
+            <p:nvPr/>
+          </p:nvSpPr>
+          <p:spPr>
+            <a:xfrm>
+              <a:off x="2298891" y="558921"/>
+              <a:ext cx="2525050" cy="400110"/>
+            </a:xfrm>
+            <a:prstGeom prst="rect">
+              <a:avLst/>
+            </a:prstGeom>
+            <a:noFill/>
+          </p:spPr>
+          <p:txBody>
+            <a:bodyPr wrap="none" rtlCol="0">
+              <a:spAutoFit/>
+            </a:bodyPr>
+            <a:lstStyle/>
+            <a:p>
+              <a:pPr marL="171450" indent="-171450">
+                <a:buFont typeface="Arial" panose="020B0604020202020204" pitchFamily="34" charset="0"/>
+                <a:buChar char="•"/>
+              </a:pPr>
+              <a:r>
+                <a:rPr lang="en-US" sz="1000" dirty="0" smtClean="0">
+                  <a:latin typeface="Times New Roman" panose="02020603050405020304" pitchFamily="18" charset="0"/>
+                  <a:cs typeface="Times New Roman" panose="02020603050405020304" pitchFamily="18" charset="0"/>
+                </a:rPr>
+                <a:t>abstract </a:t>
+              </a:r>
+              <a:r>
+                <a:rPr lang="en-US" sz="1000" dirty="0" err="1" smtClean="0">
+                  <a:latin typeface="Times New Roman" panose="02020603050405020304" pitchFamily="18" charset="0"/>
+                  <a:cs typeface="Times New Roman" panose="02020603050405020304" pitchFamily="18" charset="0"/>
+                </a:rPr>
+                <a:t>storeTo</a:t>
+              </a:r>
+              <a:r>
+                <a:rPr lang="en-US" sz="1000" dirty="0" smtClean="0">
+                  <a:latin typeface="Times New Roman" panose="02020603050405020304" pitchFamily="18" charset="0"/>
+                  <a:cs typeface="Times New Roman" panose="02020603050405020304" pitchFamily="18" charset="0"/>
+                </a:rPr>
+                <a:t>(</a:t>
+              </a:r>
+              <a:r>
+                <a:rPr lang="en-US" sz="1000" dirty="0" err="1" smtClean="0">
+                  <a:latin typeface="Times New Roman" panose="02020603050405020304" pitchFamily="18" charset="0"/>
+                  <a:cs typeface="Times New Roman" panose="02020603050405020304" pitchFamily="18" charset="0"/>
+                </a:rPr>
+                <a:t>WritableByteChannel</a:t>
+              </a:r>
+              <a:r>
+                <a:rPr lang="en-US" sz="1000" dirty="0" smtClean="0">
+                  <a:latin typeface="Times New Roman" panose="02020603050405020304" pitchFamily="18" charset="0"/>
+                  <a:cs typeface="Times New Roman" panose="02020603050405020304" pitchFamily="18" charset="0"/>
+                </a:rPr>
+                <a:t>)</a:t>
+              </a:r>
+            </a:p>
+            <a:p>
+              <a:pPr marL="171450" indent="-171450">
+                <a:buFont typeface="Arial" panose="020B0604020202020204" pitchFamily="34" charset="0"/>
+                <a:buChar char="•"/>
+              </a:pPr>
+              <a:r>
+                <a:rPr lang="en-US" sz="1000" dirty="0" smtClean="0">
+                  <a:latin typeface="Times New Roman" panose="02020603050405020304" pitchFamily="18" charset="0"/>
+                  <a:cs typeface="Times New Roman" panose="02020603050405020304" pitchFamily="18" charset="0"/>
+                </a:rPr>
+                <a:t>abstract </a:t>
+              </a:r>
+              <a:r>
+                <a:rPr lang="en-US" sz="1000" dirty="0" err="1" smtClean="0">
+                  <a:latin typeface="Times New Roman" panose="02020603050405020304" pitchFamily="18" charset="0"/>
+                  <a:cs typeface="Times New Roman" panose="02020603050405020304" pitchFamily="18" charset="0"/>
+                </a:rPr>
+                <a:t>loadFrom</a:t>
+              </a:r>
+              <a:r>
+                <a:rPr lang="en-US" sz="1000" dirty="0" smtClean="0">
+                  <a:latin typeface="Times New Roman" panose="02020603050405020304" pitchFamily="18" charset="0"/>
+                  <a:cs typeface="Times New Roman" panose="02020603050405020304" pitchFamily="18" charset="0"/>
+                </a:rPr>
+                <a:t>(</a:t>
+              </a:r>
+              <a:r>
+                <a:rPr lang="en-US" sz="1000" dirty="0" err="1" smtClean="0">
+                  <a:latin typeface="Times New Roman" panose="02020603050405020304" pitchFamily="18" charset="0"/>
+                  <a:cs typeface="Times New Roman" panose="02020603050405020304" pitchFamily="18" charset="0"/>
+                </a:rPr>
+                <a:t>ReadableByteChannel</a:t>
+              </a:r>
+              <a:r>
+                <a:rPr lang="en-US" sz="1000" dirty="0" smtClean="0">
+                  <a:latin typeface="Times New Roman" panose="02020603050405020304" pitchFamily="18" charset="0"/>
+                  <a:cs typeface="Times New Roman" panose="02020603050405020304" pitchFamily="18" charset="0"/>
+                </a:rPr>
+                <a:t>)</a:t>
+              </a:r>
+              <a:endParaRPr lang="en-US" sz="1000" dirty="0">
+                <a:latin typeface="Times New Roman" panose="02020603050405020304" pitchFamily="18" charset="0"/>
+                <a:cs typeface="Times New Roman" panose="02020603050405020304" pitchFamily="18" charset="0"/>
+              </a:endParaRPr>
+            </a:p>
+          </p:txBody>
+        </p:sp>
+        <p:cxnSp>
+          <p:nvCxnSpPr>
+            <p:cNvPr id="30" name="Straight Connector 29"/>
+            <p:cNvCxnSpPr>
+              <a:endCxn id="19" idx="0"/>
+            </p:cNvCxnSpPr>
+            <p:nvPr/>
+          </p:nvCxnSpPr>
+          <p:spPr>
+            <a:xfrm>
+              <a:off x="4216119" y="1030729"/>
+              <a:ext cx="522433" cy="340151"/>
+            </a:xfrm>
+            <a:prstGeom prst="line">
+              <a:avLst/>
+            </a:prstGeom>
+            <a:ln w="12700">
+              <a:solidFill>
+                <a:schemeClr val="tx1">
+                  <a:lumMod val="50000"/>
+                  <a:lumOff val="50000"/>
+                </a:schemeClr>
+              </a:solidFill>
+              <a:headEnd type="triangle" w="lg" len="med"/>
+              <a:tailEnd type="diamond" w="med" len="med"/>
+            </a:ln>
+          </p:spPr>
+          <p:style>
+            <a:lnRef idx="1">
+              <a:schemeClr val="accent1"/>
+            </a:lnRef>
+            <a:fillRef idx="0">
+              <a:schemeClr val="accent1"/>
+            </a:fillRef>
+            <a:effectRef idx="0">
+              <a:schemeClr val="accent1"/>
+            </a:effectRef>
+            <a:fontRef idx="minor">
+              <a:schemeClr val="tx1"/>
+            </a:fontRef>
+          </p:style>
+        </p:cxnSp>
+        <p:cxnSp>
+          <p:nvCxnSpPr>
+            <p:cNvPr id="35" name="Straight Connector 34"/>
+            <p:cNvCxnSpPr>
+              <a:stCxn id="15" idx="2"/>
+              <a:endCxn id="18" idx="0"/>
+            </p:cNvCxnSpPr>
+            <p:nvPr/>
+          </p:nvCxnSpPr>
+          <p:spPr>
+            <a:xfrm flipH="1">
+              <a:off x="3560975" y="1030730"/>
+              <a:ext cx="441" cy="354068"/>
+            </a:xfrm>
+            <a:prstGeom prst="line">
+              <a:avLst/>
+            </a:prstGeom>
+            <a:ln w="12700">
+              <a:solidFill>
+                <a:schemeClr val="tx1">
+                  <a:lumMod val="50000"/>
+                  <a:lumOff val="50000"/>
+                </a:schemeClr>
+              </a:solidFill>
+              <a:headEnd type="triangle" w="lg" len="med"/>
+              <a:tailEnd type="diamond" w="med" len="med"/>
+            </a:ln>
+          </p:spPr>
+          <p:style>
+            <a:lnRef idx="1">
+              <a:schemeClr val="accent1"/>
+            </a:lnRef>
+            <a:fillRef idx="0">
+              <a:schemeClr val="accent1"/>
+            </a:fillRef>
+            <a:effectRef idx="0">
+              <a:schemeClr val="accent1"/>
+            </a:effectRef>
+            <a:fontRef idx="minor">
+              <a:schemeClr val="tx1"/>
+            </a:fontRef>
+          </p:style>
+        </p:cxnSp>
+      </p:grpSp>
+      <p:grpSp>
+        <p:nvGrpSpPr>
+          <p:cNvPr id="79" name="Group 78"/>
+          <p:cNvGrpSpPr/>
+          <p:nvPr/>
+        </p:nvGrpSpPr>
+        <p:grpSpPr>
+          <a:xfrm>
+            <a:off x="2298891" y="2052604"/>
+            <a:ext cx="2536064" cy="2064161"/>
+            <a:chOff x="2298891" y="2052604"/>
+            <a:chExt cx="2536064" cy="2064161"/>
+          </a:xfrm>
+        </p:grpSpPr>
+        <p:sp>
+          <p:nvSpPr>
+            <p:cNvPr id="44" name="Rounded Rectangle 43"/>
+            <p:cNvSpPr/>
+            <p:nvPr/>
+          </p:nvSpPr>
+          <p:spPr>
+            <a:xfrm>
+              <a:off x="2298891" y="2052604"/>
+              <a:ext cx="2525050" cy="1042287"/>
+            </a:xfrm>
+            <a:prstGeom prst="roundRect">
+              <a:avLst>
+                <a:gd name="adj" fmla="val 7260"/>
+              </a:avLst>
+            </a:prstGeom>
+            <a:noFill/>
+          </p:spPr>
+          <p:style>
+            <a:lnRef idx="2">
+              <a:schemeClr val="accent1">
+                <a:shade val="50000"/>
+              </a:schemeClr>
+            </a:lnRef>
+            <a:fillRef idx="1">
+              <a:schemeClr val="accent1"/>
+            </a:fillRef>
+            <a:effectRef idx="0">
+              <a:schemeClr val="accent1"/>
+            </a:effectRef>
+            <a:fontRef idx="minor">
+              <a:schemeClr val="lt1"/>
+            </a:fontRef>
+          </p:style>
+          <p:txBody>
+            <a:bodyPr rtlCol="0" anchor="t" anchorCtr="0"/>
+            <a:lstStyle/>
+            <a:p>
+              <a:pPr algn="ctr"/>
+              <a:r>
+                <a:rPr lang="en-US" sz="1000" dirty="0" err="1" smtClean="0">
+                  <a:solidFill>
+                    <a:schemeClr val="tx1"/>
+                  </a:solidFill>
+                  <a:latin typeface="Times New Roman" panose="02020603050405020304" pitchFamily="18" charset="0"/>
+                  <a:cs typeface="Times New Roman" panose="02020603050405020304" pitchFamily="18" charset="0"/>
+                </a:rPr>
+                <a:t>SyncProcessor</a:t>
+              </a:r>
+              <a:endParaRPr lang="en-US" sz="1000" dirty="0">
+                <a:solidFill>
+                  <a:schemeClr val="tx1"/>
+                </a:solidFill>
+                <a:latin typeface="Times New Roman" panose="02020603050405020304" pitchFamily="18" charset="0"/>
+                <a:cs typeface="Times New Roman" panose="02020603050405020304" pitchFamily="18" charset="0"/>
+              </a:endParaRPr>
+            </a:p>
+          </p:txBody>
+        </p:sp>
+        <p:cxnSp>
+          <p:nvCxnSpPr>
+            <p:cNvPr id="45" name="Straight Connector 44"/>
+            <p:cNvCxnSpPr>
+              <a:endCxn id="46" idx="0"/>
+            </p:cNvCxnSpPr>
+            <p:nvPr/>
+          </p:nvCxnSpPr>
+          <p:spPr>
+            <a:xfrm flipH="1">
+              <a:off x="2836619" y="3090150"/>
+              <a:ext cx="2497" cy="309379"/>
+            </a:xfrm>
+            <a:prstGeom prst="line">
+              <a:avLst/>
+            </a:prstGeom>
+            <a:ln w="12700">
+              <a:solidFill>
+                <a:schemeClr val="tx1">
+                  <a:lumMod val="50000"/>
+                  <a:lumOff val="50000"/>
+                </a:schemeClr>
+              </a:solidFill>
+              <a:headEnd type="triangle" w="lg" len="med"/>
+              <a:tailEnd type="diamond" w="med" len="med"/>
+            </a:ln>
+          </p:spPr>
+          <p:style>
+            <a:lnRef idx="1">
+              <a:schemeClr val="accent1"/>
+            </a:lnRef>
+            <a:fillRef idx="0">
+              <a:schemeClr val="accent1"/>
+            </a:fillRef>
+            <a:effectRef idx="0">
+              <a:schemeClr val="accent1"/>
+            </a:effectRef>
+            <a:fontRef idx="minor">
+              <a:schemeClr val="tx1"/>
+            </a:fontRef>
+          </p:style>
+        </p:cxnSp>
+        <p:sp>
+          <p:nvSpPr>
+            <p:cNvPr id="46" name="Rounded Rectangle 45"/>
+            <p:cNvSpPr/>
+            <p:nvPr/>
+          </p:nvSpPr>
+          <p:spPr>
+            <a:xfrm>
+              <a:off x="2298891" y="3399529"/>
+              <a:ext cx="1075456" cy="717236"/>
+            </a:xfrm>
+            <a:prstGeom prst="roundRect">
+              <a:avLst/>
+            </a:prstGeom>
+            <a:noFill/>
+          </p:spPr>
+          <p:style>
+            <a:lnRef idx="2">
+              <a:schemeClr val="accent1">
+                <a:shade val="50000"/>
+              </a:schemeClr>
+            </a:lnRef>
+            <a:fillRef idx="1">
+              <a:schemeClr val="accent1"/>
+            </a:fillRef>
+            <a:effectRef idx="0">
+              <a:schemeClr val="accent1"/>
+            </a:effectRef>
+            <a:fontRef idx="minor">
+              <a:schemeClr val="lt1"/>
+            </a:fontRef>
+          </p:style>
+          <p:txBody>
+            <a:bodyPr rtlCol="0" anchor="t" anchorCtr="0"/>
+            <a:lstStyle/>
+            <a:p>
+              <a:pPr algn="ctr"/>
+              <a:r>
+                <a:rPr lang="en-US" sz="1000" dirty="0" err="1">
+                  <a:solidFill>
+                    <a:schemeClr val="tx1"/>
+                  </a:solidFill>
+                  <a:latin typeface="Times New Roman" panose="02020603050405020304" pitchFamily="18" charset="0"/>
+                  <a:cs typeface="Times New Roman" panose="02020603050405020304" pitchFamily="18" charset="0"/>
+                </a:rPr>
+                <a:t>LocalProcessor</a:t>
+              </a:r>
+              <a:endParaRPr lang="en-US" sz="1000" dirty="0">
+                <a:solidFill>
+                  <a:schemeClr val="tx1"/>
+                </a:solidFill>
+                <a:latin typeface="Times New Roman" panose="02020603050405020304" pitchFamily="18" charset="0"/>
+                <a:cs typeface="Times New Roman" panose="02020603050405020304" pitchFamily="18" charset="0"/>
+              </a:endParaRPr>
+            </a:p>
+          </p:txBody>
+        </p:sp>
+        <p:sp>
+          <p:nvSpPr>
+            <p:cNvPr id="47" name="Rounded Rectangle 46"/>
+            <p:cNvSpPr/>
+            <p:nvPr/>
+          </p:nvSpPr>
+          <p:spPr>
+            <a:xfrm>
+              <a:off x="3759499" y="3413447"/>
+              <a:ext cx="1075456" cy="349250"/>
+            </a:xfrm>
+            <a:prstGeom prst="roundRect">
+              <a:avLst/>
+            </a:prstGeom>
+            <a:noFill/>
+          </p:spPr>
+          <p:style>
+            <a:lnRef idx="2">
+              <a:schemeClr val="accent1">
+                <a:shade val="50000"/>
+              </a:schemeClr>
+            </a:lnRef>
+            <a:fillRef idx="1">
+              <a:schemeClr val="accent1"/>
+            </a:fillRef>
+            <a:effectRef idx="0">
+              <a:schemeClr val="accent1"/>
+            </a:effectRef>
+            <a:fontRef idx="minor">
+              <a:schemeClr val="lt1"/>
+            </a:fontRef>
+          </p:style>
+          <p:txBody>
+            <a:bodyPr rtlCol="0" anchor="t" anchorCtr="0"/>
+            <a:lstStyle/>
+            <a:p>
+              <a:pPr algn="ctr"/>
+              <a:r>
+                <a:rPr lang="en-US" sz="1000" dirty="0" err="1">
+                  <a:solidFill>
+                    <a:schemeClr val="tx1"/>
+                  </a:solidFill>
+                  <a:latin typeface="Times New Roman" panose="02020603050405020304" pitchFamily="18" charset="0"/>
+                  <a:cs typeface="Times New Roman" panose="02020603050405020304" pitchFamily="18" charset="0"/>
+                </a:rPr>
+                <a:t>GlobalProcessor</a:t>
+              </a:r>
+              <a:endParaRPr lang="en-US" sz="1000" dirty="0">
+                <a:solidFill>
+                  <a:schemeClr val="tx1"/>
+                </a:solidFill>
+                <a:latin typeface="Times New Roman" panose="02020603050405020304" pitchFamily="18" charset="0"/>
+                <a:cs typeface="Times New Roman" panose="02020603050405020304" pitchFamily="18" charset="0"/>
+              </a:endParaRPr>
+            </a:p>
+          </p:txBody>
+        </p:sp>
+        <p:cxnSp>
+          <p:nvCxnSpPr>
+            <p:cNvPr id="49" name="Straight Connector 48"/>
+            <p:cNvCxnSpPr/>
+            <p:nvPr/>
+          </p:nvCxnSpPr>
+          <p:spPr>
+            <a:xfrm>
+              <a:off x="2298891" y="2392755"/>
+              <a:ext cx="2525050" cy="0"/>
+            </a:xfrm>
+            <a:prstGeom prst="line">
+              <a:avLst/>
+            </a:prstGeom>
+          </p:spPr>
+          <p:style>
+            <a:lnRef idx="1">
+              <a:schemeClr val="accent1"/>
+            </a:lnRef>
+            <a:fillRef idx="0">
+              <a:schemeClr val="accent1"/>
+            </a:fillRef>
+            <a:effectRef idx="0">
+              <a:schemeClr val="accent1"/>
+            </a:effectRef>
+            <a:fontRef idx="minor">
+              <a:schemeClr val="tx1"/>
+            </a:fontRef>
+          </p:style>
+        </p:cxnSp>
+        <p:sp>
+          <p:nvSpPr>
+            <p:cNvPr id="50" name="TextBox 49"/>
+            <p:cNvSpPr txBox="1"/>
+            <p:nvPr/>
+          </p:nvSpPr>
+          <p:spPr>
+            <a:xfrm>
+              <a:off x="2298891" y="2464454"/>
+              <a:ext cx="1867819" cy="553998"/>
+            </a:xfrm>
+            <a:prstGeom prst="rect">
+              <a:avLst/>
+            </a:prstGeom>
+            <a:noFill/>
+          </p:spPr>
+          <p:txBody>
+            <a:bodyPr wrap="none" rtlCol="0">
+              <a:spAutoFit/>
+            </a:bodyPr>
+            <a:lstStyle/>
+            <a:p>
+              <a:pPr marL="171450" indent="-171450">
+                <a:buFont typeface="Arial" panose="020B0604020202020204" pitchFamily="34" charset="0"/>
+                <a:buChar char="•"/>
+              </a:pPr>
+              <a:r>
+                <a:rPr lang="en-US" sz="1000" dirty="0" smtClean="0">
+                  <a:latin typeface="Times New Roman" panose="02020603050405020304" pitchFamily="18" charset="0"/>
+                  <a:cs typeface="Times New Roman" panose="02020603050405020304" pitchFamily="18" charset="0"/>
+                </a:rPr>
+                <a:t>abstract store(Block)</a:t>
+              </a:r>
+            </a:p>
+            <a:p>
+              <a:pPr marL="171450" indent="-171450">
+                <a:buFont typeface="Arial" panose="020B0604020202020204" pitchFamily="34" charset="0"/>
+                <a:buChar char="•"/>
+              </a:pPr>
+              <a:r>
+                <a:rPr lang="en-US" sz="1000" dirty="0" smtClean="0">
+                  <a:latin typeface="Times New Roman" panose="02020603050405020304" pitchFamily="18" charset="0"/>
+                  <a:cs typeface="Times New Roman" panose="02020603050405020304" pitchFamily="18" charset="0"/>
+                </a:rPr>
+                <a:t>abstract load(Block)</a:t>
+              </a:r>
+            </a:p>
+            <a:p>
+              <a:pPr marL="171450" indent="-171450">
+                <a:buFont typeface="Arial" panose="020B0604020202020204" pitchFamily="34" charset="0"/>
+                <a:buChar char="•"/>
+              </a:pPr>
+              <a:r>
+                <a:rPr lang="en-US" sz="1000" dirty="0" err="1" smtClean="0">
+                  <a:latin typeface="Times New Roman" panose="02020603050405020304" pitchFamily="18" charset="0"/>
+                  <a:cs typeface="Times New Roman" panose="02020603050405020304" pitchFamily="18" charset="0"/>
+                </a:rPr>
+                <a:t>SyncProcessor</a:t>
+              </a:r>
+              <a:r>
+                <a:rPr lang="en-US" sz="1000" dirty="0" smtClean="0">
+                  <a:latin typeface="Times New Roman" panose="02020603050405020304" pitchFamily="18" charset="0"/>
+                  <a:cs typeface="Times New Roman" panose="02020603050405020304" pitchFamily="18" charset="0"/>
+                </a:rPr>
+                <a:t> </a:t>
+              </a:r>
+              <a:r>
+                <a:rPr lang="en-US" sz="1000" dirty="0" err="1" smtClean="0">
+                  <a:latin typeface="Times New Roman" panose="02020603050405020304" pitchFamily="18" charset="0"/>
+                  <a:cs typeface="Times New Roman" panose="02020603050405020304" pitchFamily="18" charset="0"/>
+                </a:rPr>
+                <a:t>nextProcessor</a:t>
+              </a:r>
+              <a:endParaRPr lang="en-US" sz="1000" dirty="0">
+                <a:latin typeface="Times New Roman" panose="02020603050405020304" pitchFamily="18" charset="0"/>
+                <a:cs typeface="Times New Roman" panose="02020603050405020304" pitchFamily="18" charset="0"/>
+              </a:endParaRPr>
+            </a:p>
+          </p:txBody>
+        </p:sp>
+        <p:cxnSp>
+          <p:nvCxnSpPr>
+            <p:cNvPr id="52" name="Straight Connector 51"/>
+            <p:cNvCxnSpPr>
+              <a:endCxn id="47" idx="0"/>
+            </p:cNvCxnSpPr>
+            <p:nvPr/>
+          </p:nvCxnSpPr>
+          <p:spPr>
+            <a:xfrm>
+              <a:off x="4297227" y="3094891"/>
+              <a:ext cx="0" cy="318556"/>
+            </a:xfrm>
+            <a:prstGeom prst="line">
+              <a:avLst/>
+            </a:prstGeom>
+            <a:ln w="12700">
+              <a:solidFill>
+                <a:schemeClr val="tx1">
+                  <a:lumMod val="50000"/>
+                  <a:lumOff val="50000"/>
+                </a:schemeClr>
+              </a:solidFill>
+              <a:headEnd type="triangle" w="lg" len="med"/>
+              <a:tailEnd type="diamond" w="med" len="med"/>
+            </a:ln>
+          </p:spPr>
+          <p:style>
+            <a:lnRef idx="1">
+              <a:schemeClr val="accent1"/>
+            </a:lnRef>
+            <a:fillRef idx="0">
+              <a:schemeClr val="accent1"/>
+            </a:fillRef>
+            <a:effectRef idx="0">
+              <a:schemeClr val="accent1"/>
+            </a:effectRef>
+            <a:fontRef idx="minor">
+              <a:schemeClr val="tx1"/>
+            </a:fontRef>
+          </p:style>
+        </p:cxnSp>
+        <p:sp>
+          <p:nvSpPr>
+            <p:cNvPr id="68" name="TextBox 67"/>
+            <p:cNvSpPr txBox="1"/>
+            <p:nvPr/>
+          </p:nvSpPr>
+          <p:spPr>
+            <a:xfrm>
+              <a:off x="2319924" y="3776615"/>
+              <a:ext cx="906017" cy="246221"/>
+            </a:xfrm>
+            <a:prstGeom prst="rect">
+              <a:avLst/>
+            </a:prstGeom>
+            <a:noFill/>
+          </p:spPr>
+          <p:txBody>
+            <a:bodyPr wrap="none" rtlCol="0">
+              <a:spAutoFit/>
+            </a:bodyPr>
+            <a:lstStyle/>
+            <a:p>
+              <a:r>
+                <a:rPr lang="en-US" sz="1000" dirty="0" err="1" smtClean="0">
+                  <a:latin typeface="Times New Roman" panose="02020603050405020304" pitchFamily="18" charset="0"/>
+                  <a:cs typeface="Times New Roman" panose="02020603050405020304" pitchFamily="18" charset="0"/>
+                </a:rPr>
+                <a:t>nextProcessor</a:t>
+              </a:r>
+              <a:endParaRPr lang="en-US" sz="1000" dirty="0">
+                <a:latin typeface="Times New Roman" panose="02020603050405020304" pitchFamily="18" charset="0"/>
+                <a:cs typeface="Times New Roman" panose="02020603050405020304" pitchFamily="18" charset="0"/>
+              </a:endParaRPr>
+            </a:p>
+          </p:txBody>
+        </p:sp>
+        <p:cxnSp>
+          <p:nvCxnSpPr>
+            <p:cNvPr id="69" name="Straight Connector 68"/>
+            <p:cNvCxnSpPr/>
+            <p:nvPr/>
+          </p:nvCxnSpPr>
+          <p:spPr>
+            <a:xfrm>
+              <a:off x="2298891" y="3763944"/>
+              <a:ext cx="1075456" cy="0"/>
+            </a:xfrm>
+            <a:prstGeom prst="line">
+              <a:avLst/>
+            </a:prstGeom>
+          </p:spPr>
+          <p:style>
+            <a:lnRef idx="1">
+              <a:schemeClr val="accent1"/>
+            </a:lnRef>
+            <a:fillRef idx="0">
+              <a:schemeClr val="accent1"/>
+            </a:fillRef>
+            <a:effectRef idx="0">
+              <a:schemeClr val="accent1"/>
+            </a:effectRef>
+            <a:fontRef idx="minor">
+              <a:schemeClr val="tx1"/>
+            </a:fontRef>
+          </p:style>
+        </p:cxnSp>
+        <p:cxnSp>
+          <p:nvCxnSpPr>
+            <p:cNvPr id="75" name="Straight Arrow Connector 74"/>
+            <p:cNvCxnSpPr>
+              <a:stCxn id="68" idx="3"/>
+              <a:endCxn id="47" idx="1"/>
+            </p:cNvCxnSpPr>
+            <p:nvPr/>
+          </p:nvCxnSpPr>
+          <p:spPr>
+            <a:xfrm flipV="1">
+              <a:off x="3225941" y="3588072"/>
+              <a:ext cx="533558" cy="311654"/>
+            </a:xfrm>
+            <a:prstGeom prst="straightConnector1">
+              <a:avLst/>
+            </a:prstGeom>
+            <a:ln>
+              <a:solidFill>
+                <a:schemeClr val="bg1">
+                  <a:lumMod val="65000"/>
+                </a:schemeClr>
+              </a:solidFill>
+              <a:tailEnd type="triangle"/>
+            </a:ln>
+          </p:spPr>
+          <p:style>
+            <a:lnRef idx="1">
+              <a:schemeClr val="accent1"/>
+            </a:lnRef>
+            <a:fillRef idx="0">
+              <a:schemeClr val="accent1"/>
+            </a:fillRef>
+            <a:effectRef idx="0">
+              <a:schemeClr val="accent1"/>
+            </a:effectRef>
+            <a:fontRef idx="minor">
+              <a:schemeClr val="tx1"/>
+            </a:fontRef>
+          </p:style>
+        </p:cxnSp>
+      </p:grpSp>
+    </p:spTree>
+    <p:extLst>
+      <p:ext uri="{BB962C8B-B14F-4D97-AF65-F5344CB8AC3E}">
+        <p14:creationId xmlns:p14="http://schemas.microsoft.com/office/powerpoint/2010/main" val="3936490362"/>
       </p:ext>
     </p:extLst>
   </p:cSld>

--- a/docs/design/figures/fs-design.pptx
+++ b/docs/design/figures/fs-design.pptx
@@ -252,7 +252,7 @@
           <a:p>
             <a:fld id="{305C3DB1-8177-46AD-AF81-2EEE95D844A8}" type="datetimeFigureOut">
               <a:rPr lang="en-US" smtClean="0"/>
-              <a:t>8/3/2017</a:t>
+              <a:t>8/9/2017</a:t>
             </a:fld>
             <a:endParaRPr lang="en-US"/>
           </a:p>
@@ -422,7 +422,7 @@
           <a:p>
             <a:fld id="{305C3DB1-8177-46AD-AF81-2EEE95D844A8}" type="datetimeFigureOut">
               <a:rPr lang="en-US" smtClean="0"/>
-              <a:t>8/3/2017</a:t>
+              <a:t>8/9/2017</a:t>
             </a:fld>
             <a:endParaRPr lang="en-US"/>
           </a:p>
@@ -602,7 +602,7 @@
           <a:p>
             <a:fld id="{305C3DB1-8177-46AD-AF81-2EEE95D844A8}" type="datetimeFigureOut">
               <a:rPr lang="en-US" smtClean="0"/>
-              <a:t>8/3/2017</a:t>
+              <a:t>8/9/2017</a:t>
             </a:fld>
             <a:endParaRPr lang="en-US"/>
           </a:p>
@@ -772,7 +772,7 @@
           <a:p>
             <a:fld id="{305C3DB1-8177-46AD-AF81-2EEE95D844A8}" type="datetimeFigureOut">
               <a:rPr lang="en-US" smtClean="0"/>
-              <a:t>8/3/2017</a:t>
+              <a:t>8/9/2017</a:t>
             </a:fld>
             <a:endParaRPr lang="en-US"/>
           </a:p>
@@ -1016,7 +1016,7 @@
           <a:p>
             <a:fld id="{305C3DB1-8177-46AD-AF81-2EEE95D844A8}" type="datetimeFigureOut">
               <a:rPr lang="en-US" smtClean="0"/>
-              <a:t>8/3/2017</a:t>
+              <a:t>8/9/2017</a:t>
             </a:fld>
             <a:endParaRPr lang="en-US"/>
           </a:p>
@@ -1248,7 +1248,7 @@
           <a:p>
             <a:fld id="{305C3DB1-8177-46AD-AF81-2EEE95D844A8}" type="datetimeFigureOut">
               <a:rPr lang="en-US" smtClean="0"/>
-              <a:t>8/3/2017</a:t>
+              <a:t>8/9/2017</a:t>
             </a:fld>
             <a:endParaRPr lang="en-US"/>
           </a:p>
@@ -1615,7 +1615,7 @@
           <a:p>
             <a:fld id="{305C3DB1-8177-46AD-AF81-2EEE95D844A8}" type="datetimeFigureOut">
               <a:rPr lang="en-US" smtClean="0"/>
-              <a:t>8/3/2017</a:t>
+              <a:t>8/9/2017</a:t>
             </a:fld>
             <a:endParaRPr lang="en-US"/>
           </a:p>
@@ -1733,7 +1733,7 @@
           <a:p>
             <a:fld id="{305C3DB1-8177-46AD-AF81-2EEE95D844A8}" type="datetimeFigureOut">
               <a:rPr lang="en-US" smtClean="0"/>
-              <a:t>8/3/2017</a:t>
+              <a:t>8/9/2017</a:t>
             </a:fld>
             <a:endParaRPr lang="en-US"/>
           </a:p>
@@ -1828,7 +1828,7 @@
           <a:p>
             <a:fld id="{305C3DB1-8177-46AD-AF81-2EEE95D844A8}" type="datetimeFigureOut">
               <a:rPr lang="en-US" smtClean="0"/>
-              <a:t>8/3/2017</a:t>
+              <a:t>8/9/2017</a:t>
             </a:fld>
             <a:endParaRPr lang="en-US"/>
           </a:p>
@@ -2105,7 +2105,7 @@
           <a:p>
             <a:fld id="{305C3DB1-8177-46AD-AF81-2EEE95D844A8}" type="datetimeFigureOut">
               <a:rPr lang="en-US" smtClean="0"/>
-              <a:t>8/3/2017</a:t>
+              <a:t>8/9/2017</a:t>
             </a:fld>
             <a:endParaRPr lang="en-US"/>
           </a:p>
@@ -2362,7 +2362,7 @@
           <a:p>
             <a:fld id="{305C3DB1-8177-46AD-AF81-2EEE95D844A8}" type="datetimeFigureOut">
               <a:rPr lang="en-US" smtClean="0"/>
-              <a:t>8/3/2017</a:t>
+              <a:t>8/9/2017</a:t>
             </a:fld>
             <a:endParaRPr lang="en-US"/>
           </a:p>
@@ -2575,7 +2575,7 @@
           <a:p>
             <a:fld id="{305C3DB1-8177-46AD-AF81-2EEE95D844A8}" type="datetimeFigureOut">
               <a:rPr lang="en-US" smtClean="0"/>
-              <a:t>8/3/2017</a:t>
+              <a:t>8/9/2017</a:t>
             </a:fld>
             <a:endParaRPr lang="en-US"/>
           </a:p>
@@ -6913,14 +6913,7 @@
                 <a:latin typeface="Times New Roman" panose="02020603050405020304" pitchFamily="18" charset="0"/>
                 <a:cs typeface="Times New Roman" panose="02020603050405020304" pitchFamily="18" charset="0"/>
               </a:rPr>
-              <a:t>Local </a:t>
-            </a:r>
-            <a:r>
-              <a:rPr lang="en-US" sz="1000" dirty="0" smtClean="0">
-                <a:latin typeface="Times New Roman" panose="02020603050405020304" pitchFamily="18" charset="0"/>
-                <a:cs typeface="Times New Roman" panose="02020603050405020304" pitchFamily="18" charset="0"/>
-              </a:rPr>
-              <a:t>Processor</a:t>
+              <a:t>Local Processor</a:t>
             </a:r>
             <a:endParaRPr lang="en-US" sz="1000" dirty="0">
               <a:latin typeface="Times New Roman" panose="02020603050405020304" pitchFamily="18" charset="0"/>
@@ -6978,14 +6971,7 @@
                 <a:latin typeface="Times New Roman" panose="02020603050405020304" pitchFamily="18" charset="0"/>
                 <a:cs typeface="Times New Roman" panose="02020603050405020304" pitchFamily="18" charset="0"/>
               </a:rPr>
-              <a:t>Global </a:t>
-            </a:r>
-            <a:r>
-              <a:rPr lang="en-US" sz="1000" dirty="0" smtClean="0">
-                <a:latin typeface="Times New Roman" panose="02020603050405020304" pitchFamily="18" charset="0"/>
-                <a:cs typeface="Times New Roman" panose="02020603050405020304" pitchFamily="18" charset="0"/>
-              </a:rPr>
-              <a:t>Processor</a:t>
+              <a:t>Global Processor</a:t>
             </a:r>
             <a:endParaRPr lang="en-US" sz="1000" dirty="0">
               <a:latin typeface="Times New Roman" panose="02020603050405020304" pitchFamily="18" charset="0"/>
@@ -21383,527 +21369,16 @@
       </p:grpSpPr>
       <p:grpSp>
         <p:nvGrpSpPr>
-          <p:cNvPr id="58" name="Group 57"/>
-          <p:cNvGrpSpPr/>
-          <p:nvPr/>
-        </p:nvGrpSpPr>
-        <p:grpSpPr>
-          <a:xfrm>
-            <a:off x="2030016" y="147072"/>
-            <a:ext cx="3149861" cy="1586976"/>
-            <a:chOff x="2030016" y="147072"/>
-            <a:chExt cx="3149861" cy="1586976"/>
-          </a:xfrm>
-        </p:grpSpPr>
-        <p:sp>
-          <p:nvSpPr>
-            <p:cNvPr id="15" name="Rounded Rectangle 14"/>
-            <p:cNvSpPr/>
-            <p:nvPr/>
-          </p:nvSpPr>
-          <p:spPr>
-            <a:xfrm>
-              <a:off x="2298891" y="147072"/>
-              <a:ext cx="2525050" cy="883658"/>
-            </a:xfrm>
-            <a:prstGeom prst="roundRect">
-              <a:avLst>
-                <a:gd name="adj" fmla="val 7260"/>
-              </a:avLst>
-            </a:prstGeom>
-            <a:noFill/>
-          </p:spPr>
-          <p:style>
-            <a:lnRef idx="2">
-              <a:schemeClr val="accent1">
-                <a:shade val="50000"/>
-              </a:schemeClr>
-            </a:lnRef>
-            <a:fillRef idx="1">
-              <a:schemeClr val="accent1"/>
-            </a:fillRef>
-            <a:effectRef idx="0">
-              <a:schemeClr val="accent1"/>
-            </a:effectRef>
-            <a:fontRef idx="minor">
-              <a:schemeClr val="lt1"/>
-            </a:fontRef>
-          </p:style>
-          <p:txBody>
-            <a:bodyPr rtlCol="0" anchor="t" anchorCtr="0"/>
-            <a:lstStyle/>
-            <a:p>
-              <a:pPr algn="ctr"/>
-              <a:r>
-                <a:rPr lang="en-US" sz="1000" dirty="0" smtClean="0">
-                  <a:solidFill>
-                    <a:schemeClr val="tx1"/>
-                  </a:solidFill>
-                  <a:latin typeface="Times New Roman" panose="02020603050405020304" pitchFamily="18" charset="0"/>
-                  <a:cs typeface="Times New Roman" panose="02020603050405020304" pitchFamily="18" charset="0"/>
-                </a:rPr>
-                <a:t>Block</a:t>
-              </a:r>
-              <a:endParaRPr lang="en-US" sz="1000" dirty="0">
-                <a:solidFill>
-                  <a:schemeClr val="tx1"/>
-                </a:solidFill>
-                <a:latin typeface="Times New Roman" panose="02020603050405020304" pitchFamily="18" charset="0"/>
-                <a:cs typeface="Times New Roman" panose="02020603050405020304" pitchFamily="18" charset="0"/>
-              </a:endParaRPr>
-            </a:p>
-          </p:txBody>
-        </p:sp>
-        <p:cxnSp>
-          <p:nvCxnSpPr>
-            <p:cNvPr id="16" name="Straight Connector 15"/>
-            <p:cNvCxnSpPr>
-              <a:endCxn id="17" idx="0"/>
-            </p:cNvCxnSpPr>
-            <p:nvPr/>
-          </p:nvCxnSpPr>
-          <p:spPr>
-            <a:xfrm flipH="1">
-              <a:off x="2471341" y="1030729"/>
-              <a:ext cx="648750" cy="340151"/>
-            </a:xfrm>
-            <a:prstGeom prst="line">
-              <a:avLst/>
-            </a:prstGeom>
-            <a:ln w="12700">
-              <a:solidFill>
-                <a:schemeClr val="tx1">
-                  <a:lumMod val="50000"/>
-                  <a:lumOff val="50000"/>
-                </a:schemeClr>
-              </a:solidFill>
-              <a:headEnd type="triangle" w="lg" len="med"/>
-              <a:tailEnd type="diamond" w="med" len="med"/>
-            </a:ln>
-          </p:spPr>
-          <p:style>
-            <a:lnRef idx="1">
-              <a:schemeClr val="accent1"/>
-            </a:lnRef>
-            <a:fillRef idx="0">
-              <a:schemeClr val="accent1"/>
-            </a:fillRef>
-            <a:effectRef idx="0">
-              <a:schemeClr val="accent1"/>
-            </a:effectRef>
-            <a:fontRef idx="minor">
-              <a:schemeClr val="tx1"/>
-            </a:fontRef>
-          </p:style>
-        </p:cxnSp>
-        <p:sp>
-          <p:nvSpPr>
-            <p:cNvPr id="17" name="Rounded Rectangle 16"/>
-            <p:cNvSpPr/>
-            <p:nvPr/>
-          </p:nvSpPr>
-          <p:spPr>
-            <a:xfrm>
-              <a:off x="2030016" y="1370880"/>
-              <a:ext cx="882650" cy="349250"/>
-            </a:xfrm>
-            <a:prstGeom prst="roundRect">
-              <a:avLst/>
-            </a:prstGeom>
-            <a:noFill/>
-          </p:spPr>
-          <p:style>
-            <a:lnRef idx="2">
-              <a:schemeClr val="accent1">
-                <a:shade val="50000"/>
-              </a:schemeClr>
-            </a:lnRef>
-            <a:fillRef idx="1">
-              <a:schemeClr val="accent1"/>
-            </a:fillRef>
-            <a:effectRef idx="0">
-              <a:schemeClr val="accent1"/>
-            </a:effectRef>
-            <a:fontRef idx="minor">
-              <a:schemeClr val="lt1"/>
-            </a:fontRef>
-          </p:style>
-          <p:txBody>
-            <a:bodyPr rtlCol="0" anchor="ctr"/>
-            <a:lstStyle/>
-            <a:p>
-              <a:pPr algn="ctr"/>
-              <a:r>
-                <a:rPr lang="en-US" sz="1000" dirty="0" err="1" smtClean="0">
-                  <a:solidFill>
-                    <a:schemeClr val="tx1"/>
-                  </a:solidFill>
-                  <a:latin typeface="Times New Roman" panose="02020603050405020304" pitchFamily="18" charset="0"/>
-                  <a:cs typeface="Times New Roman" panose="02020603050405020304" pitchFamily="18" charset="0"/>
-                </a:rPr>
-                <a:t>IbmapBlock</a:t>
-              </a:r>
-              <a:endParaRPr lang="en-US" sz="1000" dirty="0">
-                <a:solidFill>
-                  <a:schemeClr val="tx1"/>
-                </a:solidFill>
-                <a:latin typeface="Times New Roman" panose="02020603050405020304" pitchFamily="18" charset="0"/>
-                <a:cs typeface="Times New Roman" panose="02020603050405020304" pitchFamily="18" charset="0"/>
-              </a:endParaRPr>
-            </a:p>
-          </p:txBody>
-        </p:sp>
-        <p:sp>
-          <p:nvSpPr>
-            <p:cNvPr id="18" name="Rounded Rectangle 17"/>
-            <p:cNvSpPr/>
-            <p:nvPr/>
-          </p:nvSpPr>
-          <p:spPr>
-            <a:xfrm>
-              <a:off x="3119650" y="1384798"/>
-              <a:ext cx="882650" cy="349250"/>
-            </a:xfrm>
-            <a:prstGeom prst="roundRect">
-              <a:avLst/>
-            </a:prstGeom>
-            <a:noFill/>
-          </p:spPr>
-          <p:style>
-            <a:lnRef idx="2">
-              <a:schemeClr val="accent1">
-                <a:shade val="50000"/>
-              </a:schemeClr>
-            </a:lnRef>
-            <a:fillRef idx="1">
-              <a:schemeClr val="accent1"/>
-            </a:fillRef>
-            <a:effectRef idx="0">
-              <a:schemeClr val="accent1"/>
-            </a:effectRef>
-            <a:fontRef idx="minor">
-              <a:schemeClr val="lt1"/>
-            </a:fontRef>
-          </p:style>
-          <p:txBody>
-            <a:bodyPr rtlCol="0" anchor="ctr"/>
-            <a:lstStyle/>
-            <a:p>
-              <a:pPr algn="ctr"/>
-              <a:r>
-                <a:rPr lang="en-US" sz="1000" dirty="0" err="1" smtClean="0">
-                  <a:solidFill>
-                    <a:schemeClr val="tx1"/>
-                  </a:solidFill>
-                  <a:latin typeface="Times New Roman" panose="02020603050405020304" pitchFamily="18" charset="0"/>
-                  <a:cs typeface="Times New Roman" panose="02020603050405020304" pitchFamily="18" charset="0"/>
-                </a:rPr>
-                <a:t>InodesBlock</a:t>
-              </a:r>
-              <a:endParaRPr lang="en-US" sz="1000" dirty="0">
-                <a:solidFill>
-                  <a:schemeClr val="tx1"/>
-                </a:solidFill>
-                <a:latin typeface="Times New Roman" panose="02020603050405020304" pitchFamily="18" charset="0"/>
-                <a:cs typeface="Times New Roman" panose="02020603050405020304" pitchFamily="18" charset="0"/>
-              </a:endParaRPr>
-            </a:p>
-          </p:txBody>
-        </p:sp>
-        <p:sp>
-          <p:nvSpPr>
-            <p:cNvPr id="19" name="Rounded Rectangle 18"/>
-            <p:cNvSpPr/>
-            <p:nvPr/>
-          </p:nvSpPr>
-          <p:spPr>
-            <a:xfrm>
-              <a:off x="4297227" y="1370880"/>
-              <a:ext cx="882650" cy="349250"/>
-            </a:xfrm>
-            <a:prstGeom prst="roundRect">
-              <a:avLst/>
-            </a:prstGeom>
-            <a:noFill/>
-          </p:spPr>
-          <p:style>
-            <a:lnRef idx="2">
-              <a:schemeClr val="accent1">
-                <a:shade val="50000"/>
-              </a:schemeClr>
-            </a:lnRef>
-            <a:fillRef idx="1">
-              <a:schemeClr val="accent1"/>
-            </a:fillRef>
-            <a:effectRef idx="0">
-              <a:schemeClr val="accent1"/>
-            </a:effectRef>
-            <a:fontRef idx="minor">
-              <a:schemeClr val="lt1"/>
-            </a:fontRef>
-          </p:style>
-          <p:txBody>
-            <a:bodyPr rtlCol="0" anchor="ctr"/>
-            <a:lstStyle/>
-            <a:p>
-              <a:pPr algn="ctr"/>
-              <a:r>
-                <a:rPr lang="en-US" sz="1000" dirty="0" err="1" smtClean="0">
-                  <a:solidFill>
-                    <a:schemeClr val="tx1"/>
-                  </a:solidFill>
-                  <a:latin typeface="Times New Roman" panose="02020603050405020304" pitchFamily="18" charset="0"/>
-                  <a:cs typeface="Times New Roman" panose="02020603050405020304" pitchFamily="18" charset="0"/>
-                </a:rPr>
-                <a:t>DataBlock</a:t>
-              </a:r>
-              <a:endParaRPr lang="en-US" sz="1000" dirty="0">
-                <a:solidFill>
-                  <a:schemeClr val="tx1"/>
-                </a:solidFill>
-                <a:latin typeface="Times New Roman" panose="02020603050405020304" pitchFamily="18" charset="0"/>
-                <a:cs typeface="Times New Roman" panose="02020603050405020304" pitchFamily="18" charset="0"/>
-              </a:endParaRPr>
-            </a:p>
-          </p:txBody>
-        </p:sp>
-        <p:cxnSp>
-          <p:nvCxnSpPr>
-            <p:cNvPr id="22" name="Straight Connector 21"/>
-            <p:cNvCxnSpPr/>
-            <p:nvPr/>
-          </p:nvCxnSpPr>
-          <p:spPr>
-            <a:xfrm>
-              <a:off x="2298891" y="487222"/>
-              <a:ext cx="2525050" cy="0"/>
-            </a:xfrm>
-            <a:prstGeom prst="line">
-              <a:avLst/>
-            </a:prstGeom>
-          </p:spPr>
-          <p:style>
-            <a:lnRef idx="1">
-              <a:schemeClr val="accent1"/>
-            </a:lnRef>
-            <a:fillRef idx="0">
-              <a:schemeClr val="accent1"/>
-            </a:fillRef>
-            <a:effectRef idx="0">
-              <a:schemeClr val="accent1"/>
-            </a:effectRef>
-            <a:fontRef idx="minor">
-              <a:schemeClr val="tx1"/>
-            </a:fontRef>
-          </p:style>
-        </p:cxnSp>
-        <p:sp>
-          <p:nvSpPr>
-            <p:cNvPr id="23" name="TextBox 22"/>
-            <p:cNvSpPr txBox="1"/>
-            <p:nvPr/>
-          </p:nvSpPr>
-          <p:spPr>
-            <a:xfrm>
-              <a:off x="2298891" y="558921"/>
-              <a:ext cx="2525050" cy="400110"/>
-            </a:xfrm>
-            <a:prstGeom prst="rect">
-              <a:avLst/>
-            </a:prstGeom>
-            <a:noFill/>
-          </p:spPr>
-          <p:txBody>
-            <a:bodyPr wrap="none" rtlCol="0">
-              <a:spAutoFit/>
-            </a:bodyPr>
-            <a:lstStyle/>
-            <a:p>
-              <a:pPr marL="171450" indent="-171450">
-                <a:buFont typeface="Arial" panose="020B0604020202020204" pitchFamily="34" charset="0"/>
-                <a:buChar char="•"/>
-              </a:pPr>
-              <a:r>
-                <a:rPr lang="en-US" sz="1000" dirty="0" smtClean="0">
-                  <a:latin typeface="Times New Roman" panose="02020603050405020304" pitchFamily="18" charset="0"/>
-                  <a:cs typeface="Times New Roman" panose="02020603050405020304" pitchFamily="18" charset="0"/>
-                </a:rPr>
-                <a:t>abstract </a:t>
-              </a:r>
-              <a:r>
-                <a:rPr lang="en-US" sz="1000" dirty="0" err="1" smtClean="0">
-                  <a:latin typeface="Times New Roman" panose="02020603050405020304" pitchFamily="18" charset="0"/>
-                  <a:cs typeface="Times New Roman" panose="02020603050405020304" pitchFamily="18" charset="0"/>
-                </a:rPr>
-                <a:t>storeTo</a:t>
-              </a:r>
-              <a:r>
-                <a:rPr lang="en-US" sz="1000" dirty="0" smtClean="0">
-                  <a:latin typeface="Times New Roman" panose="02020603050405020304" pitchFamily="18" charset="0"/>
-                  <a:cs typeface="Times New Roman" panose="02020603050405020304" pitchFamily="18" charset="0"/>
-                </a:rPr>
-                <a:t>(</a:t>
-              </a:r>
-              <a:r>
-                <a:rPr lang="en-US" sz="1000" dirty="0" err="1" smtClean="0">
-                  <a:latin typeface="Times New Roman" panose="02020603050405020304" pitchFamily="18" charset="0"/>
-                  <a:cs typeface="Times New Roman" panose="02020603050405020304" pitchFamily="18" charset="0"/>
-                </a:rPr>
-                <a:t>WritableByteChannel</a:t>
-              </a:r>
-              <a:r>
-                <a:rPr lang="en-US" sz="1000" dirty="0" smtClean="0">
-                  <a:latin typeface="Times New Roman" panose="02020603050405020304" pitchFamily="18" charset="0"/>
-                  <a:cs typeface="Times New Roman" panose="02020603050405020304" pitchFamily="18" charset="0"/>
-                </a:rPr>
-                <a:t>)</a:t>
-              </a:r>
-            </a:p>
-            <a:p>
-              <a:pPr marL="171450" indent="-171450">
-                <a:buFont typeface="Arial" panose="020B0604020202020204" pitchFamily="34" charset="0"/>
-                <a:buChar char="•"/>
-              </a:pPr>
-              <a:r>
-                <a:rPr lang="en-US" sz="1000" dirty="0" smtClean="0">
-                  <a:latin typeface="Times New Roman" panose="02020603050405020304" pitchFamily="18" charset="0"/>
-                  <a:cs typeface="Times New Roman" panose="02020603050405020304" pitchFamily="18" charset="0"/>
-                </a:rPr>
-                <a:t>abstract </a:t>
-              </a:r>
-              <a:r>
-                <a:rPr lang="en-US" sz="1000" dirty="0" err="1" smtClean="0">
-                  <a:latin typeface="Times New Roman" panose="02020603050405020304" pitchFamily="18" charset="0"/>
-                  <a:cs typeface="Times New Roman" panose="02020603050405020304" pitchFamily="18" charset="0"/>
-                </a:rPr>
-                <a:t>loadFrom</a:t>
-              </a:r>
-              <a:r>
-                <a:rPr lang="en-US" sz="1000" dirty="0" smtClean="0">
-                  <a:latin typeface="Times New Roman" panose="02020603050405020304" pitchFamily="18" charset="0"/>
-                  <a:cs typeface="Times New Roman" panose="02020603050405020304" pitchFamily="18" charset="0"/>
-                </a:rPr>
-                <a:t>(</a:t>
-              </a:r>
-              <a:r>
-                <a:rPr lang="en-US" sz="1000" dirty="0" err="1" smtClean="0">
-                  <a:latin typeface="Times New Roman" panose="02020603050405020304" pitchFamily="18" charset="0"/>
-                  <a:cs typeface="Times New Roman" panose="02020603050405020304" pitchFamily="18" charset="0"/>
-                </a:rPr>
-                <a:t>ReadableByteChannel</a:t>
-              </a:r>
-              <a:r>
-                <a:rPr lang="en-US" sz="1000" dirty="0" smtClean="0">
-                  <a:latin typeface="Times New Roman" panose="02020603050405020304" pitchFamily="18" charset="0"/>
-                  <a:cs typeface="Times New Roman" panose="02020603050405020304" pitchFamily="18" charset="0"/>
-                </a:rPr>
-                <a:t>)</a:t>
-              </a:r>
-              <a:endParaRPr lang="en-US" sz="1000" dirty="0">
-                <a:latin typeface="Times New Roman" panose="02020603050405020304" pitchFamily="18" charset="0"/>
-                <a:cs typeface="Times New Roman" panose="02020603050405020304" pitchFamily="18" charset="0"/>
-              </a:endParaRPr>
-            </a:p>
-          </p:txBody>
-        </p:sp>
-        <p:cxnSp>
-          <p:nvCxnSpPr>
-            <p:cNvPr id="30" name="Straight Connector 29"/>
-            <p:cNvCxnSpPr>
-              <a:endCxn id="19" idx="0"/>
-            </p:cNvCxnSpPr>
-            <p:nvPr/>
-          </p:nvCxnSpPr>
-          <p:spPr>
-            <a:xfrm>
-              <a:off x="4216119" y="1030729"/>
-              <a:ext cx="522433" cy="340151"/>
-            </a:xfrm>
-            <a:prstGeom prst="line">
-              <a:avLst/>
-            </a:prstGeom>
-            <a:ln w="12700">
-              <a:solidFill>
-                <a:schemeClr val="tx1">
-                  <a:lumMod val="50000"/>
-                  <a:lumOff val="50000"/>
-                </a:schemeClr>
-              </a:solidFill>
-              <a:headEnd type="triangle" w="lg" len="med"/>
-              <a:tailEnd type="diamond" w="med" len="med"/>
-            </a:ln>
-          </p:spPr>
-          <p:style>
-            <a:lnRef idx="1">
-              <a:schemeClr val="accent1"/>
-            </a:lnRef>
-            <a:fillRef idx="0">
-              <a:schemeClr val="accent1"/>
-            </a:fillRef>
-            <a:effectRef idx="0">
-              <a:schemeClr val="accent1"/>
-            </a:effectRef>
-            <a:fontRef idx="minor">
-              <a:schemeClr val="tx1"/>
-            </a:fontRef>
-          </p:style>
-        </p:cxnSp>
-        <p:cxnSp>
-          <p:nvCxnSpPr>
-            <p:cNvPr id="35" name="Straight Connector 34"/>
-            <p:cNvCxnSpPr>
-              <a:stCxn id="15" idx="2"/>
-              <a:endCxn id="18" idx="0"/>
-            </p:cNvCxnSpPr>
-            <p:nvPr/>
-          </p:nvCxnSpPr>
-          <p:spPr>
-            <a:xfrm flipH="1">
-              <a:off x="3560975" y="1030730"/>
-              <a:ext cx="441" cy="354068"/>
-            </a:xfrm>
-            <a:prstGeom prst="line">
-              <a:avLst/>
-            </a:prstGeom>
-            <a:ln w="12700">
-              <a:solidFill>
-                <a:schemeClr val="tx1">
-                  <a:lumMod val="50000"/>
-                  <a:lumOff val="50000"/>
-                </a:schemeClr>
-              </a:solidFill>
-              <a:headEnd type="triangle" w="lg" len="med"/>
-              <a:tailEnd type="diamond" w="med" len="med"/>
-            </a:ln>
-          </p:spPr>
-          <p:style>
-            <a:lnRef idx="1">
-              <a:schemeClr val="accent1"/>
-            </a:lnRef>
-            <a:fillRef idx="0">
-              <a:schemeClr val="accent1"/>
-            </a:fillRef>
-            <a:effectRef idx="0">
-              <a:schemeClr val="accent1"/>
-            </a:effectRef>
-            <a:fontRef idx="minor">
-              <a:schemeClr val="tx1"/>
-            </a:fontRef>
-          </p:style>
-        </p:cxnSp>
-      </p:grpSp>
-      <p:grpSp>
-        <p:nvGrpSpPr>
           <p:cNvPr id="79" name="Group 78"/>
           <p:cNvGrpSpPr/>
           <p:nvPr/>
         </p:nvGrpSpPr>
         <p:grpSpPr>
           <a:xfrm>
-            <a:off x="2298891" y="2052604"/>
-            <a:ext cx="2536064" cy="2064161"/>
+            <a:off x="1199253" y="2514712"/>
+            <a:ext cx="2536064" cy="1970232"/>
             <a:chOff x="2298891" y="2052604"/>
-            <a:chExt cx="2536064" cy="2064161"/>
+            <a:chExt cx="2536064" cy="1970232"/>
           </a:xfrm>
         </p:grpSpPr>
         <p:sp>
@@ -21976,7 +21451,7 @@
           <p:spPr>
             <a:xfrm flipH="1">
               <a:off x="2836619" y="3090150"/>
-              <a:ext cx="2497" cy="309379"/>
+              <a:ext cx="2498" cy="309379"/>
             </a:xfrm>
             <a:prstGeom prst="line">
               <a:avLst/>
@@ -22016,7 +21491,7 @@
           <p:spPr>
             <a:xfrm>
               <a:off x="2298891" y="3399529"/>
-              <a:ext cx="1075456" cy="717236"/>
+              <a:ext cx="1075456" cy="623307"/>
             </a:xfrm>
             <a:prstGeom prst="roundRect">
               <a:avLst/>
@@ -22281,7 +21756,7 @@
           </p:nvSpPr>
           <p:spPr>
             <a:xfrm>
-              <a:off x="2319924" y="3776615"/>
+              <a:off x="2319924" y="3744787"/>
               <a:ext cx="906017" cy="246221"/>
             </a:xfrm>
             <a:prstGeom prst="rect">
@@ -22317,7 +21792,7 @@
           </p:nvCxnSpPr>
           <p:spPr>
             <a:xfrm>
-              <a:off x="2298891" y="3763944"/>
+              <a:off x="2298891" y="3736789"/>
               <a:ext cx="1075456" cy="0"/>
             </a:xfrm>
             <a:prstGeom prst="line">
@@ -22351,7 +21826,7 @@
           <p:spPr>
             <a:xfrm flipV="1">
               <a:off x="3225941" y="3588072"/>
-              <a:ext cx="533558" cy="311654"/>
+              <a:ext cx="533558" cy="279826"/>
             </a:xfrm>
             <a:prstGeom prst="straightConnector1">
               <a:avLst/>
@@ -22381,6 +21856,1391 @@
           </p:style>
         </p:cxnSp>
       </p:grpSp>
+      <p:grpSp>
+        <p:nvGrpSpPr>
+          <p:cNvPr id="59" name="Group 58"/>
+          <p:cNvGrpSpPr/>
+          <p:nvPr/>
+        </p:nvGrpSpPr>
+        <p:grpSpPr>
+          <a:xfrm>
+            <a:off x="1199253" y="-33376"/>
+            <a:ext cx="5853252" cy="2136240"/>
+            <a:chOff x="661848" y="-33376"/>
+            <a:chExt cx="5853252" cy="2136240"/>
+          </a:xfrm>
+        </p:grpSpPr>
+        <p:sp>
+          <p:nvSpPr>
+            <p:cNvPr id="15" name="Rounded Rectangle 14"/>
+            <p:cNvSpPr/>
+            <p:nvPr/>
+          </p:nvSpPr>
+          <p:spPr>
+            <a:xfrm>
+              <a:off x="1064451" y="129540"/>
+              <a:ext cx="2525050" cy="901190"/>
+            </a:xfrm>
+            <a:prstGeom prst="roundRect">
+              <a:avLst>
+                <a:gd name="adj" fmla="val 7260"/>
+              </a:avLst>
+            </a:prstGeom>
+            <a:noFill/>
+          </p:spPr>
+          <p:style>
+            <a:lnRef idx="2">
+              <a:schemeClr val="accent1">
+                <a:shade val="50000"/>
+              </a:schemeClr>
+            </a:lnRef>
+            <a:fillRef idx="1">
+              <a:schemeClr val="accent1"/>
+            </a:fillRef>
+            <a:effectRef idx="0">
+              <a:schemeClr val="accent1"/>
+            </a:effectRef>
+            <a:fontRef idx="minor">
+              <a:schemeClr val="lt1"/>
+            </a:fontRef>
+          </p:style>
+          <p:txBody>
+            <a:bodyPr rtlCol="0" anchor="t" anchorCtr="0"/>
+            <a:lstStyle/>
+            <a:p>
+              <a:pPr algn="ctr"/>
+              <a:r>
+                <a:rPr lang="en-US" sz="1000" dirty="0" smtClean="0">
+                  <a:solidFill>
+                    <a:schemeClr val="tx1"/>
+                  </a:solidFill>
+                  <a:latin typeface="Times New Roman" panose="02020603050405020304" pitchFamily="18" charset="0"/>
+                  <a:cs typeface="Times New Roman" panose="02020603050405020304" pitchFamily="18" charset="0"/>
+                </a:rPr>
+                <a:t>Block</a:t>
+              </a:r>
+              <a:endParaRPr lang="en-US" sz="1000" dirty="0">
+                <a:solidFill>
+                  <a:schemeClr val="tx1"/>
+                </a:solidFill>
+                <a:latin typeface="Times New Roman" panose="02020603050405020304" pitchFamily="18" charset="0"/>
+                <a:cs typeface="Times New Roman" panose="02020603050405020304" pitchFamily="18" charset="0"/>
+              </a:endParaRPr>
+            </a:p>
+          </p:txBody>
+        </p:sp>
+        <p:cxnSp>
+          <p:nvCxnSpPr>
+            <p:cNvPr id="16" name="Straight Connector 15"/>
+            <p:cNvCxnSpPr>
+              <a:endCxn id="17" idx="0"/>
+            </p:cNvCxnSpPr>
+            <p:nvPr/>
+          </p:nvCxnSpPr>
+          <p:spPr>
+            <a:xfrm flipH="1">
+              <a:off x="1170037" y="1030729"/>
+              <a:ext cx="648750" cy="340151"/>
+            </a:xfrm>
+            <a:prstGeom prst="line">
+              <a:avLst/>
+            </a:prstGeom>
+            <a:ln w="12700">
+              <a:solidFill>
+                <a:schemeClr val="tx1">
+                  <a:lumMod val="50000"/>
+                  <a:lumOff val="50000"/>
+                </a:schemeClr>
+              </a:solidFill>
+              <a:headEnd type="triangle" w="lg" len="med"/>
+              <a:tailEnd type="diamond" w="med" len="med"/>
+            </a:ln>
+          </p:spPr>
+          <p:style>
+            <a:lnRef idx="1">
+              <a:schemeClr val="accent1"/>
+            </a:lnRef>
+            <a:fillRef idx="0">
+              <a:schemeClr val="accent1"/>
+            </a:fillRef>
+            <a:effectRef idx="0">
+              <a:schemeClr val="accent1"/>
+            </a:effectRef>
+            <a:fontRef idx="minor">
+              <a:schemeClr val="tx1"/>
+            </a:fontRef>
+          </p:style>
+        </p:cxnSp>
+        <p:sp>
+          <p:nvSpPr>
+            <p:cNvPr id="17" name="Rounded Rectangle 16"/>
+            <p:cNvSpPr/>
+            <p:nvPr/>
+          </p:nvSpPr>
+          <p:spPr>
+            <a:xfrm>
+              <a:off x="661848" y="1370880"/>
+              <a:ext cx="1016378" cy="731982"/>
+            </a:xfrm>
+            <a:prstGeom prst="roundRect">
+              <a:avLst/>
+            </a:prstGeom>
+            <a:noFill/>
+          </p:spPr>
+          <p:style>
+            <a:lnRef idx="2">
+              <a:schemeClr val="accent1">
+                <a:shade val="50000"/>
+              </a:schemeClr>
+            </a:lnRef>
+            <a:fillRef idx="1">
+              <a:schemeClr val="accent1"/>
+            </a:fillRef>
+            <a:effectRef idx="0">
+              <a:schemeClr val="accent1"/>
+            </a:effectRef>
+            <a:fontRef idx="minor">
+              <a:schemeClr val="lt1"/>
+            </a:fontRef>
+          </p:style>
+          <p:txBody>
+            <a:bodyPr rtlCol="0" anchor="t" anchorCtr="0"/>
+            <a:lstStyle/>
+            <a:p>
+              <a:pPr algn="ctr"/>
+              <a:r>
+                <a:rPr lang="en-US" sz="1000" dirty="0" err="1">
+                  <a:solidFill>
+                    <a:schemeClr val="tx1"/>
+                  </a:solidFill>
+                  <a:latin typeface="Times New Roman" panose="02020603050405020304" pitchFamily="18" charset="0"/>
+                  <a:cs typeface="Times New Roman" panose="02020603050405020304" pitchFamily="18" charset="0"/>
+                </a:rPr>
+                <a:t>IbmapBlock</a:t>
+              </a:r>
+              <a:endParaRPr lang="en-US" sz="1000" dirty="0">
+                <a:solidFill>
+                  <a:schemeClr val="tx1"/>
+                </a:solidFill>
+                <a:latin typeface="Times New Roman" panose="02020603050405020304" pitchFamily="18" charset="0"/>
+                <a:cs typeface="Times New Roman" panose="02020603050405020304" pitchFamily="18" charset="0"/>
+              </a:endParaRPr>
+            </a:p>
+          </p:txBody>
+        </p:sp>
+        <p:sp>
+          <p:nvSpPr>
+            <p:cNvPr id="18" name="Rounded Rectangle 17"/>
+            <p:cNvSpPr/>
+            <p:nvPr/>
+          </p:nvSpPr>
+          <p:spPr>
+            <a:xfrm>
+              <a:off x="1774140" y="1384798"/>
+              <a:ext cx="1104790" cy="718066"/>
+            </a:xfrm>
+            <a:prstGeom prst="roundRect">
+              <a:avLst/>
+            </a:prstGeom>
+            <a:noFill/>
+          </p:spPr>
+          <p:style>
+            <a:lnRef idx="2">
+              <a:schemeClr val="accent1">
+                <a:shade val="50000"/>
+              </a:schemeClr>
+            </a:lnRef>
+            <a:fillRef idx="1">
+              <a:schemeClr val="accent1"/>
+            </a:fillRef>
+            <a:effectRef idx="0">
+              <a:schemeClr val="accent1"/>
+            </a:effectRef>
+            <a:fontRef idx="minor">
+              <a:schemeClr val="lt1"/>
+            </a:fontRef>
+          </p:style>
+          <p:txBody>
+            <a:bodyPr rtlCol="0" anchor="t" anchorCtr="0"/>
+            <a:lstStyle/>
+            <a:p>
+              <a:pPr algn="ctr"/>
+              <a:r>
+                <a:rPr lang="en-US" sz="1000" dirty="0" err="1">
+                  <a:solidFill>
+                    <a:schemeClr val="tx1"/>
+                  </a:solidFill>
+                  <a:latin typeface="Times New Roman" panose="02020603050405020304" pitchFamily="18" charset="0"/>
+                  <a:cs typeface="Times New Roman" panose="02020603050405020304" pitchFamily="18" charset="0"/>
+                </a:rPr>
+                <a:t>InodesBlock</a:t>
+              </a:r>
+              <a:endParaRPr lang="en-US" sz="1000" dirty="0">
+                <a:solidFill>
+                  <a:schemeClr val="tx1"/>
+                </a:solidFill>
+                <a:latin typeface="Times New Roman" panose="02020603050405020304" pitchFamily="18" charset="0"/>
+                <a:cs typeface="Times New Roman" panose="02020603050405020304" pitchFamily="18" charset="0"/>
+              </a:endParaRPr>
+            </a:p>
+          </p:txBody>
+        </p:sp>
+        <p:sp>
+          <p:nvSpPr>
+            <p:cNvPr id="19" name="Rounded Rectangle 18"/>
+            <p:cNvSpPr/>
+            <p:nvPr/>
+          </p:nvSpPr>
+          <p:spPr>
+            <a:xfrm>
+              <a:off x="2974844" y="1370879"/>
+              <a:ext cx="970593" cy="731983"/>
+            </a:xfrm>
+            <a:prstGeom prst="roundRect">
+              <a:avLst/>
+            </a:prstGeom>
+            <a:noFill/>
+          </p:spPr>
+          <p:style>
+            <a:lnRef idx="2">
+              <a:schemeClr val="accent1">
+                <a:shade val="50000"/>
+              </a:schemeClr>
+            </a:lnRef>
+            <a:fillRef idx="1">
+              <a:schemeClr val="accent1"/>
+            </a:fillRef>
+            <a:effectRef idx="0">
+              <a:schemeClr val="accent1"/>
+            </a:effectRef>
+            <a:fontRef idx="minor">
+              <a:schemeClr val="lt1"/>
+            </a:fontRef>
+          </p:style>
+          <p:txBody>
+            <a:bodyPr rtlCol="0" anchor="t" anchorCtr="0"/>
+            <a:lstStyle/>
+            <a:p>
+              <a:pPr algn="ctr"/>
+              <a:r>
+                <a:rPr lang="en-US" sz="1000" dirty="0" err="1">
+                  <a:solidFill>
+                    <a:schemeClr val="tx1"/>
+                  </a:solidFill>
+                  <a:latin typeface="Times New Roman" panose="02020603050405020304" pitchFamily="18" charset="0"/>
+                  <a:cs typeface="Times New Roman" panose="02020603050405020304" pitchFamily="18" charset="0"/>
+                </a:rPr>
+                <a:t>DataSegment</a:t>
+              </a:r>
+              <a:endParaRPr lang="en-US" sz="1000" dirty="0">
+                <a:solidFill>
+                  <a:schemeClr val="tx1"/>
+                </a:solidFill>
+                <a:latin typeface="Times New Roman" panose="02020603050405020304" pitchFamily="18" charset="0"/>
+                <a:cs typeface="Times New Roman" panose="02020603050405020304" pitchFamily="18" charset="0"/>
+              </a:endParaRPr>
+            </a:p>
+          </p:txBody>
+        </p:sp>
+        <p:cxnSp>
+          <p:nvCxnSpPr>
+            <p:cNvPr id="22" name="Straight Connector 21"/>
+            <p:cNvCxnSpPr/>
+            <p:nvPr/>
+          </p:nvCxnSpPr>
+          <p:spPr>
+            <a:xfrm>
+              <a:off x="1064451" y="399420"/>
+              <a:ext cx="2525050" cy="0"/>
+            </a:xfrm>
+            <a:prstGeom prst="line">
+              <a:avLst/>
+            </a:prstGeom>
+          </p:spPr>
+          <p:style>
+            <a:lnRef idx="1">
+              <a:schemeClr val="accent1"/>
+            </a:lnRef>
+            <a:fillRef idx="0">
+              <a:schemeClr val="accent1"/>
+            </a:fillRef>
+            <a:effectRef idx="0">
+              <a:schemeClr val="accent1"/>
+            </a:effectRef>
+            <a:fontRef idx="minor">
+              <a:schemeClr val="tx1"/>
+            </a:fontRef>
+          </p:style>
+        </p:cxnSp>
+        <p:sp>
+          <p:nvSpPr>
+            <p:cNvPr id="23" name="TextBox 22"/>
+            <p:cNvSpPr txBox="1"/>
+            <p:nvPr/>
+          </p:nvSpPr>
+          <p:spPr>
+            <a:xfrm>
+              <a:off x="1064451" y="442830"/>
+              <a:ext cx="2595582" cy="553998"/>
+            </a:xfrm>
+            <a:prstGeom prst="rect">
+              <a:avLst/>
+            </a:prstGeom>
+            <a:noFill/>
+          </p:spPr>
+          <p:txBody>
+            <a:bodyPr wrap="none" rtlCol="0">
+              <a:spAutoFit/>
+            </a:bodyPr>
+            <a:lstStyle/>
+            <a:p>
+              <a:pPr marL="171450" indent="-171450">
+                <a:buFont typeface="Arial" panose="020B0604020202020204" pitchFamily="34" charset="0"/>
+                <a:buChar char="•"/>
+              </a:pPr>
+              <a:r>
+                <a:rPr lang="en-US" sz="1000" dirty="0" smtClean="0">
+                  <a:latin typeface="Times New Roman" panose="02020603050405020304" pitchFamily="18" charset="0"/>
+                  <a:cs typeface="Times New Roman" panose="02020603050405020304" pitchFamily="18" charset="0"/>
+                </a:rPr>
+                <a:t>abstract </a:t>
+              </a:r>
+              <a:r>
+                <a:rPr lang="en-US" sz="1000" dirty="0" err="1" smtClean="0">
+                  <a:latin typeface="Times New Roman" panose="02020603050405020304" pitchFamily="18" charset="0"/>
+                  <a:cs typeface="Times New Roman" panose="02020603050405020304" pitchFamily="18" charset="0"/>
+                </a:rPr>
+                <a:t>storeTo</a:t>
+              </a:r>
+              <a:r>
+                <a:rPr lang="en-US" sz="1000" dirty="0" smtClean="0">
+                  <a:latin typeface="Times New Roman" panose="02020603050405020304" pitchFamily="18" charset="0"/>
+                  <a:cs typeface="Times New Roman" panose="02020603050405020304" pitchFamily="18" charset="0"/>
+                </a:rPr>
+                <a:t>(</a:t>
+              </a:r>
+              <a:r>
+                <a:rPr lang="en-US" sz="1000" dirty="0" err="1" smtClean="0">
+                  <a:latin typeface="Times New Roman" panose="02020603050405020304" pitchFamily="18" charset="0"/>
+                  <a:cs typeface="Times New Roman" panose="02020603050405020304" pitchFamily="18" charset="0"/>
+                </a:rPr>
+                <a:t>SeekableByteChannel</a:t>
+              </a:r>
+              <a:r>
+                <a:rPr lang="en-US" sz="1000" dirty="0" smtClean="0">
+                  <a:latin typeface="Times New Roman" panose="02020603050405020304" pitchFamily="18" charset="0"/>
+                  <a:cs typeface="Times New Roman" panose="02020603050405020304" pitchFamily="18" charset="0"/>
+                </a:rPr>
+                <a:t>)</a:t>
+              </a:r>
+            </a:p>
+            <a:p>
+              <a:pPr marL="171450" indent="-171450">
+                <a:buFont typeface="Arial" panose="020B0604020202020204" pitchFamily="34" charset="0"/>
+                <a:buChar char="•"/>
+              </a:pPr>
+              <a:r>
+                <a:rPr lang="en-US" sz="1000" dirty="0" smtClean="0">
+                  <a:latin typeface="Times New Roman" panose="02020603050405020304" pitchFamily="18" charset="0"/>
+                  <a:cs typeface="Times New Roman" panose="02020603050405020304" pitchFamily="18" charset="0"/>
+                </a:rPr>
+                <a:t>abstract </a:t>
+              </a:r>
+              <a:r>
+                <a:rPr lang="en-US" sz="1000" dirty="0" err="1" smtClean="0">
+                  <a:latin typeface="Times New Roman" panose="02020603050405020304" pitchFamily="18" charset="0"/>
+                  <a:cs typeface="Times New Roman" panose="02020603050405020304" pitchFamily="18" charset="0"/>
+                </a:rPr>
+                <a:t>loadFrom</a:t>
+              </a:r>
+              <a:r>
+                <a:rPr lang="en-US" sz="1000" dirty="0" smtClean="0">
+                  <a:latin typeface="Times New Roman" panose="02020603050405020304" pitchFamily="18" charset="0"/>
+                  <a:cs typeface="Times New Roman" panose="02020603050405020304" pitchFamily="18" charset="0"/>
+                </a:rPr>
+                <a:t>(</a:t>
+              </a:r>
+              <a:r>
+                <a:rPr lang="en-US" sz="1000" dirty="0" err="1" smtClean="0">
+                  <a:latin typeface="Times New Roman" panose="02020603050405020304" pitchFamily="18" charset="0"/>
+                  <a:cs typeface="Times New Roman" panose="02020603050405020304" pitchFamily="18" charset="0"/>
+                </a:rPr>
+                <a:t>ReadableByteChannel</a:t>
+              </a:r>
+              <a:r>
+                <a:rPr lang="en-US" sz="1000" dirty="0" smtClean="0">
+                  <a:latin typeface="Times New Roman" panose="02020603050405020304" pitchFamily="18" charset="0"/>
+                  <a:cs typeface="Times New Roman" panose="02020603050405020304" pitchFamily="18" charset="0"/>
+                </a:rPr>
+                <a:t>)</a:t>
+              </a:r>
+            </a:p>
+            <a:p>
+              <a:pPr marL="171450" indent="-171450">
+                <a:buFont typeface="Arial" panose="020B0604020202020204" pitchFamily="34" charset="0"/>
+                <a:buChar char="•"/>
+              </a:pPr>
+              <a:r>
+                <a:rPr lang="en-US" sz="1000" dirty="0" smtClean="0">
+                  <a:latin typeface="Times New Roman" panose="02020603050405020304" pitchFamily="18" charset="0"/>
+                  <a:cs typeface="Times New Roman" panose="02020603050405020304" pitchFamily="18" charset="0"/>
+                </a:rPr>
+                <a:t>abstract </a:t>
+              </a:r>
+              <a:r>
+                <a:rPr lang="en-US" sz="1000" dirty="0" err="1" smtClean="0">
+                  <a:latin typeface="Times New Roman" panose="02020603050405020304" pitchFamily="18" charset="0"/>
+                  <a:cs typeface="Times New Roman" panose="02020603050405020304" pitchFamily="18" charset="0"/>
+                </a:rPr>
+                <a:t>storeFullTo</a:t>
+              </a:r>
+              <a:r>
+                <a:rPr lang="en-US" sz="1000" dirty="0" smtClean="0">
+                  <a:latin typeface="Times New Roman" panose="02020603050405020304" pitchFamily="18" charset="0"/>
+                  <a:cs typeface="Times New Roman" panose="02020603050405020304" pitchFamily="18" charset="0"/>
+                </a:rPr>
+                <a:t>(</a:t>
+              </a:r>
+              <a:r>
+                <a:rPr lang="en-US" sz="1000" dirty="0" err="1" smtClean="0">
+                  <a:latin typeface="Times New Roman" panose="02020603050405020304" pitchFamily="18" charset="0"/>
+                  <a:cs typeface="Times New Roman" panose="02020603050405020304" pitchFamily="18" charset="0"/>
+                </a:rPr>
+                <a:t>WritableByteChannel</a:t>
+              </a:r>
+              <a:r>
+                <a:rPr lang="en-US" sz="1000" dirty="0" smtClean="0">
+                  <a:latin typeface="Times New Roman" panose="02020603050405020304" pitchFamily="18" charset="0"/>
+                  <a:cs typeface="Times New Roman" panose="02020603050405020304" pitchFamily="18" charset="0"/>
+                </a:rPr>
+                <a:t>)</a:t>
+              </a:r>
+            </a:p>
+          </p:txBody>
+        </p:sp>
+        <p:cxnSp>
+          <p:nvCxnSpPr>
+            <p:cNvPr id="30" name="Straight Connector 29"/>
+            <p:cNvCxnSpPr>
+              <a:endCxn id="19" idx="0"/>
+            </p:cNvCxnSpPr>
+            <p:nvPr/>
+          </p:nvCxnSpPr>
+          <p:spPr>
+            <a:xfrm>
+              <a:off x="2981679" y="1030729"/>
+              <a:ext cx="478462" cy="340150"/>
+            </a:xfrm>
+            <a:prstGeom prst="line">
+              <a:avLst/>
+            </a:prstGeom>
+            <a:ln w="12700">
+              <a:solidFill>
+                <a:schemeClr val="tx1">
+                  <a:lumMod val="50000"/>
+                  <a:lumOff val="50000"/>
+                </a:schemeClr>
+              </a:solidFill>
+              <a:headEnd type="triangle" w="lg" len="med"/>
+              <a:tailEnd type="diamond" w="med" len="med"/>
+            </a:ln>
+          </p:spPr>
+          <p:style>
+            <a:lnRef idx="1">
+              <a:schemeClr val="accent1"/>
+            </a:lnRef>
+            <a:fillRef idx="0">
+              <a:schemeClr val="accent1"/>
+            </a:fillRef>
+            <a:effectRef idx="0">
+              <a:schemeClr val="accent1"/>
+            </a:effectRef>
+            <a:fontRef idx="minor">
+              <a:schemeClr val="tx1"/>
+            </a:fontRef>
+          </p:style>
+        </p:cxnSp>
+        <p:cxnSp>
+          <p:nvCxnSpPr>
+            <p:cNvPr id="35" name="Straight Connector 34"/>
+            <p:cNvCxnSpPr>
+              <a:stCxn id="15" idx="2"/>
+              <a:endCxn id="18" idx="0"/>
+            </p:cNvCxnSpPr>
+            <p:nvPr/>
+          </p:nvCxnSpPr>
+          <p:spPr>
+            <a:xfrm flipH="1">
+              <a:off x="2326535" y="1030730"/>
+              <a:ext cx="441" cy="354068"/>
+            </a:xfrm>
+            <a:prstGeom prst="line">
+              <a:avLst/>
+            </a:prstGeom>
+            <a:ln w="12700">
+              <a:solidFill>
+                <a:schemeClr val="tx1">
+                  <a:lumMod val="50000"/>
+                  <a:lumOff val="50000"/>
+                </a:schemeClr>
+              </a:solidFill>
+              <a:headEnd type="triangle" w="lg" len="med"/>
+              <a:tailEnd type="diamond" w="med" len="med"/>
+            </a:ln>
+          </p:spPr>
+          <p:style>
+            <a:lnRef idx="1">
+              <a:schemeClr val="accent1"/>
+            </a:lnRef>
+            <a:fillRef idx="0">
+              <a:schemeClr val="accent1"/>
+            </a:fillRef>
+            <a:effectRef idx="0">
+              <a:schemeClr val="accent1"/>
+            </a:effectRef>
+            <a:fontRef idx="minor">
+              <a:schemeClr val="tx1"/>
+            </a:fontRef>
+          </p:style>
+        </p:cxnSp>
+        <p:cxnSp>
+          <p:nvCxnSpPr>
+            <p:cNvPr id="27" name="Straight Connector 26"/>
+            <p:cNvCxnSpPr/>
+            <p:nvPr/>
+          </p:nvCxnSpPr>
+          <p:spPr>
+            <a:xfrm>
+              <a:off x="1774140" y="1675251"/>
+              <a:ext cx="1104790" cy="0"/>
+            </a:xfrm>
+            <a:prstGeom prst="line">
+              <a:avLst/>
+            </a:prstGeom>
+          </p:spPr>
+          <p:style>
+            <a:lnRef idx="1">
+              <a:schemeClr val="accent1"/>
+            </a:lnRef>
+            <a:fillRef idx="0">
+              <a:schemeClr val="accent1"/>
+            </a:fillRef>
+            <a:effectRef idx="0">
+              <a:schemeClr val="accent1"/>
+            </a:effectRef>
+            <a:fontRef idx="minor">
+              <a:schemeClr val="tx1"/>
+            </a:fontRef>
+          </p:style>
+        </p:cxnSp>
+        <p:sp>
+          <p:nvSpPr>
+            <p:cNvPr id="36" name="TextBox 35"/>
+            <p:cNvSpPr txBox="1"/>
+            <p:nvPr/>
+          </p:nvSpPr>
+          <p:spPr>
+            <a:xfrm>
+              <a:off x="1745090" y="1773207"/>
+              <a:ext cx="1104790" cy="246221"/>
+            </a:xfrm>
+            <a:prstGeom prst="rect">
+              <a:avLst/>
+            </a:prstGeom>
+            <a:noFill/>
+          </p:spPr>
+          <p:txBody>
+            <a:bodyPr wrap="none" rtlCol="0">
+              <a:spAutoFit/>
+            </a:bodyPr>
+            <a:lstStyle/>
+            <a:p>
+              <a:pPr marL="171450" indent="-171450">
+                <a:buFont typeface="Arial" panose="020B0604020202020204" pitchFamily="34" charset="0"/>
+                <a:buChar char="•"/>
+              </a:pPr>
+              <a:r>
+                <a:rPr lang="en-US" sz="1000" dirty="0" err="1" smtClean="0">
+                  <a:latin typeface="Times New Roman" panose="02020603050405020304" pitchFamily="18" charset="0"/>
+                  <a:cs typeface="Times New Roman" panose="02020603050405020304" pitchFamily="18" charset="0"/>
+                </a:rPr>
+                <a:t>Inode</a:t>
+              </a:r>
+              <a:r>
+                <a:rPr lang="en-US" sz="1000" dirty="0" smtClean="0">
+                  <a:latin typeface="Times New Roman" panose="02020603050405020304" pitchFamily="18" charset="0"/>
+                  <a:cs typeface="Times New Roman" panose="02020603050405020304" pitchFamily="18" charset="0"/>
+                </a:rPr>
+                <a:t>[] </a:t>
+              </a:r>
+              <a:r>
+                <a:rPr lang="en-US" sz="1000" dirty="0" err="1" smtClean="0">
+                  <a:latin typeface="Times New Roman" panose="02020603050405020304" pitchFamily="18" charset="0"/>
+                  <a:cs typeface="Times New Roman" panose="02020603050405020304" pitchFamily="18" charset="0"/>
+                </a:rPr>
+                <a:t>inodes</a:t>
+              </a:r>
+              <a:endParaRPr lang="en-US" sz="1000" dirty="0">
+                <a:latin typeface="Times New Roman" panose="02020603050405020304" pitchFamily="18" charset="0"/>
+                <a:cs typeface="Times New Roman" panose="02020603050405020304" pitchFamily="18" charset="0"/>
+              </a:endParaRPr>
+            </a:p>
+          </p:txBody>
+        </p:sp>
+        <p:cxnSp>
+          <p:nvCxnSpPr>
+            <p:cNvPr id="43" name="Straight Connector 42"/>
+            <p:cNvCxnSpPr/>
+            <p:nvPr/>
+          </p:nvCxnSpPr>
+          <p:spPr>
+            <a:xfrm>
+              <a:off x="2974844" y="1674762"/>
+              <a:ext cx="970593" cy="0"/>
+            </a:xfrm>
+            <a:prstGeom prst="line">
+              <a:avLst/>
+            </a:prstGeom>
+          </p:spPr>
+          <p:style>
+            <a:lnRef idx="1">
+              <a:schemeClr val="accent1"/>
+            </a:lnRef>
+            <a:fillRef idx="0">
+              <a:schemeClr val="accent1"/>
+            </a:fillRef>
+            <a:effectRef idx="0">
+              <a:schemeClr val="accent1"/>
+            </a:effectRef>
+            <a:fontRef idx="minor">
+              <a:schemeClr val="tx1"/>
+            </a:fontRef>
+          </p:style>
+        </p:cxnSp>
+        <p:sp>
+          <p:nvSpPr>
+            <p:cNvPr id="48" name="TextBox 47"/>
+            <p:cNvSpPr txBox="1"/>
+            <p:nvPr/>
+          </p:nvSpPr>
+          <p:spPr>
+            <a:xfrm>
+              <a:off x="3004769" y="1773207"/>
+              <a:ext cx="912429" cy="246221"/>
+            </a:xfrm>
+            <a:prstGeom prst="rect">
+              <a:avLst/>
+            </a:prstGeom>
+            <a:noFill/>
+          </p:spPr>
+          <p:txBody>
+            <a:bodyPr wrap="none" rtlCol="0">
+              <a:spAutoFit/>
+            </a:bodyPr>
+            <a:lstStyle/>
+            <a:p>
+              <a:pPr marL="171450" indent="-171450">
+                <a:buFont typeface="Arial" panose="020B0604020202020204" pitchFamily="34" charset="0"/>
+                <a:buChar char="•"/>
+              </a:pPr>
+              <a:r>
+                <a:rPr lang="en-US" sz="1000" dirty="0" smtClean="0">
+                  <a:latin typeface="Times New Roman" panose="02020603050405020304" pitchFamily="18" charset="0"/>
+                  <a:cs typeface="Times New Roman" panose="02020603050405020304" pitchFamily="18" charset="0"/>
+                </a:rPr>
+                <a:t>byte[] data</a:t>
+              </a:r>
+              <a:endParaRPr lang="en-US" sz="1000" dirty="0">
+                <a:latin typeface="Times New Roman" panose="02020603050405020304" pitchFamily="18" charset="0"/>
+                <a:cs typeface="Times New Roman" panose="02020603050405020304" pitchFamily="18" charset="0"/>
+              </a:endParaRPr>
+            </a:p>
+          </p:txBody>
+        </p:sp>
+        <p:cxnSp>
+          <p:nvCxnSpPr>
+            <p:cNvPr id="51" name="Straight Connector 50"/>
+            <p:cNvCxnSpPr/>
+            <p:nvPr/>
+          </p:nvCxnSpPr>
+          <p:spPr>
+            <a:xfrm>
+              <a:off x="661848" y="1674762"/>
+              <a:ext cx="1016378" cy="0"/>
+            </a:xfrm>
+            <a:prstGeom prst="line">
+              <a:avLst/>
+            </a:prstGeom>
+          </p:spPr>
+          <p:style>
+            <a:lnRef idx="1">
+              <a:schemeClr val="accent1"/>
+            </a:lnRef>
+            <a:fillRef idx="0">
+              <a:schemeClr val="accent1"/>
+            </a:fillRef>
+            <a:effectRef idx="0">
+              <a:schemeClr val="accent1"/>
+            </a:effectRef>
+            <a:fontRef idx="minor">
+              <a:schemeClr val="tx1"/>
+            </a:fontRef>
+          </p:style>
+        </p:cxnSp>
+        <p:sp>
+          <p:nvSpPr>
+            <p:cNvPr id="54" name="TextBox 53"/>
+            <p:cNvSpPr txBox="1"/>
+            <p:nvPr/>
+          </p:nvSpPr>
+          <p:spPr>
+            <a:xfrm>
+              <a:off x="661848" y="1773207"/>
+              <a:ext cx="965329" cy="246221"/>
+            </a:xfrm>
+            <a:prstGeom prst="rect">
+              <a:avLst/>
+            </a:prstGeom>
+            <a:noFill/>
+          </p:spPr>
+          <p:txBody>
+            <a:bodyPr wrap="none" rtlCol="0">
+              <a:spAutoFit/>
+            </a:bodyPr>
+            <a:lstStyle/>
+            <a:p>
+              <a:pPr marL="171450" indent="-171450">
+                <a:buFont typeface="Arial" panose="020B0604020202020204" pitchFamily="34" charset="0"/>
+                <a:buChar char="•"/>
+              </a:pPr>
+              <a:r>
+                <a:rPr lang="en-US" sz="1000" dirty="0" err="1" smtClean="0">
+                  <a:latin typeface="Times New Roman" panose="02020603050405020304" pitchFamily="18" charset="0"/>
+                  <a:cs typeface="Times New Roman" panose="02020603050405020304" pitchFamily="18" charset="0"/>
+                </a:rPr>
+                <a:t>BitMap</a:t>
+              </a:r>
+              <a:r>
+                <a:rPr lang="en-US" sz="1000" dirty="0" smtClean="0">
+                  <a:latin typeface="Times New Roman" panose="02020603050405020304" pitchFamily="18" charset="0"/>
+                  <a:cs typeface="Times New Roman" panose="02020603050405020304" pitchFamily="18" charset="0"/>
+                </a:rPr>
+                <a:t> bits</a:t>
+              </a:r>
+              <a:endParaRPr lang="en-US" sz="1000" dirty="0">
+                <a:latin typeface="Times New Roman" panose="02020603050405020304" pitchFamily="18" charset="0"/>
+                <a:cs typeface="Times New Roman" panose="02020603050405020304" pitchFamily="18" charset="0"/>
+              </a:endParaRPr>
+            </a:p>
+          </p:txBody>
+        </p:sp>
+        <p:sp>
+          <p:nvSpPr>
+            <p:cNvPr id="53" name="Freeform 52"/>
+            <p:cNvSpPr/>
+            <p:nvPr/>
+          </p:nvSpPr>
+          <p:spPr>
+            <a:xfrm>
+              <a:off x="3421380" y="259080"/>
+              <a:ext cx="777240" cy="274320"/>
+            </a:xfrm>
+            <a:custGeom>
+              <a:avLst/>
+              <a:gdLst>
+                <a:gd name="connsiteX0" fmla="*/ 0 w 777240"/>
+                <a:gd name="connsiteY0" fmla="*/ 274320 h 274320"/>
+                <a:gd name="connsiteX1" fmla="*/ 312420 w 777240"/>
+                <a:gd name="connsiteY1" fmla="*/ 83820 h 274320"/>
+                <a:gd name="connsiteX2" fmla="*/ 777240 w 777240"/>
+                <a:gd name="connsiteY2" fmla="*/ 0 h 274320"/>
+              </a:gdLst>
+              <a:ahLst/>
+              <a:cxnLst>
+                <a:cxn ang="0">
+                  <a:pos x="connsiteX0" y="connsiteY0"/>
+                </a:cxn>
+                <a:cxn ang="0">
+                  <a:pos x="connsiteX1" y="connsiteY1"/>
+                </a:cxn>
+                <a:cxn ang="0">
+                  <a:pos x="connsiteX2" y="connsiteY2"/>
+                </a:cxn>
+              </a:cxnLst>
+              <a:rect l="l" t="t" r="r" b="b"/>
+              <a:pathLst>
+                <a:path w="777240" h="274320">
+                  <a:moveTo>
+                    <a:pt x="0" y="274320"/>
+                  </a:moveTo>
+                  <a:cubicBezTo>
+                    <a:pt x="91440" y="201930"/>
+                    <a:pt x="182880" y="129540"/>
+                    <a:pt x="312420" y="83820"/>
+                  </a:cubicBezTo>
+                  <a:cubicBezTo>
+                    <a:pt x="441960" y="38100"/>
+                    <a:pt x="609600" y="19050"/>
+                    <a:pt x="777240" y="0"/>
+                  </a:cubicBezTo>
+                </a:path>
+              </a:pathLst>
+            </a:custGeom>
+            <a:noFill/>
+            <a:ln>
+              <a:solidFill>
+                <a:schemeClr val="tx1"/>
+              </a:solidFill>
+              <a:prstDash val="sysDash"/>
+              <a:headEnd type="arrow" w="med" len="med"/>
+              <a:tailEnd type="none" w="med" len="med"/>
+            </a:ln>
+          </p:spPr>
+          <p:style>
+            <a:lnRef idx="2">
+              <a:schemeClr val="accent1">
+                <a:shade val="50000"/>
+              </a:schemeClr>
+            </a:lnRef>
+            <a:fillRef idx="1">
+              <a:schemeClr val="accent1"/>
+            </a:fillRef>
+            <a:effectRef idx="0">
+              <a:schemeClr val="accent1"/>
+            </a:effectRef>
+            <a:fontRef idx="minor">
+              <a:schemeClr val="lt1"/>
+            </a:fontRef>
+          </p:style>
+          <p:txBody>
+            <a:bodyPr rtlCol="0" anchor="ctr"/>
+            <a:lstStyle/>
+            <a:p>
+              <a:pPr algn="ctr"/>
+              <a:endParaRPr lang="en-US"/>
+            </a:p>
+          </p:txBody>
+        </p:sp>
+        <p:sp>
+          <p:nvSpPr>
+            <p:cNvPr id="55" name="TextBox 54"/>
+            <p:cNvSpPr txBox="1"/>
+            <p:nvPr/>
+          </p:nvSpPr>
+          <p:spPr>
+            <a:xfrm>
+              <a:off x="4198621" y="-33376"/>
+              <a:ext cx="2133599" cy="461665"/>
+            </a:xfrm>
+            <a:prstGeom prst="rect">
+              <a:avLst/>
+            </a:prstGeom>
+            <a:noFill/>
+          </p:spPr>
+          <p:txBody>
+            <a:bodyPr wrap="square" rtlCol="0">
+              <a:spAutoFit/>
+            </a:bodyPr>
+            <a:lstStyle/>
+            <a:p>
+              <a:r>
+                <a:rPr lang="en-US" sz="1200" dirty="0" smtClean="0">
+                  <a:latin typeface="Times New Roman" panose="02020603050405020304" pitchFamily="18" charset="0"/>
+                  <a:cs typeface="Times New Roman" panose="02020603050405020304" pitchFamily="18" charset="0"/>
+                </a:rPr>
+                <a:t>For local storage; </a:t>
+              </a:r>
+              <a:r>
+                <a:rPr lang="en-US" sz="1200" dirty="0" err="1" smtClean="0">
+                  <a:latin typeface="Times New Roman" panose="02020603050405020304" pitchFamily="18" charset="0"/>
+                  <a:cs typeface="Times New Roman" panose="02020603050405020304" pitchFamily="18" charset="0"/>
+                </a:rPr>
+                <a:t>DataSegment</a:t>
+              </a:r>
+              <a:r>
+                <a:rPr lang="en-US" sz="1200" dirty="0" smtClean="0">
+                  <a:latin typeface="Times New Roman" panose="02020603050405020304" pitchFamily="18" charset="0"/>
+                  <a:cs typeface="Times New Roman" panose="02020603050405020304" pitchFamily="18" charset="0"/>
+                </a:rPr>
+                <a:t> stores only the dirty bytes</a:t>
+              </a:r>
+              <a:endParaRPr lang="en-US" sz="1200" dirty="0">
+                <a:latin typeface="Times New Roman" panose="02020603050405020304" pitchFamily="18" charset="0"/>
+                <a:cs typeface="Times New Roman" panose="02020603050405020304" pitchFamily="18" charset="0"/>
+              </a:endParaRPr>
+            </a:p>
+          </p:txBody>
+        </p:sp>
+        <p:sp>
+          <p:nvSpPr>
+            <p:cNvPr id="56" name="Freeform 55"/>
+            <p:cNvSpPr/>
+            <p:nvPr/>
+          </p:nvSpPr>
+          <p:spPr>
+            <a:xfrm>
+              <a:off x="3512820" y="647701"/>
+              <a:ext cx="792480" cy="76200"/>
+            </a:xfrm>
+            <a:custGeom>
+              <a:avLst/>
+              <a:gdLst>
+                <a:gd name="connsiteX0" fmla="*/ 0 w 754380"/>
+                <a:gd name="connsiteY0" fmla="*/ 190500 h 190500"/>
+                <a:gd name="connsiteX1" fmla="*/ 365760 w 754380"/>
+                <a:gd name="connsiteY1" fmla="*/ 76200 h 190500"/>
+                <a:gd name="connsiteX2" fmla="*/ 754380 w 754380"/>
+                <a:gd name="connsiteY2" fmla="*/ 0 h 190500"/>
+                <a:gd name="connsiteX0" fmla="*/ 0 w 792480"/>
+                <a:gd name="connsiteY0" fmla="*/ 115795 h 115795"/>
+                <a:gd name="connsiteX1" fmla="*/ 365760 w 792480"/>
+                <a:gd name="connsiteY1" fmla="*/ 1495 h 115795"/>
+                <a:gd name="connsiteX2" fmla="*/ 792480 w 792480"/>
+                <a:gd name="connsiteY2" fmla="*/ 39595 h 115795"/>
+                <a:gd name="connsiteX0" fmla="*/ 0 w 792480"/>
+                <a:gd name="connsiteY0" fmla="*/ 76200 h 76200"/>
+                <a:gd name="connsiteX1" fmla="*/ 358140 w 792480"/>
+                <a:gd name="connsiteY1" fmla="*/ 30480 h 76200"/>
+                <a:gd name="connsiteX2" fmla="*/ 792480 w 792480"/>
+                <a:gd name="connsiteY2" fmla="*/ 0 h 76200"/>
+              </a:gdLst>
+              <a:ahLst/>
+              <a:cxnLst>
+                <a:cxn ang="0">
+                  <a:pos x="connsiteX0" y="connsiteY0"/>
+                </a:cxn>
+                <a:cxn ang="0">
+                  <a:pos x="connsiteX1" y="connsiteY1"/>
+                </a:cxn>
+                <a:cxn ang="0">
+                  <a:pos x="connsiteX2" y="connsiteY2"/>
+                </a:cxn>
+              </a:cxnLst>
+              <a:rect l="l" t="t" r="r" b="b"/>
+              <a:pathLst>
+                <a:path w="792480" h="76200">
+                  <a:moveTo>
+                    <a:pt x="0" y="76200"/>
+                  </a:moveTo>
+                  <a:cubicBezTo>
+                    <a:pt x="120015" y="34925"/>
+                    <a:pt x="226060" y="43180"/>
+                    <a:pt x="358140" y="30480"/>
+                  </a:cubicBezTo>
+                  <a:cubicBezTo>
+                    <a:pt x="490220" y="17780"/>
+                    <a:pt x="661035" y="22225"/>
+                    <a:pt x="792480" y="0"/>
+                  </a:cubicBezTo>
+                </a:path>
+              </a:pathLst>
+            </a:custGeom>
+            <a:noFill/>
+            <a:ln>
+              <a:solidFill>
+                <a:schemeClr val="tx1"/>
+              </a:solidFill>
+              <a:prstDash val="sysDash"/>
+              <a:headEnd type="arrow" w="med" len="med"/>
+              <a:tailEnd type="none" w="med" len="med"/>
+            </a:ln>
+          </p:spPr>
+          <p:style>
+            <a:lnRef idx="2">
+              <a:schemeClr val="accent1">
+                <a:shade val="50000"/>
+              </a:schemeClr>
+            </a:lnRef>
+            <a:fillRef idx="1">
+              <a:schemeClr val="accent1"/>
+            </a:fillRef>
+            <a:effectRef idx="0">
+              <a:schemeClr val="accent1"/>
+            </a:effectRef>
+            <a:fontRef idx="minor">
+              <a:schemeClr val="lt1"/>
+            </a:fontRef>
+          </p:style>
+          <p:txBody>
+            <a:bodyPr rtlCol="0" anchor="ctr"/>
+            <a:lstStyle/>
+            <a:p>
+              <a:pPr algn="ctr"/>
+              <a:endParaRPr lang="en-US"/>
+            </a:p>
+          </p:txBody>
+        </p:sp>
+        <p:sp>
+          <p:nvSpPr>
+            <p:cNvPr id="62" name="TextBox 61"/>
+            <p:cNvSpPr txBox="1"/>
+            <p:nvPr/>
+          </p:nvSpPr>
+          <p:spPr>
+            <a:xfrm>
+              <a:off x="4267200" y="493059"/>
+              <a:ext cx="1981633" cy="276999"/>
+            </a:xfrm>
+            <a:prstGeom prst="rect">
+              <a:avLst/>
+            </a:prstGeom>
+            <a:noFill/>
+          </p:spPr>
+          <p:txBody>
+            <a:bodyPr wrap="none" rtlCol="0">
+              <a:spAutoFit/>
+            </a:bodyPr>
+            <a:lstStyle/>
+            <a:p>
+              <a:r>
+                <a:rPr lang="en-US" sz="1200" dirty="0" smtClean="0">
+                  <a:latin typeface="Times New Roman" panose="02020603050405020304" pitchFamily="18" charset="0"/>
+                  <a:cs typeface="Times New Roman" panose="02020603050405020304" pitchFamily="18" charset="0"/>
+                </a:rPr>
+                <a:t>Reads the full block/segment</a:t>
+              </a:r>
+              <a:endParaRPr lang="en-US" sz="1200" dirty="0">
+                <a:latin typeface="Times New Roman" panose="02020603050405020304" pitchFamily="18" charset="0"/>
+                <a:cs typeface="Times New Roman" panose="02020603050405020304" pitchFamily="18" charset="0"/>
+              </a:endParaRPr>
+            </a:p>
+          </p:txBody>
+        </p:sp>
+        <p:sp>
+          <p:nvSpPr>
+            <p:cNvPr id="57" name="Freeform 56"/>
+            <p:cNvSpPr/>
+            <p:nvPr/>
+          </p:nvSpPr>
+          <p:spPr>
+            <a:xfrm>
+              <a:off x="3558540" y="868680"/>
+              <a:ext cx="723900" cy="100238"/>
+            </a:xfrm>
+            <a:custGeom>
+              <a:avLst/>
+              <a:gdLst>
+                <a:gd name="connsiteX0" fmla="*/ 0 w 723900"/>
+                <a:gd name="connsiteY0" fmla="*/ 0 h 100238"/>
+                <a:gd name="connsiteX1" fmla="*/ 297180 w 723900"/>
+                <a:gd name="connsiteY1" fmla="*/ 91440 h 100238"/>
+                <a:gd name="connsiteX2" fmla="*/ 723900 w 723900"/>
+                <a:gd name="connsiteY2" fmla="*/ 91440 h 100238"/>
+              </a:gdLst>
+              <a:ahLst/>
+              <a:cxnLst>
+                <a:cxn ang="0">
+                  <a:pos x="connsiteX0" y="connsiteY0"/>
+                </a:cxn>
+                <a:cxn ang="0">
+                  <a:pos x="connsiteX1" y="connsiteY1"/>
+                </a:cxn>
+                <a:cxn ang="0">
+                  <a:pos x="connsiteX2" y="connsiteY2"/>
+                </a:cxn>
+              </a:cxnLst>
+              <a:rect l="l" t="t" r="r" b="b"/>
+              <a:pathLst>
+                <a:path w="723900" h="100238">
+                  <a:moveTo>
+                    <a:pt x="0" y="0"/>
+                  </a:moveTo>
+                  <a:cubicBezTo>
+                    <a:pt x="88265" y="38100"/>
+                    <a:pt x="176530" y="76200"/>
+                    <a:pt x="297180" y="91440"/>
+                  </a:cubicBezTo>
+                  <a:cubicBezTo>
+                    <a:pt x="417830" y="106680"/>
+                    <a:pt x="570865" y="99060"/>
+                    <a:pt x="723900" y="91440"/>
+                  </a:cubicBezTo>
+                </a:path>
+              </a:pathLst>
+            </a:custGeom>
+            <a:noFill/>
+            <a:ln>
+              <a:solidFill>
+                <a:schemeClr val="tx1"/>
+              </a:solidFill>
+              <a:prstDash val="sysDash"/>
+              <a:headEnd type="arrow" w="med" len="med"/>
+              <a:tailEnd type="none" w="med" len="med"/>
+            </a:ln>
+          </p:spPr>
+          <p:style>
+            <a:lnRef idx="2">
+              <a:schemeClr val="accent1">
+                <a:shade val="50000"/>
+              </a:schemeClr>
+            </a:lnRef>
+            <a:fillRef idx="1">
+              <a:schemeClr val="accent1"/>
+            </a:fillRef>
+            <a:effectRef idx="0">
+              <a:schemeClr val="accent1"/>
+            </a:effectRef>
+            <a:fontRef idx="minor">
+              <a:schemeClr val="lt1"/>
+            </a:fontRef>
+          </p:style>
+          <p:txBody>
+            <a:bodyPr rtlCol="0" anchor="ctr"/>
+            <a:lstStyle/>
+            <a:p>
+              <a:pPr algn="ctr"/>
+              <a:endParaRPr lang="en-US"/>
+            </a:p>
+          </p:txBody>
+        </p:sp>
+        <p:sp>
+          <p:nvSpPr>
+            <p:cNvPr id="64" name="TextBox 63"/>
+            <p:cNvSpPr txBox="1"/>
+            <p:nvPr/>
+          </p:nvSpPr>
+          <p:spPr>
+            <a:xfrm>
+              <a:off x="4267200" y="797968"/>
+              <a:ext cx="2247900" cy="461665"/>
+            </a:xfrm>
+            <a:prstGeom prst="rect">
+              <a:avLst/>
+            </a:prstGeom>
+            <a:noFill/>
+          </p:spPr>
+          <p:txBody>
+            <a:bodyPr wrap="square" rtlCol="0">
+              <a:spAutoFit/>
+            </a:bodyPr>
+            <a:lstStyle/>
+            <a:p>
+              <a:r>
+                <a:rPr lang="en-US" sz="1200" dirty="0" smtClean="0">
+                  <a:latin typeface="Times New Roman" panose="02020603050405020304" pitchFamily="18" charset="0"/>
+                  <a:cs typeface="Times New Roman" panose="02020603050405020304" pitchFamily="18" charset="0"/>
+                </a:rPr>
+                <a:t>For global storage; Stores the complete block</a:t>
+              </a:r>
+              <a:endParaRPr lang="en-US" sz="1200" dirty="0">
+                <a:latin typeface="Times New Roman" panose="02020603050405020304" pitchFamily="18" charset="0"/>
+                <a:cs typeface="Times New Roman" panose="02020603050405020304" pitchFamily="18" charset="0"/>
+              </a:endParaRPr>
+            </a:p>
+          </p:txBody>
+        </p:sp>
+      </p:grpSp>
+      <p:sp>
+        <p:nvSpPr>
+          <p:cNvPr id="66" name="Rounded Rectangle 65"/>
+          <p:cNvSpPr/>
+          <p:nvPr/>
+        </p:nvSpPr>
+        <p:spPr>
+          <a:xfrm>
+            <a:off x="4050300" y="2507966"/>
+            <a:ext cx="2001016" cy="1042287"/>
+          </a:xfrm>
+          <a:prstGeom prst="roundRect">
+            <a:avLst>
+              <a:gd name="adj" fmla="val 7260"/>
+            </a:avLst>
+          </a:prstGeom>
+          <a:noFill/>
+        </p:spPr>
+        <p:style>
+          <a:lnRef idx="2">
+            <a:schemeClr val="accent1">
+              <a:shade val="50000"/>
+            </a:schemeClr>
+          </a:lnRef>
+          <a:fillRef idx="1">
+            <a:schemeClr val="accent1"/>
+          </a:fillRef>
+          <a:effectRef idx="0">
+            <a:schemeClr val="accent1"/>
+          </a:effectRef>
+          <a:fontRef idx="minor">
+            <a:schemeClr val="lt1"/>
+          </a:fontRef>
+        </p:style>
+        <p:txBody>
+          <a:bodyPr rtlCol="0" anchor="t" anchorCtr="0"/>
+          <a:lstStyle/>
+          <a:p>
+            <a:pPr algn="ctr"/>
+            <a:r>
+              <a:rPr lang="en-US" sz="1000" dirty="0" smtClean="0">
+                <a:solidFill>
+                  <a:schemeClr val="tx1"/>
+                </a:solidFill>
+                <a:latin typeface="Times New Roman" panose="02020603050405020304" pitchFamily="18" charset="0"/>
+                <a:cs typeface="Times New Roman" panose="02020603050405020304" pitchFamily="18" charset="0"/>
+              </a:rPr>
+              <a:t>Cache</a:t>
+            </a:r>
+            <a:endParaRPr lang="en-US" sz="1000" dirty="0">
+              <a:solidFill>
+                <a:schemeClr val="tx1"/>
+              </a:solidFill>
+              <a:latin typeface="Times New Roman" panose="02020603050405020304" pitchFamily="18" charset="0"/>
+              <a:cs typeface="Times New Roman" panose="02020603050405020304" pitchFamily="18" charset="0"/>
+            </a:endParaRPr>
+          </a:p>
+        </p:txBody>
+      </p:sp>
+      <p:cxnSp>
+        <p:nvCxnSpPr>
+          <p:cNvPr id="67" name="Straight Connector 66"/>
+          <p:cNvCxnSpPr/>
+          <p:nvPr/>
+        </p:nvCxnSpPr>
+        <p:spPr>
+          <a:xfrm>
+            <a:off x="4050300" y="2851213"/>
+            <a:ext cx="2001016" cy="0"/>
+          </a:xfrm>
+          <a:prstGeom prst="line">
+            <a:avLst/>
+          </a:prstGeom>
+        </p:spPr>
+        <p:style>
+          <a:lnRef idx="1">
+            <a:schemeClr val="accent1"/>
+          </a:lnRef>
+          <a:fillRef idx="0">
+            <a:schemeClr val="accent1"/>
+          </a:fillRef>
+          <a:effectRef idx="0">
+            <a:schemeClr val="accent1"/>
+          </a:effectRef>
+          <a:fontRef idx="minor">
+            <a:schemeClr val="tx1"/>
+          </a:fontRef>
+        </p:style>
+      </p:cxnSp>
+      <p:sp>
+        <p:nvSpPr>
+          <p:cNvPr id="70" name="TextBox 69"/>
+          <p:cNvSpPr txBox="1"/>
+          <p:nvPr/>
+        </p:nvSpPr>
+        <p:spPr>
+          <a:xfrm>
+            <a:off x="4080225" y="2886688"/>
+            <a:ext cx="1973617" cy="553998"/>
+          </a:xfrm>
+          <a:prstGeom prst="rect">
+            <a:avLst/>
+          </a:prstGeom>
+          <a:noFill/>
+        </p:spPr>
+        <p:txBody>
+          <a:bodyPr wrap="none" rtlCol="0">
+            <a:spAutoFit/>
+          </a:bodyPr>
+          <a:lstStyle/>
+          <a:p>
+            <a:pPr marL="171450" indent="-171450">
+              <a:buFont typeface="Arial" panose="020B0604020202020204" pitchFamily="34" charset="0"/>
+              <a:buChar char="•"/>
+            </a:pPr>
+            <a:r>
+              <a:rPr lang="en-US" sz="1000" dirty="0" smtClean="0">
+                <a:latin typeface="Times New Roman" panose="02020603050405020304" pitchFamily="18" charset="0"/>
+                <a:cs typeface="Times New Roman" panose="02020603050405020304" pitchFamily="18" charset="0"/>
+              </a:rPr>
+              <a:t>acquire (</a:t>
+            </a:r>
+            <a:r>
+              <a:rPr lang="en-US" sz="1000" dirty="0" err="1" smtClean="0">
+                <a:latin typeface="Times New Roman" panose="02020603050405020304" pitchFamily="18" charset="0"/>
+                <a:cs typeface="Times New Roman" panose="02020603050405020304" pitchFamily="18" charset="0"/>
+              </a:rPr>
+              <a:t>BlockID</a:t>
+            </a:r>
+            <a:r>
+              <a:rPr lang="en-US" sz="1000" dirty="0" smtClean="0">
+                <a:latin typeface="Times New Roman" panose="02020603050405020304" pitchFamily="18" charset="0"/>
+                <a:cs typeface="Times New Roman" panose="02020603050405020304" pitchFamily="18" charset="0"/>
+              </a:rPr>
+              <a:t>, </a:t>
+            </a:r>
+            <a:r>
+              <a:rPr lang="en-US" sz="1000" dirty="0" err="1" smtClean="0">
+                <a:latin typeface="Times New Roman" panose="02020603050405020304" pitchFamily="18" charset="0"/>
+                <a:cs typeface="Times New Roman" panose="02020603050405020304" pitchFamily="18" charset="0"/>
+              </a:rPr>
+              <a:t>createNew</a:t>
+            </a:r>
+            <a:r>
+              <a:rPr lang="en-US" sz="1000" dirty="0" smtClean="0">
+                <a:latin typeface="Times New Roman" panose="02020603050405020304" pitchFamily="18" charset="0"/>
+                <a:cs typeface="Times New Roman" panose="02020603050405020304" pitchFamily="18" charset="0"/>
+              </a:rPr>
+              <a:t>?)</a:t>
+            </a:r>
+          </a:p>
+          <a:p>
+            <a:pPr marL="171450" indent="-171450">
+              <a:buFont typeface="Arial" panose="020B0604020202020204" pitchFamily="34" charset="0"/>
+              <a:buChar char="•"/>
+            </a:pPr>
+            <a:r>
+              <a:rPr lang="en-US" sz="1000" dirty="0" smtClean="0">
+                <a:latin typeface="Times New Roman" panose="02020603050405020304" pitchFamily="18" charset="0"/>
+                <a:cs typeface="Times New Roman" panose="02020603050405020304" pitchFamily="18" charset="0"/>
+              </a:rPr>
+              <a:t>release (</a:t>
+            </a:r>
+            <a:r>
+              <a:rPr lang="en-US" sz="1000" dirty="0" err="1" smtClean="0">
+                <a:latin typeface="Times New Roman" panose="02020603050405020304" pitchFamily="18" charset="0"/>
+                <a:cs typeface="Times New Roman" panose="02020603050405020304" pitchFamily="18" charset="0"/>
+              </a:rPr>
+              <a:t>BlockID</a:t>
+            </a:r>
+            <a:r>
+              <a:rPr lang="en-US" sz="1000" dirty="0" smtClean="0">
+                <a:latin typeface="Times New Roman" panose="02020603050405020304" pitchFamily="18" charset="0"/>
+                <a:cs typeface="Times New Roman" panose="02020603050405020304" pitchFamily="18" charset="0"/>
+              </a:rPr>
+              <a:t>)</a:t>
+            </a:r>
+          </a:p>
+          <a:p>
+            <a:pPr marL="171450" indent="-171450">
+              <a:buFont typeface="Arial" panose="020B0604020202020204" pitchFamily="34" charset="0"/>
+              <a:buChar char="•"/>
+            </a:pPr>
+            <a:r>
+              <a:rPr lang="en-US" sz="1000" dirty="0" err="1" smtClean="0">
+                <a:latin typeface="Times New Roman" panose="02020603050405020304" pitchFamily="18" charset="0"/>
+                <a:cs typeface="Times New Roman" panose="02020603050405020304" pitchFamily="18" charset="0"/>
+              </a:rPr>
+              <a:t>SyncProcessor</a:t>
+            </a:r>
+            <a:r>
+              <a:rPr lang="en-US" sz="1000" dirty="0" smtClean="0">
+                <a:latin typeface="Times New Roman" panose="02020603050405020304" pitchFamily="18" charset="0"/>
+                <a:cs typeface="Times New Roman" panose="02020603050405020304" pitchFamily="18" charset="0"/>
+              </a:rPr>
+              <a:t> </a:t>
+            </a:r>
+            <a:r>
+              <a:rPr lang="en-US" sz="1000" dirty="0" err="1" smtClean="0">
+                <a:latin typeface="Times New Roman" panose="02020603050405020304" pitchFamily="18" charset="0"/>
+                <a:cs typeface="Times New Roman" panose="02020603050405020304" pitchFamily="18" charset="0"/>
+              </a:rPr>
+              <a:t>localProcessor</a:t>
+            </a:r>
+            <a:endParaRPr lang="en-US" sz="1000" dirty="0">
+              <a:latin typeface="Times New Roman" panose="02020603050405020304" pitchFamily="18" charset="0"/>
+              <a:cs typeface="Times New Roman" panose="02020603050405020304" pitchFamily="18" charset="0"/>
+            </a:endParaRPr>
+          </a:p>
+        </p:txBody>
+      </p:sp>
     </p:spTree>
     <p:extLst>
       <p:ext uri="{BB962C8B-B14F-4D97-AF65-F5344CB8AC3E}">

--- a/docs/design/figures/fs-design.pptx
+++ b/docs/design/figures/fs-design.pptx
@@ -15,7 +15,8 @@
     <p:sldId id="266" r:id="rId9"/>
     <p:sldId id="261" r:id="rId10"/>
     <p:sldId id="265" r:id="rId11"/>
-    <p:sldId id="264" r:id="rId12"/>
+    <p:sldId id="267" r:id="rId12"/>
+    <p:sldId id="268" r:id="rId13"/>
   </p:sldIdLst>
   <p:sldSz cx="6858000" cy="4572000"/>
   <p:notesSz cx="9144000" cy="6858000"/>
@@ -253,7 +254,7 @@
           <a:p>
             <a:fld id="{305C3DB1-8177-46AD-AF81-2EEE95D844A8}" type="datetimeFigureOut">
               <a:rPr lang="en-US" smtClean="0"/>
-              <a:t>8/9/2017</a:t>
+              <a:t>8/22/2017</a:t>
             </a:fld>
             <a:endParaRPr lang="en-US"/>
           </a:p>
@@ -423,7 +424,7 @@
           <a:p>
             <a:fld id="{305C3DB1-8177-46AD-AF81-2EEE95D844A8}" type="datetimeFigureOut">
               <a:rPr lang="en-US" smtClean="0"/>
-              <a:t>8/9/2017</a:t>
+              <a:t>8/22/2017</a:t>
             </a:fld>
             <a:endParaRPr lang="en-US"/>
           </a:p>
@@ -603,7 +604,7 @@
           <a:p>
             <a:fld id="{305C3DB1-8177-46AD-AF81-2EEE95D844A8}" type="datetimeFigureOut">
               <a:rPr lang="en-US" smtClean="0"/>
-              <a:t>8/9/2017</a:t>
+              <a:t>8/22/2017</a:t>
             </a:fld>
             <a:endParaRPr lang="en-US"/>
           </a:p>
@@ -773,7 +774,7 @@
           <a:p>
             <a:fld id="{305C3DB1-8177-46AD-AF81-2EEE95D844A8}" type="datetimeFigureOut">
               <a:rPr lang="en-US" smtClean="0"/>
-              <a:t>8/9/2017</a:t>
+              <a:t>8/22/2017</a:t>
             </a:fld>
             <a:endParaRPr lang="en-US"/>
           </a:p>
@@ -1017,7 +1018,7 @@
           <a:p>
             <a:fld id="{305C3DB1-8177-46AD-AF81-2EEE95D844A8}" type="datetimeFigureOut">
               <a:rPr lang="en-US" smtClean="0"/>
-              <a:t>8/9/2017</a:t>
+              <a:t>8/22/2017</a:t>
             </a:fld>
             <a:endParaRPr lang="en-US"/>
           </a:p>
@@ -1249,7 +1250,7 @@
           <a:p>
             <a:fld id="{305C3DB1-8177-46AD-AF81-2EEE95D844A8}" type="datetimeFigureOut">
               <a:rPr lang="en-US" smtClean="0"/>
-              <a:t>8/9/2017</a:t>
+              <a:t>8/22/2017</a:t>
             </a:fld>
             <a:endParaRPr lang="en-US"/>
           </a:p>
@@ -1616,7 +1617,7 @@
           <a:p>
             <a:fld id="{305C3DB1-8177-46AD-AF81-2EEE95D844A8}" type="datetimeFigureOut">
               <a:rPr lang="en-US" smtClean="0"/>
-              <a:t>8/9/2017</a:t>
+              <a:t>8/22/2017</a:t>
             </a:fld>
             <a:endParaRPr lang="en-US"/>
           </a:p>
@@ -1734,7 +1735,7 @@
           <a:p>
             <a:fld id="{305C3DB1-8177-46AD-AF81-2EEE95D844A8}" type="datetimeFigureOut">
               <a:rPr lang="en-US" smtClean="0"/>
-              <a:t>8/9/2017</a:t>
+              <a:t>8/22/2017</a:t>
             </a:fld>
             <a:endParaRPr lang="en-US"/>
           </a:p>
@@ -1829,7 +1830,7 @@
           <a:p>
             <a:fld id="{305C3DB1-8177-46AD-AF81-2EEE95D844A8}" type="datetimeFigureOut">
               <a:rPr lang="en-US" smtClean="0"/>
-              <a:t>8/9/2017</a:t>
+              <a:t>8/22/2017</a:t>
             </a:fld>
             <a:endParaRPr lang="en-US"/>
           </a:p>
@@ -2106,7 +2107,7 @@
           <a:p>
             <a:fld id="{305C3DB1-8177-46AD-AF81-2EEE95D844A8}" type="datetimeFigureOut">
               <a:rPr lang="en-US" smtClean="0"/>
-              <a:t>8/9/2017</a:t>
+              <a:t>8/22/2017</a:t>
             </a:fld>
             <a:endParaRPr lang="en-US"/>
           </a:p>
@@ -2363,7 +2364,7 @@
           <a:p>
             <a:fld id="{305C3DB1-8177-46AD-AF81-2EEE95D844A8}" type="datetimeFigureOut">
               <a:rPr lang="en-US" smtClean="0"/>
-              <a:t>8/9/2017</a:t>
+              <a:t>8/22/2017</a:t>
             </a:fld>
             <a:endParaRPr lang="en-US"/>
           </a:p>
@@ -2576,7 +2577,7 @@
           <a:p>
             <a:fld id="{305C3DB1-8177-46AD-AF81-2EEE95D844A8}" type="datetimeFigureOut">
               <a:rPr lang="en-US" smtClean="0"/>
-              <a:t>8/9/2017</a:t>
+              <a:t>8/22/2017</a:t>
             </a:fld>
             <a:endParaRPr lang="en-US"/>
           </a:p>
@@ -8610,607 +8611,7852 @@
           <a:chExt cx="0" cy="0"/>
         </a:xfrm>
       </p:grpSpPr>
-      <p:sp>
-        <p:nvSpPr>
-          <p:cNvPr id="4" name="Rounded Rectangle 3"/>
-          <p:cNvSpPr/>
+      <p:grpSp>
+        <p:nvGrpSpPr>
+          <p:cNvPr id="90" name="Group 89"/>
+          <p:cNvGrpSpPr/>
           <p:nvPr/>
-        </p:nvSpPr>
-        <p:spPr>
+        </p:nvGrpSpPr>
+        <p:grpSpPr>
           <a:xfrm>
-            <a:off x="393700" y="0"/>
-            <a:ext cx="774700" cy="323850"/>
+            <a:off x="120015" y="35674"/>
+            <a:ext cx="6498771" cy="4503694"/>
+            <a:chOff x="120015" y="35674"/>
+            <a:chExt cx="6498771" cy="4503694"/>
           </a:xfrm>
-          <a:prstGeom prst="roundRect">
-            <a:avLst/>
-          </a:prstGeom>
-          <a:ln w="12700">
-            <a:solidFill>
-              <a:schemeClr val="tx1">
-                <a:lumMod val="50000"/>
-                <a:lumOff val="50000"/>
-              </a:schemeClr>
-            </a:solidFill>
-            <a:headEnd type="triangle" w="med" len="med"/>
-            <a:tailEnd type="triangle" w="med" len="med"/>
-          </a:ln>
-        </p:spPr>
-        <p:style>
-          <a:lnRef idx="1">
-            <a:schemeClr val="accent1"/>
-          </a:lnRef>
-          <a:fillRef idx="0">
-            <a:schemeClr val="accent1"/>
-          </a:fillRef>
-          <a:effectRef idx="0">
-            <a:schemeClr val="accent1"/>
-          </a:effectRef>
-          <a:fontRef idx="minor">
-            <a:schemeClr val="tx1"/>
-          </a:fontRef>
-        </p:style>
-        <p:txBody>
-          <a:bodyPr rtlCol="0" anchor="ctr"/>
-          <a:lstStyle/>
-          <a:p>
-            <a:pPr algn="ctr"/>
-            <a:r>
-              <a:rPr lang="en-US" sz="1000" dirty="0" smtClean="0">
+        </p:grpSpPr>
+        <p:sp>
+          <p:nvSpPr>
+            <p:cNvPr id="124" name="Rounded Rectangle 123"/>
+            <p:cNvSpPr/>
+            <p:nvPr/>
+          </p:nvSpPr>
+          <p:spPr>
+            <a:xfrm>
+              <a:off x="3970330" y="3063575"/>
+              <a:ext cx="2648455" cy="781805"/>
+            </a:xfrm>
+            <a:prstGeom prst="roundRect">
+              <a:avLst>
+                <a:gd name="adj" fmla="val 4740"/>
+              </a:avLst>
+            </a:prstGeom>
+            <a:ln>
+              <a:solidFill>
+                <a:schemeClr val="accent1">
+                  <a:lumMod val="60000"/>
+                  <a:lumOff val="40000"/>
+                </a:schemeClr>
+              </a:solidFill>
+            </a:ln>
+          </p:spPr>
+          <p:style>
+            <a:lnRef idx="2">
+              <a:schemeClr val="accent1"/>
+            </a:lnRef>
+            <a:fillRef idx="1">
+              <a:schemeClr val="lt1"/>
+            </a:fillRef>
+            <a:effectRef idx="0">
+              <a:schemeClr val="accent1"/>
+            </a:effectRef>
+            <a:fontRef idx="minor">
+              <a:schemeClr val="dk1"/>
+            </a:fontRef>
+          </p:style>
+          <p:txBody>
+            <a:bodyPr rtlCol="0" anchor="t"/>
+            <a:lstStyle/>
+            <a:p>
+              <a:r>
+                <a:rPr lang="en-US" sz="1000" b="1" dirty="0" smtClean="0">
+                  <a:latin typeface="Times New Roman" panose="02020603050405020304" pitchFamily="18" charset="0"/>
+                  <a:cs typeface="Times New Roman" panose="02020603050405020304" pitchFamily="18" charset="0"/>
+                </a:rPr>
+                <a:t>Persistence</a:t>
+              </a:r>
+              <a:endParaRPr lang="en-US" sz="1000" b="1" dirty="0">
                 <a:latin typeface="Times New Roman" panose="02020603050405020304" pitchFamily="18" charset="0"/>
                 <a:cs typeface="Times New Roman" panose="02020603050405020304" pitchFamily="18" charset="0"/>
-              </a:rPr>
-              <a:t>API</a:t>
-            </a:r>
-            <a:endParaRPr lang="en-US" sz="1000" dirty="0">
-              <a:latin typeface="Times New Roman" panose="02020603050405020304" pitchFamily="18" charset="0"/>
-              <a:cs typeface="Times New Roman" panose="02020603050405020304" pitchFamily="18" charset="0"/>
-            </a:endParaRPr>
-          </a:p>
-        </p:txBody>
-      </p:sp>
-      <p:sp>
-        <p:nvSpPr>
-          <p:cNvPr id="5" name="Rounded Rectangle 4"/>
-          <p:cNvSpPr/>
-          <p:nvPr/>
-        </p:nvSpPr>
-        <p:spPr>
-          <a:xfrm>
-            <a:off x="1685925" y="0"/>
-            <a:ext cx="774700" cy="323850"/>
-          </a:xfrm>
-          <a:prstGeom prst="roundRect">
-            <a:avLst/>
-          </a:prstGeom>
-          <a:ln w="12700">
-            <a:solidFill>
-              <a:schemeClr val="tx1">
-                <a:lumMod val="50000"/>
-                <a:lumOff val="50000"/>
-              </a:schemeClr>
-            </a:solidFill>
-            <a:headEnd type="triangle" w="med" len="med"/>
-            <a:tailEnd type="triangle" w="med" len="med"/>
-          </a:ln>
-        </p:spPr>
-        <p:style>
-          <a:lnRef idx="1">
-            <a:schemeClr val="accent1"/>
-          </a:lnRef>
-          <a:fillRef idx="0">
-            <a:schemeClr val="accent1"/>
-          </a:fillRef>
-          <a:effectRef idx="0">
-            <a:schemeClr val="accent1"/>
-          </a:effectRef>
-          <a:fontRef idx="minor">
-            <a:schemeClr val="tx1"/>
-          </a:fontRef>
-        </p:style>
-        <p:txBody>
-          <a:bodyPr rtlCol="0" anchor="ctr"/>
-          <a:lstStyle/>
-          <a:p>
-            <a:pPr algn="ctr"/>
-            <a:r>
-              <a:rPr lang="en-US" sz="1000" dirty="0" smtClean="0">
+              </a:endParaRPr>
+            </a:p>
+          </p:txBody>
+        </p:sp>
+        <p:sp>
+          <p:nvSpPr>
+            <p:cNvPr id="22" name="Flowchart: Magnetic Disk 21"/>
+            <p:cNvSpPr/>
+            <p:nvPr/>
+          </p:nvSpPr>
+          <p:spPr>
+            <a:xfrm>
+              <a:off x="4222114" y="4019823"/>
+              <a:ext cx="782884" cy="519545"/>
+            </a:xfrm>
+            <a:prstGeom prst="flowChartMagneticDisk">
+              <a:avLst/>
+            </a:prstGeom>
+          </p:spPr>
+          <p:style>
+            <a:lnRef idx="1">
+              <a:schemeClr val="accent1"/>
+            </a:lnRef>
+            <a:fillRef idx="2">
+              <a:schemeClr val="accent1"/>
+            </a:fillRef>
+            <a:effectRef idx="1">
+              <a:schemeClr val="accent1"/>
+            </a:effectRef>
+            <a:fontRef idx="minor">
+              <a:schemeClr val="dk1"/>
+            </a:fontRef>
+          </p:style>
+          <p:txBody>
+            <a:bodyPr rtlCol="0" anchor="ctr"/>
+            <a:lstStyle/>
+            <a:p>
+              <a:pPr algn="ctr"/>
+              <a:endParaRPr lang="en-US" sz="600" dirty="0" smtClean="0">
                 <a:latin typeface="Times New Roman" panose="02020603050405020304" pitchFamily="18" charset="0"/>
                 <a:cs typeface="Times New Roman" panose="02020603050405020304" pitchFamily="18" charset="0"/>
-              </a:rPr>
-              <a:t>Cache</a:t>
-            </a:r>
-            <a:endParaRPr lang="en-US" sz="1000" dirty="0">
-              <a:latin typeface="Times New Roman" panose="02020603050405020304" pitchFamily="18" charset="0"/>
-              <a:cs typeface="Times New Roman" panose="02020603050405020304" pitchFamily="18" charset="0"/>
-            </a:endParaRPr>
-          </a:p>
-        </p:txBody>
-      </p:sp>
-      <p:sp>
-        <p:nvSpPr>
-          <p:cNvPr id="6" name="Rounded Rectangle 5"/>
-          <p:cNvSpPr/>
-          <p:nvPr/>
-        </p:nvSpPr>
-        <p:spPr>
-          <a:xfrm>
-            <a:off x="2978150" y="0"/>
-            <a:ext cx="774700" cy="323850"/>
-          </a:xfrm>
-          <a:prstGeom prst="roundRect">
-            <a:avLst/>
-          </a:prstGeom>
-          <a:ln w="12700">
-            <a:solidFill>
-              <a:schemeClr val="tx1">
-                <a:lumMod val="50000"/>
-                <a:lumOff val="50000"/>
-              </a:schemeClr>
-            </a:solidFill>
-            <a:headEnd type="triangle" w="med" len="med"/>
-            <a:tailEnd type="triangle" w="med" len="med"/>
-          </a:ln>
-        </p:spPr>
-        <p:style>
-          <a:lnRef idx="1">
-            <a:schemeClr val="accent1"/>
-          </a:lnRef>
-          <a:fillRef idx="0">
-            <a:schemeClr val="accent1"/>
-          </a:fillRef>
-          <a:effectRef idx="0">
-            <a:schemeClr val="accent1"/>
-          </a:effectRef>
-          <a:fontRef idx="minor">
-            <a:schemeClr val="tx1"/>
-          </a:fontRef>
-        </p:style>
-        <p:txBody>
-          <a:bodyPr rtlCol="0" anchor="ctr"/>
-          <a:lstStyle/>
-          <a:p>
-            <a:pPr algn="ctr"/>
-            <a:r>
-              <a:rPr lang="en-US" sz="1000" dirty="0" smtClean="0">
+              </a:endParaRPr>
+            </a:p>
+            <a:p>
+              <a:pPr algn="ctr"/>
+              <a:r>
+                <a:rPr lang="en-US" sz="1000" dirty="0" smtClean="0">
+                  <a:latin typeface="Times New Roman" panose="02020603050405020304" pitchFamily="18" charset="0"/>
+                  <a:cs typeface="Times New Roman" panose="02020603050405020304" pitchFamily="18" charset="0"/>
+                </a:rPr>
+                <a:t>Local Storage</a:t>
+              </a:r>
+              <a:endParaRPr lang="en-US" sz="1000" dirty="0">
                 <a:latin typeface="Times New Roman" panose="02020603050405020304" pitchFamily="18" charset="0"/>
                 <a:cs typeface="Times New Roman" panose="02020603050405020304" pitchFamily="18" charset="0"/>
-              </a:rPr>
-              <a:t>Data Segment</a:t>
-            </a:r>
-            <a:endParaRPr lang="en-US" sz="1000" dirty="0">
-              <a:latin typeface="Times New Roman" panose="02020603050405020304" pitchFamily="18" charset="0"/>
-              <a:cs typeface="Times New Roman" panose="02020603050405020304" pitchFamily="18" charset="0"/>
-            </a:endParaRPr>
-          </a:p>
-        </p:txBody>
-      </p:sp>
-      <p:sp>
-        <p:nvSpPr>
-          <p:cNvPr id="7" name="Rounded Rectangle 6"/>
-          <p:cNvSpPr/>
-          <p:nvPr/>
-        </p:nvSpPr>
-        <p:spPr>
-          <a:xfrm>
-            <a:off x="4270375" y="0"/>
-            <a:ext cx="774700" cy="323850"/>
-          </a:xfrm>
-          <a:prstGeom prst="roundRect">
-            <a:avLst/>
-          </a:prstGeom>
-          <a:ln w="12700">
-            <a:solidFill>
-              <a:schemeClr val="tx1">
-                <a:lumMod val="50000"/>
-                <a:lumOff val="50000"/>
-              </a:schemeClr>
-            </a:solidFill>
-            <a:headEnd type="triangle" w="med" len="med"/>
-            <a:tailEnd type="triangle" w="med" len="med"/>
-          </a:ln>
-        </p:spPr>
-        <p:style>
-          <a:lnRef idx="1">
-            <a:schemeClr val="accent1"/>
-          </a:lnRef>
-          <a:fillRef idx="0">
-            <a:schemeClr val="accent1"/>
-          </a:fillRef>
-          <a:effectRef idx="0">
-            <a:schemeClr val="accent1"/>
-          </a:effectRef>
-          <a:fontRef idx="minor">
-            <a:schemeClr val="tx1"/>
-          </a:fontRef>
-        </p:style>
-        <p:txBody>
-          <a:bodyPr rtlCol="0" anchor="ctr"/>
-          <a:lstStyle/>
-          <a:p>
-            <a:pPr algn="ctr"/>
-            <a:r>
-              <a:rPr lang="en-US" sz="1000" dirty="0" smtClean="0">
+              </a:endParaRPr>
+            </a:p>
+          </p:txBody>
+        </p:sp>
+        <p:sp>
+          <p:nvSpPr>
+            <p:cNvPr id="6" name="Rounded Rectangle 5"/>
+            <p:cNvSpPr/>
+            <p:nvPr/>
+          </p:nvSpPr>
+          <p:spPr>
+            <a:xfrm>
+              <a:off x="2282109" y="35674"/>
+              <a:ext cx="1044067" cy="401782"/>
+            </a:xfrm>
+            <a:prstGeom prst="roundRect">
+              <a:avLst/>
+            </a:prstGeom>
+            <a:ln>
+              <a:solidFill>
+                <a:schemeClr val="accent1">
+                  <a:lumMod val="60000"/>
+                  <a:lumOff val="40000"/>
+                </a:schemeClr>
+              </a:solidFill>
+            </a:ln>
+          </p:spPr>
+          <p:style>
+            <a:lnRef idx="2">
+              <a:schemeClr val="accent1"/>
+            </a:lnRef>
+            <a:fillRef idx="1">
+              <a:schemeClr val="lt1"/>
+            </a:fillRef>
+            <a:effectRef idx="0">
+              <a:schemeClr val="accent1"/>
+            </a:effectRef>
+            <a:fontRef idx="minor">
+              <a:schemeClr val="dk1"/>
+            </a:fontRef>
+          </p:style>
+          <p:txBody>
+            <a:bodyPr rtlCol="0" anchor="ctr"/>
+            <a:lstStyle/>
+            <a:p>
+              <a:pPr algn="ctr"/>
+              <a:r>
+                <a:rPr lang="en-US" sz="1000" dirty="0" smtClean="0">
+                  <a:latin typeface="Times New Roman" panose="02020603050405020304" pitchFamily="18" charset="0"/>
+                  <a:cs typeface="Times New Roman" panose="02020603050405020304" pitchFamily="18" charset="0"/>
+                </a:rPr>
+                <a:t>Client Program</a:t>
+              </a:r>
+              <a:endParaRPr lang="en-US" sz="1000" dirty="0">
                 <a:latin typeface="Times New Roman" panose="02020603050405020304" pitchFamily="18" charset="0"/>
                 <a:cs typeface="Times New Roman" panose="02020603050405020304" pitchFamily="18" charset="0"/>
-              </a:rPr>
-              <a:t>Local Processor</a:t>
-            </a:r>
-            <a:endParaRPr lang="en-US" sz="1000" dirty="0">
-              <a:latin typeface="Times New Roman" panose="02020603050405020304" pitchFamily="18" charset="0"/>
-              <a:cs typeface="Times New Roman" panose="02020603050405020304" pitchFamily="18" charset="0"/>
-            </a:endParaRPr>
-          </a:p>
-        </p:txBody>
-      </p:sp>
-      <p:sp>
-        <p:nvSpPr>
-          <p:cNvPr id="8" name="Rounded Rectangle 7"/>
-          <p:cNvSpPr/>
-          <p:nvPr/>
-        </p:nvSpPr>
-        <p:spPr>
-          <a:xfrm>
-            <a:off x="5562600" y="0"/>
-            <a:ext cx="774700" cy="323850"/>
-          </a:xfrm>
-          <a:prstGeom prst="roundRect">
-            <a:avLst/>
-          </a:prstGeom>
-          <a:ln w="12700">
-            <a:solidFill>
-              <a:schemeClr val="tx1">
-                <a:lumMod val="50000"/>
-                <a:lumOff val="50000"/>
-              </a:schemeClr>
-            </a:solidFill>
-            <a:headEnd type="triangle" w="med" len="med"/>
-            <a:tailEnd type="triangle" w="med" len="med"/>
-          </a:ln>
-        </p:spPr>
-        <p:style>
-          <a:lnRef idx="1">
-            <a:schemeClr val="accent1"/>
-          </a:lnRef>
-          <a:fillRef idx="0">
-            <a:schemeClr val="accent1"/>
-          </a:fillRef>
-          <a:effectRef idx="0">
-            <a:schemeClr val="accent1"/>
-          </a:effectRef>
-          <a:fontRef idx="minor">
-            <a:schemeClr val="tx1"/>
-          </a:fontRef>
-        </p:style>
-        <p:txBody>
-          <a:bodyPr rtlCol="0" anchor="ctr"/>
-          <a:lstStyle/>
-          <a:p>
-            <a:pPr algn="ctr"/>
-            <a:r>
-              <a:rPr lang="en-US" sz="1000" dirty="0" smtClean="0">
+              </a:endParaRPr>
+            </a:p>
+          </p:txBody>
+        </p:sp>
+        <p:sp>
+          <p:nvSpPr>
+            <p:cNvPr id="8" name="Rounded Rectangle 7"/>
+            <p:cNvSpPr/>
+            <p:nvPr/>
+          </p:nvSpPr>
+          <p:spPr>
+            <a:xfrm>
+              <a:off x="3569488" y="35674"/>
+              <a:ext cx="1044067" cy="401782"/>
+            </a:xfrm>
+            <a:prstGeom prst="roundRect">
+              <a:avLst/>
+            </a:prstGeom>
+            <a:ln>
+              <a:solidFill>
+                <a:schemeClr val="accent1">
+                  <a:lumMod val="60000"/>
+                  <a:lumOff val="40000"/>
+                </a:schemeClr>
+              </a:solidFill>
+            </a:ln>
+          </p:spPr>
+          <p:style>
+            <a:lnRef idx="2">
+              <a:schemeClr val="accent1"/>
+            </a:lnRef>
+            <a:fillRef idx="1">
+              <a:schemeClr val="lt1"/>
+            </a:fillRef>
+            <a:effectRef idx="0">
+              <a:schemeClr val="accent1"/>
+            </a:effectRef>
+            <a:fontRef idx="minor">
+              <a:schemeClr val="dk1"/>
+            </a:fontRef>
+          </p:style>
+          <p:txBody>
+            <a:bodyPr rtlCol="0" anchor="ctr"/>
+            <a:lstStyle/>
+            <a:p>
+              <a:pPr algn="ctr"/>
+              <a:r>
+                <a:rPr lang="en-US" sz="1000" dirty="0" smtClean="0">
+                  <a:latin typeface="Times New Roman" panose="02020603050405020304" pitchFamily="18" charset="0"/>
+                  <a:cs typeface="Times New Roman" panose="02020603050405020304" pitchFamily="18" charset="0"/>
+                </a:rPr>
+                <a:t>RPC Framework</a:t>
+              </a:r>
+              <a:endParaRPr lang="en-US" sz="1000" dirty="0">
                 <a:latin typeface="Times New Roman" panose="02020603050405020304" pitchFamily="18" charset="0"/>
                 <a:cs typeface="Times New Roman" panose="02020603050405020304" pitchFamily="18" charset="0"/>
-              </a:rPr>
-              <a:t>Global Processor</a:t>
-            </a:r>
-            <a:endParaRPr lang="en-US" sz="1000" dirty="0">
-              <a:latin typeface="Times New Roman" panose="02020603050405020304" pitchFamily="18" charset="0"/>
-              <a:cs typeface="Times New Roman" panose="02020603050405020304" pitchFamily="18" charset="0"/>
-            </a:endParaRPr>
-          </a:p>
-        </p:txBody>
-      </p:sp>
-      <p:cxnSp>
-        <p:nvCxnSpPr>
-          <p:cNvPr id="12" name="Straight Connector 11"/>
-          <p:cNvCxnSpPr>
-            <a:stCxn id="4" idx="2"/>
-          </p:cNvCxnSpPr>
-          <p:nvPr/>
-        </p:nvCxnSpPr>
-        <p:spPr>
-          <a:xfrm>
-            <a:off x="781050" y="323850"/>
-            <a:ext cx="13401" cy="4248150"/>
-          </a:xfrm>
-          <a:prstGeom prst="line">
-            <a:avLst/>
-          </a:prstGeom>
-          <a:ln>
-            <a:solidFill>
-              <a:schemeClr val="tx1">
-                <a:lumMod val="50000"/>
-                <a:lumOff val="50000"/>
-              </a:schemeClr>
-            </a:solidFill>
-          </a:ln>
-        </p:spPr>
-        <p:style>
-          <a:lnRef idx="1">
-            <a:schemeClr val="accent1"/>
-          </a:lnRef>
-          <a:fillRef idx="0">
-            <a:schemeClr val="accent1"/>
-          </a:fillRef>
-          <a:effectRef idx="0">
-            <a:schemeClr val="accent1"/>
-          </a:effectRef>
-          <a:fontRef idx="minor">
-            <a:schemeClr val="tx1"/>
-          </a:fontRef>
-        </p:style>
-      </p:cxnSp>
-      <p:cxnSp>
-        <p:nvCxnSpPr>
-          <p:cNvPr id="20" name="Straight Arrow Connector 19"/>
-          <p:cNvCxnSpPr/>
-          <p:nvPr/>
-        </p:nvCxnSpPr>
-        <p:spPr>
-          <a:xfrm>
-            <a:off x="787400" y="781050"/>
-            <a:ext cx="1279525" cy="5715"/>
-          </a:xfrm>
-          <a:prstGeom prst="straightConnector1">
-            <a:avLst/>
-          </a:prstGeom>
-          <a:ln w="9525">
-            <a:solidFill>
-              <a:schemeClr val="tx1">
-                <a:lumMod val="50000"/>
-                <a:lumOff val="50000"/>
-              </a:schemeClr>
-            </a:solidFill>
-            <a:tailEnd type="triangle"/>
-          </a:ln>
-        </p:spPr>
-        <p:style>
-          <a:lnRef idx="1">
-            <a:schemeClr val="accent1"/>
-          </a:lnRef>
-          <a:fillRef idx="0">
-            <a:schemeClr val="accent1"/>
-          </a:fillRef>
-          <a:effectRef idx="0">
-            <a:schemeClr val="accent1"/>
-          </a:effectRef>
-          <a:fontRef idx="minor">
-            <a:schemeClr val="tx1"/>
-          </a:fontRef>
-        </p:style>
-      </p:cxnSp>
-      <p:sp>
-        <p:nvSpPr>
-          <p:cNvPr id="21" name="TextBox 20"/>
-          <p:cNvSpPr txBox="1"/>
-          <p:nvPr/>
-        </p:nvSpPr>
-        <p:spPr>
-          <a:xfrm>
-            <a:off x="768350" y="557689"/>
-            <a:ext cx="1056700" cy="246221"/>
-          </a:xfrm>
-          <a:prstGeom prst="rect">
-            <a:avLst/>
-          </a:prstGeom>
-          <a:noFill/>
-        </p:spPr>
-        <p:txBody>
-          <a:bodyPr wrap="none" rtlCol="0">
-            <a:spAutoFit/>
-          </a:bodyPr>
-          <a:lstStyle/>
-          <a:p>
-            <a:r>
-              <a:rPr lang="en-US" sz="1000" dirty="0" err="1" smtClean="0">
+              </a:endParaRPr>
+            </a:p>
+          </p:txBody>
+        </p:sp>
+        <p:cxnSp>
+          <p:nvCxnSpPr>
+            <p:cNvPr id="10" name="Straight Arrow Connector 9"/>
+            <p:cNvCxnSpPr>
+              <a:stCxn id="6" idx="2"/>
+            </p:cNvCxnSpPr>
+            <p:nvPr/>
+          </p:nvCxnSpPr>
+          <p:spPr>
+            <a:xfrm>
+              <a:off x="2804143" y="437456"/>
+              <a:ext cx="0" cy="256309"/>
+            </a:xfrm>
+            <a:prstGeom prst="straightConnector1">
+              <a:avLst/>
+            </a:prstGeom>
+            <a:ln w="12700">
+              <a:solidFill>
+                <a:schemeClr val="tx1"/>
+              </a:solidFill>
+              <a:headEnd type="triangle" w="med" len="med"/>
+              <a:tailEnd type="triangle" w="med" len="med"/>
+            </a:ln>
+          </p:spPr>
+          <p:style>
+            <a:lnRef idx="1">
+              <a:schemeClr val="accent1"/>
+            </a:lnRef>
+            <a:fillRef idx="0">
+              <a:schemeClr val="accent1"/>
+            </a:fillRef>
+            <a:effectRef idx="0">
+              <a:schemeClr val="accent1"/>
+            </a:effectRef>
+            <a:fontRef idx="minor">
+              <a:schemeClr val="tx1"/>
+            </a:fontRef>
+          </p:style>
+        </p:cxnSp>
+        <p:cxnSp>
+          <p:nvCxnSpPr>
+            <p:cNvPr id="11" name="Straight Arrow Connector 10"/>
+            <p:cNvCxnSpPr/>
+            <p:nvPr/>
+          </p:nvCxnSpPr>
+          <p:spPr>
+            <a:xfrm>
+              <a:off x="4091522" y="437456"/>
+              <a:ext cx="0" cy="256309"/>
+            </a:xfrm>
+            <a:prstGeom prst="straightConnector1">
+              <a:avLst/>
+            </a:prstGeom>
+            <a:ln w="12700">
+              <a:solidFill>
+                <a:schemeClr val="tx1"/>
+              </a:solidFill>
+              <a:headEnd type="triangle" w="med" len="med"/>
+              <a:tailEnd type="triangle" w="med" len="med"/>
+            </a:ln>
+          </p:spPr>
+          <p:style>
+            <a:lnRef idx="1">
+              <a:schemeClr val="accent1"/>
+            </a:lnRef>
+            <a:fillRef idx="0">
+              <a:schemeClr val="accent1"/>
+            </a:fillRef>
+            <a:effectRef idx="0">
+              <a:schemeClr val="accent1"/>
+            </a:effectRef>
+            <a:fontRef idx="minor">
+              <a:schemeClr val="tx1"/>
+            </a:fontRef>
+          </p:style>
+        </p:cxnSp>
+        <p:sp>
+          <p:nvSpPr>
+            <p:cNvPr id="16" name="Rounded Rectangle 15"/>
+            <p:cNvSpPr/>
+            <p:nvPr/>
+          </p:nvSpPr>
+          <p:spPr>
+            <a:xfrm>
+              <a:off x="120015" y="1920693"/>
+              <a:ext cx="6498771" cy="1058231"/>
+            </a:xfrm>
+            <a:prstGeom prst="roundRect">
+              <a:avLst>
+                <a:gd name="adj" fmla="val 4740"/>
+              </a:avLst>
+            </a:prstGeom>
+            <a:ln>
+              <a:solidFill>
+                <a:schemeClr val="accent1">
+                  <a:lumMod val="60000"/>
+                  <a:lumOff val="40000"/>
+                </a:schemeClr>
+              </a:solidFill>
+            </a:ln>
+          </p:spPr>
+          <p:style>
+            <a:lnRef idx="2">
+              <a:schemeClr val="accent1"/>
+            </a:lnRef>
+            <a:fillRef idx="1">
+              <a:schemeClr val="lt1"/>
+            </a:fillRef>
+            <a:effectRef idx="0">
+              <a:schemeClr val="accent1"/>
+            </a:effectRef>
+            <a:fontRef idx="minor">
+              <a:schemeClr val="dk1"/>
+            </a:fontRef>
+          </p:style>
+          <p:txBody>
+            <a:bodyPr rtlCol="0" anchor="t"/>
+            <a:lstStyle/>
+            <a:p>
+              <a:r>
+                <a:rPr lang="en-US" sz="1000" b="1" dirty="0" smtClean="0">
+                  <a:latin typeface="Times New Roman" panose="02020603050405020304" pitchFamily="18" charset="0"/>
+                  <a:cs typeface="Times New Roman" panose="02020603050405020304" pitchFamily="18" charset="0"/>
+                </a:rPr>
+                <a:t>Main Memory</a:t>
+              </a:r>
+              <a:endParaRPr lang="en-US" sz="1000" b="1" dirty="0">
                 <a:latin typeface="Times New Roman" panose="02020603050405020304" pitchFamily="18" charset="0"/>
                 <a:cs typeface="Times New Roman" panose="02020603050405020304" pitchFamily="18" charset="0"/>
-              </a:rPr>
-              <a:t>acquireBlock</a:t>
-            </a:r>
-            <a:r>
-              <a:rPr lang="en-US" sz="1000" dirty="0" smtClean="0">
+              </a:endParaRPr>
+            </a:p>
+          </p:txBody>
+        </p:sp>
+        <p:sp>
+          <p:nvSpPr>
+            <p:cNvPr id="21" name="Flowchart: Magnetic Disk 20"/>
+            <p:cNvSpPr/>
+            <p:nvPr/>
+          </p:nvSpPr>
+          <p:spPr>
+            <a:xfrm>
+              <a:off x="538509" y="4019823"/>
+              <a:ext cx="782884" cy="519545"/>
+            </a:xfrm>
+            <a:prstGeom prst="flowChartMagneticDisk">
+              <a:avLst/>
+            </a:prstGeom>
+          </p:spPr>
+          <p:style>
+            <a:lnRef idx="1">
+              <a:schemeClr val="accent1"/>
+            </a:lnRef>
+            <a:fillRef idx="2">
+              <a:schemeClr val="accent1"/>
+            </a:fillRef>
+            <a:effectRef idx="1">
+              <a:schemeClr val="accent1"/>
+            </a:effectRef>
+            <a:fontRef idx="minor">
+              <a:schemeClr val="dk1"/>
+            </a:fontRef>
+          </p:style>
+          <p:txBody>
+            <a:bodyPr rtlCol="0" anchor="ctr"/>
+            <a:lstStyle/>
+            <a:p>
+              <a:pPr algn="ctr"/>
+              <a:r>
+                <a:rPr lang="en-US" sz="1000" dirty="0" err="1" smtClean="0">
+                  <a:latin typeface="Times New Roman" panose="02020603050405020304" pitchFamily="18" charset="0"/>
+                  <a:cs typeface="Times New Roman" panose="02020603050405020304" pitchFamily="18" charset="0"/>
+                </a:rPr>
+                <a:t>ZooKeeper</a:t>
+              </a:r>
+              <a:endParaRPr lang="en-US" sz="1000" dirty="0">
                 <a:latin typeface="Times New Roman" panose="02020603050405020304" pitchFamily="18" charset="0"/>
                 <a:cs typeface="Times New Roman" panose="02020603050405020304" pitchFamily="18" charset="0"/>
-              </a:rPr>
-              <a:t>(id)</a:t>
-            </a:r>
-            <a:endParaRPr lang="en-US" sz="1000" dirty="0">
-              <a:latin typeface="Times New Roman" panose="02020603050405020304" pitchFamily="18" charset="0"/>
-              <a:cs typeface="Times New Roman" panose="02020603050405020304" pitchFamily="18" charset="0"/>
-            </a:endParaRPr>
-          </a:p>
-        </p:txBody>
-      </p:sp>
-      <p:cxnSp>
-        <p:nvCxnSpPr>
-          <p:cNvPr id="23" name="Straight Arrow Connector 22"/>
-          <p:cNvCxnSpPr/>
-          <p:nvPr/>
-        </p:nvCxnSpPr>
-        <p:spPr>
-          <a:xfrm>
-            <a:off x="2060575" y="918210"/>
-            <a:ext cx="1304925" cy="0"/>
-          </a:xfrm>
-          <a:prstGeom prst="straightConnector1">
-            <a:avLst/>
-          </a:prstGeom>
-          <a:ln>
-            <a:tailEnd type="triangle"/>
-          </a:ln>
-        </p:spPr>
-        <p:style>
-          <a:lnRef idx="1">
-            <a:schemeClr val="accent1"/>
-          </a:lnRef>
-          <a:fillRef idx="0">
-            <a:schemeClr val="accent1"/>
-          </a:fillRef>
-          <a:effectRef idx="0">
-            <a:schemeClr val="accent1"/>
-          </a:effectRef>
-          <a:fontRef idx="minor">
-            <a:schemeClr val="tx1"/>
-          </a:fontRef>
-        </p:style>
-      </p:cxnSp>
-      <p:cxnSp>
-        <p:nvCxnSpPr>
-          <p:cNvPr id="17" name="Straight Connector 16"/>
-          <p:cNvCxnSpPr/>
-          <p:nvPr/>
-        </p:nvCxnSpPr>
-        <p:spPr>
-          <a:xfrm>
-            <a:off x="2073275" y="323850"/>
-            <a:ext cx="13401" cy="4248150"/>
-          </a:xfrm>
-          <a:prstGeom prst="line">
-            <a:avLst/>
-          </a:prstGeom>
-          <a:ln>
+              </a:endParaRPr>
+            </a:p>
+          </p:txBody>
+        </p:sp>
+        <p:sp>
+          <p:nvSpPr>
+            <p:cNvPr id="23" name="Flowchart: Magnetic Disk 22"/>
+            <p:cNvSpPr/>
+            <p:nvPr/>
+          </p:nvSpPr>
+          <p:spPr>
+            <a:xfrm>
+              <a:off x="5662703" y="4003014"/>
+              <a:ext cx="782884" cy="519545"/>
+            </a:xfrm>
+            <a:prstGeom prst="flowChartMagneticDisk">
+              <a:avLst/>
+            </a:prstGeom>
+          </p:spPr>
+          <p:style>
+            <a:lnRef idx="1">
+              <a:schemeClr val="accent1"/>
+            </a:lnRef>
+            <a:fillRef idx="2">
+              <a:schemeClr val="accent1"/>
+            </a:fillRef>
+            <a:effectRef idx="1">
+              <a:schemeClr val="accent1"/>
+            </a:effectRef>
+            <a:fontRef idx="minor">
+              <a:schemeClr val="dk1"/>
+            </a:fontRef>
+          </p:style>
+          <p:txBody>
+            <a:bodyPr rtlCol="0" anchor="ctr"/>
+            <a:lstStyle/>
+            <a:p>
+              <a:pPr algn="ctr"/>
+              <a:endParaRPr lang="en-US" sz="600" dirty="0" smtClean="0">
+                <a:latin typeface="Times New Roman" panose="02020603050405020304" pitchFamily="18" charset="0"/>
+                <a:cs typeface="Times New Roman" panose="02020603050405020304" pitchFamily="18" charset="0"/>
+              </a:endParaRPr>
+            </a:p>
+            <a:p>
+              <a:pPr algn="ctr"/>
+              <a:r>
+                <a:rPr lang="en-US" sz="1000" dirty="0" smtClean="0">
+                  <a:latin typeface="Times New Roman" panose="02020603050405020304" pitchFamily="18" charset="0"/>
+                  <a:cs typeface="Times New Roman" panose="02020603050405020304" pitchFamily="18" charset="0"/>
+                </a:rPr>
+                <a:t>Globa</a:t>
+              </a:r>
+              <a:r>
+                <a:rPr lang="en-US" sz="1000" dirty="0">
+                  <a:latin typeface="Times New Roman" panose="02020603050405020304" pitchFamily="18" charset="0"/>
+                  <a:cs typeface="Times New Roman" panose="02020603050405020304" pitchFamily="18" charset="0"/>
+                </a:rPr>
+                <a:t>l</a:t>
+              </a:r>
+              <a:r>
+                <a:rPr lang="en-US" sz="1000" dirty="0" smtClean="0">
+                  <a:latin typeface="Times New Roman" panose="02020603050405020304" pitchFamily="18" charset="0"/>
+                  <a:cs typeface="Times New Roman" panose="02020603050405020304" pitchFamily="18" charset="0"/>
+                </a:rPr>
+                <a:t> </a:t>
+              </a:r>
+              <a:r>
+                <a:rPr lang="en-US" sz="1000" dirty="0" smtClean="0">
+                  <a:latin typeface="Times New Roman" panose="02020603050405020304" pitchFamily="18" charset="0"/>
+                  <a:cs typeface="Times New Roman" panose="02020603050405020304" pitchFamily="18" charset="0"/>
+                </a:rPr>
+                <a:t>Storage</a:t>
+              </a:r>
+              <a:endParaRPr lang="en-US" sz="1000" dirty="0">
+                <a:latin typeface="Times New Roman" panose="02020603050405020304" pitchFamily="18" charset="0"/>
+                <a:cs typeface="Times New Roman" panose="02020603050405020304" pitchFamily="18" charset="0"/>
+              </a:endParaRPr>
+            </a:p>
+          </p:txBody>
+        </p:sp>
+        <p:sp>
+          <p:nvSpPr>
+            <p:cNvPr id="13" name="Rectangle 12"/>
+            <p:cNvSpPr/>
+            <p:nvPr/>
+          </p:nvSpPr>
+          <p:spPr>
+            <a:xfrm>
+              <a:off x="965566" y="2444411"/>
+              <a:ext cx="899113" cy="438625"/>
+            </a:xfrm>
+            <a:prstGeom prst="rect">
+              <a:avLst/>
+            </a:prstGeom>
+          </p:spPr>
+          <p:style>
+            <a:lnRef idx="2">
+              <a:schemeClr val="accent2"/>
+            </a:lnRef>
+            <a:fillRef idx="1">
+              <a:schemeClr val="lt1"/>
+            </a:fillRef>
+            <a:effectRef idx="0">
+              <a:schemeClr val="accent2"/>
+            </a:effectRef>
+            <a:fontRef idx="minor">
+              <a:schemeClr val="dk1"/>
+            </a:fontRef>
+          </p:style>
+          <p:txBody>
+            <a:bodyPr rtlCol="0" anchor="ctr"/>
+            <a:lstStyle/>
+            <a:p>
+              <a:pPr algn="ctr"/>
+              <a:r>
+                <a:rPr lang="en-US" sz="1000" dirty="0" err="1">
+                  <a:latin typeface="Times New Roman" panose="02020603050405020304" pitchFamily="18" charset="0"/>
+                  <a:cs typeface="Times New Roman" panose="02020603050405020304" pitchFamily="18" charset="0"/>
+                </a:rPr>
+                <a:t>Inodes</a:t>
+              </a:r>
+              <a:r>
+                <a:rPr lang="en-US" sz="1000" dirty="0">
+                  <a:latin typeface="Times New Roman" panose="02020603050405020304" pitchFamily="18" charset="0"/>
+                  <a:cs typeface="Times New Roman" panose="02020603050405020304" pitchFamily="18" charset="0"/>
+                </a:rPr>
+                <a:t>-blocks version table</a:t>
+              </a:r>
+              <a:endParaRPr lang="en-US" sz="1000" dirty="0">
+                <a:latin typeface="Times New Roman" panose="02020603050405020304" pitchFamily="18" charset="0"/>
+                <a:cs typeface="Times New Roman" panose="02020603050405020304" pitchFamily="18" charset="0"/>
+              </a:endParaRPr>
+            </a:p>
+          </p:txBody>
+        </p:sp>
+        <p:sp>
+          <p:nvSpPr>
+            <p:cNvPr id="18" name="Rectangle 17"/>
+            <p:cNvSpPr/>
+            <p:nvPr/>
+          </p:nvSpPr>
+          <p:spPr>
+            <a:xfrm>
+              <a:off x="4848804" y="2348524"/>
+              <a:ext cx="759952" cy="438625"/>
+            </a:xfrm>
+            <a:prstGeom prst="rect">
+              <a:avLst/>
+            </a:prstGeom>
+            <a:ln>
+              <a:prstDash val="dash"/>
+            </a:ln>
+          </p:spPr>
+          <p:style>
+            <a:lnRef idx="2">
+              <a:schemeClr val="accent2"/>
+            </a:lnRef>
+            <a:fillRef idx="1">
+              <a:schemeClr val="lt1"/>
+            </a:fillRef>
+            <a:effectRef idx="0">
+              <a:schemeClr val="accent2"/>
+            </a:effectRef>
+            <a:fontRef idx="minor">
+              <a:schemeClr val="dk1"/>
+            </a:fontRef>
+          </p:style>
+          <p:txBody>
+            <a:bodyPr rtlCol="0" anchor="ctr"/>
+            <a:lstStyle/>
+            <a:p>
+              <a:pPr algn="ctr"/>
+              <a:r>
+                <a:rPr lang="en-US" sz="1000" dirty="0" smtClean="0">
+                  <a:latin typeface="Times New Roman" panose="02020603050405020304" pitchFamily="18" charset="0"/>
+                  <a:cs typeface="Times New Roman" panose="02020603050405020304" pitchFamily="18" charset="0"/>
+                </a:rPr>
+                <a:t>Data segments</a:t>
+              </a:r>
+              <a:endParaRPr lang="en-US" sz="1000" dirty="0">
+                <a:latin typeface="Times New Roman" panose="02020603050405020304" pitchFamily="18" charset="0"/>
+                <a:cs typeface="Times New Roman" panose="02020603050405020304" pitchFamily="18" charset="0"/>
+              </a:endParaRPr>
+            </a:p>
+          </p:txBody>
+        </p:sp>
+        <p:sp>
+          <p:nvSpPr>
+            <p:cNvPr id="19" name="Rectangle 18"/>
+            <p:cNvSpPr/>
+            <p:nvPr/>
+          </p:nvSpPr>
+          <p:spPr>
+            <a:xfrm>
+              <a:off x="3996025" y="2348524"/>
+              <a:ext cx="790448" cy="438625"/>
+            </a:xfrm>
+            <a:prstGeom prst="rect">
+              <a:avLst/>
+            </a:prstGeom>
+            <a:ln>
+              <a:prstDash val="dash"/>
+            </a:ln>
+          </p:spPr>
+          <p:style>
+            <a:lnRef idx="2">
+              <a:schemeClr val="accent2"/>
+            </a:lnRef>
+            <a:fillRef idx="1">
+              <a:schemeClr val="lt1"/>
+            </a:fillRef>
+            <a:effectRef idx="0">
+              <a:schemeClr val="accent2"/>
+            </a:effectRef>
+            <a:fontRef idx="minor">
+              <a:schemeClr val="dk1"/>
+            </a:fontRef>
+          </p:style>
+          <p:txBody>
+            <a:bodyPr rtlCol="0" anchor="ctr"/>
+            <a:lstStyle/>
+            <a:p>
+              <a:pPr algn="ctr"/>
+              <a:r>
+                <a:rPr lang="en-US" sz="1000" dirty="0" err="1" smtClean="0">
+                  <a:latin typeface="Times New Roman" panose="02020603050405020304" pitchFamily="18" charset="0"/>
+                  <a:cs typeface="Times New Roman" panose="02020603050405020304" pitchFamily="18" charset="0"/>
+                </a:rPr>
+                <a:t>Inodes</a:t>
+              </a:r>
+              <a:r>
+                <a:rPr lang="en-US" sz="1000" dirty="0" smtClean="0">
+                  <a:latin typeface="Times New Roman" panose="02020603050405020304" pitchFamily="18" charset="0"/>
+                  <a:cs typeface="Times New Roman" panose="02020603050405020304" pitchFamily="18" charset="0"/>
+                </a:rPr>
+                <a:t> blocks</a:t>
+              </a:r>
+              <a:endParaRPr lang="en-US" sz="1000" dirty="0">
+                <a:latin typeface="Times New Roman" panose="02020603050405020304" pitchFamily="18" charset="0"/>
+                <a:cs typeface="Times New Roman" panose="02020603050405020304" pitchFamily="18" charset="0"/>
+              </a:endParaRPr>
+            </a:p>
+          </p:txBody>
+        </p:sp>
+        <p:sp>
+          <p:nvSpPr>
+            <p:cNvPr id="4" name="Rounded Rectangle 3"/>
+            <p:cNvSpPr/>
+            <p:nvPr/>
+          </p:nvSpPr>
+          <p:spPr>
+            <a:xfrm>
+              <a:off x="2296492" y="700692"/>
+              <a:ext cx="2317063" cy="346364"/>
+            </a:xfrm>
+            <a:prstGeom prst="roundRect">
+              <a:avLst/>
+            </a:prstGeom>
+            <a:ln>
+              <a:solidFill>
+                <a:schemeClr val="accent1">
+                  <a:lumMod val="60000"/>
+                  <a:lumOff val="40000"/>
+                </a:schemeClr>
+              </a:solidFill>
+            </a:ln>
+          </p:spPr>
+          <p:style>
+            <a:lnRef idx="2">
+              <a:schemeClr val="accent1"/>
+            </a:lnRef>
+            <a:fillRef idx="1">
+              <a:schemeClr val="lt1"/>
+            </a:fillRef>
+            <a:effectRef idx="0">
+              <a:schemeClr val="accent1"/>
+            </a:effectRef>
+            <a:fontRef idx="minor">
+              <a:schemeClr val="dk1"/>
+            </a:fontRef>
+          </p:style>
+          <p:txBody>
+            <a:bodyPr rtlCol="0" anchor="ctr"/>
+            <a:lstStyle/>
+            <a:p>
+              <a:pPr algn="ctr"/>
+              <a:r>
+                <a:rPr lang="en-US" sz="1000" b="1" dirty="0" smtClean="0">
+                  <a:latin typeface="Times New Roman" panose="02020603050405020304" pitchFamily="18" charset="0"/>
+                  <a:cs typeface="Times New Roman" panose="02020603050405020304" pitchFamily="18" charset="0"/>
+                </a:rPr>
+                <a:t>API</a:t>
+              </a:r>
+              <a:endParaRPr lang="en-US" sz="1000" b="1" dirty="0">
+                <a:latin typeface="Times New Roman" panose="02020603050405020304" pitchFamily="18" charset="0"/>
+                <a:cs typeface="Times New Roman" panose="02020603050405020304" pitchFamily="18" charset="0"/>
+              </a:endParaRPr>
+            </a:p>
+          </p:txBody>
+        </p:sp>
+        <p:sp>
+          <p:nvSpPr>
+            <p:cNvPr id="5" name="Rounded Rectangle 4"/>
+            <p:cNvSpPr/>
+            <p:nvPr/>
+          </p:nvSpPr>
+          <p:spPr>
+            <a:xfrm>
+              <a:off x="2296493" y="1116328"/>
+              <a:ext cx="2317063" cy="663534"/>
+            </a:xfrm>
+            <a:prstGeom prst="roundRect">
+              <a:avLst>
+                <a:gd name="adj" fmla="val 4740"/>
+              </a:avLst>
+            </a:prstGeom>
+            <a:ln>
+              <a:solidFill>
+                <a:schemeClr val="accent1">
+                  <a:lumMod val="60000"/>
+                  <a:lumOff val="40000"/>
+                </a:schemeClr>
+              </a:solidFill>
+            </a:ln>
+          </p:spPr>
+          <p:style>
+            <a:lnRef idx="2">
+              <a:schemeClr val="accent1"/>
+            </a:lnRef>
+            <a:fillRef idx="1">
+              <a:schemeClr val="lt1"/>
+            </a:fillRef>
+            <a:effectRef idx="0">
+              <a:schemeClr val="accent1"/>
+            </a:effectRef>
+            <a:fontRef idx="minor">
+              <a:schemeClr val="dk1"/>
+            </a:fontRef>
+          </p:style>
+          <p:txBody>
+            <a:bodyPr rtlCol="0" anchor="t"/>
+            <a:lstStyle/>
+            <a:p>
+              <a:r>
+                <a:rPr lang="en-US" sz="1000" b="1" dirty="0" smtClean="0">
+                  <a:latin typeface="Times New Roman" panose="02020603050405020304" pitchFamily="18" charset="0"/>
+                  <a:cs typeface="Times New Roman" panose="02020603050405020304" pitchFamily="18" charset="0"/>
+                </a:rPr>
+                <a:t>Core</a:t>
+              </a:r>
+              <a:endParaRPr lang="en-US" sz="1000" b="1" dirty="0">
+                <a:latin typeface="Times New Roman" panose="02020603050405020304" pitchFamily="18" charset="0"/>
+                <a:cs typeface="Times New Roman" panose="02020603050405020304" pitchFamily="18" charset="0"/>
+              </a:endParaRPr>
+            </a:p>
+          </p:txBody>
+        </p:sp>
+        <p:sp>
+          <p:nvSpPr>
+            <p:cNvPr id="25" name="Rectangle 24"/>
+            <p:cNvSpPr/>
+            <p:nvPr/>
+          </p:nvSpPr>
+          <p:spPr>
+            <a:xfrm>
+              <a:off x="2342038" y="1346651"/>
+              <a:ext cx="2204404" cy="287021"/>
+            </a:xfrm>
+            <a:prstGeom prst="rect">
+              <a:avLst/>
+            </a:prstGeom>
+          </p:spPr>
+          <p:style>
+            <a:lnRef idx="2">
+              <a:schemeClr val="accent2"/>
+            </a:lnRef>
+            <a:fillRef idx="1">
+              <a:schemeClr val="lt1"/>
+            </a:fillRef>
+            <a:effectRef idx="0">
+              <a:schemeClr val="accent2"/>
+            </a:effectRef>
+            <a:fontRef idx="minor">
+              <a:schemeClr val="dk1"/>
+            </a:fontRef>
+          </p:style>
+          <p:txBody>
+            <a:bodyPr rtlCol="0" anchor="ctr"/>
+            <a:lstStyle/>
+            <a:p>
+              <a:pPr algn="ctr"/>
+              <a:r>
+                <a:rPr lang="en-US" sz="1000" dirty="0" smtClean="0">
+                  <a:latin typeface="Times New Roman" panose="02020603050405020304" pitchFamily="18" charset="0"/>
+                  <a:cs typeface="Times New Roman" panose="02020603050405020304" pitchFamily="18" charset="0"/>
+                </a:rPr>
+                <a:t>Driver, File Handles</a:t>
+              </a:r>
+              <a:endParaRPr lang="en-US" sz="1000" dirty="0">
+                <a:latin typeface="Times New Roman" panose="02020603050405020304" pitchFamily="18" charset="0"/>
+                <a:cs typeface="Times New Roman" panose="02020603050405020304" pitchFamily="18" charset="0"/>
+              </a:endParaRPr>
+            </a:p>
+          </p:txBody>
+        </p:sp>
+        <p:cxnSp>
+          <p:nvCxnSpPr>
+            <p:cNvPr id="28" name="Straight Connector 27"/>
+            <p:cNvCxnSpPr>
+              <a:endCxn id="13" idx="2"/>
+            </p:cNvCxnSpPr>
+            <p:nvPr/>
+          </p:nvCxnSpPr>
+          <p:spPr>
+            <a:xfrm flipV="1">
+              <a:off x="1144751" y="2883036"/>
+              <a:ext cx="270372" cy="1136787"/>
+            </a:xfrm>
+            <a:prstGeom prst="line">
+              <a:avLst/>
+            </a:prstGeom>
+            <a:ln w="9525">
+              <a:solidFill>
+                <a:schemeClr val="tx1"/>
+              </a:solidFill>
+              <a:prstDash val="dash"/>
+              <a:headEnd type="triangle" w="med" len="med"/>
+              <a:tailEnd type="triangle" w="med" len="med"/>
+            </a:ln>
+          </p:spPr>
+          <p:style>
+            <a:lnRef idx="1">
+              <a:schemeClr val="accent1"/>
+            </a:lnRef>
+            <a:fillRef idx="0">
+              <a:schemeClr val="accent1"/>
+            </a:fillRef>
+            <a:effectRef idx="0">
+              <a:schemeClr val="accent1"/>
+            </a:effectRef>
+            <a:fontRef idx="minor">
+              <a:schemeClr val="tx1"/>
+            </a:fontRef>
+          </p:style>
+        </p:cxnSp>
+        <p:cxnSp>
+          <p:nvCxnSpPr>
+            <p:cNvPr id="42" name="Straight Arrow Connector 41"/>
+            <p:cNvCxnSpPr/>
+            <p:nvPr/>
+          </p:nvCxnSpPr>
+          <p:spPr>
+            <a:xfrm>
+              <a:off x="4397058" y="1633672"/>
+              <a:ext cx="0" cy="430465"/>
+            </a:xfrm>
+            <a:prstGeom prst="straightConnector1">
+              <a:avLst/>
+            </a:prstGeom>
+            <a:ln w="9525">
+              <a:solidFill>
+                <a:schemeClr val="tx1"/>
+              </a:solidFill>
+              <a:prstDash val="dash"/>
+              <a:headEnd type="triangle" w="med" len="med"/>
+              <a:tailEnd type="triangle" w="med" len="med"/>
+            </a:ln>
+          </p:spPr>
+          <p:style>
+            <a:lnRef idx="1">
+              <a:schemeClr val="accent1"/>
+            </a:lnRef>
+            <a:fillRef idx="0">
+              <a:schemeClr val="accent1"/>
+            </a:fillRef>
+            <a:effectRef idx="0">
+              <a:schemeClr val="accent1"/>
+            </a:effectRef>
+            <a:fontRef idx="minor">
+              <a:schemeClr val="tx1"/>
+            </a:fontRef>
+          </p:style>
+        </p:cxnSp>
+        <p:sp>
+          <p:nvSpPr>
+            <p:cNvPr id="113" name="Rectangle 112"/>
+            <p:cNvSpPr/>
+            <p:nvPr/>
+          </p:nvSpPr>
+          <p:spPr>
+            <a:xfrm>
+              <a:off x="3929740" y="2064137"/>
+              <a:ext cx="2615397" cy="828505"/>
+            </a:xfrm>
+            <a:prstGeom prst="rect">
+              <a:avLst/>
+            </a:prstGeom>
+            <a:noFill/>
+          </p:spPr>
+          <p:style>
+            <a:lnRef idx="2">
+              <a:schemeClr val="accent2"/>
+            </a:lnRef>
+            <a:fillRef idx="1">
+              <a:schemeClr val="lt1"/>
+            </a:fillRef>
+            <a:effectRef idx="0">
+              <a:schemeClr val="accent2"/>
+            </a:effectRef>
+            <a:fontRef idx="minor">
+              <a:schemeClr val="dk1"/>
+            </a:fontRef>
+          </p:style>
+          <p:txBody>
+            <a:bodyPr rtlCol="0" anchor="t" anchorCtr="0"/>
+            <a:lstStyle/>
+            <a:p>
+              <a:pPr algn="ctr"/>
+              <a:r>
+                <a:rPr lang="en-US" sz="1000" b="1" dirty="0">
+                  <a:solidFill>
+                    <a:schemeClr val="dk1"/>
+                  </a:solidFill>
+                  <a:latin typeface="Times New Roman" panose="02020603050405020304" pitchFamily="18" charset="0"/>
+                  <a:cs typeface="Times New Roman" panose="02020603050405020304" pitchFamily="18" charset="0"/>
+                </a:rPr>
+                <a:t>Unified LRU Cache</a:t>
+              </a:r>
+            </a:p>
+          </p:txBody>
+        </p:sp>
+        <p:sp>
+          <p:nvSpPr>
+            <p:cNvPr id="126" name="Rectangle 125"/>
+            <p:cNvSpPr/>
+            <p:nvPr/>
+          </p:nvSpPr>
+          <p:spPr>
+            <a:xfrm>
+              <a:off x="5446254" y="3353135"/>
+              <a:ext cx="928668" cy="389880"/>
+            </a:xfrm>
+            <a:prstGeom prst="rect">
+              <a:avLst/>
+            </a:prstGeom>
             <a:solidFill>
-              <a:schemeClr val="tx1">
-                <a:lumMod val="50000"/>
-                <a:lumOff val="50000"/>
-              </a:schemeClr>
+              <a:schemeClr val="bg1"/>
             </a:solidFill>
-          </a:ln>
-        </p:spPr>
-        <p:style>
-          <a:lnRef idx="1">
-            <a:schemeClr val="accent1"/>
-          </a:lnRef>
-          <a:fillRef idx="0">
-            <a:schemeClr val="accent1"/>
-          </a:fillRef>
-          <a:effectRef idx="0">
-            <a:schemeClr val="accent1"/>
-          </a:effectRef>
-          <a:fontRef idx="minor">
-            <a:schemeClr val="tx1"/>
-          </a:fontRef>
-        </p:style>
-      </p:cxnSp>
-      <p:cxnSp>
-        <p:nvCxnSpPr>
-          <p:cNvPr id="18" name="Straight Connector 17"/>
-          <p:cNvCxnSpPr/>
-          <p:nvPr/>
-        </p:nvCxnSpPr>
-        <p:spPr>
-          <a:xfrm>
-            <a:off x="3378200" y="323850"/>
-            <a:ext cx="13401" cy="4248150"/>
-          </a:xfrm>
-          <a:prstGeom prst="line">
-            <a:avLst/>
-          </a:prstGeom>
-          <a:ln>
+          </p:spPr>
+          <p:style>
+            <a:lnRef idx="2">
+              <a:schemeClr val="accent2"/>
+            </a:lnRef>
+            <a:fillRef idx="1">
+              <a:schemeClr val="lt1"/>
+            </a:fillRef>
+            <a:effectRef idx="0">
+              <a:schemeClr val="accent2"/>
+            </a:effectRef>
+            <a:fontRef idx="minor">
+              <a:schemeClr val="dk1"/>
+            </a:fontRef>
+          </p:style>
+          <p:txBody>
+            <a:bodyPr rtlCol="0" anchor="t" anchorCtr="0"/>
+            <a:lstStyle/>
+            <a:p>
+              <a:pPr algn="ctr"/>
+              <a:r>
+                <a:rPr lang="en-US" sz="1000" dirty="0" smtClean="0">
+                  <a:solidFill>
+                    <a:schemeClr val="dk1"/>
+                  </a:solidFill>
+                  <a:latin typeface="Times New Roman" panose="02020603050405020304" pitchFamily="18" charset="0"/>
+                  <a:cs typeface="Times New Roman" panose="02020603050405020304" pitchFamily="18" charset="0"/>
+                </a:rPr>
+                <a:t>Global Sync Processor</a:t>
+              </a:r>
+              <a:endParaRPr lang="en-US" sz="1000" dirty="0">
+                <a:solidFill>
+                  <a:schemeClr val="dk1"/>
+                </a:solidFill>
+                <a:latin typeface="Times New Roman" panose="02020603050405020304" pitchFamily="18" charset="0"/>
+                <a:cs typeface="Times New Roman" panose="02020603050405020304" pitchFamily="18" charset="0"/>
+              </a:endParaRPr>
+            </a:p>
+          </p:txBody>
+        </p:sp>
+        <p:cxnSp>
+          <p:nvCxnSpPr>
+            <p:cNvPr id="131" name="Straight Connector 130"/>
+            <p:cNvCxnSpPr>
+              <a:stCxn id="127" idx="3"/>
+              <a:endCxn id="126" idx="1"/>
+            </p:cNvCxnSpPr>
+            <p:nvPr/>
+          </p:nvCxnSpPr>
+          <p:spPr>
+            <a:xfrm>
+              <a:off x="5088115" y="3548075"/>
+              <a:ext cx="358138" cy="0"/>
+            </a:xfrm>
+            <a:prstGeom prst="line">
+              <a:avLst/>
+            </a:prstGeom>
+            <a:ln w="9525">
+              <a:solidFill>
+                <a:schemeClr val="tx1"/>
+              </a:solidFill>
+              <a:prstDash val="dash"/>
+              <a:headEnd type="none" w="med" len="med"/>
+              <a:tailEnd type="triangle" w="med" len="med"/>
+            </a:ln>
+          </p:spPr>
+          <p:style>
+            <a:lnRef idx="1">
+              <a:schemeClr val="accent1"/>
+            </a:lnRef>
+            <a:fillRef idx="0">
+              <a:schemeClr val="accent1"/>
+            </a:fillRef>
+            <a:effectRef idx="0">
+              <a:schemeClr val="accent1"/>
+            </a:effectRef>
+            <a:fontRef idx="minor">
+              <a:schemeClr val="tx1"/>
+            </a:fontRef>
+          </p:style>
+        </p:cxnSp>
+        <p:cxnSp>
+          <p:nvCxnSpPr>
+            <p:cNvPr id="139" name="Straight Connector 138"/>
+            <p:cNvCxnSpPr/>
+            <p:nvPr/>
+          </p:nvCxnSpPr>
+          <p:spPr>
+            <a:xfrm flipV="1">
+              <a:off x="4762147" y="2889133"/>
+              <a:ext cx="0" cy="464002"/>
+            </a:xfrm>
+            <a:prstGeom prst="line">
+              <a:avLst/>
+            </a:prstGeom>
+            <a:ln w="9525">
+              <a:solidFill>
+                <a:schemeClr val="tx1"/>
+              </a:solidFill>
+              <a:prstDash val="dash"/>
+              <a:headEnd type="triangle" w="med" len="med"/>
+              <a:tailEnd type="triangle" w="med" len="med"/>
+            </a:ln>
+          </p:spPr>
+          <p:style>
+            <a:lnRef idx="1">
+              <a:schemeClr val="accent1"/>
+            </a:lnRef>
+            <a:fillRef idx="0">
+              <a:schemeClr val="accent1"/>
+            </a:fillRef>
+            <a:effectRef idx="0">
+              <a:schemeClr val="accent1"/>
+            </a:effectRef>
+            <a:fontRef idx="minor">
+              <a:schemeClr val="tx1"/>
+            </a:fontRef>
+          </p:style>
+        </p:cxnSp>
+        <p:cxnSp>
+          <p:nvCxnSpPr>
+            <p:cNvPr id="143" name="Straight Connector 142"/>
+            <p:cNvCxnSpPr/>
+            <p:nvPr/>
+          </p:nvCxnSpPr>
+          <p:spPr>
+            <a:xfrm flipV="1">
+              <a:off x="5905556" y="2889133"/>
+              <a:ext cx="0" cy="464002"/>
+            </a:xfrm>
+            <a:prstGeom prst="line">
+              <a:avLst/>
+            </a:prstGeom>
+            <a:ln w="9525">
+              <a:solidFill>
+                <a:schemeClr val="tx1"/>
+              </a:solidFill>
+              <a:prstDash val="dash"/>
+              <a:headEnd type="none" w="med" len="med"/>
+              <a:tailEnd type="triangle" w="med" len="med"/>
+            </a:ln>
+          </p:spPr>
+          <p:style>
+            <a:lnRef idx="1">
+              <a:schemeClr val="accent1"/>
+            </a:lnRef>
+            <a:fillRef idx="0">
+              <a:schemeClr val="accent1"/>
+            </a:fillRef>
+            <a:effectRef idx="0">
+              <a:schemeClr val="accent1"/>
+            </a:effectRef>
+            <a:fontRef idx="minor">
+              <a:schemeClr val="tx1"/>
+            </a:fontRef>
+          </p:style>
+        </p:cxnSp>
+        <p:cxnSp>
+          <p:nvCxnSpPr>
+            <p:cNvPr id="145" name="Straight Connector 144"/>
+            <p:cNvCxnSpPr/>
+            <p:nvPr/>
+          </p:nvCxnSpPr>
+          <p:spPr>
+            <a:xfrm flipH="1">
+              <a:off x="6054145" y="3743015"/>
+              <a:ext cx="1" cy="259999"/>
+            </a:xfrm>
+            <a:prstGeom prst="line">
+              <a:avLst/>
+            </a:prstGeom>
+            <a:ln w="9525">
+              <a:solidFill>
+                <a:schemeClr val="tx1"/>
+              </a:solidFill>
+              <a:prstDash val="dash"/>
+              <a:headEnd type="triangle" w="med" len="med"/>
+              <a:tailEnd type="triangle" w="med" len="med"/>
+            </a:ln>
+          </p:spPr>
+          <p:style>
+            <a:lnRef idx="1">
+              <a:schemeClr val="accent1"/>
+            </a:lnRef>
+            <a:fillRef idx="0">
+              <a:schemeClr val="accent1"/>
+            </a:fillRef>
+            <a:effectRef idx="0">
+              <a:schemeClr val="accent1"/>
+            </a:effectRef>
+            <a:fontRef idx="minor">
+              <a:schemeClr val="tx1"/>
+            </a:fontRef>
+          </p:style>
+        </p:cxnSp>
+        <p:cxnSp>
+          <p:nvCxnSpPr>
+            <p:cNvPr id="150" name="Straight Connector 149"/>
+            <p:cNvCxnSpPr>
+              <a:stCxn id="22" idx="1"/>
+            </p:cNvCxnSpPr>
+            <p:nvPr/>
+          </p:nvCxnSpPr>
+          <p:spPr>
+            <a:xfrm flipV="1">
+              <a:off x="4613556" y="3743015"/>
+              <a:ext cx="0" cy="276808"/>
+            </a:xfrm>
+            <a:prstGeom prst="line">
+              <a:avLst/>
+            </a:prstGeom>
+            <a:ln w="9525">
+              <a:solidFill>
+                <a:schemeClr val="tx1"/>
+              </a:solidFill>
+              <a:prstDash val="dash"/>
+              <a:headEnd type="triangle" w="med" len="med"/>
+              <a:tailEnd type="triangle" w="med" len="med"/>
+            </a:ln>
+          </p:spPr>
+          <p:style>
+            <a:lnRef idx="1">
+              <a:schemeClr val="accent1"/>
+            </a:lnRef>
+            <a:fillRef idx="0">
+              <a:schemeClr val="accent1"/>
+            </a:fillRef>
+            <a:effectRef idx="0">
+              <a:schemeClr val="accent1"/>
+            </a:effectRef>
+            <a:fontRef idx="minor">
+              <a:schemeClr val="tx1"/>
+            </a:fontRef>
+          </p:style>
+        </p:cxnSp>
+        <p:sp>
+          <p:nvSpPr>
+            <p:cNvPr id="127" name="Rectangle 126"/>
+            <p:cNvSpPr/>
+            <p:nvPr/>
+          </p:nvSpPr>
+          <p:spPr>
+            <a:xfrm>
+              <a:off x="4152220" y="3353135"/>
+              <a:ext cx="922674" cy="389880"/>
+            </a:xfrm>
+            <a:prstGeom prst="rect">
+              <a:avLst/>
+            </a:prstGeom>
             <a:solidFill>
-              <a:schemeClr val="tx1">
-                <a:lumMod val="50000"/>
-                <a:lumOff val="50000"/>
-              </a:schemeClr>
+              <a:schemeClr val="bg1"/>
             </a:solidFill>
-          </a:ln>
-        </p:spPr>
-        <p:style>
-          <a:lnRef idx="1">
-            <a:schemeClr val="accent1"/>
-          </a:lnRef>
-          <a:fillRef idx="0">
-            <a:schemeClr val="accent1"/>
-          </a:fillRef>
-          <a:effectRef idx="0">
-            <a:schemeClr val="accent1"/>
-          </a:effectRef>
-          <a:fontRef idx="minor">
-            <a:schemeClr val="tx1"/>
-          </a:fontRef>
-        </p:style>
-      </p:cxnSp>
-      <p:cxnSp>
-        <p:nvCxnSpPr>
-          <p:cNvPr id="19" name="Straight Connector 18"/>
-          <p:cNvCxnSpPr/>
-          <p:nvPr/>
-        </p:nvCxnSpPr>
-        <p:spPr>
-          <a:xfrm>
-            <a:off x="4683125" y="323850"/>
-            <a:ext cx="13401" cy="4248150"/>
-          </a:xfrm>
-          <a:prstGeom prst="line">
-            <a:avLst/>
-          </a:prstGeom>
-          <a:ln>
+          </p:spPr>
+          <p:style>
+            <a:lnRef idx="2">
+              <a:schemeClr val="accent2"/>
+            </a:lnRef>
+            <a:fillRef idx="1">
+              <a:schemeClr val="lt1"/>
+            </a:fillRef>
+            <a:effectRef idx="0">
+              <a:schemeClr val="accent2"/>
+            </a:effectRef>
+            <a:fontRef idx="minor">
+              <a:schemeClr val="dk1"/>
+            </a:fontRef>
+          </p:style>
+          <p:txBody>
+            <a:bodyPr rtlCol="0" anchor="t" anchorCtr="0"/>
+            <a:lstStyle/>
+            <a:p>
+              <a:pPr algn="ctr"/>
+              <a:r>
+                <a:rPr lang="en-US" sz="1000" dirty="0" smtClean="0">
+                  <a:solidFill>
+                    <a:schemeClr val="dk1"/>
+                  </a:solidFill>
+                  <a:latin typeface="Times New Roman" panose="02020603050405020304" pitchFamily="18" charset="0"/>
+                  <a:cs typeface="Times New Roman" panose="02020603050405020304" pitchFamily="18" charset="0"/>
+                </a:rPr>
+                <a:t>Local Sync Processor</a:t>
+              </a:r>
+              <a:endParaRPr lang="en-US" sz="1000" dirty="0">
+                <a:solidFill>
+                  <a:schemeClr val="dk1"/>
+                </a:solidFill>
+                <a:latin typeface="Times New Roman" panose="02020603050405020304" pitchFamily="18" charset="0"/>
+                <a:cs typeface="Times New Roman" panose="02020603050405020304" pitchFamily="18" charset="0"/>
+              </a:endParaRPr>
+            </a:p>
+          </p:txBody>
+        </p:sp>
+        <p:sp>
+          <p:nvSpPr>
+            <p:cNvPr id="34" name="Rectangle 33"/>
+            <p:cNvSpPr/>
+            <p:nvPr/>
+          </p:nvSpPr>
+          <p:spPr>
+            <a:xfrm>
+              <a:off x="209647" y="2443564"/>
+              <a:ext cx="684688" cy="438625"/>
+            </a:xfrm>
+            <a:prstGeom prst="rect">
+              <a:avLst/>
+            </a:prstGeom>
+          </p:spPr>
+          <p:style>
+            <a:lnRef idx="2">
+              <a:schemeClr val="accent2"/>
+            </a:lnRef>
+            <a:fillRef idx="1">
+              <a:schemeClr val="lt1"/>
+            </a:fillRef>
+            <a:effectRef idx="0">
+              <a:schemeClr val="accent2"/>
+            </a:effectRef>
+            <a:fontRef idx="minor">
+              <a:schemeClr val="dk1"/>
+            </a:fontRef>
+          </p:style>
+          <p:txBody>
+            <a:bodyPr rtlCol="0" anchor="ctr"/>
+            <a:lstStyle/>
+            <a:p>
+              <a:pPr algn="ctr"/>
+              <a:r>
+                <a:rPr lang="en-US" sz="1000" dirty="0" smtClean="0">
+                  <a:latin typeface="Times New Roman" panose="02020603050405020304" pitchFamily="18" charset="0"/>
+                  <a:cs typeface="Times New Roman" panose="02020603050405020304" pitchFamily="18" charset="0"/>
+                </a:rPr>
+                <a:t>File Directory</a:t>
+              </a:r>
+              <a:endParaRPr lang="en-US" sz="1000" dirty="0">
+                <a:latin typeface="Times New Roman" panose="02020603050405020304" pitchFamily="18" charset="0"/>
+                <a:cs typeface="Times New Roman" panose="02020603050405020304" pitchFamily="18" charset="0"/>
+              </a:endParaRPr>
+            </a:p>
+          </p:txBody>
+        </p:sp>
+        <p:cxnSp>
+          <p:nvCxnSpPr>
+            <p:cNvPr id="51" name="Straight Connector 50"/>
+            <p:cNvCxnSpPr>
+              <a:endCxn id="34" idx="2"/>
+            </p:cNvCxnSpPr>
+            <p:nvPr/>
+          </p:nvCxnSpPr>
+          <p:spPr>
+            <a:xfrm flipH="1" flipV="1">
+              <a:off x="551991" y="2882189"/>
+              <a:ext cx="213765" cy="1137634"/>
+            </a:xfrm>
+            <a:prstGeom prst="line">
+              <a:avLst/>
+            </a:prstGeom>
+            <a:ln w="9525">
+              <a:solidFill>
+                <a:schemeClr val="tx1"/>
+              </a:solidFill>
+              <a:prstDash val="dash"/>
+              <a:headEnd type="triangle" w="med" len="med"/>
+              <a:tailEnd type="triangle" w="med" len="med"/>
+            </a:ln>
+          </p:spPr>
+          <p:style>
+            <a:lnRef idx="1">
+              <a:schemeClr val="accent1"/>
+            </a:lnRef>
+            <a:fillRef idx="0">
+              <a:schemeClr val="accent1"/>
+            </a:fillRef>
+            <a:effectRef idx="0">
+              <a:schemeClr val="accent1"/>
+            </a:effectRef>
+            <a:fontRef idx="minor">
+              <a:schemeClr val="tx1"/>
+            </a:fontRef>
+          </p:style>
+        </p:cxnSp>
+        <p:sp>
+          <p:nvSpPr>
+            <p:cNvPr id="63" name="Rounded Rectangle 62"/>
+            <p:cNvSpPr/>
+            <p:nvPr/>
+          </p:nvSpPr>
+          <p:spPr>
+            <a:xfrm>
+              <a:off x="2043222" y="3844533"/>
+              <a:ext cx="1510325" cy="616021"/>
+            </a:xfrm>
+            <a:prstGeom prst="roundRect">
+              <a:avLst>
+                <a:gd name="adj" fmla="val 7702"/>
+              </a:avLst>
+            </a:prstGeom>
+          </p:spPr>
+          <p:style>
+            <a:lnRef idx="2">
+              <a:schemeClr val="accent6"/>
+            </a:lnRef>
+            <a:fillRef idx="1">
+              <a:schemeClr val="lt1"/>
+            </a:fillRef>
+            <a:effectRef idx="0">
+              <a:schemeClr val="accent6"/>
+            </a:effectRef>
+            <a:fontRef idx="minor">
+              <a:schemeClr val="dk1"/>
+            </a:fontRef>
+          </p:style>
+          <p:txBody>
+            <a:bodyPr rtlCol="0" anchor="t"/>
+            <a:lstStyle/>
+            <a:p>
+              <a:pPr algn="ctr"/>
+              <a:r>
+                <a:rPr lang="en-US" sz="1000" dirty="0" smtClean="0">
+                  <a:solidFill>
+                    <a:schemeClr val="dk1"/>
+                  </a:solidFill>
+                  <a:latin typeface="Times New Roman" panose="02020603050405020304" pitchFamily="18" charset="0"/>
+                  <a:cs typeface="Times New Roman" panose="02020603050405020304" pitchFamily="18" charset="0"/>
+                </a:rPr>
+                <a:t>Other nodes</a:t>
+              </a:r>
+              <a:endParaRPr lang="en-US" sz="1000" dirty="0">
+                <a:solidFill>
+                  <a:schemeClr val="dk1"/>
+                </a:solidFill>
+                <a:latin typeface="Times New Roman" panose="02020603050405020304" pitchFamily="18" charset="0"/>
+                <a:cs typeface="Times New Roman" panose="02020603050405020304" pitchFamily="18" charset="0"/>
+              </a:endParaRPr>
+            </a:p>
+          </p:txBody>
+        </p:sp>
+        <p:cxnSp>
+          <p:nvCxnSpPr>
+            <p:cNvPr id="65" name="Straight Arrow Connector 64"/>
+            <p:cNvCxnSpPr/>
+            <p:nvPr/>
+          </p:nvCxnSpPr>
+          <p:spPr>
+            <a:xfrm>
+              <a:off x="2793176" y="2883036"/>
+              <a:ext cx="0" cy="961497"/>
+            </a:xfrm>
+            <a:prstGeom prst="straightConnector1">
+              <a:avLst/>
+            </a:prstGeom>
+            <a:ln w="9525">
+              <a:solidFill>
+                <a:schemeClr val="tx1"/>
+              </a:solidFill>
+              <a:prstDash val="dash"/>
+              <a:headEnd type="triangle" w="med" len="med"/>
+              <a:tailEnd type="none" w="med" len="med"/>
+            </a:ln>
+          </p:spPr>
+          <p:style>
+            <a:lnRef idx="1">
+              <a:schemeClr val="accent1"/>
+            </a:lnRef>
+            <a:fillRef idx="0">
+              <a:schemeClr val="accent1"/>
+            </a:fillRef>
+            <a:effectRef idx="0">
+              <a:schemeClr val="accent1"/>
+            </a:effectRef>
+            <a:fontRef idx="minor">
+              <a:schemeClr val="tx1"/>
+            </a:fontRef>
+          </p:style>
+        </p:cxnSp>
+        <p:sp>
+          <p:nvSpPr>
+            <p:cNvPr id="33" name="Rectangle 32"/>
+            <p:cNvSpPr/>
+            <p:nvPr/>
+          </p:nvSpPr>
+          <p:spPr>
+            <a:xfrm>
+              <a:off x="2359831" y="2444411"/>
+              <a:ext cx="863960" cy="438625"/>
+            </a:xfrm>
+            <a:prstGeom prst="rect">
+              <a:avLst/>
+            </a:prstGeom>
+          </p:spPr>
+          <p:style>
+            <a:lnRef idx="2">
+              <a:schemeClr val="accent2"/>
+            </a:lnRef>
+            <a:fillRef idx="1">
+              <a:schemeClr val="lt1"/>
+            </a:fillRef>
+            <a:effectRef idx="0">
+              <a:schemeClr val="accent2"/>
+            </a:effectRef>
+            <a:fontRef idx="minor">
+              <a:schemeClr val="dk1"/>
+            </a:fontRef>
+          </p:style>
+          <p:txBody>
+            <a:bodyPr rtlCol="0" anchor="ctr"/>
+            <a:lstStyle/>
+            <a:p>
+              <a:pPr algn="ctr"/>
+              <a:r>
+                <a:rPr lang="en-US" sz="1000" dirty="0" smtClean="0">
+                  <a:latin typeface="Times New Roman" panose="02020603050405020304" pitchFamily="18" charset="0"/>
+                  <a:cs typeface="Times New Roman" panose="02020603050405020304" pitchFamily="18" charset="0"/>
+                </a:rPr>
+                <a:t>Remote blocks buffer</a:t>
+              </a:r>
+              <a:endParaRPr lang="en-US" sz="1000" dirty="0">
+                <a:latin typeface="Times New Roman" panose="02020603050405020304" pitchFamily="18" charset="0"/>
+                <a:cs typeface="Times New Roman" panose="02020603050405020304" pitchFamily="18" charset="0"/>
+              </a:endParaRPr>
+            </a:p>
+          </p:txBody>
+        </p:sp>
+        <p:cxnSp>
+          <p:nvCxnSpPr>
+            <p:cNvPr id="122" name="Straight Arrow Connector 121"/>
+            <p:cNvCxnSpPr/>
+            <p:nvPr/>
+          </p:nvCxnSpPr>
+          <p:spPr>
+            <a:xfrm>
+              <a:off x="2791810" y="1633672"/>
+              <a:ext cx="1" cy="810739"/>
+            </a:xfrm>
+            <a:prstGeom prst="straightConnector1">
+              <a:avLst/>
+            </a:prstGeom>
+            <a:ln w="9525">
+              <a:solidFill>
+                <a:schemeClr val="tx1"/>
+              </a:solidFill>
+              <a:prstDash val="dash"/>
+              <a:headEnd type="triangle" w="med" len="med"/>
+              <a:tailEnd type="triangle" w="med" len="med"/>
+            </a:ln>
+          </p:spPr>
+          <p:style>
+            <a:lnRef idx="1">
+              <a:schemeClr val="accent1"/>
+            </a:lnRef>
+            <a:fillRef idx="0">
+              <a:schemeClr val="accent1"/>
+            </a:fillRef>
+            <a:effectRef idx="0">
+              <a:schemeClr val="accent1"/>
+            </a:effectRef>
+            <a:fontRef idx="minor">
+              <a:schemeClr val="tx1"/>
+            </a:fontRef>
+          </p:style>
+        </p:cxnSp>
+        <p:sp>
+          <p:nvSpPr>
+            <p:cNvPr id="35" name="Rectangle 34"/>
+            <p:cNvSpPr/>
+            <p:nvPr/>
+          </p:nvSpPr>
+          <p:spPr>
+            <a:xfrm>
+              <a:off x="2475833" y="3172884"/>
+              <a:ext cx="655297" cy="266099"/>
+            </a:xfrm>
+            <a:prstGeom prst="rect">
+              <a:avLst/>
+            </a:prstGeom>
+            <a:ln>
+              <a:noFill/>
+              <a:prstDash val="sysDash"/>
+            </a:ln>
+          </p:spPr>
+          <p:style>
+            <a:lnRef idx="2">
+              <a:schemeClr val="accent2"/>
+            </a:lnRef>
+            <a:fillRef idx="1">
+              <a:schemeClr val="lt1"/>
+            </a:fillRef>
+            <a:effectRef idx="0">
+              <a:schemeClr val="accent2"/>
+            </a:effectRef>
+            <a:fontRef idx="minor">
+              <a:schemeClr val="dk1"/>
+            </a:fontRef>
+          </p:style>
+          <p:txBody>
+            <a:bodyPr rtlCol="0" anchor="ctr"/>
+            <a:lstStyle/>
+            <a:p>
+              <a:pPr algn="ctr"/>
+              <a:r>
+                <a:rPr lang="en-US" sz="900" dirty="0" smtClean="0">
+                  <a:solidFill>
+                    <a:schemeClr val="dk1"/>
+                  </a:solidFill>
+                  <a:latin typeface="Times New Roman" panose="02020603050405020304" pitchFamily="18" charset="0"/>
+                  <a:cs typeface="Times New Roman" panose="02020603050405020304" pitchFamily="18" charset="0"/>
+                </a:rPr>
+                <a:t>Data Blocks</a:t>
+              </a:r>
+              <a:endParaRPr lang="en-US" sz="900" dirty="0">
+                <a:solidFill>
+                  <a:schemeClr val="dk1"/>
+                </a:solidFill>
+                <a:latin typeface="Times New Roman" panose="02020603050405020304" pitchFamily="18" charset="0"/>
+                <a:cs typeface="Times New Roman" panose="02020603050405020304" pitchFamily="18" charset="0"/>
+              </a:endParaRPr>
+            </a:p>
+          </p:txBody>
+        </p:sp>
+        <p:sp>
+          <p:nvSpPr>
+            <p:cNvPr id="43" name="Rectangle 42"/>
+            <p:cNvSpPr/>
+            <p:nvPr/>
+          </p:nvSpPr>
+          <p:spPr>
+            <a:xfrm>
+              <a:off x="5671087" y="2348524"/>
+              <a:ext cx="784946" cy="438625"/>
+            </a:xfrm>
+            <a:prstGeom prst="rect">
+              <a:avLst/>
+            </a:prstGeom>
+            <a:ln>
+              <a:prstDash val="dash"/>
+            </a:ln>
+          </p:spPr>
+          <p:style>
+            <a:lnRef idx="2">
+              <a:schemeClr val="accent2"/>
+            </a:lnRef>
+            <a:fillRef idx="1">
+              <a:schemeClr val="lt1"/>
+            </a:fillRef>
+            <a:effectRef idx="0">
+              <a:schemeClr val="accent2"/>
+            </a:effectRef>
+            <a:fontRef idx="minor">
+              <a:schemeClr val="dk1"/>
+            </a:fontRef>
+          </p:style>
+          <p:txBody>
+            <a:bodyPr rtlCol="0" anchor="ctr"/>
+            <a:lstStyle/>
+            <a:p>
+              <a:pPr algn="ctr"/>
+              <a:r>
+                <a:rPr lang="en-US" sz="1000" dirty="0" err="1" smtClean="0">
+                  <a:latin typeface="Times New Roman" panose="02020603050405020304" pitchFamily="18" charset="0"/>
+                  <a:cs typeface="Times New Roman" panose="02020603050405020304" pitchFamily="18" charset="0"/>
+                </a:rPr>
+                <a:t>Ibmap</a:t>
+              </a:r>
+              <a:r>
+                <a:rPr lang="en-US" sz="1000" dirty="0" smtClean="0">
+                  <a:latin typeface="Times New Roman" panose="02020603050405020304" pitchFamily="18" charset="0"/>
+                  <a:cs typeface="Times New Roman" panose="02020603050405020304" pitchFamily="18" charset="0"/>
+                </a:rPr>
+                <a:t> </a:t>
+              </a:r>
+              <a:r>
+                <a:rPr lang="en-US" sz="1000" dirty="0" smtClean="0">
+                  <a:latin typeface="Times New Roman" panose="02020603050405020304" pitchFamily="18" charset="0"/>
+                  <a:cs typeface="Times New Roman" panose="02020603050405020304" pitchFamily="18" charset="0"/>
+                </a:rPr>
+                <a:t>blocks</a:t>
+              </a:r>
+              <a:endParaRPr lang="en-US" sz="1000" dirty="0">
+                <a:latin typeface="Times New Roman" panose="02020603050405020304" pitchFamily="18" charset="0"/>
+                <a:cs typeface="Times New Roman" panose="02020603050405020304" pitchFamily="18" charset="0"/>
+              </a:endParaRPr>
+            </a:p>
+          </p:txBody>
+        </p:sp>
+        <p:sp>
+          <p:nvSpPr>
+            <p:cNvPr id="77" name="Rounded Rectangle 76"/>
+            <p:cNvSpPr/>
+            <p:nvPr/>
+          </p:nvSpPr>
+          <p:spPr>
+            <a:xfrm>
+              <a:off x="2082561" y="4189879"/>
+              <a:ext cx="1418364" cy="234109"/>
+            </a:xfrm>
+            <a:prstGeom prst="roundRect">
+              <a:avLst>
+                <a:gd name="adj" fmla="val 7702"/>
+              </a:avLst>
+            </a:prstGeom>
+            <a:ln>
+              <a:prstDash val="sysDash"/>
+            </a:ln>
+          </p:spPr>
+          <p:style>
+            <a:lnRef idx="2">
+              <a:schemeClr val="accent6"/>
+            </a:lnRef>
+            <a:fillRef idx="1">
+              <a:schemeClr val="lt1"/>
+            </a:fillRef>
+            <a:effectRef idx="0">
+              <a:schemeClr val="accent6"/>
+            </a:effectRef>
+            <a:fontRef idx="minor">
+              <a:schemeClr val="dk1"/>
+            </a:fontRef>
+          </p:style>
+          <p:txBody>
+            <a:bodyPr rtlCol="0" anchor="ctr"/>
+            <a:lstStyle/>
+            <a:p>
+              <a:pPr algn="ctr"/>
+              <a:r>
+                <a:rPr lang="en-US" sz="900" dirty="0" smtClean="0">
+                  <a:solidFill>
+                    <a:schemeClr val="dk1"/>
+                  </a:solidFill>
+                  <a:latin typeface="Times New Roman" panose="02020603050405020304" pitchFamily="18" charset="0"/>
+                  <a:cs typeface="Times New Roman" panose="02020603050405020304" pitchFamily="18" charset="0"/>
+                </a:rPr>
+                <a:t>Pub-sub channels</a:t>
+              </a:r>
+              <a:endParaRPr lang="en-US" sz="900" dirty="0">
+                <a:solidFill>
+                  <a:schemeClr val="dk1"/>
+                </a:solidFill>
+                <a:latin typeface="Times New Roman" panose="02020603050405020304" pitchFamily="18" charset="0"/>
+                <a:cs typeface="Times New Roman" panose="02020603050405020304" pitchFamily="18" charset="0"/>
+              </a:endParaRPr>
+            </a:p>
+          </p:txBody>
+        </p:sp>
+        <p:cxnSp>
+          <p:nvCxnSpPr>
+            <p:cNvPr id="78" name="Straight Connector 77"/>
+            <p:cNvCxnSpPr/>
+            <p:nvPr/>
+          </p:nvCxnSpPr>
+          <p:spPr>
+            <a:xfrm flipH="1" flipV="1">
+              <a:off x="1626438" y="2882191"/>
+              <a:ext cx="667412" cy="1307688"/>
+            </a:xfrm>
+            <a:prstGeom prst="line">
+              <a:avLst/>
+            </a:prstGeom>
+            <a:ln w="9525">
+              <a:solidFill>
+                <a:schemeClr val="tx1"/>
+              </a:solidFill>
+              <a:prstDash val="dash"/>
+              <a:headEnd type="none" w="med" len="med"/>
+              <a:tailEnd type="triangle" w="med" len="med"/>
+            </a:ln>
+          </p:spPr>
+          <p:style>
+            <a:lnRef idx="1">
+              <a:schemeClr val="accent1"/>
+            </a:lnRef>
+            <a:fillRef idx="0">
+              <a:schemeClr val="accent1"/>
+            </a:fillRef>
+            <a:effectRef idx="0">
+              <a:schemeClr val="accent1"/>
+            </a:effectRef>
+            <a:fontRef idx="minor">
+              <a:schemeClr val="tx1"/>
+            </a:fontRef>
+          </p:style>
+        </p:cxnSp>
+        <p:sp>
+          <p:nvSpPr>
+            <p:cNvPr id="82" name="Rectangle 81"/>
+            <p:cNvSpPr/>
+            <p:nvPr/>
+          </p:nvSpPr>
+          <p:spPr>
+            <a:xfrm>
+              <a:off x="1561387" y="3369876"/>
+              <a:ext cx="795970" cy="305665"/>
+            </a:xfrm>
+            <a:prstGeom prst="rect">
+              <a:avLst/>
+            </a:prstGeom>
             <a:solidFill>
-              <a:schemeClr val="tx1">
-                <a:lumMod val="50000"/>
-                <a:lumOff val="50000"/>
-              </a:schemeClr>
+              <a:schemeClr val="bg1"/>
             </a:solidFill>
-          </a:ln>
-        </p:spPr>
-        <p:style>
-          <a:lnRef idx="1">
-            <a:schemeClr val="accent1"/>
-          </a:lnRef>
-          <a:fillRef idx="0">
-            <a:schemeClr val="accent1"/>
-          </a:fillRef>
-          <a:effectRef idx="0">
-            <a:schemeClr val="accent1"/>
-          </a:effectRef>
-          <a:fontRef idx="minor">
-            <a:schemeClr val="tx1"/>
-          </a:fontRef>
-        </p:style>
-      </p:cxnSp>
-      <p:cxnSp>
-        <p:nvCxnSpPr>
-          <p:cNvPr id="22" name="Straight Connector 21"/>
-          <p:cNvCxnSpPr/>
-          <p:nvPr/>
-        </p:nvCxnSpPr>
-        <p:spPr>
-          <a:xfrm>
-            <a:off x="5988050" y="323850"/>
-            <a:ext cx="13401" cy="4248150"/>
-          </a:xfrm>
-          <a:prstGeom prst="line">
-            <a:avLst/>
-          </a:prstGeom>
-          <a:ln>
+            <a:ln>
+              <a:noFill/>
+              <a:prstDash val="sysDash"/>
+            </a:ln>
+          </p:spPr>
+          <p:style>
+            <a:lnRef idx="2">
+              <a:schemeClr val="accent2"/>
+            </a:lnRef>
+            <a:fillRef idx="1">
+              <a:schemeClr val="lt1"/>
+            </a:fillRef>
+            <a:effectRef idx="0">
+              <a:schemeClr val="accent2"/>
+            </a:effectRef>
+            <a:fontRef idx="minor">
+              <a:schemeClr val="dk1"/>
+            </a:fontRef>
+          </p:style>
+          <p:txBody>
+            <a:bodyPr rtlCol="0" anchor="ctr"/>
+            <a:lstStyle/>
+            <a:p>
+              <a:pPr algn="ctr"/>
+              <a:r>
+                <a:rPr lang="en-US" sz="900" dirty="0" err="1" smtClean="0">
+                  <a:latin typeface="Times New Roman" panose="02020603050405020304" pitchFamily="18" charset="0"/>
+                  <a:cs typeface="Times New Roman" panose="02020603050405020304" pitchFamily="18" charset="0"/>
+                </a:rPr>
+                <a:t>Inodes</a:t>
+              </a:r>
+              <a:r>
+                <a:rPr lang="en-US" sz="900" dirty="0" smtClean="0">
+                  <a:latin typeface="Times New Roman" panose="02020603050405020304" pitchFamily="18" charset="0"/>
+                  <a:cs typeface="Times New Roman" panose="02020603050405020304" pitchFamily="18" charset="0"/>
+                </a:rPr>
+                <a:t>-block version</a:t>
+              </a:r>
+              <a:endParaRPr lang="en-US" sz="900" dirty="0">
+                <a:solidFill>
+                  <a:schemeClr val="dk1"/>
+                </a:solidFill>
+                <a:latin typeface="Times New Roman" panose="02020603050405020304" pitchFamily="18" charset="0"/>
+                <a:cs typeface="Times New Roman" panose="02020603050405020304" pitchFamily="18" charset="0"/>
+              </a:endParaRPr>
+            </a:p>
+          </p:txBody>
+        </p:sp>
+        <p:cxnSp>
+          <p:nvCxnSpPr>
+            <p:cNvPr id="86" name="Straight Connector 85"/>
+            <p:cNvCxnSpPr/>
+            <p:nvPr/>
+          </p:nvCxnSpPr>
+          <p:spPr>
+            <a:xfrm flipV="1">
+              <a:off x="3267404" y="2787149"/>
+              <a:ext cx="810637" cy="1402730"/>
+            </a:xfrm>
+            <a:prstGeom prst="line">
+              <a:avLst/>
+            </a:prstGeom>
+            <a:ln w="9525">
+              <a:solidFill>
+                <a:schemeClr val="tx1"/>
+              </a:solidFill>
+              <a:prstDash val="dash"/>
+              <a:headEnd type="none" w="med" len="med"/>
+              <a:tailEnd type="triangle" w="med" len="med"/>
+            </a:ln>
+          </p:spPr>
+          <p:style>
+            <a:lnRef idx="1">
+              <a:schemeClr val="accent1"/>
+            </a:lnRef>
+            <a:fillRef idx="0">
+              <a:schemeClr val="accent1"/>
+            </a:fillRef>
+            <a:effectRef idx="0">
+              <a:schemeClr val="accent1"/>
+            </a:effectRef>
+            <a:fontRef idx="minor">
+              <a:schemeClr val="tx1"/>
+            </a:fontRef>
+          </p:style>
+        </p:cxnSp>
+        <p:sp>
+          <p:nvSpPr>
+            <p:cNvPr id="89" name="Rectangle 88"/>
+            <p:cNvSpPr/>
+            <p:nvPr/>
+          </p:nvSpPr>
+          <p:spPr>
+            <a:xfrm>
+              <a:off x="3334969" y="3403042"/>
+              <a:ext cx="544834" cy="239332"/>
+            </a:xfrm>
+            <a:prstGeom prst="rect">
+              <a:avLst/>
+            </a:prstGeom>
             <a:solidFill>
-              <a:schemeClr val="tx1">
-                <a:lumMod val="50000"/>
-                <a:lumOff val="50000"/>
-              </a:schemeClr>
+              <a:schemeClr val="bg1"/>
             </a:solidFill>
-          </a:ln>
-        </p:spPr>
-        <p:style>
-          <a:lnRef idx="1">
-            <a:schemeClr val="accent1"/>
-          </a:lnRef>
-          <a:fillRef idx="0">
-            <a:schemeClr val="accent1"/>
-          </a:fillRef>
-          <a:effectRef idx="0">
-            <a:schemeClr val="accent1"/>
-          </a:effectRef>
-          <a:fontRef idx="minor">
-            <a:schemeClr val="tx1"/>
-          </a:fontRef>
-        </p:style>
-      </p:cxnSp>
+            <a:ln>
+              <a:noFill/>
+              <a:prstDash val="sysDash"/>
+            </a:ln>
+          </p:spPr>
+          <p:style>
+            <a:lnRef idx="2">
+              <a:schemeClr val="accent2"/>
+            </a:lnRef>
+            <a:fillRef idx="1">
+              <a:schemeClr val="lt1"/>
+            </a:fillRef>
+            <a:effectRef idx="0">
+              <a:schemeClr val="accent2"/>
+            </a:effectRef>
+            <a:fontRef idx="minor">
+              <a:schemeClr val="dk1"/>
+            </a:fontRef>
+          </p:style>
+          <p:txBody>
+            <a:bodyPr rtlCol="0" anchor="ctr"/>
+            <a:lstStyle/>
+            <a:p>
+              <a:pPr algn="ctr"/>
+              <a:r>
+                <a:rPr lang="en-US" sz="900" dirty="0" err="1" smtClean="0">
+                  <a:latin typeface="Times New Roman" panose="02020603050405020304" pitchFamily="18" charset="0"/>
+                  <a:cs typeface="Times New Roman" panose="02020603050405020304" pitchFamily="18" charset="0"/>
+                </a:rPr>
+                <a:t>Inodes</a:t>
+              </a:r>
+              <a:endParaRPr lang="en-US" sz="900" dirty="0">
+                <a:solidFill>
+                  <a:schemeClr val="dk1"/>
+                </a:solidFill>
+                <a:latin typeface="Times New Roman" panose="02020603050405020304" pitchFamily="18" charset="0"/>
+                <a:cs typeface="Times New Roman" panose="02020603050405020304" pitchFamily="18" charset="0"/>
+              </a:endParaRPr>
+            </a:p>
+          </p:txBody>
+        </p:sp>
+      </p:grpSp>
     </p:spTree>
     <p:extLst>
       <p:ext uri="{BB962C8B-B14F-4D97-AF65-F5344CB8AC3E}">
-        <p14:creationId xmlns:p14="http://schemas.microsoft.com/office/powerpoint/2010/main" val="2624007899"/>
+        <p14:creationId xmlns:p14="http://schemas.microsoft.com/office/powerpoint/2010/main" val="2950998550"/>
+      </p:ext>
+    </p:extLst>
+  </p:cSld>
+  <p:clrMapOvr>
+    <a:masterClrMapping/>
+  </p:clrMapOvr>
+</p:sld>
+</file>
+
+<file path=ppt/slides/slide12.xml><?xml version="1.0" encoding="utf-8"?>
+<p:sld xmlns:a="http://schemas.openxmlformats.org/drawingml/2006/main" xmlns:r="http://schemas.openxmlformats.org/officeDocument/2006/relationships" xmlns:p="http://schemas.openxmlformats.org/presentationml/2006/main">
+  <p:cSld>
+    <p:spTree>
+      <p:nvGrpSpPr>
+        <p:cNvPr id="1" name=""/>
+        <p:cNvGrpSpPr/>
+        <p:nvPr/>
+      </p:nvGrpSpPr>
+      <p:grpSpPr>
+        <a:xfrm>
+          <a:off x="0" y="0"/>
+          <a:ext cx="0" cy="0"/>
+          <a:chOff x="0" y="0"/>
+          <a:chExt cx="0" cy="0"/>
+        </a:xfrm>
+      </p:grpSpPr>
+      <p:grpSp>
+        <p:nvGrpSpPr>
+          <p:cNvPr id="58" name="Group 57"/>
+          <p:cNvGrpSpPr/>
+          <p:nvPr/>
+        </p:nvGrpSpPr>
+        <p:grpSpPr>
+          <a:xfrm>
+            <a:off x="649060" y="217170"/>
+            <a:ext cx="3882279" cy="3994073"/>
+            <a:chOff x="649060" y="217170"/>
+            <a:chExt cx="3882279" cy="3994073"/>
+          </a:xfrm>
+        </p:grpSpPr>
+        <p:grpSp>
+          <p:nvGrpSpPr>
+            <p:cNvPr id="4" name="Group 3"/>
+            <p:cNvGrpSpPr/>
+            <p:nvPr/>
+          </p:nvGrpSpPr>
+          <p:grpSpPr>
+            <a:xfrm>
+              <a:off x="673730" y="449580"/>
+              <a:ext cx="1050002" cy="982980"/>
+              <a:chOff x="822960" y="701040"/>
+              <a:chExt cx="2865120" cy="2682240"/>
+            </a:xfrm>
+          </p:grpSpPr>
+          <p:sp>
+            <p:nvSpPr>
+              <p:cNvPr id="5" name="Rectangle 4"/>
+              <p:cNvSpPr/>
+              <p:nvPr/>
+            </p:nvSpPr>
+            <p:spPr>
+              <a:xfrm>
+                <a:off x="822960" y="701040"/>
+                <a:ext cx="716280" cy="670560"/>
+              </a:xfrm>
+              <a:prstGeom prst="rect">
+                <a:avLst/>
+              </a:prstGeom>
+            </p:spPr>
+            <p:style>
+              <a:lnRef idx="2">
+                <a:schemeClr val="accent1">
+                  <a:shade val="50000"/>
+                </a:schemeClr>
+              </a:lnRef>
+              <a:fillRef idx="1">
+                <a:schemeClr val="accent1"/>
+              </a:fillRef>
+              <a:effectRef idx="0">
+                <a:schemeClr val="accent1"/>
+              </a:effectRef>
+              <a:fontRef idx="minor">
+                <a:schemeClr val="lt1"/>
+              </a:fontRef>
+            </p:style>
+            <p:txBody>
+              <a:bodyPr rtlCol="0" anchor="ctr"/>
+              <a:lstStyle/>
+              <a:p>
+                <a:pPr algn="ctr"/>
+                <a:r>
+                  <a:rPr lang="en-US" sz="1000" dirty="0" smtClean="0">
+                    <a:latin typeface="Times New Roman" panose="02020603050405020304" pitchFamily="18" charset="0"/>
+                    <a:cs typeface="Times New Roman" panose="02020603050405020304" pitchFamily="18" charset="0"/>
+                  </a:rPr>
+                  <a:t>1</a:t>
+                </a:r>
+                <a:endParaRPr lang="en-US" sz="1000" dirty="0">
+                  <a:latin typeface="Times New Roman" panose="02020603050405020304" pitchFamily="18" charset="0"/>
+                  <a:cs typeface="Times New Roman" panose="02020603050405020304" pitchFamily="18" charset="0"/>
+                </a:endParaRPr>
+              </a:p>
+            </p:txBody>
+          </p:sp>
+          <p:sp>
+            <p:nvSpPr>
+              <p:cNvPr id="6" name="Rectangle 5"/>
+              <p:cNvSpPr/>
+              <p:nvPr/>
+            </p:nvSpPr>
+            <p:spPr>
+              <a:xfrm>
+                <a:off x="1539240" y="701040"/>
+                <a:ext cx="716280" cy="670560"/>
+              </a:xfrm>
+              <a:prstGeom prst="rect">
+                <a:avLst/>
+              </a:prstGeom>
+            </p:spPr>
+            <p:style>
+              <a:lnRef idx="2">
+                <a:schemeClr val="accent1">
+                  <a:shade val="50000"/>
+                </a:schemeClr>
+              </a:lnRef>
+              <a:fillRef idx="1">
+                <a:schemeClr val="accent1"/>
+              </a:fillRef>
+              <a:effectRef idx="0">
+                <a:schemeClr val="accent1"/>
+              </a:effectRef>
+              <a:fontRef idx="minor">
+                <a:schemeClr val="lt1"/>
+              </a:fontRef>
+            </p:style>
+            <p:txBody>
+              <a:bodyPr rtlCol="0" anchor="ctr"/>
+              <a:lstStyle/>
+              <a:p>
+                <a:pPr algn="ctr"/>
+                <a:r>
+                  <a:rPr lang="en-US" sz="1000" dirty="0" smtClean="0">
+                    <a:latin typeface="Times New Roman" panose="02020603050405020304" pitchFamily="18" charset="0"/>
+                    <a:cs typeface="Times New Roman" panose="02020603050405020304" pitchFamily="18" charset="0"/>
+                  </a:rPr>
+                  <a:t>1</a:t>
+                </a:r>
+                <a:endParaRPr lang="en-US" sz="1000" dirty="0">
+                  <a:latin typeface="Times New Roman" panose="02020603050405020304" pitchFamily="18" charset="0"/>
+                  <a:cs typeface="Times New Roman" panose="02020603050405020304" pitchFamily="18" charset="0"/>
+                </a:endParaRPr>
+              </a:p>
+            </p:txBody>
+          </p:sp>
+          <p:sp>
+            <p:nvSpPr>
+              <p:cNvPr id="7" name="Rectangle 6"/>
+              <p:cNvSpPr/>
+              <p:nvPr/>
+            </p:nvSpPr>
+            <p:spPr>
+              <a:xfrm>
+                <a:off x="2255520" y="701040"/>
+                <a:ext cx="716280" cy="670560"/>
+              </a:xfrm>
+              <a:prstGeom prst="rect">
+                <a:avLst/>
+              </a:prstGeom>
+            </p:spPr>
+            <p:style>
+              <a:lnRef idx="2">
+                <a:schemeClr val="accent1">
+                  <a:shade val="50000"/>
+                </a:schemeClr>
+              </a:lnRef>
+              <a:fillRef idx="1">
+                <a:schemeClr val="accent1"/>
+              </a:fillRef>
+              <a:effectRef idx="0">
+                <a:schemeClr val="accent1"/>
+              </a:effectRef>
+              <a:fontRef idx="minor">
+                <a:schemeClr val="lt1"/>
+              </a:fontRef>
+            </p:style>
+            <p:txBody>
+              <a:bodyPr rtlCol="0" anchor="ctr"/>
+              <a:lstStyle/>
+              <a:p>
+                <a:pPr algn="ctr"/>
+                <a:r>
+                  <a:rPr lang="en-US" sz="1000" dirty="0" smtClean="0">
+                    <a:latin typeface="Times New Roman" panose="02020603050405020304" pitchFamily="18" charset="0"/>
+                    <a:cs typeface="Times New Roman" panose="02020603050405020304" pitchFamily="18" charset="0"/>
+                  </a:rPr>
+                  <a:t>1</a:t>
+                </a:r>
+                <a:endParaRPr lang="en-US" sz="1000" dirty="0">
+                  <a:latin typeface="Times New Roman" panose="02020603050405020304" pitchFamily="18" charset="0"/>
+                  <a:cs typeface="Times New Roman" panose="02020603050405020304" pitchFamily="18" charset="0"/>
+                </a:endParaRPr>
+              </a:p>
+            </p:txBody>
+          </p:sp>
+          <p:sp>
+            <p:nvSpPr>
+              <p:cNvPr id="8" name="Rectangle 7"/>
+              <p:cNvSpPr/>
+              <p:nvPr/>
+            </p:nvSpPr>
+            <p:spPr>
+              <a:xfrm>
+                <a:off x="2971800" y="701040"/>
+                <a:ext cx="716280" cy="670560"/>
+              </a:xfrm>
+              <a:prstGeom prst="rect">
+                <a:avLst/>
+              </a:prstGeom>
+            </p:spPr>
+            <p:style>
+              <a:lnRef idx="2">
+                <a:schemeClr val="accent1">
+                  <a:shade val="50000"/>
+                </a:schemeClr>
+              </a:lnRef>
+              <a:fillRef idx="1">
+                <a:schemeClr val="accent1"/>
+              </a:fillRef>
+              <a:effectRef idx="0">
+                <a:schemeClr val="accent1"/>
+              </a:effectRef>
+              <a:fontRef idx="minor">
+                <a:schemeClr val="lt1"/>
+              </a:fontRef>
+            </p:style>
+            <p:txBody>
+              <a:bodyPr rtlCol="0" anchor="ctr"/>
+              <a:lstStyle/>
+              <a:p>
+                <a:pPr algn="ctr"/>
+                <a:r>
+                  <a:rPr lang="en-US" sz="1000" dirty="0" smtClean="0">
+                    <a:latin typeface="Times New Roman" panose="02020603050405020304" pitchFamily="18" charset="0"/>
+                    <a:cs typeface="Times New Roman" panose="02020603050405020304" pitchFamily="18" charset="0"/>
+                  </a:rPr>
+                  <a:t>1</a:t>
+                </a:r>
+                <a:endParaRPr lang="en-US" sz="1000" dirty="0">
+                  <a:latin typeface="Times New Roman" panose="02020603050405020304" pitchFamily="18" charset="0"/>
+                  <a:cs typeface="Times New Roman" panose="02020603050405020304" pitchFamily="18" charset="0"/>
+                </a:endParaRPr>
+              </a:p>
+            </p:txBody>
+          </p:sp>
+          <p:sp>
+            <p:nvSpPr>
+              <p:cNvPr id="9" name="Rectangle 8"/>
+              <p:cNvSpPr/>
+              <p:nvPr/>
+            </p:nvSpPr>
+            <p:spPr>
+              <a:xfrm>
+                <a:off x="822960" y="1371600"/>
+                <a:ext cx="716280" cy="670560"/>
+              </a:xfrm>
+              <a:prstGeom prst="rect">
+                <a:avLst/>
+              </a:prstGeom>
+            </p:spPr>
+            <p:style>
+              <a:lnRef idx="2">
+                <a:schemeClr val="accent1">
+                  <a:shade val="50000"/>
+                </a:schemeClr>
+              </a:lnRef>
+              <a:fillRef idx="1">
+                <a:schemeClr val="accent1"/>
+              </a:fillRef>
+              <a:effectRef idx="0">
+                <a:schemeClr val="accent1"/>
+              </a:effectRef>
+              <a:fontRef idx="minor">
+                <a:schemeClr val="lt1"/>
+              </a:fontRef>
+            </p:style>
+            <p:txBody>
+              <a:bodyPr rtlCol="0" anchor="ctr"/>
+              <a:lstStyle/>
+              <a:p>
+                <a:pPr algn="ctr"/>
+                <a:r>
+                  <a:rPr lang="en-US" sz="1000" dirty="0" smtClean="0">
+                    <a:latin typeface="Times New Roman" panose="02020603050405020304" pitchFamily="18" charset="0"/>
+                    <a:cs typeface="Times New Roman" panose="02020603050405020304" pitchFamily="18" charset="0"/>
+                  </a:rPr>
+                  <a:t>1</a:t>
+                </a:r>
+                <a:endParaRPr lang="en-US" sz="1000" dirty="0">
+                  <a:latin typeface="Times New Roman" panose="02020603050405020304" pitchFamily="18" charset="0"/>
+                  <a:cs typeface="Times New Roman" panose="02020603050405020304" pitchFamily="18" charset="0"/>
+                </a:endParaRPr>
+              </a:p>
+            </p:txBody>
+          </p:sp>
+          <p:sp>
+            <p:nvSpPr>
+              <p:cNvPr id="10" name="Rectangle 9"/>
+              <p:cNvSpPr/>
+              <p:nvPr/>
+            </p:nvSpPr>
+            <p:spPr>
+              <a:xfrm>
+                <a:off x="1539240" y="1371600"/>
+                <a:ext cx="716280" cy="670560"/>
+              </a:xfrm>
+              <a:prstGeom prst="rect">
+                <a:avLst/>
+              </a:prstGeom>
+            </p:spPr>
+            <p:style>
+              <a:lnRef idx="2">
+                <a:schemeClr val="accent1">
+                  <a:shade val="50000"/>
+                </a:schemeClr>
+              </a:lnRef>
+              <a:fillRef idx="1">
+                <a:schemeClr val="accent1"/>
+              </a:fillRef>
+              <a:effectRef idx="0">
+                <a:schemeClr val="accent1"/>
+              </a:effectRef>
+              <a:fontRef idx="minor">
+                <a:schemeClr val="lt1"/>
+              </a:fontRef>
+            </p:style>
+            <p:txBody>
+              <a:bodyPr rtlCol="0" anchor="ctr"/>
+              <a:lstStyle/>
+              <a:p>
+                <a:pPr algn="ctr"/>
+                <a:r>
+                  <a:rPr lang="en-US" sz="1000" dirty="0" smtClean="0">
+                    <a:latin typeface="Times New Roman" panose="02020603050405020304" pitchFamily="18" charset="0"/>
+                    <a:cs typeface="Times New Roman" panose="02020603050405020304" pitchFamily="18" charset="0"/>
+                  </a:rPr>
+                  <a:t>1</a:t>
+                </a:r>
+                <a:endParaRPr lang="en-US" sz="1000" dirty="0">
+                  <a:latin typeface="Times New Roman" panose="02020603050405020304" pitchFamily="18" charset="0"/>
+                  <a:cs typeface="Times New Roman" panose="02020603050405020304" pitchFamily="18" charset="0"/>
+                </a:endParaRPr>
+              </a:p>
+            </p:txBody>
+          </p:sp>
+          <p:sp>
+            <p:nvSpPr>
+              <p:cNvPr id="11" name="Rectangle 10"/>
+              <p:cNvSpPr/>
+              <p:nvPr/>
+            </p:nvSpPr>
+            <p:spPr>
+              <a:xfrm>
+                <a:off x="2255520" y="1371600"/>
+                <a:ext cx="716280" cy="670560"/>
+              </a:xfrm>
+              <a:prstGeom prst="rect">
+                <a:avLst/>
+              </a:prstGeom>
+            </p:spPr>
+            <p:style>
+              <a:lnRef idx="2">
+                <a:schemeClr val="accent1">
+                  <a:shade val="50000"/>
+                </a:schemeClr>
+              </a:lnRef>
+              <a:fillRef idx="1">
+                <a:schemeClr val="accent1"/>
+              </a:fillRef>
+              <a:effectRef idx="0">
+                <a:schemeClr val="accent1"/>
+              </a:effectRef>
+              <a:fontRef idx="minor">
+                <a:schemeClr val="lt1"/>
+              </a:fontRef>
+            </p:style>
+            <p:txBody>
+              <a:bodyPr rtlCol="0" anchor="ctr"/>
+              <a:lstStyle/>
+              <a:p>
+                <a:pPr algn="ctr"/>
+                <a:r>
+                  <a:rPr lang="en-US" sz="1000" dirty="0" smtClean="0">
+                    <a:latin typeface="Times New Roman" panose="02020603050405020304" pitchFamily="18" charset="0"/>
+                    <a:cs typeface="Times New Roman" panose="02020603050405020304" pitchFamily="18" charset="0"/>
+                  </a:rPr>
+                  <a:t>1</a:t>
+                </a:r>
+                <a:endParaRPr lang="en-US" sz="1000" dirty="0">
+                  <a:latin typeface="Times New Roman" panose="02020603050405020304" pitchFamily="18" charset="0"/>
+                  <a:cs typeface="Times New Roman" panose="02020603050405020304" pitchFamily="18" charset="0"/>
+                </a:endParaRPr>
+              </a:p>
+            </p:txBody>
+          </p:sp>
+          <p:sp>
+            <p:nvSpPr>
+              <p:cNvPr id="12" name="Rectangle 11"/>
+              <p:cNvSpPr/>
+              <p:nvPr/>
+            </p:nvSpPr>
+            <p:spPr>
+              <a:xfrm>
+                <a:off x="2971800" y="1371600"/>
+                <a:ext cx="716280" cy="670560"/>
+              </a:xfrm>
+              <a:prstGeom prst="rect">
+                <a:avLst/>
+              </a:prstGeom>
+            </p:spPr>
+            <p:style>
+              <a:lnRef idx="2">
+                <a:schemeClr val="accent1">
+                  <a:shade val="50000"/>
+                </a:schemeClr>
+              </a:lnRef>
+              <a:fillRef idx="1">
+                <a:schemeClr val="accent1"/>
+              </a:fillRef>
+              <a:effectRef idx="0">
+                <a:schemeClr val="accent1"/>
+              </a:effectRef>
+              <a:fontRef idx="minor">
+                <a:schemeClr val="lt1"/>
+              </a:fontRef>
+            </p:style>
+            <p:txBody>
+              <a:bodyPr rtlCol="0" anchor="ctr"/>
+              <a:lstStyle/>
+              <a:p>
+                <a:pPr algn="ctr"/>
+                <a:r>
+                  <a:rPr lang="en-US" sz="1000" dirty="0" smtClean="0">
+                    <a:latin typeface="Times New Roman" panose="02020603050405020304" pitchFamily="18" charset="0"/>
+                    <a:cs typeface="Times New Roman" panose="02020603050405020304" pitchFamily="18" charset="0"/>
+                  </a:rPr>
+                  <a:t>1</a:t>
+                </a:r>
+                <a:endParaRPr lang="en-US" sz="1000" dirty="0">
+                  <a:latin typeface="Times New Roman" panose="02020603050405020304" pitchFamily="18" charset="0"/>
+                  <a:cs typeface="Times New Roman" panose="02020603050405020304" pitchFamily="18" charset="0"/>
+                </a:endParaRPr>
+              </a:p>
+            </p:txBody>
+          </p:sp>
+          <p:sp>
+            <p:nvSpPr>
+              <p:cNvPr id="13" name="Rectangle 12"/>
+              <p:cNvSpPr/>
+              <p:nvPr/>
+            </p:nvSpPr>
+            <p:spPr>
+              <a:xfrm>
+                <a:off x="822960" y="2042160"/>
+                <a:ext cx="716280" cy="670560"/>
+              </a:xfrm>
+              <a:prstGeom prst="rect">
+                <a:avLst/>
+              </a:prstGeom>
+            </p:spPr>
+            <p:style>
+              <a:lnRef idx="2">
+                <a:schemeClr val="accent1">
+                  <a:shade val="50000"/>
+                </a:schemeClr>
+              </a:lnRef>
+              <a:fillRef idx="1">
+                <a:schemeClr val="accent1"/>
+              </a:fillRef>
+              <a:effectRef idx="0">
+                <a:schemeClr val="accent1"/>
+              </a:effectRef>
+              <a:fontRef idx="minor">
+                <a:schemeClr val="lt1"/>
+              </a:fontRef>
+            </p:style>
+            <p:txBody>
+              <a:bodyPr rtlCol="0" anchor="ctr"/>
+              <a:lstStyle/>
+              <a:p>
+                <a:pPr algn="ctr"/>
+                <a:r>
+                  <a:rPr lang="en-US" sz="1000" dirty="0" smtClean="0">
+                    <a:latin typeface="Times New Roman" panose="02020603050405020304" pitchFamily="18" charset="0"/>
+                    <a:cs typeface="Times New Roman" panose="02020603050405020304" pitchFamily="18" charset="0"/>
+                  </a:rPr>
+                  <a:t>1</a:t>
+                </a:r>
+                <a:endParaRPr lang="en-US" sz="1000" dirty="0">
+                  <a:latin typeface="Times New Roman" panose="02020603050405020304" pitchFamily="18" charset="0"/>
+                  <a:cs typeface="Times New Roman" panose="02020603050405020304" pitchFamily="18" charset="0"/>
+                </a:endParaRPr>
+              </a:p>
+            </p:txBody>
+          </p:sp>
+          <p:sp>
+            <p:nvSpPr>
+              <p:cNvPr id="14" name="Rectangle 13"/>
+              <p:cNvSpPr/>
+              <p:nvPr/>
+            </p:nvSpPr>
+            <p:spPr>
+              <a:xfrm>
+                <a:off x="1539240" y="2042160"/>
+                <a:ext cx="716280" cy="670560"/>
+              </a:xfrm>
+              <a:prstGeom prst="rect">
+                <a:avLst/>
+              </a:prstGeom>
+            </p:spPr>
+            <p:style>
+              <a:lnRef idx="2">
+                <a:schemeClr val="accent1">
+                  <a:shade val="50000"/>
+                </a:schemeClr>
+              </a:lnRef>
+              <a:fillRef idx="1">
+                <a:schemeClr val="accent1"/>
+              </a:fillRef>
+              <a:effectRef idx="0">
+                <a:schemeClr val="accent1"/>
+              </a:effectRef>
+              <a:fontRef idx="minor">
+                <a:schemeClr val="lt1"/>
+              </a:fontRef>
+            </p:style>
+            <p:txBody>
+              <a:bodyPr rtlCol="0" anchor="ctr"/>
+              <a:lstStyle/>
+              <a:p>
+                <a:pPr algn="ctr"/>
+                <a:r>
+                  <a:rPr lang="en-US" sz="1000" dirty="0" smtClean="0">
+                    <a:latin typeface="Times New Roman" panose="02020603050405020304" pitchFamily="18" charset="0"/>
+                    <a:cs typeface="Times New Roman" panose="02020603050405020304" pitchFamily="18" charset="0"/>
+                  </a:rPr>
+                  <a:t>1</a:t>
+                </a:r>
+                <a:endParaRPr lang="en-US" sz="1000" dirty="0">
+                  <a:latin typeface="Times New Roman" panose="02020603050405020304" pitchFamily="18" charset="0"/>
+                  <a:cs typeface="Times New Roman" panose="02020603050405020304" pitchFamily="18" charset="0"/>
+                </a:endParaRPr>
+              </a:p>
+            </p:txBody>
+          </p:sp>
+          <p:sp>
+            <p:nvSpPr>
+              <p:cNvPr id="15" name="Rectangle 14"/>
+              <p:cNvSpPr/>
+              <p:nvPr/>
+            </p:nvSpPr>
+            <p:spPr>
+              <a:xfrm>
+                <a:off x="2255520" y="2042160"/>
+                <a:ext cx="716280" cy="670560"/>
+              </a:xfrm>
+              <a:prstGeom prst="rect">
+                <a:avLst/>
+              </a:prstGeom>
+            </p:spPr>
+            <p:style>
+              <a:lnRef idx="2">
+                <a:schemeClr val="accent1">
+                  <a:shade val="50000"/>
+                </a:schemeClr>
+              </a:lnRef>
+              <a:fillRef idx="1">
+                <a:schemeClr val="accent1"/>
+              </a:fillRef>
+              <a:effectRef idx="0">
+                <a:schemeClr val="accent1"/>
+              </a:effectRef>
+              <a:fontRef idx="minor">
+                <a:schemeClr val="lt1"/>
+              </a:fontRef>
+            </p:style>
+            <p:txBody>
+              <a:bodyPr rtlCol="0" anchor="ctr"/>
+              <a:lstStyle/>
+              <a:p>
+                <a:pPr algn="ctr"/>
+                <a:r>
+                  <a:rPr lang="en-US" sz="1000" dirty="0" smtClean="0">
+                    <a:latin typeface="Times New Roman" panose="02020603050405020304" pitchFamily="18" charset="0"/>
+                    <a:cs typeface="Times New Roman" panose="02020603050405020304" pitchFamily="18" charset="0"/>
+                  </a:rPr>
+                  <a:t>1</a:t>
+                </a:r>
+                <a:endParaRPr lang="en-US" sz="1000" dirty="0">
+                  <a:latin typeface="Times New Roman" panose="02020603050405020304" pitchFamily="18" charset="0"/>
+                  <a:cs typeface="Times New Roman" panose="02020603050405020304" pitchFamily="18" charset="0"/>
+                </a:endParaRPr>
+              </a:p>
+            </p:txBody>
+          </p:sp>
+          <p:sp>
+            <p:nvSpPr>
+              <p:cNvPr id="16" name="Rectangle 15"/>
+              <p:cNvSpPr/>
+              <p:nvPr/>
+            </p:nvSpPr>
+            <p:spPr>
+              <a:xfrm>
+                <a:off x="2971800" y="2042160"/>
+                <a:ext cx="716280" cy="670560"/>
+              </a:xfrm>
+              <a:prstGeom prst="rect">
+                <a:avLst/>
+              </a:prstGeom>
+            </p:spPr>
+            <p:style>
+              <a:lnRef idx="2">
+                <a:schemeClr val="accent1">
+                  <a:shade val="50000"/>
+                </a:schemeClr>
+              </a:lnRef>
+              <a:fillRef idx="1">
+                <a:schemeClr val="accent1"/>
+              </a:fillRef>
+              <a:effectRef idx="0">
+                <a:schemeClr val="accent1"/>
+              </a:effectRef>
+              <a:fontRef idx="minor">
+                <a:schemeClr val="lt1"/>
+              </a:fontRef>
+            </p:style>
+            <p:txBody>
+              <a:bodyPr rtlCol="0" anchor="ctr"/>
+              <a:lstStyle/>
+              <a:p>
+                <a:pPr algn="ctr"/>
+                <a:r>
+                  <a:rPr lang="en-US" sz="1000" dirty="0" smtClean="0">
+                    <a:latin typeface="Times New Roman" panose="02020603050405020304" pitchFamily="18" charset="0"/>
+                    <a:cs typeface="Times New Roman" panose="02020603050405020304" pitchFamily="18" charset="0"/>
+                  </a:rPr>
+                  <a:t>1</a:t>
+                </a:r>
+                <a:endParaRPr lang="en-US" sz="1000" dirty="0">
+                  <a:latin typeface="Times New Roman" panose="02020603050405020304" pitchFamily="18" charset="0"/>
+                  <a:cs typeface="Times New Roman" panose="02020603050405020304" pitchFamily="18" charset="0"/>
+                </a:endParaRPr>
+              </a:p>
+            </p:txBody>
+          </p:sp>
+          <p:sp>
+            <p:nvSpPr>
+              <p:cNvPr id="17" name="Rectangle 16"/>
+              <p:cNvSpPr/>
+              <p:nvPr/>
+            </p:nvSpPr>
+            <p:spPr>
+              <a:xfrm>
+                <a:off x="822960" y="2712720"/>
+                <a:ext cx="716280" cy="670560"/>
+              </a:xfrm>
+              <a:prstGeom prst="rect">
+                <a:avLst/>
+              </a:prstGeom>
+            </p:spPr>
+            <p:style>
+              <a:lnRef idx="2">
+                <a:schemeClr val="accent1">
+                  <a:shade val="50000"/>
+                </a:schemeClr>
+              </a:lnRef>
+              <a:fillRef idx="1">
+                <a:schemeClr val="accent1"/>
+              </a:fillRef>
+              <a:effectRef idx="0">
+                <a:schemeClr val="accent1"/>
+              </a:effectRef>
+              <a:fontRef idx="minor">
+                <a:schemeClr val="lt1"/>
+              </a:fontRef>
+            </p:style>
+            <p:txBody>
+              <a:bodyPr rtlCol="0" anchor="ctr"/>
+              <a:lstStyle/>
+              <a:p>
+                <a:pPr algn="ctr"/>
+                <a:r>
+                  <a:rPr lang="en-US" sz="1000" dirty="0" smtClean="0">
+                    <a:latin typeface="Times New Roman" panose="02020603050405020304" pitchFamily="18" charset="0"/>
+                    <a:cs typeface="Times New Roman" panose="02020603050405020304" pitchFamily="18" charset="0"/>
+                  </a:rPr>
+                  <a:t>1</a:t>
+                </a:r>
+                <a:endParaRPr lang="en-US" sz="1000" dirty="0">
+                  <a:latin typeface="Times New Roman" panose="02020603050405020304" pitchFamily="18" charset="0"/>
+                  <a:cs typeface="Times New Roman" panose="02020603050405020304" pitchFamily="18" charset="0"/>
+                </a:endParaRPr>
+              </a:p>
+            </p:txBody>
+          </p:sp>
+          <p:sp>
+            <p:nvSpPr>
+              <p:cNvPr id="18" name="Rectangle 17"/>
+              <p:cNvSpPr/>
+              <p:nvPr/>
+            </p:nvSpPr>
+            <p:spPr>
+              <a:xfrm>
+                <a:off x="1539240" y="2712720"/>
+                <a:ext cx="716280" cy="670560"/>
+              </a:xfrm>
+              <a:prstGeom prst="rect">
+                <a:avLst/>
+              </a:prstGeom>
+            </p:spPr>
+            <p:style>
+              <a:lnRef idx="2">
+                <a:schemeClr val="accent1">
+                  <a:shade val="50000"/>
+                </a:schemeClr>
+              </a:lnRef>
+              <a:fillRef idx="1">
+                <a:schemeClr val="accent1"/>
+              </a:fillRef>
+              <a:effectRef idx="0">
+                <a:schemeClr val="accent1"/>
+              </a:effectRef>
+              <a:fontRef idx="minor">
+                <a:schemeClr val="lt1"/>
+              </a:fontRef>
+            </p:style>
+            <p:txBody>
+              <a:bodyPr rtlCol="0" anchor="ctr"/>
+              <a:lstStyle/>
+              <a:p>
+                <a:pPr algn="ctr"/>
+                <a:r>
+                  <a:rPr lang="en-US" sz="1000" dirty="0" smtClean="0">
+                    <a:latin typeface="Times New Roman" panose="02020603050405020304" pitchFamily="18" charset="0"/>
+                    <a:cs typeface="Times New Roman" panose="02020603050405020304" pitchFamily="18" charset="0"/>
+                  </a:rPr>
+                  <a:t>1</a:t>
+                </a:r>
+                <a:endParaRPr lang="en-US" sz="1000" dirty="0">
+                  <a:latin typeface="Times New Roman" panose="02020603050405020304" pitchFamily="18" charset="0"/>
+                  <a:cs typeface="Times New Roman" panose="02020603050405020304" pitchFamily="18" charset="0"/>
+                </a:endParaRPr>
+              </a:p>
+            </p:txBody>
+          </p:sp>
+          <p:sp>
+            <p:nvSpPr>
+              <p:cNvPr id="19" name="Rectangle 18"/>
+              <p:cNvSpPr/>
+              <p:nvPr/>
+            </p:nvSpPr>
+            <p:spPr>
+              <a:xfrm>
+                <a:off x="2255520" y="2712720"/>
+                <a:ext cx="716280" cy="670560"/>
+              </a:xfrm>
+              <a:prstGeom prst="rect">
+                <a:avLst/>
+              </a:prstGeom>
+            </p:spPr>
+            <p:style>
+              <a:lnRef idx="2">
+                <a:schemeClr val="accent1">
+                  <a:shade val="50000"/>
+                </a:schemeClr>
+              </a:lnRef>
+              <a:fillRef idx="1">
+                <a:schemeClr val="accent1"/>
+              </a:fillRef>
+              <a:effectRef idx="0">
+                <a:schemeClr val="accent1"/>
+              </a:effectRef>
+              <a:fontRef idx="minor">
+                <a:schemeClr val="lt1"/>
+              </a:fontRef>
+            </p:style>
+            <p:txBody>
+              <a:bodyPr rtlCol="0" anchor="ctr"/>
+              <a:lstStyle/>
+              <a:p>
+                <a:pPr algn="ctr"/>
+                <a:r>
+                  <a:rPr lang="en-US" sz="1000" dirty="0" smtClean="0">
+                    <a:latin typeface="Times New Roman" panose="02020603050405020304" pitchFamily="18" charset="0"/>
+                    <a:cs typeface="Times New Roman" panose="02020603050405020304" pitchFamily="18" charset="0"/>
+                  </a:rPr>
+                  <a:t>1</a:t>
+                </a:r>
+                <a:endParaRPr lang="en-US" sz="1000" dirty="0">
+                  <a:latin typeface="Times New Roman" panose="02020603050405020304" pitchFamily="18" charset="0"/>
+                  <a:cs typeface="Times New Roman" panose="02020603050405020304" pitchFamily="18" charset="0"/>
+                </a:endParaRPr>
+              </a:p>
+            </p:txBody>
+          </p:sp>
+          <p:sp>
+            <p:nvSpPr>
+              <p:cNvPr id="20" name="Rectangle 19"/>
+              <p:cNvSpPr/>
+              <p:nvPr/>
+            </p:nvSpPr>
+            <p:spPr>
+              <a:xfrm>
+                <a:off x="2971800" y="2712720"/>
+                <a:ext cx="716280" cy="670560"/>
+              </a:xfrm>
+              <a:prstGeom prst="rect">
+                <a:avLst/>
+              </a:prstGeom>
+            </p:spPr>
+            <p:style>
+              <a:lnRef idx="2">
+                <a:schemeClr val="accent1">
+                  <a:shade val="50000"/>
+                </a:schemeClr>
+              </a:lnRef>
+              <a:fillRef idx="1">
+                <a:schemeClr val="accent1"/>
+              </a:fillRef>
+              <a:effectRef idx="0">
+                <a:schemeClr val="accent1"/>
+              </a:effectRef>
+              <a:fontRef idx="minor">
+                <a:schemeClr val="lt1"/>
+              </a:fontRef>
+            </p:style>
+            <p:txBody>
+              <a:bodyPr rtlCol="0" anchor="ctr"/>
+              <a:lstStyle/>
+              <a:p>
+                <a:pPr algn="ctr"/>
+                <a:r>
+                  <a:rPr lang="en-US" sz="1000" dirty="0" smtClean="0">
+                    <a:latin typeface="Times New Roman" panose="02020603050405020304" pitchFamily="18" charset="0"/>
+                    <a:cs typeface="Times New Roman" panose="02020603050405020304" pitchFamily="18" charset="0"/>
+                  </a:rPr>
+                  <a:t>1</a:t>
+                </a:r>
+                <a:endParaRPr lang="en-US" sz="1000" dirty="0">
+                  <a:latin typeface="Times New Roman" panose="02020603050405020304" pitchFamily="18" charset="0"/>
+                  <a:cs typeface="Times New Roman" panose="02020603050405020304" pitchFamily="18" charset="0"/>
+                </a:endParaRPr>
+              </a:p>
+            </p:txBody>
+          </p:sp>
+        </p:grpSp>
+        <p:grpSp>
+          <p:nvGrpSpPr>
+            <p:cNvPr id="21" name="Group 20"/>
+            <p:cNvGrpSpPr/>
+            <p:nvPr/>
+          </p:nvGrpSpPr>
+          <p:grpSpPr>
+            <a:xfrm>
+              <a:off x="1855300" y="449580"/>
+              <a:ext cx="1050002" cy="982980"/>
+              <a:chOff x="822960" y="701040"/>
+              <a:chExt cx="2865120" cy="2682240"/>
+            </a:xfrm>
+          </p:grpSpPr>
+          <p:sp>
+            <p:nvSpPr>
+              <p:cNvPr id="22" name="Rectangle 21"/>
+              <p:cNvSpPr/>
+              <p:nvPr/>
+            </p:nvSpPr>
+            <p:spPr>
+              <a:xfrm>
+                <a:off x="822960" y="701040"/>
+                <a:ext cx="716280" cy="670560"/>
+              </a:xfrm>
+              <a:prstGeom prst="rect">
+                <a:avLst/>
+              </a:prstGeom>
+            </p:spPr>
+            <p:style>
+              <a:lnRef idx="2">
+                <a:schemeClr val="accent1">
+                  <a:shade val="50000"/>
+                </a:schemeClr>
+              </a:lnRef>
+              <a:fillRef idx="1">
+                <a:schemeClr val="accent1"/>
+              </a:fillRef>
+              <a:effectRef idx="0">
+                <a:schemeClr val="accent1"/>
+              </a:effectRef>
+              <a:fontRef idx="minor">
+                <a:schemeClr val="lt1"/>
+              </a:fontRef>
+            </p:style>
+            <p:txBody>
+              <a:bodyPr rtlCol="0" anchor="ctr"/>
+              <a:lstStyle/>
+              <a:p>
+                <a:pPr algn="ctr"/>
+                <a:r>
+                  <a:rPr lang="en-US" sz="1000" dirty="0" smtClean="0">
+                    <a:latin typeface="Times New Roman" panose="02020603050405020304" pitchFamily="18" charset="0"/>
+                    <a:cs typeface="Times New Roman" panose="02020603050405020304" pitchFamily="18" charset="0"/>
+                  </a:rPr>
+                  <a:t>1</a:t>
+                </a:r>
+                <a:endParaRPr lang="en-US" sz="1000" dirty="0">
+                  <a:latin typeface="Times New Roman" panose="02020603050405020304" pitchFamily="18" charset="0"/>
+                  <a:cs typeface="Times New Roman" panose="02020603050405020304" pitchFamily="18" charset="0"/>
+                </a:endParaRPr>
+              </a:p>
+            </p:txBody>
+          </p:sp>
+          <p:sp>
+            <p:nvSpPr>
+              <p:cNvPr id="23" name="Rectangle 22"/>
+              <p:cNvSpPr/>
+              <p:nvPr/>
+            </p:nvSpPr>
+            <p:spPr>
+              <a:xfrm>
+                <a:off x="1539240" y="701040"/>
+                <a:ext cx="716280" cy="670560"/>
+              </a:xfrm>
+              <a:prstGeom prst="rect">
+                <a:avLst/>
+              </a:prstGeom>
+            </p:spPr>
+            <p:style>
+              <a:lnRef idx="2">
+                <a:schemeClr val="accent1">
+                  <a:shade val="50000"/>
+                </a:schemeClr>
+              </a:lnRef>
+              <a:fillRef idx="1">
+                <a:schemeClr val="accent1"/>
+              </a:fillRef>
+              <a:effectRef idx="0">
+                <a:schemeClr val="accent1"/>
+              </a:effectRef>
+              <a:fontRef idx="minor">
+                <a:schemeClr val="lt1"/>
+              </a:fontRef>
+            </p:style>
+            <p:txBody>
+              <a:bodyPr rtlCol="0" anchor="ctr"/>
+              <a:lstStyle/>
+              <a:p>
+                <a:pPr algn="ctr"/>
+                <a:r>
+                  <a:rPr lang="en-US" sz="1000" dirty="0" smtClean="0">
+                    <a:latin typeface="Times New Roman" panose="02020603050405020304" pitchFamily="18" charset="0"/>
+                    <a:cs typeface="Times New Roman" panose="02020603050405020304" pitchFamily="18" charset="0"/>
+                  </a:rPr>
+                  <a:t>1</a:t>
+                </a:r>
+                <a:endParaRPr lang="en-US" sz="1000" dirty="0">
+                  <a:latin typeface="Times New Roman" panose="02020603050405020304" pitchFamily="18" charset="0"/>
+                  <a:cs typeface="Times New Roman" panose="02020603050405020304" pitchFamily="18" charset="0"/>
+                </a:endParaRPr>
+              </a:p>
+            </p:txBody>
+          </p:sp>
+          <p:sp>
+            <p:nvSpPr>
+              <p:cNvPr id="24" name="Rectangle 23"/>
+              <p:cNvSpPr/>
+              <p:nvPr/>
+            </p:nvSpPr>
+            <p:spPr>
+              <a:xfrm>
+                <a:off x="2255520" y="701040"/>
+                <a:ext cx="716280" cy="670560"/>
+              </a:xfrm>
+              <a:prstGeom prst="rect">
+                <a:avLst/>
+              </a:prstGeom>
+            </p:spPr>
+            <p:style>
+              <a:lnRef idx="2">
+                <a:schemeClr val="accent1">
+                  <a:shade val="50000"/>
+                </a:schemeClr>
+              </a:lnRef>
+              <a:fillRef idx="1">
+                <a:schemeClr val="accent1"/>
+              </a:fillRef>
+              <a:effectRef idx="0">
+                <a:schemeClr val="accent1"/>
+              </a:effectRef>
+              <a:fontRef idx="minor">
+                <a:schemeClr val="lt1"/>
+              </a:fontRef>
+            </p:style>
+            <p:txBody>
+              <a:bodyPr rtlCol="0" anchor="ctr"/>
+              <a:lstStyle/>
+              <a:p>
+                <a:pPr algn="ctr"/>
+                <a:r>
+                  <a:rPr lang="en-US" sz="1000" dirty="0" smtClean="0">
+                    <a:latin typeface="Times New Roman" panose="02020603050405020304" pitchFamily="18" charset="0"/>
+                    <a:cs typeface="Times New Roman" panose="02020603050405020304" pitchFamily="18" charset="0"/>
+                  </a:rPr>
+                  <a:t>1</a:t>
+                </a:r>
+                <a:endParaRPr lang="en-US" sz="1000" dirty="0">
+                  <a:latin typeface="Times New Roman" panose="02020603050405020304" pitchFamily="18" charset="0"/>
+                  <a:cs typeface="Times New Roman" panose="02020603050405020304" pitchFamily="18" charset="0"/>
+                </a:endParaRPr>
+              </a:p>
+            </p:txBody>
+          </p:sp>
+          <p:sp>
+            <p:nvSpPr>
+              <p:cNvPr id="25" name="Rectangle 24"/>
+              <p:cNvSpPr/>
+              <p:nvPr/>
+            </p:nvSpPr>
+            <p:spPr>
+              <a:xfrm>
+                <a:off x="2971800" y="701040"/>
+                <a:ext cx="716280" cy="670560"/>
+              </a:xfrm>
+              <a:prstGeom prst="rect">
+                <a:avLst/>
+              </a:prstGeom>
+            </p:spPr>
+            <p:style>
+              <a:lnRef idx="2">
+                <a:schemeClr val="accent1">
+                  <a:shade val="50000"/>
+                </a:schemeClr>
+              </a:lnRef>
+              <a:fillRef idx="1">
+                <a:schemeClr val="accent1"/>
+              </a:fillRef>
+              <a:effectRef idx="0">
+                <a:schemeClr val="accent1"/>
+              </a:effectRef>
+              <a:fontRef idx="minor">
+                <a:schemeClr val="lt1"/>
+              </a:fontRef>
+            </p:style>
+            <p:txBody>
+              <a:bodyPr rtlCol="0" anchor="ctr"/>
+              <a:lstStyle/>
+              <a:p>
+                <a:pPr algn="ctr"/>
+                <a:r>
+                  <a:rPr lang="en-US" sz="1000" dirty="0" smtClean="0">
+                    <a:latin typeface="Times New Roman" panose="02020603050405020304" pitchFamily="18" charset="0"/>
+                    <a:cs typeface="Times New Roman" panose="02020603050405020304" pitchFamily="18" charset="0"/>
+                  </a:rPr>
+                  <a:t>1</a:t>
+                </a:r>
+                <a:endParaRPr lang="en-US" sz="1000" dirty="0">
+                  <a:latin typeface="Times New Roman" panose="02020603050405020304" pitchFamily="18" charset="0"/>
+                  <a:cs typeface="Times New Roman" panose="02020603050405020304" pitchFamily="18" charset="0"/>
+                </a:endParaRPr>
+              </a:p>
+            </p:txBody>
+          </p:sp>
+          <p:sp>
+            <p:nvSpPr>
+              <p:cNvPr id="26" name="Rectangle 25"/>
+              <p:cNvSpPr/>
+              <p:nvPr/>
+            </p:nvSpPr>
+            <p:spPr>
+              <a:xfrm>
+                <a:off x="822960" y="1371600"/>
+                <a:ext cx="716280" cy="670560"/>
+              </a:xfrm>
+              <a:prstGeom prst="rect">
+                <a:avLst/>
+              </a:prstGeom>
+            </p:spPr>
+            <p:style>
+              <a:lnRef idx="2">
+                <a:schemeClr val="accent1">
+                  <a:shade val="50000"/>
+                </a:schemeClr>
+              </a:lnRef>
+              <a:fillRef idx="1">
+                <a:schemeClr val="accent1"/>
+              </a:fillRef>
+              <a:effectRef idx="0">
+                <a:schemeClr val="accent1"/>
+              </a:effectRef>
+              <a:fontRef idx="minor">
+                <a:schemeClr val="lt1"/>
+              </a:fontRef>
+            </p:style>
+            <p:txBody>
+              <a:bodyPr rtlCol="0" anchor="ctr"/>
+              <a:lstStyle/>
+              <a:p>
+                <a:pPr algn="ctr"/>
+                <a:r>
+                  <a:rPr lang="en-US" sz="1000" dirty="0" smtClean="0">
+                    <a:latin typeface="Times New Roman" panose="02020603050405020304" pitchFamily="18" charset="0"/>
+                    <a:cs typeface="Times New Roman" panose="02020603050405020304" pitchFamily="18" charset="0"/>
+                  </a:rPr>
+                  <a:t>1</a:t>
+                </a:r>
+                <a:endParaRPr lang="en-US" sz="1000" dirty="0">
+                  <a:latin typeface="Times New Roman" panose="02020603050405020304" pitchFamily="18" charset="0"/>
+                  <a:cs typeface="Times New Roman" panose="02020603050405020304" pitchFamily="18" charset="0"/>
+                </a:endParaRPr>
+              </a:p>
+            </p:txBody>
+          </p:sp>
+          <p:sp>
+            <p:nvSpPr>
+              <p:cNvPr id="27" name="Rectangle 26"/>
+              <p:cNvSpPr/>
+              <p:nvPr/>
+            </p:nvSpPr>
+            <p:spPr>
+              <a:xfrm>
+                <a:off x="1539240" y="1371600"/>
+                <a:ext cx="716280" cy="670560"/>
+              </a:xfrm>
+              <a:prstGeom prst="rect">
+                <a:avLst/>
+              </a:prstGeom>
+            </p:spPr>
+            <p:style>
+              <a:lnRef idx="2">
+                <a:schemeClr val="accent1">
+                  <a:shade val="50000"/>
+                </a:schemeClr>
+              </a:lnRef>
+              <a:fillRef idx="1">
+                <a:schemeClr val="accent1"/>
+              </a:fillRef>
+              <a:effectRef idx="0">
+                <a:schemeClr val="accent1"/>
+              </a:effectRef>
+              <a:fontRef idx="minor">
+                <a:schemeClr val="lt1"/>
+              </a:fontRef>
+            </p:style>
+            <p:txBody>
+              <a:bodyPr rtlCol="0" anchor="ctr"/>
+              <a:lstStyle/>
+              <a:p>
+                <a:pPr algn="ctr"/>
+                <a:r>
+                  <a:rPr lang="en-US" sz="1000" dirty="0" smtClean="0">
+                    <a:latin typeface="Times New Roman" panose="02020603050405020304" pitchFamily="18" charset="0"/>
+                    <a:cs typeface="Times New Roman" panose="02020603050405020304" pitchFamily="18" charset="0"/>
+                  </a:rPr>
+                  <a:t>0</a:t>
+                </a:r>
+                <a:endParaRPr lang="en-US" sz="1000" dirty="0">
+                  <a:latin typeface="Times New Roman" panose="02020603050405020304" pitchFamily="18" charset="0"/>
+                  <a:cs typeface="Times New Roman" panose="02020603050405020304" pitchFamily="18" charset="0"/>
+                </a:endParaRPr>
+              </a:p>
+            </p:txBody>
+          </p:sp>
+          <p:sp>
+            <p:nvSpPr>
+              <p:cNvPr id="28" name="Rectangle 27"/>
+              <p:cNvSpPr/>
+              <p:nvPr/>
+            </p:nvSpPr>
+            <p:spPr>
+              <a:xfrm>
+                <a:off x="2255520" y="1371600"/>
+                <a:ext cx="716280" cy="670560"/>
+              </a:xfrm>
+              <a:prstGeom prst="rect">
+                <a:avLst/>
+              </a:prstGeom>
+            </p:spPr>
+            <p:style>
+              <a:lnRef idx="2">
+                <a:schemeClr val="accent1">
+                  <a:shade val="50000"/>
+                </a:schemeClr>
+              </a:lnRef>
+              <a:fillRef idx="1">
+                <a:schemeClr val="accent1"/>
+              </a:fillRef>
+              <a:effectRef idx="0">
+                <a:schemeClr val="accent1"/>
+              </a:effectRef>
+              <a:fontRef idx="minor">
+                <a:schemeClr val="lt1"/>
+              </a:fontRef>
+            </p:style>
+            <p:txBody>
+              <a:bodyPr rtlCol="0" anchor="ctr"/>
+              <a:lstStyle/>
+              <a:p>
+                <a:pPr algn="ctr"/>
+                <a:r>
+                  <a:rPr lang="en-US" sz="1000" dirty="0" smtClean="0">
+                    <a:latin typeface="Times New Roman" panose="02020603050405020304" pitchFamily="18" charset="0"/>
+                    <a:cs typeface="Times New Roman" panose="02020603050405020304" pitchFamily="18" charset="0"/>
+                  </a:rPr>
+                  <a:t>0</a:t>
+                </a:r>
+                <a:endParaRPr lang="en-US" sz="1000" dirty="0">
+                  <a:latin typeface="Times New Roman" panose="02020603050405020304" pitchFamily="18" charset="0"/>
+                  <a:cs typeface="Times New Roman" panose="02020603050405020304" pitchFamily="18" charset="0"/>
+                </a:endParaRPr>
+              </a:p>
+            </p:txBody>
+          </p:sp>
+          <p:sp>
+            <p:nvSpPr>
+              <p:cNvPr id="29" name="Rectangle 28"/>
+              <p:cNvSpPr/>
+              <p:nvPr/>
+            </p:nvSpPr>
+            <p:spPr>
+              <a:xfrm>
+                <a:off x="2971800" y="1371600"/>
+                <a:ext cx="716280" cy="670560"/>
+              </a:xfrm>
+              <a:prstGeom prst="rect">
+                <a:avLst/>
+              </a:prstGeom>
+            </p:spPr>
+            <p:style>
+              <a:lnRef idx="2">
+                <a:schemeClr val="accent1">
+                  <a:shade val="50000"/>
+                </a:schemeClr>
+              </a:lnRef>
+              <a:fillRef idx="1">
+                <a:schemeClr val="accent1"/>
+              </a:fillRef>
+              <a:effectRef idx="0">
+                <a:schemeClr val="accent1"/>
+              </a:effectRef>
+              <a:fontRef idx="minor">
+                <a:schemeClr val="lt1"/>
+              </a:fontRef>
+            </p:style>
+            <p:txBody>
+              <a:bodyPr rtlCol="0" anchor="ctr"/>
+              <a:lstStyle/>
+              <a:p>
+                <a:pPr algn="ctr"/>
+                <a:r>
+                  <a:rPr lang="en-US" sz="1000" dirty="0" smtClean="0">
+                    <a:latin typeface="Times New Roman" panose="02020603050405020304" pitchFamily="18" charset="0"/>
+                    <a:cs typeface="Times New Roman" panose="02020603050405020304" pitchFamily="18" charset="0"/>
+                  </a:rPr>
+                  <a:t>0</a:t>
+                </a:r>
+                <a:endParaRPr lang="en-US" sz="1000" dirty="0">
+                  <a:latin typeface="Times New Roman" panose="02020603050405020304" pitchFamily="18" charset="0"/>
+                  <a:cs typeface="Times New Roman" panose="02020603050405020304" pitchFamily="18" charset="0"/>
+                </a:endParaRPr>
+              </a:p>
+            </p:txBody>
+          </p:sp>
+          <p:sp>
+            <p:nvSpPr>
+              <p:cNvPr id="30" name="Rectangle 29"/>
+              <p:cNvSpPr/>
+              <p:nvPr/>
+            </p:nvSpPr>
+            <p:spPr>
+              <a:xfrm>
+                <a:off x="822960" y="2042160"/>
+                <a:ext cx="716280" cy="670560"/>
+              </a:xfrm>
+              <a:prstGeom prst="rect">
+                <a:avLst/>
+              </a:prstGeom>
+            </p:spPr>
+            <p:style>
+              <a:lnRef idx="2">
+                <a:schemeClr val="accent1">
+                  <a:shade val="50000"/>
+                </a:schemeClr>
+              </a:lnRef>
+              <a:fillRef idx="1">
+                <a:schemeClr val="accent1"/>
+              </a:fillRef>
+              <a:effectRef idx="0">
+                <a:schemeClr val="accent1"/>
+              </a:effectRef>
+              <a:fontRef idx="minor">
+                <a:schemeClr val="lt1"/>
+              </a:fontRef>
+            </p:style>
+            <p:txBody>
+              <a:bodyPr rtlCol="0" anchor="ctr"/>
+              <a:lstStyle/>
+              <a:p>
+                <a:pPr algn="ctr"/>
+                <a:r>
+                  <a:rPr lang="en-US" sz="1000" dirty="0" smtClean="0">
+                    <a:latin typeface="Times New Roman" panose="02020603050405020304" pitchFamily="18" charset="0"/>
+                    <a:cs typeface="Times New Roman" panose="02020603050405020304" pitchFamily="18" charset="0"/>
+                  </a:rPr>
+                  <a:t>0</a:t>
+                </a:r>
+                <a:endParaRPr lang="en-US" sz="1000" dirty="0">
+                  <a:latin typeface="Times New Roman" panose="02020603050405020304" pitchFamily="18" charset="0"/>
+                  <a:cs typeface="Times New Roman" panose="02020603050405020304" pitchFamily="18" charset="0"/>
+                </a:endParaRPr>
+              </a:p>
+            </p:txBody>
+          </p:sp>
+          <p:sp>
+            <p:nvSpPr>
+              <p:cNvPr id="31" name="Rectangle 30"/>
+              <p:cNvSpPr/>
+              <p:nvPr/>
+            </p:nvSpPr>
+            <p:spPr>
+              <a:xfrm>
+                <a:off x="1539240" y="2042160"/>
+                <a:ext cx="716280" cy="670560"/>
+              </a:xfrm>
+              <a:prstGeom prst="rect">
+                <a:avLst/>
+              </a:prstGeom>
+            </p:spPr>
+            <p:style>
+              <a:lnRef idx="2">
+                <a:schemeClr val="accent1">
+                  <a:shade val="50000"/>
+                </a:schemeClr>
+              </a:lnRef>
+              <a:fillRef idx="1">
+                <a:schemeClr val="accent1"/>
+              </a:fillRef>
+              <a:effectRef idx="0">
+                <a:schemeClr val="accent1"/>
+              </a:effectRef>
+              <a:fontRef idx="minor">
+                <a:schemeClr val="lt1"/>
+              </a:fontRef>
+            </p:style>
+            <p:txBody>
+              <a:bodyPr rtlCol="0" anchor="ctr"/>
+              <a:lstStyle/>
+              <a:p>
+                <a:pPr algn="ctr"/>
+                <a:r>
+                  <a:rPr lang="en-US" sz="1000" dirty="0" smtClean="0">
+                    <a:latin typeface="Times New Roman" panose="02020603050405020304" pitchFamily="18" charset="0"/>
+                    <a:cs typeface="Times New Roman" panose="02020603050405020304" pitchFamily="18" charset="0"/>
+                  </a:rPr>
+                  <a:t>0</a:t>
+                </a:r>
+                <a:endParaRPr lang="en-US" sz="1000" dirty="0">
+                  <a:latin typeface="Times New Roman" panose="02020603050405020304" pitchFamily="18" charset="0"/>
+                  <a:cs typeface="Times New Roman" panose="02020603050405020304" pitchFamily="18" charset="0"/>
+                </a:endParaRPr>
+              </a:p>
+            </p:txBody>
+          </p:sp>
+          <p:sp>
+            <p:nvSpPr>
+              <p:cNvPr id="32" name="Rectangle 31"/>
+              <p:cNvSpPr/>
+              <p:nvPr/>
+            </p:nvSpPr>
+            <p:spPr>
+              <a:xfrm>
+                <a:off x="2255520" y="2042160"/>
+                <a:ext cx="716280" cy="670560"/>
+              </a:xfrm>
+              <a:prstGeom prst="rect">
+                <a:avLst/>
+              </a:prstGeom>
+            </p:spPr>
+            <p:style>
+              <a:lnRef idx="2">
+                <a:schemeClr val="accent1">
+                  <a:shade val="50000"/>
+                </a:schemeClr>
+              </a:lnRef>
+              <a:fillRef idx="1">
+                <a:schemeClr val="accent1"/>
+              </a:fillRef>
+              <a:effectRef idx="0">
+                <a:schemeClr val="accent1"/>
+              </a:effectRef>
+              <a:fontRef idx="minor">
+                <a:schemeClr val="lt1"/>
+              </a:fontRef>
+            </p:style>
+            <p:txBody>
+              <a:bodyPr rtlCol="0" anchor="ctr"/>
+              <a:lstStyle/>
+              <a:p>
+                <a:pPr algn="ctr"/>
+                <a:r>
+                  <a:rPr lang="en-US" sz="1000" dirty="0" smtClean="0">
+                    <a:latin typeface="Times New Roman" panose="02020603050405020304" pitchFamily="18" charset="0"/>
+                    <a:cs typeface="Times New Roman" panose="02020603050405020304" pitchFamily="18" charset="0"/>
+                  </a:rPr>
+                  <a:t>0</a:t>
+                </a:r>
+                <a:endParaRPr lang="en-US" sz="1000" dirty="0">
+                  <a:latin typeface="Times New Roman" panose="02020603050405020304" pitchFamily="18" charset="0"/>
+                  <a:cs typeface="Times New Roman" panose="02020603050405020304" pitchFamily="18" charset="0"/>
+                </a:endParaRPr>
+              </a:p>
+            </p:txBody>
+          </p:sp>
+          <p:sp>
+            <p:nvSpPr>
+              <p:cNvPr id="33" name="Rectangle 32"/>
+              <p:cNvSpPr/>
+              <p:nvPr/>
+            </p:nvSpPr>
+            <p:spPr>
+              <a:xfrm>
+                <a:off x="2971800" y="2042160"/>
+                <a:ext cx="716280" cy="670560"/>
+              </a:xfrm>
+              <a:prstGeom prst="rect">
+                <a:avLst/>
+              </a:prstGeom>
+            </p:spPr>
+            <p:style>
+              <a:lnRef idx="2">
+                <a:schemeClr val="accent1">
+                  <a:shade val="50000"/>
+                </a:schemeClr>
+              </a:lnRef>
+              <a:fillRef idx="1">
+                <a:schemeClr val="accent1"/>
+              </a:fillRef>
+              <a:effectRef idx="0">
+                <a:schemeClr val="accent1"/>
+              </a:effectRef>
+              <a:fontRef idx="minor">
+                <a:schemeClr val="lt1"/>
+              </a:fontRef>
+            </p:style>
+            <p:txBody>
+              <a:bodyPr rtlCol="0" anchor="ctr"/>
+              <a:lstStyle/>
+              <a:p>
+                <a:pPr algn="ctr"/>
+                <a:r>
+                  <a:rPr lang="en-US" sz="1000" dirty="0" smtClean="0">
+                    <a:latin typeface="Times New Roman" panose="02020603050405020304" pitchFamily="18" charset="0"/>
+                    <a:cs typeface="Times New Roman" panose="02020603050405020304" pitchFamily="18" charset="0"/>
+                  </a:rPr>
+                  <a:t>0</a:t>
+                </a:r>
+                <a:endParaRPr lang="en-US" sz="1000" dirty="0">
+                  <a:latin typeface="Times New Roman" panose="02020603050405020304" pitchFamily="18" charset="0"/>
+                  <a:cs typeface="Times New Roman" panose="02020603050405020304" pitchFamily="18" charset="0"/>
+                </a:endParaRPr>
+              </a:p>
+            </p:txBody>
+          </p:sp>
+          <p:sp>
+            <p:nvSpPr>
+              <p:cNvPr id="34" name="Rectangle 33"/>
+              <p:cNvSpPr/>
+              <p:nvPr/>
+            </p:nvSpPr>
+            <p:spPr>
+              <a:xfrm>
+                <a:off x="822960" y="2712720"/>
+                <a:ext cx="716280" cy="670560"/>
+              </a:xfrm>
+              <a:prstGeom prst="rect">
+                <a:avLst/>
+              </a:prstGeom>
+            </p:spPr>
+            <p:style>
+              <a:lnRef idx="2">
+                <a:schemeClr val="accent1">
+                  <a:shade val="50000"/>
+                </a:schemeClr>
+              </a:lnRef>
+              <a:fillRef idx="1">
+                <a:schemeClr val="accent1"/>
+              </a:fillRef>
+              <a:effectRef idx="0">
+                <a:schemeClr val="accent1"/>
+              </a:effectRef>
+              <a:fontRef idx="minor">
+                <a:schemeClr val="lt1"/>
+              </a:fontRef>
+            </p:style>
+            <p:txBody>
+              <a:bodyPr rtlCol="0" anchor="ctr"/>
+              <a:lstStyle/>
+              <a:p>
+                <a:pPr algn="ctr"/>
+                <a:r>
+                  <a:rPr lang="en-US" sz="1000" dirty="0" smtClean="0">
+                    <a:latin typeface="Times New Roman" panose="02020603050405020304" pitchFamily="18" charset="0"/>
+                    <a:cs typeface="Times New Roman" panose="02020603050405020304" pitchFamily="18" charset="0"/>
+                  </a:rPr>
+                  <a:t>0</a:t>
+                </a:r>
+                <a:endParaRPr lang="en-US" sz="1000" dirty="0">
+                  <a:latin typeface="Times New Roman" panose="02020603050405020304" pitchFamily="18" charset="0"/>
+                  <a:cs typeface="Times New Roman" panose="02020603050405020304" pitchFamily="18" charset="0"/>
+                </a:endParaRPr>
+              </a:p>
+            </p:txBody>
+          </p:sp>
+          <p:sp>
+            <p:nvSpPr>
+              <p:cNvPr id="35" name="Rectangle 34"/>
+              <p:cNvSpPr/>
+              <p:nvPr/>
+            </p:nvSpPr>
+            <p:spPr>
+              <a:xfrm>
+                <a:off x="1539240" y="2712720"/>
+                <a:ext cx="716280" cy="670560"/>
+              </a:xfrm>
+              <a:prstGeom prst="rect">
+                <a:avLst/>
+              </a:prstGeom>
+            </p:spPr>
+            <p:style>
+              <a:lnRef idx="2">
+                <a:schemeClr val="accent1">
+                  <a:shade val="50000"/>
+                </a:schemeClr>
+              </a:lnRef>
+              <a:fillRef idx="1">
+                <a:schemeClr val="accent1"/>
+              </a:fillRef>
+              <a:effectRef idx="0">
+                <a:schemeClr val="accent1"/>
+              </a:effectRef>
+              <a:fontRef idx="minor">
+                <a:schemeClr val="lt1"/>
+              </a:fontRef>
+            </p:style>
+            <p:txBody>
+              <a:bodyPr rtlCol="0" anchor="ctr"/>
+              <a:lstStyle/>
+              <a:p>
+                <a:pPr algn="ctr"/>
+                <a:r>
+                  <a:rPr lang="en-US" sz="1000" dirty="0" smtClean="0">
+                    <a:latin typeface="Times New Roman" panose="02020603050405020304" pitchFamily="18" charset="0"/>
+                    <a:cs typeface="Times New Roman" panose="02020603050405020304" pitchFamily="18" charset="0"/>
+                  </a:rPr>
+                  <a:t>0</a:t>
+                </a:r>
+                <a:endParaRPr lang="en-US" sz="1000" dirty="0">
+                  <a:latin typeface="Times New Roman" panose="02020603050405020304" pitchFamily="18" charset="0"/>
+                  <a:cs typeface="Times New Roman" panose="02020603050405020304" pitchFamily="18" charset="0"/>
+                </a:endParaRPr>
+              </a:p>
+            </p:txBody>
+          </p:sp>
+          <p:sp>
+            <p:nvSpPr>
+              <p:cNvPr id="36" name="Rectangle 35"/>
+              <p:cNvSpPr/>
+              <p:nvPr/>
+            </p:nvSpPr>
+            <p:spPr>
+              <a:xfrm>
+                <a:off x="2255520" y="2712720"/>
+                <a:ext cx="716280" cy="670560"/>
+              </a:xfrm>
+              <a:prstGeom prst="rect">
+                <a:avLst/>
+              </a:prstGeom>
+            </p:spPr>
+            <p:style>
+              <a:lnRef idx="2">
+                <a:schemeClr val="accent1">
+                  <a:shade val="50000"/>
+                </a:schemeClr>
+              </a:lnRef>
+              <a:fillRef idx="1">
+                <a:schemeClr val="accent1"/>
+              </a:fillRef>
+              <a:effectRef idx="0">
+                <a:schemeClr val="accent1"/>
+              </a:effectRef>
+              <a:fontRef idx="minor">
+                <a:schemeClr val="lt1"/>
+              </a:fontRef>
+            </p:style>
+            <p:txBody>
+              <a:bodyPr rtlCol="0" anchor="ctr"/>
+              <a:lstStyle/>
+              <a:p>
+                <a:pPr algn="ctr"/>
+                <a:r>
+                  <a:rPr lang="en-US" sz="1000" dirty="0" smtClean="0">
+                    <a:latin typeface="Times New Roman" panose="02020603050405020304" pitchFamily="18" charset="0"/>
+                    <a:cs typeface="Times New Roman" panose="02020603050405020304" pitchFamily="18" charset="0"/>
+                  </a:rPr>
+                  <a:t>0</a:t>
+                </a:r>
+                <a:endParaRPr lang="en-US" sz="1000" dirty="0">
+                  <a:latin typeface="Times New Roman" panose="02020603050405020304" pitchFamily="18" charset="0"/>
+                  <a:cs typeface="Times New Roman" panose="02020603050405020304" pitchFamily="18" charset="0"/>
+                </a:endParaRPr>
+              </a:p>
+            </p:txBody>
+          </p:sp>
+          <p:sp>
+            <p:nvSpPr>
+              <p:cNvPr id="37" name="Rectangle 36"/>
+              <p:cNvSpPr/>
+              <p:nvPr/>
+            </p:nvSpPr>
+            <p:spPr>
+              <a:xfrm>
+                <a:off x="2971800" y="2712720"/>
+                <a:ext cx="716280" cy="670560"/>
+              </a:xfrm>
+              <a:prstGeom prst="rect">
+                <a:avLst/>
+              </a:prstGeom>
+            </p:spPr>
+            <p:style>
+              <a:lnRef idx="2">
+                <a:schemeClr val="accent1">
+                  <a:shade val="50000"/>
+                </a:schemeClr>
+              </a:lnRef>
+              <a:fillRef idx="1">
+                <a:schemeClr val="accent1"/>
+              </a:fillRef>
+              <a:effectRef idx="0">
+                <a:schemeClr val="accent1"/>
+              </a:effectRef>
+              <a:fontRef idx="minor">
+                <a:schemeClr val="lt1"/>
+              </a:fontRef>
+            </p:style>
+            <p:txBody>
+              <a:bodyPr rtlCol="0" anchor="ctr"/>
+              <a:lstStyle/>
+              <a:p>
+                <a:pPr algn="ctr"/>
+                <a:r>
+                  <a:rPr lang="en-US" sz="1000" dirty="0" smtClean="0">
+                    <a:latin typeface="Times New Roman" panose="02020603050405020304" pitchFamily="18" charset="0"/>
+                    <a:cs typeface="Times New Roman" panose="02020603050405020304" pitchFamily="18" charset="0"/>
+                  </a:rPr>
+                  <a:t>0</a:t>
+                </a:r>
+                <a:endParaRPr lang="en-US" sz="1000" dirty="0">
+                  <a:latin typeface="Times New Roman" panose="02020603050405020304" pitchFamily="18" charset="0"/>
+                  <a:cs typeface="Times New Roman" panose="02020603050405020304" pitchFamily="18" charset="0"/>
+                </a:endParaRPr>
+              </a:p>
+            </p:txBody>
+          </p:sp>
+        </p:grpSp>
+        <p:sp>
+          <p:nvSpPr>
+            <p:cNvPr id="38" name="TextBox 37"/>
+            <p:cNvSpPr txBox="1"/>
+            <p:nvPr/>
+          </p:nvSpPr>
+          <p:spPr>
+            <a:xfrm>
+              <a:off x="739311" y="217170"/>
+              <a:ext cx="918841" cy="246221"/>
+            </a:xfrm>
+            <a:prstGeom prst="rect">
+              <a:avLst/>
+            </a:prstGeom>
+            <a:noFill/>
+          </p:spPr>
+          <p:txBody>
+            <a:bodyPr wrap="none" rtlCol="0">
+              <a:spAutoFit/>
+            </a:bodyPr>
+            <a:lstStyle/>
+            <a:p>
+              <a:r>
+                <a:rPr lang="en-US" sz="1000" dirty="0" err="1" smtClean="0">
+                  <a:latin typeface="Times New Roman" panose="02020603050405020304" pitchFamily="18" charset="0"/>
+                  <a:cs typeface="Times New Roman" panose="02020603050405020304" pitchFamily="18" charset="0"/>
+                </a:rPr>
+                <a:t>ibmap</a:t>
+              </a:r>
+              <a:r>
+                <a:rPr lang="en-US" sz="1000" dirty="0" smtClean="0">
+                  <a:latin typeface="Times New Roman" panose="02020603050405020304" pitchFamily="18" charset="0"/>
+                  <a:cs typeface="Times New Roman" panose="02020603050405020304" pitchFamily="18" charset="0"/>
+                </a:rPr>
+                <a:t> block 0</a:t>
+              </a:r>
+              <a:endParaRPr lang="en-US" sz="1000" dirty="0">
+                <a:latin typeface="Times New Roman" panose="02020603050405020304" pitchFamily="18" charset="0"/>
+                <a:cs typeface="Times New Roman" panose="02020603050405020304" pitchFamily="18" charset="0"/>
+              </a:endParaRPr>
+            </a:p>
+          </p:txBody>
+        </p:sp>
+        <p:grpSp>
+          <p:nvGrpSpPr>
+            <p:cNvPr id="39" name="Group 38"/>
+            <p:cNvGrpSpPr/>
+            <p:nvPr/>
+          </p:nvGrpSpPr>
+          <p:grpSpPr>
+            <a:xfrm>
+              <a:off x="3048518" y="449580"/>
+              <a:ext cx="1050002" cy="982980"/>
+              <a:chOff x="822960" y="701040"/>
+              <a:chExt cx="2865120" cy="2682240"/>
+            </a:xfrm>
+          </p:grpSpPr>
+          <p:sp>
+            <p:nvSpPr>
+              <p:cNvPr id="40" name="Rectangle 39"/>
+              <p:cNvSpPr/>
+              <p:nvPr/>
+            </p:nvSpPr>
+            <p:spPr>
+              <a:xfrm>
+                <a:off x="822960" y="701040"/>
+                <a:ext cx="716280" cy="670560"/>
+              </a:xfrm>
+              <a:prstGeom prst="rect">
+                <a:avLst/>
+              </a:prstGeom>
+            </p:spPr>
+            <p:style>
+              <a:lnRef idx="2">
+                <a:schemeClr val="accent1">
+                  <a:shade val="50000"/>
+                </a:schemeClr>
+              </a:lnRef>
+              <a:fillRef idx="1">
+                <a:schemeClr val="accent1"/>
+              </a:fillRef>
+              <a:effectRef idx="0">
+                <a:schemeClr val="accent1"/>
+              </a:effectRef>
+              <a:fontRef idx="minor">
+                <a:schemeClr val="lt1"/>
+              </a:fontRef>
+            </p:style>
+            <p:txBody>
+              <a:bodyPr rtlCol="0" anchor="ctr"/>
+              <a:lstStyle/>
+              <a:p>
+                <a:pPr algn="ctr"/>
+                <a:r>
+                  <a:rPr lang="en-US" sz="1000" dirty="0" smtClean="0">
+                    <a:latin typeface="Times New Roman" panose="02020603050405020304" pitchFamily="18" charset="0"/>
+                    <a:cs typeface="Times New Roman" panose="02020603050405020304" pitchFamily="18" charset="0"/>
+                  </a:rPr>
+                  <a:t>0</a:t>
+                </a:r>
+                <a:endParaRPr lang="en-US" sz="1000" dirty="0">
+                  <a:latin typeface="Times New Roman" panose="02020603050405020304" pitchFamily="18" charset="0"/>
+                  <a:cs typeface="Times New Roman" panose="02020603050405020304" pitchFamily="18" charset="0"/>
+                </a:endParaRPr>
+              </a:p>
+            </p:txBody>
+          </p:sp>
+          <p:sp>
+            <p:nvSpPr>
+              <p:cNvPr id="41" name="Rectangle 40"/>
+              <p:cNvSpPr/>
+              <p:nvPr/>
+            </p:nvSpPr>
+            <p:spPr>
+              <a:xfrm>
+                <a:off x="1539240" y="701040"/>
+                <a:ext cx="716280" cy="670560"/>
+              </a:xfrm>
+              <a:prstGeom prst="rect">
+                <a:avLst/>
+              </a:prstGeom>
+            </p:spPr>
+            <p:style>
+              <a:lnRef idx="2">
+                <a:schemeClr val="accent1">
+                  <a:shade val="50000"/>
+                </a:schemeClr>
+              </a:lnRef>
+              <a:fillRef idx="1">
+                <a:schemeClr val="accent1"/>
+              </a:fillRef>
+              <a:effectRef idx="0">
+                <a:schemeClr val="accent1"/>
+              </a:effectRef>
+              <a:fontRef idx="minor">
+                <a:schemeClr val="lt1"/>
+              </a:fontRef>
+            </p:style>
+            <p:txBody>
+              <a:bodyPr rtlCol="0" anchor="ctr"/>
+              <a:lstStyle/>
+              <a:p>
+                <a:pPr algn="ctr"/>
+                <a:r>
+                  <a:rPr lang="en-US" sz="1000" dirty="0" smtClean="0">
+                    <a:latin typeface="Times New Roman" panose="02020603050405020304" pitchFamily="18" charset="0"/>
+                    <a:cs typeface="Times New Roman" panose="02020603050405020304" pitchFamily="18" charset="0"/>
+                  </a:rPr>
+                  <a:t>0</a:t>
+                </a:r>
+                <a:endParaRPr lang="en-US" sz="1000" dirty="0">
+                  <a:latin typeface="Times New Roman" panose="02020603050405020304" pitchFamily="18" charset="0"/>
+                  <a:cs typeface="Times New Roman" panose="02020603050405020304" pitchFamily="18" charset="0"/>
+                </a:endParaRPr>
+              </a:p>
+            </p:txBody>
+          </p:sp>
+          <p:sp>
+            <p:nvSpPr>
+              <p:cNvPr id="42" name="Rectangle 41"/>
+              <p:cNvSpPr/>
+              <p:nvPr/>
+            </p:nvSpPr>
+            <p:spPr>
+              <a:xfrm>
+                <a:off x="2255520" y="701040"/>
+                <a:ext cx="716280" cy="670560"/>
+              </a:xfrm>
+              <a:prstGeom prst="rect">
+                <a:avLst/>
+              </a:prstGeom>
+            </p:spPr>
+            <p:style>
+              <a:lnRef idx="2">
+                <a:schemeClr val="accent1">
+                  <a:shade val="50000"/>
+                </a:schemeClr>
+              </a:lnRef>
+              <a:fillRef idx="1">
+                <a:schemeClr val="accent1"/>
+              </a:fillRef>
+              <a:effectRef idx="0">
+                <a:schemeClr val="accent1"/>
+              </a:effectRef>
+              <a:fontRef idx="minor">
+                <a:schemeClr val="lt1"/>
+              </a:fontRef>
+            </p:style>
+            <p:txBody>
+              <a:bodyPr rtlCol="0" anchor="ctr"/>
+              <a:lstStyle/>
+              <a:p>
+                <a:pPr algn="ctr"/>
+                <a:r>
+                  <a:rPr lang="en-US" sz="1000" dirty="0" smtClean="0">
+                    <a:latin typeface="Times New Roman" panose="02020603050405020304" pitchFamily="18" charset="0"/>
+                    <a:cs typeface="Times New Roman" panose="02020603050405020304" pitchFamily="18" charset="0"/>
+                  </a:rPr>
+                  <a:t>0</a:t>
+                </a:r>
+                <a:endParaRPr lang="en-US" sz="1000" dirty="0">
+                  <a:latin typeface="Times New Roman" panose="02020603050405020304" pitchFamily="18" charset="0"/>
+                  <a:cs typeface="Times New Roman" panose="02020603050405020304" pitchFamily="18" charset="0"/>
+                </a:endParaRPr>
+              </a:p>
+            </p:txBody>
+          </p:sp>
+          <p:sp>
+            <p:nvSpPr>
+              <p:cNvPr id="43" name="Rectangle 42"/>
+              <p:cNvSpPr/>
+              <p:nvPr/>
+            </p:nvSpPr>
+            <p:spPr>
+              <a:xfrm>
+                <a:off x="2971800" y="701040"/>
+                <a:ext cx="716280" cy="670560"/>
+              </a:xfrm>
+              <a:prstGeom prst="rect">
+                <a:avLst/>
+              </a:prstGeom>
+            </p:spPr>
+            <p:style>
+              <a:lnRef idx="2">
+                <a:schemeClr val="accent1">
+                  <a:shade val="50000"/>
+                </a:schemeClr>
+              </a:lnRef>
+              <a:fillRef idx="1">
+                <a:schemeClr val="accent1"/>
+              </a:fillRef>
+              <a:effectRef idx="0">
+                <a:schemeClr val="accent1"/>
+              </a:effectRef>
+              <a:fontRef idx="minor">
+                <a:schemeClr val="lt1"/>
+              </a:fontRef>
+            </p:style>
+            <p:txBody>
+              <a:bodyPr rtlCol="0" anchor="ctr"/>
+              <a:lstStyle/>
+              <a:p>
+                <a:pPr algn="ctr"/>
+                <a:r>
+                  <a:rPr lang="en-US" sz="1000" dirty="0" smtClean="0">
+                    <a:latin typeface="Times New Roman" panose="02020603050405020304" pitchFamily="18" charset="0"/>
+                    <a:cs typeface="Times New Roman" panose="02020603050405020304" pitchFamily="18" charset="0"/>
+                  </a:rPr>
+                  <a:t>0</a:t>
+                </a:r>
+                <a:endParaRPr lang="en-US" sz="1000" dirty="0">
+                  <a:latin typeface="Times New Roman" panose="02020603050405020304" pitchFamily="18" charset="0"/>
+                  <a:cs typeface="Times New Roman" panose="02020603050405020304" pitchFamily="18" charset="0"/>
+                </a:endParaRPr>
+              </a:p>
+            </p:txBody>
+          </p:sp>
+          <p:sp>
+            <p:nvSpPr>
+              <p:cNvPr id="44" name="Rectangle 43"/>
+              <p:cNvSpPr/>
+              <p:nvPr/>
+            </p:nvSpPr>
+            <p:spPr>
+              <a:xfrm>
+                <a:off x="822960" y="1371600"/>
+                <a:ext cx="716280" cy="670560"/>
+              </a:xfrm>
+              <a:prstGeom prst="rect">
+                <a:avLst/>
+              </a:prstGeom>
+            </p:spPr>
+            <p:style>
+              <a:lnRef idx="2">
+                <a:schemeClr val="accent1">
+                  <a:shade val="50000"/>
+                </a:schemeClr>
+              </a:lnRef>
+              <a:fillRef idx="1">
+                <a:schemeClr val="accent1"/>
+              </a:fillRef>
+              <a:effectRef idx="0">
+                <a:schemeClr val="accent1"/>
+              </a:effectRef>
+              <a:fontRef idx="minor">
+                <a:schemeClr val="lt1"/>
+              </a:fontRef>
+            </p:style>
+            <p:txBody>
+              <a:bodyPr rtlCol="0" anchor="ctr"/>
+              <a:lstStyle/>
+              <a:p>
+                <a:pPr algn="ctr"/>
+                <a:r>
+                  <a:rPr lang="en-US" sz="1000" dirty="0" smtClean="0">
+                    <a:latin typeface="Times New Roman" panose="02020603050405020304" pitchFamily="18" charset="0"/>
+                    <a:cs typeface="Times New Roman" panose="02020603050405020304" pitchFamily="18" charset="0"/>
+                  </a:rPr>
+                  <a:t>0</a:t>
+                </a:r>
+                <a:endParaRPr lang="en-US" sz="1000" dirty="0">
+                  <a:latin typeface="Times New Roman" panose="02020603050405020304" pitchFamily="18" charset="0"/>
+                  <a:cs typeface="Times New Roman" panose="02020603050405020304" pitchFamily="18" charset="0"/>
+                </a:endParaRPr>
+              </a:p>
+            </p:txBody>
+          </p:sp>
+          <p:sp>
+            <p:nvSpPr>
+              <p:cNvPr id="45" name="Rectangle 44"/>
+              <p:cNvSpPr/>
+              <p:nvPr/>
+            </p:nvSpPr>
+            <p:spPr>
+              <a:xfrm>
+                <a:off x="1539240" y="1371600"/>
+                <a:ext cx="716280" cy="670560"/>
+              </a:xfrm>
+              <a:prstGeom prst="rect">
+                <a:avLst/>
+              </a:prstGeom>
+            </p:spPr>
+            <p:style>
+              <a:lnRef idx="2">
+                <a:schemeClr val="accent1">
+                  <a:shade val="50000"/>
+                </a:schemeClr>
+              </a:lnRef>
+              <a:fillRef idx="1">
+                <a:schemeClr val="accent1"/>
+              </a:fillRef>
+              <a:effectRef idx="0">
+                <a:schemeClr val="accent1"/>
+              </a:effectRef>
+              <a:fontRef idx="minor">
+                <a:schemeClr val="lt1"/>
+              </a:fontRef>
+            </p:style>
+            <p:txBody>
+              <a:bodyPr rtlCol="0" anchor="ctr"/>
+              <a:lstStyle/>
+              <a:p>
+                <a:pPr algn="ctr"/>
+                <a:r>
+                  <a:rPr lang="en-US" sz="1000" dirty="0" smtClean="0">
+                    <a:latin typeface="Times New Roman" panose="02020603050405020304" pitchFamily="18" charset="0"/>
+                    <a:cs typeface="Times New Roman" panose="02020603050405020304" pitchFamily="18" charset="0"/>
+                  </a:rPr>
+                  <a:t>0</a:t>
+                </a:r>
+                <a:endParaRPr lang="en-US" sz="1000" dirty="0">
+                  <a:latin typeface="Times New Roman" panose="02020603050405020304" pitchFamily="18" charset="0"/>
+                  <a:cs typeface="Times New Roman" panose="02020603050405020304" pitchFamily="18" charset="0"/>
+                </a:endParaRPr>
+              </a:p>
+            </p:txBody>
+          </p:sp>
+          <p:sp>
+            <p:nvSpPr>
+              <p:cNvPr id="46" name="Rectangle 45"/>
+              <p:cNvSpPr/>
+              <p:nvPr/>
+            </p:nvSpPr>
+            <p:spPr>
+              <a:xfrm>
+                <a:off x="2255520" y="1371600"/>
+                <a:ext cx="716280" cy="670560"/>
+              </a:xfrm>
+              <a:prstGeom prst="rect">
+                <a:avLst/>
+              </a:prstGeom>
+            </p:spPr>
+            <p:style>
+              <a:lnRef idx="2">
+                <a:schemeClr val="accent1">
+                  <a:shade val="50000"/>
+                </a:schemeClr>
+              </a:lnRef>
+              <a:fillRef idx="1">
+                <a:schemeClr val="accent1"/>
+              </a:fillRef>
+              <a:effectRef idx="0">
+                <a:schemeClr val="accent1"/>
+              </a:effectRef>
+              <a:fontRef idx="minor">
+                <a:schemeClr val="lt1"/>
+              </a:fontRef>
+            </p:style>
+            <p:txBody>
+              <a:bodyPr rtlCol="0" anchor="ctr"/>
+              <a:lstStyle/>
+              <a:p>
+                <a:pPr algn="ctr"/>
+                <a:r>
+                  <a:rPr lang="en-US" sz="1000" dirty="0" smtClean="0">
+                    <a:latin typeface="Times New Roman" panose="02020603050405020304" pitchFamily="18" charset="0"/>
+                    <a:cs typeface="Times New Roman" panose="02020603050405020304" pitchFamily="18" charset="0"/>
+                  </a:rPr>
+                  <a:t>0</a:t>
+                </a:r>
+                <a:endParaRPr lang="en-US" sz="1000" dirty="0">
+                  <a:latin typeface="Times New Roman" panose="02020603050405020304" pitchFamily="18" charset="0"/>
+                  <a:cs typeface="Times New Roman" panose="02020603050405020304" pitchFamily="18" charset="0"/>
+                </a:endParaRPr>
+              </a:p>
+            </p:txBody>
+          </p:sp>
+          <p:sp>
+            <p:nvSpPr>
+              <p:cNvPr id="47" name="Rectangle 46"/>
+              <p:cNvSpPr/>
+              <p:nvPr/>
+            </p:nvSpPr>
+            <p:spPr>
+              <a:xfrm>
+                <a:off x="2971800" y="1371600"/>
+                <a:ext cx="716280" cy="670560"/>
+              </a:xfrm>
+              <a:prstGeom prst="rect">
+                <a:avLst/>
+              </a:prstGeom>
+            </p:spPr>
+            <p:style>
+              <a:lnRef idx="2">
+                <a:schemeClr val="accent1">
+                  <a:shade val="50000"/>
+                </a:schemeClr>
+              </a:lnRef>
+              <a:fillRef idx="1">
+                <a:schemeClr val="accent1"/>
+              </a:fillRef>
+              <a:effectRef idx="0">
+                <a:schemeClr val="accent1"/>
+              </a:effectRef>
+              <a:fontRef idx="minor">
+                <a:schemeClr val="lt1"/>
+              </a:fontRef>
+            </p:style>
+            <p:txBody>
+              <a:bodyPr rtlCol="0" anchor="ctr"/>
+              <a:lstStyle/>
+              <a:p>
+                <a:pPr algn="ctr"/>
+                <a:r>
+                  <a:rPr lang="en-US" sz="1000" dirty="0" smtClean="0">
+                    <a:latin typeface="Times New Roman" panose="02020603050405020304" pitchFamily="18" charset="0"/>
+                    <a:cs typeface="Times New Roman" panose="02020603050405020304" pitchFamily="18" charset="0"/>
+                  </a:rPr>
+                  <a:t>0</a:t>
+                </a:r>
+                <a:endParaRPr lang="en-US" sz="1000" dirty="0">
+                  <a:latin typeface="Times New Roman" panose="02020603050405020304" pitchFamily="18" charset="0"/>
+                  <a:cs typeface="Times New Roman" panose="02020603050405020304" pitchFamily="18" charset="0"/>
+                </a:endParaRPr>
+              </a:p>
+            </p:txBody>
+          </p:sp>
+          <p:sp>
+            <p:nvSpPr>
+              <p:cNvPr id="48" name="Rectangle 47"/>
+              <p:cNvSpPr/>
+              <p:nvPr/>
+            </p:nvSpPr>
+            <p:spPr>
+              <a:xfrm>
+                <a:off x="822960" y="2042160"/>
+                <a:ext cx="716280" cy="670560"/>
+              </a:xfrm>
+              <a:prstGeom prst="rect">
+                <a:avLst/>
+              </a:prstGeom>
+            </p:spPr>
+            <p:style>
+              <a:lnRef idx="2">
+                <a:schemeClr val="accent1">
+                  <a:shade val="50000"/>
+                </a:schemeClr>
+              </a:lnRef>
+              <a:fillRef idx="1">
+                <a:schemeClr val="accent1"/>
+              </a:fillRef>
+              <a:effectRef idx="0">
+                <a:schemeClr val="accent1"/>
+              </a:effectRef>
+              <a:fontRef idx="minor">
+                <a:schemeClr val="lt1"/>
+              </a:fontRef>
+            </p:style>
+            <p:txBody>
+              <a:bodyPr rtlCol="0" anchor="ctr"/>
+              <a:lstStyle/>
+              <a:p>
+                <a:pPr algn="ctr"/>
+                <a:r>
+                  <a:rPr lang="en-US" sz="1000" dirty="0" smtClean="0">
+                    <a:latin typeface="Times New Roman" panose="02020603050405020304" pitchFamily="18" charset="0"/>
+                    <a:cs typeface="Times New Roman" panose="02020603050405020304" pitchFamily="18" charset="0"/>
+                  </a:rPr>
+                  <a:t>0</a:t>
+                </a:r>
+                <a:endParaRPr lang="en-US" sz="1000" dirty="0">
+                  <a:latin typeface="Times New Roman" panose="02020603050405020304" pitchFamily="18" charset="0"/>
+                  <a:cs typeface="Times New Roman" panose="02020603050405020304" pitchFamily="18" charset="0"/>
+                </a:endParaRPr>
+              </a:p>
+            </p:txBody>
+          </p:sp>
+          <p:sp>
+            <p:nvSpPr>
+              <p:cNvPr id="49" name="Rectangle 48"/>
+              <p:cNvSpPr/>
+              <p:nvPr/>
+            </p:nvSpPr>
+            <p:spPr>
+              <a:xfrm>
+                <a:off x="1539240" y="2042160"/>
+                <a:ext cx="716280" cy="670560"/>
+              </a:xfrm>
+              <a:prstGeom prst="rect">
+                <a:avLst/>
+              </a:prstGeom>
+            </p:spPr>
+            <p:style>
+              <a:lnRef idx="2">
+                <a:schemeClr val="accent1">
+                  <a:shade val="50000"/>
+                </a:schemeClr>
+              </a:lnRef>
+              <a:fillRef idx="1">
+                <a:schemeClr val="accent1"/>
+              </a:fillRef>
+              <a:effectRef idx="0">
+                <a:schemeClr val="accent1"/>
+              </a:effectRef>
+              <a:fontRef idx="minor">
+                <a:schemeClr val="lt1"/>
+              </a:fontRef>
+            </p:style>
+            <p:txBody>
+              <a:bodyPr rtlCol="0" anchor="ctr"/>
+              <a:lstStyle/>
+              <a:p>
+                <a:pPr algn="ctr"/>
+                <a:r>
+                  <a:rPr lang="en-US" sz="1000" dirty="0" smtClean="0">
+                    <a:latin typeface="Times New Roman" panose="02020603050405020304" pitchFamily="18" charset="0"/>
+                    <a:cs typeface="Times New Roman" panose="02020603050405020304" pitchFamily="18" charset="0"/>
+                  </a:rPr>
+                  <a:t>0</a:t>
+                </a:r>
+                <a:endParaRPr lang="en-US" sz="1000" dirty="0">
+                  <a:latin typeface="Times New Roman" panose="02020603050405020304" pitchFamily="18" charset="0"/>
+                  <a:cs typeface="Times New Roman" panose="02020603050405020304" pitchFamily="18" charset="0"/>
+                </a:endParaRPr>
+              </a:p>
+            </p:txBody>
+          </p:sp>
+          <p:sp>
+            <p:nvSpPr>
+              <p:cNvPr id="50" name="Rectangle 49"/>
+              <p:cNvSpPr/>
+              <p:nvPr/>
+            </p:nvSpPr>
+            <p:spPr>
+              <a:xfrm>
+                <a:off x="2255520" y="2042160"/>
+                <a:ext cx="716280" cy="670560"/>
+              </a:xfrm>
+              <a:prstGeom prst="rect">
+                <a:avLst/>
+              </a:prstGeom>
+            </p:spPr>
+            <p:style>
+              <a:lnRef idx="2">
+                <a:schemeClr val="accent1">
+                  <a:shade val="50000"/>
+                </a:schemeClr>
+              </a:lnRef>
+              <a:fillRef idx="1">
+                <a:schemeClr val="accent1"/>
+              </a:fillRef>
+              <a:effectRef idx="0">
+                <a:schemeClr val="accent1"/>
+              </a:effectRef>
+              <a:fontRef idx="minor">
+                <a:schemeClr val="lt1"/>
+              </a:fontRef>
+            </p:style>
+            <p:txBody>
+              <a:bodyPr rtlCol="0" anchor="ctr"/>
+              <a:lstStyle/>
+              <a:p>
+                <a:pPr algn="ctr"/>
+                <a:r>
+                  <a:rPr lang="en-US" sz="1000" dirty="0" smtClean="0">
+                    <a:latin typeface="Times New Roman" panose="02020603050405020304" pitchFamily="18" charset="0"/>
+                    <a:cs typeface="Times New Roman" panose="02020603050405020304" pitchFamily="18" charset="0"/>
+                  </a:rPr>
+                  <a:t>0</a:t>
+                </a:r>
+                <a:endParaRPr lang="en-US" sz="1000" dirty="0">
+                  <a:latin typeface="Times New Roman" panose="02020603050405020304" pitchFamily="18" charset="0"/>
+                  <a:cs typeface="Times New Roman" panose="02020603050405020304" pitchFamily="18" charset="0"/>
+                </a:endParaRPr>
+              </a:p>
+            </p:txBody>
+          </p:sp>
+          <p:sp>
+            <p:nvSpPr>
+              <p:cNvPr id="51" name="Rectangle 50"/>
+              <p:cNvSpPr/>
+              <p:nvPr/>
+            </p:nvSpPr>
+            <p:spPr>
+              <a:xfrm>
+                <a:off x="2971800" y="2042160"/>
+                <a:ext cx="716280" cy="670560"/>
+              </a:xfrm>
+              <a:prstGeom prst="rect">
+                <a:avLst/>
+              </a:prstGeom>
+            </p:spPr>
+            <p:style>
+              <a:lnRef idx="2">
+                <a:schemeClr val="accent1">
+                  <a:shade val="50000"/>
+                </a:schemeClr>
+              </a:lnRef>
+              <a:fillRef idx="1">
+                <a:schemeClr val="accent1"/>
+              </a:fillRef>
+              <a:effectRef idx="0">
+                <a:schemeClr val="accent1"/>
+              </a:effectRef>
+              <a:fontRef idx="minor">
+                <a:schemeClr val="lt1"/>
+              </a:fontRef>
+            </p:style>
+            <p:txBody>
+              <a:bodyPr rtlCol="0" anchor="ctr"/>
+              <a:lstStyle/>
+              <a:p>
+                <a:pPr algn="ctr"/>
+                <a:r>
+                  <a:rPr lang="en-US" sz="1000" dirty="0" smtClean="0">
+                    <a:latin typeface="Times New Roman" panose="02020603050405020304" pitchFamily="18" charset="0"/>
+                    <a:cs typeface="Times New Roman" panose="02020603050405020304" pitchFamily="18" charset="0"/>
+                  </a:rPr>
+                  <a:t>0</a:t>
+                </a:r>
+                <a:endParaRPr lang="en-US" sz="1000" dirty="0">
+                  <a:latin typeface="Times New Roman" panose="02020603050405020304" pitchFamily="18" charset="0"/>
+                  <a:cs typeface="Times New Roman" panose="02020603050405020304" pitchFamily="18" charset="0"/>
+                </a:endParaRPr>
+              </a:p>
+            </p:txBody>
+          </p:sp>
+          <p:sp>
+            <p:nvSpPr>
+              <p:cNvPr id="52" name="Rectangle 51"/>
+              <p:cNvSpPr/>
+              <p:nvPr/>
+            </p:nvSpPr>
+            <p:spPr>
+              <a:xfrm>
+                <a:off x="822960" y="2712720"/>
+                <a:ext cx="716280" cy="670560"/>
+              </a:xfrm>
+              <a:prstGeom prst="rect">
+                <a:avLst/>
+              </a:prstGeom>
+            </p:spPr>
+            <p:style>
+              <a:lnRef idx="2">
+                <a:schemeClr val="accent1">
+                  <a:shade val="50000"/>
+                </a:schemeClr>
+              </a:lnRef>
+              <a:fillRef idx="1">
+                <a:schemeClr val="accent1"/>
+              </a:fillRef>
+              <a:effectRef idx="0">
+                <a:schemeClr val="accent1"/>
+              </a:effectRef>
+              <a:fontRef idx="minor">
+                <a:schemeClr val="lt1"/>
+              </a:fontRef>
+            </p:style>
+            <p:txBody>
+              <a:bodyPr rtlCol="0" anchor="ctr"/>
+              <a:lstStyle/>
+              <a:p>
+                <a:pPr algn="ctr"/>
+                <a:r>
+                  <a:rPr lang="en-US" sz="1000" dirty="0" smtClean="0">
+                    <a:latin typeface="Times New Roman" panose="02020603050405020304" pitchFamily="18" charset="0"/>
+                    <a:cs typeface="Times New Roman" panose="02020603050405020304" pitchFamily="18" charset="0"/>
+                  </a:rPr>
+                  <a:t>0</a:t>
+                </a:r>
+                <a:endParaRPr lang="en-US" sz="1000" dirty="0">
+                  <a:latin typeface="Times New Roman" panose="02020603050405020304" pitchFamily="18" charset="0"/>
+                  <a:cs typeface="Times New Roman" panose="02020603050405020304" pitchFamily="18" charset="0"/>
+                </a:endParaRPr>
+              </a:p>
+            </p:txBody>
+          </p:sp>
+          <p:sp>
+            <p:nvSpPr>
+              <p:cNvPr id="53" name="Rectangle 52"/>
+              <p:cNvSpPr/>
+              <p:nvPr/>
+            </p:nvSpPr>
+            <p:spPr>
+              <a:xfrm>
+                <a:off x="1539240" y="2712720"/>
+                <a:ext cx="716280" cy="670560"/>
+              </a:xfrm>
+              <a:prstGeom prst="rect">
+                <a:avLst/>
+              </a:prstGeom>
+            </p:spPr>
+            <p:style>
+              <a:lnRef idx="2">
+                <a:schemeClr val="accent1">
+                  <a:shade val="50000"/>
+                </a:schemeClr>
+              </a:lnRef>
+              <a:fillRef idx="1">
+                <a:schemeClr val="accent1"/>
+              </a:fillRef>
+              <a:effectRef idx="0">
+                <a:schemeClr val="accent1"/>
+              </a:effectRef>
+              <a:fontRef idx="minor">
+                <a:schemeClr val="lt1"/>
+              </a:fontRef>
+            </p:style>
+            <p:txBody>
+              <a:bodyPr rtlCol="0" anchor="ctr"/>
+              <a:lstStyle/>
+              <a:p>
+                <a:pPr algn="ctr"/>
+                <a:r>
+                  <a:rPr lang="en-US" sz="1000" dirty="0" smtClean="0">
+                    <a:latin typeface="Times New Roman" panose="02020603050405020304" pitchFamily="18" charset="0"/>
+                    <a:cs typeface="Times New Roman" panose="02020603050405020304" pitchFamily="18" charset="0"/>
+                  </a:rPr>
+                  <a:t>0</a:t>
+                </a:r>
+                <a:endParaRPr lang="en-US" sz="1000" dirty="0">
+                  <a:latin typeface="Times New Roman" panose="02020603050405020304" pitchFamily="18" charset="0"/>
+                  <a:cs typeface="Times New Roman" panose="02020603050405020304" pitchFamily="18" charset="0"/>
+                </a:endParaRPr>
+              </a:p>
+            </p:txBody>
+          </p:sp>
+          <p:sp>
+            <p:nvSpPr>
+              <p:cNvPr id="54" name="Rectangle 53"/>
+              <p:cNvSpPr/>
+              <p:nvPr/>
+            </p:nvSpPr>
+            <p:spPr>
+              <a:xfrm>
+                <a:off x="2255520" y="2712720"/>
+                <a:ext cx="716280" cy="670560"/>
+              </a:xfrm>
+              <a:prstGeom prst="rect">
+                <a:avLst/>
+              </a:prstGeom>
+            </p:spPr>
+            <p:style>
+              <a:lnRef idx="2">
+                <a:schemeClr val="accent1">
+                  <a:shade val="50000"/>
+                </a:schemeClr>
+              </a:lnRef>
+              <a:fillRef idx="1">
+                <a:schemeClr val="accent1"/>
+              </a:fillRef>
+              <a:effectRef idx="0">
+                <a:schemeClr val="accent1"/>
+              </a:effectRef>
+              <a:fontRef idx="minor">
+                <a:schemeClr val="lt1"/>
+              </a:fontRef>
+            </p:style>
+            <p:txBody>
+              <a:bodyPr rtlCol="0" anchor="ctr"/>
+              <a:lstStyle/>
+              <a:p>
+                <a:pPr algn="ctr"/>
+                <a:r>
+                  <a:rPr lang="en-US" sz="1000" dirty="0" smtClean="0">
+                    <a:latin typeface="Times New Roman" panose="02020603050405020304" pitchFamily="18" charset="0"/>
+                    <a:cs typeface="Times New Roman" panose="02020603050405020304" pitchFamily="18" charset="0"/>
+                  </a:rPr>
+                  <a:t>0</a:t>
+                </a:r>
+                <a:endParaRPr lang="en-US" sz="1000" dirty="0">
+                  <a:latin typeface="Times New Roman" panose="02020603050405020304" pitchFamily="18" charset="0"/>
+                  <a:cs typeface="Times New Roman" panose="02020603050405020304" pitchFamily="18" charset="0"/>
+                </a:endParaRPr>
+              </a:p>
+            </p:txBody>
+          </p:sp>
+          <p:sp>
+            <p:nvSpPr>
+              <p:cNvPr id="55" name="Rectangle 54"/>
+              <p:cNvSpPr/>
+              <p:nvPr/>
+            </p:nvSpPr>
+            <p:spPr>
+              <a:xfrm>
+                <a:off x="2971800" y="2712720"/>
+                <a:ext cx="716280" cy="670560"/>
+              </a:xfrm>
+              <a:prstGeom prst="rect">
+                <a:avLst/>
+              </a:prstGeom>
+            </p:spPr>
+            <p:style>
+              <a:lnRef idx="2">
+                <a:schemeClr val="accent1">
+                  <a:shade val="50000"/>
+                </a:schemeClr>
+              </a:lnRef>
+              <a:fillRef idx="1">
+                <a:schemeClr val="accent1"/>
+              </a:fillRef>
+              <a:effectRef idx="0">
+                <a:schemeClr val="accent1"/>
+              </a:effectRef>
+              <a:fontRef idx="minor">
+                <a:schemeClr val="lt1"/>
+              </a:fontRef>
+            </p:style>
+            <p:txBody>
+              <a:bodyPr rtlCol="0" anchor="ctr"/>
+              <a:lstStyle/>
+              <a:p>
+                <a:pPr algn="ctr"/>
+                <a:r>
+                  <a:rPr lang="en-US" sz="1000" dirty="0" smtClean="0">
+                    <a:latin typeface="Times New Roman" panose="02020603050405020304" pitchFamily="18" charset="0"/>
+                    <a:cs typeface="Times New Roman" panose="02020603050405020304" pitchFamily="18" charset="0"/>
+                  </a:rPr>
+                  <a:t>0</a:t>
+                </a:r>
+                <a:endParaRPr lang="en-US" sz="1000" dirty="0">
+                  <a:latin typeface="Times New Roman" panose="02020603050405020304" pitchFamily="18" charset="0"/>
+                  <a:cs typeface="Times New Roman" panose="02020603050405020304" pitchFamily="18" charset="0"/>
+                </a:endParaRPr>
+              </a:p>
+            </p:txBody>
+          </p:sp>
+        </p:grpSp>
+        <p:grpSp>
+          <p:nvGrpSpPr>
+            <p:cNvPr id="90" name="Group 89"/>
+            <p:cNvGrpSpPr/>
+            <p:nvPr/>
+          </p:nvGrpSpPr>
+          <p:grpSpPr>
+            <a:xfrm>
+              <a:off x="673477" y="1850707"/>
+              <a:ext cx="1050509" cy="996315"/>
+              <a:chOff x="662940" y="2110740"/>
+              <a:chExt cx="813955" cy="762000"/>
+            </a:xfrm>
+          </p:grpSpPr>
+          <p:sp>
+            <p:nvSpPr>
+              <p:cNvPr id="74" name="Rectangle 73"/>
+              <p:cNvSpPr/>
+              <p:nvPr/>
+            </p:nvSpPr>
+            <p:spPr>
+              <a:xfrm>
+                <a:off x="662940" y="2110740"/>
+                <a:ext cx="203489" cy="190500"/>
+              </a:xfrm>
+              <a:prstGeom prst="rect">
+                <a:avLst/>
+              </a:prstGeom>
+            </p:spPr>
+            <p:style>
+              <a:lnRef idx="1">
+                <a:schemeClr val="accent2"/>
+              </a:lnRef>
+              <a:fillRef idx="2">
+                <a:schemeClr val="accent2"/>
+              </a:fillRef>
+              <a:effectRef idx="1">
+                <a:schemeClr val="accent2"/>
+              </a:effectRef>
+              <a:fontRef idx="minor">
+                <a:schemeClr val="dk1"/>
+              </a:fontRef>
+            </p:style>
+            <p:txBody>
+              <a:bodyPr lIns="45720" rIns="45720" rtlCol="0" anchor="ctr"/>
+              <a:lstStyle/>
+              <a:p>
+                <a:pPr algn="ctr"/>
+                <a:r>
+                  <a:rPr lang="en-US" sz="1000" dirty="0" smtClean="0">
+                    <a:latin typeface="Times New Roman" panose="02020603050405020304" pitchFamily="18" charset="0"/>
+                    <a:cs typeface="Times New Roman" panose="02020603050405020304" pitchFamily="18" charset="0"/>
+                  </a:rPr>
+                  <a:t>0</a:t>
+                </a:r>
+                <a:endParaRPr lang="en-US" sz="1000" dirty="0">
+                  <a:latin typeface="Times New Roman" panose="02020603050405020304" pitchFamily="18" charset="0"/>
+                  <a:cs typeface="Times New Roman" panose="02020603050405020304" pitchFamily="18" charset="0"/>
+                </a:endParaRPr>
+              </a:p>
+            </p:txBody>
+          </p:sp>
+          <p:sp>
+            <p:nvSpPr>
+              <p:cNvPr id="75" name="Rectangle 74"/>
+              <p:cNvSpPr/>
+              <p:nvPr/>
+            </p:nvSpPr>
+            <p:spPr>
+              <a:xfrm>
+                <a:off x="866429" y="2110740"/>
+                <a:ext cx="203489" cy="190500"/>
+              </a:xfrm>
+              <a:prstGeom prst="rect">
+                <a:avLst/>
+              </a:prstGeom>
+            </p:spPr>
+            <p:style>
+              <a:lnRef idx="1">
+                <a:schemeClr val="accent2"/>
+              </a:lnRef>
+              <a:fillRef idx="2">
+                <a:schemeClr val="accent2"/>
+              </a:fillRef>
+              <a:effectRef idx="1">
+                <a:schemeClr val="accent2"/>
+              </a:effectRef>
+              <a:fontRef idx="minor">
+                <a:schemeClr val="dk1"/>
+              </a:fontRef>
+            </p:style>
+            <p:txBody>
+              <a:bodyPr lIns="45720" rIns="45720" rtlCol="0" anchor="ctr"/>
+              <a:lstStyle/>
+              <a:p>
+                <a:pPr algn="ctr"/>
+                <a:r>
+                  <a:rPr lang="en-US" sz="1000" dirty="0" smtClean="0">
+                    <a:latin typeface="Times New Roman" panose="02020603050405020304" pitchFamily="18" charset="0"/>
+                    <a:cs typeface="Times New Roman" panose="02020603050405020304" pitchFamily="18" charset="0"/>
+                  </a:rPr>
+                  <a:t>1</a:t>
+                </a:r>
+                <a:endParaRPr lang="en-US" sz="1000" dirty="0">
+                  <a:latin typeface="Times New Roman" panose="02020603050405020304" pitchFamily="18" charset="0"/>
+                  <a:cs typeface="Times New Roman" panose="02020603050405020304" pitchFamily="18" charset="0"/>
+                </a:endParaRPr>
+              </a:p>
+            </p:txBody>
+          </p:sp>
+          <p:sp>
+            <p:nvSpPr>
+              <p:cNvPr id="76" name="Rectangle 75"/>
+              <p:cNvSpPr/>
+              <p:nvPr/>
+            </p:nvSpPr>
+            <p:spPr>
+              <a:xfrm>
+                <a:off x="1069918" y="2110740"/>
+                <a:ext cx="203489" cy="190500"/>
+              </a:xfrm>
+              <a:prstGeom prst="rect">
+                <a:avLst/>
+              </a:prstGeom>
+            </p:spPr>
+            <p:style>
+              <a:lnRef idx="1">
+                <a:schemeClr val="accent2"/>
+              </a:lnRef>
+              <a:fillRef idx="2">
+                <a:schemeClr val="accent2"/>
+              </a:fillRef>
+              <a:effectRef idx="1">
+                <a:schemeClr val="accent2"/>
+              </a:effectRef>
+              <a:fontRef idx="minor">
+                <a:schemeClr val="dk1"/>
+              </a:fontRef>
+            </p:style>
+            <p:txBody>
+              <a:bodyPr lIns="45720" rIns="45720" rtlCol="0" anchor="ctr"/>
+              <a:lstStyle/>
+              <a:p>
+                <a:pPr algn="ctr"/>
+                <a:r>
+                  <a:rPr lang="en-US" sz="1000" dirty="0" smtClean="0">
+                    <a:latin typeface="Times New Roman" panose="02020603050405020304" pitchFamily="18" charset="0"/>
+                    <a:cs typeface="Times New Roman" panose="02020603050405020304" pitchFamily="18" charset="0"/>
+                  </a:rPr>
+                  <a:t>2</a:t>
+                </a:r>
+                <a:endParaRPr lang="en-US" sz="1000" dirty="0">
+                  <a:latin typeface="Times New Roman" panose="02020603050405020304" pitchFamily="18" charset="0"/>
+                  <a:cs typeface="Times New Roman" panose="02020603050405020304" pitchFamily="18" charset="0"/>
+                </a:endParaRPr>
+              </a:p>
+            </p:txBody>
+          </p:sp>
+          <p:sp>
+            <p:nvSpPr>
+              <p:cNvPr id="77" name="Rectangle 76"/>
+              <p:cNvSpPr/>
+              <p:nvPr/>
+            </p:nvSpPr>
+            <p:spPr>
+              <a:xfrm>
+                <a:off x="1273406" y="2110740"/>
+                <a:ext cx="203489" cy="190500"/>
+              </a:xfrm>
+              <a:prstGeom prst="rect">
+                <a:avLst/>
+              </a:prstGeom>
+            </p:spPr>
+            <p:style>
+              <a:lnRef idx="1">
+                <a:schemeClr val="accent2"/>
+              </a:lnRef>
+              <a:fillRef idx="2">
+                <a:schemeClr val="accent2"/>
+              </a:fillRef>
+              <a:effectRef idx="1">
+                <a:schemeClr val="accent2"/>
+              </a:effectRef>
+              <a:fontRef idx="minor">
+                <a:schemeClr val="dk1"/>
+              </a:fontRef>
+            </p:style>
+            <p:txBody>
+              <a:bodyPr lIns="45720" rIns="45720" rtlCol="0" anchor="ctr"/>
+              <a:lstStyle/>
+              <a:p>
+                <a:pPr algn="ctr"/>
+                <a:r>
+                  <a:rPr lang="en-US" sz="1000" dirty="0" smtClean="0">
+                    <a:latin typeface="Times New Roman" panose="02020603050405020304" pitchFamily="18" charset="0"/>
+                    <a:cs typeface="Times New Roman" panose="02020603050405020304" pitchFamily="18" charset="0"/>
+                  </a:rPr>
+                  <a:t>3</a:t>
+                </a:r>
+                <a:endParaRPr lang="en-US" sz="1000" dirty="0">
+                  <a:latin typeface="Times New Roman" panose="02020603050405020304" pitchFamily="18" charset="0"/>
+                  <a:cs typeface="Times New Roman" panose="02020603050405020304" pitchFamily="18" charset="0"/>
+                </a:endParaRPr>
+              </a:p>
+            </p:txBody>
+          </p:sp>
+          <p:sp>
+            <p:nvSpPr>
+              <p:cNvPr id="78" name="Rectangle 77"/>
+              <p:cNvSpPr/>
+              <p:nvPr/>
+            </p:nvSpPr>
+            <p:spPr>
+              <a:xfrm>
+                <a:off x="662940" y="2301240"/>
+                <a:ext cx="203489" cy="190500"/>
+              </a:xfrm>
+              <a:prstGeom prst="rect">
+                <a:avLst/>
+              </a:prstGeom>
+            </p:spPr>
+            <p:style>
+              <a:lnRef idx="1">
+                <a:schemeClr val="accent2"/>
+              </a:lnRef>
+              <a:fillRef idx="2">
+                <a:schemeClr val="accent2"/>
+              </a:fillRef>
+              <a:effectRef idx="1">
+                <a:schemeClr val="accent2"/>
+              </a:effectRef>
+              <a:fontRef idx="minor">
+                <a:schemeClr val="dk1"/>
+              </a:fontRef>
+            </p:style>
+            <p:txBody>
+              <a:bodyPr lIns="45720" rIns="45720" rtlCol="0" anchor="ctr"/>
+              <a:lstStyle/>
+              <a:p>
+                <a:pPr algn="ctr"/>
+                <a:r>
+                  <a:rPr lang="en-US" sz="1000" dirty="0" smtClean="0">
+                    <a:latin typeface="Times New Roman" panose="02020603050405020304" pitchFamily="18" charset="0"/>
+                    <a:cs typeface="Times New Roman" panose="02020603050405020304" pitchFamily="18" charset="0"/>
+                  </a:rPr>
+                  <a:t>4</a:t>
+                </a:r>
+                <a:endParaRPr lang="en-US" sz="1000" dirty="0">
+                  <a:latin typeface="Times New Roman" panose="02020603050405020304" pitchFamily="18" charset="0"/>
+                  <a:cs typeface="Times New Roman" panose="02020603050405020304" pitchFamily="18" charset="0"/>
+                </a:endParaRPr>
+              </a:p>
+            </p:txBody>
+          </p:sp>
+          <p:sp>
+            <p:nvSpPr>
+              <p:cNvPr id="79" name="Rectangle 78"/>
+              <p:cNvSpPr/>
+              <p:nvPr/>
+            </p:nvSpPr>
+            <p:spPr>
+              <a:xfrm>
+                <a:off x="866429" y="2301240"/>
+                <a:ext cx="203489" cy="190500"/>
+              </a:xfrm>
+              <a:prstGeom prst="rect">
+                <a:avLst/>
+              </a:prstGeom>
+            </p:spPr>
+            <p:style>
+              <a:lnRef idx="1">
+                <a:schemeClr val="accent2"/>
+              </a:lnRef>
+              <a:fillRef idx="2">
+                <a:schemeClr val="accent2"/>
+              </a:fillRef>
+              <a:effectRef idx="1">
+                <a:schemeClr val="accent2"/>
+              </a:effectRef>
+              <a:fontRef idx="minor">
+                <a:schemeClr val="dk1"/>
+              </a:fontRef>
+            </p:style>
+            <p:txBody>
+              <a:bodyPr lIns="45720" rIns="45720" rtlCol="0" anchor="ctr"/>
+              <a:lstStyle/>
+              <a:p>
+                <a:pPr algn="ctr"/>
+                <a:r>
+                  <a:rPr lang="en-US" sz="1000" dirty="0" smtClean="0">
+                    <a:latin typeface="Times New Roman" panose="02020603050405020304" pitchFamily="18" charset="0"/>
+                    <a:cs typeface="Times New Roman" panose="02020603050405020304" pitchFamily="18" charset="0"/>
+                  </a:rPr>
+                  <a:t>5</a:t>
+                </a:r>
+                <a:endParaRPr lang="en-US" sz="1000" dirty="0">
+                  <a:latin typeface="Times New Roman" panose="02020603050405020304" pitchFamily="18" charset="0"/>
+                  <a:cs typeface="Times New Roman" panose="02020603050405020304" pitchFamily="18" charset="0"/>
+                </a:endParaRPr>
+              </a:p>
+            </p:txBody>
+          </p:sp>
+          <p:sp>
+            <p:nvSpPr>
+              <p:cNvPr id="80" name="Rectangle 79"/>
+              <p:cNvSpPr/>
+              <p:nvPr/>
+            </p:nvSpPr>
+            <p:spPr>
+              <a:xfrm>
+                <a:off x="1069918" y="2301240"/>
+                <a:ext cx="203489" cy="190500"/>
+              </a:xfrm>
+              <a:prstGeom prst="rect">
+                <a:avLst/>
+              </a:prstGeom>
+            </p:spPr>
+            <p:style>
+              <a:lnRef idx="1">
+                <a:schemeClr val="accent2"/>
+              </a:lnRef>
+              <a:fillRef idx="2">
+                <a:schemeClr val="accent2"/>
+              </a:fillRef>
+              <a:effectRef idx="1">
+                <a:schemeClr val="accent2"/>
+              </a:effectRef>
+              <a:fontRef idx="minor">
+                <a:schemeClr val="dk1"/>
+              </a:fontRef>
+            </p:style>
+            <p:txBody>
+              <a:bodyPr lIns="45720" rIns="45720" rtlCol="0" anchor="ctr"/>
+              <a:lstStyle/>
+              <a:p>
+                <a:pPr algn="ctr"/>
+                <a:r>
+                  <a:rPr lang="en-US" sz="1000" dirty="0" smtClean="0">
+                    <a:latin typeface="Times New Roman" panose="02020603050405020304" pitchFamily="18" charset="0"/>
+                    <a:cs typeface="Times New Roman" panose="02020603050405020304" pitchFamily="18" charset="0"/>
+                  </a:rPr>
+                  <a:t>6</a:t>
+                </a:r>
+                <a:endParaRPr lang="en-US" sz="1000" dirty="0">
+                  <a:latin typeface="Times New Roman" panose="02020603050405020304" pitchFamily="18" charset="0"/>
+                  <a:cs typeface="Times New Roman" panose="02020603050405020304" pitchFamily="18" charset="0"/>
+                </a:endParaRPr>
+              </a:p>
+            </p:txBody>
+          </p:sp>
+          <p:sp>
+            <p:nvSpPr>
+              <p:cNvPr id="81" name="Rectangle 80"/>
+              <p:cNvSpPr/>
+              <p:nvPr/>
+            </p:nvSpPr>
+            <p:spPr>
+              <a:xfrm>
+                <a:off x="1273406" y="2301240"/>
+                <a:ext cx="203489" cy="190500"/>
+              </a:xfrm>
+              <a:prstGeom prst="rect">
+                <a:avLst/>
+              </a:prstGeom>
+            </p:spPr>
+            <p:style>
+              <a:lnRef idx="1">
+                <a:schemeClr val="accent2"/>
+              </a:lnRef>
+              <a:fillRef idx="2">
+                <a:schemeClr val="accent2"/>
+              </a:fillRef>
+              <a:effectRef idx="1">
+                <a:schemeClr val="accent2"/>
+              </a:effectRef>
+              <a:fontRef idx="minor">
+                <a:schemeClr val="dk1"/>
+              </a:fontRef>
+            </p:style>
+            <p:txBody>
+              <a:bodyPr lIns="45720" rIns="45720" rtlCol="0" anchor="ctr"/>
+              <a:lstStyle/>
+              <a:p>
+                <a:pPr algn="ctr"/>
+                <a:r>
+                  <a:rPr lang="en-US" sz="1000" dirty="0" smtClean="0">
+                    <a:latin typeface="Times New Roman" panose="02020603050405020304" pitchFamily="18" charset="0"/>
+                    <a:cs typeface="Times New Roman" panose="02020603050405020304" pitchFamily="18" charset="0"/>
+                  </a:rPr>
+                  <a:t>7</a:t>
+                </a:r>
+                <a:endParaRPr lang="en-US" sz="1000" dirty="0">
+                  <a:latin typeface="Times New Roman" panose="02020603050405020304" pitchFamily="18" charset="0"/>
+                  <a:cs typeface="Times New Roman" panose="02020603050405020304" pitchFamily="18" charset="0"/>
+                </a:endParaRPr>
+              </a:p>
+            </p:txBody>
+          </p:sp>
+          <p:sp>
+            <p:nvSpPr>
+              <p:cNvPr id="82" name="Rectangle 81"/>
+              <p:cNvSpPr/>
+              <p:nvPr/>
+            </p:nvSpPr>
+            <p:spPr>
+              <a:xfrm>
+                <a:off x="662940" y="2491740"/>
+                <a:ext cx="203489" cy="190500"/>
+              </a:xfrm>
+              <a:prstGeom prst="rect">
+                <a:avLst/>
+              </a:prstGeom>
+            </p:spPr>
+            <p:style>
+              <a:lnRef idx="1">
+                <a:schemeClr val="accent2"/>
+              </a:lnRef>
+              <a:fillRef idx="2">
+                <a:schemeClr val="accent2"/>
+              </a:fillRef>
+              <a:effectRef idx="1">
+                <a:schemeClr val="accent2"/>
+              </a:effectRef>
+              <a:fontRef idx="minor">
+                <a:schemeClr val="dk1"/>
+              </a:fontRef>
+            </p:style>
+            <p:txBody>
+              <a:bodyPr lIns="45720" rIns="45720" rtlCol="0" anchor="ctr"/>
+              <a:lstStyle/>
+              <a:p>
+                <a:pPr algn="ctr"/>
+                <a:r>
+                  <a:rPr lang="en-US" sz="1000" dirty="0" smtClean="0">
+                    <a:latin typeface="Times New Roman" panose="02020603050405020304" pitchFamily="18" charset="0"/>
+                    <a:cs typeface="Times New Roman" panose="02020603050405020304" pitchFamily="18" charset="0"/>
+                  </a:rPr>
+                  <a:t>8</a:t>
+                </a:r>
+                <a:endParaRPr lang="en-US" sz="1000" dirty="0">
+                  <a:latin typeface="Times New Roman" panose="02020603050405020304" pitchFamily="18" charset="0"/>
+                  <a:cs typeface="Times New Roman" panose="02020603050405020304" pitchFamily="18" charset="0"/>
+                </a:endParaRPr>
+              </a:p>
+            </p:txBody>
+          </p:sp>
+          <p:sp>
+            <p:nvSpPr>
+              <p:cNvPr id="83" name="Rectangle 82"/>
+              <p:cNvSpPr/>
+              <p:nvPr/>
+            </p:nvSpPr>
+            <p:spPr>
+              <a:xfrm>
+                <a:off x="866429" y="2491740"/>
+                <a:ext cx="203489" cy="190500"/>
+              </a:xfrm>
+              <a:prstGeom prst="rect">
+                <a:avLst/>
+              </a:prstGeom>
+            </p:spPr>
+            <p:style>
+              <a:lnRef idx="1">
+                <a:schemeClr val="accent2"/>
+              </a:lnRef>
+              <a:fillRef idx="2">
+                <a:schemeClr val="accent2"/>
+              </a:fillRef>
+              <a:effectRef idx="1">
+                <a:schemeClr val="accent2"/>
+              </a:effectRef>
+              <a:fontRef idx="minor">
+                <a:schemeClr val="dk1"/>
+              </a:fontRef>
+            </p:style>
+            <p:txBody>
+              <a:bodyPr lIns="45720" rIns="45720" rtlCol="0" anchor="ctr"/>
+              <a:lstStyle/>
+              <a:p>
+                <a:pPr algn="ctr"/>
+                <a:r>
+                  <a:rPr lang="en-US" sz="1000" dirty="0" smtClean="0">
+                    <a:latin typeface="Times New Roman" panose="02020603050405020304" pitchFamily="18" charset="0"/>
+                    <a:cs typeface="Times New Roman" panose="02020603050405020304" pitchFamily="18" charset="0"/>
+                  </a:rPr>
+                  <a:t>9</a:t>
+                </a:r>
+                <a:endParaRPr lang="en-US" sz="1000" dirty="0">
+                  <a:latin typeface="Times New Roman" panose="02020603050405020304" pitchFamily="18" charset="0"/>
+                  <a:cs typeface="Times New Roman" panose="02020603050405020304" pitchFamily="18" charset="0"/>
+                </a:endParaRPr>
+              </a:p>
+            </p:txBody>
+          </p:sp>
+          <p:sp>
+            <p:nvSpPr>
+              <p:cNvPr id="84" name="Rectangle 83"/>
+              <p:cNvSpPr/>
+              <p:nvPr/>
+            </p:nvSpPr>
+            <p:spPr>
+              <a:xfrm>
+                <a:off x="1069918" y="2491740"/>
+                <a:ext cx="203489" cy="190500"/>
+              </a:xfrm>
+              <a:prstGeom prst="rect">
+                <a:avLst/>
+              </a:prstGeom>
+            </p:spPr>
+            <p:style>
+              <a:lnRef idx="1">
+                <a:schemeClr val="accent2"/>
+              </a:lnRef>
+              <a:fillRef idx="2">
+                <a:schemeClr val="accent2"/>
+              </a:fillRef>
+              <a:effectRef idx="1">
+                <a:schemeClr val="accent2"/>
+              </a:effectRef>
+              <a:fontRef idx="minor">
+                <a:schemeClr val="dk1"/>
+              </a:fontRef>
+            </p:style>
+            <p:txBody>
+              <a:bodyPr lIns="45720" rIns="45720" rtlCol="0" anchor="ctr"/>
+              <a:lstStyle/>
+              <a:p>
+                <a:pPr algn="ctr"/>
+                <a:r>
+                  <a:rPr lang="en-US" sz="1000" dirty="0" smtClean="0">
+                    <a:latin typeface="Times New Roman" panose="02020603050405020304" pitchFamily="18" charset="0"/>
+                    <a:cs typeface="Times New Roman" panose="02020603050405020304" pitchFamily="18" charset="0"/>
+                  </a:rPr>
+                  <a:t>10</a:t>
+                </a:r>
+                <a:endParaRPr lang="en-US" sz="1000" dirty="0">
+                  <a:latin typeface="Times New Roman" panose="02020603050405020304" pitchFamily="18" charset="0"/>
+                  <a:cs typeface="Times New Roman" panose="02020603050405020304" pitchFamily="18" charset="0"/>
+                </a:endParaRPr>
+              </a:p>
+            </p:txBody>
+          </p:sp>
+          <p:sp>
+            <p:nvSpPr>
+              <p:cNvPr id="85" name="Rectangle 84"/>
+              <p:cNvSpPr/>
+              <p:nvPr/>
+            </p:nvSpPr>
+            <p:spPr>
+              <a:xfrm>
+                <a:off x="1273406" y="2491740"/>
+                <a:ext cx="203489" cy="190500"/>
+              </a:xfrm>
+              <a:prstGeom prst="rect">
+                <a:avLst/>
+              </a:prstGeom>
+            </p:spPr>
+            <p:style>
+              <a:lnRef idx="1">
+                <a:schemeClr val="accent2"/>
+              </a:lnRef>
+              <a:fillRef idx="2">
+                <a:schemeClr val="accent2"/>
+              </a:fillRef>
+              <a:effectRef idx="1">
+                <a:schemeClr val="accent2"/>
+              </a:effectRef>
+              <a:fontRef idx="minor">
+                <a:schemeClr val="dk1"/>
+              </a:fontRef>
+            </p:style>
+            <p:txBody>
+              <a:bodyPr lIns="45720" rIns="45720" rtlCol="0" anchor="ctr"/>
+              <a:lstStyle/>
+              <a:p>
+                <a:pPr algn="ctr"/>
+                <a:r>
+                  <a:rPr lang="en-US" sz="1000" dirty="0" smtClean="0">
+                    <a:latin typeface="Times New Roman" panose="02020603050405020304" pitchFamily="18" charset="0"/>
+                    <a:cs typeface="Times New Roman" panose="02020603050405020304" pitchFamily="18" charset="0"/>
+                  </a:rPr>
+                  <a:t>11</a:t>
+                </a:r>
+                <a:endParaRPr lang="en-US" sz="1000" dirty="0">
+                  <a:latin typeface="Times New Roman" panose="02020603050405020304" pitchFamily="18" charset="0"/>
+                  <a:cs typeface="Times New Roman" panose="02020603050405020304" pitchFamily="18" charset="0"/>
+                </a:endParaRPr>
+              </a:p>
+            </p:txBody>
+          </p:sp>
+          <p:sp>
+            <p:nvSpPr>
+              <p:cNvPr id="86" name="Rectangle 85"/>
+              <p:cNvSpPr/>
+              <p:nvPr/>
+            </p:nvSpPr>
+            <p:spPr>
+              <a:xfrm>
+                <a:off x="662940" y="2682240"/>
+                <a:ext cx="203489" cy="190500"/>
+              </a:xfrm>
+              <a:prstGeom prst="rect">
+                <a:avLst/>
+              </a:prstGeom>
+            </p:spPr>
+            <p:style>
+              <a:lnRef idx="1">
+                <a:schemeClr val="accent2"/>
+              </a:lnRef>
+              <a:fillRef idx="2">
+                <a:schemeClr val="accent2"/>
+              </a:fillRef>
+              <a:effectRef idx="1">
+                <a:schemeClr val="accent2"/>
+              </a:effectRef>
+              <a:fontRef idx="minor">
+                <a:schemeClr val="dk1"/>
+              </a:fontRef>
+            </p:style>
+            <p:txBody>
+              <a:bodyPr lIns="45720" rIns="45720" rtlCol="0" anchor="ctr"/>
+              <a:lstStyle/>
+              <a:p>
+                <a:pPr algn="ctr"/>
+                <a:r>
+                  <a:rPr lang="en-US" sz="1000" dirty="0" smtClean="0">
+                    <a:latin typeface="Times New Roman" panose="02020603050405020304" pitchFamily="18" charset="0"/>
+                    <a:cs typeface="Times New Roman" panose="02020603050405020304" pitchFamily="18" charset="0"/>
+                  </a:rPr>
+                  <a:t>12</a:t>
+                </a:r>
+                <a:endParaRPr lang="en-US" sz="1000" dirty="0">
+                  <a:latin typeface="Times New Roman" panose="02020603050405020304" pitchFamily="18" charset="0"/>
+                  <a:cs typeface="Times New Roman" panose="02020603050405020304" pitchFamily="18" charset="0"/>
+                </a:endParaRPr>
+              </a:p>
+            </p:txBody>
+          </p:sp>
+          <p:sp>
+            <p:nvSpPr>
+              <p:cNvPr id="87" name="Rectangle 86"/>
+              <p:cNvSpPr/>
+              <p:nvPr/>
+            </p:nvSpPr>
+            <p:spPr>
+              <a:xfrm>
+                <a:off x="866429" y="2682240"/>
+                <a:ext cx="203489" cy="190500"/>
+              </a:xfrm>
+              <a:prstGeom prst="rect">
+                <a:avLst/>
+              </a:prstGeom>
+            </p:spPr>
+            <p:style>
+              <a:lnRef idx="1">
+                <a:schemeClr val="accent2"/>
+              </a:lnRef>
+              <a:fillRef idx="2">
+                <a:schemeClr val="accent2"/>
+              </a:fillRef>
+              <a:effectRef idx="1">
+                <a:schemeClr val="accent2"/>
+              </a:effectRef>
+              <a:fontRef idx="minor">
+                <a:schemeClr val="dk1"/>
+              </a:fontRef>
+            </p:style>
+            <p:txBody>
+              <a:bodyPr lIns="45720" rIns="45720" rtlCol="0" anchor="ctr"/>
+              <a:lstStyle/>
+              <a:p>
+                <a:pPr algn="ctr"/>
+                <a:r>
+                  <a:rPr lang="en-US" sz="1000" dirty="0" smtClean="0">
+                    <a:latin typeface="Times New Roman" panose="02020603050405020304" pitchFamily="18" charset="0"/>
+                    <a:cs typeface="Times New Roman" panose="02020603050405020304" pitchFamily="18" charset="0"/>
+                  </a:rPr>
+                  <a:t>13</a:t>
+                </a:r>
+                <a:endParaRPr lang="en-US" sz="1000" dirty="0">
+                  <a:latin typeface="Times New Roman" panose="02020603050405020304" pitchFamily="18" charset="0"/>
+                  <a:cs typeface="Times New Roman" panose="02020603050405020304" pitchFamily="18" charset="0"/>
+                </a:endParaRPr>
+              </a:p>
+            </p:txBody>
+          </p:sp>
+          <p:sp>
+            <p:nvSpPr>
+              <p:cNvPr id="88" name="Rectangle 87"/>
+              <p:cNvSpPr/>
+              <p:nvPr/>
+            </p:nvSpPr>
+            <p:spPr>
+              <a:xfrm>
+                <a:off x="1069918" y="2682240"/>
+                <a:ext cx="203489" cy="190500"/>
+              </a:xfrm>
+              <a:prstGeom prst="rect">
+                <a:avLst/>
+              </a:prstGeom>
+            </p:spPr>
+            <p:style>
+              <a:lnRef idx="1">
+                <a:schemeClr val="accent2"/>
+              </a:lnRef>
+              <a:fillRef idx="2">
+                <a:schemeClr val="accent2"/>
+              </a:fillRef>
+              <a:effectRef idx="1">
+                <a:schemeClr val="accent2"/>
+              </a:effectRef>
+              <a:fontRef idx="minor">
+                <a:schemeClr val="dk1"/>
+              </a:fontRef>
+            </p:style>
+            <p:txBody>
+              <a:bodyPr lIns="45720" rIns="45720" rtlCol="0" anchor="ctr"/>
+              <a:lstStyle/>
+              <a:p>
+                <a:pPr algn="ctr"/>
+                <a:r>
+                  <a:rPr lang="en-US" sz="1000" dirty="0" smtClean="0">
+                    <a:latin typeface="Times New Roman" panose="02020603050405020304" pitchFamily="18" charset="0"/>
+                    <a:cs typeface="Times New Roman" panose="02020603050405020304" pitchFamily="18" charset="0"/>
+                  </a:rPr>
+                  <a:t>14</a:t>
+                </a:r>
+                <a:endParaRPr lang="en-US" sz="1000" dirty="0">
+                  <a:latin typeface="Times New Roman" panose="02020603050405020304" pitchFamily="18" charset="0"/>
+                  <a:cs typeface="Times New Roman" panose="02020603050405020304" pitchFamily="18" charset="0"/>
+                </a:endParaRPr>
+              </a:p>
+            </p:txBody>
+          </p:sp>
+          <p:sp>
+            <p:nvSpPr>
+              <p:cNvPr id="89" name="Rectangle 88"/>
+              <p:cNvSpPr/>
+              <p:nvPr/>
+            </p:nvSpPr>
+            <p:spPr>
+              <a:xfrm>
+                <a:off x="1273406" y="2682240"/>
+                <a:ext cx="203489" cy="190500"/>
+              </a:xfrm>
+              <a:prstGeom prst="rect">
+                <a:avLst/>
+              </a:prstGeom>
+            </p:spPr>
+            <p:style>
+              <a:lnRef idx="1">
+                <a:schemeClr val="accent2"/>
+              </a:lnRef>
+              <a:fillRef idx="2">
+                <a:schemeClr val="accent2"/>
+              </a:fillRef>
+              <a:effectRef idx="1">
+                <a:schemeClr val="accent2"/>
+              </a:effectRef>
+              <a:fontRef idx="minor">
+                <a:schemeClr val="dk1"/>
+              </a:fontRef>
+            </p:style>
+            <p:txBody>
+              <a:bodyPr lIns="45720" rIns="45720" rtlCol="0" anchor="ctr"/>
+              <a:lstStyle/>
+              <a:p>
+                <a:pPr algn="ctr"/>
+                <a:r>
+                  <a:rPr lang="en-US" sz="1000" dirty="0" smtClean="0">
+                    <a:latin typeface="Times New Roman" panose="02020603050405020304" pitchFamily="18" charset="0"/>
+                    <a:cs typeface="Times New Roman" panose="02020603050405020304" pitchFamily="18" charset="0"/>
+                  </a:rPr>
+                  <a:t>15</a:t>
+                </a:r>
+                <a:endParaRPr lang="en-US" sz="1000" dirty="0">
+                  <a:latin typeface="Times New Roman" panose="02020603050405020304" pitchFamily="18" charset="0"/>
+                  <a:cs typeface="Times New Roman" panose="02020603050405020304" pitchFamily="18" charset="0"/>
+                </a:endParaRPr>
+              </a:p>
+            </p:txBody>
+          </p:sp>
+        </p:grpSp>
+        <p:grpSp>
+          <p:nvGrpSpPr>
+            <p:cNvPr id="91" name="Group 90"/>
+            <p:cNvGrpSpPr/>
+            <p:nvPr/>
+          </p:nvGrpSpPr>
+          <p:grpSpPr>
+            <a:xfrm>
+              <a:off x="1855047" y="1850707"/>
+              <a:ext cx="1050509" cy="996315"/>
+              <a:chOff x="662940" y="2110740"/>
+              <a:chExt cx="813955" cy="762000"/>
+            </a:xfrm>
+          </p:grpSpPr>
+          <p:sp>
+            <p:nvSpPr>
+              <p:cNvPr id="92" name="Rectangle 91"/>
+              <p:cNvSpPr/>
+              <p:nvPr/>
+            </p:nvSpPr>
+            <p:spPr>
+              <a:xfrm>
+                <a:off x="662940" y="2110740"/>
+                <a:ext cx="203489" cy="190500"/>
+              </a:xfrm>
+              <a:prstGeom prst="rect">
+                <a:avLst/>
+              </a:prstGeom>
+            </p:spPr>
+            <p:style>
+              <a:lnRef idx="1">
+                <a:schemeClr val="accent2"/>
+              </a:lnRef>
+              <a:fillRef idx="2">
+                <a:schemeClr val="accent2"/>
+              </a:fillRef>
+              <a:effectRef idx="1">
+                <a:schemeClr val="accent2"/>
+              </a:effectRef>
+              <a:fontRef idx="minor">
+                <a:schemeClr val="dk1"/>
+              </a:fontRef>
+            </p:style>
+            <p:txBody>
+              <a:bodyPr lIns="45720" rIns="45720" rtlCol="0" anchor="ctr"/>
+              <a:lstStyle/>
+              <a:p>
+                <a:pPr algn="ctr"/>
+                <a:r>
+                  <a:rPr lang="en-US" sz="1000" dirty="0" smtClean="0">
+                    <a:latin typeface="Times New Roman" panose="02020603050405020304" pitchFamily="18" charset="0"/>
+                    <a:cs typeface="Times New Roman" panose="02020603050405020304" pitchFamily="18" charset="0"/>
+                  </a:rPr>
+                  <a:t>16</a:t>
+                </a:r>
+                <a:endParaRPr lang="en-US" sz="1000" dirty="0">
+                  <a:latin typeface="Times New Roman" panose="02020603050405020304" pitchFamily="18" charset="0"/>
+                  <a:cs typeface="Times New Roman" panose="02020603050405020304" pitchFamily="18" charset="0"/>
+                </a:endParaRPr>
+              </a:p>
+            </p:txBody>
+          </p:sp>
+          <p:sp>
+            <p:nvSpPr>
+              <p:cNvPr id="93" name="Rectangle 92"/>
+              <p:cNvSpPr/>
+              <p:nvPr/>
+            </p:nvSpPr>
+            <p:spPr>
+              <a:xfrm>
+                <a:off x="866429" y="2110740"/>
+                <a:ext cx="203489" cy="190500"/>
+              </a:xfrm>
+              <a:prstGeom prst="rect">
+                <a:avLst/>
+              </a:prstGeom>
+            </p:spPr>
+            <p:style>
+              <a:lnRef idx="1">
+                <a:schemeClr val="accent2"/>
+              </a:lnRef>
+              <a:fillRef idx="2">
+                <a:schemeClr val="accent2"/>
+              </a:fillRef>
+              <a:effectRef idx="1">
+                <a:schemeClr val="accent2"/>
+              </a:effectRef>
+              <a:fontRef idx="minor">
+                <a:schemeClr val="dk1"/>
+              </a:fontRef>
+            </p:style>
+            <p:txBody>
+              <a:bodyPr lIns="45720" rIns="45720" rtlCol="0" anchor="ctr"/>
+              <a:lstStyle/>
+              <a:p>
+                <a:pPr algn="ctr"/>
+                <a:r>
+                  <a:rPr lang="en-US" sz="1000" dirty="0" smtClean="0">
+                    <a:latin typeface="Times New Roman" panose="02020603050405020304" pitchFamily="18" charset="0"/>
+                    <a:cs typeface="Times New Roman" panose="02020603050405020304" pitchFamily="18" charset="0"/>
+                  </a:rPr>
+                  <a:t>17</a:t>
+                </a:r>
+                <a:endParaRPr lang="en-US" sz="1000" dirty="0">
+                  <a:latin typeface="Times New Roman" panose="02020603050405020304" pitchFamily="18" charset="0"/>
+                  <a:cs typeface="Times New Roman" panose="02020603050405020304" pitchFamily="18" charset="0"/>
+                </a:endParaRPr>
+              </a:p>
+            </p:txBody>
+          </p:sp>
+          <p:sp>
+            <p:nvSpPr>
+              <p:cNvPr id="94" name="Rectangle 93"/>
+              <p:cNvSpPr/>
+              <p:nvPr/>
+            </p:nvSpPr>
+            <p:spPr>
+              <a:xfrm>
+                <a:off x="1069918" y="2110740"/>
+                <a:ext cx="203489" cy="190500"/>
+              </a:xfrm>
+              <a:prstGeom prst="rect">
+                <a:avLst/>
+              </a:prstGeom>
+            </p:spPr>
+            <p:style>
+              <a:lnRef idx="1">
+                <a:schemeClr val="accent2"/>
+              </a:lnRef>
+              <a:fillRef idx="2">
+                <a:schemeClr val="accent2"/>
+              </a:fillRef>
+              <a:effectRef idx="1">
+                <a:schemeClr val="accent2"/>
+              </a:effectRef>
+              <a:fontRef idx="minor">
+                <a:schemeClr val="dk1"/>
+              </a:fontRef>
+            </p:style>
+            <p:txBody>
+              <a:bodyPr lIns="45720" rIns="45720" rtlCol="0" anchor="ctr"/>
+              <a:lstStyle/>
+              <a:p>
+                <a:pPr algn="ctr"/>
+                <a:r>
+                  <a:rPr lang="en-US" sz="1000" dirty="0" smtClean="0">
+                    <a:latin typeface="Times New Roman" panose="02020603050405020304" pitchFamily="18" charset="0"/>
+                    <a:cs typeface="Times New Roman" panose="02020603050405020304" pitchFamily="18" charset="0"/>
+                  </a:rPr>
+                  <a:t>18</a:t>
+                </a:r>
+                <a:endParaRPr lang="en-US" sz="1000" dirty="0">
+                  <a:latin typeface="Times New Roman" panose="02020603050405020304" pitchFamily="18" charset="0"/>
+                  <a:cs typeface="Times New Roman" panose="02020603050405020304" pitchFamily="18" charset="0"/>
+                </a:endParaRPr>
+              </a:p>
+            </p:txBody>
+          </p:sp>
+          <p:sp>
+            <p:nvSpPr>
+              <p:cNvPr id="95" name="Rectangle 94"/>
+              <p:cNvSpPr/>
+              <p:nvPr/>
+            </p:nvSpPr>
+            <p:spPr>
+              <a:xfrm>
+                <a:off x="1273406" y="2110740"/>
+                <a:ext cx="203489" cy="190500"/>
+              </a:xfrm>
+              <a:prstGeom prst="rect">
+                <a:avLst/>
+              </a:prstGeom>
+            </p:spPr>
+            <p:style>
+              <a:lnRef idx="1">
+                <a:schemeClr val="accent2"/>
+              </a:lnRef>
+              <a:fillRef idx="2">
+                <a:schemeClr val="accent2"/>
+              </a:fillRef>
+              <a:effectRef idx="1">
+                <a:schemeClr val="accent2"/>
+              </a:effectRef>
+              <a:fontRef idx="minor">
+                <a:schemeClr val="dk1"/>
+              </a:fontRef>
+            </p:style>
+            <p:txBody>
+              <a:bodyPr lIns="45720" rIns="45720" rtlCol="0" anchor="ctr"/>
+              <a:lstStyle/>
+              <a:p>
+                <a:pPr algn="ctr"/>
+                <a:r>
+                  <a:rPr lang="en-US" sz="1000" dirty="0" smtClean="0">
+                    <a:latin typeface="Times New Roman" panose="02020603050405020304" pitchFamily="18" charset="0"/>
+                    <a:cs typeface="Times New Roman" panose="02020603050405020304" pitchFamily="18" charset="0"/>
+                  </a:rPr>
+                  <a:t>19</a:t>
+                </a:r>
+                <a:endParaRPr lang="en-US" sz="1000" dirty="0">
+                  <a:latin typeface="Times New Roman" panose="02020603050405020304" pitchFamily="18" charset="0"/>
+                  <a:cs typeface="Times New Roman" panose="02020603050405020304" pitchFamily="18" charset="0"/>
+                </a:endParaRPr>
+              </a:p>
+            </p:txBody>
+          </p:sp>
+          <p:sp>
+            <p:nvSpPr>
+              <p:cNvPr id="96" name="Rectangle 95"/>
+              <p:cNvSpPr/>
+              <p:nvPr/>
+            </p:nvSpPr>
+            <p:spPr>
+              <a:xfrm>
+                <a:off x="662940" y="2301240"/>
+                <a:ext cx="203489" cy="190500"/>
+              </a:xfrm>
+              <a:prstGeom prst="rect">
+                <a:avLst/>
+              </a:prstGeom>
+            </p:spPr>
+            <p:style>
+              <a:lnRef idx="1">
+                <a:schemeClr val="accent2"/>
+              </a:lnRef>
+              <a:fillRef idx="2">
+                <a:schemeClr val="accent2"/>
+              </a:fillRef>
+              <a:effectRef idx="1">
+                <a:schemeClr val="accent2"/>
+              </a:effectRef>
+              <a:fontRef idx="minor">
+                <a:schemeClr val="dk1"/>
+              </a:fontRef>
+            </p:style>
+            <p:txBody>
+              <a:bodyPr lIns="45720" rIns="45720" rtlCol="0" anchor="ctr"/>
+              <a:lstStyle/>
+              <a:p>
+                <a:pPr algn="ctr"/>
+                <a:r>
+                  <a:rPr lang="en-US" sz="1000" dirty="0" smtClean="0">
+                    <a:latin typeface="Times New Roman" panose="02020603050405020304" pitchFamily="18" charset="0"/>
+                    <a:cs typeface="Times New Roman" panose="02020603050405020304" pitchFamily="18" charset="0"/>
+                  </a:rPr>
+                  <a:t>20</a:t>
+                </a:r>
+                <a:endParaRPr lang="en-US" sz="1000" dirty="0">
+                  <a:latin typeface="Times New Roman" panose="02020603050405020304" pitchFamily="18" charset="0"/>
+                  <a:cs typeface="Times New Roman" panose="02020603050405020304" pitchFamily="18" charset="0"/>
+                </a:endParaRPr>
+              </a:p>
+            </p:txBody>
+          </p:sp>
+          <p:sp>
+            <p:nvSpPr>
+              <p:cNvPr id="97" name="Rectangle 96"/>
+              <p:cNvSpPr/>
+              <p:nvPr/>
+            </p:nvSpPr>
+            <p:spPr>
+              <a:xfrm>
+                <a:off x="866429" y="2301240"/>
+                <a:ext cx="203489" cy="190500"/>
+              </a:xfrm>
+              <a:prstGeom prst="rect">
+                <a:avLst/>
+              </a:prstGeom>
+            </p:spPr>
+            <p:style>
+              <a:lnRef idx="2">
+                <a:schemeClr val="accent2">
+                  <a:shade val="50000"/>
+                </a:schemeClr>
+              </a:lnRef>
+              <a:fillRef idx="1">
+                <a:schemeClr val="accent2"/>
+              </a:fillRef>
+              <a:effectRef idx="0">
+                <a:schemeClr val="accent2"/>
+              </a:effectRef>
+              <a:fontRef idx="minor">
+                <a:schemeClr val="lt1"/>
+              </a:fontRef>
+            </p:style>
+            <p:txBody>
+              <a:bodyPr lIns="45720" rIns="45720" rtlCol="0" anchor="ctr"/>
+              <a:lstStyle/>
+              <a:p>
+                <a:pPr algn="ctr"/>
+                <a:r>
+                  <a:rPr lang="en-US" sz="1000" dirty="0">
+                    <a:solidFill>
+                      <a:schemeClr val="lt1"/>
+                    </a:solidFill>
+                    <a:latin typeface="Times New Roman" panose="02020603050405020304" pitchFamily="18" charset="0"/>
+                    <a:cs typeface="Times New Roman" panose="02020603050405020304" pitchFamily="18" charset="0"/>
+                  </a:rPr>
+                  <a:t>21</a:t>
+                </a:r>
+              </a:p>
+            </p:txBody>
+          </p:sp>
+          <p:sp>
+            <p:nvSpPr>
+              <p:cNvPr id="98" name="Rectangle 97"/>
+              <p:cNvSpPr/>
+              <p:nvPr/>
+            </p:nvSpPr>
+            <p:spPr>
+              <a:xfrm>
+                <a:off x="1069918" y="2301240"/>
+                <a:ext cx="203489" cy="190500"/>
+              </a:xfrm>
+              <a:prstGeom prst="rect">
+                <a:avLst/>
+              </a:prstGeom>
+            </p:spPr>
+            <p:style>
+              <a:lnRef idx="2">
+                <a:schemeClr val="accent2">
+                  <a:shade val="50000"/>
+                </a:schemeClr>
+              </a:lnRef>
+              <a:fillRef idx="1">
+                <a:schemeClr val="accent2"/>
+              </a:fillRef>
+              <a:effectRef idx="0">
+                <a:schemeClr val="accent2"/>
+              </a:effectRef>
+              <a:fontRef idx="minor">
+                <a:schemeClr val="lt1"/>
+              </a:fontRef>
+            </p:style>
+            <p:txBody>
+              <a:bodyPr lIns="45720" rIns="45720" rtlCol="0" anchor="ctr"/>
+              <a:lstStyle/>
+              <a:p>
+                <a:pPr algn="ctr"/>
+                <a:r>
+                  <a:rPr lang="en-US" sz="1000" dirty="0" smtClean="0">
+                    <a:latin typeface="Times New Roman" panose="02020603050405020304" pitchFamily="18" charset="0"/>
+                    <a:cs typeface="Times New Roman" panose="02020603050405020304" pitchFamily="18" charset="0"/>
+                  </a:rPr>
+                  <a:t>22</a:t>
+                </a:r>
+                <a:endParaRPr lang="en-US" sz="1000" dirty="0">
+                  <a:latin typeface="Times New Roman" panose="02020603050405020304" pitchFamily="18" charset="0"/>
+                  <a:cs typeface="Times New Roman" panose="02020603050405020304" pitchFamily="18" charset="0"/>
+                </a:endParaRPr>
+              </a:p>
+            </p:txBody>
+          </p:sp>
+          <p:sp>
+            <p:nvSpPr>
+              <p:cNvPr id="99" name="Rectangle 98"/>
+              <p:cNvSpPr/>
+              <p:nvPr/>
+            </p:nvSpPr>
+            <p:spPr>
+              <a:xfrm>
+                <a:off x="1273406" y="2301240"/>
+                <a:ext cx="203489" cy="190500"/>
+              </a:xfrm>
+              <a:prstGeom prst="rect">
+                <a:avLst/>
+              </a:prstGeom>
+            </p:spPr>
+            <p:style>
+              <a:lnRef idx="2">
+                <a:schemeClr val="accent2">
+                  <a:shade val="50000"/>
+                </a:schemeClr>
+              </a:lnRef>
+              <a:fillRef idx="1">
+                <a:schemeClr val="accent2"/>
+              </a:fillRef>
+              <a:effectRef idx="0">
+                <a:schemeClr val="accent2"/>
+              </a:effectRef>
+              <a:fontRef idx="minor">
+                <a:schemeClr val="lt1"/>
+              </a:fontRef>
+            </p:style>
+            <p:txBody>
+              <a:bodyPr lIns="45720" rIns="45720" rtlCol="0" anchor="ctr"/>
+              <a:lstStyle/>
+              <a:p>
+                <a:pPr algn="ctr"/>
+                <a:r>
+                  <a:rPr lang="en-US" sz="1000" dirty="0" smtClean="0">
+                    <a:latin typeface="Times New Roman" panose="02020603050405020304" pitchFamily="18" charset="0"/>
+                    <a:cs typeface="Times New Roman" panose="02020603050405020304" pitchFamily="18" charset="0"/>
+                  </a:rPr>
+                  <a:t>23</a:t>
+                </a:r>
+                <a:endParaRPr lang="en-US" sz="1000" dirty="0">
+                  <a:latin typeface="Times New Roman" panose="02020603050405020304" pitchFamily="18" charset="0"/>
+                  <a:cs typeface="Times New Roman" panose="02020603050405020304" pitchFamily="18" charset="0"/>
+                </a:endParaRPr>
+              </a:p>
+            </p:txBody>
+          </p:sp>
+          <p:sp>
+            <p:nvSpPr>
+              <p:cNvPr id="100" name="Rectangle 99"/>
+              <p:cNvSpPr/>
+              <p:nvPr/>
+            </p:nvSpPr>
+            <p:spPr>
+              <a:xfrm>
+                <a:off x="662940" y="2491740"/>
+                <a:ext cx="203489" cy="190500"/>
+              </a:xfrm>
+              <a:prstGeom prst="rect">
+                <a:avLst/>
+              </a:prstGeom>
+            </p:spPr>
+            <p:style>
+              <a:lnRef idx="2">
+                <a:schemeClr val="accent2">
+                  <a:shade val="50000"/>
+                </a:schemeClr>
+              </a:lnRef>
+              <a:fillRef idx="1">
+                <a:schemeClr val="accent2"/>
+              </a:fillRef>
+              <a:effectRef idx="0">
+                <a:schemeClr val="accent2"/>
+              </a:effectRef>
+              <a:fontRef idx="minor">
+                <a:schemeClr val="lt1"/>
+              </a:fontRef>
+            </p:style>
+            <p:txBody>
+              <a:bodyPr lIns="45720" rIns="45720" rtlCol="0" anchor="ctr"/>
+              <a:lstStyle/>
+              <a:p>
+                <a:pPr algn="ctr"/>
+                <a:r>
+                  <a:rPr lang="en-US" sz="1000" dirty="0" smtClean="0">
+                    <a:latin typeface="Times New Roman" panose="02020603050405020304" pitchFamily="18" charset="0"/>
+                    <a:cs typeface="Times New Roman" panose="02020603050405020304" pitchFamily="18" charset="0"/>
+                  </a:rPr>
+                  <a:t>24</a:t>
+                </a:r>
+                <a:endParaRPr lang="en-US" sz="1000" dirty="0">
+                  <a:latin typeface="Times New Roman" panose="02020603050405020304" pitchFamily="18" charset="0"/>
+                  <a:cs typeface="Times New Roman" panose="02020603050405020304" pitchFamily="18" charset="0"/>
+                </a:endParaRPr>
+              </a:p>
+            </p:txBody>
+          </p:sp>
+          <p:sp>
+            <p:nvSpPr>
+              <p:cNvPr id="101" name="Rectangle 100"/>
+              <p:cNvSpPr/>
+              <p:nvPr/>
+            </p:nvSpPr>
+            <p:spPr>
+              <a:xfrm>
+                <a:off x="866429" y="2491740"/>
+                <a:ext cx="203489" cy="190500"/>
+              </a:xfrm>
+              <a:prstGeom prst="rect">
+                <a:avLst/>
+              </a:prstGeom>
+            </p:spPr>
+            <p:style>
+              <a:lnRef idx="2">
+                <a:schemeClr val="accent2">
+                  <a:shade val="50000"/>
+                </a:schemeClr>
+              </a:lnRef>
+              <a:fillRef idx="1">
+                <a:schemeClr val="accent2"/>
+              </a:fillRef>
+              <a:effectRef idx="0">
+                <a:schemeClr val="accent2"/>
+              </a:effectRef>
+              <a:fontRef idx="minor">
+                <a:schemeClr val="lt1"/>
+              </a:fontRef>
+            </p:style>
+            <p:txBody>
+              <a:bodyPr lIns="45720" rIns="45720" rtlCol="0" anchor="ctr"/>
+              <a:lstStyle/>
+              <a:p>
+                <a:pPr algn="ctr"/>
+                <a:r>
+                  <a:rPr lang="en-US" sz="1000" dirty="0" smtClean="0">
+                    <a:latin typeface="Times New Roman" panose="02020603050405020304" pitchFamily="18" charset="0"/>
+                    <a:cs typeface="Times New Roman" panose="02020603050405020304" pitchFamily="18" charset="0"/>
+                  </a:rPr>
+                  <a:t>25</a:t>
+                </a:r>
+                <a:endParaRPr lang="en-US" sz="1000" dirty="0">
+                  <a:latin typeface="Times New Roman" panose="02020603050405020304" pitchFamily="18" charset="0"/>
+                  <a:cs typeface="Times New Roman" panose="02020603050405020304" pitchFamily="18" charset="0"/>
+                </a:endParaRPr>
+              </a:p>
+            </p:txBody>
+          </p:sp>
+          <p:sp>
+            <p:nvSpPr>
+              <p:cNvPr id="102" name="Rectangle 101"/>
+              <p:cNvSpPr/>
+              <p:nvPr/>
+            </p:nvSpPr>
+            <p:spPr>
+              <a:xfrm>
+                <a:off x="1069918" y="2491740"/>
+                <a:ext cx="203489" cy="190500"/>
+              </a:xfrm>
+              <a:prstGeom prst="rect">
+                <a:avLst/>
+              </a:prstGeom>
+            </p:spPr>
+            <p:style>
+              <a:lnRef idx="2">
+                <a:schemeClr val="accent2">
+                  <a:shade val="50000"/>
+                </a:schemeClr>
+              </a:lnRef>
+              <a:fillRef idx="1">
+                <a:schemeClr val="accent2"/>
+              </a:fillRef>
+              <a:effectRef idx="0">
+                <a:schemeClr val="accent2"/>
+              </a:effectRef>
+              <a:fontRef idx="minor">
+                <a:schemeClr val="lt1"/>
+              </a:fontRef>
+            </p:style>
+            <p:txBody>
+              <a:bodyPr lIns="45720" rIns="45720" rtlCol="0" anchor="ctr"/>
+              <a:lstStyle/>
+              <a:p>
+                <a:pPr algn="ctr"/>
+                <a:r>
+                  <a:rPr lang="en-US" sz="1000" dirty="0" smtClean="0">
+                    <a:latin typeface="Times New Roman" panose="02020603050405020304" pitchFamily="18" charset="0"/>
+                    <a:cs typeface="Times New Roman" panose="02020603050405020304" pitchFamily="18" charset="0"/>
+                  </a:rPr>
+                  <a:t>26</a:t>
+                </a:r>
+                <a:endParaRPr lang="en-US" sz="1000" dirty="0">
+                  <a:latin typeface="Times New Roman" panose="02020603050405020304" pitchFamily="18" charset="0"/>
+                  <a:cs typeface="Times New Roman" panose="02020603050405020304" pitchFamily="18" charset="0"/>
+                </a:endParaRPr>
+              </a:p>
+            </p:txBody>
+          </p:sp>
+          <p:sp>
+            <p:nvSpPr>
+              <p:cNvPr id="103" name="Rectangle 102"/>
+              <p:cNvSpPr/>
+              <p:nvPr/>
+            </p:nvSpPr>
+            <p:spPr>
+              <a:xfrm>
+                <a:off x="1273406" y="2491740"/>
+                <a:ext cx="203489" cy="190500"/>
+              </a:xfrm>
+              <a:prstGeom prst="rect">
+                <a:avLst/>
+              </a:prstGeom>
+            </p:spPr>
+            <p:style>
+              <a:lnRef idx="2">
+                <a:schemeClr val="accent2">
+                  <a:shade val="50000"/>
+                </a:schemeClr>
+              </a:lnRef>
+              <a:fillRef idx="1">
+                <a:schemeClr val="accent2"/>
+              </a:fillRef>
+              <a:effectRef idx="0">
+                <a:schemeClr val="accent2"/>
+              </a:effectRef>
+              <a:fontRef idx="minor">
+                <a:schemeClr val="lt1"/>
+              </a:fontRef>
+            </p:style>
+            <p:txBody>
+              <a:bodyPr lIns="45720" rIns="45720" rtlCol="0" anchor="ctr"/>
+              <a:lstStyle/>
+              <a:p>
+                <a:pPr algn="ctr"/>
+                <a:r>
+                  <a:rPr lang="en-US" sz="1000" dirty="0" smtClean="0">
+                    <a:latin typeface="Times New Roman" panose="02020603050405020304" pitchFamily="18" charset="0"/>
+                    <a:cs typeface="Times New Roman" panose="02020603050405020304" pitchFamily="18" charset="0"/>
+                  </a:rPr>
+                  <a:t>27</a:t>
+                </a:r>
+                <a:endParaRPr lang="en-US" sz="1000" dirty="0">
+                  <a:latin typeface="Times New Roman" panose="02020603050405020304" pitchFamily="18" charset="0"/>
+                  <a:cs typeface="Times New Roman" panose="02020603050405020304" pitchFamily="18" charset="0"/>
+                </a:endParaRPr>
+              </a:p>
+            </p:txBody>
+          </p:sp>
+          <p:sp>
+            <p:nvSpPr>
+              <p:cNvPr id="104" name="Rectangle 103"/>
+              <p:cNvSpPr/>
+              <p:nvPr/>
+            </p:nvSpPr>
+            <p:spPr>
+              <a:xfrm>
+                <a:off x="662940" y="2682240"/>
+                <a:ext cx="203489" cy="190500"/>
+              </a:xfrm>
+              <a:prstGeom prst="rect">
+                <a:avLst/>
+              </a:prstGeom>
+            </p:spPr>
+            <p:style>
+              <a:lnRef idx="2">
+                <a:schemeClr val="accent2">
+                  <a:shade val="50000"/>
+                </a:schemeClr>
+              </a:lnRef>
+              <a:fillRef idx="1">
+                <a:schemeClr val="accent2"/>
+              </a:fillRef>
+              <a:effectRef idx="0">
+                <a:schemeClr val="accent2"/>
+              </a:effectRef>
+              <a:fontRef idx="minor">
+                <a:schemeClr val="lt1"/>
+              </a:fontRef>
+            </p:style>
+            <p:txBody>
+              <a:bodyPr lIns="45720" rIns="45720" rtlCol="0" anchor="ctr"/>
+              <a:lstStyle/>
+              <a:p>
+                <a:pPr algn="ctr"/>
+                <a:r>
+                  <a:rPr lang="en-US" sz="1000" dirty="0" smtClean="0">
+                    <a:latin typeface="Times New Roman" panose="02020603050405020304" pitchFamily="18" charset="0"/>
+                    <a:cs typeface="Times New Roman" panose="02020603050405020304" pitchFamily="18" charset="0"/>
+                  </a:rPr>
+                  <a:t>28</a:t>
+                </a:r>
+                <a:endParaRPr lang="en-US" sz="1000" dirty="0">
+                  <a:latin typeface="Times New Roman" panose="02020603050405020304" pitchFamily="18" charset="0"/>
+                  <a:cs typeface="Times New Roman" panose="02020603050405020304" pitchFamily="18" charset="0"/>
+                </a:endParaRPr>
+              </a:p>
+            </p:txBody>
+          </p:sp>
+          <p:sp>
+            <p:nvSpPr>
+              <p:cNvPr id="105" name="Rectangle 104"/>
+              <p:cNvSpPr/>
+              <p:nvPr/>
+            </p:nvSpPr>
+            <p:spPr>
+              <a:xfrm>
+                <a:off x="866429" y="2682240"/>
+                <a:ext cx="203489" cy="190500"/>
+              </a:xfrm>
+              <a:prstGeom prst="rect">
+                <a:avLst/>
+              </a:prstGeom>
+            </p:spPr>
+            <p:style>
+              <a:lnRef idx="2">
+                <a:schemeClr val="accent2">
+                  <a:shade val="50000"/>
+                </a:schemeClr>
+              </a:lnRef>
+              <a:fillRef idx="1">
+                <a:schemeClr val="accent2"/>
+              </a:fillRef>
+              <a:effectRef idx="0">
+                <a:schemeClr val="accent2"/>
+              </a:effectRef>
+              <a:fontRef idx="minor">
+                <a:schemeClr val="lt1"/>
+              </a:fontRef>
+            </p:style>
+            <p:txBody>
+              <a:bodyPr lIns="45720" rIns="45720" rtlCol="0" anchor="ctr"/>
+              <a:lstStyle/>
+              <a:p>
+                <a:pPr algn="ctr"/>
+                <a:r>
+                  <a:rPr lang="en-US" sz="1000" dirty="0" smtClean="0">
+                    <a:latin typeface="Times New Roman" panose="02020603050405020304" pitchFamily="18" charset="0"/>
+                    <a:cs typeface="Times New Roman" panose="02020603050405020304" pitchFamily="18" charset="0"/>
+                  </a:rPr>
+                  <a:t>29</a:t>
+                </a:r>
+                <a:endParaRPr lang="en-US" sz="1000" dirty="0">
+                  <a:latin typeface="Times New Roman" panose="02020603050405020304" pitchFamily="18" charset="0"/>
+                  <a:cs typeface="Times New Roman" panose="02020603050405020304" pitchFamily="18" charset="0"/>
+                </a:endParaRPr>
+              </a:p>
+            </p:txBody>
+          </p:sp>
+          <p:sp>
+            <p:nvSpPr>
+              <p:cNvPr id="106" name="Rectangle 105"/>
+              <p:cNvSpPr/>
+              <p:nvPr/>
+            </p:nvSpPr>
+            <p:spPr>
+              <a:xfrm>
+                <a:off x="1069918" y="2682240"/>
+                <a:ext cx="203489" cy="190500"/>
+              </a:xfrm>
+              <a:prstGeom prst="rect">
+                <a:avLst/>
+              </a:prstGeom>
+            </p:spPr>
+            <p:style>
+              <a:lnRef idx="2">
+                <a:schemeClr val="accent2">
+                  <a:shade val="50000"/>
+                </a:schemeClr>
+              </a:lnRef>
+              <a:fillRef idx="1">
+                <a:schemeClr val="accent2"/>
+              </a:fillRef>
+              <a:effectRef idx="0">
+                <a:schemeClr val="accent2"/>
+              </a:effectRef>
+              <a:fontRef idx="minor">
+                <a:schemeClr val="lt1"/>
+              </a:fontRef>
+            </p:style>
+            <p:txBody>
+              <a:bodyPr lIns="45720" rIns="45720" rtlCol="0" anchor="ctr"/>
+              <a:lstStyle/>
+              <a:p>
+                <a:pPr algn="ctr"/>
+                <a:r>
+                  <a:rPr lang="en-US" sz="1000" dirty="0" smtClean="0">
+                    <a:latin typeface="Times New Roman" panose="02020603050405020304" pitchFamily="18" charset="0"/>
+                    <a:cs typeface="Times New Roman" panose="02020603050405020304" pitchFamily="18" charset="0"/>
+                  </a:rPr>
+                  <a:t>30</a:t>
+                </a:r>
+                <a:endParaRPr lang="en-US" sz="1000" dirty="0">
+                  <a:latin typeface="Times New Roman" panose="02020603050405020304" pitchFamily="18" charset="0"/>
+                  <a:cs typeface="Times New Roman" panose="02020603050405020304" pitchFamily="18" charset="0"/>
+                </a:endParaRPr>
+              </a:p>
+            </p:txBody>
+          </p:sp>
+          <p:sp>
+            <p:nvSpPr>
+              <p:cNvPr id="107" name="Rectangle 106"/>
+              <p:cNvSpPr/>
+              <p:nvPr/>
+            </p:nvSpPr>
+            <p:spPr>
+              <a:xfrm>
+                <a:off x="1273406" y="2682240"/>
+                <a:ext cx="203489" cy="190500"/>
+              </a:xfrm>
+              <a:prstGeom prst="rect">
+                <a:avLst/>
+              </a:prstGeom>
+            </p:spPr>
+            <p:style>
+              <a:lnRef idx="2">
+                <a:schemeClr val="accent2">
+                  <a:shade val="50000"/>
+                </a:schemeClr>
+              </a:lnRef>
+              <a:fillRef idx="1">
+                <a:schemeClr val="accent2"/>
+              </a:fillRef>
+              <a:effectRef idx="0">
+                <a:schemeClr val="accent2"/>
+              </a:effectRef>
+              <a:fontRef idx="minor">
+                <a:schemeClr val="lt1"/>
+              </a:fontRef>
+            </p:style>
+            <p:txBody>
+              <a:bodyPr lIns="45720" rIns="45720" rtlCol="0" anchor="ctr"/>
+              <a:lstStyle/>
+              <a:p>
+                <a:pPr algn="ctr"/>
+                <a:r>
+                  <a:rPr lang="en-US" sz="1000" dirty="0" smtClean="0">
+                    <a:latin typeface="Times New Roman" panose="02020603050405020304" pitchFamily="18" charset="0"/>
+                    <a:cs typeface="Times New Roman" panose="02020603050405020304" pitchFamily="18" charset="0"/>
+                  </a:rPr>
+                  <a:t>31</a:t>
+                </a:r>
+                <a:endParaRPr lang="en-US" sz="1000" dirty="0">
+                  <a:latin typeface="Times New Roman" panose="02020603050405020304" pitchFamily="18" charset="0"/>
+                  <a:cs typeface="Times New Roman" panose="02020603050405020304" pitchFamily="18" charset="0"/>
+                </a:endParaRPr>
+              </a:p>
+            </p:txBody>
+          </p:sp>
+        </p:grpSp>
+        <p:sp>
+          <p:nvSpPr>
+            <p:cNvPr id="109" name="Freeform 108"/>
+            <p:cNvSpPr/>
+            <p:nvPr/>
+          </p:nvSpPr>
+          <p:spPr>
+            <a:xfrm>
+              <a:off x="2070100" y="868680"/>
+              <a:ext cx="236220" cy="1288970"/>
+            </a:xfrm>
+            <a:custGeom>
+              <a:avLst/>
+              <a:gdLst>
+                <a:gd name="connsiteX0" fmla="*/ 0 w 257816"/>
+                <a:gd name="connsiteY0" fmla="*/ 0 h 1234440"/>
+                <a:gd name="connsiteX1" fmla="*/ 228600 w 257816"/>
+                <a:gd name="connsiteY1" fmla="*/ 297180 h 1234440"/>
+                <a:gd name="connsiteX2" fmla="*/ 251460 w 257816"/>
+                <a:gd name="connsiteY2" fmla="*/ 1234440 h 1234440"/>
+                <a:gd name="connsiteX0" fmla="*/ 2540 w 235587"/>
+                <a:gd name="connsiteY0" fmla="*/ 0 h 1234440"/>
+                <a:gd name="connsiteX1" fmla="*/ 231140 w 235587"/>
+                <a:gd name="connsiteY1" fmla="*/ 297180 h 1234440"/>
+                <a:gd name="connsiteX2" fmla="*/ 0 w 235587"/>
+                <a:gd name="connsiteY2" fmla="*/ 1234440 h 1234440"/>
+                <a:gd name="connsiteX0" fmla="*/ 2540 w 236220"/>
+                <a:gd name="connsiteY0" fmla="*/ 0 h 1234440"/>
+                <a:gd name="connsiteX1" fmla="*/ 231140 w 236220"/>
+                <a:gd name="connsiteY1" fmla="*/ 297180 h 1234440"/>
+                <a:gd name="connsiteX2" fmla="*/ 0 w 236220"/>
+                <a:gd name="connsiteY2" fmla="*/ 1234440 h 1234440"/>
+              </a:gdLst>
+              <a:ahLst/>
+              <a:cxnLst>
+                <a:cxn ang="0">
+                  <a:pos x="connsiteX0" y="connsiteY0"/>
+                </a:cxn>
+                <a:cxn ang="0">
+                  <a:pos x="connsiteX1" y="connsiteY1"/>
+                </a:cxn>
+                <a:cxn ang="0">
+                  <a:pos x="connsiteX2" y="connsiteY2"/>
+                </a:cxn>
+              </a:cxnLst>
+              <a:rect l="l" t="t" r="r" b="b"/>
+              <a:pathLst>
+                <a:path w="236220" h="1234440">
+                  <a:moveTo>
+                    <a:pt x="2540" y="0"/>
+                  </a:moveTo>
+                  <a:cubicBezTo>
+                    <a:pt x="95885" y="45720"/>
+                    <a:pt x="189230" y="91440"/>
+                    <a:pt x="231140" y="297180"/>
+                  </a:cubicBezTo>
+                  <a:cubicBezTo>
+                    <a:pt x="273050" y="502920"/>
+                    <a:pt x="43180" y="1064260"/>
+                    <a:pt x="0" y="1234440"/>
+                  </a:cubicBezTo>
+                </a:path>
+              </a:pathLst>
+            </a:custGeom>
+            <a:noFill/>
+            <a:ln w="12700">
+              <a:solidFill>
+                <a:schemeClr val="tx1"/>
+              </a:solidFill>
+              <a:prstDash val="sysDash"/>
+              <a:headEnd type="none" w="med" len="med"/>
+              <a:tailEnd type="triangle" w="med" len="med"/>
+            </a:ln>
+          </p:spPr>
+          <p:style>
+            <a:lnRef idx="2">
+              <a:schemeClr val="accent1">
+                <a:shade val="50000"/>
+              </a:schemeClr>
+            </a:lnRef>
+            <a:fillRef idx="1">
+              <a:schemeClr val="accent1"/>
+            </a:fillRef>
+            <a:effectRef idx="0">
+              <a:schemeClr val="accent1"/>
+            </a:effectRef>
+            <a:fontRef idx="minor">
+              <a:schemeClr val="lt1"/>
+            </a:fontRef>
+          </p:style>
+          <p:txBody>
+            <a:bodyPr rtlCol="0" anchor="ctr"/>
+            <a:lstStyle/>
+            <a:p>
+              <a:pPr algn="ctr"/>
+              <a:endParaRPr lang="en-US"/>
+            </a:p>
+          </p:txBody>
+        </p:sp>
+        <p:sp>
+          <p:nvSpPr>
+            <p:cNvPr id="110" name="TextBox 109"/>
+            <p:cNvSpPr txBox="1"/>
+            <p:nvPr/>
+          </p:nvSpPr>
+          <p:spPr>
+            <a:xfrm>
+              <a:off x="728090" y="1630442"/>
+              <a:ext cx="941283" cy="246221"/>
+            </a:xfrm>
+            <a:prstGeom prst="rect">
+              <a:avLst/>
+            </a:prstGeom>
+            <a:noFill/>
+          </p:spPr>
+          <p:txBody>
+            <a:bodyPr wrap="none" rtlCol="0">
+              <a:spAutoFit/>
+            </a:bodyPr>
+            <a:lstStyle/>
+            <a:p>
+              <a:r>
+                <a:rPr lang="en-US" sz="1000" dirty="0" err="1" smtClean="0">
+                  <a:latin typeface="Times New Roman" panose="02020603050405020304" pitchFamily="18" charset="0"/>
+                  <a:cs typeface="Times New Roman" panose="02020603050405020304" pitchFamily="18" charset="0"/>
+                </a:rPr>
+                <a:t>Inodes</a:t>
+              </a:r>
+              <a:r>
+                <a:rPr lang="en-US" sz="1000" dirty="0" smtClean="0">
+                  <a:latin typeface="Times New Roman" panose="02020603050405020304" pitchFamily="18" charset="0"/>
+                  <a:cs typeface="Times New Roman" panose="02020603050405020304" pitchFamily="18" charset="0"/>
+                </a:rPr>
+                <a:t> block 0</a:t>
+              </a:r>
+              <a:endParaRPr lang="en-US" sz="1000" dirty="0">
+                <a:latin typeface="Times New Roman" panose="02020603050405020304" pitchFamily="18" charset="0"/>
+                <a:cs typeface="Times New Roman" panose="02020603050405020304" pitchFamily="18" charset="0"/>
+              </a:endParaRPr>
+            </a:p>
+          </p:txBody>
+        </p:sp>
+        <p:sp>
+          <p:nvSpPr>
+            <p:cNvPr id="111" name="TextBox 110"/>
+            <p:cNvSpPr txBox="1"/>
+            <p:nvPr/>
+          </p:nvSpPr>
+          <p:spPr>
+            <a:xfrm>
+              <a:off x="1920881" y="217170"/>
+              <a:ext cx="918841" cy="246221"/>
+            </a:xfrm>
+            <a:prstGeom prst="rect">
+              <a:avLst/>
+            </a:prstGeom>
+            <a:noFill/>
+          </p:spPr>
+          <p:txBody>
+            <a:bodyPr wrap="none" rtlCol="0">
+              <a:spAutoFit/>
+            </a:bodyPr>
+            <a:lstStyle/>
+            <a:p>
+              <a:r>
+                <a:rPr lang="en-US" sz="1000" dirty="0" err="1" smtClean="0">
+                  <a:latin typeface="Times New Roman" panose="02020603050405020304" pitchFamily="18" charset="0"/>
+                  <a:cs typeface="Times New Roman" panose="02020603050405020304" pitchFamily="18" charset="0"/>
+                </a:rPr>
+                <a:t>ibmap</a:t>
+              </a:r>
+              <a:r>
+                <a:rPr lang="en-US" sz="1000" dirty="0" smtClean="0">
+                  <a:latin typeface="Times New Roman" panose="02020603050405020304" pitchFamily="18" charset="0"/>
+                  <a:cs typeface="Times New Roman" panose="02020603050405020304" pitchFamily="18" charset="0"/>
+                </a:rPr>
+                <a:t> block 1</a:t>
+              </a:r>
+              <a:endParaRPr lang="en-US" sz="1000" dirty="0">
+                <a:latin typeface="Times New Roman" panose="02020603050405020304" pitchFamily="18" charset="0"/>
+                <a:cs typeface="Times New Roman" panose="02020603050405020304" pitchFamily="18" charset="0"/>
+              </a:endParaRPr>
+            </a:p>
+          </p:txBody>
+        </p:sp>
+        <p:sp>
+          <p:nvSpPr>
+            <p:cNvPr id="112" name="TextBox 111"/>
+            <p:cNvSpPr txBox="1"/>
+            <p:nvPr/>
+          </p:nvSpPr>
+          <p:spPr>
+            <a:xfrm>
+              <a:off x="3082039" y="217170"/>
+              <a:ext cx="982961" cy="246221"/>
+            </a:xfrm>
+            <a:prstGeom prst="rect">
+              <a:avLst/>
+            </a:prstGeom>
+            <a:noFill/>
+          </p:spPr>
+          <p:txBody>
+            <a:bodyPr wrap="none" rtlCol="0">
+              <a:spAutoFit/>
+            </a:bodyPr>
+            <a:lstStyle/>
+            <a:p>
+              <a:r>
+                <a:rPr lang="en-US" sz="1000" dirty="0" err="1" smtClean="0">
+                  <a:latin typeface="Times New Roman" panose="02020603050405020304" pitchFamily="18" charset="0"/>
+                  <a:cs typeface="Times New Roman" panose="02020603050405020304" pitchFamily="18" charset="0"/>
+                </a:rPr>
+                <a:t>ibmap</a:t>
+              </a:r>
+              <a:r>
+                <a:rPr lang="en-US" sz="1000" dirty="0" smtClean="0">
+                  <a:latin typeface="Times New Roman" panose="02020603050405020304" pitchFamily="18" charset="0"/>
+                  <a:cs typeface="Times New Roman" panose="02020603050405020304" pitchFamily="18" charset="0"/>
+                </a:rPr>
+                <a:t> block 21</a:t>
+              </a:r>
+              <a:endParaRPr lang="en-US" sz="1000" dirty="0">
+                <a:latin typeface="Times New Roman" panose="02020603050405020304" pitchFamily="18" charset="0"/>
+                <a:cs typeface="Times New Roman" panose="02020603050405020304" pitchFamily="18" charset="0"/>
+              </a:endParaRPr>
+            </a:p>
+          </p:txBody>
+        </p:sp>
+        <p:sp>
+          <p:nvSpPr>
+            <p:cNvPr id="113" name="TextBox 112"/>
+            <p:cNvSpPr txBox="1"/>
+            <p:nvPr/>
+          </p:nvSpPr>
+          <p:spPr>
+            <a:xfrm>
+              <a:off x="1909660" y="1630442"/>
+              <a:ext cx="941283" cy="246221"/>
+            </a:xfrm>
+            <a:prstGeom prst="rect">
+              <a:avLst/>
+            </a:prstGeom>
+            <a:noFill/>
+          </p:spPr>
+          <p:txBody>
+            <a:bodyPr wrap="none" rtlCol="0">
+              <a:spAutoFit/>
+            </a:bodyPr>
+            <a:lstStyle/>
+            <a:p>
+              <a:r>
+                <a:rPr lang="en-US" sz="1000" dirty="0" err="1" smtClean="0">
+                  <a:latin typeface="Times New Roman" panose="02020603050405020304" pitchFamily="18" charset="0"/>
+                  <a:cs typeface="Times New Roman" panose="02020603050405020304" pitchFamily="18" charset="0"/>
+                </a:rPr>
+                <a:t>Inodes</a:t>
+              </a:r>
+              <a:r>
+                <a:rPr lang="en-US" sz="1000" dirty="0" smtClean="0">
+                  <a:latin typeface="Times New Roman" panose="02020603050405020304" pitchFamily="18" charset="0"/>
+                  <a:cs typeface="Times New Roman" panose="02020603050405020304" pitchFamily="18" charset="0"/>
+                </a:rPr>
+                <a:t> block 1</a:t>
+              </a:r>
+              <a:endParaRPr lang="en-US" sz="1000" dirty="0">
+                <a:latin typeface="Times New Roman" panose="02020603050405020304" pitchFamily="18" charset="0"/>
+                <a:cs typeface="Times New Roman" panose="02020603050405020304" pitchFamily="18" charset="0"/>
+              </a:endParaRPr>
+            </a:p>
+          </p:txBody>
+        </p:sp>
+        <p:sp>
+          <p:nvSpPr>
+            <p:cNvPr id="114" name="TextBox 113"/>
+            <p:cNvSpPr txBox="1"/>
+            <p:nvPr/>
+          </p:nvSpPr>
+          <p:spPr>
+            <a:xfrm>
+              <a:off x="3102878" y="1630442"/>
+              <a:ext cx="941283" cy="246221"/>
+            </a:xfrm>
+            <a:prstGeom prst="rect">
+              <a:avLst/>
+            </a:prstGeom>
+            <a:noFill/>
+          </p:spPr>
+          <p:txBody>
+            <a:bodyPr wrap="none" rtlCol="0">
+              <a:spAutoFit/>
+            </a:bodyPr>
+            <a:lstStyle/>
+            <a:p>
+              <a:r>
+                <a:rPr lang="en-US" sz="1000" dirty="0" err="1" smtClean="0">
+                  <a:latin typeface="Times New Roman" panose="02020603050405020304" pitchFamily="18" charset="0"/>
+                  <a:cs typeface="Times New Roman" panose="02020603050405020304" pitchFamily="18" charset="0"/>
+                </a:rPr>
+                <a:t>Inodes</a:t>
+              </a:r>
+              <a:r>
+                <a:rPr lang="en-US" sz="1000" dirty="0" smtClean="0">
+                  <a:latin typeface="Times New Roman" panose="02020603050405020304" pitchFamily="18" charset="0"/>
+                  <a:cs typeface="Times New Roman" panose="02020603050405020304" pitchFamily="18" charset="0"/>
+                </a:rPr>
+                <a:t> block 2</a:t>
+              </a:r>
+              <a:endParaRPr lang="en-US" sz="1000" dirty="0">
+                <a:latin typeface="Times New Roman" panose="02020603050405020304" pitchFamily="18" charset="0"/>
+                <a:cs typeface="Times New Roman" panose="02020603050405020304" pitchFamily="18" charset="0"/>
+              </a:endParaRPr>
+            </a:p>
+          </p:txBody>
+        </p:sp>
+        <p:grpSp>
+          <p:nvGrpSpPr>
+            <p:cNvPr id="115" name="Group 114"/>
+            <p:cNvGrpSpPr/>
+            <p:nvPr/>
+          </p:nvGrpSpPr>
+          <p:grpSpPr>
+            <a:xfrm>
+              <a:off x="3048265" y="1850707"/>
+              <a:ext cx="1050509" cy="996315"/>
+              <a:chOff x="662940" y="2110740"/>
+              <a:chExt cx="813955" cy="762000"/>
+            </a:xfrm>
+          </p:grpSpPr>
+          <p:sp>
+            <p:nvSpPr>
+              <p:cNvPr id="116" name="Rectangle 115"/>
+              <p:cNvSpPr/>
+              <p:nvPr/>
+            </p:nvSpPr>
+            <p:spPr>
+              <a:xfrm>
+                <a:off x="662940" y="2110740"/>
+                <a:ext cx="203489" cy="190500"/>
+              </a:xfrm>
+              <a:prstGeom prst="rect">
+                <a:avLst/>
+              </a:prstGeom>
+            </p:spPr>
+            <p:style>
+              <a:lnRef idx="2">
+                <a:schemeClr val="accent2">
+                  <a:shade val="50000"/>
+                </a:schemeClr>
+              </a:lnRef>
+              <a:fillRef idx="1">
+                <a:schemeClr val="accent2"/>
+              </a:fillRef>
+              <a:effectRef idx="0">
+                <a:schemeClr val="accent2"/>
+              </a:effectRef>
+              <a:fontRef idx="minor">
+                <a:schemeClr val="lt1"/>
+              </a:fontRef>
+            </p:style>
+            <p:txBody>
+              <a:bodyPr lIns="45720" rIns="45720" rtlCol="0" anchor="ctr"/>
+              <a:lstStyle/>
+              <a:p>
+                <a:pPr algn="ctr"/>
+                <a:r>
+                  <a:rPr lang="en-US" sz="1000" dirty="0" smtClean="0">
+                    <a:latin typeface="Times New Roman" panose="02020603050405020304" pitchFamily="18" charset="0"/>
+                    <a:cs typeface="Times New Roman" panose="02020603050405020304" pitchFamily="18" charset="0"/>
+                  </a:rPr>
+                  <a:t>16</a:t>
+                </a:r>
+                <a:endParaRPr lang="en-US" sz="1000" dirty="0">
+                  <a:latin typeface="Times New Roman" panose="02020603050405020304" pitchFamily="18" charset="0"/>
+                  <a:cs typeface="Times New Roman" panose="02020603050405020304" pitchFamily="18" charset="0"/>
+                </a:endParaRPr>
+              </a:p>
+            </p:txBody>
+          </p:sp>
+          <p:sp>
+            <p:nvSpPr>
+              <p:cNvPr id="117" name="Rectangle 116"/>
+              <p:cNvSpPr/>
+              <p:nvPr/>
+            </p:nvSpPr>
+            <p:spPr>
+              <a:xfrm>
+                <a:off x="866429" y="2110740"/>
+                <a:ext cx="203489" cy="190500"/>
+              </a:xfrm>
+              <a:prstGeom prst="rect">
+                <a:avLst/>
+              </a:prstGeom>
+            </p:spPr>
+            <p:style>
+              <a:lnRef idx="2">
+                <a:schemeClr val="accent2">
+                  <a:shade val="50000"/>
+                </a:schemeClr>
+              </a:lnRef>
+              <a:fillRef idx="1">
+                <a:schemeClr val="accent2"/>
+              </a:fillRef>
+              <a:effectRef idx="0">
+                <a:schemeClr val="accent2"/>
+              </a:effectRef>
+              <a:fontRef idx="minor">
+                <a:schemeClr val="lt1"/>
+              </a:fontRef>
+            </p:style>
+            <p:txBody>
+              <a:bodyPr lIns="45720" rIns="45720" rtlCol="0" anchor="ctr"/>
+              <a:lstStyle/>
+              <a:p>
+                <a:pPr algn="ctr"/>
+                <a:r>
+                  <a:rPr lang="en-US" sz="1000" dirty="0" smtClean="0">
+                    <a:latin typeface="Times New Roman" panose="02020603050405020304" pitchFamily="18" charset="0"/>
+                    <a:cs typeface="Times New Roman" panose="02020603050405020304" pitchFamily="18" charset="0"/>
+                  </a:rPr>
+                  <a:t>17</a:t>
+                </a:r>
+                <a:endParaRPr lang="en-US" sz="1000" dirty="0">
+                  <a:latin typeface="Times New Roman" panose="02020603050405020304" pitchFamily="18" charset="0"/>
+                  <a:cs typeface="Times New Roman" panose="02020603050405020304" pitchFamily="18" charset="0"/>
+                </a:endParaRPr>
+              </a:p>
+            </p:txBody>
+          </p:sp>
+          <p:sp>
+            <p:nvSpPr>
+              <p:cNvPr id="118" name="Rectangle 117"/>
+              <p:cNvSpPr/>
+              <p:nvPr/>
+            </p:nvSpPr>
+            <p:spPr>
+              <a:xfrm>
+                <a:off x="1069918" y="2110740"/>
+                <a:ext cx="203489" cy="190500"/>
+              </a:xfrm>
+              <a:prstGeom prst="rect">
+                <a:avLst/>
+              </a:prstGeom>
+            </p:spPr>
+            <p:style>
+              <a:lnRef idx="2">
+                <a:schemeClr val="accent2">
+                  <a:shade val="50000"/>
+                </a:schemeClr>
+              </a:lnRef>
+              <a:fillRef idx="1">
+                <a:schemeClr val="accent2"/>
+              </a:fillRef>
+              <a:effectRef idx="0">
+                <a:schemeClr val="accent2"/>
+              </a:effectRef>
+              <a:fontRef idx="minor">
+                <a:schemeClr val="lt1"/>
+              </a:fontRef>
+            </p:style>
+            <p:txBody>
+              <a:bodyPr lIns="45720" rIns="45720" rtlCol="0" anchor="ctr"/>
+              <a:lstStyle/>
+              <a:p>
+                <a:pPr algn="ctr"/>
+                <a:r>
+                  <a:rPr lang="en-US" sz="1000" dirty="0" smtClean="0">
+                    <a:latin typeface="Times New Roman" panose="02020603050405020304" pitchFamily="18" charset="0"/>
+                    <a:cs typeface="Times New Roman" panose="02020603050405020304" pitchFamily="18" charset="0"/>
+                  </a:rPr>
+                  <a:t>18</a:t>
+                </a:r>
+                <a:endParaRPr lang="en-US" sz="1000" dirty="0">
+                  <a:latin typeface="Times New Roman" panose="02020603050405020304" pitchFamily="18" charset="0"/>
+                  <a:cs typeface="Times New Roman" panose="02020603050405020304" pitchFamily="18" charset="0"/>
+                </a:endParaRPr>
+              </a:p>
+            </p:txBody>
+          </p:sp>
+          <p:sp>
+            <p:nvSpPr>
+              <p:cNvPr id="119" name="Rectangle 118"/>
+              <p:cNvSpPr/>
+              <p:nvPr/>
+            </p:nvSpPr>
+            <p:spPr>
+              <a:xfrm>
+                <a:off x="1273406" y="2110740"/>
+                <a:ext cx="203489" cy="190500"/>
+              </a:xfrm>
+              <a:prstGeom prst="rect">
+                <a:avLst/>
+              </a:prstGeom>
+            </p:spPr>
+            <p:style>
+              <a:lnRef idx="2">
+                <a:schemeClr val="accent2">
+                  <a:shade val="50000"/>
+                </a:schemeClr>
+              </a:lnRef>
+              <a:fillRef idx="1">
+                <a:schemeClr val="accent2"/>
+              </a:fillRef>
+              <a:effectRef idx="0">
+                <a:schemeClr val="accent2"/>
+              </a:effectRef>
+              <a:fontRef idx="minor">
+                <a:schemeClr val="lt1"/>
+              </a:fontRef>
+            </p:style>
+            <p:txBody>
+              <a:bodyPr lIns="45720" rIns="45720" rtlCol="0" anchor="ctr"/>
+              <a:lstStyle/>
+              <a:p>
+                <a:pPr algn="ctr"/>
+                <a:r>
+                  <a:rPr lang="en-US" sz="1000" dirty="0" smtClean="0">
+                    <a:latin typeface="Times New Roman" panose="02020603050405020304" pitchFamily="18" charset="0"/>
+                    <a:cs typeface="Times New Roman" panose="02020603050405020304" pitchFamily="18" charset="0"/>
+                  </a:rPr>
+                  <a:t>19</a:t>
+                </a:r>
+                <a:endParaRPr lang="en-US" sz="1000" dirty="0">
+                  <a:latin typeface="Times New Roman" panose="02020603050405020304" pitchFamily="18" charset="0"/>
+                  <a:cs typeface="Times New Roman" panose="02020603050405020304" pitchFamily="18" charset="0"/>
+                </a:endParaRPr>
+              </a:p>
+            </p:txBody>
+          </p:sp>
+          <p:sp>
+            <p:nvSpPr>
+              <p:cNvPr id="120" name="Rectangle 119"/>
+              <p:cNvSpPr/>
+              <p:nvPr/>
+            </p:nvSpPr>
+            <p:spPr>
+              <a:xfrm>
+                <a:off x="662940" y="2301240"/>
+                <a:ext cx="203489" cy="190500"/>
+              </a:xfrm>
+              <a:prstGeom prst="rect">
+                <a:avLst/>
+              </a:prstGeom>
+            </p:spPr>
+            <p:style>
+              <a:lnRef idx="2">
+                <a:schemeClr val="accent2">
+                  <a:shade val="50000"/>
+                </a:schemeClr>
+              </a:lnRef>
+              <a:fillRef idx="1">
+                <a:schemeClr val="accent2"/>
+              </a:fillRef>
+              <a:effectRef idx="0">
+                <a:schemeClr val="accent2"/>
+              </a:effectRef>
+              <a:fontRef idx="minor">
+                <a:schemeClr val="lt1"/>
+              </a:fontRef>
+            </p:style>
+            <p:txBody>
+              <a:bodyPr lIns="45720" rIns="45720" rtlCol="0" anchor="ctr"/>
+              <a:lstStyle/>
+              <a:p>
+                <a:pPr algn="ctr"/>
+                <a:r>
+                  <a:rPr lang="en-US" sz="1000" dirty="0" smtClean="0">
+                    <a:latin typeface="Times New Roman" panose="02020603050405020304" pitchFamily="18" charset="0"/>
+                    <a:cs typeface="Times New Roman" panose="02020603050405020304" pitchFamily="18" charset="0"/>
+                  </a:rPr>
+                  <a:t>20</a:t>
+                </a:r>
+                <a:endParaRPr lang="en-US" sz="1000" dirty="0">
+                  <a:latin typeface="Times New Roman" panose="02020603050405020304" pitchFamily="18" charset="0"/>
+                  <a:cs typeface="Times New Roman" panose="02020603050405020304" pitchFamily="18" charset="0"/>
+                </a:endParaRPr>
+              </a:p>
+            </p:txBody>
+          </p:sp>
+          <p:sp>
+            <p:nvSpPr>
+              <p:cNvPr id="121" name="Rectangle 120"/>
+              <p:cNvSpPr/>
+              <p:nvPr/>
+            </p:nvSpPr>
+            <p:spPr>
+              <a:xfrm>
+                <a:off x="866429" y="2301240"/>
+                <a:ext cx="203489" cy="190500"/>
+              </a:xfrm>
+              <a:prstGeom prst="rect">
+                <a:avLst/>
+              </a:prstGeom>
+            </p:spPr>
+            <p:style>
+              <a:lnRef idx="2">
+                <a:schemeClr val="accent2">
+                  <a:shade val="50000"/>
+                </a:schemeClr>
+              </a:lnRef>
+              <a:fillRef idx="1">
+                <a:schemeClr val="accent2"/>
+              </a:fillRef>
+              <a:effectRef idx="0">
+                <a:schemeClr val="accent2"/>
+              </a:effectRef>
+              <a:fontRef idx="minor">
+                <a:schemeClr val="lt1"/>
+              </a:fontRef>
+            </p:style>
+            <p:txBody>
+              <a:bodyPr lIns="45720" rIns="45720" rtlCol="0" anchor="ctr"/>
+              <a:lstStyle/>
+              <a:p>
+                <a:pPr algn="ctr"/>
+                <a:r>
+                  <a:rPr lang="en-US" sz="1000" dirty="0" smtClean="0">
+                    <a:latin typeface="Times New Roman" panose="02020603050405020304" pitchFamily="18" charset="0"/>
+                    <a:cs typeface="Times New Roman" panose="02020603050405020304" pitchFamily="18" charset="0"/>
+                  </a:rPr>
+                  <a:t>21</a:t>
+                </a:r>
+                <a:endParaRPr lang="en-US" sz="1000" dirty="0">
+                  <a:latin typeface="Times New Roman" panose="02020603050405020304" pitchFamily="18" charset="0"/>
+                  <a:cs typeface="Times New Roman" panose="02020603050405020304" pitchFamily="18" charset="0"/>
+                </a:endParaRPr>
+              </a:p>
+            </p:txBody>
+          </p:sp>
+          <p:sp>
+            <p:nvSpPr>
+              <p:cNvPr id="122" name="Rectangle 121"/>
+              <p:cNvSpPr/>
+              <p:nvPr/>
+            </p:nvSpPr>
+            <p:spPr>
+              <a:xfrm>
+                <a:off x="1069918" y="2301240"/>
+                <a:ext cx="203489" cy="190500"/>
+              </a:xfrm>
+              <a:prstGeom prst="rect">
+                <a:avLst/>
+              </a:prstGeom>
+            </p:spPr>
+            <p:style>
+              <a:lnRef idx="2">
+                <a:schemeClr val="accent2">
+                  <a:shade val="50000"/>
+                </a:schemeClr>
+              </a:lnRef>
+              <a:fillRef idx="1">
+                <a:schemeClr val="accent2"/>
+              </a:fillRef>
+              <a:effectRef idx="0">
+                <a:schemeClr val="accent2"/>
+              </a:effectRef>
+              <a:fontRef idx="minor">
+                <a:schemeClr val="lt1"/>
+              </a:fontRef>
+            </p:style>
+            <p:txBody>
+              <a:bodyPr lIns="45720" rIns="45720" rtlCol="0" anchor="ctr"/>
+              <a:lstStyle/>
+              <a:p>
+                <a:pPr algn="ctr"/>
+                <a:r>
+                  <a:rPr lang="en-US" sz="1000" dirty="0" smtClean="0">
+                    <a:latin typeface="Times New Roman" panose="02020603050405020304" pitchFamily="18" charset="0"/>
+                    <a:cs typeface="Times New Roman" panose="02020603050405020304" pitchFamily="18" charset="0"/>
+                  </a:rPr>
+                  <a:t>22</a:t>
+                </a:r>
+                <a:endParaRPr lang="en-US" sz="1000" dirty="0">
+                  <a:latin typeface="Times New Roman" panose="02020603050405020304" pitchFamily="18" charset="0"/>
+                  <a:cs typeface="Times New Roman" panose="02020603050405020304" pitchFamily="18" charset="0"/>
+                </a:endParaRPr>
+              </a:p>
+            </p:txBody>
+          </p:sp>
+          <p:sp>
+            <p:nvSpPr>
+              <p:cNvPr id="123" name="Rectangle 122"/>
+              <p:cNvSpPr/>
+              <p:nvPr/>
+            </p:nvSpPr>
+            <p:spPr>
+              <a:xfrm>
+                <a:off x="1273406" y="2301240"/>
+                <a:ext cx="203489" cy="190500"/>
+              </a:xfrm>
+              <a:prstGeom prst="rect">
+                <a:avLst/>
+              </a:prstGeom>
+            </p:spPr>
+            <p:style>
+              <a:lnRef idx="2">
+                <a:schemeClr val="accent2">
+                  <a:shade val="50000"/>
+                </a:schemeClr>
+              </a:lnRef>
+              <a:fillRef idx="1">
+                <a:schemeClr val="accent2"/>
+              </a:fillRef>
+              <a:effectRef idx="0">
+                <a:schemeClr val="accent2"/>
+              </a:effectRef>
+              <a:fontRef idx="minor">
+                <a:schemeClr val="lt1"/>
+              </a:fontRef>
+            </p:style>
+            <p:txBody>
+              <a:bodyPr lIns="45720" rIns="45720" rtlCol="0" anchor="ctr"/>
+              <a:lstStyle/>
+              <a:p>
+                <a:pPr algn="ctr"/>
+                <a:r>
+                  <a:rPr lang="en-US" sz="1000" dirty="0" smtClean="0">
+                    <a:latin typeface="Times New Roman" panose="02020603050405020304" pitchFamily="18" charset="0"/>
+                    <a:cs typeface="Times New Roman" panose="02020603050405020304" pitchFamily="18" charset="0"/>
+                  </a:rPr>
+                  <a:t>23</a:t>
+                </a:r>
+                <a:endParaRPr lang="en-US" sz="1000" dirty="0">
+                  <a:latin typeface="Times New Roman" panose="02020603050405020304" pitchFamily="18" charset="0"/>
+                  <a:cs typeface="Times New Roman" panose="02020603050405020304" pitchFamily="18" charset="0"/>
+                </a:endParaRPr>
+              </a:p>
+            </p:txBody>
+          </p:sp>
+          <p:sp>
+            <p:nvSpPr>
+              <p:cNvPr id="124" name="Rectangle 123"/>
+              <p:cNvSpPr/>
+              <p:nvPr/>
+            </p:nvSpPr>
+            <p:spPr>
+              <a:xfrm>
+                <a:off x="662940" y="2491740"/>
+                <a:ext cx="203489" cy="190500"/>
+              </a:xfrm>
+              <a:prstGeom prst="rect">
+                <a:avLst/>
+              </a:prstGeom>
+            </p:spPr>
+            <p:style>
+              <a:lnRef idx="2">
+                <a:schemeClr val="accent2">
+                  <a:shade val="50000"/>
+                </a:schemeClr>
+              </a:lnRef>
+              <a:fillRef idx="1">
+                <a:schemeClr val="accent2"/>
+              </a:fillRef>
+              <a:effectRef idx="0">
+                <a:schemeClr val="accent2"/>
+              </a:effectRef>
+              <a:fontRef idx="minor">
+                <a:schemeClr val="lt1"/>
+              </a:fontRef>
+            </p:style>
+            <p:txBody>
+              <a:bodyPr lIns="45720" rIns="45720" rtlCol="0" anchor="ctr"/>
+              <a:lstStyle/>
+              <a:p>
+                <a:pPr algn="ctr"/>
+                <a:r>
+                  <a:rPr lang="en-US" sz="1000" dirty="0" smtClean="0">
+                    <a:latin typeface="Times New Roman" panose="02020603050405020304" pitchFamily="18" charset="0"/>
+                    <a:cs typeface="Times New Roman" panose="02020603050405020304" pitchFamily="18" charset="0"/>
+                  </a:rPr>
+                  <a:t>24</a:t>
+                </a:r>
+                <a:endParaRPr lang="en-US" sz="1000" dirty="0">
+                  <a:latin typeface="Times New Roman" panose="02020603050405020304" pitchFamily="18" charset="0"/>
+                  <a:cs typeface="Times New Roman" panose="02020603050405020304" pitchFamily="18" charset="0"/>
+                </a:endParaRPr>
+              </a:p>
+            </p:txBody>
+          </p:sp>
+          <p:sp>
+            <p:nvSpPr>
+              <p:cNvPr id="125" name="Rectangle 124"/>
+              <p:cNvSpPr/>
+              <p:nvPr/>
+            </p:nvSpPr>
+            <p:spPr>
+              <a:xfrm>
+                <a:off x="866429" y="2491740"/>
+                <a:ext cx="203489" cy="190500"/>
+              </a:xfrm>
+              <a:prstGeom prst="rect">
+                <a:avLst/>
+              </a:prstGeom>
+            </p:spPr>
+            <p:style>
+              <a:lnRef idx="2">
+                <a:schemeClr val="accent2">
+                  <a:shade val="50000"/>
+                </a:schemeClr>
+              </a:lnRef>
+              <a:fillRef idx="1">
+                <a:schemeClr val="accent2"/>
+              </a:fillRef>
+              <a:effectRef idx="0">
+                <a:schemeClr val="accent2"/>
+              </a:effectRef>
+              <a:fontRef idx="minor">
+                <a:schemeClr val="lt1"/>
+              </a:fontRef>
+            </p:style>
+            <p:txBody>
+              <a:bodyPr lIns="45720" rIns="45720" rtlCol="0" anchor="ctr"/>
+              <a:lstStyle/>
+              <a:p>
+                <a:pPr algn="ctr"/>
+                <a:r>
+                  <a:rPr lang="en-US" sz="1000" dirty="0" smtClean="0">
+                    <a:latin typeface="Times New Roman" panose="02020603050405020304" pitchFamily="18" charset="0"/>
+                    <a:cs typeface="Times New Roman" panose="02020603050405020304" pitchFamily="18" charset="0"/>
+                  </a:rPr>
+                  <a:t>25</a:t>
+                </a:r>
+                <a:endParaRPr lang="en-US" sz="1000" dirty="0">
+                  <a:latin typeface="Times New Roman" panose="02020603050405020304" pitchFamily="18" charset="0"/>
+                  <a:cs typeface="Times New Roman" panose="02020603050405020304" pitchFamily="18" charset="0"/>
+                </a:endParaRPr>
+              </a:p>
+            </p:txBody>
+          </p:sp>
+          <p:sp>
+            <p:nvSpPr>
+              <p:cNvPr id="126" name="Rectangle 125"/>
+              <p:cNvSpPr/>
+              <p:nvPr/>
+            </p:nvSpPr>
+            <p:spPr>
+              <a:xfrm>
+                <a:off x="1069918" y="2491740"/>
+                <a:ext cx="203489" cy="190500"/>
+              </a:xfrm>
+              <a:prstGeom prst="rect">
+                <a:avLst/>
+              </a:prstGeom>
+            </p:spPr>
+            <p:style>
+              <a:lnRef idx="2">
+                <a:schemeClr val="accent2">
+                  <a:shade val="50000"/>
+                </a:schemeClr>
+              </a:lnRef>
+              <a:fillRef idx="1">
+                <a:schemeClr val="accent2"/>
+              </a:fillRef>
+              <a:effectRef idx="0">
+                <a:schemeClr val="accent2"/>
+              </a:effectRef>
+              <a:fontRef idx="minor">
+                <a:schemeClr val="lt1"/>
+              </a:fontRef>
+            </p:style>
+            <p:txBody>
+              <a:bodyPr lIns="45720" rIns="45720" rtlCol="0" anchor="ctr"/>
+              <a:lstStyle/>
+              <a:p>
+                <a:pPr algn="ctr"/>
+                <a:r>
+                  <a:rPr lang="en-US" sz="1000" dirty="0" smtClean="0">
+                    <a:latin typeface="Times New Roman" panose="02020603050405020304" pitchFamily="18" charset="0"/>
+                    <a:cs typeface="Times New Roman" panose="02020603050405020304" pitchFamily="18" charset="0"/>
+                  </a:rPr>
+                  <a:t>26</a:t>
+                </a:r>
+                <a:endParaRPr lang="en-US" sz="1000" dirty="0">
+                  <a:latin typeface="Times New Roman" panose="02020603050405020304" pitchFamily="18" charset="0"/>
+                  <a:cs typeface="Times New Roman" panose="02020603050405020304" pitchFamily="18" charset="0"/>
+                </a:endParaRPr>
+              </a:p>
+            </p:txBody>
+          </p:sp>
+          <p:sp>
+            <p:nvSpPr>
+              <p:cNvPr id="127" name="Rectangle 126"/>
+              <p:cNvSpPr/>
+              <p:nvPr/>
+            </p:nvSpPr>
+            <p:spPr>
+              <a:xfrm>
+                <a:off x="1273406" y="2491740"/>
+                <a:ext cx="203489" cy="190500"/>
+              </a:xfrm>
+              <a:prstGeom prst="rect">
+                <a:avLst/>
+              </a:prstGeom>
+            </p:spPr>
+            <p:style>
+              <a:lnRef idx="2">
+                <a:schemeClr val="accent2">
+                  <a:shade val="50000"/>
+                </a:schemeClr>
+              </a:lnRef>
+              <a:fillRef idx="1">
+                <a:schemeClr val="accent2"/>
+              </a:fillRef>
+              <a:effectRef idx="0">
+                <a:schemeClr val="accent2"/>
+              </a:effectRef>
+              <a:fontRef idx="minor">
+                <a:schemeClr val="lt1"/>
+              </a:fontRef>
+            </p:style>
+            <p:txBody>
+              <a:bodyPr lIns="45720" rIns="45720" rtlCol="0" anchor="ctr"/>
+              <a:lstStyle/>
+              <a:p>
+                <a:pPr algn="ctr"/>
+                <a:r>
+                  <a:rPr lang="en-US" sz="1000" dirty="0" smtClean="0">
+                    <a:latin typeface="Times New Roman" panose="02020603050405020304" pitchFamily="18" charset="0"/>
+                    <a:cs typeface="Times New Roman" panose="02020603050405020304" pitchFamily="18" charset="0"/>
+                  </a:rPr>
+                  <a:t>27</a:t>
+                </a:r>
+                <a:endParaRPr lang="en-US" sz="1000" dirty="0">
+                  <a:latin typeface="Times New Roman" panose="02020603050405020304" pitchFamily="18" charset="0"/>
+                  <a:cs typeface="Times New Roman" panose="02020603050405020304" pitchFamily="18" charset="0"/>
+                </a:endParaRPr>
+              </a:p>
+            </p:txBody>
+          </p:sp>
+          <p:sp>
+            <p:nvSpPr>
+              <p:cNvPr id="128" name="Rectangle 127"/>
+              <p:cNvSpPr/>
+              <p:nvPr/>
+            </p:nvSpPr>
+            <p:spPr>
+              <a:xfrm>
+                <a:off x="662940" y="2682240"/>
+                <a:ext cx="203489" cy="190500"/>
+              </a:xfrm>
+              <a:prstGeom prst="rect">
+                <a:avLst/>
+              </a:prstGeom>
+            </p:spPr>
+            <p:style>
+              <a:lnRef idx="2">
+                <a:schemeClr val="accent2">
+                  <a:shade val="50000"/>
+                </a:schemeClr>
+              </a:lnRef>
+              <a:fillRef idx="1">
+                <a:schemeClr val="accent2"/>
+              </a:fillRef>
+              <a:effectRef idx="0">
+                <a:schemeClr val="accent2"/>
+              </a:effectRef>
+              <a:fontRef idx="minor">
+                <a:schemeClr val="lt1"/>
+              </a:fontRef>
+            </p:style>
+            <p:txBody>
+              <a:bodyPr lIns="45720" rIns="45720" rtlCol="0" anchor="ctr"/>
+              <a:lstStyle/>
+              <a:p>
+                <a:pPr algn="ctr"/>
+                <a:r>
+                  <a:rPr lang="en-US" sz="1000" dirty="0" smtClean="0">
+                    <a:latin typeface="Times New Roman" panose="02020603050405020304" pitchFamily="18" charset="0"/>
+                    <a:cs typeface="Times New Roman" panose="02020603050405020304" pitchFamily="18" charset="0"/>
+                  </a:rPr>
+                  <a:t>28</a:t>
+                </a:r>
+                <a:endParaRPr lang="en-US" sz="1000" dirty="0">
+                  <a:latin typeface="Times New Roman" panose="02020603050405020304" pitchFamily="18" charset="0"/>
+                  <a:cs typeface="Times New Roman" panose="02020603050405020304" pitchFamily="18" charset="0"/>
+                </a:endParaRPr>
+              </a:p>
+            </p:txBody>
+          </p:sp>
+          <p:sp>
+            <p:nvSpPr>
+              <p:cNvPr id="129" name="Rectangle 128"/>
+              <p:cNvSpPr/>
+              <p:nvPr/>
+            </p:nvSpPr>
+            <p:spPr>
+              <a:xfrm>
+                <a:off x="866429" y="2682240"/>
+                <a:ext cx="203489" cy="190500"/>
+              </a:xfrm>
+              <a:prstGeom prst="rect">
+                <a:avLst/>
+              </a:prstGeom>
+            </p:spPr>
+            <p:style>
+              <a:lnRef idx="2">
+                <a:schemeClr val="accent2">
+                  <a:shade val="50000"/>
+                </a:schemeClr>
+              </a:lnRef>
+              <a:fillRef idx="1">
+                <a:schemeClr val="accent2"/>
+              </a:fillRef>
+              <a:effectRef idx="0">
+                <a:schemeClr val="accent2"/>
+              </a:effectRef>
+              <a:fontRef idx="minor">
+                <a:schemeClr val="lt1"/>
+              </a:fontRef>
+            </p:style>
+            <p:txBody>
+              <a:bodyPr lIns="45720" rIns="45720" rtlCol="0" anchor="ctr"/>
+              <a:lstStyle/>
+              <a:p>
+                <a:pPr algn="ctr"/>
+                <a:r>
+                  <a:rPr lang="en-US" sz="1000" dirty="0" smtClean="0">
+                    <a:latin typeface="Times New Roman" panose="02020603050405020304" pitchFamily="18" charset="0"/>
+                    <a:cs typeface="Times New Roman" panose="02020603050405020304" pitchFamily="18" charset="0"/>
+                  </a:rPr>
+                  <a:t>29</a:t>
+                </a:r>
+                <a:endParaRPr lang="en-US" sz="1000" dirty="0">
+                  <a:latin typeface="Times New Roman" panose="02020603050405020304" pitchFamily="18" charset="0"/>
+                  <a:cs typeface="Times New Roman" panose="02020603050405020304" pitchFamily="18" charset="0"/>
+                </a:endParaRPr>
+              </a:p>
+            </p:txBody>
+          </p:sp>
+          <p:sp>
+            <p:nvSpPr>
+              <p:cNvPr id="130" name="Rectangle 129"/>
+              <p:cNvSpPr/>
+              <p:nvPr/>
+            </p:nvSpPr>
+            <p:spPr>
+              <a:xfrm>
+                <a:off x="1069918" y="2682240"/>
+                <a:ext cx="203489" cy="190500"/>
+              </a:xfrm>
+              <a:prstGeom prst="rect">
+                <a:avLst/>
+              </a:prstGeom>
+            </p:spPr>
+            <p:style>
+              <a:lnRef idx="2">
+                <a:schemeClr val="accent2">
+                  <a:shade val="50000"/>
+                </a:schemeClr>
+              </a:lnRef>
+              <a:fillRef idx="1">
+                <a:schemeClr val="accent2"/>
+              </a:fillRef>
+              <a:effectRef idx="0">
+                <a:schemeClr val="accent2"/>
+              </a:effectRef>
+              <a:fontRef idx="minor">
+                <a:schemeClr val="lt1"/>
+              </a:fontRef>
+            </p:style>
+            <p:txBody>
+              <a:bodyPr lIns="45720" rIns="45720" rtlCol="0" anchor="ctr"/>
+              <a:lstStyle/>
+              <a:p>
+                <a:pPr algn="ctr"/>
+                <a:r>
+                  <a:rPr lang="en-US" sz="1000" dirty="0" smtClean="0">
+                    <a:latin typeface="Times New Roman" panose="02020603050405020304" pitchFamily="18" charset="0"/>
+                    <a:cs typeface="Times New Roman" panose="02020603050405020304" pitchFamily="18" charset="0"/>
+                  </a:rPr>
+                  <a:t>30</a:t>
+                </a:r>
+                <a:endParaRPr lang="en-US" sz="1000" dirty="0">
+                  <a:latin typeface="Times New Roman" panose="02020603050405020304" pitchFamily="18" charset="0"/>
+                  <a:cs typeface="Times New Roman" panose="02020603050405020304" pitchFamily="18" charset="0"/>
+                </a:endParaRPr>
+              </a:p>
+            </p:txBody>
+          </p:sp>
+          <p:sp>
+            <p:nvSpPr>
+              <p:cNvPr id="131" name="Rectangle 130"/>
+              <p:cNvSpPr/>
+              <p:nvPr/>
+            </p:nvSpPr>
+            <p:spPr>
+              <a:xfrm>
+                <a:off x="1273406" y="2682240"/>
+                <a:ext cx="203489" cy="190500"/>
+              </a:xfrm>
+              <a:prstGeom prst="rect">
+                <a:avLst/>
+              </a:prstGeom>
+            </p:spPr>
+            <p:style>
+              <a:lnRef idx="2">
+                <a:schemeClr val="accent2">
+                  <a:shade val="50000"/>
+                </a:schemeClr>
+              </a:lnRef>
+              <a:fillRef idx="1">
+                <a:schemeClr val="accent2"/>
+              </a:fillRef>
+              <a:effectRef idx="0">
+                <a:schemeClr val="accent2"/>
+              </a:effectRef>
+              <a:fontRef idx="minor">
+                <a:schemeClr val="lt1"/>
+              </a:fontRef>
+            </p:style>
+            <p:txBody>
+              <a:bodyPr lIns="45720" rIns="45720" rtlCol="0" anchor="ctr"/>
+              <a:lstStyle/>
+              <a:p>
+                <a:pPr algn="ctr"/>
+                <a:r>
+                  <a:rPr lang="en-US" sz="1000" dirty="0" smtClean="0">
+                    <a:latin typeface="Times New Roman" panose="02020603050405020304" pitchFamily="18" charset="0"/>
+                    <a:cs typeface="Times New Roman" panose="02020603050405020304" pitchFamily="18" charset="0"/>
+                  </a:rPr>
+                  <a:t>31</a:t>
+                </a:r>
+                <a:endParaRPr lang="en-US" sz="1000" dirty="0">
+                  <a:latin typeface="Times New Roman" panose="02020603050405020304" pitchFamily="18" charset="0"/>
+                  <a:cs typeface="Times New Roman" panose="02020603050405020304" pitchFamily="18" charset="0"/>
+                </a:endParaRPr>
+              </a:p>
+            </p:txBody>
+          </p:sp>
+        </p:grpSp>
+        <p:sp>
+          <p:nvSpPr>
+            <p:cNvPr id="132" name="TextBox 131"/>
+            <p:cNvSpPr txBox="1"/>
+            <p:nvPr/>
+          </p:nvSpPr>
+          <p:spPr>
+            <a:xfrm>
+              <a:off x="4187975" y="694610"/>
+              <a:ext cx="343364" cy="369332"/>
+            </a:xfrm>
+            <a:prstGeom prst="rect">
+              <a:avLst/>
+            </a:prstGeom>
+            <a:noFill/>
+          </p:spPr>
+          <p:txBody>
+            <a:bodyPr wrap="none" rtlCol="0">
+              <a:spAutoFit/>
+            </a:bodyPr>
+            <a:lstStyle/>
+            <a:p>
+              <a:r>
+                <a:rPr lang="en-US" dirty="0" smtClean="0"/>
+                <a:t>…</a:t>
+              </a:r>
+            </a:p>
+          </p:txBody>
+        </p:sp>
+        <p:sp>
+          <p:nvSpPr>
+            <p:cNvPr id="133" name="TextBox 132"/>
+            <p:cNvSpPr txBox="1"/>
+            <p:nvPr/>
+          </p:nvSpPr>
+          <p:spPr>
+            <a:xfrm>
+              <a:off x="4182030" y="2104072"/>
+              <a:ext cx="343364" cy="369332"/>
+            </a:xfrm>
+            <a:prstGeom prst="rect">
+              <a:avLst/>
+            </a:prstGeom>
+            <a:noFill/>
+          </p:spPr>
+          <p:txBody>
+            <a:bodyPr wrap="none" rtlCol="0">
+              <a:spAutoFit/>
+            </a:bodyPr>
+            <a:lstStyle/>
+            <a:p>
+              <a:r>
+                <a:rPr lang="en-US" dirty="0" smtClean="0"/>
+                <a:t>…</a:t>
+              </a:r>
+            </a:p>
+          </p:txBody>
+        </p:sp>
+        <p:sp>
+          <p:nvSpPr>
+            <p:cNvPr id="168" name="TextBox 167"/>
+            <p:cNvSpPr txBox="1"/>
+            <p:nvPr/>
+          </p:nvSpPr>
+          <p:spPr>
+            <a:xfrm>
+              <a:off x="936105" y="3038237"/>
+              <a:ext cx="630301" cy="246221"/>
+            </a:xfrm>
+            <a:prstGeom prst="rect">
+              <a:avLst/>
+            </a:prstGeom>
+            <a:noFill/>
+          </p:spPr>
+          <p:txBody>
+            <a:bodyPr wrap="none" rtlCol="0">
+              <a:spAutoFit/>
+            </a:bodyPr>
+            <a:lstStyle/>
+            <a:p>
+              <a:r>
+                <a:rPr lang="en-US" sz="1000" dirty="0" err="1" smtClean="0">
+                  <a:latin typeface="Times New Roman" panose="02020603050405020304" pitchFamily="18" charset="0"/>
+                  <a:cs typeface="Times New Roman" panose="02020603050405020304" pitchFamily="18" charset="0"/>
+                </a:rPr>
+                <a:t>inode</a:t>
+              </a:r>
+              <a:r>
+                <a:rPr lang="en-US" sz="1000" dirty="0" smtClean="0">
+                  <a:latin typeface="Times New Roman" panose="02020603050405020304" pitchFamily="18" charset="0"/>
+                  <a:cs typeface="Times New Roman" panose="02020603050405020304" pitchFamily="18" charset="0"/>
+                </a:rPr>
+                <a:t> 20</a:t>
+              </a:r>
+              <a:endParaRPr lang="en-US" sz="1000" dirty="0">
+                <a:latin typeface="Times New Roman" panose="02020603050405020304" pitchFamily="18" charset="0"/>
+                <a:cs typeface="Times New Roman" panose="02020603050405020304" pitchFamily="18" charset="0"/>
+              </a:endParaRPr>
+            </a:p>
+          </p:txBody>
+        </p:sp>
+        <p:grpSp>
+          <p:nvGrpSpPr>
+            <p:cNvPr id="205" name="Group 204"/>
+            <p:cNvGrpSpPr/>
+            <p:nvPr/>
+          </p:nvGrpSpPr>
+          <p:grpSpPr>
+            <a:xfrm>
+              <a:off x="649060" y="3284458"/>
+              <a:ext cx="1271301" cy="926785"/>
+              <a:chOff x="649060" y="3284458"/>
+              <a:chExt cx="1271301" cy="926785"/>
+            </a:xfrm>
+          </p:grpSpPr>
+          <p:sp>
+            <p:nvSpPr>
+              <p:cNvPr id="189" name="Rectangle 188"/>
+              <p:cNvSpPr/>
+              <p:nvPr/>
+            </p:nvSpPr>
+            <p:spPr>
+              <a:xfrm>
+                <a:off x="677937" y="3287316"/>
+                <a:ext cx="1242424" cy="869156"/>
+              </a:xfrm>
+              <a:prstGeom prst="rect">
+                <a:avLst/>
+              </a:prstGeom>
+            </p:spPr>
+            <p:style>
+              <a:lnRef idx="1">
+                <a:schemeClr val="accent2"/>
+              </a:lnRef>
+              <a:fillRef idx="2">
+                <a:schemeClr val="accent2"/>
+              </a:fillRef>
+              <a:effectRef idx="1">
+                <a:schemeClr val="accent2"/>
+              </a:effectRef>
+              <a:fontRef idx="minor">
+                <a:schemeClr val="dk1"/>
+              </a:fontRef>
+            </p:style>
+            <p:txBody>
+              <a:bodyPr rtlCol="0" anchor="ctr"/>
+              <a:lstStyle/>
+              <a:p>
+                <a:pPr algn="ctr"/>
+                <a:endParaRPr lang="en-US">
+                  <a:solidFill>
+                    <a:schemeClr val="tx1"/>
+                  </a:solidFill>
+                </a:endParaRPr>
+              </a:p>
+            </p:txBody>
+          </p:sp>
+          <p:sp>
+            <p:nvSpPr>
+              <p:cNvPr id="192" name="TextBox 191"/>
+              <p:cNvSpPr txBox="1"/>
+              <p:nvPr/>
+            </p:nvSpPr>
+            <p:spPr>
+              <a:xfrm>
+                <a:off x="961117" y="3284458"/>
+                <a:ext cx="523541" cy="246221"/>
+              </a:xfrm>
+              <a:prstGeom prst="rect">
+                <a:avLst/>
+              </a:prstGeom>
+              <a:noFill/>
+            </p:spPr>
+            <p:txBody>
+              <a:bodyPr wrap="none" lIns="45720" rIns="45720" rtlCol="0">
+                <a:spAutoFit/>
+              </a:bodyPr>
+              <a:lstStyle/>
+              <a:p>
+                <a:r>
+                  <a:rPr lang="en-US" sz="1000" dirty="0" smtClean="0">
+                    <a:latin typeface="Times New Roman" panose="02020603050405020304" pitchFamily="18" charset="0"/>
+                    <a:cs typeface="Times New Roman" panose="02020603050405020304" pitchFamily="18" charset="0"/>
+                  </a:rPr>
+                  <a:t>File size</a:t>
+                </a:r>
+                <a:endParaRPr lang="en-US" sz="1000" dirty="0">
+                  <a:latin typeface="Times New Roman" panose="02020603050405020304" pitchFamily="18" charset="0"/>
+                  <a:cs typeface="Times New Roman" panose="02020603050405020304" pitchFamily="18" charset="0"/>
+                </a:endParaRPr>
+              </a:p>
+            </p:txBody>
+          </p:sp>
+          <p:cxnSp>
+            <p:nvCxnSpPr>
+              <p:cNvPr id="194" name="Straight Connector 193"/>
+              <p:cNvCxnSpPr/>
+              <p:nvPr/>
+            </p:nvCxnSpPr>
+            <p:spPr>
+              <a:xfrm>
+                <a:off x="677937" y="3530679"/>
+                <a:ext cx="1242125" cy="0"/>
+              </a:xfrm>
+              <a:prstGeom prst="line">
+                <a:avLst/>
+              </a:prstGeom>
+              <a:ln>
+                <a:solidFill>
+                  <a:schemeClr val="tx1"/>
+                </a:solidFill>
+              </a:ln>
+            </p:spPr>
+            <p:style>
+              <a:lnRef idx="1">
+                <a:schemeClr val="accent1"/>
+              </a:lnRef>
+              <a:fillRef idx="0">
+                <a:schemeClr val="accent1"/>
+              </a:fillRef>
+              <a:effectRef idx="0">
+                <a:schemeClr val="accent1"/>
+              </a:effectRef>
+              <a:fontRef idx="minor">
+                <a:schemeClr val="tx1"/>
+              </a:fontRef>
+            </p:style>
+          </p:cxnSp>
+          <p:sp>
+            <p:nvSpPr>
+              <p:cNvPr id="196" name="TextBox 195"/>
+              <p:cNvSpPr txBox="1"/>
+              <p:nvPr/>
+            </p:nvSpPr>
+            <p:spPr>
+              <a:xfrm>
+                <a:off x="649060" y="3516392"/>
+                <a:ext cx="1188146" cy="246221"/>
+              </a:xfrm>
+              <a:prstGeom prst="rect">
+                <a:avLst/>
+              </a:prstGeom>
+              <a:noFill/>
+            </p:spPr>
+            <p:txBody>
+              <a:bodyPr wrap="none" rtlCol="0">
+                <a:spAutoFit/>
+              </a:bodyPr>
+              <a:lstStyle/>
+              <a:p>
+                <a:r>
+                  <a:rPr lang="en-US" sz="1000" b="1" dirty="0" smtClean="0">
+                    <a:solidFill>
+                      <a:srgbClr val="002060"/>
+                    </a:solidFill>
+                    <a:latin typeface="Times New Roman" panose="02020603050405020304" pitchFamily="18" charset="0"/>
+                    <a:cs typeface="Times New Roman" panose="02020603050405020304" pitchFamily="18" charset="0"/>
+                  </a:rPr>
+                  <a:t>Last block version</a:t>
+                </a:r>
+                <a:endParaRPr lang="en-US" sz="1000" b="1" dirty="0">
+                  <a:solidFill>
+                    <a:srgbClr val="002060"/>
+                  </a:solidFill>
+                  <a:latin typeface="Times New Roman" panose="02020603050405020304" pitchFamily="18" charset="0"/>
+                  <a:cs typeface="Times New Roman" panose="02020603050405020304" pitchFamily="18" charset="0"/>
+                </a:endParaRPr>
+              </a:p>
+            </p:txBody>
+          </p:sp>
+          <p:cxnSp>
+            <p:nvCxnSpPr>
+              <p:cNvPr id="197" name="Straight Connector 196"/>
+              <p:cNvCxnSpPr/>
+              <p:nvPr/>
+            </p:nvCxnSpPr>
+            <p:spPr>
+              <a:xfrm>
+                <a:off x="677937" y="3736181"/>
+                <a:ext cx="1242125" cy="0"/>
+              </a:xfrm>
+              <a:prstGeom prst="line">
+                <a:avLst/>
+              </a:prstGeom>
+              <a:ln>
+                <a:solidFill>
+                  <a:schemeClr val="tx1"/>
+                </a:solidFill>
+              </a:ln>
+            </p:spPr>
+            <p:style>
+              <a:lnRef idx="1">
+                <a:schemeClr val="accent1"/>
+              </a:lnRef>
+              <a:fillRef idx="0">
+                <a:schemeClr val="accent1"/>
+              </a:fillRef>
+              <a:effectRef idx="0">
+                <a:schemeClr val="accent1"/>
+              </a:effectRef>
+              <a:fontRef idx="minor">
+                <a:schemeClr val="tx1"/>
+              </a:fontRef>
+            </p:style>
+          </p:cxnSp>
+          <p:sp>
+            <p:nvSpPr>
+              <p:cNvPr id="198" name="TextBox 197"/>
+              <p:cNvSpPr txBox="1"/>
+              <p:nvPr/>
+            </p:nvSpPr>
+            <p:spPr>
+              <a:xfrm>
+                <a:off x="649060" y="3721894"/>
+                <a:ext cx="1199367" cy="246221"/>
+              </a:xfrm>
+              <a:prstGeom prst="rect">
+                <a:avLst/>
+              </a:prstGeom>
+              <a:noFill/>
+            </p:spPr>
+            <p:txBody>
+              <a:bodyPr wrap="none" rtlCol="0">
+                <a:spAutoFit/>
+              </a:bodyPr>
+              <a:lstStyle/>
+              <a:p>
+                <a:r>
+                  <a:rPr lang="en-US" sz="1000" dirty="0">
+                    <a:latin typeface="Times New Roman" panose="02020603050405020304" pitchFamily="18" charset="0"/>
+                    <a:cs typeface="Times New Roman" panose="02020603050405020304" pitchFamily="18" charset="0"/>
+                  </a:rPr>
+                  <a:t>Index block UUIDs</a:t>
+                </a:r>
+                <a:endParaRPr lang="en-US" sz="1000" dirty="0">
+                  <a:latin typeface="Times New Roman" panose="02020603050405020304" pitchFamily="18" charset="0"/>
+                  <a:cs typeface="Times New Roman" panose="02020603050405020304" pitchFamily="18" charset="0"/>
+                </a:endParaRPr>
+              </a:p>
+            </p:txBody>
+          </p:sp>
+          <p:cxnSp>
+            <p:nvCxnSpPr>
+              <p:cNvPr id="199" name="Straight Connector 198"/>
+              <p:cNvCxnSpPr/>
+              <p:nvPr/>
+            </p:nvCxnSpPr>
+            <p:spPr>
+              <a:xfrm>
+                <a:off x="677937" y="3927395"/>
+                <a:ext cx="1242125" cy="0"/>
+              </a:xfrm>
+              <a:prstGeom prst="line">
+                <a:avLst/>
+              </a:prstGeom>
+              <a:ln>
+                <a:solidFill>
+                  <a:schemeClr val="tx1"/>
+                </a:solidFill>
+              </a:ln>
+            </p:spPr>
+            <p:style>
+              <a:lnRef idx="1">
+                <a:schemeClr val="accent1"/>
+              </a:lnRef>
+              <a:fillRef idx="0">
+                <a:schemeClr val="accent1"/>
+              </a:fillRef>
+              <a:effectRef idx="0">
+                <a:schemeClr val="accent1"/>
+              </a:effectRef>
+              <a:fontRef idx="minor">
+                <a:schemeClr val="tx1"/>
+              </a:fontRef>
+            </p:style>
+          </p:cxnSp>
+          <p:sp>
+            <p:nvSpPr>
+              <p:cNvPr id="202" name="TextBox 201"/>
+              <p:cNvSpPr txBox="1"/>
+              <p:nvPr/>
+            </p:nvSpPr>
+            <p:spPr>
+              <a:xfrm>
+                <a:off x="1075250" y="3841911"/>
+                <a:ext cx="343364" cy="369332"/>
+              </a:xfrm>
+              <a:prstGeom prst="rect">
+                <a:avLst/>
+              </a:prstGeom>
+              <a:noFill/>
+            </p:spPr>
+            <p:txBody>
+              <a:bodyPr wrap="none" rtlCol="0">
+                <a:spAutoFit/>
+              </a:bodyPr>
+              <a:lstStyle/>
+              <a:p>
+                <a:r>
+                  <a:rPr lang="en-US" dirty="0" smtClean="0"/>
+                  <a:t>…</a:t>
+                </a:r>
+              </a:p>
+            </p:txBody>
+          </p:sp>
+        </p:grpSp>
+        <p:cxnSp>
+          <p:nvCxnSpPr>
+            <p:cNvPr id="204" name="Straight Arrow Connector 203"/>
+            <p:cNvCxnSpPr>
+              <a:stCxn id="100" idx="0"/>
+              <a:endCxn id="168" idx="3"/>
+            </p:cNvCxnSpPr>
+            <p:nvPr/>
+          </p:nvCxnSpPr>
+          <p:spPr>
+            <a:xfrm flipH="1">
+              <a:off x="1566406" y="2348865"/>
+              <a:ext cx="419955" cy="812483"/>
+            </a:xfrm>
+            <a:prstGeom prst="straightConnector1">
+              <a:avLst/>
+            </a:prstGeom>
+            <a:ln>
+              <a:solidFill>
+                <a:schemeClr val="tx1"/>
+              </a:solidFill>
+              <a:tailEnd type="triangle"/>
+            </a:ln>
+          </p:spPr>
+          <p:style>
+            <a:lnRef idx="1">
+              <a:schemeClr val="accent1"/>
+            </a:lnRef>
+            <a:fillRef idx="0">
+              <a:schemeClr val="accent1"/>
+            </a:fillRef>
+            <a:effectRef idx="0">
+              <a:schemeClr val="accent1"/>
+            </a:effectRef>
+            <a:fontRef idx="minor">
+              <a:schemeClr val="tx1"/>
+            </a:fontRef>
+          </p:style>
+        </p:cxnSp>
+        <p:sp>
+          <p:nvSpPr>
+            <p:cNvPr id="208" name="Rectangle 207"/>
+            <p:cNvSpPr/>
+            <p:nvPr/>
+          </p:nvSpPr>
+          <p:spPr>
+            <a:xfrm>
+              <a:off x="2642802" y="3284459"/>
+              <a:ext cx="262628" cy="249079"/>
+            </a:xfrm>
+            <a:prstGeom prst="rect">
+              <a:avLst/>
+            </a:prstGeom>
+          </p:spPr>
+          <p:style>
+            <a:lnRef idx="2">
+              <a:schemeClr val="accent6">
+                <a:shade val="50000"/>
+              </a:schemeClr>
+            </a:lnRef>
+            <a:fillRef idx="1">
+              <a:schemeClr val="accent6"/>
+            </a:fillRef>
+            <a:effectRef idx="0">
+              <a:schemeClr val="accent6"/>
+            </a:effectRef>
+            <a:fontRef idx="minor">
+              <a:schemeClr val="lt1"/>
+            </a:fontRef>
+          </p:style>
+          <p:txBody>
+            <a:bodyPr lIns="45720" rIns="45720" rtlCol="0" anchor="ctr"/>
+            <a:lstStyle/>
+            <a:p>
+              <a:pPr algn="ctr"/>
+              <a:endParaRPr lang="en-US" sz="1000" dirty="0">
+                <a:latin typeface="Times New Roman" panose="02020603050405020304" pitchFamily="18" charset="0"/>
+                <a:cs typeface="Times New Roman" panose="02020603050405020304" pitchFamily="18" charset="0"/>
+              </a:endParaRPr>
+            </a:p>
+          </p:txBody>
+        </p:sp>
+        <p:sp>
+          <p:nvSpPr>
+            <p:cNvPr id="209" name="Rectangle 208"/>
+            <p:cNvSpPr/>
+            <p:nvPr/>
+          </p:nvSpPr>
+          <p:spPr>
+            <a:xfrm>
+              <a:off x="2642802" y="3595926"/>
+              <a:ext cx="262628" cy="249079"/>
+            </a:xfrm>
+            <a:prstGeom prst="rect">
+              <a:avLst/>
+            </a:prstGeom>
+          </p:spPr>
+          <p:style>
+            <a:lnRef idx="2">
+              <a:schemeClr val="accent6">
+                <a:shade val="50000"/>
+              </a:schemeClr>
+            </a:lnRef>
+            <a:fillRef idx="1">
+              <a:schemeClr val="accent6"/>
+            </a:fillRef>
+            <a:effectRef idx="0">
+              <a:schemeClr val="accent6"/>
+            </a:effectRef>
+            <a:fontRef idx="minor">
+              <a:schemeClr val="lt1"/>
+            </a:fontRef>
+          </p:style>
+          <p:txBody>
+            <a:bodyPr lIns="45720" rIns="45720" rtlCol="0" anchor="ctr"/>
+            <a:lstStyle/>
+            <a:p>
+              <a:pPr algn="ctr"/>
+              <a:endParaRPr lang="en-US" sz="1000" dirty="0">
+                <a:latin typeface="Times New Roman" panose="02020603050405020304" pitchFamily="18" charset="0"/>
+                <a:cs typeface="Times New Roman" panose="02020603050405020304" pitchFamily="18" charset="0"/>
+              </a:endParaRPr>
+            </a:p>
+          </p:txBody>
+        </p:sp>
+        <p:sp>
+          <p:nvSpPr>
+            <p:cNvPr id="210" name="Rectangle 209"/>
+            <p:cNvSpPr/>
+            <p:nvPr/>
+          </p:nvSpPr>
+          <p:spPr>
+            <a:xfrm>
+              <a:off x="2642675" y="3907393"/>
+              <a:ext cx="262628" cy="249079"/>
+            </a:xfrm>
+            <a:prstGeom prst="rect">
+              <a:avLst/>
+            </a:prstGeom>
+          </p:spPr>
+          <p:style>
+            <a:lnRef idx="2">
+              <a:schemeClr val="accent6">
+                <a:shade val="50000"/>
+              </a:schemeClr>
+            </a:lnRef>
+            <a:fillRef idx="1">
+              <a:schemeClr val="accent6"/>
+            </a:fillRef>
+            <a:effectRef idx="0">
+              <a:schemeClr val="accent6"/>
+            </a:effectRef>
+            <a:fontRef idx="minor">
+              <a:schemeClr val="lt1"/>
+            </a:fontRef>
+          </p:style>
+          <p:txBody>
+            <a:bodyPr lIns="45720" rIns="45720" rtlCol="0" anchor="ctr"/>
+            <a:lstStyle/>
+            <a:p>
+              <a:pPr algn="ctr"/>
+              <a:endParaRPr lang="en-US" sz="1000" dirty="0">
+                <a:latin typeface="Times New Roman" panose="02020603050405020304" pitchFamily="18" charset="0"/>
+                <a:cs typeface="Times New Roman" panose="02020603050405020304" pitchFamily="18" charset="0"/>
+              </a:endParaRPr>
+            </a:p>
+          </p:txBody>
+        </p:sp>
+        <p:cxnSp>
+          <p:nvCxnSpPr>
+            <p:cNvPr id="212" name="Straight Arrow Connector 211"/>
+            <p:cNvCxnSpPr>
+              <a:endCxn id="208" idx="1"/>
+            </p:cNvCxnSpPr>
+            <p:nvPr/>
+          </p:nvCxnSpPr>
+          <p:spPr>
+            <a:xfrm flipV="1">
+              <a:off x="1907697" y="3408999"/>
+              <a:ext cx="735105" cy="425054"/>
+            </a:xfrm>
+            <a:prstGeom prst="straightConnector1">
+              <a:avLst/>
+            </a:prstGeom>
+            <a:ln>
+              <a:solidFill>
+                <a:schemeClr val="tx1"/>
+              </a:solidFill>
+              <a:tailEnd type="triangle"/>
+            </a:ln>
+          </p:spPr>
+          <p:style>
+            <a:lnRef idx="1">
+              <a:schemeClr val="accent1"/>
+            </a:lnRef>
+            <a:fillRef idx="0">
+              <a:schemeClr val="accent1"/>
+            </a:fillRef>
+            <a:effectRef idx="0">
+              <a:schemeClr val="accent1"/>
+            </a:effectRef>
+            <a:fontRef idx="minor">
+              <a:schemeClr val="tx1"/>
+            </a:fontRef>
+          </p:style>
+        </p:cxnSp>
+        <p:cxnSp>
+          <p:nvCxnSpPr>
+            <p:cNvPr id="215" name="Straight Arrow Connector 214"/>
+            <p:cNvCxnSpPr>
+              <a:endCxn id="209" idx="1"/>
+            </p:cNvCxnSpPr>
+            <p:nvPr/>
+          </p:nvCxnSpPr>
+          <p:spPr>
+            <a:xfrm flipV="1">
+              <a:off x="1907697" y="3720466"/>
+              <a:ext cx="735105" cy="113587"/>
+            </a:xfrm>
+            <a:prstGeom prst="straightConnector1">
+              <a:avLst/>
+            </a:prstGeom>
+            <a:ln>
+              <a:solidFill>
+                <a:schemeClr val="tx1"/>
+              </a:solidFill>
+              <a:tailEnd type="triangle"/>
+            </a:ln>
+          </p:spPr>
+          <p:style>
+            <a:lnRef idx="1">
+              <a:schemeClr val="accent1"/>
+            </a:lnRef>
+            <a:fillRef idx="0">
+              <a:schemeClr val="accent1"/>
+            </a:fillRef>
+            <a:effectRef idx="0">
+              <a:schemeClr val="accent1"/>
+            </a:effectRef>
+            <a:fontRef idx="minor">
+              <a:schemeClr val="tx1"/>
+            </a:fontRef>
+          </p:style>
+        </p:cxnSp>
+        <p:cxnSp>
+          <p:nvCxnSpPr>
+            <p:cNvPr id="217" name="Straight Arrow Connector 216"/>
+            <p:cNvCxnSpPr>
+              <a:endCxn id="210" idx="1"/>
+            </p:cNvCxnSpPr>
+            <p:nvPr/>
+          </p:nvCxnSpPr>
+          <p:spPr>
+            <a:xfrm>
+              <a:off x="1920062" y="3841911"/>
+              <a:ext cx="722613" cy="190022"/>
+            </a:xfrm>
+            <a:prstGeom prst="straightConnector1">
+              <a:avLst/>
+            </a:prstGeom>
+            <a:ln>
+              <a:solidFill>
+                <a:schemeClr val="tx1"/>
+              </a:solidFill>
+              <a:tailEnd type="triangle"/>
+            </a:ln>
+          </p:spPr>
+          <p:style>
+            <a:lnRef idx="1">
+              <a:schemeClr val="accent1"/>
+            </a:lnRef>
+            <a:fillRef idx="0">
+              <a:schemeClr val="accent1"/>
+            </a:fillRef>
+            <a:effectRef idx="0">
+              <a:schemeClr val="accent1"/>
+            </a:effectRef>
+            <a:fontRef idx="minor">
+              <a:schemeClr val="tx1"/>
+            </a:fontRef>
+          </p:style>
+        </p:cxnSp>
+      </p:grpSp>
+    </p:spTree>
+    <p:extLst>
+      <p:ext uri="{BB962C8B-B14F-4D97-AF65-F5344CB8AC3E}">
+        <p14:creationId xmlns:p14="http://schemas.microsoft.com/office/powerpoint/2010/main" val="1686805748"/>
       </p:ext>
     </p:extLst>
   </p:cSld>
@@ -17715,14 +24961,7 @@
                     <a:latin typeface="Times New Roman" panose="02020603050405020304" pitchFamily="18" charset="0"/>
                     <a:cs typeface="Times New Roman" panose="02020603050405020304" pitchFamily="18" charset="0"/>
                   </a:rPr>
-                  <a:t>Data </a:t>
-                </a:r>
-                <a:r>
-                  <a:rPr lang="en-US" sz="1000" dirty="0" smtClean="0">
-                    <a:latin typeface="Times New Roman" panose="02020603050405020304" pitchFamily="18" charset="0"/>
-                    <a:cs typeface="Times New Roman" panose="02020603050405020304" pitchFamily="18" charset="0"/>
-                  </a:rPr>
-                  <a:t>block UUIDs</a:t>
+                  <a:t>Data block UUIDs</a:t>
                 </a:r>
                 <a:endParaRPr lang="en-US" sz="1000" dirty="0">
                   <a:latin typeface="Times New Roman" panose="02020603050405020304" pitchFamily="18" charset="0"/>
@@ -21402,14 +28641,7 @@
                   <a:latin typeface="Times New Roman" panose="02020603050405020304" pitchFamily="18" charset="0"/>
                   <a:cs typeface="Times New Roman" panose="02020603050405020304" pitchFamily="18" charset="0"/>
                 </a:rPr>
-                <a:t>Local </a:t>
-              </a:r>
-              <a:r>
-                <a:rPr lang="en-US" sz="1000" dirty="0" smtClean="0">
-                  <a:latin typeface="Times New Roman" panose="02020603050405020304" pitchFamily="18" charset="0"/>
-                  <a:cs typeface="Times New Roman" panose="02020603050405020304" pitchFamily="18" charset="0"/>
-                </a:rPr>
-                <a:t>Storage</a:t>
+                <a:t>Local Storage</a:t>
               </a:r>
               <a:endParaRPr lang="en-US" sz="1000" dirty="0">
                 <a:latin typeface="Times New Roman" panose="02020603050405020304" pitchFamily="18" charset="0"/>
@@ -21719,14 +28951,7 @@
                   <a:latin typeface="Times New Roman" panose="02020603050405020304" pitchFamily="18" charset="0"/>
                   <a:cs typeface="Times New Roman" panose="02020603050405020304" pitchFamily="18" charset="0"/>
                 </a:rPr>
-                <a:t>Cloud </a:t>
-              </a:r>
-              <a:r>
-                <a:rPr lang="en-US" sz="1000" dirty="0" smtClean="0">
-                  <a:latin typeface="Times New Roman" panose="02020603050405020304" pitchFamily="18" charset="0"/>
-                  <a:cs typeface="Times New Roman" panose="02020603050405020304" pitchFamily="18" charset="0"/>
-                </a:rPr>
-                <a:t>Storage</a:t>
+                <a:t>Cloud Storage</a:t>
               </a:r>
               <a:endParaRPr lang="en-US" sz="1000" dirty="0">
                 <a:latin typeface="Times New Roman" panose="02020603050405020304" pitchFamily="18" charset="0"/>
@@ -21776,10 +29001,6 @@
                 </a:rPr>
                 <a:t>File Directory</a:t>
               </a:r>
-              <a:endParaRPr lang="en-US" sz="1000" dirty="0">
-                <a:latin typeface="Times New Roman" panose="02020603050405020304" pitchFamily="18" charset="0"/>
-                <a:cs typeface="Times New Roman" panose="02020603050405020304" pitchFamily="18" charset="0"/>
-              </a:endParaRPr>
             </a:p>
           </p:txBody>
         </p:sp>
@@ -21825,14 +29046,7 @@
                   <a:latin typeface="Times New Roman" panose="02020603050405020304" pitchFamily="18" charset="0"/>
                   <a:cs typeface="Times New Roman" panose="02020603050405020304" pitchFamily="18" charset="0"/>
                 </a:rPr>
-                <a:t>Data </a:t>
-              </a:r>
-              <a:r>
-                <a:rPr lang="en-US" sz="1000" dirty="0" smtClean="0">
-                  <a:latin typeface="Times New Roman" panose="02020603050405020304" pitchFamily="18" charset="0"/>
-                  <a:cs typeface="Times New Roman" panose="02020603050405020304" pitchFamily="18" charset="0"/>
-                </a:rPr>
-                <a:t>segments</a:t>
+                <a:t>Data segments</a:t>
               </a:r>
               <a:endParaRPr lang="en-US" sz="1000" dirty="0">
                 <a:latin typeface="Times New Roman" panose="02020603050405020304" pitchFamily="18" charset="0"/>
@@ -22222,21 +29436,7 @@
                   <a:latin typeface="Times New Roman" panose="02020603050405020304" pitchFamily="18" charset="0"/>
                   <a:cs typeface="Times New Roman" panose="02020603050405020304" pitchFamily="18" charset="0"/>
                 </a:rPr>
-                <a:t>Remote </a:t>
-              </a:r>
-              <a:r>
-                <a:rPr lang="en-US" sz="1000" dirty="0" smtClean="0">
-                  <a:latin typeface="Times New Roman" panose="02020603050405020304" pitchFamily="18" charset="0"/>
-                  <a:cs typeface="Times New Roman" panose="02020603050405020304" pitchFamily="18" charset="0"/>
-                </a:rPr>
-                <a:t>blocks </a:t>
-              </a:r>
-              <a:r>
-                <a:rPr lang="en-US" sz="1000" dirty="0" smtClean="0">
-                  <a:latin typeface="Times New Roman" panose="02020603050405020304" pitchFamily="18" charset="0"/>
-                  <a:cs typeface="Times New Roman" panose="02020603050405020304" pitchFamily="18" charset="0"/>
-                </a:rPr>
-                <a:t>buffer</a:t>
+                <a:t>Remote blocks buffer</a:t>
               </a:r>
               <a:endParaRPr lang="en-US" sz="1000" dirty="0">
                 <a:latin typeface="Times New Roman" panose="02020603050405020304" pitchFamily="18" charset="0"/>
@@ -28147,18 +35347,11 @@
               <a:lstStyle/>
               <a:p>
                 <a:r>
-                  <a:rPr lang="en-US" sz="1000" dirty="0" smtClean="0">
-                    <a:latin typeface="Times New Roman" panose="02020603050405020304" pitchFamily="18" charset="0"/>
-                    <a:cs typeface="Times New Roman" panose="02020603050405020304" pitchFamily="18" charset="0"/>
-                  </a:rPr>
-                  <a:t>Index </a:t>
-                </a:r>
-                <a:r>
-                  <a:rPr lang="en-US" sz="1000" dirty="0" smtClean="0">
-                    <a:latin typeface="Times New Roman" panose="02020603050405020304" pitchFamily="18" charset="0"/>
-                    <a:cs typeface="Times New Roman" panose="02020603050405020304" pitchFamily="18" charset="0"/>
-                  </a:rPr>
-                  <a:t>block UUIDs</a:t>
+                  <a:rPr lang="en-US" sz="1000" dirty="0">
+                    <a:latin typeface="Times New Roman" panose="02020603050405020304" pitchFamily="18" charset="0"/>
+                    <a:cs typeface="Times New Roman" panose="02020603050405020304" pitchFamily="18" charset="0"/>
+                  </a:rPr>
+                  <a:t>Index block UUIDs</a:t>
                 </a:r>
                 <a:endParaRPr lang="en-US" sz="1000" dirty="0">
                   <a:latin typeface="Times New Roman" panose="02020603050405020304" pitchFamily="18" charset="0"/>

--- a/docs/design/figures/fs-design.pptx
+++ b/docs/design/figures/fs-design.pptx
@@ -17,6 +17,7 @@
     <p:sldId id="265" r:id="rId11"/>
     <p:sldId id="267" r:id="rId12"/>
     <p:sldId id="268" r:id="rId13"/>
+    <p:sldId id="269" r:id="rId14"/>
   </p:sldIdLst>
   <p:sldSz cx="6858000" cy="4572000"/>
   <p:notesSz cx="9144000" cy="6858000"/>
@@ -254,7 +255,7 @@
           <a:p>
             <a:fld id="{305C3DB1-8177-46AD-AF81-2EEE95D844A8}" type="datetimeFigureOut">
               <a:rPr lang="en-US" smtClean="0"/>
-              <a:t>8/22/2017</a:t>
+              <a:t>3/21/2018</a:t>
             </a:fld>
             <a:endParaRPr lang="en-US"/>
           </a:p>
@@ -424,7 +425,7 @@
           <a:p>
             <a:fld id="{305C3DB1-8177-46AD-AF81-2EEE95D844A8}" type="datetimeFigureOut">
               <a:rPr lang="en-US" smtClean="0"/>
-              <a:t>8/22/2017</a:t>
+              <a:t>3/21/2018</a:t>
             </a:fld>
             <a:endParaRPr lang="en-US"/>
           </a:p>
@@ -604,7 +605,7 @@
           <a:p>
             <a:fld id="{305C3DB1-8177-46AD-AF81-2EEE95D844A8}" type="datetimeFigureOut">
               <a:rPr lang="en-US" smtClean="0"/>
-              <a:t>8/22/2017</a:t>
+              <a:t>3/21/2018</a:t>
             </a:fld>
             <a:endParaRPr lang="en-US"/>
           </a:p>
@@ -774,7 +775,7 @@
           <a:p>
             <a:fld id="{305C3DB1-8177-46AD-AF81-2EEE95D844A8}" type="datetimeFigureOut">
               <a:rPr lang="en-US" smtClean="0"/>
-              <a:t>8/22/2017</a:t>
+              <a:t>3/21/2018</a:t>
             </a:fld>
             <a:endParaRPr lang="en-US"/>
           </a:p>
@@ -1018,7 +1019,7 @@
           <a:p>
             <a:fld id="{305C3DB1-8177-46AD-AF81-2EEE95D844A8}" type="datetimeFigureOut">
               <a:rPr lang="en-US" smtClean="0"/>
-              <a:t>8/22/2017</a:t>
+              <a:t>3/21/2018</a:t>
             </a:fld>
             <a:endParaRPr lang="en-US"/>
           </a:p>
@@ -1250,7 +1251,7 @@
           <a:p>
             <a:fld id="{305C3DB1-8177-46AD-AF81-2EEE95D844A8}" type="datetimeFigureOut">
               <a:rPr lang="en-US" smtClean="0"/>
-              <a:t>8/22/2017</a:t>
+              <a:t>3/21/2018</a:t>
             </a:fld>
             <a:endParaRPr lang="en-US"/>
           </a:p>
@@ -1617,7 +1618,7 @@
           <a:p>
             <a:fld id="{305C3DB1-8177-46AD-AF81-2EEE95D844A8}" type="datetimeFigureOut">
               <a:rPr lang="en-US" smtClean="0"/>
-              <a:t>8/22/2017</a:t>
+              <a:t>3/21/2018</a:t>
             </a:fld>
             <a:endParaRPr lang="en-US"/>
           </a:p>
@@ -1735,7 +1736,7 @@
           <a:p>
             <a:fld id="{305C3DB1-8177-46AD-AF81-2EEE95D844A8}" type="datetimeFigureOut">
               <a:rPr lang="en-US" smtClean="0"/>
-              <a:t>8/22/2017</a:t>
+              <a:t>3/21/2018</a:t>
             </a:fld>
             <a:endParaRPr lang="en-US"/>
           </a:p>
@@ -1830,7 +1831,7 @@
           <a:p>
             <a:fld id="{305C3DB1-8177-46AD-AF81-2EEE95D844A8}" type="datetimeFigureOut">
               <a:rPr lang="en-US" smtClean="0"/>
-              <a:t>8/22/2017</a:t>
+              <a:t>3/21/2018</a:t>
             </a:fld>
             <a:endParaRPr lang="en-US"/>
           </a:p>
@@ -2107,7 +2108,7 @@
           <a:p>
             <a:fld id="{305C3DB1-8177-46AD-AF81-2EEE95D844A8}" type="datetimeFigureOut">
               <a:rPr lang="en-US" smtClean="0"/>
-              <a:t>8/22/2017</a:t>
+              <a:t>3/21/2018</a:t>
             </a:fld>
             <a:endParaRPr lang="en-US"/>
           </a:p>
@@ -2364,7 +2365,7 @@
           <a:p>
             <a:fld id="{305C3DB1-8177-46AD-AF81-2EEE95D844A8}" type="datetimeFigureOut">
               <a:rPr lang="en-US" smtClean="0"/>
-              <a:t>8/22/2017</a:t>
+              <a:t>3/21/2018</a:t>
             </a:fld>
             <a:endParaRPr lang="en-US"/>
           </a:p>
@@ -2577,7 +2578,7 @@
           <a:p>
             <a:fld id="{305C3DB1-8177-46AD-AF81-2EEE95D844A8}" type="datetimeFigureOut">
               <a:rPr lang="en-US" smtClean="0"/>
-              <a:t>8/22/2017</a:t>
+              <a:t>3/21/2018</a:t>
             </a:fld>
             <a:endParaRPr lang="en-US"/>
           </a:p>
@@ -9090,14 +9091,7 @@
                   <a:latin typeface="Times New Roman" panose="02020603050405020304" pitchFamily="18" charset="0"/>
                   <a:cs typeface="Times New Roman" panose="02020603050405020304" pitchFamily="18" charset="0"/>
                 </a:rPr>
-                <a:t> </a:t>
-              </a:r>
-              <a:r>
-                <a:rPr lang="en-US" sz="1000" dirty="0" smtClean="0">
-                  <a:latin typeface="Times New Roman" panose="02020603050405020304" pitchFamily="18" charset="0"/>
-                  <a:cs typeface="Times New Roman" panose="02020603050405020304" pitchFamily="18" charset="0"/>
-                </a:rPr>
-                <a:t>Storage</a:t>
+                <a:t> Storage</a:t>
               </a:r>
               <a:endParaRPr lang="en-US" sz="1000" dirty="0">
                 <a:latin typeface="Times New Roman" panose="02020603050405020304" pitchFamily="18" charset="0"/>
@@ -9154,10 +9148,6 @@
                 </a:rPr>
                 <a:t>-blocks version table</a:t>
               </a:r>
-              <a:endParaRPr lang="en-US" sz="1000" dirty="0">
-                <a:latin typeface="Times New Roman" panose="02020603050405020304" pitchFamily="18" charset="0"/>
-                <a:cs typeface="Times New Roman" panose="02020603050405020304" pitchFamily="18" charset="0"/>
-              </a:endParaRPr>
             </a:p>
           </p:txBody>
         </p:sp>
@@ -10241,14 +10231,7 @@
                   <a:latin typeface="Times New Roman" panose="02020603050405020304" pitchFamily="18" charset="0"/>
                   <a:cs typeface="Times New Roman" panose="02020603050405020304" pitchFamily="18" charset="0"/>
                 </a:rPr>
-                <a:t> </a:t>
-              </a:r>
-              <a:r>
-                <a:rPr lang="en-US" sz="1000" dirty="0" smtClean="0">
-                  <a:latin typeface="Times New Roman" panose="02020603050405020304" pitchFamily="18" charset="0"/>
-                  <a:cs typeface="Times New Roman" panose="02020603050405020304" pitchFamily="18" charset="0"/>
-                </a:rPr>
-                <a:t>blocks</a:t>
+                <a:t> blocks</a:t>
               </a:r>
               <a:endParaRPr lang="en-US" sz="1000" dirty="0">
                 <a:latin typeface="Times New Roman" panose="02020603050405020304" pitchFamily="18" charset="0"/>
@@ -16098,10 +16081,6 @@
                   </a:rPr>
                   <a:t>Index block UUIDs</a:t>
                 </a:r>
-                <a:endParaRPr lang="en-US" sz="1000" dirty="0">
-                  <a:latin typeface="Times New Roman" panose="02020603050405020304" pitchFamily="18" charset="0"/>
-                  <a:cs typeface="Times New Roman" panose="02020603050405020304" pitchFamily="18" charset="0"/>
-                </a:endParaRPr>
               </a:p>
             </p:txBody>
           </p:sp>
@@ -16457,6 +16436,1825 @@
     <p:extLst>
       <p:ext uri="{BB962C8B-B14F-4D97-AF65-F5344CB8AC3E}">
         <p14:creationId xmlns:p14="http://schemas.microsoft.com/office/powerpoint/2010/main" val="1686805748"/>
+      </p:ext>
+    </p:extLst>
+  </p:cSld>
+  <p:clrMapOvr>
+    <a:masterClrMapping/>
+  </p:clrMapOvr>
+</p:sld>
+</file>
+
+<file path=ppt/slides/slide13.xml><?xml version="1.0" encoding="utf-8"?>
+<p:sld xmlns:a="http://schemas.openxmlformats.org/drawingml/2006/main" xmlns:r="http://schemas.openxmlformats.org/officeDocument/2006/relationships" xmlns:p="http://schemas.openxmlformats.org/presentationml/2006/main">
+  <p:cSld>
+    <p:spTree>
+      <p:nvGrpSpPr>
+        <p:cNvPr id="1" name=""/>
+        <p:cNvGrpSpPr/>
+        <p:nvPr/>
+      </p:nvGrpSpPr>
+      <p:grpSpPr>
+        <a:xfrm>
+          <a:off x="0" y="0"/>
+          <a:ext cx="0" cy="0"/>
+          <a:chOff x="0" y="0"/>
+          <a:chExt cx="0" cy="0"/>
+        </a:xfrm>
+      </p:grpSpPr>
+      <p:grpSp>
+        <p:nvGrpSpPr>
+          <p:cNvPr id="31" name="Group 30"/>
+          <p:cNvGrpSpPr/>
+          <p:nvPr/>
+        </p:nvGrpSpPr>
+        <p:grpSpPr>
+          <a:xfrm>
+            <a:off x="732195" y="1834039"/>
+            <a:ext cx="5393610" cy="1134182"/>
+            <a:chOff x="1225176" y="1834039"/>
+            <a:chExt cx="5393610" cy="1134182"/>
+          </a:xfrm>
+        </p:grpSpPr>
+        <p:sp>
+          <p:nvSpPr>
+            <p:cNvPr id="16" name="Rounded Rectangle 15"/>
+            <p:cNvSpPr/>
+            <p:nvPr/>
+          </p:nvSpPr>
+          <p:spPr>
+            <a:xfrm>
+              <a:off x="1225176" y="1834039"/>
+              <a:ext cx="5393610" cy="1134182"/>
+            </a:xfrm>
+            <a:prstGeom prst="roundRect">
+              <a:avLst>
+                <a:gd name="adj" fmla="val 4740"/>
+              </a:avLst>
+            </a:prstGeom>
+            <a:ln>
+              <a:solidFill>
+                <a:schemeClr val="accent1">
+                  <a:lumMod val="60000"/>
+                  <a:lumOff val="40000"/>
+                </a:schemeClr>
+              </a:solidFill>
+            </a:ln>
+          </p:spPr>
+          <p:style>
+            <a:lnRef idx="2">
+              <a:schemeClr val="accent1"/>
+            </a:lnRef>
+            <a:fillRef idx="1">
+              <a:schemeClr val="lt1"/>
+            </a:fillRef>
+            <a:effectRef idx="0">
+              <a:schemeClr val="accent1"/>
+            </a:effectRef>
+            <a:fontRef idx="minor">
+              <a:schemeClr val="dk1"/>
+            </a:fontRef>
+          </p:style>
+          <p:txBody>
+            <a:bodyPr rtlCol="0" anchor="t"/>
+            <a:lstStyle/>
+            <a:p>
+              <a:r>
+                <a:rPr lang="en-US" sz="1000" b="1" dirty="0" smtClean="0">
+                  <a:latin typeface="Times New Roman" panose="02020603050405020304" pitchFamily="18" charset="0"/>
+                  <a:cs typeface="Times New Roman" panose="02020603050405020304" pitchFamily="18" charset="0"/>
+                </a:rPr>
+                <a:t>Main Memory</a:t>
+              </a:r>
+              <a:endParaRPr lang="en-US" sz="1000" b="1" dirty="0">
+                <a:latin typeface="Times New Roman" panose="02020603050405020304" pitchFamily="18" charset="0"/>
+                <a:cs typeface="Times New Roman" panose="02020603050405020304" pitchFamily="18" charset="0"/>
+              </a:endParaRPr>
+            </a:p>
+          </p:txBody>
+        </p:sp>
+        <p:sp>
+          <p:nvSpPr>
+            <p:cNvPr id="18" name="Rectangle 17"/>
+            <p:cNvSpPr/>
+            <p:nvPr/>
+          </p:nvSpPr>
+          <p:spPr>
+            <a:xfrm>
+              <a:off x="3774920" y="2300716"/>
+              <a:ext cx="1231542" cy="438625"/>
+            </a:xfrm>
+            <a:prstGeom prst="rect">
+              <a:avLst/>
+            </a:prstGeom>
+            <a:ln>
+              <a:prstDash val="dash"/>
+            </a:ln>
+          </p:spPr>
+          <p:style>
+            <a:lnRef idx="2">
+              <a:schemeClr val="accent2"/>
+            </a:lnRef>
+            <a:fillRef idx="1">
+              <a:schemeClr val="lt1"/>
+            </a:fillRef>
+            <a:effectRef idx="0">
+              <a:schemeClr val="accent2"/>
+            </a:effectRef>
+            <a:fontRef idx="minor">
+              <a:schemeClr val="dk1"/>
+            </a:fontRef>
+          </p:style>
+          <p:txBody>
+            <a:bodyPr rtlCol="0" anchor="ctr"/>
+            <a:lstStyle/>
+            <a:p>
+              <a:pPr algn="ctr"/>
+              <a:r>
+                <a:rPr lang="en-US" sz="1000" dirty="0" err="1" smtClean="0">
+                  <a:latin typeface="Times New Roman" panose="02020603050405020304" pitchFamily="18" charset="0"/>
+                  <a:cs typeface="Times New Roman" panose="02020603050405020304" pitchFamily="18" charset="0"/>
+                </a:rPr>
+                <a:t>Inodes</a:t>
+              </a:r>
+              <a:r>
+                <a:rPr lang="en-US" sz="1000" dirty="0" smtClean="0">
+                  <a:latin typeface="Times New Roman" panose="02020603050405020304" pitchFamily="18" charset="0"/>
+                  <a:cs typeface="Times New Roman" panose="02020603050405020304" pitchFamily="18" charset="0"/>
+                </a:rPr>
+                <a:t> blocks</a:t>
+              </a:r>
+              <a:endParaRPr lang="en-US" sz="1000" dirty="0">
+                <a:latin typeface="Times New Roman" panose="02020603050405020304" pitchFamily="18" charset="0"/>
+                <a:cs typeface="Times New Roman" panose="02020603050405020304" pitchFamily="18" charset="0"/>
+              </a:endParaRPr>
+            </a:p>
+          </p:txBody>
+        </p:sp>
+        <p:sp>
+          <p:nvSpPr>
+            <p:cNvPr id="19" name="Rectangle 18"/>
+            <p:cNvSpPr/>
+            <p:nvPr/>
+          </p:nvSpPr>
+          <p:spPr>
+            <a:xfrm>
+              <a:off x="2323926" y="2300716"/>
+              <a:ext cx="1280962" cy="438625"/>
+            </a:xfrm>
+            <a:prstGeom prst="rect">
+              <a:avLst/>
+            </a:prstGeom>
+            <a:ln>
+              <a:prstDash val="dash"/>
+            </a:ln>
+          </p:spPr>
+          <p:style>
+            <a:lnRef idx="2">
+              <a:schemeClr val="accent2"/>
+            </a:lnRef>
+            <a:fillRef idx="1">
+              <a:schemeClr val="lt1"/>
+            </a:fillRef>
+            <a:effectRef idx="0">
+              <a:schemeClr val="accent2"/>
+            </a:effectRef>
+            <a:fontRef idx="minor">
+              <a:schemeClr val="dk1"/>
+            </a:fontRef>
+          </p:style>
+          <p:txBody>
+            <a:bodyPr rtlCol="0" anchor="ctr"/>
+            <a:lstStyle/>
+            <a:p>
+              <a:pPr algn="ctr"/>
+              <a:r>
+                <a:rPr lang="en-US" sz="1000" dirty="0" smtClean="0">
+                  <a:latin typeface="Times New Roman" panose="02020603050405020304" pitchFamily="18" charset="0"/>
+                  <a:cs typeface="Times New Roman" panose="02020603050405020304" pitchFamily="18" charset="0"/>
+                </a:rPr>
+                <a:t>Data segments</a:t>
+              </a:r>
+              <a:endParaRPr lang="en-US" sz="1000" dirty="0">
+                <a:latin typeface="Times New Roman" panose="02020603050405020304" pitchFamily="18" charset="0"/>
+                <a:cs typeface="Times New Roman" panose="02020603050405020304" pitchFamily="18" charset="0"/>
+              </a:endParaRPr>
+            </a:p>
+          </p:txBody>
+        </p:sp>
+        <p:sp>
+          <p:nvSpPr>
+            <p:cNvPr id="113" name="Rectangle 112"/>
+            <p:cNvSpPr/>
+            <p:nvPr/>
+          </p:nvSpPr>
+          <p:spPr>
+            <a:xfrm>
+              <a:off x="2238515" y="2016329"/>
+              <a:ext cx="4306622" cy="828505"/>
+            </a:xfrm>
+            <a:prstGeom prst="rect">
+              <a:avLst/>
+            </a:prstGeom>
+            <a:noFill/>
+          </p:spPr>
+          <p:style>
+            <a:lnRef idx="2">
+              <a:schemeClr val="accent2"/>
+            </a:lnRef>
+            <a:fillRef idx="1">
+              <a:schemeClr val="lt1"/>
+            </a:fillRef>
+            <a:effectRef idx="0">
+              <a:schemeClr val="accent2"/>
+            </a:effectRef>
+            <a:fontRef idx="minor">
+              <a:schemeClr val="dk1"/>
+            </a:fontRef>
+          </p:style>
+          <p:txBody>
+            <a:bodyPr rtlCol="0" anchor="t" anchorCtr="0"/>
+            <a:lstStyle/>
+            <a:p>
+              <a:pPr algn="ctr"/>
+              <a:r>
+                <a:rPr lang="en-US" sz="1000" b="1" dirty="0">
+                  <a:solidFill>
+                    <a:schemeClr val="dk1"/>
+                  </a:solidFill>
+                  <a:latin typeface="Times New Roman" panose="02020603050405020304" pitchFamily="18" charset="0"/>
+                  <a:cs typeface="Times New Roman" panose="02020603050405020304" pitchFamily="18" charset="0"/>
+                </a:rPr>
+                <a:t>Unified LRU Cache</a:t>
+              </a:r>
+            </a:p>
+          </p:txBody>
+        </p:sp>
+        <p:sp>
+          <p:nvSpPr>
+            <p:cNvPr id="34" name="Rectangle 33"/>
+            <p:cNvSpPr/>
+            <p:nvPr/>
+          </p:nvSpPr>
+          <p:spPr>
+            <a:xfrm>
+              <a:off x="1342002" y="2395756"/>
+              <a:ext cx="684688" cy="438625"/>
+            </a:xfrm>
+            <a:prstGeom prst="rect">
+              <a:avLst/>
+            </a:prstGeom>
+          </p:spPr>
+          <p:style>
+            <a:lnRef idx="2">
+              <a:schemeClr val="accent2"/>
+            </a:lnRef>
+            <a:fillRef idx="1">
+              <a:schemeClr val="lt1"/>
+            </a:fillRef>
+            <a:effectRef idx="0">
+              <a:schemeClr val="accent2"/>
+            </a:effectRef>
+            <a:fontRef idx="minor">
+              <a:schemeClr val="dk1"/>
+            </a:fontRef>
+          </p:style>
+          <p:txBody>
+            <a:bodyPr rtlCol="0" anchor="ctr"/>
+            <a:lstStyle/>
+            <a:p>
+              <a:pPr algn="ctr"/>
+              <a:r>
+                <a:rPr lang="en-US" sz="1000" dirty="0" smtClean="0">
+                  <a:latin typeface="Times New Roman" panose="02020603050405020304" pitchFamily="18" charset="0"/>
+                  <a:cs typeface="Times New Roman" panose="02020603050405020304" pitchFamily="18" charset="0"/>
+                </a:rPr>
+                <a:t>File Directory</a:t>
+              </a:r>
+              <a:endParaRPr lang="en-US" sz="1000" dirty="0">
+                <a:latin typeface="Times New Roman" panose="02020603050405020304" pitchFamily="18" charset="0"/>
+                <a:cs typeface="Times New Roman" panose="02020603050405020304" pitchFamily="18" charset="0"/>
+              </a:endParaRPr>
+            </a:p>
+          </p:txBody>
+        </p:sp>
+        <p:sp>
+          <p:nvSpPr>
+            <p:cNvPr id="43" name="Rectangle 42"/>
+            <p:cNvSpPr/>
+            <p:nvPr/>
+          </p:nvSpPr>
+          <p:spPr>
+            <a:xfrm>
+              <a:off x="5176494" y="2300716"/>
+              <a:ext cx="1272046" cy="438625"/>
+            </a:xfrm>
+            <a:prstGeom prst="rect">
+              <a:avLst/>
+            </a:prstGeom>
+            <a:ln>
+              <a:prstDash val="dash"/>
+            </a:ln>
+          </p:spPr>
+          <p:style>
+            <a:lnRef idx="2">
+              <a:schemeClr val="accent2"/>
+            </a:lnRef>
+            <a:fillRef idx="1">
+              <a:schemeClr val="lt1"/>
+            </a:fillRef>
+            <a:effectRef idx="0">
+              <a:schemeClr val="accent2"/>
+            </a:effectRef>
+            <a:fontRef idx="minor">
+              <a:schemeClr val="dk1"/>
+            </a:fontRef>
+          </p:style>
+          <p:txBody>
+            <a:bodyPr rtlCol="0" anchor="ctr"/>
+            <a:lstStyle/>
+            <a:p>
+              <a:pPr algn="ctr"/>
+              <a:r>
+                <a:rPr lang="en-US" sz="1000" dirty="0" err="1" smtClean="0">
+                  <a:latin typeface="Times New Roman" panose="02020603050405020304" pitchFamily="18" charset="0"/>
+                  <a:cs typeface="Times New Roman" panose="02020603050405020304" pitchFamily="18" charset="0"/>
+                </a:rPr>
+                <a:t>Ibmap</a:t>
+              </a:r>
+              <a:r>
+                <a:rPr lang="en-US" sz="1000" dirty="0" smtClean="0">
+                  <a:latin typeface="Times New Roman" panose="02020603050405020304" pitchFamily="18" charset="0"/>
+                  <a:cs typeface="Times New Roman" panose="02020603050405020304" pitchFamily="18" charset="0"/>
+                </a:rPr>
+                <a:t> blocks</a:t>
+              </a:r>
+              <a:endParaRPr lang="en-US" sz="1000" dirty="0">
+                <a:latin typeface="Times New Roman" panose="02020603050405020304" pitchFamily="18" charset="0"/>
+                <a:cs typeface="Times New Roman" panose="02020603050405020304" pitchFamily="18" charset="0"/>
+              </a:endParaRPr>
+            </a:p>
+          </p:txBody>
+        </p:sp>
+      </p:grpSp>
+      <p:sp>
+        <p:nvSpPr>
+          <p:cNvPr id="124" name="Rounded Rectangle 123"/>
+          <p:cNvSpPr/>
+          <p:nvPr/>
+        </p:nvSpPr>
+        <p:spPr>
+          <a:xfrm>
+            <a:off x="3477350" y="3015767"/>
+            <a:ext cx="2648455" cy="781805"/>
+          </a:xfrm>
+          <a:prstGeom prst="roundRect">
+            <a:avLst>
+              <a:gd name="adj" fmla="val 4740"/>
+            </a:avLst>
+          </a:prstGeom>
+          <a:ln>
+            <a:solidFill>
+              <a:schemeClr val="accent1">
+                <a:lumMod val="60000"/>
+                <a:lumOff val="40000"/>
+              </a:schemeClr>
+            </a:solidFill>
+          </a:ln>
+        </p:spPr>
+        <p:style>
+          <a:lnRef idx="2">
+            <a:schemeClr val="accent1"/>
+          </a:lnRef>
+          <a:fillRef idx="1">
+            <a:schemeClr val="lt1"/>
+          </a:fillRef>
+          <a:effectRef idx="0">
+            <a:schemeClr val="accent1"/>
+          </a:effectRef>
+          <a:fontRef idx="minor">
+            <a:schemeClr val="dk1"/>
+          </a:fontRef>
+        </p:style>
+        <p:txBody>
+          <a:bodyPr rtlCol="0" anchor="t"/>
+          <a:lstStyle/>
+          <a:p>
+            <a:r>
+              <a:rPr lang="en-US" sz="1000" b="1" dirty="0" smtClean="0">
+                <a:latin typeface="Times New Roman" panose="02020603050405020304" pitchFamily="18" charset="0"/>
+                <a:cs typeface="Times New Roman" panose="02020603050405020304" pitchFamily="18" charset="0"/>
+              </a:rPr>
+              <a:t>Persistence</a:t>
+            </a:r>
+            <a:endParaRPr lang="en-US" sz="1000" b="1" dirty="0">
+              <a:latin typeface="Times New Roman" panose="02020603050405020304" pitchFamily="18" charset="0"/>
+              <a:cs typeface="Times New Roman" panose="02020603050405020304" pitchFamily="18" charset="0"/>
+            </a:endParaRPr>
+          </a:p>
+        </p:txBody>
+      </p:sp>
+      <p:sp>
+        <p:nvSpPr>
+          <p:cNvPr id="22" name="Flowchart: Magnetic Disk 21"/>
+          <p:cNvSpPr/>
+          <p:nvPr/>
+        </p:nvSpPr>
+        <p:spPr>
+          <a:xfrm>
+            <a:off x="3729134" y="3972015"/>
+            <a:ext cx="782884" cy="519545"/>
+          </a:xfrm>
+          <a:prstGeom prst="flowChartMagneticDisk">
+            <a:avLst/>
+          </a:prstGeom>
+        </p:spPr>
+        <p:style>
+          <a:lnRef idx="1">
+            <a:schemeClr val="accent1"/>
+          </a:lnRef>
+          <a:fillRef idx="2">
+            <a:schemeClr val="accent1"/>
+          </a:fillRef>
+          <a:effectRef idx="1">
+            <a:schemeClr val="accent1"/>
+          </a:effectRef>
+          <a:fontRef idx="minor">
+            <a:schemeClr val="dk1"/>
+          </a:fontRef>
+        </p:style>
+        <p:txBody>
+          <a:bodyPr rtlCol="0" anchor="ctr"/>
+          <a:lstStyle/>
+          <a:p>
+            <a:pPr algn="ctr"/>
+            <a:endParaRPr lang="en-US" sz="600" dirty="0" smtClean="0">
+              <a:latin typeface="Times New Roman" panose="02020603050405020304" pitchFamily="18" charset="0"/>
+              <a:cs typeface="Times New Roman" panose="02020603050405020304" pitchFamily="18" charset="0"/>
+            </a:endParaRPr>
+          </a:p>
+          <a:p>
+            <a:pPr algn="ctr"/>
+            <a:r>
+              <a:rPr lang="en-US" sz="1000" dirty="0" smtClean="0">
+                <a:latin typeface="Times New Roman" panose="02020603050405020304" pitchFamily="18" charset="0"/>
+                <a:cs typeface="Times New Roman" panose="02020603050405020304" pitchFamily="18" charset="0"/>
+              </a:rPr>
+              <a:t>Local Storage</a:t>
+            </a:r>
+            <a:endParaRPr lang="en-US" sz="1000" dirty="0">
+              <a:latin typeface="Times New Roman" panose="02020603050405020304" pitchFamily="18" charset="0"/>
+              <a:cs typeface="Times New Roman" panose="02020603050405020304" pitchFamily="18" charset="0"/>
+            </a:endParaRPr>
+          </a:p>
+        </p:txBody>
+      </p:sp>
+      <p:sp>
+        <p:nvSpPr>
+          <p:cNvPr id="21" name="Flowchart: Magnetic Disk 20"/>
+          <p:cNvSpPr/>
+          <p:nvPr/>
+        </p:nvSpPr>
+        <p:spPr>
+          <a:xfrm>
+            <a:off x="801353" y="3972015"/>
+            <a:ext cx="782884" cy="519545"/>
+          </a:xfrm>
+          <a:prstGeom prst="flowChartMagneticDisk">
+            <a:avLst/>
+          </a:prstGeom>
+        </p:spPr>
+        <p:style>
+          <a:lnRef idx="1">
+            <a:schemeClr val="accent1"/>
+          </a:lnRef>
+          <a:fillRef idx="2">
+            <a:schemeClr val="accent1"/>
+          </a:fillRef>
+          <a:effectRef idx="1">
+            <a:schemeClr val="accent1"/>
+          </a:effectRef>
+          <a:fontRef idx="minor">
+            <a:schemeClr val="dk1"/>
+          </a:fontRef>
+        </p:style>
+        <p:txBody>
+          <a:bodyPr rtlCol="0" anchor="ctr"/>
+          <a:lstStyle/>
+          <a:p>
+            <a:pPr algn="ctr"/>
+            <a:r>
+              <a:rPr lang="en-US" sz="1000" dirty="0" err="1" smtClean="0">
+                <a:latin typeface="Times New Roman" panose="02020603050405020304" pitchFamily="18" charset="0"/>
+                <a:cs typeface="Times New Roman" panose="02020603050405020304" pitchFamily="18" charset="0"/>
+              </a:rPr>
+              <a:t>ZooKeeper</a:t>
+            </a:r>
+            <a:endParaRPr lang="en-US" sz="1000" dirty="0">
+              <a:latin typeface="Times New Roman" panose="02020603050405020304" pitchFamily="18" charset="0"/>
+              <a:cs typeface="Times New Roman" panose="02020603050405020304" pitchFamily="18" charset="0"/>
+            </a:endParaRPr>
+          </a:p>
+        </p:txBody>
+      </p:sp>
+      <p:sp>
+        <p:nvSpPr>
+          <p:cNvPr id="23" name="Flowchart: Magnetic Disk 22"/>
+          <p:cNvSpPr/>
+          <p:nvPr/>
+        </p:nvSpPr>
+        <p:spPr>
+          <a:xfrm>
+            <a:off x="5169723" y="3955206"/>
+            <a:ext cx="782884" cy="519545"/>
+          </a:xfrm>
+          <a:prstGeom prst="flowChartMagneticDisk">
+            <a:avLst/>
+          </a:prstGeom>
+        </p:spPr>
+        <p:style>
+          <a:lnRef idx="1">
+            <a:schemeClr val="accent1"/>
+          </a:lnRef>
+          <a:fillRef idx="2">
+            <a:schemeClr val="accent1"/>
+          </a:fillRef>
+          <a:effectRef idx="1">
+            <a:schemeClr val="accent1"/>
+          </a:effectRef>
+          <a:fontRef idx="minor">
+            <a:schemeClr val="dk1"/>
+          </a:fontRef>
+        </p:style>
+        <p:txBody>
+          <a:bodyPr rtlCol="0" anchor="ctr"/>
+          <a:lstStyle/>
+          <a:p>
+            <a:pPr algn="ctr"/>
+            <a:endParaRPr lang="en-US" sz="600" dirty="0" smtClean="0">
+              <a:latin typeface="Times New Roman" panose="02020603050405020304" pitchFamily="18" charset="0"/>
+              <a:cs typeface="Times New Roman" panose="02020603050405020304" pitchFamily="18" charset="0"/>
+            </a:endParaRPr>
+          </a:p>
+          <a:p>
+            <a:pPr algn="ctr"/>
+            <a:r>
+              <a:rPr lang="en-US" sz="1000" dirty="0" smtClean="0">
+                <a:latin typeface="Times New Roman" panose="02020603050405020304" pitchFamily="18" charset="0"/>
+                <a:cs typeface="Times New Roman" panose="02020603050405020304" pitchFamily="18" charset="0"/>
+              </a:rPr>
+              <a:t>Globa</a:t>
+            </a:r>
+            <a:r>
+              <a:rPr lang="en-US" sz="1000" dirty="0">
+                <a:latin typeface="Times New Roman" panose="02020603050405020304" pitchFamily="18" charset="0"/>
+                <a:cs typeface="Times New Roman" panose="02020603050405020304" pitchFamily="18" charset="0"/>
+              </a:rPr>
+              <a:t>l</a:t>
+            </a:r>
+            <a:r>
+              <a:rPr lang="en-US" sz="1000" dirty="0" smtClean="0">
+                <a:latin typeface="Times New Roman" panose="02020603050405020304" pitchFamily="18" charset="0"/>
+                <a:cs typeface="Times New Roman" panose="02020603050405020304" pitchFamily="18" charset="0"/>
+              </a:rPr>
+              <a:t> Storage</a:t>
+            </a:r>
+            <a:endParaRPr lang="en-US" sz="1000" dirty="0">
+              <a:latin typeface="Times New Roman" panose="02020603050405020304" pitchFamily="18" charset="0"/>
+              <a:cs typeface="Times New Roman" panose="02020603050405020304" pitchFamily="18" charset="0"/>
+            </a:endParaRPr>
+          </a:p>
+        </p:txBody>
+      </p:sp>
+      <p:grpSp>
+        <p:nvGrpSpPr>
+          <p:cNvPr id="30" name="Group 29"/>
+          <p:cNvGrpSpPr/>
+          <p:nvPr/>
+        </p:nvGrpSpPr>
+        <p:grpSpPr>
+          <a:xfrm>
+            <a:off x="2263277" y="23722"/>
+            <a:ext cx="2331447" cy="1744188"/>
+            <a:chOff x="2282109" y="23722"/>
+            <a:chExt cx="2331447" cy="1744188"/>
+          </a:xfrm>
+        </p:grpSpPr>
+        <p:sp>
+          <p:nvSpPr>
+            <p:cNvPr id="6" name="Rounded Rectangle 5"/>
+            <p:cNvSpPr/>
+            <p:nvPr/>
+          </p:nvSpPr>
+          <p:spPr>
+            <a:xfrm>
+              <a:off x="2282109" y="23722"/>
+              <a:ext cx="1044067" cy="401782"/>
+            </a:xfrm>
+            <a:prstGeom prst="roundRect">
+              <a:avLst/>
+            </a:prstGeom>
+            <a:ln>
+              <a:solidFill>
+                <a:schemeClr val="accent1">
+                  <a:lumMod val="60000"/>
+                  <a:lumOff val="40000"/>
+                </a:schemeClr>
+              </a:solidFill>
+            </a:ln>
+          </p:spPr>
+          <p:style>
+            <a:lnRef idx="2">
+              <a:schemeClr val="accent1"/>
+            </a:lnRef>
+            <a:fillRef idx="1">
+              <a:schemeClr val="lt1"/>
+            </a:fillRef>
+            <a:effectRef idx="0">
+              <a:schemeClr val="accent1"/>
+            </a:effectRef>
+            <a:fontRef idx="minor">
+              <a:schemeClr val="dk1"/>
+            </a:fontRef>
+          </p:style>
+          <p:txBody>
+            <a:bodyPr rtlCol="0" anchor="ctr"/>
+            <a:lstStyle/>
+            <a:p>
+              <a:pPr algn="ctr"/>
+              <a:r>
+                <a:rPr lang="en-US" sz="1000" dirty="0" smtClean="0">
+                  <a:latin typeface="Times New Roman" panose="02020603050405020304" pitchFamily="18" charset="0"/>
+                  <a:cs typeface="Times New Roman" panose="02020603050405020304" pitchFamily="18" charset="0"/>
+                </a:rPr>
+                <a:t>Client Program</a:t>
+              </a:r>
+              <a:endParaRPr lang="en-US" sz="1000" dirty="0">
+                <a:latin typeface="Times New Roman" panose="02020603050405020304" pitchFamily="18" charset="0"/>
+                <a:cs typeface="Times New Roman" panose="02020603050405020304" pitchFamily="18" charset="0"/>
+              </a:endParaRPr>
+            </a:p>
+          </p:txBody>
+        </p:sp>
+        <p:sp>
+          <p:nvSpPr>
+            <p:cNvPr id="8" name="Rounded Rectangle 7"/>
+            <p:cNvSpPr/>
+            <p:nvPr/>
+          </p:nvSpPr>
+          <p:spPr>
+            <a:xfrm>
+              <a:off x="3569488" y="23722"/>
+              <a:ext cx="1044067" cy="401782"/>
+            </a:xfrm>
+            <a:prstGeom prst="roundRect">
+              <a:avLst/>
+            </a:prstGeom>
+            <a:ln>
+              <a:solidFill>
+                <a:schemeClr val="accent1">
+                  <a:lumMod val="60000"/>
+                  <a:lumOff val="40000"/>
+                </a:schemeClr>
+              </a:solidFill>
+            </a:ln>
+          </p:spPr>
+          <p:style>
+            <a:lnRef idx="2">
+              <a:schemeClr val="accent1"/>
+            </a:lnRef>
+            <a:fillRef idx="1">
+              <a:schemeClr val="lt1"/>
+            </a:fillRef>
+            <a:effectRef idx="0">
+              <a:schemeClr val="accent1"/>
+            </a:effectRef>
+            <a:fontRef idx="minor">
+              <a:schemeClr val="dk1"/>
+            </a:fontRef>
+          </p:style>
+          <p:txBody>
+            <a:bodyPr rtlCol="0" anchor="ctr"/>
+            <a:lstStyle/>
+            <a:p>
+              <a:pPr algn="ctr"/>
+              <a:r>
+                <a:rPr lang="en-US" sz="1000" dirty="0" smtClean="0">
+                  <a:latin typeface="Times New Roman" panose="02020603050405020304" pitchFamily="18" charset="0"/>
+                  <a:cs typeface="Times New Roman" panose="02020603050405020304" pitchFamily="18" charset="0"/>
+                </a:rPr>
+                <a:t>RPC Framework</a:t>
+              </a:r>
+              <a:endParaRPr lang="en-US" sz="1000" dirty="0">
+                <a:latin typeface="Times New Roman" panose="02020603050405020304" pitchFamily="18" charset="0"/>
+                <a:cs typeface="Times New Roman" panose="02020603050405020304" pitchFamily="18" charset="0"/>
+              </a:endParaRPr>
+            </a:p>
+          </p:txBody>
+        </p:sp>
+        <p:cxnSp>
+          <p:nvCxnSpPr>
+            <p:cNvPr id="10" name="Straight Arrow Connector 9"/>
+            <p:cNvCxnSpPr>
+              <a:stCxn id="6" idx="2"/>
+            </p:cNvCxnSpPr>
+            <p:nvPr/>
+          </p:nvCxnSpPr>
+          <p:spPr>
+            <a:xfrm>
+              <a:off x="2804143" y="425504"/>
+              <a:ext cx="0" cy="256309"/>
+            </a:xfrm>
+            <a:prstGeom prst="straightConnector1">
+              <a:avLst/>
+            </a:prstGeom>
+            <a:ln w="12700">
+              <a:solidFill>
+                <a:schemeClr val="tx1"/>
+              </a:solidFill>
+              <a:headEnd type="triangle" w="med" len="med"/>
+              <a:tailEnd type="triangle" w="med" len="med"/>
+            </a:ln>
+          </p:spPr>
+          <p:style>
+            <a:lnRef idx="1">
+              <a:schemeClr val="accent1"/>
+            </a:lnRef>
+            <a:fillRef idx="0">
+              <a:schemeClr val="accent1"/>
+            </a:fillRef>
+            <a:effectRef idx="0">
+              <a:schemeClr val="accent1"/>
+            </a:effectRef>
+            <a:fontRef idx="minor">
+              <a:schemeClr val="tx1"/>
+            </a:fontRef>
+          </p:style>
+        </p:cxnSp>
+        <p:cxnSp>
+          <p:nvCxnSpPr>
+            <p:cNvPr id="11" name="Straight Arrow Connector 10"/>
+            <p:cNvCxnSpPr/>
+            <p:nvPr/>
+          </p:nvCxnSpPr>
+          <p:spPr>
+            <a:xfrm>
+              <a:off x="4091522" y="425504"/>
+              <a:ext cx="0" cy="256309"/>
+            </a:xfrm>
+            <a:prstGeom prst="straightConnector1">
+              <a:avLst/>
+            </a:prstGeom>
+            <a:ln w="12700">
+              <a:solidFill>
+                <a:schemeClr val="tx1"/>
+              </a:solidFill>
+              <a:headEnd type="triangle" w="med" len="med"/>
+              <a:tailEnd type="triangle" w="med" len="med"/>
+            </a:ln>
+          </p:spPr>
+          <p:style>
+            <a:lnRef idx="1">
+              <a:schemeClr val="accent1"/>
+            </a:lnRef>
+            <a:fillRef idx="0">
+              <a:schemeClr val="accent1"/>
+            </a:fillRef>
+            <a:effectRef idx="0">
+              <a:schemeClr val="accent1"/>
+            </a:effectRef>
+            <a:fontRef idx="minor">
+              <a:schemeClr val="tx1"/>
+            </a:fontRef>
+          </p:style>
+        </p:cxnSp>
+        <p:sp>
+          <p:nvSpPr>
+            <p:cNvPr id="4" name="Rounded Rectangle 3"/>
+            <p:cNvSpPr/>
+            <p:nvPr/>
+          </p:nvSpPr>
+          <p:spPr>
+            <a:xfrm>
+              <a:off x="2296492" y="688740"/>
+              <a:ext cx="2317063" cy="346364"/>
+            </a:xfrm>
+            <a:prstGeom prst="roundRect">
+              <a:avLst/>
+            </a:prstGeom>
+            <a:ln>
+              <a:solidFill>
+                <a:schemeClr val="accent1">
+                  <a:lumMod val="60000"/>
+                  <a:lumOff val="40000"/>
+                </a:schemeClr>
+              </a:solidFill>
+            </a:ln>
+          </p:spPr>
+          <p:style>
+            <a:lnRef idx="2">
+              <a:schemeClr val="accent1"/>
+            </a:lnRef>
+            <a:fillRef idx="1">
+              <a:schemeClr val="lt1"/>
+            </a:fillRef>
+            <a:effectRef idx="0">
+              <a:schemeClr val="accent1"/>
+            </a:effectRef>
+            <a:fontRef idx="minor">
+              <a:schemeClr val="dk1"/>
+            </a:fontRef>
+          </p:style>
+          <p:txBody>
+            <a:bodyPr rtlCol="0" anchor="ctr"/>
+            <a:lstStyle/>
+            <a:p>
+              <a:pPr algn="ctr"/>
+              <a:r>
+                <a:rPr lang="en-US" sz="1000" b="1" dirty="0" smtClean="0">
+                  <a:latin typeface="Times New Roman" panose="02020603050405020304" pitchFamily="18" charset="0"/>
+                  <a:cs typeface="Times New Roman" panose="02020603050405020304" pitchFamily="18" charset="0"/>
+                </a:rPr>
+                <a:t>API</a:t>
+              </a:r>
+              <a:endParaRPr lang="en-US" sz="1000" b="1" dirty="0">
+                <a:latin typeface="Times New Roman" panose="02020603050405020304" pitchFamily="18" charset="0"/>
+                <a:cs typeface="Times New Roman" panose="02020603050405020304" pitchFamily="18" charset="0"/>
+              </a:endParaRPr>
+            </a:p>
+          </p:txBody>
+        </p:sp>
+        <p:sp>
+          <p:nvSpPr>
+            <p:cNvPr id="5" name="Rounded Rectangle 4"/>
+            <p:cNvSpPr/>
+            <p:nvPr/>
+          </p:nvSpPr>
+          <p:spPr>
+            <a:xfrm>
+              <a:off x="2296493" y="1104376"/>
+              <a:ext cx="2317063" cy="663534"/>
+            </a:xfrm>
+            <a:prstGeom prst="roundRect">
+              <a:avLst>
+                <a:gd name="adj" fmla="val 4740"/>
+              </a:avLst>
+            </a:prstGeom>
+            <a:ln>
+              <a:solidFill>
+                <a:schemeClr val="accent1">
+                  <a:lumMod val="60000"/>
+                  <a:lumOff val="40000"/>
+                </a:schemeClr>
+              </a:solidFill>
+            </a:ln>
+          </p:spPr>
+          <p:style>
+            <a:lnRef idx="2">
+              <a:schemeClr val="accent1"/>
+            </a:lnRef>
+            <a:fillRef idx="1">
+              <a:schemeClr val="lt1"/>
+            </a:fillRef>
+            <a:effectRef idx="0">
+              <a:schemeClr val="accent1"/>
+            </a:effectRef>
+            <a:fontRef idx="minor">
+              <a:schemeClr val="dk1"/>
+            </a:fontRef>
+          </p:style>
+          <p:txBody>
+            <a:bodyPr rtlCol="0" anchor="t"/>
+            <a:lstStyle/>
+            <a:p>
+              <a:r>
+                <a:rPr lang="en-US" sz="1000" b="1" dirty="0" smtClean="0">
+                  <a:latin typeface="Times New Roman" panose="02020603050405020304" pitchFamily="18" charset="0"/>
+                  <a:cs typeface="Times New Roman" panose="02020603050405020304" pitchFamily="18" charset="0"/>
+                </a:rPr>
+                <a:t>Core</a:t>
+              </a:r>
+              <a:endParaRPr lang="en-US" sz="1000" b="1" dirty="0">
+                <a:latin typeface="Times New Roman" panose="02020603050405020304" pitchFamily="18" charset="0"/>
+                <a:cs typeface="Times New Roman" panose="02020603050405020304" pitchFamily="18" charset="0"/>
+              </a:endParaRPr>
+            </a:p>
+          </p:txBody>
+        </p:sp>
+        <p:sp>
+          <p:nvSpPr>
+            <p:cNvPr id="25" name="Rectangle 24"/>
+            <p:cNvSpPr/>
+            <p:nvPr/>
+          </p:nvSpPr>
+          <p:spPr>
+            <a:xfrm>
+              <a:off x="2342038" y="1334699"/>
+              <a:ext cx="2204404" cy="287021"/>
+            </a:xfrm>
+            <a:prstGeom prst="rect">
+              <a:avLst/>
+            </a:prstGeom>
+          </p:spPr>
+          <p:style>
+            <a:lnRef idx="2">
+              <a:schemeClr val="accent2"/>
+            </a:lnRef>
+            <a:fillRef idx="1">
+              <a:schemeClr val="lt1"/>
+            </a:fillRef>
+            <a:effectRef idx="0">
+              <a:schemeClr val="accent2"/>
+            </a:effectRef>
+            <a:fontRef idx="minor">
+              <a:schemeClr val="dk1"/>
+            </a:fontRef>
+          </p:style>
+          <p:txBody>
+            <a:bodyPr rtlCol="0" anchor="ctr"/>
+            <a:lstStyle/>
+            <a:p>
+              <a:pPr algn="ctr"/>
+              <a:r>
+                <a:rPr lang="en-US" sz="1000" dirty="0" smtClean="0">
+                  <a:latin typeface="Times New Roman" panose="02020603050405020304" pitchFamily="18" charset="0"/>
+                  <a:cs typeface="Times New Roman" panose="02020603050405020304" pitchFamily="18" charset="0"/>
+                </a:rPr>
+                <a:t>Driver, File Handles</a:t>
+              </a:r>
+              <a:endParaRPr lang="en-US" sz="1000" dirty="0">
+                <a:latin typeface="Times New Roman" panose="02020603050405020304" pitchFamily="18" charset="0"/>
+                <a:cs typeface="Times New Roman" panose="02020603050405020304" pitchFamily="18" charset="0"/>
+              </a:endParaRPr>
+            </a:p>
+          </p:txBody>
+        </p:sp>
+      </p:grpSp>
+      <p:cxnSp>
+        <p:nvCxnSpPr>
+          <p:cNvPr id="42" name="Straight Arrow Connector 41"/>
+          <p:cNvCxnSpPr/>
+          <p:nvPr/>
+        </p:nvCxnSpPr>
+        <p:spPr>
+          <a:xfrm>
+            <a:off x="3429000" y="1591840"/>
+            <a:ext cx="0" cy="430465"/>
+          </a:xfrm>
+          <a:prstGeom prst="straightConnector1">
+            <a:avLst/>
+          </a:prstGeom>
+          <a:ln w="9525">
+            <a:solidFill>
+              <a:schemeClr val="tx1"/>
+            </a:solidFill>
+            <a:prstDash val="dash"/>
+            <a:headEnd type="triangle" w="med" len="med"/>
+            <a:tailEnd type="triangle" w="med" len="med"/>
+          </a:ln>
+        </p:spPr>
+        <p:style>
+          <a:lnRef idx="1">
+            <a:schemeClr val="accent1"/>
+          </a:lnRef>
+          <a:fillRef idx="0">
+            <a:schemeClr val="accent1"/>
+          </a:fillRef>
+          <a:effectRef idx="0">
+            <a:schemeClr val="accent1"/>
+          </a:effectRef>
+          <a:fontRef idx="minor">
+            <a:schemeClr val="tx1"/>
+          </a:fontRef>
+        </p:style>
+      </p:cxnSp>
+      <p:sp>
+        <p:nvSpPr>
+          <p:cNvPr id="126" name="Rectangle 125"/>
+          <p:cNvSpPr/>
+          <p:nvPr/>
+        </p:nvSpPr>
+        <p:spPr>
+          <a:xfrm>
+            <a:off x="4953274" y="3305327"/>
+            <a:ext cx="928668" cy="389880"/>
+          </a:xfrm>
+          <a:prstGeom prst="rect">
+            <a:avLst/>
+          </a:prstGeom>
+          <a:solidFill>
+            <a:schemeClr val="bg1"/>
+          </a:solidFill>
+        </p:spPr>
+        <p:style>
+          <a:lnRef idx="2">
+            <a:schemeClr val="accent2"/>
+          </a:lnRef>
+          <a:fillRef idx="1">
+            <a:schemeClr val="lt1"/>
+          </a:fillRef>
+          <a:effectRef idx="0">
+            <a:schemeClr val="accent2"/>
+          </a:effectRef>
+          <a:fontRef idx="minor">
+            <a:schemeClr val="dk1"/>
+          </a:fontRef>
+        </p:style>
+        <p:txBody>
+          <a:bodyPr rtlCol="0" anchor="t" anchorCtr="0"/>
+          <a:lstStyle/>
+          <a:p>
+            <a:pPr algn="ctr"/>
+            <a:r>
+              <a:rPr lang="en-US" sz="1000" dirty="0" smtClean="0">
+                <a:solidFill>
+                  <a:schemeClr val="dk1"/>
+                </a:solidFill>
+                <a:latin typeface="Times New Roman" panose="02020603050405020304" pitchFamily="18" charset="0"/>
+                <a:cs typeface="Times New Roman" panose="02020603050405020304" pitchFamily="18" charset="0"/>
+              </a:rPr>
+              <a:t>Global Sync </a:t>
+            </a:r>
+            <a:r>
+              <a:rPr lang="en-US" sz="1000" dirty="0" smtClean="0">
+                <a:solidFill>
+                  <a:schemeClr val="dk1"/>
+                </a:solidFill>
+                <a:latin typeface="Times New Roman" panose="02020603050405020304" pitchFamily="18" charset="0"/>
+                <a:cs typeface="Times New Roman" panose="02020603050405020304" pitchFamily="18" charset="0"/>
+              </a:rPr>
+              <a:t>Processor</a:t>
+            </a:r>
+            <a:endParaRPr lang="en-US" sz="1000" dirty="0">
+              <a:solidFill>
+                <a:schemeClr val="dk1"/>
+              </a:solidFill>
+              <a:latin typeface="Times New Roman" panose="02020603050405020304" pitchFamily="18" charset="0"/>
+              <a:cs typeface="Times New Roman" panose="02020603050405020304" pitchFamily="18" charset="0"/>
+            </a:endParaRPr>
+          </a:p>
+        </p:txBody>
+      </p:sp>
+      <p:cxnSp>
+        <p:nvCxnSpPr>
+          <p:cNvPr id="131" name="Straight Connector 130"/>
+          <p:cNvCxnSpPr>
+            <a:stCxn id="127" idx="3"/>
+            <a:endCxn id="126" idx="1"/>
+          </p:cNvCxnSpPr>
+          <p:nvPr/>
+        </p:nvCxnSpPr>
+        <p:spPr>
+          <a:xfrm>
+            <a:off x="4595135" y="3500267"/>
+            <a:ext cx="358138" cy="0"/>
+          </a:xfrm>
+          <a:prstGeom prst="line">
+            <a:avLst/>
+          </a:prstGeom>
+          <a:ln w="9525">
+            <a:solidFill>
+              <a:schemeClr val="tx1"/>
+            </a:solidFill>
+            <a:prstDash val="dash"/>
+            <a:headEnd type="none" w="med" len="med"/>
+            <a:tailEnd type="triangle" w="med" len="med"/>
+          </a:ln>
+        </p:spPr>
+        <p:style>
+          <a:lnRef idx="1">
+            <a:schemeClr val="accent1"/>
+          </a:lnRef>
+          <a:fillRef idx="0">
+            <a:schemeClr val="accent1"/>
+          </a:fillRef>
+          <a:effectRef idx="0">
+            <a:schemeClr val="accent1"/>
+          </a:effectRef>
+          <a:fontRef idx="minor">
+            <a:schemeClr val="tx1"/>
+          </a:fontRef>
+        </p:style>
+      </p:cxnSp>
+      <p:cxnSp>
+        <p:nvCxnSpPr>
+          <p:cNvPr id="139" name="Straight Connector 138"/>
+          <p:cNvCxnSpPr/>
+          <p:nvPr/>
+        </p:nvCxnSpPr>
+        <p:spPr>
+          <a:xfrm flipV="1">
+            <a:off x="4269167" y="2841325"/>
+            <a:ext cx="0" cy="464002"/>
+          </a:xfrm>
+          <a:prstGeom prst="line">
+            <a:avLst/>
+          </a:prstGeom>
+          <a:ln w="9525">
+            <a:solidFill>
+              <a:schemeClr val="tx1"/>
+            </a:solidFill>
+            <a:prstDash val="dash"/>
+            <a:headEnd type="triangle" w="med" len="med"/>
+            <a:tailEnd type="triangle" w="med" len="med"/>
+          </a:ln>
+        </p:spPr>
+        <p:style>
+          <a:lnRef idx="1">
+            <a:schemeClr val="accent1"/>
+          </a:lnRef>
+          <a:fillRef idx="0">
+            <a:schemeClr val="accent1"/>
+          </a:fillRef>
+          <a:effectRef idx="0">
+            <a:schemeClr val="accent1"/>
+          </a:effectRef>
+          <a:fontRef idx="minor">
+            <a:schemeClr val="tx1"/>
+          </a:fontRef>
+        </p:style>
+      </p:cxnSp>
+      <p:cxnSp>
+        <p:nvCxnSpPr>
+          <p:cNvPr id="143" name="Straight Connector 142"/>
+          <p:cNvCxnSpPr/>
+          <p:nvPr/>
+        </p:nvCxnSpPr>
+        <p:spPr>
+          <a:xfrm flipV="1">
+            <a:off x="5412576" y="2841325"/>
+            <a:ext cx="0" cy="464002"/>
+          </a:xfrm>
+          <a:prstGeom prst="line">
+            <a:avLst/>
+          </a:prstGeom>
+          <a:ln w="9525">
+            <a:solidFill>
+              <a:schemeClr val="tx1"/>
+            </a:solidFill>
+            <a:prstDash val="dash"/>
+            <a:headEnd type="none" w="med" len="med"/>
+            <a:tailEnd type="triangle" w="med" len="med"/>
+          </a:ln>
+        </p:spPr>
+        <p:style>
+          <a:lnRef idx="1">
+            <a:schemeClr val="accent1"/>
+          </a:lnRef>
+          <a:fillRef idx="0">
+            <a:schemeClr val="accent1"/>
+          </a:fillRef>
+          <a:effectRef idx="0">
+            <a:schemeClr val="accent1"/>
+          </a:effectRef>
+          <a:fontRef idx="minor">
+            <a:schemeClr val="tx1"/>
+          </a:fontRef>
+        </p:style>
+      </p:cxnSp>
+      <p:cxnSp>
+        <p:nvCxnSpPr>
+          <p:cNvPr id="145" name="Straight Connector 144"/>
+          <p:cNvCxnSpPr/>
+          <p:nvPr/>
+        </p:nvCxnSpPr>
+        <p:spPr>
+          <a:xfrm flipH="1">
+            <a:off x="5561165" y="3695207"/>
+            <a:ext cx="1" cy="259999"/>
+          </a:xfrm>
+          <a:prstGeom prst="line">
+            <a:avLst/>
+          </a:prstGeom>
+          <a:ln w="9525">
+            <a:solidFill>
+              <a:schemeClr val="tx1"/>
+            </a:solidFill>
+            <a:prstDash val="dash"/>
+            <a:headEnd type="triangle" w="med" len="med"/>
+            <a:tailEnd type="triangle" w="med" len="med"/>
+          </a:ln>
+        </p:spPr>
+        <p:style>
+          <a:lnRef idx="1">
+            <a:schemeClr val="accent1"/>
+          </a:lnRef>
+          <a:fillRef idx="0">
+            <a:schemeClr val="accent1"/>
+          </a:fillRef>
+          <a:effectRef idx="0">
+            <a:schemeClr val="accent1"/>
+          </a:effectRef>
+          <a:fontRef idx="minor">
+            <a:schemeClr val="tx1"/>
+          </a:fontRef>
+        </p:style>
+      </p:cxnSp>
+      <p:cxnSp>
+        <p:nvCxnSpPr>
+          <p:cNvPr id="150" name="Straight Connector 149"/>
+          <p:cNvCxnSpPr>
+            <a:stCxn id="22" idx="1"/>
+          </p:cNvCxnSpPr>
+          <p:nvPr/>
+        </p:nvCxnSpPr>
+        <p:spPr>
+          <a:xfrm flipV="1">
+            <a:off x="4120576" y="3695207"/>
+            <a:ext cx="0" cy="276808"/>
+          </a:xfrm>
+          <a:prstGeom prst="line">
+            <a:avLst/>
+          </a:prstGeom>
+          <a:ln w="9525">
+            <a:solidFill>
+              <a:schemeClr val="tx1"/>
+            </a:solidFill>
+            <a:prstDash val="dash"/>
+            <a:headEnd type="triangle" w="med" len="med"/>
+            <a:tailEnd type="triangle" w="med" len="med"/>
+          </a:ln>
+        </p:spPr>
+        <p:style>
+          <a:lnRef idx="1">
+            <a:schemeClr val="accent1"/>
+          </a:lnRef>
+          <a:fillRef idx="0">
+            <a:schemeClr val="accent1"/>
+          </a:fillRef>
+          <a:effectRef idx="0">
+            <a:schemeClr val="accent1"/>
+          </a:effectRef>
+          <a:fontRef idx="minor">
+            <a:schemeClr val="tx1"/>
+          </a:fontRef>
+        </p:style>
+      </p:cxnSp>
+      <p:sp>
+        <p:nvSpPr>
+          <p:cNvPr id="127" name="Rectangle 126"/>
+          <p:cNvSpPr/>
+          <p:nvPr/>
+        </p:nvSpPr>
+        <p:spPr>
+          <a:xfrm>
+            <a:off x="3659240" y="3305327"/>
+            <a:ext cx="922674" cy="389880"/>
+          </a:xfrm>
+          <a:prstGeom prst="rect">
+            <a:avLst/>
+          </a:prstGeom>
+          <a:solidFill>
+            <a:schemeClr val="bg1"/>
+          </a:solidFill>
+        </p:spPr>
+        <p:style>
+          <a:lnRef idx="2">
+            <a:schemeClr val="accent2"/>
+          </a:lnRef>
+          <a:fillRef idx="1">
+            <a:schemeClr val="lt1"/>
+          </a:fillRef>
+          <a:effectRef idx="0">
+            <a:schemeClr val="accent2"/>
+          </a:effectRef>
+          <a:fontRef idx="minor">
+            <a:schemeClr val="dk1"/>
+          </a:fontRef>
+        </p:style>
+        <p:txBody>
+          <a:bodyPr rtlCol="0" anchor="t" anchorCtr="0"/>
+          <a:lstStyle/>
+          <a:p>
+            <a:pPr algn="ctr"/>
+            <a:r>
+              <a:rPr lang="en-US" sz="1000" dirty="0" smtClean="0">
+                <a:solidFill>
+                  <a:schemeClr val="dk1"/>
+                </a:solidFill>
+                <a:latin typeface="Times New Roman" panose="02020603050405020304" pitchFamily="18" charset="0"/>
+                <a:cs typeface="Times New Roman" panose="02020603050405020304" pitchFamily="18" charset="0"/>
+              </a:rPr>
+              <a:t>Local Sync Processor</a:t>
+            </a:r>
+            <a:endParaRPr lang="en-US" sz="1000" dirty="0">
+              <a:solidFill>
+                <a:schemeClr val="dk1"/>
+              </a:solidFill>
+              <a:latin typeface="Times New Roman" panose="02020603050405020304" pitchFamily="18" charset="0"/>
+              <a:cs typeface="Times New Roman" panose="02020603050405020304" pitchFamily="18" charset="0"/>
+            </a:endParaRPr>
+          </a:p>
+        </p:txBody>
+      </p:sp>
+      <p:cxnSp>
+        <p:nvCxnSpPr>
+          <p:cNvPr id="51" name="Straight Connector 50"/>
+          <p:cNvCxnSpPr>
+            <a:stCxn id="21" idx="1"/>
+            <a:endCxn id="34" idx="2"/>
+          </p:cNvCxnSpPr>
+          <p:nvPr/>
+        </p:nvCxnSpPr>
+        <p:spPr>
+          <a:xfrm flipH="1" flipV="1">
+            <a:off x="1191365" y="2834381"/>
+            <a:ext cx="1430" cy="1137634"/>
+          </a:xfrm>
+          <a:prstGeom prst="line">
+            <a:avLst/>
+          </a:prstGeom>
+          <a:ln w="9525">
+            <a:solidFill>
+              <a:schemeClr val="tx1"/>
+            </a:solidFill>
+            <a:prstDash val="dash"/>
+            <a:headEnd type="triangle" w="med" len="med"/>
+            <a:tailEnd type="triangle" w="med" len="med"/>
+          </a:ln>
+        </p:spPr>
+        <p:style>
+          <a:lnRef idx="1">
+            <a:schemeClr val="accent1"/>
+          </a:lnRef>
+          <a:fillRef idx="0">
+            <a:schemeClr val="accent1"/>
+          </a:fillRef>
+          <a:effectRef idx="0">
+            <a:schemeClr val="accent1"/>
+          </a:effectRef>
+          <a:fontRef idx="minor">
+            <a:schemeClr val="tx1"/>
+          </a:fontRef>
+        </p:style>
+      </p:cxnSp>
+      <p:sp>
+        <p:nvSpPr>
+          <p:cNvPr id="63" name="Rounded Rectangle 62"/>
+          <p:cNvSpPr/>
+          <p:nvPr/>
+        </p:nvSpPr>
+        <p:spPr>
+          <a:xfrm>
+            <a:off x="1745535" y="3794851"/>
+            <a:ext cx="1510325" cy="616021"/>
+          </a:xfrm>
+          <a:prstGeom prst="roundRect">
+            <a:avLst>
+              <a:gd name="adj" fmla="val 7702"/>
+            </a:avLst>
+          </a:prstGeom>
+        </p:spPr>
+        <p:style>
+          <a:lnRef idx="2">
+            <a:schemeClr val="accent6"/>
+          </a:lnRef>
+          <a:fillRef idx="1">
+            <a:schemeClr val="lt1"/>
+          </a:fillRef>
+          <a:effectRef idx="0">
+            <a:schemeClr val="accent6"/>
+          </a:effectRef>
+          <a:fontRef idx="minor">
+            <a:schemeClr val="dk1"/>
+          </a:fontRef>
+        </p:style>
+        <p:txBody>
+          <a:bodyPr rtlCol="0" anchor="t"/>
+          <a:lstStyle/>
+          <a:p>
+            <a:pPr algn="ctr"/>
+            <a:endParaRPr lang="en-US" sz="1000" dirty="0" smtClean="0">
+              <a:solidFill>
+                <a:schemeClr val="dk1"/>
+              </a:solidFill>
+              <a:latin typeface="Times New Roman" panose="02020603050405020304" pitchFamily="18" charset="0"/>
+              <a:cs typeface="Times New Roman" panose="02020603050405020304" pitchFamily="18" charset="0"/>
+            </a:endParaRPr>
+          </a:p>
+          <a:p>
+            <a:pPr algn="ctr"/>
+            <a:endParaRPr lang="en-US" sz="1000" dirty="0">
+              <a:latin typeface="Times New Roman" panose="02020603050405020304" pitchFamily="18" charset="0"/>
+              <a:cs typeface="Times New Roman" panose="02020603050405020304" pitchFamily="18" charset="0"/>
+            </a:endParaRPr>
+          </a:p>
+          <a:p>
+            <a:pPr algn="ctr"/>
+            <a:r>
+              <a:rPr lang="en-US" sz="1000" dirty="0" smtClean="0">
+                <a:solidFill>
+                  <a:schemeClr val="dk1"/>
+                </a:solidFill>
+                <a:latin typeface="Times New Roman" panose="02020603050405020304" pitchFamily="18" charset="0"/>
+                <a:cs typeface="Times New Roman" panose="02020603050405020304" pitchFamily="18" charset="0"/>
+              </a:rPr>
+              <a:t>Other </a:t>
+            </a:r>
+            <a:r>
+              <a:rPr lang="en-US" sz="1000" dirty="0" smtClean="0">
+                <a:solidFill>
+                  <a:schemeClr val="dk1"/>
+                </a:solidFill>
+                <a:latin typeface="Times New Roman" panose="02020603050405020304" pitchFamily="18" charset="0"/>
+                <a:cs typeface="Times New Roman" panose="02020603050405020304" pitchFamily="18" charset="0"/>
+              </a:rPr>
+              <a:t>nodes</a:t>
+            </a:r>
+            <a:endParaRPr lang="en-US" sz="1000" dirty="0">
+              <a:solidFill>
+                <a:schemeClr val="dk1"/>
+              </a:solidFill>
+              <a:latin typeface="Times New Roman" panose="02020603050405020304" pitchFamily="18" charset="0"/>
+              <a:cs typeface="Times New Roman" panose="02020603050405020304" pitchFamily="18" charset="0"/>
+            </a:endParaRPr>
+          </a:p>
+        </p:txBody>
+      </p:sp>
+      <p:cxnSp>
+        <p:nvCxnSpPr>
+          <p:cNvPr id="65" name="Straight Arrow Connector 64"/>
+          <p:cNvCxnSpPr>
+            <a:endCxn id="77" idx="0"/>
+          </p:cNvCxnSpPr>
+          <p:nvPr/>
+        </p:nvCxnSpPr>
+        <p:spPr>
+          <a:xfrm flipH="1">
+            <a:off x="2494056" y="2737467"/>
+            <a:ext cx="1433" cy="1135634"/>
+          </a:xfrm>
+          <a:prstGeom prst="straightConnector1">
+            <a:avLst/>
+          </a:prstGeom>
+          <a:ln w="9525">
+            <a:solidFill>
+              <a:schemeClr val="tx1"/>
+            </a:solidFill>
+            <a:prstDash val="dash"/>
+            <a:headEnd type="triangle" w="med" len="med"/>
+            <a:tailEnd type="none" w="med" len="med"/>
+          </a:ln>
+        </p:spPr>
+        <p:style>
+          <a:lnRef idx="1">
+            <a:schemeClr val="accent1"/>
+          </a:lnRef>
+          <a:fillRef idx="0">
+            <a:schemeClr val="accent1"/>
+          </a:fillRef>
+          <a:effectRef idx="0">
+            <a:schemeClr val="accent1"/>
+          </a:effectRef>
+          <a:fontRef idx="minor">
+            <a:schemeClr val="tx1"/>
+          </a:fontRef>
+        </p:style>
+      </p:cxnSp>
+      <p:sp>
+        <p:nvSpPr>
+          <p:cNvPr id="35" name="Rectangle 34"/>
+          <p:cNvSpPr/>
+          <p:nvPr/>
+        </p:nvSpPr>
+        <p:spPr>
+          <a:xfrm>
+            <a:off x="2184641" y="3125076"/>
+            <a:ext cx="655297" cy="266099"/>
+          </a:xfrm>
+          <a:prstGeom prst="rect">
+            <a:avLst/>
+          </a:prstGeom>
+          <a:ln>
+            <a:noFill/>
+            <a:prstDash val="sysDash"/>
+          </a:ln>
+        </p:spPr>
+        <p:style>
+          <a:lnRef idx="2">
+            <a:schemeClr val="accent2"/>
+          </a:lnRef>
+          <a:fillRef idx="1">
+            <a:schemeClr val="lt1"/>
+          </a:fillRef>
+          <a:effectRef idx="0">
+            <a:schemeClr val="accent2"/>
+          </a:effectRef>
+          <a:fontRef idx="minor">
+            <a:schemeClr val="dk1"/>
+          </a:fontRef>
+        </p:style>
+        <p:txBody>
+          <a:bodyPr rtlCol="0" anchor="ctr"/>
+          <a:lstStyle/>
+          <a:p>
+            <a:pPr algn="ctr"/>
+            <a:r>
+              <a:rPr lang="en-US" sz="900" dirty="0" smtClean="0">
+                <a:solidFill>
+                  <a:schemeClr val="dk1"/>
+                </a:solidFill>
+                <a:latin typeface="Times New Roman" panose="02020603050405020304" pitchFamily="18" charset="0"/>
+                <a:cs typeface="Times New Roman" panose="02020603050405020304" pitchFamily="18" charset="0"/>
+              </a:rPr>
+              <a:t>Data </a:t>
+            </a:r>
+            <a:r>
+              <a:rPr lang="en-US" sz="900" dirty="0" smtClean="0">
+                <a:solidFill>
+                  <a:schemeClr val="dk1"/>
+                </a:solidFill>
+                <a:latin typeface="Times New Roman" panose="02020603050405020304" pitchFamily="18" charset="0"/>
+                <a:cs typeface="Times New Roman" panose="02020603050405020304" pitchFamily="18" charset="0"/>
+              </a:rPr>
+              <a:t>Segments</a:t>
+            </a:r>
+            <a:endParaRPr lang="en-US" sz="900" dirty="0">
+              <a:solidFill>
+                <a:schemeClr val="dk1"/>
+              </a:solidFill>
+              <a:latin typeface="Times New Roman" panose="02020603050405020304" pitchFamily="18" charset="0"/>
+              <a:cs typeface="Times New Roman" panose="02020603050405020304" pitchFamily="18" charset="0"/>
+            </a:endParaRPr>
+          </a:p>
+        </p:txBody>
+      </p:sp>
+      <p:sp>
+        <p:nvSpPr>
+          <p:cNvPr id="77" name="Rounded Rectangle 76"/>
+          <p:cNvSpPr/>
+          <p:nvPr/>
+        </p:nvSpPr>
+        <p:spPr>
+          <a:xfrm>
+            <a:off x="1784874" y="3873101"/>
+            <a:ext cx="1418364" cy="234109"/>
+          </a:xfrm>
+          <a:prstGeom prst="roundRect">
+            <a:avLst>
+              <a:gd name="adj" fmla="val 7702"/>
+            </a:avLst>
+          </a:prstGeom>
+          <a:ln>
+            <a:prstDash val="sysDash"/>
+          </a:ln>
+        </p:spPr>
+        <p:style>
+          <a:lnRef idx="2">
+            <a:schemeClr val="accent6"/>
+          </a:lnRef>
+          <a:fillRef idx="1">
+            <a:schemeClr val="lt1"/>
+          </a:fillRef>
+          <a:effectRef idx="0">
+            <a:schemeClr val="accent6"/>
+          </a:effectRef>
+          <a:fontRef idx="minor">
+            <a:schemeClr val="dk1"/>
+          </a:fontRef>
+        </p:style>
+        <p:txBody>
+          <a:bodyPr rtlCol="0" anchor="ctr"/>
+          <a:lstStyle/>
+          <a:p>
+            <a:pPr algn="ctr"/>
+            <a:r>
+              <a:rPr lang="en-US" sz="900" dirty="0" smtClean="0">
+                <a:solidFill>
+                  <a:schemeClr val="dk1"/>
+                </a:solidFill>
+                <a:latin typeface="Times New Roman" panose="02020603050405020304" pitchFamily="18" charset="0"/>
+                <a:cs typeface="Times New Roman" panose="02020603050405020304" pitchFamily="18" charset="0"/>
+              </a:rPr>
+              <a:t>RPC service</a:t>
+            </a:r>
+            <a:endParaRPr lang="en-US" sz="900" dirty="0">
+              <a:solidFill>
+                <a:schemeClr val="dk1"/>
+              </a:solidFill>
+              <a:latin typeface="Times New Roman" panose="02020603050405020304" pitchFamily="18" charset="0"/>
+              <a:cs typeface="Times New Roman" panose="02020603050405020304" pitchFamily="18" charset="0"/>
+            </a:endParaRPr>
+          </a:p>
+        </p:txBody>
+      </p:sp>
+      <p:cxnSp>
+        <p:nvCxnSpPr>
+          <p:cNvPr id="86" name="Straight Connector 85"/>
+          <p:cNvCxnSpPr/>
+          <p:nvPr/>
+        </p:nvCxnSpPr>
+        <p:spPr>
+          <a:xfrm flipV="1">
+            <a:off x="2886931" y="2739341"/>
+            <a:ext cx="549539" cy="1133760"/>
+          </a:xfrm>
+          <a:prstGeom prst="line">
+            <a:avLst/>
+          </a:prstGeom>
+          <a:ln w="9525">
+            <a:solidFill>
+              <a:schemeClr val="tx1"/>
+            </a:solidFill>
+            <a:prstDash val="dash"/>
+            <a:headEnd type="none" w="med" len="med"/>
+            <a:tailEnd type="triangle" w="med" len="med"/>
+          </a:ln>
+        </p:spPr>
+        <p:style>
+          <a:lnRef idx="1">
+            <a:schemeClr val="accent1"/>
+          </a:lnRef>
+          <a:fillRef idx="0">
+            <a:schemeClr val="accent1"/>
+          </a:fillRef>
+          <a:effectRef idx="0">
+            <a:schemeClr val="accent1"/>
+          </a:effectRef>
+          <a:fontRef idx="minor">
+            <a:schemeClr val="tx1"/>
+          </a:fontRef>
+        </p:style>
+      </p:cxnSp>
+      <p:sp>
+        <p:nvSpPr>
+          <p:cNvPr id="89" name="Rectangle 88"/>
+          <p:cNvSpPr/>
+          <p:nvPr/>
+        </p:nvSpPr>
+        <p:spPr>
+          <a:xfrm>
+            <a:off x="2804904" y="3321207"/>
+            <a:ext cx="544834" cy="239332"/>
+          </a:xfrm>
+          <a:prstGeom prst="rect">
+            <a:avLst/>
+          </a:prstGeom>
+          <a:solidFill>
+            <a:schemeClr val="bg1"/>
+          </a:solidFill>
+          <a:ln>
+            <a:noFill/>
+            <a:prstDash val="sysDash"/>
+          </a:ln>
+        </p:spPr>
+        <p:style>
+          <a:lnRef idx="2">
+            <a:schemeClr val="accent2"/>
+          </a:lnRef>
+          <a:fillRef idx="1">
+            <a:schemeClr val="lt1"/>
+          </a:fillRef>
+          <a:effectRef idx="0">
+            <a:schemeClr val="accent2"/>
+          </a:effectRef>
+          <a:fontRef idx="minor">
+            <a:schemeClr val="dk1"/>
+          </a:fontRef>
+        </p:style>
+        <p:txBody>
+          <a:bodyPr rtlCol="0" anchor="ctr"/>
+          <a:lstStyle/>
+          <a:p>
+            <a:pPr algn="ctr"/>
+            <a:r>
+              <a:rPr lang="en-US" sz="900" dirty="0" err="1" smtClean="0">
+                <a:latin typeface="Times New Roman" panose="02020603050405020304" pitchFamily="18" charset="0"/>
+                <a:cs typeface="Times New Roman" panose="02020603050405020304" pitchFamily="18" charset="0"/>
+              </a:rPr>
+              <a:t>Inodes</a:t>
+            </a:r>
+            <a:r>
+              <a:rPr lang="en-US" sz="900" dirty="0" smtClean="0">
+                <a:latin typeface="Times New Roman" panose="02020603050405020304" pitchFamily="18" charset="0"/>
+                <a:cs typeface="Times New Roman" panose="02020603050405020304" pitchFamily="18" charset="0"/>
+              </a:rPr>
+              <a:t> blocks</a:t>
+            </a:r>
+            <a:endParaRPr lang="en-US" sz="900" dirty="0">
+              <a:solidFill>
+                <a:schemeClr val="dk1"/>
+              </a:solidFill>
+              <a:latin typeface="Times New Roman" panose="02020603050405020304" pitchFamily="18" charset="0"/>
+              <a:cs typeface="Times New Roman" panose="02020603050405020304" pitchFamily="18" charset="0"/>
+            </a:endParaRPr>
+          </a:p>
+        </p:txBody>
+      </p:sp>
+      <p:sp>
+        <p:nvSpPr>
+          <p:cNvPr id="44" name="Flowchart: Magnetic Disk 43"/>
+          <p:cNvSpPr/>
+          <p:nvPr/>
+        </p:nvSpPr>
+        <p:spPr>
+          <a:xfrm>
+            <a:off x="3729134" y="4004647"/>
+            <a:ext cx="782884" cy="519545"/>
+          </a:xfrm>
+          <a:prstGeom prst="flowChartMagneticDisk">
+            <a:avLst/>
+          </a:prstGeom>
+        </p:spPr>
+        <p:style>
+          <a:lnRef idx="1">
+            <a:schemeClr val="accent1"/>
+          </a:lnRef>
+          <a:fillRef idx="2">
+            <a:schemeClr val="accent1"/>
+          </a:fillRef>
+          <a:effectRef idx="1">
+            <a:schemeClr val="accent1"/>
+          </a:effectRef>
+          <a:fontRef idx="minor">
+            <a:schemeClr val="dk1"/>
+          </a:fontRef>
+        </p:style>
+        <p:txBody>
+          <a:bodyPr rtlCol="0" anchor="ctr"/>
+          <a:lstStyle/>
+          <a:p>
+            <a:pPr algn="ctr"/>
+            <a:endParaRPr lang="en-US" sz="600" dirty="0" smtClean="0">
+              <a:latin typeface="Times New Roman" panose="02020603050405020304" pitchFamily="18" charset="0"/>
+              <a:cs typeface="Times New Roman" panose="02020603050405020304" pitchFamily="18" charset="0"/>
+            </a:endParaRPr>
+          </a:p>
+          <a:p>
+            <a:pPr algn="ctr"/>
+            <a:r>
+              <a:rPr lang="en-US" sz="1000" dirty="0" smtClean="0">
+                <a:latin typeface="Times New Roman" panose="02020603050405020304" pitchFamily="18" charset="0"/>
+                <a:cs typeface="Times New Roman" panose="02020603050405020304" pitchFamily="18" charset="0"/>
+              </a:rPr>
+              <a:t>Local Storage</a:t>
+            </a:r>
+            <a:endParaRPr lang="en-US" sz="1000" dirty="0">
+              <a:latin typeface="Times New Roman" panose="02020603050405020304" pitchFamily="18" charset="0"/>
+              <a:cs typeface="Times New Roman" panose="02020603050405020304" pitchFamily="18" charset="0"/>
+            </a:endParaRPr>
+          </a:p>
+        </p:txBody>
+      </p:sp>
+      <p:sp>
+        <p:nvSpPr>
+          <p:cNvPr id="45" name="Flowchart: Magnetic Disk 44"/>
+          <p:cNvSpPr/>
+          <p:nvPr/>
+        </p:nvSpPr>
+        <p:spPr>
+          <a:xfrm>
+            <a:off x="3729134" y="4025327"/>
+            <a:ext cx="782884" cy="519545"/>
+          </a:xfrm>
+          <a:prstGeom prst="flowChartMagneticDisk">
+            <a:avLst/>
+          </a:prstGeom>
+        </p:spPr>
+        <p:style>
+          <a:lnRef idx="1">
+            <a:schemeClr val="accent1"/>
+          </a:lnRef>
+          <a:fillRef idx="2">
+            <a:schemeClr val="accent1"/>
+          </a:fillRef>
+          <a:effectRef idx="1">
+            <a:schemeClr val="accent1"/>
+          </a:effectRef>
+          <a:fontRef idx="minor">
+            <a:schemeClr val="dk1"/>
+          </a:fontRef>
+        </p:style>
+        <p:txBody>
+          <a:bodyPr rtlCol="0" anchor="ctr"/>
+          <a:lstStyle/>
+          <a:p>
+            <a:pPr algn="ctr"/>
+            <a:endParaRPr lang="en-US" sz="600" dirty="0" smtClean="0">
+              <a:latin typeface="Times New Roman" panose="02020603050405020304" pitchFamily="18" charset="0"/>
+              <a:cs typeface="Times New Roman" panose="02020603050405020304" pitchFamily="18" charset="0"/>
+            </a:endParaRPr>
+          </a:p>
+          <a:p>
+            <a:pPr algn="ctr"/>
+            <a:r>
+              <a:rPr lang="en-US" sz="1000" dirty="0" smtClean="0">
+                <a:latin typeface="Times New Roman" panose="02020603050405020304" pitchFamily="18" charset="0"/>
+                <a:cs typeface="Times New Roman" panose="02020603050405020304" pitchFamily="18" charset="0"/>
+              </a:rPr>
+              <a:t>Local Storage</a:t>
+            </a:r>
+            <a:endParaRPr lang="en-US" sz="1000" dirty="0">
+              <a:latin typeface="Times New Roman" panose="02020603050405020304" pitchFamily="18" charset="0"/>
+              <a:cs typeface="Times New Roman" panose="02020603050405020304" pitchFamily="18" charset="0"/>
+            </a:endParaRPr>
+          </a:p>
+        </p:txBody>
+      </p:sp>
+    </p:spTree>
+    <p:extLst>
+      <p:ext uri="{BB962C8B-B14F-4D97-AF65-F5344CB8AC3E}">
+        <p14:creationId xmlns:p14="http://schemas.microsoft.com/office/powerpoint/2010/main" val="2161470143"/>
       </p:ext>
     </p:extLst>
   </p:cSld>
@@ -35353,10 +37151,6 @@
                   </a:rPr>
                   <a:t>Index block UUIDs</a:t>
                 </a:r>
-                <a:endParaRPr lang="en-US" sz="1000" dirty="0">
-                  <a:latin typeface="Times New Roman" panose="02020603050405020304" pitchFamily="18" charset="0"/>
-                  <a:cs typeface="Times New Roman" panose="02020603050405020304" pitchFamily="18" charset="0"/>
-                </a:endParaRPr>
               </a:p>
             </p:txBody>
           </p:sp>

--- a/docs/design/figures/fs-design.pptx
+++ b/docs/design/figures/fs-design.pptx
@@ -18,6 +18,7 @@
     <p:sldId id="267" r:id="rId12"/>
     <p:sldId id="268" r:id="rId13"/>
     <p:sldId id="269" r:id="rId14"/>
+    <p:sldId id="270" r:id="rId15"/>
   </p:sldIdLst>
   <p:sldSz cx="6858000" cy="4572000"/>
   <p:notesSz cx="9144000" cy="6858000"/>
@@ -16464,28 +16465,363 @@
       </p:grpSpPr>
       <p:grpSp>
         <p:nvGrpSpPr>
-          <p:cNvPr id="31" name="Group 30"/>
+          <p:cNvPr id="38" name="Group 37"/>
           <p:cNvGrpSpPr/>
           <p:nvPr/>
         </p:nvGrpSpPr>
         <p:grpSpPr>
           <a:xfrm>
-            <a:off x="732195" y="1834039"/>
-            <a:ext cx="5393610" cy="1134182"/>
-            <a:chOff x="1225176" y="1834039"/>
-            <a:chExt cx="5393610" cy="1134182"/>
+            <a:off x="732195" y="23722"/>
+            <a:ext cx="5393610" cy="4521150"/>
+            <a:chOff x="732195" y="23722"/>
+            <a:chExt cx="5393610" cy="4521150"/>
           </a:xfrm>
         </p:grpSpPr>
+        <p:grpSp>
+          <p:nvGrpSpPr>
+            <p:cNvPr id="31" name="Group 30"/>
+            <p:cNvGrpSpPr/>
+            <p:nvPr/>
+          </p:nvGrpSpPr>
+          <p:grpSpPr>
+            <a:xfrm>
+              <a:off x="732195" y="1834039"/>
+              <a:ext cx="5393610" cy="1134182"/>
+              <a:chOff x="1225176" y="1834039"/>
+              <a:chExt cx="5393610" cy="1134182"/>
+            </a:xfrm>
+          </p:grpSpPr>
+          <p:sp>
+            <p:nvSpPr>
+              <p:cNvPr id="16" name="Rounded Rectangle 15"/>
+              <p:cNvSpPr/>
+              <p:nvPr/>
+            </p:nvSpPr>
+            <p:spPr>
+              <a:xfrm>
+                <a:off x="1225176" y="1834039"/>
+                <a:ext cx="5393610" cy="1134182"/>
+              </a:xfrm>
+              <a:prstGeom prst="roundRect">
+                <a:avLst>
+                  <a:gd name="adj" fmla="val 4740"/>
+                </a:avLst>
+              </a:prstGeom>
+              <a:ln>
+                <a:solidFill>
+                  <a:schemeClr val="accent1">
+                    <a:lumMod val="60000"/>
+                    <a:lumOff val="40000"/>
+                  </a:schemeClr>
+                </a:solidFill>
+              </a:ln>
+            </p:spPr>
+            <p:style>
+              <a:lnRef idx="2">
+                <a:schemeClr val="accent1"/>
+              </a:lnRef>
+              <a:fillRef idx="1">
+                <a:schemeClr val="lt1"/>
+              </a:fillRef>
+              <a:effectRef idx="0">
+                <a:schemeClr val="accent1"/>
+              </a:effectRef>
+              <a:fontRef idx="minor">
+                <a:schemeClr val="dk1"/>
+              </a:fontRef>
+            </p:style>
+            <p:txBody>
+              <a:bodyPr rtlCol="0" anchor="t"/>
+              <a:lstStyle/>
+              <a:p>
+                <a:r>
+                  <a:rPr lang="en-US" sz="1000" b="1" dirty="0" smtClean="0">
+                    <a:latin typeface="Times New Roman" panose="02020603050405020304" pitchFamily="18" charset="0"/>
+                    <a:cs typeface="Times New Roman" panose="02020603050405020304" pitchFamily="18" charset="0"/>
+                  </a:rPr>
+                  <a:t>Main Memory</a:t>
+                </a:r>
+                <a:endParaRPr lang="en-US" sz="1000" b="1" dirty="0">
+                  <a:latin typeface="Times New Roman" panose="02020603050405020304" pitchFamily="18" charset="0"/>
+                  <a:cs typeface="Times New Roman" panose="02020603050405020304" pitchFamily="18" charset="0"/>
+                </a:endParaRPr>
+              </a:p>
+            </p:txBody>
+          </p:sp>
+          <p:sp>
+            <p:nvSpPr>
+              <p:cNvPr id="18" name="Rectangle 17"/>
+              <p:cNvSpPr/>
+              <p:nvPr/>
+            </p:nvSpPr>
+            <p:spPr>
+              <a:xfrm>
+                <a:off x="3774920" y="2300716"/>
+                <a:ext cx="1231542" cy="438625"/>
+              </a:xfrm>
+              <a:prstGeom prst="rect">
+                <a:avLst/>
+              </a:prstGeom>
+              <a:ln>
+                <a:prstDash val="dash"/>
+              </a:ln>
+            </p:spPr>
+            <p:style>
+              <a:lnRef idx="2">
+                <a:schemeClr val="accent2"/>
+              </a:lnRef>
+              <a:fillRef idx="1">
+                <a:schemeClr val="lt1"/>
+              </a:fillRef>
+              <a:effectRef idx="0">
+                <a:schemeClr val="accent2"/>
+              </a:effectRef>
+              <a:fontRef idx="minor">
+                <a:schemeClr val="dk1"/>
+              </a:fontRef>
+            </p:style>
+            <p:txBody>
+              <a:bodyPr rtlCol="0" anchor="ctr"/>
+              <a:lstStyle/>
+              <a:p>
+                <a:pPr algn="ctr"/>
+                <a:r>
+                  <a:rPr lang="en-US" sz="1000" dirty="0" err="1" smtClean="0">
+                    <a:latin typeface="Times New Roman" panose="02020603050405020304" pitchFamily="18" charset="0"/>
+                    <a:cs typeface="Times New Roman" panose="02020603050405020304" pitchFamily="18" charset="0"/>
+                  </a:rPr>
+                  <a:t>Inodes</a:t>
+                </a:r>
+                <a:r>
+                  <a:rPr lang="en-US" sz="1000" dirty="0" smtClean="0">
+                    <a:latin typeface="Times New Roman" panose="02020603050405020304" pitchFamily="18" charset="0"/>
+                    <a:cs typeface="Times New Roman" panose="02020603050405020304" pitchFamily="18" charset="0"/>
+                  </a:rPr>
+                  <a:t> blocks</a:t>
+                </a:r>
+                <a:endParaRPr lang="en-US" sz="1000" dirty="0">
+                  <a:latin typeface="Times New Roman" panose="02020603050405020304" pitchFamily="18" charset="0"/>
+                  <a:cs typeface="Times New Roman" panose="02020603050405020304" pitchFamily="18" charset="0"/>
+                </a:endParaRPr>
+              </a:p>
+            </p:txBody>
+          </p:sp>
+          <p:sp>
+            <p:nvSpPr>
+              <p:cNvPr id="19" name="Rectangle 18"/>
+              <p:cNvSpPr/>
+              <p:nvPr/>
+            </p:nvSpPr>
+            <p:spPr>
+              <a:xfrm>
+                <a:off x="2323926" y="2300716"/>
+                <a:ext cx="1280962" cy="438625"/>
+              </a:xfrm>
+              <a:prstGeom prst="rect">
+                <a:avLst/>
+              </a:prstGeom>
+              <a:ln>
+                <a:prstDash val="dash"/>
+              </a:ln>
+            </p:spPr>
+            <p:style>
+              <a:lnRef idx="2">
+                <a:schemeClr val="accent2"/>
+              </a:lnRef>
+              <a:fillRef idx="1">
+                <a:schemeClr val="lt1"/>
+              </a:fillRef>
+              <a:effectRef idx="0">
+                <a:schemeClr val="accent2"/>
+              </a:effectRef>
+              <a:fontRef idx="minor">
+                <a:schemeClr val="dk1"/>
+              </a:fontRef>
+            </p:style>
+            <p:txBody>
+              <a:bodyPr rtlCol="0" anchor="ctr"/>
+              <a:lstStyle/>
+              <a:p>
+                <a:pPr algn="ctr"/>
+                <a:r>
+                  <a:rPr lang="en-US" sz="1000" dirty="0" smtClean="0">
+                    <a:latin typeface="Times New Roman" panose="02020603050405020304" pitchFamily="18" charset="0"/>
+                    <a:cs typeface="Times New Roman" panose="02020603050405020304" pitchFamily="18" charset="0"/>
+                  </a:rPr>
+                  <a:t>Data segments</a:t>
+                </a:r>
+                <a:endParaRPr lang="en-US" sz="1000" dirty="0">
+                  <a:latin typeface="Times New Roman" panose="02020603050405020304" pitchFamily="18" charset="0"/>
+                  <a:cs typeface="Times New Roman" panose="02020603050405020304" pitchFamily="18" charset="0"/>
+                </a:endParaRPr>
+              </a:p>
+            </p:txBody>
+          </p:sp>
+          <p:sp>
+            <p:nvSpPr>
+              <p:cNvPr id="113" name="Rectangle 112"/>
+              <p:cNvSpPr/>
+              <p:nvPr/>
+            </p:nvSpPr>
+            <p:spPr>
+              <a:xfrm>
+                <a:off x="2238515" y="2016329"/>
+                <a:ext cx="4306622" cy="828505"/>
+              </a:xfrm>
+              <a:prstGeom prst="rect">
+                <a:avLst/>
+              </a:prstGeom>
+              <a:noFill/>
+            </p:spPr>
+            <p:style>
+              <a:lnRef idx="2">
+                <a:schemeClr val="accent2"/>
+              </a:lnRef>
+              <a:fillRef idx="1">
+                <a:schemeClr val="lt1"/>
+              </a:fillRef>
+              <a:effectRef idx="0">
+                <a:schemeClr val="accent2"/>
+              </a:effectRef>
+              <a:fontRef idx="minor">
+                <a:schemeClr val="dk1"/>
+              </a:fontRef>
+            </p:style>
+            <p:txBody>
+              <a:bodyPr rtlCol="0" anchor="t" anchorCtr="0"/>
+              <a:lstStyle/>
+              <a:p>
+                <a:pPr algn="ctr"/>
+                <a:r>
+                  <a:rPr lang="en-US" sz="1000" b="1" dirty="0">
+                    <a:solidFill>
+                      <a:schemeClr val="dk1"/>
+                    </a:solidFill>
+                    <a:latin typeface="Times New Roman" panose="02020603050405020304" pitchFamily="18" charset="0"/>
+                    <a:cs typeface="Times New Roman" panose="02020603050405020304" pitchFamily="18" charset="0"/>
+                  </a:rPr>
+                  <a:t>Unified LRU Cache</a:t>
+                </a:r>
+              </a:p>
+            </p:txBody>
+          </p:sp>
+          <p:sp>
+            <p:nvSpPr>
+              <p:cNvPr id="34" name="Rectangle 33"/>
+              <p:cNvSpPr/>
+              <p:nvPr/>
+            </p:nvSpPr>
+            <p:spPr>
+              <a:xfrm>
+                <a:off x="1342002" y="2395756"/>
+                <a:ext cx="684688" cy="438625"/>
+              </a:xfrm>
+              <a:prstGeom prst="rect">
+                <a:avLst/>
+              </a:prstGeom>
+            </p:spPr>
+            <p:style>
+              <a:lnRef idx="2">
+                <a:schemeClr val="accent2"/>
+              </a:lnRef>
+              <a:fillRef idx="1">
+                <a:schemeClr val="lt1"/>
+              </a:fillRef>
+              <a:effectRef idx="0">
+                <a:schemeClr val="accent2"/>
+              </a:effectRef>
+              <a:fontRef idx="minor">
+                <a:schemeClr val="dk1"/>
+              </a:fontRef>
+            </p:style>
+            <p:txBody>
+              <a:bodyPr rtlCol="0" anchor="ctr"/>
+              <a:lstStyle/>
+              <a:p>
+                <a:pPr algn="ctr"/>
+                <a:r>
+                  <a:rPr lang="en-US" sz="1000" dirty="0" smtClean="0">
+                    <a:latin typeface="Times New Roman" panose="02020603050405020304" pitchFamily="18" charset="0"/>
+                    <a:cs typeface="Times New Roman" panose="02020603050405020304" pitchFamily="18" charset="0"/>
+                  </a:rPr>
+                  <a:t>File Directory</a:t>
+                </a:r>
+                <a:endParaRPr lang="en-US" sz="1000" dirty="0">
+                  <a:latin typeface="Times New Roman" panose="02020603050405020304" pitchFamily="18" charset="0"/>
+                  <a:cs typeface="Times New Roman" panose="02020603050405020304" pitchFamily="18" charset="0"/>
+                </a:endParaRPr>
+              </a:p>
+            </p:txBody>
+          </p:sp>
+          <p:sp>
+            <p:nvSpPr>
+              <p:cNvPr id="43" name="Rectangle 42"/>
+              <p:cNvSpPr/>
+              <p:nvPr/>
+            </p:nvSpPr>
+            <p:spPr>
+              <a:xfrm>
+                <a:off x="5176494" y="2300716"/>
+                <a:ext cx="1272046" cy="438625"/>
+              </a:xfrm>
+              <a:prstGeom prst="rect">
+                <a:avLst/>
+              </a:prstGeom>
+              <a:ln>
+                <a:prstDash val="dash"/>
+              </a:ln>
+            </p:spPr>
+            <p:style>
+              <a:lnRef idx="2">
+                <a:schemeClr val="accent2"/>
+              </a:lnRef>
+              <a:fillRef idx="1">
+                <a:schemeClr val="lt1"/>
+              </a:fillRef>
+              <a:effectRef idx="0">
+                <a:schemeClr val="accent2"/>
+              </a:effectRef>
+              <a:fontRef idx="minor">
+                <a:schemeClr val="dk1"/>
+              </a:fontRef>
+            </p:style>
+            <p:txBody>
+              <a:bodyPr rtlCol="0" anchor="ctr"/>
+              <a:lstStyle/>
+              <a:p>
+                <a:pPr algn="ctr"/>
+                <a:r>
+                  <a:rPr lang="en-US" sz="1000" dirty="0" err="1" smtClean="0">
+                    <a:latin typeface="Times New Roman" panose="02020603050405020304" pitchFamily="18" charset="0"/>
+                    <a:cs typeface="Times New Roman" panose="02020603050405020304" pitchFamily="18" charset="0"/>
+                  </a:rPr>
+                  <a:t>Ibmap</a:t>
+                </a:r>
+                <a:r>
+                  <a:rPr lang="en-US" sz="1000" dirty="0" smtClean="0">
+                    <a:latin typeface="Times New Roman" panose="02020603050405020304" pitchFamily="18" charset="0"/>
+                    <a:cs typeface="Times New Roman" panose="02020603050405020304" pitchFamily="18" charset="0"/>
+                  </a:rPr>
+                  <a:t> blocks</a:t>
+                </a:r>
+                <a:endParaRPr lang="en-US" sz="1000" dirty="0">
+                  <a:latin typeface="Times New Roman" panose="02020603050405020304" pitchFamily="18" charset="0"/>
+                  <a:cs typeface="Times New Roman" panose="02020603050405020304" pitchFamily="18" charset="0"/>
+                </a:endParaRPr>
+              </a:p>
+            </p:txBody>
+          </p:sp>
+        </p:grpSp>
         <p:sp>
           <p:nvSpPr>
-            <p:cNvPr id="16" name="Rounded Rectangle 15"/>
+            <p:cNvPr id="124" name="Rounded Rectangle 123"/>
             <p:cNvSpPr/>
             <p:nvPr/>
           </p:nvSpPr>
           <p:spPr>
             <a:xfrm>
-              <a:off x="1225176" y="1834039"/>
-              <a:ext cx="5393610" cy="1134182"/>
+              <a:off x="3477350" y="3015767"/>
+              <a:ext cx="2648455" cy="781805"/>
             </a:xfrm>
             <a:prstGeom prst="roundRect">
               <a:avLst>
@@ -16524,7 +16860,7 @@
                   <a:latin typeface="Times New Roman" panose="02020603050405020304" pitchFamily="18" charset="0"/>
                   <a:cs typeface="Times New Roman" panose="02020603050405020304" pitchFamily="18" charset="0"/>
                 </a:rPr>
-                <a:t>Main Memory</a:t>
+                <a:t>Persistence</a:t>
               </a:r>
               <a:endParaRPr lang="en-US" sz="1000" b="1" dirty="0">
                 <a:latin typeface="Times New Roman" panose="02020603050405020304" pitchFamily="18" charset="0"/>
@@ -16535,20 +16871,1078 @@
         </p:sp>
         <p:sp>
           <p:nvSpPr>
-            <p:cNvPr id="18" name="Rectangle 17"/>
+            <p:cNvPr id="22" name="Flowchart: Magnetic Disk 21"/>
             <p:cNvSpPr/>
             <p:nvPr/>
           </p:nvSpPr>
           <p:spPr>
             <a:xfrm>
-              <a:off x="3774920" y="2300716"/>
-              <a:ext cx="1231542" cy="438625"/>
+              <a:off x="3729134" y="3972015"/>
+              <a:ext cx="782884" cy="519545"/>
+            </a:xfrm>
+            <a:prstGeom prst="flowChartMagneticDisk">
+              <a:avLst/>
+            </a:prstGeom>
+          </p:spPr>
+          <p:style>
+            <a:lnRef idx="1">
+              <a:schemeClr val="accent1"/>
+            </a:lnRef>
+            <a:fillRef idx="2">
+              <a:schemeClr val="accent1"/>
+            </a:fillRef>
+            <a:effectRef idx="1">
+              <a:schemeClr val="accent1"/>
+            </a:effectRef>
+            <a:fontRef idx="minor">
+              <a:schemeClr val="dk1"/>
+            </a:fontRef>
+          </p:style>
+          <p:txBody>
+            <a:bodyPr rtlCol="0" anchor="ctr"/>
+            <a:lstStyle/>
+            <a:p>
+              <a:pPr algn="ctr"/>
+              <a:endParaRPr lang="en-US" sz="600" dirty="0" smtClean="0">
+                <a:latin typeface="Times New Roman" panose="02020603050405020304" pitchFamily="18" charset="0"/>
+                <a:cs typeface="Times New Roman" panose="02020603050405020304" pitchFamily="18" charset="0"/>
+              </a:endParaRPr>
+            </a:p>
+            <a:p>
+              <a:pPr algn="ctr"/>
+              <a:r>
+                <a:rPr lang="en-US" sz="1000" dirty="0" smtClean="0">
+                  <a:latin typeface="Times New Roman" panose="02020603050405020304" pitchFamily="18" charset="0"/>
+                  <a:cs typeface="Times New Roman" panose="02020603050405020304" pitchFamily="18" charset="0"/>
+                </a:rPr>
+                <a:t>Local Storage</a:t>
+              </a:r>
+              <a:endParaRPr lang="en-US" sz="1000" dirty="0">
+                <a:latin typeface="Times New Roman" panose="02020603050405020304" pitchFamily="18" charset="0"/>
+                <a:cs typeface="Times New Roman" panose="02020603050405020304" pitchFamily="18" charset="0"/>
+              </a:endParaRPr>
+            </a:p>
+          </p:txBody>
+        </p:sp>
+        <p:sp>
+          <p:nvSpPr>
+            <p:cNvPr id="21" name="Flowchart: Magnetic Disk 20"/>
+            <p:cNvSpPr/>
+            <p:nvPr/>
+          </p:nvSpPr>
+          <p:spPr>
+            <a:xfrm>
+              <a:off x="801353" y="3972015"/>
+              <a:ext cx="782884" cy="519545"/>
+            </a:xfrm>
+            <a:prstGeom prst="flowChartMagneticDisk">
+              <a:avLst/>
+            </a:prstGeom>
+          </p:spPr>
+          <p:style>
+            <a:lnRef idx="1">
+              <a:schemeClr val="accent1"/>
+            </a:lnRef>
+            <a:fillRef idx="2">
+              <a:schemeClr val="accent1"/>
+            </a:fillRef>
+            <a:effectRef idx="1">
+              <a:schemeClr val="accent1"/>
+            </a:effectRef>
+            <a:fontRef idx="minor">
+              <a:schemeClr val="dk1"/>
+            </a:fontRef>
+          </p:style>
+          <p:txBody>
+            <a:bodyPr rtlCol="0" anchor="ctr"/>
+            <a:lstStyle/>
+            <a:p>
+              <a:pPr algn="ctr"/>
+              <a:r>
+                <a:rPr lang="en-US" sz="1000" dirty="0" err="1" smtClean="0">
+                  <a:latin typeface="Times New Roman" panose="02020603050405020304" pitchFamily="18" charset="0"/>
+                  <a:cs typeface="Times New Roman" panose="02020603050405020304" pitchFamily="18" charset="0"/>
+                </a:rPr>
+                <a:t>ZooKeeper</a:t>
+              </a:r>
+              <a:endParaRPr lang="en-US" sz="1000" dirty="0">
+                <a:latin typeface="Times New Roman" panose="02020603050405020304" pitchFamily="18" charset="0"/>
+                <a:cs typeface="Times New Roman" panose="02020603050405020304" pitchFamily="18" charset="0"/>
+              </a:endParaRPr>
+            </a:p>
+          </p:txBody>
+        </p:sp>
+        <p:sp>
+          <p:nvSpPr>
+            <p:cNvPr id="23" name="Flowchart: Magnetic Disk 22"/>
+            <p:cNvSpPr/>
+            <p:nvPr/>
+          </p:nvSpPr>
+          <p:spPr>
+            <a:xfrm>
+              <a:off x="5169723" y="3955206"/>
+              <a:ext cx="782884" cy="519545"/>
+            </a:xfrm>
+            <a:prstGeom prst="flowChartMagneticDisk">
+              <a:avLst/>
+            </a:prstGeom>
+          </p:spPr>
+          <p:style>
+            <a:lnRef idx="1">
+              <a:schemeClr val="accent1"/>
+            </a:lnRef>
+            <a:fillRef idx="2">
+              <a:schemeClr val="accent1"/>
+            </a:fillRef>
+            <a:effectRef idx="1">
+              <a:schemeClr val="accent1"/>
+            </a:effectRef>
+            <a:fontRef idx="minor">
+              <a:schemeClr val="dk1"/>
+            </a:fontRef>
+          </p:style>
+          <p:txBody>
+            <a:bodyPr rtlCol="0" anchor="ctr"/>
+            <a:lstStyle/>
+            <a:p>
+              <a:pPr algn="ctr"/>
+              <a:endParaRPr lang="en-US" sz="600" dirty="0" smtClean="0">
+                <a:latin typeface="Times New Roman" panose="02020603050405020304" pitchFamily="18" charset="0"/>
+                <a:cs typeface="Times New Roman" panose="02020603050405020304" pitchFamily="18" charset="0"/>
+              </a:endParaRPr>
+            </a:p>
+            <a:p>
+              <a:pPr algn="ctr"/>
+              <a:r>
+                <a:rPr lang="en-US" sz="1000" dirty="0" smtClean="0">
+                  <a:latin typeface="Times New Roman" panose="02020603050405020304" pitchFamily="18" charset="0"/>
+                  <a:cs typeface="Times New Roman" panose="02020603050405020304" pitchFamily="18" charset="0"/>
+                </a:rPr>
+                <a:t>Globa</a:t>
+              </a:r>
+              <a:r>
+                <a:rPr lang="en-US" sz="1000" dirty="0">
+                  <a:latin typeface="Times New Roman" panose="02020603050405020304" pitchFamily="18" charset="0"/>
+                  <a:cs typeface="Times New Roman" panose="02020603050405020304" pitchFamily="18" charset="0"/>
+                </a:rPr>
+                <a:t>l</a:t>
+              </a:r>
+              <a:r>
+                <a:rPr lang="en-US" sz="1000" dirty="0" smtClean="0">
+                  <a:latin typeface="Times New Roman" panose="02020603050405020304" pitchFamily="18" charset="0"/>
+                  <a:cs typeface="Times New Roman" panose="02020603050405020304" pitchFamily="18" charset="0"/>
+                </a:rPr>
+                <a:t> Storage</a:t>
+              </a:r>
+              <a:endParaRPr lang="en-US" sz="1000" dirty="0">
+                <a:latin typeface="Times New Roman" panose="02020603050405020304" pitchFamily="18" charset="0"/>
+                <a:cs typeface="Times New Roman" panose="02020603050405020304" pitchFamily="18" charset="0"/>
+              </a:endParaRPr>
+            </a:p>
+          </p:txBody>
+        </p:sp>
+        <p:grpSp>
+          <p:nvGrpSpPr>
+            <p:cNvPr id="30" name="Group 29"/>
+            <p:cNvGrpSpPr/>
+            <p:nvPr/>
+          </p:nvGrpSpPr>
+          <p:grpSpPr>
+            <a:xfrm>
+              <a:off x="2263277" y="23722"/>
+              <a:ext cx="2331447" cy="1744188"/>
+              <a:chOff x="2282109" y="23722"/>
+              <a:chExt cx="2331447" cy="1744188"/>
+            </a:xfrm>
+          </p:grpSpPr>
+          <p:sp>
+            <p:nvSpPr>
+              <p:cNvPr id="6" name="Rounded Rectangle 5"/>
+              <p:cNvSpPr/>
+              <p:nvPr/>
+            </p:nvSpPr>
+            <p:spPr>
+              <a:xfrm>
+                <a:off x="2282109" y="23722"/>
+                <a:ext cx="1044067" cy="401782"/>
+              </a:xfrm>
+              <a:prstGeom prst="roundRect">
+                <a:avLst/>
+              </a:prstGeom>
+              <a:ln>
+                <a:solidFill>
+                  <a:schemeClr val="accent1">
+                    <a:lumMod val="60000"/>
+                    <a:lumOff val="40000"/>
+                  </a:schemeClr>
+                </a:solidFill>
+              </a:ln>
+            </p:spPr>
+            <p:style>
+              <a:lnRef idx="2">
+                <a:schemeClr val="accent1"/>
+              </a:lnRef>
+              <a:fillRef idx="1">
+                <a:schemeClr val="lt1"/>
+              </a:fillRef>
+              <a:effectRef idx="0">
+                <a:schemeClr val="accent1"/>
+              </a:effectRef>
+              <a:fontRef idx="minor">
+                <a:schemeClr val="dk1"/>
+              </a:fontRef>
+            </p:style>
+            <p:txBody>
+              <a:bodyPr rtlCol="0" anchor="ctr"/>
+              <a:lstStyle/>
+              <a:p>
+                <a:pPr algn="ctr"/>
+                <a:r>
+                  <a:rPr lang="en-US" sz="1000" dirty="0" smtClean="0">
+                    <a:latin typeface="Times New Roman" panose="02020603050405020304" pitchFamily="18" charset="0"/>
+                    <a:cs typeface="Times New Roman" panose="02020603050405020304" pitchFamily="18" charset="0"/>
+                  </a:rPr>
+                  <a:t>Client Program</a:t>
+                </a:r>
+                <a:endParaRPr lang="en-US" sz="1000" dirty="0">
+                  <a:latin typeface="Times New Roman" panose="02020603050405020304" pitchFamily="18" charset="0"/>
+                  <a:cs typeface="Times New Roman" panose="02020603050405020304" pitchFamily="18" charset="0"/>
+                </a:endParaRPr>
+              </a:p>
+            </p:txBody>
+          </p:sp>
+          <p:sp>
+            <p:nvSpPr>
+              <p:cNvPr id="8" name="Rounded Rectangle 7"/>
+              <p:cNvSpPr/>
+              <p:nvPr/>
+            </p:nvSpPr>
+            <p:spPr>
+              <a:xfrm>
+                <a:off x="3569488" y="23722"/>
+                <a:ext cx="1044067" cy="401782"/>
+              </a:xfrm>
+              <a:prstGeom prst="roundRect">
+                <a:avLst/>
+              </a:prstGeom>
+              <a:ln>
+                <a:solidFill>
+                  <a:schemeClr val="accent1">
+                    <a:lumMod val="60000"/>
+                    <a:lumOff val="40000"/>
+                  </a:schemeClr>
+                </a:solidFill>
+              </a:ln>
+            </p:spPr>
+            <p:style>
+              <a:lnRef idx="2">
+                <a:schemeClr val="accent1"/>
+              </a:lnRef>
+              <a:fillRef idx="1">
+                <a:schemeClr val="lt1"/>
+              </a:fillRef>
+              <a:effectRef idx="0">
+                <a:schemeClr val="accent1"/>
+              </a:effectRef>
+              <a:fontRef idx="minor">
+                <a:schemeClr val="dk1"/>
+              </a:fontRef>
+            </p:style>
+            <p:txBody>
+              <a:bodyPr rtlCol="0" anchor="ctr"/>
+              <a:lstStyle/>
+              <a:p>
+                <a:pPr algn="ctr"/>
+                <a:r>
+                  <a:rPr lang="en-US" sz="1000" dirty="0" smtClean="0">
+                    <a:latin typeface="Times New Roman" panose="02020603050405020304" pitchFamily="18" charset="0"/>
+                    <a:cs typeface="Times New Roman" panose="02020603050405020304" pitchFamily="18" charset="0"/>
+                  </a:rPr>
+                  <a:t>RPC Framework</a:t>
+                </a:r>
+                <a:endParaRPr lang="en-US" sz="1000" dirty="0">
+                  <a:latin typeface="Times New Roman" panose="02020603050405020304" pitchFamily="18" charset="0"/>
+                  <a:cs typeface="Times New Roman" panose="02020603050405020304" pitchFamily="18" charset="0"/>
+                </a:endParaRPr>
+              </a:p>
+            </p:txBody>
+          </p:sp>
+          <p:cxnSp>
+            <p:nvCxnSpPr>
+              <p:cNvPr id="10" name="Straight Arrow Connector 9"/>
+              <p:cNvCxnSpPr>
+                <a:stCxn id="6" idx="2"/>
+              </p:cNvCxnSpPr>
+              <p:nvPr/>
+            </p:nvCxnSpPr>
+            <p:spPr>
+              <a:xfrm>
+                <a:off x="2804143" y="425504"/>
+                <a:ext cx="0" cy="256309"/>
+              </a:xfrm>
+              <a:prstGeom prst="straightConnector1">
+                <a:avLst/>
+              </a:prstGeom>
+              <a:ln w="12700">
+                <a:solidFill>
+                  <a:schemeClr val="tx1"/>
+                </a:solidFill>
+                <a:headEnd type="triangle" w="med" len="med"/>
+                <a:tailEnd type="triangle" w="med" len="med"/>
+              </a:ln>
+            </p:spPr>
+            <p:style>
+              <a:lnRef idx="1">
+                <a:schemeClr val="accent1"/>
+              </a:lnRef>
+              <a:fillRef idx="0">
+                <a:schemeClr val="accent1"/>
+              </a:fillRef>
+              <a:effectRef idx="0">
+                <a:schemeClr val="accent1"/>
+              </a:effectRef>
+              <a:fontRef idx="minor">
+                <a:schemeClr val="tx1"/>
+              </a:fontRef>
+            </p:style>
+          </p:cxnSp>
+          <p:cxnSp>
+            <p:nvCxnSpPr>
+              <p:cNvPr id="11" name="Straight Arrow Connector 10"/>
+              <p:cNvCxnSpPr/>
+              <p:nvPr/>
+            </p:nvCxnSpPr>
+            <p:spPr>
+              <a:xfrm>
+                <a:off x="4091522" y="425504"/>
+                <a:ext cx="0" cy="256309"/>
+              </a:xfrm>
+              <a:prstGeom prst="straightConnector1">
+                <a:avLst/>
+              </a:prstGeom>
+              <a:ln w="12700">
+                <a:solidFill>
+                  <a:schemeClr val="tx1"/>
+                </a:solidFill>
+                <a:headEnd type="triangle" w="med" len="med"/>
+                <a:tailEnd type="triangle" w="med" len="med"/>
+              </a:ln>
+            </p:spPr>
+            <p:style>
+              <a:lnRef idx="1">
+                <a:schemeClr val="accent1"/>
+              </a:lnRef>
+              <a:fillRef idx="0">
+                <a:schemeClr val="accent1"/>
+              </a:fillRef>
+              <a:effectRef idx="0">
+                <a:schemeClr val="accent1"/>
+              </a:effectRef>
+              <a:fontRef idx="minor">
+                <a:schemeClr val="tx1"/>
+              </a:fontRef>
+            </p:style>
+          </p:cxnSp>
+          <p:sp>
+            <p:nvSpPr>
+              <p:cNvPr id="4" name="Rounded Rectangle 3"/>
+              <p:cNvSpPr/>
+              <p:nvPr/>
+            </p:nvSpPr>
+            <p:spPr>
+              <a:xfrm>
+                <a:off x="2296492" y="688740"/>
+                <a:ext cx="2317063" cy="346364"/>
+              </a:xfrm>
+              <a:prstGeom prst="roundRect">
+                <a:avLst/>
+              </a:prstGeom>
+              <a:ln>
+                <a:solidFill>
+                  <a:schemeClr val="accent1">
+                    <a:lumMod val="60000"/>
+                    <a:lumOff val="40000"/>
+                  </a:schemeClr>
+                </a:solidFill>
+              </a:ln>
+            </p:spPr>
+            <p:style>
+              <a:lnRef idx="2">
+                <a:schemeClr val="accent1"/>
+              </a:lnRef>
+              <a:fillRef idx="1">
+                <a:schemeClr val="lt1"/>
+              </a:fillRef>
+              <a:effectRef idx="0">
+                <a:schemeClr val="accent1"/>
+              </a:effectRef>
+              <a:fontRef idx="minor">
+                <a:schemeClr val="dk1"/>
+              </a:fontRef>
+            </p:style>
+            <p:txBody>
+              <a:bodyPr rtlCol="0" anchor="ctr"/>
+              <a:lstStyle/>
+              <a:p>
+                <a:pPr algn="ctr"/>
+                <a:r>
+                  <a:rPr lang="en-US" sz="1000" b="1" dirty="0" smtClean="0">
+                    <a:latin typeface="Times New Roman" panose="02020603050405020304" pitchFamily="18" charset="0"/>
+                    <a:cs typeface="Times New Roman" panose="02020603050405020304" pitchFamily="18" charset="0"/>
+                  </a:rPr>
+                  <a:t>API</a:t>
+                </a:r>
+                <a:endParaRPr lang="en-US" sz="1000" b="1" dirty="0">
+                  <a:latin typeface="Times New Roman" panose="02020603050405020304" pitchFamily="18" charset="0"/>
+                  <a:cs typeface="Times New Roman" panose="02020603050405020304" pitchFamily="18" charset="0"/>
+                </a:endParaRPr>
+              </a:p>
+            </p:txBody>
+          </p:sp>
+          <p:sp>
+            <p:nvSpPr>
+              <p:cNvPr id="5" name="Rounded Rectangle 4"/>
+              <p:cNvSpPr/>
+              <p:nvPr/>
+            </p:nvSpPr>
+            <p:spPr>
+              <a:xfrm>
+                <a:off x="2296493" y="1104376"/>
+                <a:ext cx="2317063" cy="663534"/>
+              </a:xfrm>
+              <a:prstGeom prst="roundRect">
+                <a:avLst>
+                  <a:gd name="adj" fmla="val 4740"/>
+                </a:avLst>
+              </a:prstGeom>
+              <a:ln>
+                <a:solidFill>
+                  <a:schemeClr val="accent1">
+                    <a:lumMod val="60000"/>
+                    <a:lumOff val="40000"/>
+                  </a:schemeClr>
+                </a:solidFill>
+              </a:ln>
+            </p:spPr>
+            <p:style>
+              <a:lnRef idx="2">
+                <a:schemeClr val="accent1"/>
+              </a:lnRef>
+              <a:fillRef idx="1">
+                <a:schemeClr val="lt1"/>
+              </a:fillRef>
+              <a:effectRef idx="0">
+                <a:schemeClr val="accent1"/>
+              </a:effectRef>
+              <a:fontRef idx="minor">
+                <a:schemeClr val="dk1"/>
+              </a:fontRef>
+            </p:style>
+            <p:txBody>
+              <a:bodyPr rtlCol="0" anchor="t"/>
+              <a:lstStyle/>
+              <a:p>
+                <a:r>
+                  <a:rPr lang="en-US" sz="1000" b="1" dirty="0" smtClean="0">
+                    <a:latin typeface="Times New Roman" panose="02020603050405020304" pitchFamily="18" charset="0"/>
+                    <a:cs typeface="Times New Roman" panose="02020603050405020304" pitchFamily="18" charset="0"/>
+                  </a:rPr>
+                  <a:t>Core</a:t>
+                </a:r>
+                <a:endParaRPr lang="en-US" sz="1000" b="1" dirty="0">
+                  <a:latin typeface="Times New Roman" panose="02020603050405020304" pitchFamily="18" charset="0"/>
+                  <a:cs typeface="Times New Roman" panose="02020603050405020304" pitchFamily="18" charset="0"/>
+                </a:endParaRPr>
+              </a:p>
+            </p:txBody>
+          </p:sp>
+          <p:sp>
+            <p:nvSpPr>
+              <p:cNvPr id="25" name="Rectangle 24"/>
+              <p:cNvSpPr/>
+              <p:nvPr/>
+            </p:nvSpPr>
+            <p:spPr>
+              <a:xfrm>
+                <a:off x="2342038" y="1334699"/>
+                <a:ext cx="2204404" cy="287021"/>
+              </a:xfrm>
+              <a:prstGeom prst="rect">
+                <a:avLst/>
+              </a:prstGeom>
+            </p:spPr>
+            <p:style>
+              <a:lnRef idx="2">
+                <a:schemeClr val="accent2"/>
+              </a:lnRef>
+              <a:fillRef idx="1">
+                <a:schemeClr val="lt1"/>
+              </a:fillRef>
+              <a:effectRef idx="0">
+                <a:schemeClr val="accent2"/>
+              </a:effectRef>
+              <a:fontRef idx="minor">
+                <a:schemeClr val="dk1"/>
+              </a:fontRef>
+            </p:style>
+            <p:txBody>
+              <a:bodyPr rtlCol="0" anchor="ctr"/>
+              <a:lstStyle/>
+              <a:p>
+                <a:pPr algn="ctr"/>
+                <a:r>
+                  <a:rPr lang="en-US" sz="1000" dirty="0" smtClean="0">
+                    <a:latin typeface="Times New Roman" panose="02020603050405020304" pitchFamily="18" charset="0"/>
+                    <a:cs typeface="Times New Roman" panose="02020603050405020304" pitchFamily="18" charset="0"/>
+                  </a:rPr>
+                  <a:t>Driver, File Handles</a:t>
+                </a:r>
+                <a:endParaRPr lang="en-US" sz="1000" dirty="0">
+                  <a:latin typeface="Times New Roman" panose="02020603050405020304" pitchFamily="18" charset="0"/>
+                  <a:cs typeface="Times New Roman" panose="02020603050405020304" pitchFamily="18" charset="0"/>
+                </a:endParaRPr>
+              </a:p>
+            </p:txBody>
+          </p:sp>
+        </p:grpSp>
+        <p:cxnSp>
+          <p:nvCxnSpPr>
+            <p:cNvPr id="42" name="Straight Arrow Connector 41"/>
+            <p:cNvCxnSpPr/>
+            <p:nvPr/>
+          </p:nvCxnSpPr>
+          <p:spPr>
+            <a:xfrm>
+              <a:off x="3429000" y="1591840"/>
+              <a:ext cx="0" cy="430465"/>
+            </a:xfrm>
+            <a:prstGeom prst="straightConnector1">
+              <a:avLst/>
+            </a:prstGeom>
+            <a:ln w="9525">
+              <a:solidFill>
+                <a:schemeClr val="tx1"/>
+              </a:solidFill>
+              <a:prstDash val="dash"/>
+              <a:headEnd type="triangle" w="med" len="med"/>
+              <a:tailEnd type="triangle" w="med" len="med"/>
+            </a:ln>
+          </p:spPr>
+          <p:style>
+            <a:lnRef idx="1">
+              <a:schemeClr val="accent1"/>
+            </a:lnRef>
+            <a:fillRef idx="0">
+              <a:schemeClr val="accent1"/>
+            </a:fillRef>
+            <a:effectRef idx="0">
+              <a:schemeClr val="accent1"/>
+            </a:effectRef>
+            <a:fontRef idx="minor">
+              <a:schemeClr val="tx1"/>
+            </a:fontRef>
+          </p:style>
+        </p:cxnSp>
+        <p:sp>
+          <p:nvSpPr>
+            <p:cNvPr id="126" name="Rectangle 125"/>
+            <p:cNvSpPr/>
+            <p:nvPr/>
+          </p:nvSpPr>
+          <p:spPr>
+            <a:xfrm>
+              <a:off x="4953274" y="3305327"/>
+              <a:ext cx="928668" cy="389880"/>
+            </a:xfrm>
+            <a:prstGeom prst="rect">
+              <a:avLst/>
+            </a:prstGeom>
+            <a:solidFill>
+              <a:schemeClr val="bg1"/>
+            </a:solidFill>
+          </p:spPr>
+          <p:style>
+            <a:lnRef idx="2">
+              <a:schemeClr val="accent2"/>
+            </a:lnRef>
+            <a:fillRef idx="1">
+              <a:schemeClr val="lt1"/>
+            </a:fillRef>
+            <a:effectRef idx="0">
+              <a:schemeClr val="accent2"/>
+            </a:effectRef>
+            <a:fontRef idx="minor">
+              <a:schemeClr val="dk1"/>
+            </a:fontRef>
+          </p:style>
+          <p:txBody>
+            <a:bodyPr rtlCol="0" anchor="t" anchorCtr="0"/>
+            <a:lstStyle/>
+            <a:p>
+              <a:pPr algn="ctr"/>
+              <a:r>
+                <a:rPr lang="en-US" sz="1000" dirty="0" smtClean="0">
+                  <a:solidFill>
+                    <a:schemeClr val="dk1"/>
+                  </a:solidFill>
+                  <a:latin typeface="Times New Roman" panose="02020603050405020304" pitchFamily="18" charset="0"/>
+                  <a:cs typeface="Times New Roman" panose="02020603050405020304" pitchFamily="18" charset="0"/>
+                </a:rPr>
+                <a:t>Global Sync </a:t>
+              </a:r>
+              <a:r>
+                <a:rPr lang="en-US" sz="1000" dirty="0" smtClean="0">
+                  <a:solidFill>
+                    <a:schemeClr val="dk1"/>
+                  </a:solidFill>
+                  <a:latin typeface="Times New Roman" panose="02020603050405020304" pitchFamily="18" charset="0"/>
+                  <a:cs typeface="Times New Roman" panose="02020603050405020304" pitchFamily="18" charset="0"/>
+                </a:rPr>
+                <a:t>Processor</a:t>
+              </a:r>
+              <a:endParaRPr lang="en-US" sz="1000" dirty="0">
+                <a:solidFill>
+                  <a:schemeClr val="dk1"/>
+                </a:solidFill>
+                <a:latin typeface="Times New Roman" panose="02020603050405020304" pitchFamily="18" charset="0"/>
+                <a:cs typeface="Times New Roman" panose="02020603050405020304" pitchFamily="18" charset="0"/>
+              </a:endParaRPr>
+            </a:p>
+          </p:txBody>
+        </p:sp>
+        <p:cxnSp>
+          <p:nvCxnSpPr>
+            <p:cNvPr id="131" name="Straight Connector 130"/>
+            <p:cNvCxnSpPr>
+              <a:stCxn id="127" idx="3"/>
+              <a:endCxn id="126" idx="1"/>
+            </p:cNvCxnSpPr>
+            <p:nvPr/>
+          </p:nvCxnSpPr>
+          <p:spPr>
+            <a:xfrm>
+              <a:off x="4595135" y="3500267"/>
+              <a:ext cx="358138" cy="0"/>
+            </a:xfrm>
+            <a:prstGeom prst="line">
+              <a:avLst/>
+            </a:prstGeom>
+            <a:ln w="9525">
+              <a:solidFill>
+                <a:schemeClr val="tx1"/>
+              </a:solidFill>
+              <a:prstDash val="dash"/>
+              <a:headEnd type="none" w="med" len="med"/>
+              <a:tailEnd type="triangle" w="med" len="med"/>
+            </a:ln>
+          </p:spPr>
+          <p:style>
+            <a:lnRef idx="1">
+              <a:schemeClr val="accent1"/>
+            </a:lnRef>
+            <a:fillRef idx="0">
+              <a:schemeClr val="accent1"/>
+            </a:fillRef>
+            <a:effectRef idx="0">
+              <a:schemeClr val="accent1"/>
+            </a:effectRef>
+            <a:fontRef idx="minor">
+              <a:schemeClr val="tx1"/>
+            </a:fontRef>
+          </p:style>
+        </p:cxnSp>
+        <p:cxnSp>
+          <p:nvCxnSpPr>
+            <p:cNvPr id="139" name="Straight Connector 138"/>
+            <p:cNvCxnSpPr/>
+            <p:nvPr/>
+          </p:nvCxnSpPr>
+          <p:spPr>
+            <a:xfrm flipV="1">
+              <a:off x="4269167" y="2841325"/>
+              <a:ext cx="0" cy="464002"/>
+            </a:xfrm>
+            <a:prstGeom prst="line">
+              <a:avLst/>
+            </a:prstGeom>
+            <a:ln w="9525">
+              <a:solidFill>
+                <a:schemeClr val="tx1"/>
+              </a:solidFill>
+              <a:prstDash val="dash"/>
+              <a:headEnd type="triangle" w="med" len="med"/>
+              <a:tailEnd type="triangle" w="med" len="med"/>
+            </a:ln>
+          </p:spPr>
+          <p:style>
+            <a:lnRef idx="1">
+              <a:schemeClr val="accent1"/>
+            </a:lnRef>
+            <a:fillRef idx="0">
+              <a:schemeClr val="accent1"/>
+            </a:fillRef>
+            <a:effectRef idx="0">
+              <a:schemeClr val="accent1"/>
+            </a:effectRef>
+            <a:fontRef idx="minor">
+              <a:schemeClr val="tx1"/>
+            </a:fontRef>
+          </p:style>
+        </p:cxnSp>
+        <p:cxnSp>
+          <p:nvCxnSpPr>
+            <p:cNvPr id="143" name="Straight Connector 142"/>
+            <p:cNvCxnSpPr/>
+            <p:nvPr/>
+          </p:nvCxnSpPr>
+          <p:spPr>
+            <a:xfrm flipV="1">
+              <a:off x="5412576" y="2841325"/>
+              <a:ext cx="0" cy="464002"/>
+            </a:xfrm>
+            <a:prstGeom prst="line">
+              <a:avLst/>
+            </a:prstGeom>
+            <a:ln w="9525">
+              <a:solidFill>
+                <a:schemeClr val="tx1"/>
+              </a:solidFill>
+              <a:prstDash val="dash"/>
+              <a:headEnd type="none" w="med" len="med"/>
+              <a:tailEnd type="triangle" w="med" len="med"/>
+            </a:ln>
+          </p:spPr>
+          <p:style>
+            <a:lnRef idx="1">
+              <a:schemeClr val="accent1"/>
+            </a:lnRef>
+            <a:fillRef idx="0">
+              <a:schemeClr val="accent1"/>
+            </a:fillRef>
+            <a:effectRef idx="0">
+              <a:schemeClr val="accent1"/>
+            </a:effectRef>
+            <a:fontRef idx="minor">
+              <a:schemeClr val="tx1"/>
+            </a:fontRef>
+          </p:style>
+        </p:cxnSp>
+        <p:cxnSp>
+          <p:nvCxnSpPr>
+            <p:cNvPr id="145" name="Straight Connector 144"/>
+            <p:cNvCxnSpPr/>
+            <p:nvPr/>
+          </p:nvCxnSpPr>
+          <p:spPr>
+            <a:xfrm flipH="1">
+              <a:off x="5561165" y="3695207"/>
+              <a:ext cx="1" cy="259999"/>
+            </a:xfrm>
+            <a:prstGeom prst="line">
+              <a:avLst/>
+            </a:prstGeom>
+            <a:ln w="9525">
+              <a:solidFill>
+                <a:schemeClr val="tx1"/>
+              </a:solidFill>
+              <a:prstDash val="dash"/>
+              <a:headEnd type="triangle" w="med" len="med"/>
+              <a:tailEnd type="triangle" w="med" len="med"/>
+            </a:ln>
+          </p:spPr>
+          <p:style>
+            <a:lnRef idx="1">
+              <a:schemeClr val="accent1"/>
+            </a:lnRef>
+            <a:fillRef idx="0">
+              <a:schemeClr val="accent1"/>
+            </a:fillRef>
+            <a:effectRef idx="0">
+              <a:schemeClr val="accent1"/>
+            </a:effectRef>
+            <a:fontRef idx="minor">
+              <a:schemeClr val="tx1"/>
+            </a:fontRef>
+          </p:style>
+        </p:cxnSp>
+        <p:cxnSp>
+          <p:nvCxnSpPr>
+            <p:cNvPr id="150" name="Straight Connector 149"/>
+            <p:cNvCxnSpPr>
+              <a:stCxn id="22" idx="1"/>
+            </p:cNvCxnSpPr>
+            <p:nvPr/>
+          </p:nvCxnSpPr>
+          <p:spPr>
+            <a:xfrm flipV="1">
+              <a:off x="4120576" y="3695207"/>
+              <a:ext cx="0" cy="276808"/>
+            </a:xfrm>
+            <a:prstGeom prst="line">
+              <a:avLst/>
+            </a:prstGeom>
+            <a:ln w="9525">
+              <a:solidFill>
+                <a:schemeClr val="tx1"/>
+              </a:solidFill>
+              <a:prstDash val="dash"/>
+              <a:headEnd type="triangle" w="med" len="med"/>
+              <a:tailEnd type="triangle" w="med" len="med"/>
+            </a:ln>
+          </p:spPr>
+          <p:style>
+            <a:lnRef idx="1">
+              <a:schemeClr val="accent1"/>
+            </a:lnRef>
+            <a:fillRef idx="0">
+              <a:schemeClr val="accent1"/>
+            </a:fillRef>
+            <a:effectRef idx="0">
+              <a:schemeClr val="accent1"/>
+            </a:effectRef>
+            <a:fontRef idx="minor">
+              <a:schemeClr val="tx1"/>
+            </a:fontRef>
+          </p:style>
+        </p:cxnSp>
+        <p:sp>
+          <p:nvSpPr>
+            <p:cNvPr id="127" name="Rectangle 126"/>
+            <p:cNvSpPr/>
+            <p:nvPr/>
+          </p:nvSpPr>
+          <p:spPr>
+            <a:xfrm>
+              <a:off x="3659240" y="3305327"/>
+              <a:ext cx="922674" cy="389880"/>
+            </a:xfrm>
+            <a:prstGeom prst="rect">
+              <a:avLst/>
+            </a:prstGeom>
+            <a:solidFill>
+              <a:schemeClr val="bg1"/>
+            </a:solidFill>
+          </p:spPr>
+          <p:style>
+            <a:lnRef idx="2">
+              <a:schemeClr val="accent2"/>
+            </a:lnRef>
+            <a:fillRef idx="1">
+              <a:schemeClr val="lt1"/>
+            </a:fillRef>
+            <a:effectRef idx="0">
+              <a:schemeClr val="accent2"/>
+            </a:effectRef>
+            <a:fontRef idx="minor">
+              <a:schemeClr val="dk1"/>
+            </a:fontRef>
+          </p:style>
+          <p:txBody>
+            <a:bodyPr rtlCol="0" anchor="t" anchorCtr="0"/>
+            <a:lstStyle/>
+            <a:p>
+              <a:pPr algn="ctr"/>
+              <a:r>
+                <a:rPr lang="en-US" sz="1000" dirty="0" smtClean="0">
+                  <a:solidFill>
+                    <a:schemeClr val="dk1"/>
+                  </a:solidFill>
+                  <a:latin typeface="Times New Roman" panose="02020603050405020304" pitchFamily="18" charset="0"/>
+                  <a:cs typeface="Times New Roman" panose="02020603050405020304" pitchFamily="18" charset="0"/>
+                </a:rPr>
+                <a:t>Local Sync Processor</a:t>
+              </a:r>
+              <a:endParaRPr lang="en-US" sz="1000" dirty="0">
+                <a:solidFill>
+                  <a:schemeClr val="dk1"/>
+                </a:solidFill>
+                <a:latin typeface="Times New Roman" panose="02020603050405020304" pitchFamily="18" charset="0"/>
+                <a:cs typeface="Times New Roman" panose="02020603050405020304" pitchFamily="18" charset="0"/>
+              </a:endParaRPr>
+            </a:p>
+          </p:txBody>
+        </p:sp>
+        <p:cxnSp>
+          <p:nvCxnSpPr>
+            <p:cNvPr id="51" name="Straight Connector 50"/>
+            <p:cNvCxnSpPr>
+              <a:stCxn id="21" idx="1"/>
+              <a:endCxn id="34" idx="2"/>
+            </p:cNvCxnSpPr>
+            <p:nvPr/>
+          </p:nvCxnSpPr>
+          <p:spPr>
+            <a:xfrm flipH="1" flipV="1">
+              <a:off x="1191365" y="2834381"/>
+              <a:ext cx="1430" cy="1137634"/>
+            </a:xfrm>
+            <a:prstGeom prst="line">
+              <a:avLst/>
+            </a:prstGeom>
+            <a:ln w="9525">
+              <a:solidFill>
+                <a:schemeClr val="tx1"/>
+              </a:solidFill>
+              <a:prstDash val="dash"/>
+              <a:headEnd type="triangle" w="med" len="med"/>
+              <a:tailEnd type="triangle" w="med" len="med"/>
+            </a:ln>
+          </p:spPr>
+          <p:style>
+            <a:lnRef idx="1">
+              <a:schemeClr val="accent1"/>
+            </a:lnRef>
+            <a:fillRef idx="0">
+              <a:schemeClr val="accent1"/>
+            </a:fillRef>
+            <a:effectRef idx="0">
+              <a:schemeClr val="accent1"/>
+            </a:effectRef>
+            <a:fontRef idx="minor">
+              <a:schemeClr val="tx1"/>
+            </a:fontRef>
+          </p:style>
+        </p:cxnSp>
+        <p:sp>
+          <p:nvSpPr>
+            <p:cNvPr id="63" name="Rounded Rectangle 62"/>
+            <p:cNvSpPr/>
+            <p:nvPr/>
+          </p:nvSpPr>
+          <p:spPr>
+            <a:xfrm>
+              <a:off x="1745535" y="3794851"/>
+              <a:ext cx="1510325" cy="616021"/>
+            </a:xfrm>
+            <a:prstGeom prst="roundRect">
+              <a:avLst>
+                <a:gd name="adj" fmla="val 7702"/>
+              </a:avLst>
+            </a:prstGeom>
+          </p:spPr>
+          <p:style>
+            <a:lnRef idx="2">
+              <a:schemeClr val="accent6"/>
+            </a:lnRef>
+            <a:fillRef idx="1">
+              <a:schemeClr val="lt1"/>
+            </a:fillRef>
+            <a:effectRef idx="0">
+              <a:schemeClr val="accent6"/>
+            </a:effectRef>
+            <a:fontRef idx="minor">
+              <a:schemeClr val="dk1"/>
+            </a:fontRef>
+          </p:style>
+          <p:txBody>
+            <a:bodyPr rtlCol="0" anchor="t"/>
+            <a:lstStyle/>
+            <a:p>
+              <a:pPr algn="ctr"/>
+              <a:endParaRPr lang="en-US" sz="1000" dirty="0" smtClean="0">
+                <a:solidFill>
+                  <a:schemeClr val="dk1"/>
+                </a:solidFill>
+                <a:latin typeface="Times New Roman" panose="02020603050405020304" pitchFamily="18" charset="0"/>
+                <a:cs typeface="Times New Roman" panose="02020603050405020304" pitchFamily="18" charset="0"/>
+              </a:endParaRPr>
+            </a:p>
+            <a:p>
+              <a:pPr algn="ctr"/>
+              <a:endParaRPr lang="en-US" sz="1000" dirty="0">
+                <a:latin typeface="Times New Roman" panose="02020603050405020304" pitchFamily="18" charset="0"/>
+                <a:cs typeface="Times New Roman" panose="02020603050405020304" pitchFamily="18" charset="0"/>
+              </a:endParaRPr>
+            </a:p>
+            <a:p>
+              <a:pPr algn="ctr"/>
+              <a:r>
+                <a:rPr lang="en-US" sz="1000" dirty="0" smtClean="0">
+                  <a:solidFill>
+                    <a:schemeClr val="dk1"/>
+                  </a:solidFill>
+                  <a:latin typeface="Times New Roman" panose="02020603050405020304" pitchFamily="18" charset="0"/>
+                  <a:cs typeface="Times New Roman" panose="02020603050405020304" pitchFamily="18" charset="0"/>
+                </a:rPr>
+                <a:t>Other </a:t>
+              </a:r>
+              <a:r>
+                <a:rPr lang="en-US" sz="1000" dirty="0" smtClean="0">
+                  <a:solidFill>
+                    <a:schemeClr val="dk1"/>
+                  </a:solidFill>
+                  <a:latin typeface="Times New Roman" panose="02020603050405020304" pitchFamily="18" charset="0"/>
+                  <a:cs typeface="Times New Roman" panose="02020603050405020304" pitchFamily="18" charset="0"/>
+                </a:rPr>
+                <a:t>nodes</a:t>
+              </a:r>
+              <a:endParaRPr lang="en-US" sz="1000" dirty="0">
+                <a:solidFill>
+                  <a:schemeClr val="dk1"/>
+                </a:solidFill>
+                <a:latin typeface="Times New Roman" panose="02020603050405020304" pitchFamily="18" charset="0"/>
+                <a:cs typeface="Times New Roman" panose="02020603050405020304" pitchFamily="18" charset="0"/>
+              </a:endParaRPr>
+            </a:p>
+          </p:txBody>
+        </p:sp>
+        <p:cxnSp>
+          <p:nvCxnSpPr>
+            <p:cNvPr id="65" name="Straight Arrow Connector 64"/>
+            <p:cNvCxnSpPr>
+              <a:endCxn id="77" idx="0"/>
+            </p:cNvCxnSpPr>
+            <p:nvPr/>
+          </p:nvCxnSpPr>
+          <p:spPr>
+            <a:xfrm flipH="1">
+              <a:off x="2494056" y="2737467"/>
+              <a:ext cx="1433" cy="1135634"/>
+            </a:xfrm>
+            <a:prstGeom prst="straightConnector1">
+              <a:avLst/>
+            </a:prstGeom>
+            <a:ln w="9525">
+              <a:solidFill>
+                <a:schemeClr val="tx1"/>
+              </a:solidFill>
+              <a:prstDash val="dash"/>
+              <a:headEnd type="triangle" w="med" len="med"/>
+              <a:tailEnd type="none" w="med" len="med"/>
+            </a:ln>
+          </p:spPr>
+          <p:style>
+            <a:lnRef idx="1">
+              <a:schemeClr val="accent1"/>
+            </a:lnRef>
+            <a:fillRef idx="0">
+              <a:schemeClr val="accent1"/>
+            </a:fillRef>
+            <a:effectRef idx="0">
+              <a:schemeClr val="accent1"/>
+            </a:effectRef>
+            <a:fontRef idx="minor">
+              <a:schemeClr val="tx1"/>
+            </a:fontRef>
+          </p:style>
+        </p:cxnSp>
+        <p:sp>
+          <p:nvSpPr>
+            <p:cNvPr id="35" name="Rectangle 34"/>
+            <p:cNvSpPr/>
+            <p:nvPr/>
+          </p:nvSpPr>
+          <p:spPr>
+            <a:xfrm>
+              <a:off x="2184641" y="3125076"/>
+              <a:ext cx="655297" cy="266099"/>
             </a:xfrm>
             <a:prstGeom prst="rect">
               <a:avLst/>
             </a:prstGeom>
             <a:ln>
-              <a:prstDash val="dash"/>
+              <a:noFill/>
+              <a:prstDash val="sysDash"/>
             </a:ln>
           </p:spPr>
           <p:style>
@@ -16571,20 +17965,29 @@
             <a:p>
               <a:pPr algn="ctr"/>
               <a:r>
-                <a:rPr lang="en-US" sz="1000" dirty="0" err="1" smtClean="0">
+                <a:rPr lang="en-US" sz="900" dirty="0" smtClean="0">
+                  <a:solidFill>
+                    <a:schemeClr val="dk1"/>
+                  </a:solidFill>
                   <a:latin typeface="Times New Roman" panose="02020603050405020304" pitchFamily="18" charset="0"/>
                   <a:cs typeface="Times New Roman" panose="02020603050405020304" pitchFamily="18" charset="0"/>
                 </a:rPr>
-                <a:t>Inodes</a:t>
+                <a:t>Data </a:t>
               </a:r>
               <a:r>
-                <a:rPr lang="en-US" sz="1000" dirty="0" smtClean="0">
+                <a:rPr lang="en-US" sz="900" dirty="0" smtClean="0">
+                  <a:solidFill>
+                    <a:schemeClr val="dk1"/>
+                  </a:solidFill>
                   <a:latin typeface="Times New Roman" panose="02020603050405020304" pitchFamily="18" charset="0"/>
                   <a:cs typeface="Times New Roman" panose="02020603050405020304" pitchFamily="18" charset="0"/>
                 </a:rPr>
-                <a:t> blocks</a:t>
+                <a:t>Segments</a:t>
               </a:r>
-              <a:endParaRPr lang="en-US" sz="1000" dirty="0">
+              <a:endParaRPr lang="en-US" sz="900" dirty="0">
+                <a:solidFill>
+                  <a:schemeClr val="dk1"/>
+                </a:solidFill>
                 <a:latin typeface="Times New Roman" panose="02020603050405020304" pitchFamily="18" charset="0"/>
                 <a:cs typeface="Times New Roman" panose="02020603050405020304" pitchFamily="18" charset="0"/>
               </a:endParaRPr>
@@ -16593,20 +17996,121 @@
         </p:sp>
         <p:sp>
           <p:nvSpPr>
-            <p:cNvPr id="19" name="Rectangle 18"/>
+            <p:cNvPr id="77" name="Rounded Rectangle 76"/>
             <p:cNvSpPr/>
             <p:nvPr/>
           </p:nvSpPr>
           <p:spPr>
             <a:xfrm>
-              <a:off x="2323926" y="2300716"/>
-              <a:ext cx="1280962" cy="438625"/>
+              <a:off x="1784874" y="3873101"/>
+              <a:ext cx="1418364" cy="234109"/>
+            </a:xfrm>
+            <a:prstGeom prst="roundRect">
+              <a:avLst>
+                <a:gd name="adj" fmla="val 7702"/>
+              </a:avLst>
+            </a:prstGeom>
+            <a:ln>
+              <a:prstDash val="sysDash"/>
+            </a:ln>
+          </p:spPr>
+          <p:style>
+            <a:lnRef idx="2">
+              <a:schemeClr val="accent6"/>
+            </a:lnRef>
+            <a:fillRef idx="1">
+              <a:schemeClr val="lt1"/>
+            </a:fillRef>
+            <a:effectRef idx="0">
+              <a:schemeClr val="accent6"/>
+            </a:effectRef>
+            <a:fontRef idx="minor">
+              <a:schemeClr val="dk1"/>
+            </a:fontRef>
+          </p:style>
+          <p:txBody>
+            <a:bodyPr rtlCol="0" anchor="ctr"/>
+            <a:lstStyle/>
+            <a:p>
+              <a:pPr algn="ctr"/>
+              <a:r>
+                <a:rPr lang="en-US" sz="900" dirty="0" smtClean="0">
+                  <a:solidFill>
+                    <a:schemeClr val="dk1"/>
+                  </a:solidFill>
+                  <a:latin typeface="Times New Roman" panose="02020603050405020304" pitchFamily="18" charset="0"/>
+                  <a:cs typeface="Times New Roman" panose="02020603050405020304" pitchFamily="18" charset="0"/>
+                </a:rPr>
+                <a:t>RPC service</a:t>
+              </a:r>
+              <a:endParaRPr lang="en-US" sz="900" dirty="0">
+                <a:solidFill>
+                  <a:schemeClr val="dk1"/>
+                </a:solidFill>
+                <a:latin typeface="Times New Roman" panose="02020603050405020304" pitchFamily="18" charset="0"/>
+                <a:cs typeface="Times New Roman" panose="02020603050405020304" pitchFamily="18" charset="0"/>
+              </a:endParaRPr>
+            </a:p>
+          </p:txBody>
+        </p:sp>
+        <p:cxnSp>
+          <p:nvCxnSpPr>
+            <p:cNvPr id="86" name="Straight Connector 85"/>
+            <p:cNvCxnSpPr/>
+            <p:nvPr/>
+          </p:nvCxnSpPr>
+          <p:spPr>
+            <a:xfrm flipV="1">
+              <a:off x="2886931" y="2739341"/>
+              <a:ext cx="549539" cy="1133760"/>
+            </a:xfrm>
+            <a:prstGeom prst="line">
+              <a:avLst/>
+            </a:prstGeom>
+            <a:ln w="9525">
+              <a:solidFill>
+                <a:schemeClr val="tx1"/>
+              </a:solidFill>
+              <a:prstDash val="dash"/>
+              <a:headEnd type="none" w="med" len="med"/>
+              <a:tailEnd type="triangle" w="med" len="med"/>
+            </a:ln>
+          </p:spPr>
+          <p:style>
+            <a:lnRef idx="1">
+              <a:schemeClr val="accent1"/>
+            </a:lnRef>
+            <a:fillRef idx="0">
+              <a:schemeClr val="accent1"/>
+            </a:fillRef>
+            <a:effectRef idx="0">
+              <a:schemeClr val="accent1"/>
+            </a:effectRef>
+            <a:fontRef idx="minor">
+              <a:schemeClr val="tx1"/>
+            </a:fontRef>
+          </p:style>
+        </p:cxnSp>
+        <p:sp>
+          <p:nvSpPr>
+            <p:cNvPr id="89" name="Rectangle 88"/>
+            <p:cNvSpPr/>
+            <p:nvPr/>
+          </p:nvSpPr>
+          <p:spPr>
+            <a:xfrm>
+              <a:off x="2804904" y="3321207"/>
+              <a:ext cx="544834" cy="239332"/>
             </a:xfrm>
             <a:prstGeom prst="rect">
               <a:avLst/>
             </a:prstGeom>
+            <a:solidFill>
+              <a:schemeClr val="bg1"/>
+            </a:solidFill>
             <a:ln>
-              <a:prstDash val="dash"/>
+              <a:noFill/>
+              <a:prstDash val="sysDash"/>
             </a:ln>
           </p:spPr>
           <p:style>
@@ -16629,11 +18133,76 @@
             <a:p>
               <a:pPr algn="ctr"/>
               <a:r>
+                <a:rPr lang="en-US" sz="900" dirty="0" err="1" smtClean="0">
+                  <a:latin typeface="Times New Roman" panose="02020603050405020304" pitchFamily="18" charset="0"/>
+                  <a:cs typeface="Times New Roman" panose="02020603050405020304" pitchFamily="18" charset="0"/>
+                </a:rPr>
+                <a:t>Inodes</a:t>
+              </a:r>
+              <a:r>
+                <a:rPr lang="en-US" sz="900" dirty="0" smtClean="0">
+                  <a:latin typeface="Times New Roman" panose="02020603050405020304" pitchFamily="18" charset="0"/>
+                  <a:cs typeface="Times New Roman" panose="02020603050405020304" pitchFamily="18" charset="0"/>
+                </a:rPr>
+                <a:t> blocks</a:t>
+              </a:r>
+              <a:endParaRPr lang="en-US" sz="900" dirty="0">
+                <a:solidFill>
+                  <a:schemeClr val="dk1"/>
+                </a:solidFill>
+                <a:latin typeface="Times New Roman" panose="02020603050405020304" pitchFamily="18" charset="0"/>
+                <a:cs typeface="Times New Roman" panose="02020603050405020304" pitchFamily="18" charset="0"/>
+              </a:endParaRPr>
+            </a:p>
+          </p:txBody>
+        </p:sp>
+        <p:sp>
+          <p:nvSpPr>
+            <p:cNvPr id="44" name="Flowchart: Magnetic Disk 43"/>
+            <p:cNvSpPr/>
+            <p:nvPr/>
+          </p:nvSpPr>
+          <p:spPr>
+            <a:xfrm>
+              <a:off x="3729134" y="4004647"/>
+              <a:ext cx="782884" cy="519545"/>
+            </a:xfrm>
+            <a:prstGeom prst="flowChartMagneticDisk">
+              <a:avLst/>
+            </a:prstGeom>
+          </p:spPr>
+          <p:style>
+            <a:lnRef idx="1">
+              <a:schemeClr val="accent1"/>
+            </a:lnRef>
+            <a:fillRef idx="2">
+              <a:schemeClr val="accent1"/>
+            </a:fillRef>
+            <a:effectRef idx="1">
+              <a:schemeClr val="accent1"/>
+            </a:effectRef>
+            <a:fontRef idx="minor">
+              <a:schemeClr val="dk1"/>
+            </a:fontRef>
+          </p:style>
+          <p:txBody>
+            <a:bodyPr rtlCol="0" anchor="ctr"/>
+            <a:lstStyle/>
+            <a:p>
+              <a:pPr algn="ctr"/>
+              <a:endParaRPr lang="en-US" sz="600" dirty="0" smtClean="0">
+                <a:latin typeface="Times New Roman" panose="02020603050405020304" pitchFamily="18" charset="0"/>
+                <a:cs typeface="Times New Roman" panose="02020603050405020304" pitchFamily="18" charset="0"/>
+              </a:endParaRPr>
+            </a:p>
+            <a:p>
+              <a:pPr algn="ctr"/>
+              <a:r>
                 <a:rPr lang="en-US" sz="1000" dirty="0" smtClean="0">
                   <a:latin typeface="Times New Roman" panose="02020603050405020304" pitchFamily="18" charset="0"/>
                   <a:cs typeface="Times New Roman" panose="02020603050405020304" pitchFamily="18" charset="0"/>
                 </a:rPr>
-                <a:t>Data segments</a:t>
+                <a:t>Local Storage</a:t>
               </a:r>
               <a:endParaRPr lang="en-US" sz="1000" dirty="0">
                 <a:latin typeface="Times New Roman" panose="02020603050405020304" pitchFamily="18" charset="0"/>
@@ -16644,29 +18213,355 @@
         </p:sp>
         <p:sp>
           <p:nvSpPr>
-            <p:cNvPr id="113" name="Rectangle 112"/>
+            <p:cNvPr id="45" name="Flowchart: Magnetic Disk 44"/>
             <p:cNvSpPr/>
             <p:nvPr/>
           </p:nvSpPr>
           <p:spPr>
             <a:xfrm>
-              <a:off x="2238515" y="2016329"/>
-              <a:ext cx="4306622" cy="828505"/>
+              <a:off x="3729134" y="4025327"/>
+              <a:ext cx="782884" cy="519545"/>
             </a:xfrm>
-            <a:prstGeom prst="rect">
+            <a:prstGeom prst="flowChartMagneticDisk">
               <a:avLst/>
             </a:prstGeom>
-            <a:noFill/>
+          </p:spPr>
+          <p:style>
+            <a:lnRef idx="1">
+              <a:schemeClr val="accent1"/>
+            </a:lnRef>
+            <a:fillRef idx="2">
+              <a:schemeClr val="accent1"/>
+            </a:fillRef>
+            <a:effectRef idx="1">
+              <a:schemeClr val="accent1"/>
+            </a:effectRef>
+            <a:fontRef idx="minor">
+              <a:schemeClr val="dk1"/>
+            </a:fontRef>
+          </p:style>
+          <p:txBody>
+            <a:bodyPr rtlCol="0" anchor="ctr"/>
+            <a:lstStyle/>
+            <a:p>
+              <a:pPr algn="ctr"/>
+              <a:endParaRPr lang="en-US" sz="600" dirty="0" smtClean="0">
+                <a:latin typeface="Times New Roman" panose="02020603050405020304" pitchFamily="18" charset="0"/>
+                <a:cs typeface="Times New Roman" panose="02020603050405020304" pitchFamily="18" charset="0"/>
+              </a:endParaRPr>
+            </a:p>
+            <a:p>
+              <a:pPr algn="ctr"/>
+              <a:r>
+                <a:rPr lang="en-US" sz="1000" dirty="0" smtClean="0">
+                  <a:latin typeface="Times New Roman" panose="02020603050405020304" pitchFamily="18" charset="0"/>
+                  <a:cs typeface="Times New Roman" panose="02020603050405020304" pitchFamily="18" charset="0"/>
+                </a:rPr>
+                <a:t>Local Storage</a:t>
+              </a:r>
+              <a:endParaRPr lang="en-US" sz="1000" dirty="0">
+                <a:latin typeface="Times New Roman" panose="02020603050405020304" pitchFamily="18" charset="0"/>
+                <a:cs typeface="Times New Roman" panose="02020603050405020304" pitchFamily="18" charset="0"/>
+              </a:endParaRPr>
+            </a:p>
+          </p:txBody>
+        </p:sp>
+      </p:grpSp>
+    </p:spTree>
+    <p:extLst>
+      <p:ext uri="{BB962C8B-B14F-4D97-AF65-F5344CB8AC3E}">
+        <p14:creationId xmlns:p14="http://schemas.microsoft.com/office/powerpoint/2010/main" val="2161470143"/>
+      </p:ext>
+    </p:extLst>
+  </p:cSld>
+  <p:clrMapOvr>
+    <a:masterClrMapping/>
+  </p:clrMapOvr>
+</p:sld>
+</file>
+
+<file path=ppt/slides/slide14.xml><?xml version="1.0" encoding="utf-8"?>
+<p:sld xmlns:a="http://schemas.openxmlformats.org/drawingml/2006/main" xmlns:r="http://schemas.openxmlformats.org/officeDocument/2006/relationships" xmlns:p="http://schemas.openxmlformats.org/presentationml/2006/main">
+  <p:cSld>
+    <p:spTree>
+      <p:nvGrpSpPr>
+        <p:cNvPr id="1" name=""/>
+        <p:cNvGrpSpPr/>
+        <p:nvPr/>
+      </p:nvGrpSpPr>
+      <p:grpSpPr>
+        <a:xfrm>
+          <a:off x="0" y="0"/>
+          <a:ext cx="0" cy="0"/>
+          <a:chOff x="0" y="0"/>
+          <a:chExt cx="0" cy="0"/>
+        </a:xfrm>
+      </p:grpSpPr>
+      <p:grpSp>
+        <p:nvGrpSpPr>
+          <p:cNvPr id="26" name="Group 25"/>
+          <p:cNvGrpSpPr/>
+          <p:nvPr/>
+        </p:nvGrpSpPr>
+        <p:grpSpPr>
+          <a:xfrm>
+            <a:off x="610883" y="1139798"/>
+            <a:ext cx="5805284" cy="1265306"/>
+            <a:chOff x="610883" y="1139798"/>
+            <a:chExt cx="5805284" cy="1265306"/>
+          </a:xfrm>
+        </p:grpSpPr>
+        <p:sp>
+          <p:nvSpPr>
+            <p:cNvPr id="13" name="Can 12"/>
+            <p:cNvSpPr/>
+            <p:nvPr/>
+          </p:nvSpPr>
+          <p:spPr>
+            <a:xfrm>
+              <a:off x="5025357" y="1361355"/>
+              <a:ext cx="1390810" cy="883664"/>
+            </a:xfrm>
+            <a:prstGeom prst="can">
+              <a:avLst/>
+            </a:prstGeom>
+            <a:ln>
+              <a:solidFill>
+                <a:schemeClr val="bg1">
+                  <a:lumMod val="50000"/>
+                </a:schemeClr>
+              </a:solidFill>
+            </a:ln>
           </p:spPr>
           <p:style>
             <a:lnRef idx="2">
-              <a:schemeClr val="accent2"/>
+              <a:schemeClr val="dk1"/>
             </a:lnRef>
             <a:fillRef idx="1">
               <a:schemeClr val="lt1"/>
             </a:fillRef>
             <a:effectRef idx="0">
-              <a:schemeClr val="accent2"/>
+              <a:schemeClr val="dk1"/>
+            </a:effectRef>
+            <a:fontRef idx="minor">
+              <a:schemeClr val="dk1"/>
+            </a:fontRef>
+          </p:style>
+          <p:txBody>
+            <a:bodyPr rtlCol="0" anchor="ctr"/>
+            <a:lstStyle/>
+            <a:p>
+              <a:pPr algn="ctr"/>
+              <a:r>
+                <a:rPr lang="en-US" sz="1200" dirty="0" smtClean="0"/>
+                <a:t>Scalable</a:t>
+              </a:r>
+            </a:p>
+            <a:p>
+              <a:pPr algn="ctr"/>
+              <a:r>
+                <a:rPr lang="en-US" sz="1200" dirty="0" smtClean="0"/>
+                <a:t>Storage</a:t>
+              </a:r>
+              <a:endParaRPr lang="en-US" sz="1200" dirty="0"/>
+            </a:p>
+          </p:txBody>
+        </p:sp>
+        <p:grpSp>
+          <p:nvGrpSpPr>
+            <p:cNvPr id="16" name="Group 15"/>
+            <p:cNvGrpSpPr/>
+            <p:nvPr/>
+          </p:nvGrpSpPr>
+          <p:grpSpPr>
+            <a:xfrm>
+              <a:off x="610883" y="1427950"/>
+              <a:ext cx="1060396" cy="658267"/>
+              <a:chOff x="653143" y="1406178"/>
+              <a:chExt cx="1060396" cy="658267"/>
+            </a:xfrm>
+          </p:grpSpPr>
+          <p:sp>
+            <p:nvSpPr>
+              <p:cNvPr id="5" name="Rectangle 4"/>
+              <p:cNvSpPr/>
+              <p:nvPr/>
+            </p:nvSpPr>
+            <p:spPr>
+              <a:xfrm>
+                <a:off x="653143" y="1406178"/>
+                <a:ext cx="983556" cy="568619"/>
+              </a:xfrm>
+              <a:prstGeom prst="rect">
+                <a:avLst/>
+              </a:prstGeom>
+              <a:ln>
+                <a:solidFill>
+                  <a:schemeClr val="bg1">
+                    <a:lumMod val="50000"/>
+                  </a:schemeClr>
+                </a:solidFill>
+              </a:ln>
+            </p:spPr>
+            <p:style>
+              <a:lnRef idx="2">
+                <a:schemeClr val="dk1"/>
+              </a:lnRef>
+              <a:fillRef idx="1">
+                <a:schemeClr val="lt1"/>
+              </a:fillRef>
+              <a:effectRef idx="0">
+                <a:schemeClr val="dk1"/>
+              </a:effectRef>
+              <a:fontRef idx="minor">
+                <a:schemeClr val="dk1"/>
+              </a:fontRef>
+            </p:style>
+            <p:txBody>
+              <a:bodyPr rtlCol="0" anchor="ctr"/>
+              <a:lstStyle/>
+              <a:p>
+                <a:pPr algn="ctr"/>
+                <a:r>
+                  <a:rPr lang="en-US" dirty="0" smtClean="0"/>
+                  <a:t>Clients</a:t>
+                </a:r>
+                <a:endParaRPr lang="en-US" dirty="0"/>
+              </a:p>
+            </p:txBody>
+          </p:sp>
+          <p:sp>
+            <p:nvSpPr>
+              <p:cNvPr id="6" name="Rectangle 5"/>
+              <p:cNvSpPr/>
+              <p:nvPr/>
+            </p:nvSpPr>
+            <p:spPr>
+              <a:xfrm>
+                <a:off x="691563" y="1451002"/>
+                <a:ext cx="983556" cy="568619"/>
+              </a:xfrm>
+              <a:prstGeom prst="rect">
+                <a:avLst/>
+              </a:prstGeom>
+              <a:ln>
+                <a:solidFill>
+                  <a:schemeClr val="bg1">
+                    <a:lumMod val="50000"/>
+                  </a:schemeClr>
+                </a:solidFill>
+              </a:ln>
+            </p:spPr>
+            <p:style>
+              <a:lnRef idx="2">
+                <a:schemeClr val="dk1"/>
+              </a:lnRef>
+              <a:fillRef idx="1">
+                <a:schemeClr val="lt1"/>
+              </a:fillRef>
+              <a:effectRef idx="0">
+                <a:schemeClr val="dk1"/>
+              </a:effectRef>
+              <a:fontRef idx="minor">
+                <a:schemeClr val="dk1"/>
+              </a:fontRef>
+            </p:style>
+            <p:txBody>
+              <a:bodyPr rtlCol="0" anchor="ctr"/>
+              <a:lstStyle/>
+              <a:p>
+                <a:pPr algn="ctr"/>
+                <a:r>
+                  <a:rPr lang="en-US" dirty="0" smtClean="0"/>
+                  <a:t>Clients</a:t>
+                </a:r>
+                <a:endParaRPr lang="en-US" dirty="0"/>
+              </a:p>
+            </p:txBody>
+          </p:sp>
+          <p:sp>
+            <p:nvSpPr>
+              <p:cNvPr id="7" name="Rectangle 6"/>
+              <p:cNvSpPr/>
+              <p:nvPr/>
+            </p:nvSpPr>
+            <p:spPr>
+              <a:xfrm>
+                <a:off x="729983" y="1495826"/>
+                <a:ext cx="983556" cy="568619"/>
+              </a:xfrm>
+              <a:prstGeom prst="rect">
+                <a:avLst/>
+              </a:prstGeom>
+              <a:ln>
+                <a:solidFill>
+                  <a:schemeClr val="bg1">
+                    <a:lumMod val="50000"/>
+                  </a:schemeClr>
+                </a:solidFill>
+              </a:ln>
+            </p:spPr>
+            <p:style>
+              <a:lnRef idx="2">
+                <a:schemeClr val="dk1"/>
+              </a:lnRef>
+              <a:fillRef idx="1">
+                <a:schemeClr val="lt1"/>
+              </a:fillRef>
+              <a:effectRef idx="0">
+                <a:schemeClr val="dk1"/>
+              </a:effectRef>
+              <a:fontRef idx="minor">
+                <a:schemeClr val="dk1"/>
+              </a:fontRef>
+            </p:style>
+            <p:txBody>
+              <a:bodyPr rtlCol="0" anchor="ctr"/>
+              <a:lstStyle/>
+              <a:p>
+                <a:pPr algn="ctr"/>
+                <a:r>
+                  <a:rPr lang="en-US" sz="1200" dirty="0" smtClean="0"/>
+                  <a:t>Clients</a:t>
+                </a:r>
+                <a:endParaRPr lang="en-US" sz="1200" dirty="0"/>
+              </a:p>
+            </p:txBody>
+          </p:sp>
+        </p:grpSp>
+        <p:sp>
+          <p:nvSpPr>
+            <p:cNvPr id="15" name="Rounded Rectangle 14"/>
+            <p:cNvSpPr/>
+            <p:nvPr/>
+          </p:nvSpPr>
+          <p:spPr>
+            <a:xfrm>
+              <a:off x="2128478" y="1139798"/>
+              <a:ext cx="2297526" cy="1210236"/>
+            </a:xfrm>
+            <a:prstGeom prst="roundRect">
+              <a:avLst>
+                <a:gd name="adj" fmla="val 6815"/>
+              </a:avLst>
+            </a:prstGeom>
+            <a:ln>
+              <a:solidFill>
+                <a:schemeClr val="bg1">
+                  <a:lumMod val="50000"/>
+                </a:schemeClr>
+              </a:solidFill>
+            </a:ln>
+          </p:spPr>
+          <p:style>
+            <a:lnRef idx="2">
+              <a:schemeClr val="dk1"/>
+            </a:lnRef>
+            <a:fillRef idx="1">
+              <a:schemeClr val="lt1"/>
+            </a:fillRef>
+            <a:effectRef idx="0">
+              <a:schemeClr val="dk1"/>
             </a:effectRef>
             <a:fontRef idx="minor">
               <a:schemeClr val="dk1"/>
@@ -16678,42 +18573,333 @@
             <a:p>
               <a:pPr algn="ctr"/>
               <a:r>
-                <a:rPr lang="en-US" sz="1000" b="1" dirty="0">
-                  <a:solidFill>
-                    <a:schemeClr val="dk1"/>
-                  </a:solidFill>
-                  <a:latin typeface="Times New Roman" panose="02020603050405020304" pitchFamily="18" charset="0"/>
-                  <a:cs typeface="Times New Roman" panose="02020603050405020304" pitchFamily="18" charset="0"/>
-                </a:rPr>
-                <a:t>Unified LRU Cache</a:t>
+                <a:rPr lang="en-US" dirty="0" err="1" smtClean="0"/>
+                <a:t>Kawkab</a:t>
               </a:r>
+              <a:r>
+                <a:rPr lang="en-US" dirty="0" smtClean="0"/>
+                <a:t> Node</a:t>
+              </a:r>
+              <a:endParaRPr lang="en-US" dirty="0"/>
             </a:p>
           </p:txBody>
         </p:sp>
         <p:sp>
           <p:nvSpPr>
-            <p:cNvPr id="34" name="Rectangle 33"/>
+            <p:cNvPr id="14" name="Rounded Rectangle 13"/>
             <p:cNvSpPr/>
             <p:nvPr/>
           </p:nvSpPr>
           <p:spPr>
             <a:xfrm>
-              <a:off x="1342002" y="2395756"/>
-              <a:ext cx="684688" cy="438625"/>
+              <a:off x="2166898" y="1160929"/>
+              <a:ext cx="2297526" cy="1210236"/>
             </a:xfrm>
-            <a:prstGeom prst="rect">
-              <a:avLst/>
+            <a:prstGeom prst="roundRect">
+              <a:avLst>
+                <a:gd name="adj" fmla="val 6815"/>
+              </a:avLst>
             </a:prstGeom>
+            <a:ln>
+              <a:solidFill>
+                <a:schemeClr val="bg1">
+                  <a:lumMod val="50000"/>
+                </a:schemeClr>
+              </a:solidFill>
+            </a:ln>
           </p:spPr>
           <p:style>
             <a:lnRef idx="2">
-              <a:schemeClr val="accent2"/>
+              <a:schemeClr val="dk1"/>
             </a:lnRef>
             <a:fillRef idx="1">
               <a:schemeClr val="lt1"/>
             </a:fillRef>
             <a:effectRef idx="0">
-              <a:schemeClr val="accent2"/>
+              <a:schemeClr val="dk1"/>
+            </a:effectRef>
+            <a:fontRef idx="minor">
+              <a:schemeClr val="dk1"/>
+            </a:fontRef>
+          </p:style>
+          <p:txBody>
+            <a:bodyPr rtlCol="0" anchor="t" anchorCtr="0"/>
+            <a:lstStyle/>
+            <a:p>
+              <a:pPr algn="ctr"/>
+              <a:r>
+                <a:rPr lang="en-US" dirty="0" err="1" smtClean="0"/>
+                <a:t>Kawkab</a:t>
+              </a:r>
+              <a:r>
+                <a:rPr lang="en-US" dirty="0" smtClean="0"/>
+                <a:t> Node</a:t>
+              </a:r>
+              <a:endParaRPr lang="en-US" dirty="0"/>
+            </a:p>
+          </p:txBody>
+        </p:sp>
+        <p:sp>
+          <p:nvSpPr>
+            <p:cNvPr id="4" name="Rounded Rectangle 3"/>
+            <p:cNvSpPr/>
+            <p:nvPr/>
+          </p:nvSpPr>
+          <p:spPr>
+            <a:xfrm>
+              <a:off x="2205318" y="1194868"/>
+              <a:ext cx="2297526" cy="1210236"/>
+            </a:xfrm>
+            <a:prstGeom prst="roundRect">
+              <a:avLst>
+                <a:gd name="adj" fmla="val 6815"/>
+              </a:avLst>
+            </a:prstGeom>
+            <a:ln>
+              <a:solidFill>
+                <a:schemeClr val="bg1">
+                  <a:lumMod val="50000"/>
+                </a:schemeClr>
+              </a:solidFill>
+            </a:ln>
+          </p:spPr>
+          <p:style>
+            <a:lnRef idx="2">
+              <a:schemeClr val="dk1"/>
+            </a:lnRef>
+            <a:fillRef idx="1">
+              <a:schemeClr val="lt1"/>
+            </a:fillRef>
+            <a:effectRef idx="0">
+              <a:schemeClr val="dk1"/>
+            </a:effectRef>
+            <a:fontRef idx="minor">
+              <a:schemeClr val="dk1"/>
+            </a:fontRef>
+          </p:style>
+          <p:txBody>
+            <a:bodyPr rtlCol="0" anchor="t" anchorCtr="0"/>
+            <a:lstStyle/>
+            <a:p>
+              <a:pPr algn="ctr"/>
+              <a:r>
+                <a:rPr lang="en-US" sz="1600" dirty="0" err="1" smtClean="0">
+                  <a:solidFill>
+                    <a:schemeClr val="tx1">
+                      <a:lumMod val="65000"/>
+                      <a:lumOff val="35000"/>
+                    </a:schemeClr>
+                  </a:solidFill>
+                </a:rPr>
+                <a:t>Kawkab</a:t>
+              </a:r>
+              <a:r>
+                <a:rPr lang="en-US" sz="1600" dirty="0" smtClean="0">
+                  <a:solidFill>
+                    <a:schemeClr val="tx1">
+                      <a:lumMod val="65000"/>
+                      <a:lumOff val="35000"/>
+                    </a:schemeClr>
+                  </a:solidFill>
+                </a:rPr>
+                <a:t> Nodes</a:t>
+              </a:r>
+              <a:endParaRPr lang="en-US" sz="1600" dirty="0">
+                <a:solidFill>
+                  <a:schemeClr val="tx1">
+                    <a:lumMod val="65000"/>
+                    <a:lumOff val="35000"/>
+                  </a:schemeClr>
+                </a:solidFill>
+              </a:endParaRPr>
+            </a:p>
+          </p:txBody>
+        </p:sp>
+        <p:grpSp>
+          <p:nvGrpSpPr>
+            <p:cNvPr id="11" name="Group 10"/>
+            <p:cNvGrpSpPr/>
+            <p:nvPr/>
+          </p:nvGrpSpPr>
+          <p:grpSpPr>
+            <a:xfrm>
+              <a:off x="3455894" y="1735311"/>
+              <a:ext cx="899030" cy="473853"/>
+              <a:chOff x="2355157" y="1735311"/>
+              <a:chExt cx="899030" cy="473853"/>
+            </a:xfrm>
+          </p:grpSpPr>
+          <p:sp>
+            <p:nvSpPr>
+              <p:cNvPr id="8" name="Can 7"/>
+              <p:cNvSpPr/>
+              <p:nvPr/>
+            </p:nvSpPr>
+            <p:spPr>
+              <a:xfrm>
+                <a:off x="2358998" y="1735311"/>
+                <a:ext cx="891348" cy="389325"/>
+              </a:xfrm>
+              <a:prstGeom prst="can">
+                <a:avLst/>
+              </a:prstGeom>
+              <a:ln>
+                <a:solidFill>
+                  <a:schemeClr val="bg1">
+                    <a:lumMod val="50000"/>
+                  </a:schemeClr>
+                </a:solidFill>
+              </a:ln>
+            </p:spPr>
+            <p:style>
+              <a:lnRef idx="2">
+                <a:schemeClr val="dk1"/>
+              </a:lnRef>
+              <a:fillRef idx="1">
+                <a:schemeClr val="lt1"/>
+              </a:fillRef>
+              <a:effectRef idx="0">
+                <a:schemeClr val="dk1"/>
+              </a:effectRef>
+              <a:fontRef idx="minor">
+                <a:schemeClr val="dk1"/>
+              </a:fontRef>
+            </p:style>
+            <p:txBody>
+              <a:bodyPr rtlCol="0" anchor="ctr"/>
+              <a:lstStyle/>
+              <a:p>
+                <a:pPr algn="ctr"/>
+                <a:endParaRPr lang="en-US" sz="1200"/>
+              </a:p>
+            </p:txBody>
+          </p:sp>
+          <p:sp>
+            <p:nvSpPr>
+              <p:cNvPr id="9" name="Can 8"/>
+              <p:cNvSpPr/>
+              <p:nvPr/>
+            </p:nvSpPr>
+            <p:spPr>
+              <a:xfrm>
+                <a:off x="2355157" y="1777575"/>
+                <a:ext cx="891348" cy="389325"/>
+              </a:xfrm>
+              <a:prstGeom prst="can">
+                <a:avLst/>
+              </a:prstGeom>
+              <a:ln>
+                <a:solidFill>
+                  <a:schemeClr val="bg1">
+                    <a:lumMod val="50000"/>
+                  </a:schemeClr>
+                </a:solidFill>
+              </a:ln>
+            </p:spPr>
+            <p:style>
+              <a:lnRef idx="2">
+                <a:schemeClr val="dk1"/>
+              </a:lnRef>
+              <a:fillRef idx="1">
+                <a:schemeClr val="lt1"/>
+              </a:fillRef>
+              <a:effectRef idx="0">
+                <a:schemeClr val="dk1"/>
+              </a:effectRef>
+              <a:fontRef idx="minor">
+                <a:schemeClr val="dk1"/>
+              </a:fontRef>
+            </p:style>
+            <p:txBody>
+              <a:bodyPr rtlCol="0" anchor="ctr"/>
+              <a:lstStyle/>
+              <a:p>
+                <a:pPr algn="ctr"/>
+                <a:endParaRPr lang="en-US" sz="1200"/>
+              </a:p>
+            </p:txBody>
+          </p:sp>
+          <p:sp>
+            <p:nvSpPr>
+              <p:cNvPr id="10" name="Can 9"/>
+              <p:cNvSpPr/>
+              <p:nvPr/>
+            </p:nvSpPr>
+            <p:spPr>
+              <a:xfrm>
+                <a:off x="2362839" y="1819839"/>
+                <a:ext cx="891348" cy="389325"/>
+              </a:xfrm>
+              <a:prstGeom prst="can">
+                <a:avLst/>
+              </a:prstGeom>
+              <a:ln>
+                <a:solidFill>
+                  <a:schemeClr val="bg1">
+                    <a:lumMod val="50000"/>
+                  </a:schemeClr>
+                </a:solidFill>
+              </a:ln>
+            </p:spPr>
+            <p:style>
+              <a:lnRef idx="2">
+                <a:schemeClr val="dk1"/>
+              </a:lnRef>
+              <a:fillRef idx="1">
+                <a:schemeClr val="lt1"/>
+              </a:fillRef>
+              <a:effectRef idx="0">
+                <a:schemeClr val="dk1"/>
+              </a:effectRef>
+              <a:fontRef idx="minor">
+                <a:schemeClr val="dk1"/>
+              </a:fontRef>
+            </p:style>
+            <p:txBody>
+              <a:bodyPr rtlCol="0" anchor="ctr"/>
+              <a:lstStyle/>
+              <a:p>
+                <a:pPr algn="ctr"/>
+                <a:r>
+                  <a:rPr lang="en-US" sz="1200" dirty="0" smtClean="0"/>
+                  <a:t>SSDs</a:t>
+                </a:r>
+                <a:endParaRPr lang="en-US" sz="1200" dirty="0"/>
+              </a:p>
+            </p:txBody>
+          </p:sp>
+        </p:grpSp>
+        <p:sp>
+          <p:nvSpPr>
+            <p:cNvPr id="12" name="Flowchart: Internal Storage 11"/>
+            <p:cNvSpPr/>
+            <p:nvPr/>
+          </p:nvSpPr>
+          <p:spPr>
+            <a:xfrm>
+              <a:off x="2435839" y="1735311"/>
+              <a:ext cx="772245" cy="473853"/>
+            </a:xfrm>
+            <a:prstGeom prst="flowChartInternalStorage">
+              <a:avLst/>
+            </a:prstGeom>
+            <a:ln>
+              <a:solidFill>
+                <a:schemeClr val="bg1">
+                  <a:lumMod val="50000"/>
+                </a:schemeClr>
+              </a:solidFill>
+            </a:ln>
+          </p:spPr>
+          <p:style>
+            <a:lnRef idx="2">
+              <a:schemeClr val="dk1"/>
+            </a:lnRef>
+            <a:fillRef idx="1">
+              <a:schemeClr val="lt1"/>
+            </a:fillRef>
+            <a:effectRef idx="0">
+              <a:schemeClr val="dk1"/>
             </a:effectRef>
             <a:fontRef idx="minor">
               <a:schemeClr val="dk1"/>
@@ -16725,455 +18911,38 @@
             <a:p>
               <a:pPr algn="ctr"/>
               <a:r>
-                <a:rPr lang="en-US" sz="1000" dirty="0" smtClean="0">
-                  <a:latin typeface="Times New Roman" panose="02020603050405020304" pitchFamily="18" charset="0"/>
-                  <a:cs typeface="Times New Roman" panose="02020603050405020304" pitchFamily="18" charset="0"/>
-                </a:rPr>
-                <a:t>File Directory</a:t>
+                <a:rPr lang="en-US" sz="1200" dirty="0" smtClean="0"/>
+                <a:t>RAMs</a:t>
               </a:r>
-              <a:endParaRPr lang="en-US" sz="1000" dirty="0">
-                <a:latin typeface="Times New Roman" panose="02020603050405020304" pitchFamily="18" charset="0"/>
-                <a:cs typeface="Times New Roman" panose="02020603050405020304" pitchFamily="18" charset="0"/>
-              </a:endParaRPr>
-            </a:p>
-          </p:txBody>
-        </p:sp>
-        <p:sp>
-          <p:nvSpPr>
-            <p:cNvPr id="43" name="Rectangle 42"/>
-            <p:cNvSpPr/>
-            <p:nvPr/>
-          </p:nvSpPr>
-          <p:spPr>
-            <a:xfrm>
-              <a:off x="5176494" y="2300716"/>
-              <a:ext cx="1272046" cy="438625"/>
-            </a:xfrm>
-            <a:prstGeom prst="rect">
-              <a:avLst/>
-            </a:prstGeom>
-            <a:ln>
-              <a:prstDash val="dash"/>
-            </a:ln>
-          </p:spPr>
-          <p:style>
-            <a:lnRef idx="2">
-              <a:schemeClr val="accent2"/>
-            </a:lnRef>
-            <a:fillRef idx="1">
-              <a:schemeClr val="lt1"/>
-            </a:fillRef>
-            <a:effectRef idx="0">
-              <a:schemeClr val="accent2"/>
-            </a:effectRef>
-            <a:fontRef idx="minor">
-              <a:schemeClr val="dk1"/>
-            </a:fontRef>
-          </p:style>
-          <p:txBody>
-            <a:bodyPr rtlCol="0" anchor="ctr"/>
-            <a:lstStyle/>
-            <a:p>
-              <a:pPr algn="ctr"/>
-              <a:r>
-                <a:rPr lang="en-US" sz="1000" dirty="0" err="1" smtClean="0">
-                  <a:latin typeface="Times New Roman" panose="02020603050405020304" pitchFamily="18" charset="0"/>
-                  <a:cs typeface="Times New Roman" panose="02020603050405020304" pitchFamily="18" charset="0"/>
-                </a:rPr>
-                <a:t>Ibmap</a:t>
-              </a:r>
-              <a:r>
-                <a:rPr lang="en-US" sz="1000" dirty="0" smtClean="0">
-                  <a:latin typeface="Times New Roman" panose="02020603050405020304" pitchFamily="18" charset="0"/>
-                  <a:cs typeface="Times New Roman" panose="02020603050405020304" pitchFamily="18" charset="0"/>
-                </a:rPr>
-                <a:t> blocks</a:t>
-              </a:r>
-              <a:endParaRPr lang="en-US" sz="1000" dirty="0">
-                <a:latin typeface="Times New Roman" panose="02020603050405020304" pitchFamily="18" charset="0"/>
-                <a:cs typeface="Times New Roman" panose="02020603050405020304" pitchFamily="18" charset="0"/>
-              </a:endParaRPr>
-            </a:p>
-          </p:txBody>
-        </p:sp>
-      </p:grpSp>
-      <p:sp>
-        <p:nvSpPr>
-          <p:cNvPr id="124" name="Rounded Rectangle 123"/>
-          <p:cNvSpPr/>
-          <p:nvPr/>
-        </p:nvSpPr>
-        <p:spPr>
-          <a:xfrm>
-            <a:off x="3477350" y="3015767"/>
-            <a:ext cx="2648455" cy="781805"/>
-          </a:xfrm>
-          <a:prstGeom prst="roundRect">
-            <a:avLst>
-              <a:gd name="adj" fmla="val 4740"/>
-            </a:avLst>
-          </a:prstGeom>
-          <a:ln>
-            <a:solidFill>
-              <a:schemeClr val="accent1">
-                <a:lumMod val="60000"/>
-                <a:lumOff val="40000"/>
-              </a:schemeClr>
-            </a:solidFill>
-          </a:ln>
-        </p:spPr>
-        <p:style>
-          <a:lnRef idx="2">
-            <a:schemeClr val="accent1"/>
-          </a:lnRef>
-          <a:fillRef idx="1">
-            <a:schemeClr val="lt1"/>
-          </a:fillRef>
-          <a:effectRef idx="0">
-            <a:schemeClr val="accent1"/>
-          </a:effectRef>
-          <a:fontRef idx="minor">
-            <a:schemeClr val="dk1"/>
-          </a:fontRef>
-        </p:style>
-        <p:txBody>
-          <a:bodyPr rtlCol="0" anchor="t"/>
-          <a:lstStyle/>
-          <a:p>
-            <a:r>
-              <a:rPr lang="en-US" sz="1000" b="1" dirty="0" smtClean="0">
-                <a:latin typeface="Times New Roman" panose="02020603050405020304" pitchFamily="18" charset="0"/>
-                <a:cs typeface="Times New Roman" panose="02020603050405020304" pitchFamily="18" charset="0"/>
-              </a:rPr>
-              <a:t>Persistence</a:t>
-            </a:r>
-            <a:endParaRPr lang="en-US" sz="1000" b="1" dirty="0">
-              <a:latin typeface="Times New Roman" panose="02020603050405020304" pitchFamily="18" charset="0"/>
-              <a:cs typeface="Times New Roman" panose="02020603050405020304" pitchFamily="18" charset="0"/>
-            </a:endParaRPr>
-          </a:p>
-        </p:txBody>
-      </p:sp>
-      <p:sp>
-        <p:nvSpPr>
-          <p:cNvPr id="22" name="Flowchart: Magnetic Disk 21"/>
-          <p:cNvSpPr/>
-          <p:nvPr/>
-        </p:nvSpPr>
-        <p:spPr>
-          <a:xfrm>
-            <a:off x="3729134" y="3972015"/>
-            <a:ext cx="782884" cy="519545"/>
-          </a:xfrm>
-          <a:prstGeom prst="flowChartMagneticDisk">
-            <a:avLst/>
-          </a:prstGeom>
-        </p:spPr>
-        <p:style>
-          <a:lnRef idx="1">
-            <a:schemeClr val="accent1"/>
-          </a:lnRef>
-          <a:fillRef idx="2">
-            <a:schemeClr val="accent1"/>
-          </a:fillRef>
-          <a:effectRef idx="1">
-            <a:schemeClr val="accent1"/>
-          </a:effectRef>
-          <a:fontRef idx="minor">
-            <a:schemeClr val="dk1"/>
-          </a:fontRef>
-        </p:style>
-        <p:txBody>
-          <a:bodyPr rtlCol="0" anchor="ctr"/>
-          <a:lstStyle/>
-          <a:p>
-            <a:pPr algn="ctr"/>
-            <a:endParaRPr lang="en-US" sz="600" dirty="0" smtClean="0">
-              <a:latin typeface="Times New Roman" panose="02020603050405020304" pitchFamily="18" charset="0"/>
-              <a:cs typeface="Times New Roman" panose="02020603050405020304" pitchFamily="18" charset="0"/>
-            </a:endParaRPr>
-          </a:p>
-          <a:p>
-            <a:pPr algn="ctr"/>
-            <a:r>
-              <a:rPr lang="en-US" sz="1000" dirty="0" smtClean="0">
-                <a:latin typeface="Times New Roman" panose="02020603050405020304" pitchFamily="18" charset="0"/>
-                <a:cs typeface="Times New Roman" panose="02020603050405020304" pitchFamily="18" charset="0"/>
-              </a:rPr>
-              <a:t>Local Storage</a:t>
-            </a:r>
-            <a:endParaRPr lang="en-US" sz="1000" dirty="0">
-              <a:latin typeface="Times New Roman" panose="02020603050405020304" pitchFamily="18" charset="0"/>
-              <a:cs typeface="Times New Roman" panose="02020603050405020304" pitchFamily="18" charset="0"/>
-            </a:endParaRPr>
-          </a:p>
-        </p:txBody>
-      </p:sp>
-      <p:sp>
-        <p:nvSpPr>
-          <p:cNvPr id="21" name="Flowchart: Magnetic Disk 20"/>
-          <p:cNvSpPr/>
-          <p:nvPr/>
-        </p:nvSpPr>
-        <p:spPr>
-          <a:xfrm>
-            <a:off x="801353" y="3972015"/>
-            <a:ext cx="782884" cy="519545"/>
-          </a:xfrm>
-          <a:prstGeom prst="flowChartMagneticDisk">
-            <a:avLst/>
-          </a:prstGeom>
-        </p:spPr>
-        <p:style>
-          <a:lnRef idx="1">
-            <a:schemeClr val="accent1"/>
-          </a:lnRef>
-          <a:fillRef idx="2">
-            <a:schemeClr val="accent1"/>
-          </a:fillRef>
-          <a:effectRef idx="1">
-            <a:schemeClr val="accent1"/>
-          </a:effectRef>
-          <a:fontRef idx="minor">
-            <a:schemeClr val="dk1"/>
-          </a:fontRef>
-        </p:style>
-        <p:txBody>
-          <a:bodyPr rtlCol="0" anchor="ctr"/>
-          <a:lstStyle/>
-          <a:p>
-            <a:pPr algn="ctr"/>
-            <a:r>
-              <a:rPr lang="en-US" sz="1000" dirty="0" err="1" smtClean="0">
-                <a:latin typeface="Times New Roman" panose="02020603050405020304" pitchFamily="18" charset="0"/>
-                <a:cs typeface="Times New Roman" panose="02020603050405020304" pitchFamily="18" charset="0"/>
-              </a:rPr>
-              <a:t>ZooKeeper</a:t>
-            </a:r>
-            <a:endParaRPr lang="en-US" sz="1000" dirty="0">
-              <a:latin typeface="Times New Roman" panose="02020603050405020304" pitchFamily="18" charset="0"/>
-              <a:cs typeface="Times New Roman" panose="02020603050405020304" pitchFamily="18" charset="0"/>
-            </a:endParaRPr>
-          </a:p>
-        </p:txBody>
-      </p:sp>
-      <p:sp>
-        <p:nvSpPr>
-          <p:cNvPr id="23" name="Flowchart: Magnetic Disk 22"/>
-          <p:cNvSpPr/>
-          <p:nvPr/>
-        </p:nvSpPr>
-        <p:spPr>
-          <a:xfrm>
-            <a:off x="5169723" y="3955206"/>
-            <a:ext cx="782884" cy="519545"/>
-          </a:xfrm>
-          <a:prstGeom prst="flowChartMagneticDisk">
-            <a:avLst/>
-          </a:prstGeom>
-        </p:spPr>
-        <p:style>
-          <a:lnRef idx="1">
-            <a:schemeClr val="accent1"/>
-          </a:lnRef>
-          <a:fillRef idx="2">
-            <a:schemeClr val="accent1"/>
-          </a:fillRef>
-          <a:effectRef idx="1">
-            <a:schemeClr val="accent1"/>
-          </a:effectRef>
-          <a:fontRef idx="minor">
-            <a:schemeClr val="dk1"/>
-          </a:fontRef>
-        </p:style>
-        <p:txBody>
-          <a:bodyPr rtlCol="0" anchor="ctr"/>
-          <a:lstStyle/>
-          <a:p>
-            <a:pPr algn="ctr"/>
-            <a:endParaRPr lang="en-US" sz="600" dirty="0" smtClean="0">
-              <a:latin typeface="Times New Roman" panose="02020603050405020304" pitchFamily="18" charset="0"/>
-              <a:cs typeface="Times New Roman" panose="02020603050405020304" pitchFamily="18" charset="0"/>
-            </a:endParaRPr>
-          </a:p>
-          <a:p>
-            <a:pPr algn="ctr"/>
-            <a:r>
-              <a:rPr lang="en-US" sz="1000" dirty="0" smtClean="0">
-                <a:latin typeface="Times New Roman" panose="02020603050405020304" pitchFamily="18" charset="0"/>
-                <a:cs typeface="Times New Roman" panose="02020603050405020304" pitchFamily="18" charset="0"/>
-              </a:rPr>
-              <a:t>Globa</a:t>
-            </a:r>
-            <a:r>
-              <a:rPr lang="en-US" sz="1000" dirty="0">
-                <a:latin typeface="Times New Roman" panose="02020603050405020304" pitchFamily="18" charset="0"/>
-                <a:cs typeface="Times New Roman" panose="02020603050405020304" pitchFamily="18" charset="0"/>
-              </a:rPr>
-              <a:t>l</a:t>
-            </a:r>
-            <a:r>
-              <a:rPr lang="en-US" sz="1000" dirty="0" smtClean="0">
-                <a:latin typeface="Times New Roman" panose="02020603050405020304" pitchFamily="18" charset="0"/>
-                <a:cs typeface="Times New Roman" panose="02020603050405020304" pitchFamily="18" charset="0"/>
-              </a:rPr>
-              <a:t> Storage</a:t>
-            </a:r>
-            <a:endParaRPr lang="en-US" sz="1000" dirty="0">
-              <a:latin typeface="Times New Roman" panose="02020603050405020304" pitchFamily="18" charset="0"/>
-              <a:cs typeface="Times New Roman" panose="02020603050405020304" pitchFamily="18" charset="0"/>
-            </a:endParaRPr>
-          </a:p>
-        </p:txBody>
-      </p:sp>
-      <p:grpSp>
-        <p:nvGrpSpPr>
-          <p:cNvPr id="30" name="Group 29"/>
-          <p:cNvGrpSpPr/>
-          <p:nvPr/>
-        </p:nvGrpSpPr>
-        <p:grpSpPr>
-          <a:xfrm>
-            <a:off x="2263277" y="23722"/>
-            <a:ext cx="2331447" cy="1744188"/>
-            <a:chOff x="2282109" y="23722"/>
-            <a:chExt cx="2331447" cy="1744188"/>
-          </a:xfrm>
-        </p:grpSpPr>
-        <p:sp>
-          <p:nvSpPr>
-            <p:cNvPr id="6" name="Rounded Rectangle 5"/>
-            <p:cNvSpPr/>
-            <p:nvPr/>
-          </p:nvSpPr>
-          <p:spPr>
-            <a:xfrm>
-              <a:off x="2282109" y="23722"/>
-              <a:ext cx="1044067" cy="401782"/>
-            </a:xfrm>
-            <a:prstGeom prst="roundRect">
-              <a:avLst/>
-            </a:prstGeom>
-            <a:ln>
-              <a:solidFill>
-                <a:schemeClr val="accent1">
-                  <a:lumMod val="60000"/>
-                  <a:lumOff val="40000"/>
-                </a:schemeClr>
-              </a:solidFill>
-            </a:ln>
-          </p:spPr>
-          <p:style>
-            <a:lnRef idx="2">
-              <a:schemeClr val="accent1"/>
-            </a:lnRef>
-            <a:fillRef idx="1">
-              <a:schemeClr val="lt1"/>
-            </a:fillRef>
-            <a:effectRef idx="0">
-              <a:schemeClr val="accent1"/>
-            </a:effectRef>
-            <a:fontRef idx="minor">
-              <a:schemeClr val="dk1"/>
-            </a:fontRef>
-          </p:style>
-          <p:txBody>
-            <a:bodyPr rtlCol="0" anchor="ctr"/>
-            <a:lstStyle/>
-            <a:p>
-              <a:pPr algn="ctr"/>
-              <a:r>
-                <a:rPr lang="en-US" sz="1000" dirty="0" smtClean="0">
-                  <a:latin typeface="Times New Roman" panose="02020603050405020304" pitchFamily="18" charset="0"/>
-                  <a:cs typeface="Times New Roman" panose="02020603050405020304" pitchFamily="18" charset="0"/>
-                </a:rPr>
-                <a:t>Client Program</a:t>
-              </a:r>
-              <a:endParaRPr lang="en-US" sz="1000" dirty="0">
-                <a:latin typeface="Times New Roman" panose="02020603050405020304" pitchFamily="18" charset="0"/>
-                <a:cs typeface="Times New Roman" panose="02020603050405020304" pitchFamily="18" charset="0"/>
-              </a:endParaRPr>
-            </a:p>
-          </p:txBody>
-        </p:sp>
-        <p:sp>
-          <p:nvSpPr>
-            <p:cNvPr id="8" name="Rounded Rectangle 7"/>
-            <p:cNvSpPr/>
-            <p:nvPr/>
-          </p:nvSpPr>
-          <p:spPr>
-            <a:xfrm>
-              <a:off x="3569488" y="23722"/>
-              <a:ext cx="1044067" cy="401782"/>
-            </a:xfrm>
-            <a:prstGeom prst="roundRect">
-              <a:avLst/>
-            </a:prstGeom>
-            <a:ln>
-              <a:solidFill>
-                <a:schemeClr val="accent1">
-                  <a:lumMod val="60000"/>
-                  <a:lumOff val="40000"/>
-                </a:schemeClr>
-              </a:solidFill>
-            </a:ln>
-          </p:spPr>
-          <p:style>
-            <a:lnRef idx="2">
-              <a:schemeClr val="accent1"/>
-            </a:lnRef>
-            <a:fillRef idx="1">
-              <a:schemeClr val="lt1"/>
-            </a:fillRef>
-            <a:effectRef idx="0">
-              <a:schemeClr val="accent1"/>
-            </a:effectRef>
-            <a:fontRef idx="minor">
-              <a:schemeClr val="dk1"/>
-            </a:fontRef>
-          </p:style>
-          <p:txBody>
-            <a:bodyPr rtlCol="0" anchor="ctr"/>
-            <a:lstStyle/>
-            <a:p>
-              <a:pPr algn="ctr"/>
-              <a:r>
-                <a:rPr lang="en-US" sz="1000" dirty="0" smtClean="0">
-                  <a:latin typeface="Times New Roman" panose="02020603050405020304" pitchFamily="18" charset="0"/>
-                  <a:cs typeface="Times New Roman" panose="02020603050405020304" pitchFamily="18" charset="0"/>
-                </a:rPr>
-                <a:t>RPC Framework</a:t>
-              </a:r>
-              <a:endParaRPr lang="en-US" sz="1000" dirty="0">
-                <a:latin typeface="Times New Roman" panose="02020603050405020304" pitchFamily="18" charset="0"/>
-                <a:cs typeface="Times New Roman" panose="02020603050405020304" pitchFamily="18" charset="0"/>
-              </a:endParaRPr>
+              <a:endParaRPr lang="en-US" sz="1200" dirty="0"/>
             </a:p>
           </p:txBody>
         </p:sp>
         <p:cxnSp>
           <p:nvCxnSpPr>
-            <p:cNvPr id="10" name="Straight Arrow Connector 9"/>
+            <p:cNvPr id="23" name="Straight Arrow Connector 22"/>
             <p:cNvCxnSpPr>
-              <a:stCxn id="6" idx="2"/>
+              <a:stCxn id="4" idx="3"/>
+              <a:endCxn id="13" idx="2"/>
             </p:cNvCxnSpPr>
             <p:nvPr/>
           </p:nvCxnSpPr>
           <p:spPr>
             <a:xfrm>
-              <a:off x="2804143" y="425504"/>
-              <a:ext cx="0" cy="256309"/>
+              <a:off x="4502844" y="1799986"/>
+              <a:ext cx="522513" cy="3201"/>
             </a:xfrm>
             <a:prstGeom prst="straightConnector1">
               <a:avLst/>
             </a:prstGeom>
             <a:ln w="12700">
               <a:solidFill>
-                <a:schemeClr val="tx1"/>
+                <a:schemeClr val="bg1">
+                  <a:lumMod val="50000"/>
+                </a:schemeClr>
               </a:solidFill>
-              <a:headEnd type="triangle" w="med" len="med"/>
-              <a:tailEnd type="triangle" w="med" len="med"/>
+              <a:headEnd type="arrow" w="med" len="med"/>
+              <a:tailEnd type="arrow" w="med" len="med"/>
             </a:ln>
           </p:spPr>
           <p:style>
@@ -17193,24 +18962,29 @@
         </p:cxnSp>
         <p:cxnSp>
           <p:nvCxnSpPr>
-            <p:cNvPr id="11" name="Straight Arrow Connector 10"/>
-            <p:cNvCxnSpPr/>
+            <p:cNvPr id="25" name="Straight Arrow Connector 24"/>
+            <p:cNvCxnSpPr>
+              <a:stCxn id="7" idx="3"/>
+              <a:endCxn id="4" idx="1"/>
+            </p:cNvCxnSpPr>
             <p:nvPr/>
           </p:nvCxnSpPr>
           <p:spPr>
-            <a:xfrm>
-              <a:off x="4091522" y="425504"/>
-              <a:ext cx="0" cy="256309"/>
+            <a:xfrm flipV="1">
+              <a:off x="1671279" y="1799986"/>
+              <a:ext cx="534039" cy="1922"/>
             </a:xfrm>
             <a:prstGeom prst="straightConnector1">
               <a:avLst/>
             </a:prstGeom>
             <a:ln w="12700">
               <a:solidFill>
-                <a:schemeClr val="tx1"/>
+                <a:schemeClr val="bg1">
+                  <a:lumMod val="50000"/>
+                </a:schemeClr>
               </a:solidFill>
-              <a:headEnd type="triangle" w="med" len="med"/>
-              <a:tailEnd type="triangle" w="med" len="med"/>
+              <a:headEnd type="arrow" w="med" len="med"/>
+              <a:tailEnd type="arrow" w="med" len="med"/>
             </a:ln>
           </p:spPr>
           <p:style>
@@ -17228,1033 +19002,11 @@
             </a:fontRef>
           </p:style>
         </p:cxnSp>
-        <p:sp>
-          <p:nvSpPr>
-            <p:cNvPr id="4" name="Rounded Rectangle 3"/>
-            <p:cNvSpPr/>
-            <p:nvPr/>
-          </p:nvSpPr>
-          <p:spPr>
-            <a:xfrm>
-              <a:off x="2296492" y="688740"/>
-              <a:ext cx="2317063" cy="346364"/>
-            </a:xfrm>
-            <a:prstGeom prst="roundRect">
-              <a:avLst/>
-            </a:prstGeom>
-            <a:ln>
-              <a:solidFill>
-                <a:schemeClr val="accent1">
-                  <a:lumMod val="60000"/>
-                  <a:lumOff val="40000"/>
-                </a:schemeClr>
-              </a:solidFill>
-            </a:ln>
-          </p:spPr>
-          <p:style>
-            <a:lnRef idx="2">
-              <a:schemeClr val="accent1"/>
-            </a:lnRef>
-            <a:fillRef idx="1">
-              <a:schemeClr val="lt1"/>
-            </a:fillRef>
-            <a:effectRef idx="0">
-              <a:schemeClr val="accent1"/>
-            </a:effectRef>
-            <a:fontRef idx="minor">
-              <a:schemeClr val="dk1"/>
-            </a:fontRef>
-          </p:style>
-          <p:txBody>
-            <a:bodyPr rtlCol="0" anchor="ctr"/>
-            <a:lstStyle/>
-            <a:p>
-              <a:pPr algn="ctr"/>
-              <a:r>
-                <a:rPr lang="en-US" sz="1000" b="1" dirty="0" smtClean="0">
-                  <a:latin typeface="Times New Roman" panose="02020603050405020304" pitchFamily="18" charset="0"/>
-                  <a:cs typeface="Times New Roman" panose="02020603050405020304" pitchFamily="18" charset="0"/>
-                </a:rPr>
-                <a:t>API</a:t>
-              </a:r>
-              <a:endParaRPr lang="en-US" sz="1000" b="1" dirty="0">
-                <a:latin typeface="Times New Roman" panose="02020603050405020304" pitchFamily="18" charset="0"/>
-                <a:cs typeface="Times New Roman" panose="02020603050405020304" pitchFamily="18" charset="0"/>
-              </a:endParaRPr>
-            </a:p>
-          </p:txBody>
-        </p:sp>
-        <p:sp>
-          <p:nvSpPr>
-            <p:cNvPr id="5" name="Rounded Rectangle 4"/>
-            <p:cNvSpPr/>
-            <p:nvPr/>
-          </p:nvSpPr>
-          <p:spPr>
-            <a:xfrm>
-              <a:off x="2296493" y="1104376"/>
-              <a:ext cx="2317063" cy="663534"/>
-            </a:xfrm>
-            <a:prstGeom prst="roundRect">
-              <a:avLst>
-                <a:gd name="adj" fmla="val 4740"/>
-              </a:avLst>
-            </a:prstGeom>
-            <a:ln>
-              <a:solidFill>
-                <a:schemeClr val="accent1">
-                  <a:lumMod val="60000"/>
-                  <a:lumOff val="40000"/>
-                </a:schemeClr>
-              </a:solidFill>
-            </a:ln>
-          </p:spPr>
-          <p:style>
-            <a:lnRef idx="2">
-              <a:schemeClr val="accent1"/>
-            </a:lnRef>
-            <a:fillRef idx="1">
-              <a:schemeClr val="lt1"/>
-            </a:fillRef>
-            <a:effectRef idx="0">
-              <a:schemeClr val="accent1"/>
-            </a:effectRef>
-            <a:fontRef idx="minor">
-              <a:schemeClr val="dk1"/>
-            </a:fontRef>
-          </p:style>
-          <p:txBody>
-            <a:bodyPr rtlCol="0" anchor="t"/>
-            <a:lstStyle/>
-            <a:p>
-              <a:r>
-                <a:rPr lang="en-US" sz="1000" b="1" dirty="0" smtClean="0">
-                  <a:latin typeface="Times New Roman" panose="02020603050405020304" pitchFamily="18" charset="0"/>
-                  <a:cs typeface="Times New Roman" panose="02020603050405020304" pitchFamily="18" charset="0"/>
-                </a:rPr>
-                <a:t>Core</a:t>
-              </a:r>
-              <a:endParaRPr lang="en-US" sz="1000" b="1" dirty="0">
-                <a:latin typeface="Times New Roman" panose="02020603050405020304" pitchFamily="18" charset="0"/>
-                <a:cs typeface="Times New Roman" panose="02020603050405020304" pitchFamily="18" charset="0"/>
-              </a:endParaRPr>
-            </a:p>
-          </p:txBody>
-        </p:sp>
-        <p:sp>
-          <p:nvSpPr>
-            <p:cNvPr id="25" name="Rectangle 24"/>
-            <p:cNvSpPr/>
-            <p:nvPr/>
-          </p:nvSpPr>
-          <p:spPr>
-            <a:xfrm>
-              <a:off x="2342038" y="1334699"/>
-              <a:ext cx="2204404" cy="287021"/>
-            </a:xfrm>
-            <a:prstGeom prst="rect">
-              <a:avLst/>
-            </a:prstGeom>
-          </p:spPr>
-          <p:style>
-            <a:lnRef idx="2">
-              <a:schemeClr val="accent2"/>
-            </a:lnRef>
-            <a:fillRef idx="1">
-              <a:schemeClr val="lt1"/>
-            </a:fillRef>
-            <a:effectRef idx="0">
-              <a:schemeClr val="accent2"/>
-            </a:effectRef>
-            <a:fontRef idx="minor">
-              <a:schemeClr val="dk1"/>
-            </a:fontRef>
-          </p:style>
-          <p:txBody>
-            <a:bodyPr rtlCol="0" anchor="ctr"/>
-            <a:lstStyle/>
-            <a:p>
-              <a:pPr algn="ctr"/>
-              <a:r>
-                <a:rPr lang="en-US" sz="1000" dirty="0" smtClean="0">
-                  <a:latin typeface="Times New Roman" panose="02020603050405020304" pitchFamily="18" charset="0"/>
-                  <a:cs typeface="Times New Roman" panose="02020603050405020304" pitchFamily="18" charset="0"/>
-                </a:rPr>
-                <a:t>Driver, File Handles</a:t>
-              </a:r>
-              <a:endParaRPr lang="en-US" sz="1000" dirty="0">
-                <a:latin typeface="Times New Roman" panose="02020603050405020304" pitchFamily="18" charset="0"/>
-                <a:cs typeface="Times New Roman" panose="02020603050405020304" pitchFamily="18" charset="0"/>
-              </a:endParaRPr>
-            </a:p>
-          </p:txBody>
-        </p:sp>
       </p:grpSp>
-      <p:cxnSp>
-        <p:nvCxnSpPr>
-          <p:cNvPr id="42" name="Straight Arrow Connector 41"/>
-          <p:cNvCxnSpPr/>
-          <p:nvPr/>
-        </p:nvCxnSpPr>
-        <p:spPr>
-          <a:xfrm>
-            <a:off x="3429000" y="1591840"/>
-            <a:ext cx="0" cy="430465"/>
-          </a:xfrm>
-          <a:prstGeom prst="straightConnector1">
-            <a:avLst/>
-          </a:prstGeom>
-          <a:ln w="9525">
-            <a:solidFill>
-              <a:schemeClr val="tx1"/>
-            </a:solidFill>
-            <a:prstDash val="dash"/>
-            <a:headEnd type="triangle" w="med" len="med"/>
-            <a:tailEnd type="triangle" w="med" len="med"/>
-          </a:ln>
-        </p:spPr>
-        <p:style>
-          <a:lnRef idx="1">
-            <a:schemeClr val="accent1"/>
-          </a:lnRef>
-          <a:fillRef idx="0">
-            <a:schemeClr val="accent1"/>
-          </a:fillRef>
-          <a:effectRef idx="0">
-            <a:schemeClr val="accent1"/>
-          </a:effectRef>
-          <a:fontRef idx="minor">
-            <a:schemeClr val="tx1"/>
-          </a:fontRef>
-        </p:style>
-      </p:cxnSp>
-      <p:sp>
-        <p:nvSpPr>
-          <p:cNvPr id="126" name="Rectangle 125"/>
-          <p:cNvSpPr/>
-          <p:nvPr/>
-        </p:nvSpPr>
-        <p:spPr>
-          <a:xfrm>
-            <a:off x="4953274" y="3305327"/>
-            <a:ext cx="928668" cy="389880"/>
-          </a:xfrm>
-          <a:prstGeom prst="rect">
-            <a:avLst/>
-          </a:prstGeom>
-          <a:solidFill>
-            <a:schemeClr val="bg1"/>
-          </a:solidFill>
-        </p:spPr>
-        <p:style>
-          <a:lnRef idx="2">
-            <a:schemeClr val="accent2"/>
-          </a:lnRef>
-          <a:fillRef idx="1">
-            <a:schemeClr val="lt1"/>
-          </a:fillRef>
-          <a:effectRef idx="0">
-            <a:schemeClr val="accent2"/>
-          </a:effectRef>
-          <a:fontRef idx="minor">
-            <a:schemeClr val="dk1"/>
-          </a:fontRef>
-        </p:style>
-        <p:txBody>
-          <a:bodyPr rtlCol="0" anchor="t" anchorCtr="0"/>
-          <a:lstStyle/>
-          <a:p>
-            <a:pPr algn="ctr"/>
-            <a:r>
-              <a:rPr lang="en-US" sz="1000" dirty="0" smtClean="0">
-                <a:solidFill>
-                  <a:schemeClr val="dk1"/>
-                </a:solidFill>
-                <a:latin typeface="Times New Roman" panose="02020603050405020304" pitchFamily="18" charset="0"/>
-                <a:cs typeface="Times New Roman" panose="02020603050405020304" pitchFamily="18" charset="0"/>
-              </a:rPr>
-              <a:t>Global Sync </a:t>
-            </a:r>
-            <a:r>
-              <a:rPr lang="en-US" sz="1000" dirty="0" smtClean="0">
-                <a:solidFill>
-                  <a:schemeClr val="dk1"/>
-                </a:solidFill>
-                <a:latin typeface="Times New Roman" panose="02020603050405020304" pitchFamily="18" charset="0"/>
-                <a:cs typeface="Times New Roman" panose="02020603050405020304" pitchFamily="18" charset="0"/>
-              </a:rPr>
-              <a:t>Processor</a:t>
-            </a:r>
-            <a:endParaRPr lang="en-US" sz="1000" dirty="0">
-              <a:solidFill>
-                <a:schemeClr val="dk1"/>
-              </a:solidFill>
-              <a:latin typeface="Times New Roman" panose="02020603050405020304" pitchFamily="18" charset="0"/>
-              <a:cs typeface="Times New Roman" panose="02020603050405020304" pitchFamily="18" charset="0"/>
-            </a:endParaRPr>
-          </a:p>
-        </p:txBody>
-      </p:sp>
-      <p:cxnSp>
-        <p:nvCxnSpPr>
-          <p:cNvPr id="131" name="Straight Connector 130"/>
-          <p:cNvCxnSpPr>
-            <a:stCxn id="127" idx="3"/>
-            <a:endCxn id="126" idx="1"/>
-          </p:cNvCxnSpPr>
-          <p:nvPr/>
-        </p:nvCxnSpPr>
-        <p:spPr>
-          <a:xfrm>
-            <a:off x="4595135" y="3500267"/>
-            <a:ext cx="358138" cy="0"/>
-          </a:xfrm>
-          <a:prstGeom prst="line">
-            <a:avLst/>
-          </a:prstGeom>
-          <a:ln w="9525">
-            <a:solidFill>
-              <a:schemeClr val="tx1"/>
-            </a:solidFill>
-            <a:prstDash val="dash"/>
-            <a:headEnd type="none" w="med" len="med"/>
-            <a:tailEnd type="triangle" w="med" len="med"/>
-          </a:ln>
-        </p:spPr>
-        <p:style>
-          <a:lnRef idx="1">
-            <a:schemeClr val="accent1"/>
-          </a:lnRef>
-          <a:fillRef idx="0">
-            <a:schemeClr val="accent1"/>
-          </a:fillRef>
-          <a:effectRef idx="0">
-            <a:schemeClr val="accent1"/>
-          </a:effectRef>
-          <a:fontRef idx="minor">
-            <a:schemeClr val="tx1"/>
-          </a:fontRef>
-        </p:style>
-      </p:cxnSp>
-      <p:cxnSp>
-        <p:nvCxnSpPr>
-          <p:cNvPr id="139" name="Straight Connector 138"/>
-          <p:cNvCxnSpPr/>
-          <p:nvPr/>
-        </p:nvCxnSpPr>
-        <p:spPr>
-          <a:xfrm flipV="1">
-            <a:off x="4269167" y="2841325"/>
-            <a:ext cx="0" cy="464002"/>
-          </a:xfrm>
-          <a:prstGeom prst="line">
-            <a:avLst/>
-          </a:prstGeom>
-          <a:ln w="9525">
-            <a:solidFill>
-              <a:schemeClr val="tx1"/>
-            </a:solidFill>
-            <a:prstDash val="dash"/>
-            <a:headEnd type="triangle" w="med" len="med"/>
-            <a:tailEnd type="triangle" w="med" len="med"/>
-          </a:ln>
-        </p:spPr>
-        <p:style>
-          <a:lnRef idx="1">
-            <a:schemeClr val="accent1"/>
-          </a:lnRef>
-          <a:fillRef idx="0">
-            <a:schemeClr val="accent1"/>
-          </a:fillRef>
-          <a:effectRef idx="0">
-            <a:schemeClr val="accent1"/>
-          </a:effectRef>
-          <a:fontRef idx="minor">
-            <a:schemeClr val="tx1"/>
-          </a:fontRef>
-        </p:style>
-      </p:cxnSp>
-      <p:cxnSp>
-        <p:nvCxnSpPr>
-          <p:cNvPr id="143" name="Straight Connector 142"/>
-          <p:cNvCxnSpPr/>
-          <p:nvPr/>
-        </p:nvCxnSpPr>
-        <p:spPr>
-          <a:xfrm flipV="1">
-            <a:off x="5412576" y="2841325"/>
-            <a:ext cx="0" cy="464002"/>
-          </a:xfrm>
-          <a:prstGeom prst="line">
-            <a:avLst/>
-          </a:prstGeom>
-          <a:ln w="9525">
-            <a:solidFill>
-              <a:schemeClr val="tx1"/>
-            </a:solidFill>
-            <a:prstDash val="dash"/>
-            <a:headEnd type="none" w="med" len="med"/>
-            <a:tailEnd type="triangle" w="med" len="med"/>
-          </a:ln>
-        </p:spPr>
-        <p:style>
-          <a:lnRef idx="1">
-            <a:schemeClr val="accent1"/>
-          </a:lnRef>
-          <a:fillRef idx="0">
-            <a:schemeClr val="accent1"/>
-          </a:fillRef>
-          <a:effectRef idx="0">
-            <a:schemeClr val="accent1"/>
-          </a:effectRef>
-          <a:fontRef idx="minor">
-            <a:schemeClr val="tx1"/>
-          </a:fontRef>
-        </p:style>
-      </p:cxnSp>
-      <p:cxnSp>
-        <p:nvCxnSpPr>
-          <p:cNvPr id="145" name="Straight Connector 144"/>
-          <p:cNvCxnSpPr/>
-          <p:nvPr/>
-        </p:nvCxnSpPr>
-        <p:spPr>
-          <a:xfrm flipH="1">
-            <a:off x="5561165" y="3695207"/>
-            <a:ext cx="1" cy="259999"/>
-          </a:xfrm>
-          <a:prstGeom prst="line">
-            <a:avLst/>
-          </a:prstGeom>
-          <a:ln w="9525">
-            <a:solidFill>
-              <a:schemeClr val="tx1"/>
-            </a:solidFill>
-            <a:prstDash val="dash"/>
-            <a:headEnd type="triangle" w="med" len="med"/>
-            <a:tailEnd type="triangle" w="med" len="med"/>
-          </a:ln>
-        </p:spPr>
-        <p:style>
-          <a:lnRef idx="1">
-            <a:schemeClr val="accent1"/>
-          </a:lnRef>
-          <a:fillRef idx="0">
-            <a:schemeClr val="accent1"/>
-          </a:fillRef>
-          <a:effectRef idx="0">
-            <a:schemeClr val="accent1"/>
-          </a:effectRef>
-          <a:fontRef idx="minor">
-            <a:schemeClr val="tx1"/>
-          </a:fontRef>
-        </p:style>
-      </p:cxnSp>
-      <p:cxnSp>
-        <p:nvCxnSpPr>
-          <p:cNvPr id="150" name="Straight Connector 149"/>
-          <p:cNvCxnSpPr>
-            <a:stCxn id="22" idx="1"/>
-          </p:cNvCxnSpPr>
-          <p:nvPr/>
-        </p:nvCxnSpPr>
-        <p:spPr>
-          <a:xfrm flipV="1">
-            <a:off x="4120576" y="3695207"/>
-            <a:ext cx="0" cy="276808"/>
-          </a:xfrm>
-          <a:prstGeom prst="line">
-            <a:avLst/>
-          </a:prstGeom>
-          <a:ln w="9525">
-            <a:solidFill>
-              <a:schemeClr val="tx1"/>
-            </a:solidFill>
-            <a:prstDash val="dash"/>
-            <a:headEnd type="triangle" w="med" len="med"/>
-            <a:tailEnd type="triangle" w="med" len="med"/>
-          </a:ln>
-        </p:spPr>
-        <p:style>
-          <a:lnRef idx="1">
-            <a:schemeClr val="accent1"/>
-          </a:lnRef>
-          <a:fillRef idx="0">
-            <a:schemeClr val="accent1"/>
-          </a:fillRef>
-          <a:effectRef idx="0">
-            <a:schemeClr val="accent1"/>
-          </a:effectRef>
-          <a:fontRef idx="minor">
-            <a:schemeClr val="tx1"/>
-          </a:fontRef>
-        </p:style>
-      </p:cxnSp>
-      <p:sp>
-        <p:nvSpPr>
-          <p:cNvPr id="127" name="Rectangle 126"/>
-          <p:cNvSpPr/>
-          <p:nvPr/>
-        </p:nvSpPr>
-        <p:spPr>
-          <a:xfrm>
-            <a:off x="3659240" y="3305327"/>
-            <a:ext cx="922674" cy="389880"/>
-          </a:xfrm>
-          <a:prstGeom prst="rect">
-            <a:avLst/>
-          </a:prstGeom>
-          <a:solidFill>
-            <a:schemeClr val="bg1"/>
-          </a:solidFill>
-        </p:spPr>
-        <p:style>
-          <a:lnRef idx="2">
-            <a:schemeClr val="accent2"/>
-          </a:lnRef>
-          <a:fillRef idx="1">
-            <a:schemeClr val="lt1"/>
-          </a:fillRef>
-          <a:effectRef idx="0">
-            <a:schemeClr val="accent2"/>
-          </a:effectRef>
-          <a:fontRef idx="minor">
-            <a:schemeClr val="dk1"/>
-          </a:fontRef>
-        </p:style>
-        <p:txBody>
-          <a:bodyPr rtlCol="0" anchor="t" anchorCtr="0"/>
-          <a:lstStyle/>
-          <a:p>
-            <a:pPr algn="ctr"/>
-            <a:r>
-              <a:rPr lang="en-US" sz="1000" dirty="0" smtClean="0">
-                <a:solidFill>
-                  <a:schemeClr val="dk1"/>
-                </a:solidFill>
-                <a:latin typeface="Times New Roman" panose="02020603050405020304" pitchFamily="18" charset="0"/>
-                <a:cs typeface="Times New Roman" panose="02020603050405020304" pitchFamily="18" charset="0"/>
-              </a:rPr>
-              <a:t>Local Sync Processor</a:t>
-            </a:r>
-            <a:endParaRPr lang="en-US" sz="1000" dirty="0">
-              <a:solidFill>
-                <a:schemeClr val="dk1"/>
-              </a:solidFill>
-              <a:latin typeface="Times New Roman" panose="02020603050405020304" pitchFamily="18" charset="0"/>
-              <a:cs typeface="Times New Roman" panose="02020603050405020304" pitchFamily="18" charset="0"/>
-            </a:endParaRPr>
-          </a:p>
-        </p:txBody>
-      </p:sp>
-      <p:cxnSp>
-        <p:nvCxnSpPr>
-          <p:cNvPr id="51" name="Straight Connector 50"/>
-          <p:cNvCxnSpPr>
-            <a:stCxn id="21" idx="1"/>
-            <a:endCxn id="34" idx="2"/>
-          </p:cNvCxnSpPr>
-          <p:nvPr/>
-        </p:nvCxnSpPr>
-        <p:spPr>
-          <a:xfrm flipH="1" flipV="1">
-            <a:off x="1191365" y="2834381"/>
-            <a:ext cx="1430" cy="1137634"/>
-          </a:xfrm>
-          <a:prstGeom prst="line">
-            <a:avLst/>
-          </a:prstGeom>
-          <a:ln w="9525">
-            <a:solidFill>
-              <a:schemeClr val="tx1"/>
-            </a:solidFill>
-            <a:prstDash val="dash"/>
-            <a:headEnd type="triangle" w="med" len="med"/>
-            <a:tailEnd type="triangle" w="med" len="med"/>
-          </a:ln>
-        </p:spPr>
-        <p:style>
-          <a:lnRef idx="1">
-            <a:schemeClr val="accent1"/>
-          </a:lnRef>
-          <a:fillRef idx="0">
-            <a:schemeClr val="accent1"/>
-          </a:fillRef>
-          <a:effectRef idx="0">
-            <a:schemeClr val="accent1"/>
-          </a:effectRef>
-          <a:fontRef idx="minor">
-            <a:schemeClr val="tx1"/>
-          </a:fontRef>
-        </p:style>
-      </p:cxnSp>
-      <p:sp>
-        <p:nvSpPr>
-          <p:cNvPr id="63" name="Rounded Rectangle 62"/>
-          <p:cNvSpPr/>
-          <p:nvPr/>
-        </p:nvSpPr>
-        <p:spPr>
-          <a:xfrm>
-            <a:off x="1745535" y="3794851"/>
-            <a:ext cx="1510325" cy="616021"/>
-          </a:xfrm>
-          <a:prstGeom prst="roundRect">
-            <a:avLst>
-              <a:gd name="adj" fmla="val 7702"/>
-            </a:avLst>
-          </a:prstGeom>
-        </p:spPr>
-        <p:style>
-          <a:lnRef idx="2">
-            <a:schemeClr val="accent6"/>
-          </a:lnRef>
-          <a:fillRef idx="1">
-            <a:schemeClr val="lt1"/>
-          </a:fillRef>
-          <a:effectRef idx="0">
-            <a:schemeClr val="accent6"/>
-          </a:effectRef>
-          <a:fontRef idx="minor">
-            <a:schemeClr val="dk1"/>
-          </a:fontRef>
-        </p:style>
-        <p:txBody>
-          <a:bodyPr rtlCol="0" anchor="t"/>
-          <a:lstStyle/>
-          <a:p>
-            <a:pPr algn="ctr"/>
-            <a:endParaRPr lang="en-US" sz="1000" dirty="0" smtClean="0">
-              <a:solidFill>
-                <a:schemeClr val="dk1"/>
-              </a:solidFill>
-              <a:latin typeface="Times New Roman" panose="02020603050405020304" pitchFamily="18" charset="0"/>
-              <a:cs typeface="Times New Roman" panose="02020603050405020304" pitchFamily="18" charset="0"/>
-            </a:endParaRPr>
-          </a:p>
-          <a:p>
-            <a:pPr algn="ctr"/>
-            <a:endParaRPr lang="en-US" sz="1000" dirty="0">
-              <a:latin typeface="Times New Roman" panose="02020603050405020304" pitchFamily="18" charset="0"/>
-              <a:cs typeface="Times New Roman" panose="02020603050405020304" pitchFamily="18" charset="0"/>
-            </a:endParaRPr>
-          </a:p>
-          <a:p>
-            <a:pPr algn="ctr"/>
-            <a:r>
-              <a:rPr lang="en-US" sz="1000" dirty="0" smtClean="0">
-                <a:solidFill>
-                  <a:schemeClr val="dk1"/>
-                </a:solidFill>
-                <a:latin typeface="Times New Roman" panose="02020603050405020304" pitchFamily="18" charset="0"/>
-                <a:cs typeface="Times New Roman" panose="02020603050405020304" pitchFamily="18" charset="0"/>
-              </a:rPr>
-              <a:t>Other </a:t>
-            </a:r>
-            <a:r>
-              <a:rPr lang="en-US" sz="1000" dirty="0" smtClean="0">
-                <a:solidFill>
-                  <a:schemeClr val="dk1"/>
-                </a:solidFill>
-                <a:latin typeface="Times New Roman" panose="02020603050405020304" pitchFamily="18" charset="0"/>
-                <a:cs typeface="Times New Roman" panose="02020603050405020304" pitchFamily="18" charset="0"/>
-              </a:rPr>
-              <a:t>nodes</a:t>
-            </a:r>
-            <a:endParaRPr lang="en-US" sz="1000" dirty="0">
-              <a:solidFill>
-                <a:schemeClr val="dk1"/>
-              </a:solidFill>
-              <a:latin typeface="Times New Roman" panose="02020603050405020304" pitchFamily="18" charset="0"/>
-              <a:cs typeface="Times New Roman" panose="02020603050405020304" pitchFamily="18" charset="0"/>
-            </a:endParaRPr>
-          </a:p>
-        </p:txBody>
-      </p:sp>
-      <p:cxnSp>
-        <p:nvCxnSpPr>
-          <p:cNvPr id="65" name="Straight Arrow Connector 64"/>
-          <p:cNvCxnSpPr>
-            <a:endCxn id="77" idx="0"/>
-          </p:cNvCxnSpPr>
-          <p:nvPr/>
-        </p:nvCxnSpPr>
-        <p:spPr>
-          <a:xfrm flipH="1">
-            <a:off x="2494056" y="2737467"/>
-            <a:ext cx="1433" cy="1135634"/>
-          </a:xfrm>
-          <a:prstGeom prst="straightConnector1">
-            <a:avLst/>
-          </a:prstGeom>
-          <a:ln w="9525">
-            <a:solidFill>
-              <a:schemeClr val="tx1"/>
-            </a:solidFill>
-            <a:prstDash val="dash"/>
-            <a:headEnd type="triangle" w="med" len="med"/>
-            <a:tailEnd type="none" w="med" len="med"/>
-          </a:ln>
-        </p:spPr>
-        <p:style>
-          <a:lnRef idx="1">
-            <a:schemeClr val="accent1"/>
-          </a:lnRef>
-          <a:fillRef idx="0">
-            <a:schemeClr val="accent1"/>
-          </a:fillRef>
-          <a:effectRef idx="0">
-            <a:schemeClr val="accent1"/>
-          </a:effectRef>
-          <a:fontRef idx="minor">
-            <a:schemeClr val="tx1"/>
-          </a:fontRef>
-        </p:style>
-      </p:cxnSp>
-      <p:sp>
-        <p:nvSpPr>
-          <p:cNvPr id="35" name="Rectangle 34"/>
-          <p:cNvSpPr/>
-          <p:nvPr/>
-        </p:nvSpPr>
-        <p:spPr>
-          <a:xfrm>
-            <a:off x="2184641" y="3125076"/>
-            <a:ext cx="655297" cy="266099"/>
-          </a:xfrm>
-          <a:prstGeom prst="rect">
-            <a:avLst/>
-          </a:prstGeom>
-          <a:ln>
-            <a:noFill/>
-            <a:prstDash val="sysDash"/>
-          </a:ln>
-        </p:spPr>
-        <p:style>
-          <a:lnRef idx="2">
-            <a:schemeClr val="accent2"/>
-          </a:lnRef>
-          <a:fillRef idx="1">
-            <a:schemeClr val="lt1"/>
-          </a:fillRef>
-          <a:effectRef idx="0">
-            <a:schemeClr val="accent2"/>
-          </a:effectRef>
-          <a:fontRef idx="minor">
-            <a:schemeClr val="dk1"/>
-          </a:fontRef>
-        </p:style>
-        <p:txBody>
-          <a:bodyPr rtlCol="0" anchor="ctr"/>
-          <a:lstStyle/>
-          <a:p>
-            <a:pPr algn="ctr"/>
-            <a:r>
-              <a:rPr lang="en-US" sz="900" dirty="0" smtClean="0">
-                <a:solidFill>
-                  <a:schemeClr val="dk1"/>
-                </a:solidFill>
-                <a:latin typeface="Times New Roman" panose="02020603050405020304" pitchFamily="18" charset="0"/>
-                <a:cs typeface="Times New Roman" panose="02020603050405020304" pitchFamily="18" charset="0"/>
-              </a:rPr>
-              <a:t>Data </a:t>
-            </a:r>
-            <a:r>
-              <a:rPr lang="en-US" sz="900" dirty="0" smtClean="0">
-                <a:solidFill>
-                  <a:schemeClr val="dk1"/>
-                </a:solidFill>
-                <a:latin typeface="Times New Roman" panose="02020603050405020304" pitchFamily="18" charset="0"/>
-                <a:cs typeface="Times New Roman" panose="02020603050405020304" pitchFamily="18" charset="0"/>
-              </a:rPr>
-              <a:t>Segments</a:t>
-            </a:r>
-            <a:endParaRPr lang="en-US" sz="900" dirty="0">
-              <a:solidFill>
-                <a:schemeClr val="dk1"/>
-              </a:solidFill>
-              <a:latin typeface="Times New Roman" panose="02020603050405020304" pitchFamily="18" charset="0"/>
-              <a:cs typeface="Times New Roman" panose="02020603050405020304" pitchFamily="18" charset="0"/>
-            </a:endParaRPr>
-          </a:p>
-        </p:txBody>
-      </p:sp>
-      <p:sp>
-        <p:nvSpPr>
-          <p:cNvPr id="77" name="Rounded Rectangle 76"/>
-          <p:cNvSpPr/>
-          <p:nvPr/>
-        </p:nvSpPr>
-        <p:spPr>
-          <a:xfrm>
-            <a:off x="1784874" y="3873101"/>
-            <a:ext cx="1418364" cy="234109"/>
-          </a:xfrm>
-          <a:prstGeom prst="roundRect">
-            <a:avLst>
-              <a:gd name="adj" fmla="val 7702"/>
-            </a:avLst>
-          </a:prstGeom>
-          <a:ln>
-            <a:prstDash val="sysDash"/>
-          </a:ln>
-        </p:spPr>
-        <p:style>
-          <a:lnRef idx="2">
-            <a:schemeClr val="accent6"/>
-          </a:lnRef>
-          <a:fillRef idx="1">
-            <a:schemeClr val="lt1"/>
-          </a:fillRef>
-          <a:effectRef idx="0">
-            <a:schemeClr val="accent6"/>
-          </a:effectRef>
-          <a:fontRef idx="minor">
-            <a:schemeClr val="dk1"/>
-          </a:fontRef>
-        </p:style>
-        <p:txBody>
-          <a:bodyPr rtlCol="0" anchor="ctr"/>
-          <a:lstStyle/>
-          <a:p>
-            <a:pPr algn="ctr"/>
-            <a:r>
-              <a:rPr lang="en-US" sz="900" dirty="0" smtClean="0">
-                <a:solidFill>
-                  <a:schemeClr val="dk1"/>
-                </a:solidFill>
-                <a:latin typeface="Times New Roman" panose="02020603050405020304" pitchFamily="18" charset="0"/>
-                <a:cs typeface="Times New Roman" panose="02020603050405020304" pitchFamily="18" charset="0"/>
-              </a:rPr>
-              <a:t>RPC service</a:t>
-            </a:r>
-            <a:endParaRPr lang="en-US" sz="900" dirty="0">
-              <a:solidFill>
-                <a:schemeClr val="dk1"/>
-              </a:solidFill>
-              <a:latin typeface="Times New Roman" panose="02020603050405020304" pitchFamily="18" charset="0"/>
-              <a:cs typeface="Times New Roman" panose="02020603050405020304" pitchFamily="18" charset="0"/>
-            </a:endParaRPr>
-          </a:p>
-        </p:txBody>
-      </p:sp>
-      <p:cxnSp>
-        <p:nvCxnSpPr>
-          <p:cNvPr id="86" name="Straight Connector 85"/>
-          <p:cNvCxnSpPr/>
-          <p:nvPr/>
-        </p:nvCxnSpPr>
-        <p:spPr>
-          <a:xfrm flipV="1">
-            <a:off x="2886931" y="2739341"/>
-            <a:ext cx="549539" cy="1133760"/>
-          </a:xfrm>
-          <a:prstGeom prst="line">
-            <a:avLst/>
-          </a:prstGeom>
-          <a:ln w="9525">
-            <a:solidFill>
-              <a:schemeClr val="tx1"/>
-            </a:solidFill>
-            <a:prstDash val="dash"/>
-            <a:headEnd type="none" w="med" len="med"/>
-            <a:tailEnd type="triangle" w="med" len="med"/>
-          </a:ln>
-        </p:spPr>
-        <p:style>
-          <a:lnRef idx="1">
-            <a:schemeClr val="accent1"/>
-          </a:lnRef>
-          <a:fillRef idx="0">
-            <a:schemeClr val="accent1"/>
-          </a:fillRef>
-          <a:effectRef idx="0">
-            <a:schemeClr val="accent1"/>
-          </a:effectRef>
-          <a:fontRef idx="minor">
-            <a:schemeClr val="tx1"/>
-          </a:fontRef>
-        </p:style>
-      </p:cxnSp>
-      <p:sp>
-        <p:nvSpPr>
-          <p:cNvPr id="89" name="Rectangle 88"/>
-          <p:cNvSpPr/>
-          <p:nvPr/>
-        </p:nvSpPr>
-        <p:spPr>
-          <a:xfrm>
-            <a:off x="2804904" y="3321207"/>
-            <a:ext cx="544834" cy="239332"/>
-          </a:xfrm>
-          <a:prstGeom prst="rect">
-            <a:avLst/>
-          </a:prstGeom>
-          <a:solidFill>
-            <a:schemeClr val="bg1"/>
-          </a:solidFill>
-          <a:ln>
-            <a:noFill/>
-            <a:prstDash val="sysDash"/>
-          </a:ln>
-        </p:spPr>
-        <p:style>
-          <a:lnRef idx="2">
-            <a:schemeClr val="accent2"/>
-          </a:lnRef>
-          <a:fillRef idx="1">
-            <a:schemeClr val="lt1"/>
-          </a:fillRef>
-          <a:effectRef idx="0">
-            <a:schemeClr val="accent2"/>
-          </a:effectRef>
-          <a:fontRef idx="minor">
-            <a:schemeClr val="dk1"/>
-          </a:fontRef>
-        </p:style>
-        <p:txBody>
-          <a:bodyPr rtlCol="0" anchor="ctr"/>
-          <a:lstStyle/>
-          <a:p>
-            <a:pPr algn="ctr"/>
-            <a:r>
-              <a:rPr lang="en-US" sz="900" dirty="0" err="1" smtClean="0">
-                <a:latin typeface="Times New Roman" panose="02020603050405020304" pitchFamily="18" charset="0"/>
-                <a:cs typeface="Times New Roman" panose="02020603050405020304" pitchFamily="18" charset="0"/>
-              </a:rPr>
-              <a:t>Inodes</a:t>
-            </a:r>
-            <a:r>
-              <a:rPr lang="en-US" sz="900" dirty="0" smtClean="0">
-                <a:latin typeface="Times New Roman" panose="02020603050405020304" pitchFamily="18" charset="0"/>
-                <a:cs typeface="Times New Roman" panose="02020603050405020304" pitchFamily="18" charset="0"/>
-              </a:rPr>
-              <a:t> blocks</a:t>
-            </a:r>
-            <a:endParaRPr lang="en-US" sz="900" dirty="0">
-              <a:solidFill>
-                <a:schemeClr val="dk1"/>
-              </a:solidFill>
-              <a:latin typeface="Times New Roman" panose="02020603050405020304" pitchFamily="18" charset="0"/>
-              <a:cs typeface="Times New Roman" panose="02020603050405020304" pitchFamily="18" charset="0"/>
-            </a:endParaRPr>
-          </a:p>
-        </p:txBody>
-      </p:sp>
-      <p:sp>
-        <p:nvSpPr>
-          <p:cNvPr id="44" name="Flowchart: Magnetic Disk 43"/>
-          <p:cNvSpPr/>
-          <p:nvPr/>
-        </p:nvSpPr>
-        <p:spPr>
-          <a:xfrm>
-            <a:off x="3729134" y="4004647"/>
-            <a:ext cx="782884" cy="519545"/>
-          </a:xfrm>
-          <a:prstGeom prst="flowChartMagneticDisk">
-            <a:avLst/>
-          </a:prstGeom>
-        </p:spPr>
-        <p:style>
-          <a:lnRef idx="1">
-            <a:schemeClr val="accent1"/>
-          </a:lnRef>
-          <a:fillRef idx="2">
-            <a:schemeClr val="accent1"/>
-          </a:fillRef>
-          <a:effectRef idx="1">
-            <a:schemeClr val="accent1"/>
-          </a:effectRef>
-          <a:fontRef idx="minor">
-            <a:schemeClr val="dk1"/>
-          </a:fontRef>
-        </p:style>
-        <p:txBody>
-          <a:bodyPr rtlCol="0" anchor="ctr"/>
-          <a:lstStyle/>
-          <a:p>
-            <a:pPr algn="ctr"/>
-            <a:endParaRPr lang="en-US" sz="600" dirty="0" smtClean="0">
-              <a:latin typeface="Times New Roman" panose="02020603050405020304" pitchFamily="18" charset="0"/>
-              <a:cs typeface="Times New Roman" panose="02020603050405020304" pitchFamily="18" charset="0"/>
-            </a:endParaRPr>
-          </a:p>
-          <a:p>
-            <a:pPr algn="ctr"/>
-            <a:r>
-              <a:rPr lang="en-US" sz="1000" dirty="0" smtClean="0">
-                <a:latin typeface="Times New Roman" panose="02020603050405020304" pitchFamily="18" charset="0"/>
-                <a:cs typeface="Times New Roman" panose="02020603050405020304" pitchFamily="18" charset="0"/>
-              </a:rPr>
-              <a:t>Local Storage</a:t>
-            </a:r>
-            <a:endParaRPr lang="en-US" sz="1000" dirty="0">
-              <a:latin typeface="Times New Roman" panose="02020603050405020304" pitchFamily="18" charset="0"/>
-              <a:cs typeface="Times New Roman" panose="02020603050405020304" pitchFamily="18" charset="0"/>
-            </a:endParaRPr>
-          </a:p>
-        </p:txBody>
-      </p:sp>
-      <p:sp>
-        <p:nvSpPr>
-          <p:cNvPr id="45" name="Flowchart: Magnetic Disk 44"/>
-          <p:cNvSpPr/>
-          <p:nvPr/>
-        </p:nvSpPr>
-        <p:spPr>
-          <a:xfrm>
-            <a:off x="3729134" y="4025327"/>
-            <a:ext cx="782884" cy="519545"/>
-          </a:xfrm>
-          <a:prstGeom prst="flowChartMagneticDisk">
-            <a:avLst/>
-          </a:prstGeom>
-        </p:spPr>
-        <p:style>
-          <a:lnRef idx="1">
-            <a:schemeClr val="accent1"/>
-          </a:lnRef>
-          <a:fillRef idx="2">
-            <a:schemeClr val="accent1"/>
-          </a:fillRef>
-          <a:effectRef idx="1">
-            <a:schemeClr val="accent1"/>
-          </a:effectRef>
-          <a:fontRef idx="minor">
-            <a:schemeClr val="dk1"/>
-          </a:fontRef>
-        </p:style>
-        <p:txBody>
-          <a:bodyPr rtlCol="0" anchor="ctr"/>
-          <a:lstStyle/>
-          <a:p>
-            <a:pPr algn="ctr"/>
-            <a:endParaRPr lang="en-US" sz="600" dirty="0" smtClean="0">
-              <a:latin typeface="Times New Roman" panose="02020603050405020304" pitchFamily="18" charset="0"/>
-              <a:cs typeface="Times New Roman" panose="02020603050405020304" pitchFamily="18" charset="0"/>
-            </a:endParaRPr>
-          </a:p>
-          <a:p>
-            <a:pPr algn="ctr"/>
-            <a:r>
-              <a:rPr lang="en-US" sz="1000" dirty="0" smtClean="0">
-                <a:latin typeface="Times New Roman" panose="02020603050405020304" pitchFamily="18" charset="0"/>
-                <a:cs typeface="Times New Roman" panose="02020603050405020304" pitchFamily="18" charset="0"/>
-              </a:rPr>
-              <a:t>Local Storage</a:t>
-            </a:r>
-            <a:endParaRPr lang="en-US" sz="1000" dirty="0">
-              <a:latin typeface="Times New Roman" panose="02020603050405020304" pitchFamily="18" charset="0"/>
-              <a:cs typeface="Times New Roman" panose="02020603050405020304" pitchFamily="18" charset="0"/>
-            </a:endParaRPr>
-          </a:p>
-        </p:txBody>
-      </p:sp>
     </p:spTree>
     <p:extLst>
       <p:ext uri="{BB962C8B-B14F-4D97-AF65-F5344CB8AC3E}">
-        <p14:creationId xmlns:p14="http://schemas.microsoft.com/office/powerpoint/2010/main" val="2161470143"/>
+        <p14:creationId xmlns:p14="http://schemas.microsoft.com/office/powerpoint/2010/main" val="903884448"/>
       </p:ext>
     </p:extLst>
   </p:cSld>
